--- a/Thesis/figures/Sunu1.pptx
+++ b/Thesis/figures/Sunu1.pptx
@@ -6,11 +6,13 @@
   </p:sldMasterIdLst>
   <p:sldIdLst>
     <p:sldId id="256" r:id="rId2"/>
-    <p:sldId id="259" r:id="rId3"/>
-    <p:sldId id="260" r:id="rId4"/>
-    <p:sldId id="262" r:id="rId5"/>
-    <p:sldId id="261" r:id="rId6"/>
-    <p:sldId id="257" r:id="rId7"/>
+    <p:sldId id="263" r:id="rId3"/>
+    <p:sldId id="259" r:id="rId4"/>
+    <p:sldId id="260" r:id="rId5"/>
+    <p:sldId id="262" r:id="rId6"/>
+    <p:sldId id="261" r:id="rId7"/>
+    <p:sldId id="257" r:id="rId8"/>
+    <p:sldId id="264" r:id="rId9"/>
   </p:sldIdLst>
   <p:sldSz cx="12192000" cy="6858000"/>
   <p:notesSz cx="6858000" cy="9144000"/>
@@ -257,7 +259,7 @@
           <a:p>
             <a:fld id="{DD1BFE35-F138-4804-88D8-958AEE55883A}" type="datetimeFigureOut">
               <a:rPr lang="tr-TR" smtClean="0"/>
-              <a:t>11.08.2019</a:t>
+              <a:t>15.08.2019</a:t>
             </a:fld>
             <a:endParaRPr lang="tr-TR"/>
           </a:p>
@@ -425,7 +427,7 @@
           <a:p>
             <a:fld id="{DD1BFE35-F138-4804-88D8-958AEE55883A}" type="datetimeFigureOut">
               <a:rPr lang="tr-TR" smtClean="0"/>
-              <a:t>11.08.2019</a:t>
+              <a:t>15.08.2019</a:t>
             </a:fld>
             <a:endParaRPr lang="tr-TR"/>
           </a:p>
@@ -603,7 +605,7 @@
           <a:p>
             <a:fld id="{DD1BFE35-F138-4804-88D8-958AEE55883A}" type="datetimeFigureOut">
               <a:rPr lang="tr-TR" smtClean="0"/>
-              <a:t>11.08.2019</a:t>
+              <a:t>15.08.2019</a:t>
             </a:fld>
             <a:endParaRPr lang="tr-TR"/>
           </a:p>
@@ -771,7 +773,7 @@
           <a:p>
             <a:fld id="{DD1BFE35-F138-4804-88D8-958AEE55883A}" type="datetimeFigureOut">
               <a:rPr lang="tr-TR" smtClean="0"/>
-              <a:t>11.08.2019</a:t>
+              <a:t>15.08.2019</a:t>
             </a:fld>
             <a:endParaRPr lang="tr-TR"/>
           </a:p>
@@ -1016,7 +1018,7 @@
           <a:p>
             <a:fld id="{DD1BFE35-F138-4804-88D8-958AEE55883A}" type="datetimeFigureOut">
               <a:rPr lang="tr-TR" smtClean="0"/>
-              <a:t>11.08.2019</a:t>
+              <a:t>15.08.2019</a:t>
             </a:fld>
             <a:endParaRPr lang="tr-TR"/>
           </a:p>
@@ -1245,7 +1247,7 @@
           <a:p>
             <a:fld id="{DD1BFE35-F138-4804-88D8-958AEE55883A}" type="datetimeFigureOut">
               <a:rPr lang="tr-TR" smtClean="0"/>
-              <a:t>11.08.2019</a:t>
+              <a:t>15.08.2019</a:t>
             </a:fld>
             <a:endParaRPr lang="tr-TR"/>
           </a:p>
@@ -1609,7 +1611,7 @@
           <a:p>
             <a:fld id="{DD1BFE35-F138-4804-88D8-958AEE55883A}" type="datetimeFigureOut">
               <a:rPr lang="tr-TR" smtClean="0"/>
-              <a:t>11.08.2019</a:t>
+              <a:t>15.08.2019</a:t>
             </a:fld>
             <a:endParaRPr lang="tr-TR"/>
           </a:p>
@@ -1726,7 +1728,7 @@
           <a:p>
             <a:fld id="{DD1BFE35-F138-4804-88D8-958AEE55883A}" type="datetimeFigureOut">
               <a:rPr lang="tr-TR" smtClean="0"/>
-              <a:t>11.08.2019</a:t>
+              <a:t>15.08.2019</a:t>
             </a:fld>
             <a:endParaRPr lang="tr-TR"/>
           </a:p>
@@ -1821,7 +1823,7 @@
           <a:p>
             <a:fld id="{DD1BFE35-F138-4804-88D8-958AEE55883A}" type="datetimeFigureOut">
               <a:rPr lang="tr-TR" smtClean="0"/>
-              <a:t>11.08.2019</a:t>
+              <a:t>15.08.2019</a:t>
             </a:fld>
             <a:endParaRPr lang="tr-TR"/>
           </a:p>
@@ -2096,7 +2098,7 @@
           <a:p>
             <a:fld id="{DD1BFE35-F138-4804-88D8-958AEE55883A}" type="datetimeFigureOut">
               <a:rPr lang="tr-TR" smtClean="0"/>
-              <a:t>11.08.2019</a:t>
+              <a:t>15.08.2019</a:t>
             </a:fld>
             <a:endParaRPr lang="tr-TR"/>
           </a:p>
@@ -2348,7 +2350,7 @@
           <a:p>
             <a:fld id="{DD1BFE35-F138-4804-88D8-958AEE55883A}" type="datetimeFigureOut">
               <a:rPr lang="tr-TR" smtClean="0"/>
-              <a:t>11.08.2019</a:t>
+              <a:t>15.08.2019</a:t>
             </a:fld>
             <a:endParaRPr lang="tr-TR"/>
           </a:p>
@@ -2559,7 +2561,7 @@
           <a:p>
             <a:fld id="{DD1BFE35-F138-4804-88D8-958AEE55883A}" type="datetimeFigureOut">
               <a:rPr lang="tr-TR" smtClean="0"/>
-              <a:t>11.08.2019</a:t>
+              <a:t>15.08.2019</a:t>
             </a:fld>
             <a:endParaRPr lang="tr-TR"/>
           </a:p>
@@ -4249,9 +4251,9 @@
             <a:avLst/>
           </a:prstGeom>
           <a:solidFill>
-            <a:schemeClr val="accent2">
-              <a:lumMod val="40000"/>
-              <a:lumOff val="60000"/>
+            <a:schemeClr val="accent4">
+              <a:lumMod val="60000"/>
+              <a:lumOff val="40000"/>
             </a:schemeClr>
           </a:solidFill>
           <a:ln w="12700">
@@ -4684,7 +4686,9 @@
             <a:avLst/>
           </a:prstGeom>
           <a:solidFill>
-            <a:srgbClr val="0070C0"/>
+            <a:schemeClr val="accent1">
+              <a:lumMod val="75000"/>
+            </a:schemeClr>
           </a:solidFill>
           <a:ln w="12700">
             <a:solidFill>
@@ -8832,6 +8836,5923 @@
 </file>
 
 <file path=ppt/slides/slide2.xml><?xml version="1.0" encoding="utf-8"?>
+<p:sld xmlns:a="http://schemas.openxmlformats.org/drawingml/2006/main" xmlns:r="http://schemas.openxmlformats.org/officeDocument/2006/relationships" xmlns:p="http://schemas.openxmlformats.org/presentationml/2006/main">
+  <p:cSld>
+    <p:spTree>
+      <p:nvGrpSpPr>
+        <p:cNvPr id="1" name=""/>
+        <p:cNvGrpSpPr/>
+        <p:nvPr/>
+      </p:nvGrpSpPr>
+      <p:grpSpPr>
+        <a:xfrm>
+          <a:off x="0" y="0"/>
+          <a:ext cx="0" cy="0"/>
+          <a:chOff x="0" y="0"/>
+          <a:chExt cx="0" cy="0"/>
+        </a:xfrm>
+      </p:grpSpPr>
+      <p:cxnSp>
+        <p:nvCxnSpPr>
+          <p:cNvPr id="121" name="Düz Bağlayıcı 120"/>
+          <p:cNvCxnSpPr>
+            <a:stCxn id="94" idx="0"/>
+            <a:endCxn id="103" idx="4"/>
+          </p:cNvCxnSpPr>
+          <p:nvPr/>
+        </p:nvCxnSpPr>
+        <p:spPr>
+          <a:xfrm>
+            <a:off x="4150112" y="1825924"/>
+            <a:ext cx="0" cy="2879108"/>
+          </a:xfrm>
+          <a:prstGeom prst="line">
+            <a:avLst/>
+          </a:prstGeom>
+          <a:ln w="12700">
+            <a:solidFill>
+              <a:schemeClr val="tx1"/>
+            </a:solidFill>
+          </a:ln>
+        </p:spPr>
+        <p:style>
+          <a:lnRef idx="1">
+            <a:schemeClr val="accent1"/>
+          </a:lnRef>
+          <a:fillRef idx="0">
+            <a:schemeClr val="accent1"/>
+          </a:fillRef>
+          <a:effectRef idx="0">
+            <a:schemeClr val="accent1"/>
+          </a:effectRef>
+          <a:fontRef idx="minor">
+            <a:schemeClr val="tx1"/>
+          </a:fontRef>
+        </p:style>
+      </p:cxnSp>
+      <p:cxnSp>
+        <p:nvCxnSpPr>
+          <p:cNvPr id="123" name="Düz Bağlayıcı 122"/>
+          <p:cNvCxnSpPr>
+            <a:endCxn id="93" idx="4"/>
+          </p:cNvCxnSpPr>
+          <p:nvPr/>
+        </p:nvCxnSpPr>
+        <p:spPr>
+          <a:xfrm>
+            <a:off x="3861036" y="1834371"/>
+            <a:ext cx="1519" cy="2870660"/>
+          </a:xfrm>
+          <a:prstGeom prst="line">
+            <a:avLst/>
+          </a:prstGeom>
+          <a:ln w="12700">
+            <a:solidFill>
+              <a:schemeClr val="tx1"/>
+            </a:solidFill>
+          </a:ln>
+        </p:spPr>
+        <p:style>
+          <a:lnRef idx="1">
+            <a:schemeClr val="accent1"/>
+          </a:lnRef>
+          <a:fillRef idx="0">
+            <a:schemeClr val="accent1"/>
+          </a:fillRef>
+          <a:effectRef idx="0">
+            <a:schemeClr val="accent1"/>
+          </a:effectRef>
+          <a:fontRef idx="minor">
+            <a:schemeClr val="tx1"/>
+          </a:fontRef>
+        </p:style>
+      </p:cxnSp>
+      <p:cxnSp>
+        <p:nvCxnSpPr>
+          <p:cNvPr id="124" name="Düz Bağlayıcı 123"/>
+          <p:cNvCxnSpPr>
+            <a:endCxn id="83" idx="4"/>
+          </p:cNvCxnSpPr>
+          <p:nvPr/>
+        </p:nvCxnSpPr>
+        <p:spPr>
+          <a:xfrm>
+            <a:off x="3573479" y="1834371"/>
+            <a:ext cx="1519" cy="2870660"/>
+          </a:xfrm>
+          <a:prstGeom prst="line">
+            <a:avLst/>
+          </a:prstGeom>
+          <a:ln w="12700">
+            <a:solidFill>
+              <a:schemeClr val="tx1"/>
+            </a:solidFill>
+          </a:ln>
+        </p:spPr>
+        <p:style>
+          <a:lnRef idx="1">
+            <a:schemeClr val="accent1"/>
+          </a:lnRef>
+          <a:fillRef idx="0">
+            <a:schemeClr val="accent1"/>
+          </a:fillRef>
+          <a:effectRef idx="0">
+            <a:schemeClr val="accent1"/>
+          </a:effectRef>
+          <a:fontRef idx="minor">
+            <a:schemeClr val="tx1"/>
+          </a:fontRef>
+        </p:style>
+      </p:cxnSp>
+      <p:cxnSp>
+        <p:nvCxnSpPr>
+          <p:cNvPr id="125" name="Düz Bağlayıcı 124"/>
+          <p:cNvCxnSpPr>
+            <a:endCxn id="73" idx="4"/>
+          </p:cNvCxnSpPr>
+          <p:nvPr/>
+        </p:nvCxnSpPr>
+        <p:spPr>
+          <a:xfrm>
+            <a:off x="3283800" y="1834371"/>
+            <a:ext cx="3639" cy="2870660"/>
+          </a:xfrm>
+          <a:prstGeom prst="line">
+            <a:avLst/>
+          </a:prstGeom>
+          <a:ln w="12700">
+            <a:solidFill>
+              <a:schemeClr val="tx1"/>
+            </a:solidFill>
+          </a:ln>
+        </p:spPr>
+        <p:style>
+          <a:lnRef idx="1">
+            <a:schemeClr val="accent1"/>
+          </a:lnRef>
+          <a:fillRef idx="0">
+            <a:schemeClr val="accent1"/>
+          </a:fillRef>
+          <a:effectRef idx="0">
+            <a:schemeClr val="accent1"/>
+          </a:effectRef>
+          <a:fontRef idx="minor">
+            <a:schemeClr val="tx1"/>
+          </a:fontRef>
+        </p:style>
+      </p:cxnSp>
+      <p:cxnSp>
+        <p:nvCxnSpPr>
+          <p:cNvPr id="126" name="Düz Bağlayıcı 125"/>
+          <p:cNvCxnSpPr/>
+          <p:nvPr/>
+        </p:nvCxnSpPr>
+        <p:spPr>
+          <a:xfrm>
+            <a:off x="2998724" y="1834371"/>
+            <a:ext cx="400" cy="2870660"/>
+          </a:xfrm>
+          <a:prstGeom prst="line">
+            <a:avLst/>
+          </a:prstGeom>
+          <a:ln w="12700">
+            <a:solidFill>
+              <a:schemeClr val="tx1"/>
+            </a:solidFill>
+          </a:ln>
+        </p:spPr>
+        <p:style>
+          <a:lnRef idx="1">
+            <a:schemeClr val="accent1"/>
+          </a:lnRef>
+          <a:fillRef idx="0">
+            <a:schemeClr val="accent1"/>
+          </a:fillRef>
+          <a:effectRef idx="0">
+            <a:schemeClr val="accent1"/>
+          </a:effectRef>
+          <a:fontRef idx="minor">
+            <a:schemeClr val="tx1"/>
+          </a:fontRef>
+        </p:style>
+      </p:cxnSp>
+      <p:cxnSp>
+        <p:nvCxnSpPr>
+          <p:cNvPr id="127" name="Düz Bağlayıcı 126"/>
+          <p:cNvCxnSpPr>
+            <a:endCxn id="53" idx="4"/>
+          </p:cNvCxnSpPr>
+          <p:nvPr/>
+        </p:nvCxnSpPr>
+        <p:spPr>
+          <a:xfrm>
+            <a:off x="2711320" y="1834371"/>
+            <a:ext cx="1003" cy="2870660"/>
+          </a:xfrm>
+          <a:prstGeom prst="line">
+            <a:avLst/>
+          </a:prstGeom>
+          <a:ln w="12700">
+            <a:solidFill>
+              <a:schemeClr val="tx1"/>
+            </a:solidFill>
+          </a:ln>
+        </p:spPr>
+        <p:style>
+          <a:lnRef idx="1">
+            <a:schemeClr val="accent1"/>
+          </a:lnRef>
+          <a:fillRef idx="0">
+            <a:schemeClr val="accent1"/>
+          </a:fillRef>
+          <a:effectRef idx="0">
+            <a:schemeClr val="accent1"/>
+          </a:effectRef>
+          <a:fontRef idx="minor">
+            <a:schemeClr val="tx1"/>
+          </a:fontRef>
+        </p:style>
+      </p:cxnSp>
+      <p:cxnSp>
+        <p:nvCxnSpPr>
+          <p:cNvPr id="128" name="Düz Bağlayıcı 127"/>
+          <p:cNvCxnSpPr>
+            <a:endCxn id="43" idx="4"/>
+          </p:cNvCxnSpPr>
+          <p:nvPr/>
+        </p:nvCxnSpPr>
+        <p:spPr>
+          <a:xfrm flipH="1">
+            <a:off x="2424764" y="1834371"/>
+            <a:ext cx="2840" cy="2870660"/>
+          </a:xfrm>
+          <a:prstGeom prst="line">
+            <a:avLst/>
+          </a:prstGeom>
+          <a:ln w="12700">
+            <a:solidFill>
+              <a:schemeClr val="tx1"/>
+            </a:solidFill>
+          </a:ln>
+        </p:spPr>
+        <p:style>
+          <a:lnRef idx="1">
+            <a:schemeClr val="accent1"/>
+          </a:lnRef>
+          <a:fillRef idx="0">
+            <a:schemeClr val="accent1"/>
+          </a:fillRef>
+          <a:effectRef idx="0">
+            <a:schemeClr val="accent1"/>
+          </a:effectRef>
+          <a:fontRef idx="minor">
+            <a:schemeClr val="tx1"/>
+          </a:fontRef>
+        </p:style>
+      </p:cxnSp>
+      <p:cxnSp>
+        <p:nvCxnSpPr>
+          <p:cNvPr id="129" name="Düz Bağlayıcı 128"/>
+          <p:cNvCxnSpPr>
+            <a:endCxn id="33" idx="4"/>
+          </p:cNvCxnSpPr>
+          <p:nvPr/>
+        </p:nvCxnSpPr>
+        <p:spPr>
+          <a:xfrm flipH="1">
+            <a:off x="2137207" y="1834371"/>
+            <a:ext cx="2840" cy="2870660"/>
+          </a:xfrm>
+          <a:prstGeom prst="line">
+            <a:avLst/>
+          </a:prstGeom>
+          <a:ln w="12700">
+            <a:solidFill>
+              <a:schemeClr val="tx1"/>
+            </a:solidFill>
+          </a:ln>
+        </p:spPr>
+        <p:style>
+          <a:lnRef idx="1">
+            <a:schemeClr val="accent1"/>
+          </a:lnRef>
+          <a:fillRef idx="0">
+            <a:schemeClr val="accent1"/>
+          </a:fillRef>
+          <a:effectRef idx="0">
+            <a:schemeClr val="accent1"/>
+          </a:effectRef>
+          <a:fontRef idx="minor">
+            <a:schemeClr val="tx1"/>
+          </a:fontRef>
+        </p:style>
+      </p:cxnSp>
+      <p:cxnSp>
+        <p:nvCxnSpPr>
+          <p:cNvPr id="130" name="Düz Bağlayıcı 129"/>
+          <p:cNvCxnSpPr>
+            <a:cxnSpLocks/>
+            <a:endCxn id="22" idx="4"/>
+          </p:cNvCxnSpPr>
+          <p:nvPr/>
+        </p:nvCxnSpPr>
+        <p:spPr>
+          <a:xfrm flipH="1">
+            <a:off x="1849648" y="1834371"/>
+            <a:ext cx="720" cy="2566009"/>
+          </a:xfrm>
+          <a:prstGeom prst="line">
+            <a:avLst/>
+          </a:prstGeom>
+          <a:ln w="12700">
+            <a:solidFill>
+              <a:schemeClr val="tx1"/>
+            </a:solidFill>
+          </a:ln>
+        </p:spPr>
+        <p:style>
+          <a:lnRef idx="1">
+            <a:schemeClr val="accent1"/>
+          </a:lnRef>
+          <a:fillRef idx="0">
+            <a:schemeClr val="accent1"/>
+          </a:fillRef>
+          <a:effectRef idx="0">
+            <a:schemeClr val="accent1"/>
+          </a:effectRef>
+          <a:fontRef idx="minor">
+            <a:schemeClr val="tx1"/>
+          </a:fontRef>
+        </p:style>
+      </p:cxnSp>
+      <p:cxnSp>
+        <p:nvCxnSpPr>
+          <p:cNvPr id="131" name="Düz Bağlayıcı 130"/>
+          <p:cNvCxnSpPr>
+            <a:endCxn id="13" idx="4"/>
+          </p:cNvCxnSpPr>
+          <p:nvPr/>
+        </p:nvCxnSpPr>
+        <p:spPr>
+          <a:xfrm>
+            <a:off x="1562090" y="1555676"/>
+            <a:ext cx="0" cy="3149355"/>
+          </a:xfrm>
+          <a:prstGeom prst="line">
+            <a:avLst/>
+          </a:prstGeom>
+          <a:ln w="12700">
+            <a:solidFill>
+              <a:schemeClr val="tx1"/>
+            </a:solidFill>
+            <a:headEnd type="triangle" w="med" len="med"/>
+            <a:tailEnd type="none" w="med" len="med"/>
+          </a:ln>
+        </p:spPr>
+        <p:style>
+          <a:lnRef idx="1">
+            <a:schemeClr val="accent1"/>
+          </a:lnRef>
+          <a:fillRef idx="0">
+            <a:schemeClr val="accent1"/>
+          </a:fillRef>
+          <a:effectRef idx="0">
+            <a:schemeClr val="accent1"/>
+          </a:effectRef>
+          <a:fontRef idx="minor">
+            <a:schemeClr val="tx1"/>
+          </a:fontRef>
+        </p:style>
+      </p:cxnSp>
+      <p:cxnSp>
+        <p:nvCxnSpPr>
+          <p:cNvPr id="116" name="Düz Bağlayıcı 115"/>
+          <p:cNvCxnSpPr>
+            <a:endCxn id="102" idx="6"/>
+          </p:cNvCxnSpPr>
+          <p:nvPr/>
+        </p:nvCxnSpPr>
+        <p:spPr>
+          <a:xfrm flipV="1">
+            <a:off x="1483590" y="4327744"/>
+            <a:ext cx="2739160" cy="2793"/>
+          </a:xfrm>
+          <a:prstGeom prst="line">
+            <a:avLst/>
+          </a:prstGeom>
+          <a:ln w="12700">
+            <a:solidFill>
+              <a:schemeClr val="tx1"/>
+            </a:solidFill>
+          </a:ln>
+        </p:spPr>
+        <p:style>
+          <a:lnRef idx="1">
+            <a:schemeClr val="accent1"/>
+          </a:lnRef>
+          <a:fillRef idx="0">
+            <a:schemeClr val="accent1"/>
+          </a:fillRef>
+          <a:effectRef idx="0">
+            <a:schemeClr val="accent1"/>
+          </a:effectRef>
+          <a:fontRef idx="minor">
+            <a:schemeClr val="tx1"/>
+          </a:fontRef>
+        </p:style>
+      </p:cxnSp>
+      <p:cxnSp>
+        <p:nvCxnSpPr>
+          <p:cNvPr id="117" name="Düz Bağlayıcı 116"/>
+          <p:cNvCxnSpPr/>
+          <p:nvPr/>
+        </p:nvCxnSpPr>
+        <p:spPr>
+          <a:xfrm flipV="1">
+            <a:off x="1483593" y="4632444"/>
+            <a:ext cx="3072974" cy="2"/>
+          </a:xfrm>
+          <a:prstGeom prst="line">
+            <a:avLst/>
+          </a:prstGeom>
+          <a:ln w="12700">
+            <a:solidFill>
+              <a:schemeClr val="tx1"/>
+            </a:solidFill>
+            <a:headEnd type="none" w="med" len="med"/>
+            <a:tailEnd type="triangle" w="med" len="med"/>
+          </a:ln>
+        </p:spPr>
+        <p:style>
+          <a:lnRef idx="1">
+            <a:schemeClr val="accent1"/>
+          </a:lnRef>
+          <a:fillRef idx="0">
+            <a:schemeClr val="accent1"/>
+          </a:fillRef>
+          <a:effectRef idx="0">
+            <a:schemeClr val="accent1"/>
+          </a:effectRef>
+          <a:fontRef idx="minor">
+            <a:schemeClr val="tx1"/>
+          </a:fontRef>
+        </p:style>
+      </p:cxnSp>
+      <p:cxnSp>
+        <p:nvCxnSpPr>
+          <p:cNvPr id="109" name="Düz Bağlayıcı 108"/>
+          <p:cNvCxnSpPr>
+            <a:endCxn id="95" idx="6"/>
+          </p:cNvCxnSpPr>
+          <p:nvPr/>
+        </p:nvCxnSpPr>
+        <p:spPr>
+          <a:xfrm>
+            <a:off x="1489452" y="2203213"/>
+            <a:ext cx="2733299" cy="0"/>
+          </a:xfrm>
+          <a:prstGeom prst="line">
+            <a:avLst/>
+          </a:prstGeom>
+          <a:ln w="12700">
+            <a:solidFill>
+              <a:schemeClr val="tx1"/>
+            </a:solidFill>
+          </a:ln>
+        </p:spPr>
+        <p:style>
+          <a:lnRef idx="1">
+            <a:schemeClr val="accent1"/>
+          </a:lnRef>
+          <a:fillRef idx="0">
+            <a:schemeClr val="accent1"/>
+          </a:fillRef>
+          <a:effectRef idx="0">
+            <a:schemeClr val="accent1"/>
+          </a:effectRef>
+          <a:fontRef idx="minor">
+            <a:schemeClr val="tx1"/>
+          </a:fontRef>
+        </p:style>
+      </p:cxnSp>
+      <p:cxnSp>
+        <p:nvCxnSpPr>
+          <p:cNvPr id="110" name="Düz Bağlayıcı 109"/>
+          <p:cNvCxnSpPr>
+            <a:endCxn id="96" idx="6"/>
+          </p:cNvCxnSpPr>
+          <p:nvPr/>
+        </p:nvCxnSpPr>
+        <p:spPr>
+          <a:xfrm flipV="1">
+            <a:off x="1483590" y="2507863"/>
+            <a:ext cx="2739160" cy="1292"/>
+          </a:xfrm>
+          <a:prstGeom prst="line">
+            <a:avLst/>
+          </a:prstGeom>
+          <a:ln w="12700">
+            <a:solidFill>
+              <a:schemeClr val="tx1"/>
+            </a:solidFill>
+          </a:ln>
+        </p:spPr>
+        <p:style>
+          <a:lnRef idx="1">
+            <a:schemeClr val="accent1"/>
+          </a:lnRef>
+          <a:fillRef idx="0">
+            <a:schemeClr val="accent1"/>
+          </a:fillRef>
+          <a:effectRef idx="0">
+            <a:schemeClr val="accent1"/>
+          </a:effectRef>
+          <a:fontRef idx="minor">
+            <a:schemeClr val="tx1"/>
+          </a:fontRef>
+        </p:style>
+      </p:cxnSp>
+      <p:cxnSp>
+        <p:nvCxnSpPr>
+          <p:cNvPr id="111" name="Düz Bağlayıcı 110"/>
+          <p:cNvCxnSpPr>
+            <a:endCxn id="97" idx="6"/>
+          </p:cNvCxnSpPr>
+          <p:nvPr/>
+        </p:nvCxnSpPr>
+        <p:spPr>
+          <a:xfrm flipV="1">
+            <a:off x="1483590" y="2812515"/>
+            <a:ext cx="2739160" cy="1292"/>
+          </a:xfrm>
+          <a:prstGeom prst="line">
+            <a:avLst/>
+          </a:prstGeom>
+          <a:ln w="12700">
+            <a:solidFill>
+              <a:schemeClr val="tx1"/>
+            </a:solidFill>
+          </a:ln>
+        </p:spPr>
+        <p:style>
+          <a:lnRef idx="1">
+            <a:schemeClr val="accent1"/>
+          </a:lnRef>
+          <a:fillRef idx="0">
+            <a:schemeClr val="accent1"/>
+          </a:fillRef>
+          <a:effectRef idx="0">
+            <a:schemeClr val="accent1"/>
+          </a:effectRef>
+          <a:fontRef idx="minor">
+            <a:schemeClr val="tx1"/>
+          </a:fontRef>
+        </p:style>
+      </p:cxnSp>
+      <p:cxnSp>
+        <p:nvCxnSpPr>
+          <p:cNvPr id="112" name="Düz Bağlayıcı 111"/>
+          <p:cNvCxnSpPr>
+            <a:endCxn id="98" idx="6"/>
+          </p:cNvCxnSpPr>
+          <p:nvPr/>
+        </p:nvCxnSpPr>
+        <p:spPr>
+          <a:xfrm flipV="1">
+            <a:off x="1483590" y="3117163"/>
+            <a:ext cx="2739160" cy="5080"/>
+          </a:xfrm>
+          <a:prstGeom prst="line">
+            <a:avLst/>
+          </a:prstGeom>
+          <a:ln w="12700">
+            <a:solidFill>
+              <a:schemeClr val="tx1"/>
+            </a:solidFill>
+          </a:ln>
+        </p:spPr>
+        <p:style>
+          <a:lnRef idx="1">
+            <a:schemeClr val="accent1"/>
+          </a:lnRef>
+          <a:fillRef idx="0">
+            <a:schemeClr val="accent1"/>
+          </a:fillRef>
+          <a:effectRef idx="0">
+            <a:schemeClr val="accent1"/>
+          </a:effectRef>
+          <a:fontRef idx="minor">
+            <a:schemeClr val="tx1"/>
+          </a:fontRef>
+        </p:style>
+      </p:cxnSp>
+      <p:cxnSp>
+        <p:nvCxnSpPr>
+          <p:cNvPr id="113" name="Düz Bağlayıcı 112"/>
+          <p:cNvCxnSpPr>
+            <a:endCxn id="99" idx="6"/>
+          </p:cNvCxnSpPr>
+          <p:nvPr/>
+        </p:nvCxnSpPr>
+        <p:spPr>
+          <a:xfrm flipV="1">
+            <a:off x="1483590" y="3421814"/>
+            <a:ext cx="2739160" cy="2444"/>
+          </a:xfrm>
+          <a:prstGeom prst="line">
+            <a:avLst/>
+          </a:prstGeom>
+          <a:ln w="12700">
+            <a:solidFill>
+              <a:schemeClr val="tx1"/>
+            </a:solidFill>
+          </a:ln>
+        </p:spPr>
+        <p:style>
+          <a:lnRef idx="1">
+            <a:schemeClr val="accent1"/>
+          </a:lnRef>
+          <a:fillRef idx="0">
+            <a:schemeClr val="accent1"/>
+          </a:fillRef>
+          <a:effectRef idx="0">
+            <a:schemeClr val="accent1"/>
+          </a:effectRef>
+          <a:fontRef idx="minor">
+            <a:schemeClr val="tx1"/>
+          </a:fontRef>
+        </p:style>
+      </p:cxnSp>
+      <p:cxnSp>
+        <p:nvCxnSpPr>
+          <p:cNvPr id="114" name="Düz Bağlayıcı 113"/>
+          <p:cNvCxnSpPr>
+            <a:endCxn id="100" idx="6"/>
+          </p:cNvCxnSpPr>
+          <p:nvPr/>
+        </p:nvCxnSpPr>
+        <p:spPr>
+          <a:xfrm flipV="1">
+            <a:off x="1483590" y="3726465"/>
+            <a:ext cx="2739160" cy="86"/>
+          </a:xfrm>
+          <a:prstGeom prst="line">
+            <a:avLst/>
+          </a:prstGeom>
+          <a:ln w="12700">
+            <a:solidFill>
+              <a:schemeClr val="tx1"/>
+            </a:solidFill>
+          </a:ln>
+        </p:spPr>
+        <p:style>
+          <a:lnRef idx="1">
+            <a:schemeClr val="accent1"/>
+          </a:lnRef>
+          <a:fillRef idx="0">
+            <a:schemeClr val="accent1"/>
+          </a:fillRef>
+          <a:effectRef idx="0">
+            <a:schemeClr val="accent1"/>
+          </a:effectRef>
+          <a:fontRef idx="minor">
+            <a:schemeClr val="tx1"/>
+          </a:fontRef>
+        </p:style>
+      </p:cxnSp>
+      <p:cxnSp>
+        <p:nvCxnSpPr>
+          <p:cNvPr id="115" name="Düz Bağlayıcı 114"/>
+          <p:cNvCxnSpPr>
+            <a:endCxn id="101" idx="6"/>
+          </p:cNvCxnSpPr>
+          <p:nvPr/>
+        </p:nvCxnSpPr>
+        <p:spPr>
+          <a:xfrm flipV="1">
+            <a:off x="1483590" y="4023093"/>
+            <a:ext cx="2739160" cy="3876"/>
+          </a:xfrm>
+          <a:prstGeom prst="line">
+            <a:avLst/>
+          </a:prstGeom>
+          <a:ln w="12700">
+            <a:solidFill>
+              <a:schemeClr val="tx1"/>
+            </a:solidFill>
+          </a:ln>
+        </p:spPr>
+        <p:style>
+          <a:lnRef idx="1">
+            <a:schemeClr val="accent1"/>
+          </a:lnRef>
+          <a:fillRef idx="0">
+            <a:schemeClr val="accent1"/>
+          </a:fillRef>
+          <a:effectRef idx="0">
+            <a:schemeClr val="accent1"/>
+          </a:effectRef>
+          <a:fontRef idx="minor">
+            <a:schemeClr val="tx1"/>
+          </a:fontRef>
+        </p:style>
+      </p:cxnSp>
+      <p:cxnSp>
+        <p:nvCxnSpPr>
+          <p:cNvPr id="107" name="Düz Bağlayıcı 106"/>
+          <p:cNvCxnSpPr>
+            <a:stCxn id="4" idx="2"/>
+            <a:endCxn id="94" idx="6"/>
+          </p:cNvCxnSpPr>
+          <p:nvPr/>
+        </p:nvCxnSpPr>
+        <p:spPr>
+          <a:xfrm>
+            <a:off x="1489452" y="1898563"/>
+            <a:ext cx="2733299" cy="0"/>
+          </a:xfrm>
+          <a:prstGeom prst="line">
+            <a:avLst/>
+          </a:prstGeom>
+          <a:ln w="12700">
+            <a:solidFill>
+              <a:schemeClr val="tx1"/>
+            </a:solidFill>
+          </a:ln>
+        </p:spPr>
+        <p:style>
+          <a:lnRef idx="1">
+            <a:schemeClr val="accent1"/>
+          </a:lnRef>
+          <a:fillRef idx="0">
+            <a:schemeClr val="accent1"/>
+          </a:fillRef>
+          <a:effectRef idx="0">
+            <a:schemeClr val="accent1"/>
+          </a:effectRef>
+          <a:fontRef idx="minor">
+            <a:schemeClr val="tx1"/>
+          </a:fontRef>
+        </p:style>
+      </p:cxnSp>
+      <p:sp>
+        <p:nvSpPr>
+          <p:cNvPr id="4" name="Oval 3"/>
+          <p:cNvSpPr/>
+          <p:nvPr/>
+        </p:nvSpPr>
+        <p:spPr>
+          <a:xfrm>
+            <a:off x="1489451" y="1825924"/>
+            <a:ext cx="145278" cy="145278"/>
+          </a:xfrm>
+          <a:prstGeom prst="ellipse">
+            <a:avLst/>
+          </a:prstGeom>
+          <a:solidFill>
+            <a:schemeClr val="bg1"/>
+          </a:solidFill>
+          <a:ln w="12700">
+            <a:solidFill>
+              <a:schemeClr val="tx1"/>
+            </a:solidFill>
+          </a:ln>
+        </p:spPr>
+        <p:style>
+          <a:lnRef idx="2">
+            <a:schemeClr val="accent1">
+              <a:shade val="50000"/>
+            </a:schemeClr>
+          </a:lnRef>
+          <a:fillRef idx="1">
+            <a:schemeClr val="accent1"/>
+          </a:fillRef>
+          <a:effectRef idx="0">
+            <a:schemeClr val="accent1"/>
+          </a:effectRef>
+          <a:fontRef idx="minor">
+            <a:schemeClr val="lt1"/>
+          </a:fontRef>
+        </p:style>
+        <p:txBody>
+          <a:bodyPr rtlCol="0" anchor="ctr"/>
+          <a:lstStyle/>
+          <a:p>
+            <a:pPr algn="ctr"/>
+            <a:endParaRPr lang="tr-TR"/>
+          </a:p>
+        </p:txBody>
+      </p:sp>
+      <p:sp>
+        <p:nvSpPr>
+          <p:cNvPr id="5" name="Oval 4"/>
+          <p:cNvSpPr/>
+          <p:nvPr/>
+        </p:nvSpPr>
+        <p:spPr>
+          <a:xfrm>
+            <a:off x="1489451" y="2130574"/>
+            <a:ext cx="145278" cy="145278"/>
+          </a:xfrm>
+          <a:prstGeom prst="ellipse">
+            <a:avLst/>
+          </a:prstGeom>
+          <a:solidFill>
+            <a:schemeClr val="bg1"/>
+          </a:solidFill>
+          <a:ln w="12700">
+            <a:solidFill>
+              <a:schemeClr val="tx1"/>
+            </a:solidFill>
+          </a:ln>
+        </p:spPr>
+        <p:style>
+          <a:lnRef idx="2">
+            <a:schemeClr val="accent1">
+              <a:shade val="50000"/>
+            </a:schemeClr>
+          </a:lnRef>
+          <a:fillRef idx="1">
+            <a:schemeClr val="accent1"/>
+          </a:fillRef>
+          <a:effectRef idx="0">
+            <a:schemeClr val="accent1"/>
+          </a:effectRef>
+          <a:fontRef idx="minor">
+            <a:schemeClr val="lt1"/>
+          </a:fontRef>
+        </p:style>
+        <p:txBody>
+          <a:bodyPr rtlCol="0" anchor="ctr"/>
+          <a:lstStyle/>
+          <a:p>
+            <a:pPr algn="ctr"/>
+            <a:endParaRPr lang="tr-TR"/>
+          </a:p>
+        </p:txBody>
+      </p:sp>
+      <p:sp>
+        <p:nvSpPr>
+          <p:cNvPr id="6" name="Oval 5"/>
+          <p:cNvSpPr/>
+          <p:nvPr/>
+        </p:nvSpPr>
+        <p:spPr>
+          <a:xfrm>
+            <a:off x="1489451" y="2435223"/>
+            <a:ext cx="145278" cy="145278"/>
+          </a:xfrm>
+          <a:prstGeom prst="ellipse">
+            <a:avLst/>
+          </a:prstGeom>
+          <a:solidFill>
+            <a:schemeClr val="bg1"/>
+          </a:solidFill>
+          <a:ln w="12700">
+            <a:solidFill>
+              <a:schemeClr val="tx1"/>
+            </a:solidFill>
+          </a:ln>
+        </p:spPr>
+        <p:style>
+          <a:lnRef idx="2">
+            <a:schemeClr val="accent1">
+              <a:shade val="50000"/>
+            </a:schemeClr>
+          </a:lnRef>
+          <a:fillRef idx="1">
+            <a:schemeClr val="accent1"/>
+          </a:fillRef>
+          <a:effectRef idx="0">
+            <a:schemeClr val="accent1"/>
+          </a:effectRef>
+          <a:fontRef idx="minor">
+            <a:schemeClr val="lt1"/>
+          </a:fontRef>
+        </p:style>
+        <p:txBody>
+          <a:bodyPr rtlCol="0" anchor="ctr"/>
+          <a:lstStyle/>
+          <a:p>
+            <a:pPr algn="ctr"/>
+            <a:endParaRPr lang="tr-TR"/>
+          </a:p>
+        </p:txBody>
+      </p:sp>
+      <p:sp>
+        <p:nvSpPr>
+          <p:cNvPr id="7" name="Oval 6"/>
+          <p:cNvSpPr/>
+          <p:nvPr/>
+        </p:nvSpPr>
+        <p:spPr>
+          <a:xfrm>
+            <a:off x="1489451" y="2739875"/>
+            <a:ext cx="145278" cy="145278"/>
+          </a:xfrm>
+          <a:prstGeom prst="ellipse">
+            <a:avLst/>
+          </a:prstGeom>
+          <a:solidFill>
+            <a:schemeClr val="bg1"/>
+          </a:solidFill>
+          <a:ln w="12700">
+            <a:solidFill>
+              <a:schemeClr val="tx1"/>
+            </a:solidFill>
+          </a:ln>
+        </p:spPr>
+        <p:style>
+          <a:lnRef idx="2">
+            <a:schemeClr val="accent1">
+              <a:shade val="50000"/>
+            </a:schemeClr>
+          </a:lnRef>
+          <a:fillRef idx="1">
+            <a:schemeClr val="accent1"/>
+          </a:fillRef>
+          <a:effectRef idx="0">
+            <a:schemeClr val="accent1"/>
+          </a:effectRef>
+          <a:fontRef idx="minor">
+            <a:schemeClr val="lt1"/>
+          </a:fontRef>
+        </p:style>
+        <p:txBody>
+          <a:bodyPr rtlCol="0" anchor="ctr"/>
+          <a:lstStyle/>
+          <a:p>
+            <a:pPr algn="ctr"/>
+            <a:endParaRPr lang="tr-TR"/>
+          </a:p>
+        </p:txBody>
+      </p:sp>
+      <p:sp>
+        <p:nvSpPr>
+          <p:cNvPr id="8" name="Oval 7"/>
+          <p:cNvSpPr/>
+          <p:nvPr/>
+        </p:nvSpPr>
+        <p:spPr>
+          <a:xfrm>
+            <a:off x="1489451" y="3044524"/>
+            <a:ext cx="145278" cy="145278"/>
+          </a:xfrm>
+          <a:prstGeom prst="ellipse">
+            <a:avLst/>
+          </a:prstGeom>
+          <a:solidFill>
+            <a:schemeClr val="bg1"/>
+          </a:solidFill>
+          <a:ln w="12700">
+            <a:solidFill>
+              <a:schemeClr val="tx1"/>
+            </a:solidFill>
+          </a:ln>
+        </p:spPr>
+        <p:style>
+          <a:lnRef idx="2">
+            <a:schemeClr val="accent1">
+              <a:shade val="50000"/>
+            </a:schemeClr>
+          </a:lnRef>
+          <a:fillRef idx="1">
+            <a:schemeClr val="accent1"/>
+          </a:fillRef>
+          <a:effectRef idx="0">
+            <a:schemeClr val="accent1"/>
+          </a:effectRef>
+          <a:fontRef idx="minor">
+            <a:schemeClr val="lt1"/>
+          </a:fontRef>
+        </p:style>
+        <p:txBody>
+          <a:bodyPr rtlCol="0" anchor="ctr"/>
+          <a:lstStyle/>
+          <a:p>
+            <a:pPr algn="ctr"/>
+            <a:endParaRPr lang="tr-TR"/>
+          </a:p>
+        </p:txBody>
+      </p:sp>
+      <p:sp>
+        <p:nvSpPr>
+          <p:cNvPr id="9" name="Oval 8"/>
+          <p:cNvSpPr/>
+          <p:nvPr/>
+        </p:nvSpPr>
+        <p:spPr>
+          <a:xfrm>
+            <a:off x="1489451" y="3349174"/>
+            <a:ext cx="145278" cy="145278"/>
+          </a:xfrm>
+          <a:prstGeom prst="ellipse">
+            <a:avLst/>
+          </a:prstGeom>
+          <a:solidFill>
+            <a:schemeClr val="bg1"/>
+          </a:solidFill>
+          <a:ln w="12700">
+            <a:solidFill>
+              <a:schemeClr val="tx1"/>
+            </a:solidFill>
+          </a:ln>
+        </p:spPr>
+        <p:style>
+          <a:lnRef idx="2">
+            <a:schemeClr val="accent1">
+              <a:shade val="50000"/>
+            </a:schemeClr>
+          </a:lnRef>
+          <a:fillRef idx="1">
+            <a:schemeClr val="accent1"/>
+          </a:fillRef>
+          <a:effectRef idx="0">
+            <a:schemeClr val="accent1"/>
+          </a:effectRef>
+          <a:fontRef idx="minor">
+            <a:schemeClr val="lt1"/>
+          </a:fontRef>
+        </p:style>
+        <p:txBody>
+          <a:bodyPr rtlCol="0" anchor="ctr"/>
+          <a:lstStyle/>
+          <a:p>
+            <a:pPr algn="ctr"/>
+            <a:endParaRPr lang="tr-TR"/>
+          </a:p>
+        </p:txBody>
+      </p:sp>
+      <p:sp>
+        <p:nvSpPr>
+          <p:cNvPr id="10" name="Oval 9"/>
+          <p:cNvSpPr/>
+          <p:nvPr/>
+        </p:nvSpPr>
+        <p:spPr>
+          <a:xfrm>
+            <a:off x="1489451" y="3653823"/>
+            <a:ext cx="145278" cy="145278"/>
+          </a:xfrm>
+          <a:prstGeom prst="ellipse">
+            <a:avLst/>
+          </a:prstGeom>
+          <a:solidFill>
+            <a:schemeClr val="bg1"/>
+          </a:solidFill>
+          <a:ln w="12700">
+            <a:solidFill>
+              <a:schemeClr val="tx1"/>
+            </a:solidFill>
+          </a:ln>
+        </p:spPr>
+        <p:style>
+          <a:lnRef idx="2">
+            <a:schemeClr val="accent1">
+              <a:shade val="50000"/>
+            </a:schemeClr>
+          </a:lnRef>
+          <a:fillRef idx="1">
+            <a:schemeClr val="accent1"/>
+          </a:fillRef>
+          <a:effectRef idx="0">
+            <a:schemeClr val="accent1"/>
+          </a:effectRef>
+          <a:fontRef idx="minor">
+            <a:schemeClr val="lt1"/>
+          </a:fontRef>
+        </p:style>
+        <p:txBody>
+          <a:bodyPr rtlCol="0" anchor="ctr"/>
+          <a:lstStyle/>
+          <a:p>
+            <a:pPr algn="ctr"/>
+            <a:endParaRPr lang="tr-TR"/>
+          </a:p>
+        </p:txBody>
+      </p:sp>
+      <p:sp>
+        <p:nvSpPr>
+          <p:cNvPr id="11" name="Oval 10"/>
+          <p:cNvSpPr/>
+          <p:nvPr/>
+        </p:nvSpPr>
+        <p:spPr>
+          <a:xfrm>
+            <a:off x="1489451" y="3950453"/>
+            <a:ext cx="145278" cy="145278"/>
+          </a:xfrm>
+          <a:prstGeom prst="ellipse">
+            <a:avLst/>
+          </a:prstGeom>
+          <a:solidFill>
+            <a:schemeClr val="bg1"/>
+          </a:solidFill>
+          <a:ln w="12700">
+            <a:solidFill>
+              <a:schemeClr val="tx1"/>
+            </a:solidFill>
+          </a:ln>
+        </p:spPr>
+        <p:style>
+          <a:lnRef idx="2">
+            <a:schemeClr val="accent1">
+              <a:shade val="50000"/>
+            </a:schemeClr>
+          </a:lnRef>
+          <a:fillRef idx="1">
+            <a:schemeClr val="accent1"/>
+          </a:fillRef>
+          <a:effectRef idx="0">
+            <a:schemeClr val="accent1"/>
+          </a:effectRef>
+          <a:fontRef idx="minor">
+            <a:schemeClr val="lt1"/>
+          </a:fontRef>
+        </p:style>
+        <p:txBody>
+          <a:bodyPr rtlCol="0" anchor="ctr"/>
+          <a:lstStyle/>
+          <a:p>
+            <a:pPr algn="ctr"/>
+            <a:endParaRPr lang="tr-TR"/>
+          </a:p>
+        </p:txBody>
+      </p:sp>
+      <p:sp>
+        <p:nvSpPr>
+          <p:cNvPr id="12" name="Oval 11"/>
+          <p:cNvSpPr/>
+          <p:nvPr/>
+        </p:nvSpPr>
+        <p:spPr>
+          <a:xfrm>
+            <a:off x="1489451" y="4255102"/>
+            <a:ext cx="145278" cy="145278"/>
+          </a:xfrm>
+          <a:prstGeom prst="ellipse">
+            <a:avLst/>
+          </a:prstGeom>
+          <a:solidFill>
+            <a:schemeClr val="bg1"/>
+          </a:solidFill>
+          <a:ln w="12700">
+            <a:solidFill>
+              <a:schemeClr val="tx1"/>
+            </a:solidFill>
+          </a:ln>
+        </p:spPr>
+        <p:style>
+          <a:lnRef idx="2">
+            <a:schemeClr val="accent1">
+              <a:shade val="50000"/>
+            </a:schemeClr>
+          </a:lnRef>
+          <a:fillRef idx="1">
+            <a:schemeClr val="accent1"/>
+          </a:fillRef>
+          <a:effectRef idx="0">
+            <a:schemeClr val="accent1"/>
+          </a:effectRef>
+          <a:fontRef idx="minor">
+            <a:schemeClr val="lt1"/>
+          </a:fontRef>
+        </p:style>
+        <p:txBody>
+          <a:bodyPr rtlCol="0" anchor="ctr"/>
+          <a:lstStyle/>
+          <a:p>
+            <a:pPr algn="ctr"/>
+            <a:endParaRPr lang="tr-TR"/>
+          </a:p>
+        </p:txBody>
+      </p:sp>
+      <p:sp>
+        <p:nvSpPr>
+          <p:cNvPr id="13" name="Oval 12"/>
+          <p:cNvSpPr/>
+          <p:nvPr/>
+        </p:nvSpPr>
+        <p:spPr>
+          <a:xfrm>
+            <a:off x="1489451" y="4559753"/>
+            <a:ext cx="145278" cy="145278"/>
+          </a:xfrm>
+          <a:prstGeom prst="ellipse">
+            <a:avLst/>
+          </a:prstGeom>
+          <a:solidFill>
+            <a:schemeClr val="accent1">
+              <a:lumMod val="75000"/>
+            </a:schemeClr>
+          </a:solidFill>
+          <a:ln w="12700">
+            <a:solidFill>
+              <a:schemeClr val="tx1"/>
+            </a:solidFill>
+          </a:ln>
+        </p:spPr>
+        <p:style>
+          <a:lnRef idx="2">
+            <a:schemeClr val="accent1">
+              <a:shade val="50000"/>
+            </a:schemeClr>
+          </a:lnRef>
+          <a:fillRef idx="1">
+            <a:schemeClr val="accent1"/>
+          </a:fillRef>
+          <a:effectRef idx="0">
+            <a:schemeClr val="accent1"/>
+          </a:effectRef>
+          <a:fontRef idx="minor">
+            <a:schemeClr val="lt1"/>
+          </a:fontRef>
+        </p:style>
+        <p:txBody>
+          <a:bodyPr rtlCol="0" anchor="ctr"/>
+          <a:lstStyle/>
+          <a:p>
+            <a:pPr algn="ctr"/>
+            <a:endParaRPr lang="tr-TR"/>
+          </a:p>
+        </p:txBody>
+      </p:sp>
+      <p:sp>
+        <p:nvSpPr>
+          <p:cNvPr id="14" name="Oval 13"/>
+          <p:cNvSpPr/>
+          <p:nvPr/>
+        </p:nvSpPr>
+        <p:spPr>
+          <a:xfrm>
+            <a:off x="1777009" y="1825924"/>
+            <a:ext cx="145278" cy="145278"/>
+          </a:xfrm>
+          <a:prstGeom prst="ellipse">
+            <a:avLst/>
+          </a:prstGeom>
+          <a:solidFill>
+            <a:srgbClr val="FF0000"/>
+          </a:solidFill>
+          <a:ln w="12700">
+            <a:solidFill>
+              <a:schemeClr val="tx1"/>
+            </a:solidFill>
+          </a:ln>
+        </p:spPr>
+        <p:style>
+          <a:lnRef idx="2">
+            <a:schemeClr val="accent1">
+              <a:shade val="50000"/>
+            </a:schemeClr>
+          </a:lnRef>
+          <a:fillRef idx="1">
+            <a:schemeClr val="accent1"/>
+          </a:fillRef>
+          <a:effectRef idx="0">
+            <a:schemeClr val="accent1"/>
+          </a:effectRef>
+          <a:fontRef idx="minor">
+            <a:schemeClr val="lt1"/>
+          </a:fontRef>
+        </p:style>
+        <p:txBody>
+          <a:bodyPr rtlCol="0" anchor="ctr"/>
+          <a:lstStyle/>
+          <a:p>
+            <a:pPr algn="ctr"/>
+            <a:endParaRPr lang="tr-TR"/>
+          </a:p>
+        </p:txBody>
+      </p:sp>
+      <p:sp>
+        <p:nvSpPr>
+          <p:cNvPr id="15" name="Oval 14"/>
+          <p:cNvSpPr/>
+          <p:nvPr/>
+        </p:nvSpPr>
+        <p:spPr>
+          <a:xfrm>
+            <a:off x="1777009" y="2130574"/>
+            <a:ext cx="145278" cy="145278"/>
+          </a:xfrm>
+          <a:prstGeom prst="ellipse">
+            <a:avLst/>
+          </a:prstGeom>
+          <a:solidFill>
+            <a:srgbClr val="FF0000"/>
+          </a:solidFill>
+          <a:ln w="12700">
+            <a:solidFill>
+              <a:schemeClr val="tx1"/>
+            </a:solidFill>
+          </a:ln>
+        </p:spPr>
+        <p:style>
+          <a:lnRef idx="2">
+            <a:schemeClr val="accent1">
+              <a:shade val="50000"/>
+            </a:schemeClr>
+          </a:lnRef>
+          <a:fillRef idx="1">
+            <a:schemeClr val="accent1"/>
+          </a:fillRef>
+          <a:effectRef idx="0">
+            <a:schemeClr val="accent1"/>
+          </a:effectRef>
+          <a:fontRef idx="minor">
+            <a:schemeClr val="lt1"/>
+          </a:fontRef>
+        </p:style>
+        <p:txBody>
+          <a:bodyPr rtlCol="0" anchor="ctr"/>
+          <a:lstStyle/>
+          <a:p>
+            <a:pPr algn="ctr"/>
+            <a:endParaRPr lang="tr-TR"/>
+          </a:p>
+        </p:txBody>
+      </p:sp>
+      <p:sp>
+        <p:nvSpPr>
+          <p:cNvPr id="16" name="Oval 15"/>
+          <p:cNvSpPr/>
+          <p:nvPr/>
+        </p:nvSpPr>
+        <p:spPr>
+          <a:xfrm>
+            <a:off x="1777009" y="2435223"/>
+            <a:ext cx="145278" cy="145278"/>
+          </a:xfrm>
+          <a:prstGeom prst="ellipse">
+            <a:avLst/>
+          </a:prstGeom>
+          <a:solidFill>
+            <a:srgbClr val="FF0000"/>
+          </a:solidFill>
+          <a:ln w="12700">
+            <a:solidFill>
+              <a:schemeClr val="tx1"/>
+            </a:solidFill>
+          </a:ln>
+        </p:spPr>
+        <p:style>
+          <a:lnRef idx="2">
+            <a:schemeClr val="accent1">
+              <a:shade val="50000"/>
+            </a:schemeClr>
+          </a:lnRef>
+          <a:fillRef idx="1">
+            <a:schemeClr val="accent1"/>
+          </a:fillRef>
+          <a:effectRef idx="0">
+            <a:schemeClr val="accent1"/>
+          </a:effectRef>
+          <a:fontRef idx="minor">
+            <a:schemeClr val="lt1"/>
+          </a:fontRef>
+        </p:style>
+        <p:txBody>
+          <a:bodyPr rtlCol="0" anchor="ctr"/>
+          <a:lstStyle/>
+          <a:p>
+            <a:pPr algn="ctr"/>
+            <a:endParaRPr lang="tr-TR"/>
+          </a:p>
+        </p:txBody>
+      </p:sp>
+      <p:sp>
+        <p:nvSpPr>
+          <p:cNvPr id="17" name="Oval 16"/>
+          <p:cNvSpPr/>
+          <p:nvPr/>
+        </p:nvSpPr>
+        <p:spPr>
+          <a:xfrm>
+            <a:off x="1777009" y="2739875"/>
+            <a:ext cx="145278" cy="145278"/>
+          </a:xfrm>
+          <a:prstGeom prst="ellipse">
+            <a:avLst/>
+          </a:prstGeom>
+          <a:solidFill>
+            <a:srgbClr val="FF0000"/>
+          </a:solidFill>
+          <a:ln w="12700">
+            <a:solidFill>
+              <a:schemeClr val="tx1"/>
+            </a:solidFill>
+          </a:ln>
+        </p:spPr>
+        <p:style>
+          <a:lnRef idx="2">
+            <a:schemeClr val="accent1">
+              <a:shade val="50000"/>
+            </a:schemeClr>
+          </a:lnRef>
+          <a:fillRef idx="1">
+            <a:schemeClr val="accent1"/>
+          </a:fillRef>
+          <a:effectRef idx="0">
+            <a:schemeClr val="accent1"/>
+          </a:effectRef>
+          <a:fontRef idx="minor">
+            <a:schemeClr val="lt1"/>
+          </a:fontRef>
+        </p:style>
+        <p:txBody>
+          <a:bodyPr rtlCol="0" anchor="ctr"/>
+          <a:lstStyle/>
+          <a:p>
+            <a:pPr algn="ctr"/>
+            <a:endParaRPr lang="tr-TR"/>
+          </a:p>
+        </p:txBody>
+      </p:sp>
+      <p:sp>
+        <p:nvSpPr>
+          <p:cNvPr id="18" name="Oval 17"/>
+          <p:cNvSpPr/>
+          <p:nvPr/>
+        </p:nvSpPr>
+        <p:spPr>
+          <a:xfrm>
+            <a:off x="1777009" y="3044524"/>
+            <a:ext cx="145278" cy="145278"/>
+          </a:xfrm>
+          <a:prstGeom prst="ellipse">
+            <a:avLst/>
+          </a:prstGeom>
+          <a:solidFill>
+            <a:srgbClr val="FF0000"/>
+          </a:solidFill>
+          <a:ln w="12700">
+            <a:solidFill>
+              <a:schemeClr val="tx1"/>
+            </a:solidFill>
+          </a:ln>
+        </p:spPr>
+        <p:style>
+          <a:lnRef idx="2">
+            <a:schemeClr val="accent1">
+              <a:shade val="50000"/>
+            </a:schemeClr>
+          </a:lnRef>
+          <a:fillRef idx="1">
+            <a:schemeClr val="accent1"/>
+          </a:fillRef>
+          <a:effectRef idx="0">
+            <a:schemeClr val="accent1"/>
+          </a:effectRef>
+          <a:fontRef idx="minor">
+            <a:schemeClr val="lt1"/>
+          </a:fontRef>
+        </p:style>
+        <p:txBody>
+          <a:bodyPr rtlCol="0" anchor="ctr"/>
+          <a:lstStyle/>
+          <a:p>
+            <a:pPr algn="ctr"/>
+            <a:endParaRPr lang="tr-TR"/>
+          </a:p>
+        </p:txBody>
+      </p:sp>
+      <p:sp>
+        <p:nvSpPr>
+          <p:cNvPr id="19" name="Oval 18"/>
+          <p:cNvSpPr/>
+          <p:nvPr/>
+        </p:nvSpPr>
+        <p:spPr>
+          <a:xfrm>
+            <a:off x="1777009" y="3349174"/>
+            <a:ext cx="145278" cy="145278"/>
+          </a:xfrm>
+          <a:prstGeom prst="ellipse">
+            <a:avLst/>
+          </a:prstGeom>
+          <a:solidFill>
+            <a:srgbClr val="FF0000"/>
+          </a:solidFill>
+          <a:ln w="12700">
+            <a:solidFill>
+              <a:schemeClr val="tx1"/>
+            </a:solidFill>
+          </a:ln>
+        </p:spPr>
+        <p:style>
+          <a:lnRef idx="2">
+            <a:schemeClr val="accent1">
+              <a:shade val="50000"/>
+            </a:schemeClr>
+          </a:lnRef>
+          <a:fillRef idx="1">
+            <a:schemeClr val="accent1"/>
+          </a:fillRef>
+          <a:effectRef idx="0">
+            <a:schemeClr val="accent1"/>
+          </a:effectRef>
+          <a:fontRef idx="minor">
+            <a:schemeClr val="lt1"/>
+          </a:fontRef>
+        </p:style>
+        <p:txBody>
+          <a:bodyPr rtlCol="0" anchor="ctr"/>
+          <a:lstStyle/>
+          <a:p>
+            <a:pPr algn="ctr"/>
+            <a:endParaRPr lang="tr-TR"/>
+          </a:p>
+        </p:txBody>
+      </p:sp>
+      <p:sp>
+        <p:nvSpPr>
+          <p:cNvPr id="20" name="Oval 19"/>
+          <p:cNvSpPr/>
+          <p:nvPr/>
+        </p:nvSpPr>
+        <p:spPr>
+          <a:xfrm>
+            <a:off x="1777009" y="3653823"/>
+            <a:ext cx="145278" cy="145278"/>
+          </a:xfrm>
+          <a:prstGeom prst="ellipse">
+            <a:avLst/>
+          </a:prstGeom>
+          <a:solidFill>
+            <a:srgbClr val="FF0000"/>
+          </a:solidFill>
+          <a:ln w="12700">
+            <a:solidFill>
+              <a:schemeClr val="tx1"/>
+            </a:solidFill>
+          </a:ln>
+        </p:spPr>
+        <p:style>
+          <a:lnRef idx="2">
+            <a:schemeClr val="accent1">
+              <a:shade val="50000"/>
+            </a:schemeClr>
+          </a:lnRef>
+          <a:fillRef idx="1">
+            <a:schemeClr val="accent1"/>
+          </a:fillRef>
+          <a:effectRef idx="0">
+            <a:schemeClr val="accent1"/>
+          </a:effectRef>
+          <a:fontRef idx="minor">
+            <a:schemeClr val="lt1"/>
+          </a:fontRef>
+        </p:style>
+        <p:txBody>
+          <a:bodyPr rtlCol="0" anchor="ctr"/>
+          <a:lstStyle/>
+          <a:p>
+            <a:pPr algn="ctr"/>
+            <a:endParaRPr lang="tr-TR"/>
+          </a:p>
+        </p:txBody>
+      </p:sp>
+      <p:sp>
+        <p:nvSpPr>
+          <p:cNvPr id="21" name="Oval 20"/>
+          <p:cNvSpPr/>
+          <p:nvPr/>
+        </p:nvSpPr>
+        <p:spPr>
+          <a:xfrm>
+            <a:off x="1777009" y="3950453"/>
+            <a:ext cx="145278" cy="145278"/>
+          </a:xfrm>
+          <a:prstGeom prst="ellipse">
+            <a:avLst/>
+          </a:prstGeom>
+          <a:solidFill>
+            <a:srgbClr val="FF0000"/>
+          </a:solidFill>
+          <a:ln w="12700">
+            <a:solidFill>
+              <a:schemeClr val="tx1"/>
+            </a:solidFill>
+          </a:ln>
+        </p:spPr>
+        <p:style>
+          <a:lnRef idx="2">
+            <a:schemeClr val="accent1">
+              <a:shade val="50000"/>
+            </a:schemeClr>
+          </a:lnRef>
+          <a:fillRef idx="1">
+            <a:schemeClr val="accent1"/>
+          </a:fillRef>
+          <a:effectRef idx="0">
+            <a:schemeClr val="accent1"/>
+          </a:effectRef>
+          <a:fontRef idx="minor">
+            <a:schemeClr val="lt1"/>
+          </a:fontRef>
+        </p:style>
+        <p:txBody>
+          <a:bodyPr rtlCol="0" anchor="ctr"/>
+          <a:lstStyle/>
+          <a:p>
+            <a:pPr algn="ctr"/>
+            <a:endParaRPr lang="tr-TR"/>
+          </a:p>
+        </p:txBody>
+      </p:sp>
+      <p:sp>
+        <p:nvSpPr>
+          <p:cNvPr id="22" name="Oval 21"/>
+          <p:cNvSpPr/>
+          <p:nvPr/>
+        </p:nvSpPr>
+        <p:spPr>
+          <a:xfrm>
+            <a:off x="1777009" y="4255102"/>
+            <a:ext cx="145278" cy="145278"/>
+          </a:xfrm>
+          <a:prstGeom prst="ellipse">
+            <a:avLst/>
+          </a:prstGeom>
+          <a:solidFill>
+            <a:schemeClr val="accent4">
+              <a:lumMod val="60000"/>
+              <a:lumOff val="40000"/>
+            </a:schemeClr>
+          </a:solidFill>
+          <a:ln w="12700">
+            <a:solidFill>
+              <a:schemeClr val="tx1"/>
+            </a:solidFill>
+          </a:ln>
+        </p:spPr>
+        <p:style>
+          <a:lnRef idx="2">
+            <a:schemeClr val="accent1">
+              <a:shade val="50000"/>
+            </a:schemeClr>
+          </a:lnRef>
+          <a:fillRef idx="1">
+            <a:schemeClr val="accent1"/>
+          </a:fillRef>
+          <a:effectRef idx="0">
+            <a:schemeClr val="accent1"/>
+          </a:effectRef>
+          <a:fontRef idx="minor">
+            <a:schemeClr val="lt1"/>
+          </a:fontRef>
+        </p:style>
+        <p:txBody>
+          <a:bodyPr rtlCol="0" anchor="ctr"/>
+          <a:lstStyle/>
+          <a:p>
+            <a:pPr algn="ctr"/>
+            <a:endParaRPr lang="tr-TR"/>
+          </a:p>
+        </p:txBody>
+      </p:sp>
+      <p:sp>
+        <p:nvSpPr>
+          <p:cNvPr id="24" name="Oval 23"/>
+          <p:cNvSpPr/>
+          <p:nvPr/>
+        </p:nvSpPr>
+        <p:spPr>
+          <a:xfrm>
+            <a:off x="2064567" y="1825924"/>
+            <a:ext cx="145278" cy="145278"/>
+          </a:xfrm>
+          <a:prstGeom prst="ellipse">
+            <a:avLst/>
+          </a:prstGeom>
+          <a:solidFill>
+            <a:srgbClr val="FF0000"/>
+          </a:solidFill>
+          <a:ln w="12700">
+            <a:solidFill>
+              <a:schemeClr val="tx1"/>
+            </a:solidFill>
+          </a:ln>
+        </p:spPr>
+        <p:style>
+          <a:lnRef idx="2">
+            <a:schemeClr val="accent1">
+              <a:shade val="50000"/>
+            </a:schemeClr>
+          </a:lnRef>
+          <a:fillRef idx="1">
+            <a:schemeClr val="accent1"/>
+          </a:fillRef>
+          <a:effectRef idx="0">
+            <a:schemeClr val="accent1"/>
+          </a:effectRef>
+          <a:fontRef idx="minor">
+            <a:schemeClr val="lt1"/>
+          </a:fontRef>
+        </p:style>
+        <p:txBody>
+          <a:bodyPr rtlCol="0" anchor="ctr"/>
+          <a:lstStyle/>
+          <a:p>
+            <a:pPr algn="ctr"/>
+            <a:endParaRPr lang="tr-TR"/>
+          </a:p>
+        </p:txBody>
+      </p:sp>
+      <p:sp>
+        <p:nvSpPr>
+          <p:cNvPr id="25" name="Oval 24"/>
+          <p:cNvSpPr/>
+          <p:nvPr/>
+        </p:nvSpPr>
+        <p:spPr>
+          <a:xfrm>
+            <a:off x="2064567" y="2130574"/>
+            <a:ext cx="145278" cy="145278"/>
+          </a:xfrm>
+          <a:prstGeom prst="ellipse">
+            <a:avLst/>
+          </a:prstGeom>
+          <a:solidFill>
+            <a:srgbClr val="FF0000"/>
+          </a:solidFill>
+          <a:ln w="12700">
+            <a:solidFill>
+              <a:schemeClr val="tx1"/>
+            </a:solidFill>
+          </a:ln>
+        </p:spPr>
+        <p:style>
+          <a:lnRef idx="2">
+            <a:schemeClr val="accent1">
+              <a:shade val="50000"/>
+            </a:schemeClr>
+          </a:lnRef>
+          <a:fillRef idx="1">
+            <a:schemeClr val="accent1"/>
+          </a:fillRef>
+          <a:effectRef idx="0">
+            <a:schemeClr val="accent1"/>
+          </a:effectRef>
+          <a:fontRef idx="minor">
+            <a:schemeClr val="lt1"/>
+          </a:fontRef>
+        </p:style>
+        <p:txBody>
+          <a:bodyPr rtlCol="0" anchor="ctr"/>
+          <a:lstStyle/>
+          <a:p>
+            <a:pPr algn="ctr"/>
+            <a:endParaRPr lang="tr-TR"/>
+          </a:p>
+        </p:txBody>
+      </p:sp>
+      <p:sp>
+        <p:nvSpPr>
+          <p:cNvPr id="26" name="Oval 25"/>
+          <p:cNvSpPr/>
+          <p:nvPr/>
+        </p:nvSpPr>
+        <p:spPr>
+          <a:xfrm>
+            <a:off x="2064567" y="2435223"/>
+            <a:ext cx="145278" cy="145278"/>
+          </a:xfrm>
+          <a:prstGeom prst="ellipse">
+            <a:avLst/>
+          </a:prstGeom>
+          <a:solidFill>
+            <a:srgbClr val="FF0000"/>
+          </a:solidFill>
+          <a:ln w="12700">
+            <a:solidFill>
+              <a:schemeClr val="tx1"/>
+            </a:solidFill>
+          </a:ln>
+        </p:spPr>
+        <p:style>
+          <a:lnRef idx="2">
+            <a:schemeClr val="accent1">
+              <a:shade val="50000"/>
+            </a:schemeClr>
+          </a:lnRef>
+          <a:fillRef idx="1">
+            <a:schemeClr val="accent1"/>
+          </a:fillRef>
+          <a:effectRef idx="0">
+            <a:schemeClr val="accent1"/>
+          </a:effectRef>
+          <a:fontRef idx="minor">
+            <a:schemeClr val="lt1"/>
+          </a:fontRef>
+        </p:style>
+        <p:txBody>
+          <a:bodyPr rtlCol="0" anchor="ctr"/>
+          <a:lstStyle/>
+          <a:p>
+            <a:pPr algn="ctr"/>
+            <a:endParaRPr lang="tr-TR"/>
+          </a:p>
+        </p:txBody>
+      </p:sp>
+      <p:sp>
+        <p:nvSpPr>
+          <p:cNvPr id="27" name="Oval 26"/>
+          <p:cNvSpPr/>
+          <p:nvPr/>
+        </p:nvSpPr>
+        <p:spPr>
+          <a:xfrm>
+            <a:off x="2064567" y="2739875"/>
+            <a:ext cx="145278" cy="145278"/>
+          </a:xfrm>
+          <a:prstGeom prst="ellipse">
+            <a:avLst/>
+          </a:prstGeom>
+          <a:solidFill>
+            <a:srgbClr val="FF0000"/>
+          </a:solidFill>
+          <a:ln w="12700">
+            <a:solidFill>
+              <a:schemeClr val="tx1"/>
+            </a:solidFill>
+          </a:ln>
+        </p:spPr>
+        <p:style>
+          <a:lnRef idx="2">
+            <a:schemeClr val="accent1">
+              <a:shade val="50000"/>
+            </a:schemeClr>
+          </a:lnRef>
+          <a:fillRef idx="1">
+            <a:schemeClr val="accent1"/>
+          </a:fillRef>
+          <a:effectRef idx="0">
+            <a:schemeClr val="accent1"/>
+          </a:effectRef>
+          <a:fontRef idx="minor">
+            <a:schemeClr val="lt1"/>
+          </a:fontRef>
+        </p:style>
+        <p:txBody>
+          <a:bodyPr rtlCol="0" anchor="ctr"/>
+          <a:lstStyle/>
+          <a:p>
+            <a:pPr algn="ctr"/>
+            <a:endParaRPr lang="tr-TR"/>
+          </a:p>
+        </p:txBody>
+      </p:sp>
+      <p:sp>
+        <p:nvSpPr>
+          <p:cNvPr id="28" name="Oval 27"/>
+          <p:cNvSpPr/>
+          <p:nvPr/>
+        </p:nvSpPr>
+        <p:spPr>
+          <a:xfrm>
+            <a:off x="2064567" y="3044524"/>
+            <a:ext cx="145278" cy="145278"/>
+          </a:xfrm>
+          <a:prstGeom prst="ellipse">
+            <a:avLst/>
+          </a:prstGeom>
+          <a:solidFill>
+            <a:srgbClr val="FF0000"/>
+          </a:solidFill>
+          <a:ln w="12700">
+            <a:solidFill>
+              <a:schemeClr val="tx1"/>
+            </a:solidFill>
+          </a:ln>
+        </p:spPr>
+        <p:style>
+          <a:lnRef idx="2">
+            <a:schemeClr val="accent1">
+              <a:shade val="50000"/>
+            </a:schemeClr>
+          </a:lnRef>
+          <a:fillRef idx="1">
+            <a:schemeClr val="accent1"/>
+          </a:fillRef>
+          <a:effectRef idx="0">
+            <a:schemeClr val="accent1"/>
+          </a:effectRef>
+          <a:fontRef idx="minor">
+            <a:schemeClr val="lt1"/>
+          </a:fontRef>
+        </p:style>
+        <p:txBody>
+          <a:bodyPr rtlCol="0" anchor="ctr"/>
+          <a:lstStyle/>
+          <a:p>
+            <a:pPr algn="ctr"/>
+            <a:endParaRPr lang="tr-TR"/>
+          </a:p>
+        </p:txBody>
+      </p:sp>
+      <p:sp>
+        <p:nvSpPr>
+          <p:cNvPr id="29" name="Oval 28"/>
+          <p:cNvSpPr/>
+          <p:nvPr/>
+        </p:nvSpPr>
+        <p:spPr>
+          <a:xfrm>
+            <a:off x="2064567" y="3349174"/>
+            <a:ext cx="145278" cy="145278"/>
+          </a:xfrm>
+          <a:prstGeom prst="ellipse">
+            <a:avLst/>
+          </a:prstGeom>
+          <a:solidFill>
+            <a:srgbClr val="FF0000"/>
+          </a:solidFill>
+          <a:ln w="12700">
+            <a:solidFill>
+              <a:schemeClr val="tx1"/>
+            </a:solidFill>
+          </a:ln>
+        </p:spPr>
+        <p:style>
+          <a:lnRef idx="2">
+            <a:schemeClr val="accent1">
+              <a:shade val="50000"/>
+            </a:schemeClr>
+          </a:lnRef>
+          <a:fillRef idx="1">
+            <a:schemeClr val="accent1"/>
+          </a:fillRef>
+          <a:effectRef idx="0">
+            <a:schemeClr val="accent1"/>
+          </a:effectRef>
+          <a:fontRef idx="minor">
+            <a:schemeClr val="lt1"/>
+          </a:fontRef>
+        </p:style>
+        <p:txBody>
+          <a:bodyPr rtlCol="0" anchor="ctr"/>
+          <a:lstStyle/>
+          <a:p>
+            <a:pPr algn="ctr"/>
+            <a:endParaRPr lang="tr-TR"/>
+          </a:p>
+        </p:txBody>
+      </p:sp>
+      <p:sp>
+        <p:nvSpPr>
+          <p:cNvPr id="30" name="Oval 29"/>
+          <p:cNvSpPr/>
+          <p:nvPr/>
+        </p:nvSpPr>
+        <p:spPr>
+          <a:xfrm>
+            <a:off x="2064567" y="3653823"/>
+            <a:ext cx="145278" cy="145278"/>
+          </a:xfrm>
+          <a:prstGeom prst="ellipse">
+            <a:avLst/>
+          </a:prstGeom>
+          <a:solidFill>
+            <a:srgbClr val="FF0000"/>
+          </a:solidFill>
+          <a:ln w="12700">
+            <a:solidFill>
+              <a:schemeClr val="tx1"/>
+            </a:solidFill>
+          </a:ln>
+        </p:spPr>
+        <p:style>
+          <a:lnRef idx="2">
+            <a:schemeClr val="accent1">
+              <a:shade val="50000"/>
+            </a:schemeClr>
+          </a:lnRef>
+          <a:fillRef idx="1">
+            <a:schemeClr val="accent1"/>
+          </a:fillRef>
+          <a:effectRef idx="0">
+            <a:schemeClr val="accent1"/>
+          </a:effectRef>
+          <a:fontRef idx="minor">
+            <a:schemeClr val="lt1"/>
+          </a:fontRef>
+        </p:style>
+        <p:txBody>
+          <a:bodyPr rtlCol="0" anchor="ctr"/>
+          <a:lstStyle/>
+          <a:p>
+            <a:pPr algn="ctr"/>
+            <a:endParaRPr lang="tr-TR"/>
+          </a:p>
+        </p:txBody>
+      </p:sp>
+      <p:sp>
+        <p:nvSpPr>
+          <p:cNvPr id="31" name="Oval 30"/>
+          <p:cNvSpPr/>
+          <p:nvPr/>
+        </p:nvSpPr>
+        <p:spPr>
+          <a:xfrm>
+            <a:off x="2064567" y="3950453"/>
+            <a:ext cx="145278" cy="145278"/>
+          </a:xfrm>
+          <a:prstGeom prst="ellipse">
+            <a:avLst/>
+          </a:prstGeom>
+          <a:solidFill>
+            <a:srgbClr val="FF0000"/>
+          </a:solidFill>
+          <a:ln w="12700">
+            <a:solidFill>
+              <a:schemeClr val="tx1"/>
+            </a:solidFill>
+          </a:ln>
+        </p:spPr>
+        <p:style>
+          <a:lnRef idx="2">
+            <a:schemeClr val="accent1">
+              <a:shade val="50000"/>
+            </a:schemeClr>
+          </a:lnRef>
+          <a:fillRef idx="1">
+            <a:schemeClr val="accent1"/>
+          </a:fillRef>
+          <a:effectRef idx="0">
+            <a:schemeClr val="accent1"/>
+          </a:effectRef>
+          <a:fontRef idx="minor">
+            <a:schemeClr val="lt1"/>
+          </a:fontRef>
+        </p:style>
+        <p:txBody>
+          <a:bodyPr rtlCol="0" anchor="ctr"/>
+          <a:lstStyle/>
+          <a:p>
+            <a:pPr algn="ctr"/>
+            <a:endParaRPr lang="tr-TR"/>
+          </a:p>
+        </p:txBody>
+      </p:sp>
+      <p:sp>
+        <p:nvSpPr>
+          <p:cNvPr id="32" name="Oval 31"/>
+          <p:cNvSpPr/>
+          <p:nvPr/>
+        </p:nvSpPr>
+        <p:spPr>
+          <a:xfrm>
+            <a:off x="2064567" y="4255102"/>
+            <a:ext cx="145278" cy="145278"/>
+          </a:xfrm>
+          <a:prstGeom prst="ellipse">
+            <a:avLst/>
+          </a:prstGeom>
+          <a:solidFill>
+            <a:srgbClr val="FF0000"/>
+          </a:solidFill>
+          <a:ln w="12700">
+            <a:solidFill>
+              <a:schemeClr val="tx1"/>
+            </a:solidFill>
+          </a:ln>
+        </p:spPr>
+        <p:style>
+          <a:lnRef idx="2">
+            <a:schemeClr val="accent1">
+              <a:shade val="50000"/>
+            </a:schemeClr>
+          </a:lnRef>
+          <a:fillRef idx="1">
+            <a:schemeClr val="accent1"/>
+          </a:fillRef>
+          <a:effectRef idx="0">
+            <a:schemeClr val="accent1"/>
+          </a:effectRef>
+          <a:fontRef idx="minor">
+            <a:schemeClr val="lt1"/>
+          </a:fontRef>
+        </p:style>
+        <p:txBody>
+          <a:bodyPr rtlCol="0" anchor="ctr"/>
+          <a:lstStyle/>
+          <a:p>
+            <a:pPr algn="ctr"/>
+            <a:endParaRPr lang="tr-TR"/>
+          </a:p>
+        </p:txBody>
+      </p:sp>
+      <p:sp>
+        <p:nvSpPr>
+          <p:cNvPr id="33" name="Oval 32"/>
+          <p:cNvSpPr/>
+          <p:nvPr/>
+        </p:nvSpPr>
+        <p:spPr>
+          <a:xfrm>
+            <a:off x="2064567" y="4559753"/>
+            <a:ext cx="145278" cy="145278"/>
+          </a:xfrm>
+          <a:prstGeom prst="ellipse">
+            <a:avLst/>
+          </a:prstGeom>
+          <a:solidFill>
+            <a:schemeClr val="accent1">
+              <a:lumMod val="75000"/>
+            </a:schemeClr>
+          </a:solidFill>
+          <a:ln w="12700">
+            <a:solidFill>
+              <a:schemeClr val="tx1"/>
+            </a:solidFill>
+          </a:ln>
+        </p:spPr>
+        <p:style>
+          <a:lnRef idx="2">
+            <a:schemeClr val="accent1">
+              <a:shade val="50000"/>
+            </a:schemeClr>
+          </a:lnRef>
+          <a:fillRef idx="1">
+            <a:schemeClr val="accent1"/>
+          </a:fillRef>
+          <a:effectRef idx="0">
+            <a:schemeClr val="accent1"/>
+          </a:effectRef>
+          <a:fontRef idx="minor">
+            <a:schemeClr val="lt1"/>
+          </a:fontRef>
+        </p:style>
+        <p:txBody>
+          <a:bodyPr rtlCol="0" anchor="ctr"/>
+          <a:lstStyle/>
+          <a:p>
+            <a:pPr algn="ctr"/>
+            <a:endParaRPr lang="tr-TR"/>
+          </a:p>
+        </p:txBody>
+      </p:sp>
+      <p:sp>
+        <p:nvSpPr>
+          <p:cNvPr id="34" name="Oval 33"/>
+          <p:cNvSpPr/>
+          <p:nvPr/>
+        </p:nvSpPr>
+        <p:spPr>
+          <a:xfrm>
+            <a:off x="2352125" y="1825924"/>
+            <a:ext cx="145278" cy="145278"/>
+          </a:xfrm>
+          <a:prstGeom prst="ellipse">
+            <a:avLst/>
+          </a:prstGeom>
+          <a:solidFill>
+            <a:srgbClr val="FF0000"/>
+          </a:solidFill>
+          <a:ln w="12700">
+            <a:solidFill>
+              <a:schemeClr val="tx1"/>
+            </a:solidFill>
+          </a:ln>
+        </p:spPr>
+        <p:style>
+          <a:lnRef idx="2">
+            <a:schemeClr val="accent1">
+              <a:shade val="50000"/>
+            </a:schemeClr>
+          </a:lnRef>
+          <a:fillRef idx="1">
+            <a:schemeClr val="accent1"/>
+          </a:fillRef>
+          <a:effectRef idx="0">
+            <a:schemeClr val="accent1"/>
+          </a:effectRef>
+          <a:fontRef idx="minor">
+            <a:schemeClr val="lt1"/>
+          </a:fontRef>
+        </p:style>
+        <p:txBody>
+          <a:bodyPr rtlCol="0" anchor="ctr"/>
+          <a:lstStyle/>
+          <a:p>
+            <a:pPr algn="ctr"/>
+            <a:endParaRPr lang="tr-TR"/>
+          </a:p>
+        </p:txBody>
+      </p:sp>
+      <p:sp>
+        <p:nvSpPr>
+          <p:cNvPr id="35" name="Oval 34"/>
+          <p:cNvSpPr/>
+          <p:nvPr/>
+        </p:nvSpPr>
+        <p:spPr>
+          <a:xfrm>
+            <a:off x="2352125" y="2130574"/>
+            <a:ext cx="145278" cy="145278"/>
+          </a:xfrm>
+          <a:prstGeom prst="ellipse">
+            <a:avLst/>
+          </a:prstGeom>
+          <a:solidFill>
+            <a:srgbClr val="FF0000"/>
+          </a:solidFill>
+          <a:ln w="12700">
+            <a:solidFill>
+              <a:schemeClr val="tx1"/>
+            </a:solidFill>
+          </a:ln>
+        </p:spPr>
+        <p:style>
+          <a:lnRef idx="2">
+            <a:schemeClr val="accent1">
+              <a:shade val="50000"/>
+            </a:schemeClr>
+          </a:lnRef>
+          <a:fillRef idx="1">
+            <a:schemeClr val="accent1"/>
+          </a:fillRef>
+          <a:effectRef idx="0">
+            <a:schemeClr val="accent1"/>
+          </a:effectRef>
+          <a:fontRef idx="minor">
+            <a:schemeClr val="lt1"/>
+          </a:fontRef>
+        </p:style>
+        <p:txBody>
+          <a:bodyPr rtlCol="0" anchor="ctr"/>
+          <a:lstStyle/>
+          <a:p>
+            <a:pPr algn="ctr"/>
+            <a:endParaRPr lang="tr-TR"/>
+          </a:p>
+        </p:txBody>
+      </p:sp>
+      <p:sp>
+        <p:nvSpPr>
+          <p:cNvPr id="36" name="Oval 35"/>
+          <p:cNvSpPr/>
+          <p:nvPr/>
+        </p:nvSpPr>
+        <p:spPr>
+          <a:xfrm>
+            <a:off x="2352125" y="2435223"/>
+            <a:ext cx="145278" cy="145278"/>
+          </a:xfrm>
+          <a:prstGeom prst="ellipse">
+            <a:avLst/>
+          </a:prstGeom>
+          <a:solidFill>
+            <a:srgbClr val="FF0000"/>
+          </a:solidFill>
+          <a:ln w="12700">
+            <a:solidFill>
+              <a:schemeClr val="tx1"/>
+            </a:solidFill>
+          </a:ln>
+        </p:spPr>
+        <p:style>
+          <a:lnRef idx="2">
+            <a:schemeClr val="accent1">
+              <a:shade val="50000"/>
+            </a:schemeClr>
+          </a:lnRef>
+          <a:fillRef idx="1">
+            <a:schemeClr val="accent1"/>
+          </a:fillRef>
+          <a:effectRef idx="0">
+            <a:schemeClr val="accent1"/>
+          </a:effectRef>
+          <a:fontRef idx="minor">
+            <a:schemeClr val="lt1"/>
+          </a:fontRef>
+        </p:style>
+        <p:txBody>
+          <a:bodyPr rtlCol="0" anchor="ctr"/>
+          <a:lstStyle/>
+          <a:p>
+            <a:pPr algn="ctr"/>
+            <a:endParaRPr lang="tr-TR"/>
+          </a:p>
+        </p:txBody>
+      </p:sp>
+      <p:sp>
+        <p:nvSpPr>
+          <p:cNvPr id="37" name="Oval 36"/>
+          <p:cNvSpPr/>
+          <p:nvPr/>
+        </p:nvSpPr>
+        <p:spPr>
+          <a:xfrm>
+            <a:off x="2352125" y="2739875"/>
+            <a:ext cx="145278" cy="145278"/>
+          </a:xfrm>
+          <a:prstGeom prst="ellipse">
+            <a:avLst/>
+          </a:prstGeom>
+          <a:solidFill>
+            <a:srgbClr val="FF0000"/>
+          </a:solidFill>
+          <a:ln w="12700">
+            <a:solidFill>
+              <a:schemeClr val="tx1"/>
+            </a:solidFill>
+          </a:ln>
+        </p:spPr>
+        <p:style>
+          <a:lnRef idx="2">
+            <a:schemeClr val="accent1">
+              <a:shade val="50000"/>
+            </a:schemeClr>
+          </a:lnRef>
+          <a:fillRef idx="1">
+            <a:schemeClr val="accent1"/>
+          </a:fillRef>
+          <a:effectRef idx="0">
+            <a:schemeClr val="accent1"/>
+          </a:effectRef>
+          <a:fontRef idx="minor">
+            <a:schemeClr val="lt1"/>
+          </a:fontRef>
+        </p:style>
+        <p:txBody>
+          <a:bodyPr rtlCol="0" anchor="ctr"/>
+          <a:lstStyle/>
+          <a:p>
+            <a:pPr algn="ctr"/>
+            <a:endParaRPr lang="tr-TR"/>
+          </a:p>
+        </p:txBody>
+      </p:sp>
+      <p:sp>
+        <p:nvSpPr>
+          <p:cNvPr id="38" name="Oval 37"/>
+          <p:cNvSpPr/>
+          <p:nvPr/>
+        </p:nvSpPr>
+        <p:spPr>
+          <a:xfrm>
+            <a:off x="2352125" y="3044524"/>
+            <a:ext cx="145278" cy="145278"/>
+          </a:xfrm>
+          <a:prstGeom prst="ellipse">
+            <a:avLst/>
+          </a:prstGeom>
+          <a:solidFill>
+            <a:srgbClr val="FF0000"/>
+          </a:solidFill>
+          <a:ln w="12700">
+            <a:solidFill>
+              <a:schemeClr val="tx1"/>
+            </a:solidFill>
+          </a:ln>
+        </p:spPr>
+        <p:style>
+          <a:lnRef idx="2">
+            <a:schemeClr val="accent1">
+              <a:shade val="50000"/>
+            </a:schemeClr>
+          </a:lnRef>
+          <a:fillRef idx="1">
+            <a:schemeClr val="accent1"/>
+          </a:fillRef>
+          <a:effectRef idx="0">
+            <a:schemeClr val="accent1"/>
+          </a:effectRef>
+          <a:fontRef idx="minor">
+            <a:schemeClr val="lt1"/>
+          </a:fontRef>
+        </p:style>
+        <p:txBody>
+          <a:bodyPr rtlCol="0" anchor="ctr"/>
+          <a:lstStyle/>
+          <a:p>
+            <a:pPr algn="ctr"/>
+            <a:endParaRPr lang="tr-TR"/>
+          </a:p>
+        </p:txBody>
+      </p:sp>
+      <p:sp>
+        <p:nvSpPr>
+          <p:cNvPr id="39" name="Oval 38"/>
+          <p:cNvSpPr/>
+          <p:nvPr/>
+        </p:nvSpPr>
+        <p:spPr>
+          <a:xfrm>
+            <a:off x="2352125" y="3349174"/>
+            <a:ext cx="145278" cy="145278"/>
+          </a:xfrm>
+          <a:prstGeom prst="ellipse">
+            <a:avLst/>
+          </a:prstGeom>
+          <a:solidFill>
+            <a:srgbClr val="FF0000"/>
+          </a:solidFill>
+          <a:ln w="12700">
+            <a:solidFill>
+              <a:schemeClr val="tx1"/>
+            </a:solidFill>
+          </a:ln>
+        </p:spPr>
+        <p:style>
+          <a:lnRef idx="2">
+            <a:schemeClr val="accent1">
+              <a:shade val="50000"/>
+            </a:schemeClr>
+          </a:lnRef>
+          <a:fillRef idx="1">
+            <a:schemeClr val="accent1"/>
+          </a:fillRef>
+          <a:effectRef idx="0">
+            <a:schemeClr val="accent1"/>
+          </a:effectRef>
+          <a:fontRef idx="minor">
+            <a:schemeClr val="lt1"/>
+          </a:fontRef>
+        </p:style>
+        <p:txBody>
+          <a:bodyPr rtlCol="0" anchor="ctr"/>
+          <a:lstStyle/>
+          <a:p>
+            <a:pPr algn="ctr"/>
+            <a:endParaRPr lang="tr-TR"/>
+          </a:p>
+        </p:txBody>
+      </p:sp>
+      <p:sp>
+        <p:nvSpPr>
+          <p:cNvPr id="40" name="Oval 39"/>
+          <p:cNvSpPr/>
+          <p:nvPr/>
+        </p:nvSpPr>
+        <p:spPr>
+          <a:xfrm>
+            <a:off x="2352125" y="3653823"/>
+            <a:ext cx="145278" cy="145278"/>
+          </a:xfrm>
+          <a:prstGeom prst="ellipse">
+            <a:avLst/>
+          </a:prstGeom>
+          <a:solidFill>
+            <a:srgbClr val="FF0000"/>
+          </a:solidFill>
+          <a:ln w="12700">
+            <a:solidFill>
+              <a:schemeClr val="tx1"/>
+            </a:solidFill>
+          </a:ln>
+        </p:spPr>
+        <p:style>
+          <a:lnRef idx="2">
+            <a:schemeClr val="accent1">
+              <a:shade val="50000"/>
+            </a:schemeClr>
+          </a:lnRef>
+          <a:fillRef idx="1">
+            <a:schemeClr val="accent1"/>
+          </a:fillRef>
+          <a:effectRef idx="0">
+            <a:schemeClr val="accent1"/>
+          </a:effectRef>
+          <a:fontRef idx="minor">
+            <a:schemeClr val="lt1"/>
+          </a:fontRef>
+        </p:style>
+        <p:txBody>
+          <a:bodyPr rtlCol="0" anchor="ctr"/>
+          <a:lstStyle/>
+          <a:p>
+            <a:pPr algn="ctr"/>
+            <a:endParaRPr lang="tr-TR"/>
+          </a:p>
+        </p:txBody>
+      </p:sp>
+      <p:sp>
+        <p:nvSpPr>
+          <p:cNvPr id="41" name="Oval 40"/>
+          <p:cNvSpPr/>
+          <p:nvPr/>
+        </p:nvSpPr>
+        <p:spPr>
+          <a:xfrm>
+            <a:off x="2352125" y="3950453"/>
+            <a:ext cx="145278" cy="145278"/>
+          </a:xfrm>
+          <a:prstGeom prst="ellipse">
+            <a:avLst/>
+          </a:prstGeom>
+          <a:solidFill>
+            <a:srgbClr val="FF0000"/>
+          </a:solidFill>
+          <a:ln w="12700">
+            <a:solidFill>
+              <a:schemeClr val="tx1"/>
+            </a:solidFill>
+          </a:ln>
+        </p:spPr>
+        <p:style>
+          <a:lnRef idx="2">
+            <a:schemeClr val="accent1">
+              <a:shade val="50000"/>
+            </a:schemeClr>
+          </a:lnRef>
+          <a:fillRef idx="1">
+            <a:schemeClr val="accent1"/>
+          </a:fillRef>
+          <a:effectRef idx="0">
+            <a:schemeClr val="accent1"/>
+          </a:effectRef>
+          <a:fontRef idx="minor">
+            <a:schemeClr val="lt1"/>
+          </a:fontRef>
+        </p:style>
+        <p:txBody>
+          <a:bodyPr rtlCol="0" anchor="ctr"/>
+          <a:lstStyle/>
+          <a:p>
+            <a:pPr algn="ctr"/>
+            <a:endParaRPr lang="tr-TR"/>
+          </a:p>
+        </p:txBody>
+      </p:sp>
+      <p:sp>
+        <p:nvSpPr>
+          <p:cNvPr id="42" name="Oval 41"/>
+          <p:cNvSpPr/>
+          <p:nvPr/>
+        </p:nvSpPr>
+        <p:spPr>
+          <a:xfrm>
+            <a:off x="2352125" y="4255102"/>
+            <a:ext cx="145278" cy="145278"/>
+          </a:xfrm>
+          <a:prstGeom prst="ellipse">
+            <a:avLst/>
+          </a:prstGeom>
+          <a:solidFill>
+            <a:srgbClr val="FF0000"/>
+          </a:solidFill>
+          <a:ln w="12700">
+            <a:solidFill>
+              <a:schemeClr val="tx1"/>
+            </a:solidFill>
+          </a:ln>
+        </p:spPr>
+        <p:style>
+          <a:lnRef idx="2">
+            <a:schemeClr val="accent1">
+              <a:shade val="50000"/>
+            </a:schemeClr>
+          </a:lnRef>
+          <a:fillRef idx="1">
+            <a:schemeClr val="accent1"/>
+          </a:fillRef>
+          <a:effectRef idx="0">
+            <a:schemeClr val="accent1"/>
+          </a:effectRef>
+          <a:fontRef idx="minor">
+            <a:schemeClr val="lt1"/>
+          </a:fontRef>
+        </p:style>
+        <p:txBody>
+          <a:bodyPr rtlCol="0" anchor="ctr"/>
+          <a:lstStyle/>
+          <a:p>
+            <a:pPr algn="ctr"/>
+            <a:endParaRPr lang="tr-TR"/>
+          </a:p>
+        </p:txBody>
+      </p:sp>
+      <p:sp>
+        <p:nvSpPr>
+          <p:cNvPr id="43" name="Oval 42"/>
+          <p:cNvSpPr/>
+          <p:nvPr/>
+        </p:nvSpPr>
+        <p:spPr>
+          <a:xfrm>
+            <a:off x="2352125" y="4559753"/>
+            <a:ext cx="145278" cy="145278"/>
+          </a:xfrm>
+          <a:prstGeom prst="ellipse">
+            <a:avLst/>
+          </a:prstGeom>
+          <a:solidFill>
+            <a:schemeClr val="bg1"/>
+          </a:solidFill>
+          <a:ln w="12700">
+            <a:solidFill>
+              <a:schemeClr val="tx1"/>
+            </a:solidFill>
+          </a:ln>
+        </p:spPr>
+        <p:style>
+          <a:lnRef idx="2">
+            <a:schemeClr val="accent1">
+              <a:shade val="50000"/>
+            </a:schemeClr>
+          </a:lnRef>
+          <a:fillRef idx="1">
+            <a:schemeClr val="accent1"/>
+          </a:fillRef>
+          <a:effectRef idx="0">
+            <a:schemeClr val="accent1"/>
+          </a:effectRef>
+          <a:fontRef idx="minor">
+            <a:schemeClr val="lt1"/>
+          </a:fontRef>
+        </p:style>
+        <p:txBody>
+          <a:bodyPr rtlCol="0" anchor="ctr"/>
+          <a:lstStyle/>
+          <a:p>
+            <a:pPr algn="ctr"/>
+            <a:endParaRPr lang="tr-TR"/>
+          </a:p>
+        </p:txBody>
+      </p:sp>
+      <p:sp>
+        <p:nvSpPr>
+          <p:cNvPr id="44" name="Oval 43"/>
+          <p:cNvSpPr/>
+          <p:nvPr/>
+        </p:nvSpPr>
+        <p:spPr>
+          <a:xfrm>
+            <a:off x="2639683" y="1825924"/>
+            <a:ext cx="145278" cy="145278"/>
+          </a:xfrm>
+          <a:prstGeom prst="ellipse">
+            <a:avLst/>
+          </a:prstGeom>
+          <a:solidFill>
+            <a:srgbClr val="FF0000"/>
+          </a:solidFill>
+          <a:ln w="12700">
+            <a:solidFill>
+              <a:schemeClr val="tx1"/>
+            </a:solidFill>
+          </a:ln>
+        </p:spPr>
+        <p:style>
+          <a:lnRef idx="2">
+            <a:schemeClr val="accent1">
+              <a:shade val="50000"/>
+            </a:schemeClr>
+          </a:lnRef>
+          <a:fillRef idx="1">
+            <a:schemeClr val="accent1"/>
+          </a:fillRef>
+          <a:effectRef idx="0">
+            <a:schemeClr val="accent1"/>
+          </a:effectRef>
+          <a:fontRef idx="minor">
+            <a:schemeClr val="lt1"/>
+          </a:fontRef>
+        </p:style>
+        <p:txBody>
+          <a:bodyPr rtlCol="0" anchor="ctr"/>
+          <a:lstStyle/>
+          <a:p>
+            <a:pPr algn="ctr"/>
+            <a:endParaRPr lang="tr-TR"/>
+          </a:p>
+        </p:txBody>
+      </p:sp>
+      <p:sp>
+        <p:nvSpPr>
+          <p:cNvPr id="45" name="Oval 44"/>
+          <p:cNvSpPr/>
+          <p:nvPr/>
+        </p:nvSpPr>
+        <p:spPr>
+          <a:xfrm>
+            <a:off x="2639683" y="2130574"/>
+            <a:ext cx="145278" cy="145278"/>
+          </a:xfrm>
+          <a:prstGeom prst="ellipse">
+            <a:avLst/>
+          </a:prstGeom>
+          <a:solidFill>
+            <a:srgbClr val="FF0000"/>
+          </a:solidFill>
+          <a:ln w="12700">
+            <a:solidFill>
+              <a:schemeClr val="tx1"/>
+            </a:solidFill>
+          </a:ln>
+        </p:spPr>
+        <p:style>
+          <a:lnRef idx="2">
+            <a:schemeClr val="accent1">
+              <a:shade val="50000"/>
+            </a:schemeClr>
+          </a:lnRef>
+          <a:fillRef idx="1">
+            <a:schemeClr val="accent1"/>
+          </a:fillRef>
+          <a:effectRef idx="0">
+            <a:schemeClr val="accent1"/>
+          </a:effectRef>
+          <a:fontRef idx="minor">
+            <a:schemeClr val="lt1"/>
+          </a:fontRef>
+        </p:style>
+        <p:txBody>
+          <a:bodyPr rtlCol="0" anchor="ctr"/>
+          <a:lstStyle/>
+          <a:p>
+            <a:pPr algn="ctr"/>
+            <a:endParaRPr lang="tr-TR"/>
+          </a:p>
+        </p:txBody>
+      </p:sp>
+      <p:sp>
+        <p:nvSpPr>
+          <p:cNvPr id="46" name="Oval 45"/>
+          <p:cNvSpPr/>
+          <p:nvPr/>
+        </p:nvSpPr>
+        <p:spPr>
+          <a:xfrm>
+            <a:off x="2639683" y="2435223"/>
+            <a:ext cx="145278" cy="145278"/>
+          </a:xfrm>
+          <a:prstGeom prst="ellipse">
+            <a:avLst/>
+          </a:prstGeom>
+          <a:solidFill>
+            <a:srgbClr val="FF0000"/>
+          </a:solidFill>
+          <a:ln w="12700">
+            <a:solidFill>
+              <a:schemeClr val="tx1"/>
+            </a:solidFill>
+          </a:ln>
+        </p:spPr>
+        <p:style>
+          <a:lnRef idx="2">
+            <a:schemeClr val="accent1">
+              <a:shade val="50000"/>
+            </a:schemeClr>
+          </a:lnRef>
+          <a:fillRef idx="1">
+            <a:schemeClr val="accent1"/>
+          </a:fillRef>
+          <a:effectRef idx="0">
+            <a:schemeClr val="accent1"/>
+          </a:effectRef>
+          <a:fontRef idx="minor">
+            <a:schemeClr val="lt1"/>
+          </a:fontRef>
+        </p:style>
+        <p:txBody>
+          <a:bodyPr rtlCol="0" anchor="ctr"/>
+          <a:lstStyle/>
+          <a:p>
+            <a:pPr algn="ctr"/>
+            <a:endParaRPr lang="tr-TR"/>
+          </a:p>
+        </p:txBody>
+      </p:sp>
+      <p:sp>
+        <p:nvSpPr>
+          <p:cNvPr id="47" name="Oval 46"/>
+          <p:cNvSpPr/>
+          <p:nvPr/>
+        </p:nvSpPr>
+        <p:spPr>
+          <a:xfrm>
+            <a:off x="2639683" y="2739875"/>
+            <a:ext cx="145278" cy="145278"/>
+          </a:xfrm>
+          <a:prstGeom prst="ellipse">
+            <a:avLst/>
+          </a:prstGeom>
+          <a:solidFill>
+            <a:srgbClr val="FF0000"/>
+          </a:solidFill>
+          <a:ln w="12700">
+            <a:solidFill>
+              <a:schemeClr val="tx1"/>
+            </a:solidFill>
+          </a:ln>
+        </p:spPr>
+        <p:style>
+          <a:lnRef idx="2">
+            <a:schemeClr val="accent1">
+              <a:shade val="50000"/>
+            </a:schemeClr>
+          </a:lnRef>
+          <a:fillRef idx="1">
+            <a:schemeClr val="accent1"/>
+          </a:fillRef>
+          <a:effectRef idx="0">
+            <a:schemeClr val="accent1"/>
+          </a:effectRef>
+          <a:fontRef idx="minor">
+            <a:schemeClr val="lt1"/>
+          </a:fontRef>
+        </p:style>
+        <p:txBody>
+          <a:bodyPr rtlCol="0" anchor="ctr"/>
+          <a:lstStyle/>
+          <a:p>
+            <a:pPr algn="ctr"/>
+            <a:endParaRPr lang="tr-TR"/>
+          </a:p>
+        </p:txBody>
+      </p:sp>
+      <p:sp>
+        <p:nvSpPr>
+          <p:cNvPr id="48" name="Oval 47"/>
+          <p:cNvSpPr/>
+          <p:nvPr/>
+        </p:nvSpPr>
+        <p:spPr>
+          <a:xfrm>
+            <a:off x="2639683" y="3044524"/>
+            <a:ext cx="145278" cy="145278"/>
+          </a:xfrm>
+          <a:prstGeom prst="ellipse">
+            <a:avLst/>
+          </a:prstGeom>
+          <a:solidFill>
+            <a:srgbClr val="FF0000"/>
+          </a:solidFill>
+          <a:ln w="12700">
+            <a:solidFill>
+              <a:schemeClr val="tx1"/>
+            </a:solidFill>
+          </a:ln>
+        </p:spPr>
+        <p:style>
+          <a:lnRef idx="2">
+            <a:schemeClr val="accent1">
+              <a:shade val="50000"/>
+            </a:schemeClr>
+          </a:lnRef>
+          <a:fillRef idx="1">
+            <a:schemeClr val="accent1"/>
+          </a:fillRef>
+          <a:effectRef idx="0">
+            <a:schemeClr val="accent1"/>
+          </a:effectRef>
+          <a:fontRef idx="minor">
+            <a:schemeClr val="lt1"/>
+          </a:fontRef>
+        </p:style>
+        <p:txBody>
+          <a:bodyPr rtlCol="0" anchor="ctr"/>
+          <a:lstStyle/>
+          <a:p>
+            <a:pPr algn="ctr"/>
+            <a:endParaRPr lang="tr-TR"/>
+          </a:p>
+        </p:txBody>
+      </p:sp>
+      <p:sp>
+        <p:nvSpPr>
+          <p:cNvPr id="49" name="Oval 48"/>
+          <p:cNvSpPr/>
+          <p:nvPr/>
+        </p:nvSpPr>
+        <p:spPr>
+          <a:xfrm>
+            <a:off x="2639683" y="3349174"/>
+            <a:ext cx="145278" cy="145278"/>
+          </a:xfrm>
+          <a:prstGeom prst="ellipse">
+            <a:avLst/>
+          </a:prstGeom>
+          <a:solidFill>
+            <a:srgbClr val="FF0000"/>
+          </a:solidFill>
+          <a:ln w="12700">
+            <a:solidFill>
+              <a:schemeClr val="tx1"/>
+            </a:solidFill>
+          </a:ln>
+        </p:spPr>
+        <p:style>
+          <a:lnRef idx="2">
+            <a:schemeClr val="accent1">
+              <a:shade val="50000"/>
+            </a:schemeClr>
+          </a:lnRef>
+          <a:fillRef idx="1">
+            <a:schemeClr val="accent1"/>
+          </a:fillRef>
+          <a:effectRef idx="0">
+            <a:schemeClr val="accent1"/>
+          </a:effectRef>
+          <a:fontRef idx="minor">
+            <a:schemeClr val="lt1"/>
+          </a:fontRef>
+        </p:style>
+        <p:txBody>
+          <a:bodyPr rtlCol="0" anchor="ctr"/>
+          <a:lstStyle/>
+          <a:p>
+            <a:pPr algn="ctr"/>
+            <a:endParaRPr lang="tr-TR"/>
+          </a:p>
+        </p:txBody>
+      </p:sp>
+      <p:sp>
+        <p:nvSpPr>
+          <p:cNvPr id="50" name="Oval 49"/>
+          <p:cNvSpPr/>
+          <p:nvPr/>
+        </p:nvSpPr>
+        <p:spPr>
+          <a:xfrm>
+            <a:off x="2639683" y="3653823"/>
+            <a:ext cx="145278" cy="145278"/>
+          </a:xfrm>
+          <a:prstGeom prst="ellipse">
+            <a:avLst/>
+          </a:prstGeom>
+          <a:solidFill>
+            <a:srgbClr val="FF0000"/>
+          </a:solidFill>
+          <a:ln w="12700">
+            <a:solidFill>
+              <a:schemeClr val="tx1"/>
+            </a:solidFill>
+          </a:ln>
+        </p:spPr>
+        <p:style>
+          <a:lnRef idx="2">
+            <a:schemeClr val="accent1">
+              <a:shade val="50000"/>
+            </a:schemeClr>
+          </a:lnRef>
+          <a:fillRef idx="1">
+            <a:schemeClr val="accent1"/>
+          </a:fillRef>
+          <a:effectRef idx="0">
+            <a:schemeClr val="accent1"/>
+          </a:effectRef>
+          <a:fontRef idx="minor">
+            <a:schemeClr val="lt1"/>
+          </a:fontRef>
+        </p:style>
+        <p:txBody>
+          <a:bodyPr rtlCol="0" anchor="ctr"/>
+          <a:lstStyle/>
+          <a:p>
+            <a:pPr algn="ctr"/>
+            <a:endParaRPr lang="tr-TR"/>
+          </a:p>
+        </p:txBody>
+      </p:sp>
+      <p:sp>
+        <p:nvSpPr>
+          <p:cNvPr id="51" name="Oval 50"/>
+          <p:cNvSpPr/>
+          <p:nvPr/>
+        </p:nvSpPr>
+        <p:spPr>
+          <a:xfrm>
+            <a:off x="2639683" y="3950453"/>
+            <a:ext cx="145278" cy="145278"/>
+          </a:xfrm>
+          <a:prstGeom prst="ellipse">
+            <a:avLst/>
+          </a:prstGeom>
+          <a:solidFill>
+            <a:srgbClr val="FF0000"/>
+          </a:solidFill>
+          <a:ln w="12700">
+            <a:solidFill>
+              <a:schemeClr val="tx1"/>
+            </a:solidFill>
+          </a:ln>
+        </p:spPr>
+        <p:style>
+          <a:lnRef idx="2">
+            <a:schemeClr val="accent1">
+              <a:shade val="50000"/>
+            </a:schemeClr>
+          </a:lnRef>
+          <a:fillRef idx="1">
+            <a:schemeClr val="accent1"/>
+          </a:fillRef>
+          <a:effectRef idx="0">
+            <a:schemeClr val="accent1"/>
+          </a:effectRef>
+          <a:fontRef idx="minor">
+            <a:schemeClr val="lt1"/>
+          </a:fontRef>
+        </p:style>
+        <p:txBody>
+          <a:bodyPr rtlCol="0" anchor="ctr"/>
+          <a:lstStyle/>
+          <a:p>
+            <a:pPr algn="ctr"/>
+            <a:endParaRPr lang="tr-TR"/>
+          </a:p>
+        </p:txBody>
+      </p:sp>
+      <p:sp>
+        <p:nvSpPr>
+          <p:cNvPr id="52" name="Oval 51"/>
+          <p:cNvSpPr/>
+          <p:nvPr/>
+        </p:nvSpPr>
+        <p:spPr>
+          <a:xfrm>
+            <a:off x="2639683" y="4255102"/>
+            <a:ext cx="145278" cy="145278"/>
+          </a:xfrm>
+          <a:prstGeom prst="ellipse">
+            <a:avLst/>
+          </a:prstGeom>
+          <a:solidFill>
+            <a:srgbClr val="FF0000"/>
+          </a:solidFill>
+          <a:ln w="12700">
+            <a:solidFill>
+              <a:schemeClr val="tx1"/>
+            </a:solidFill>
+          </a:ln>
+        </p:spPr>
+        <p:style>
+          <a:lnRef idx="2">
+            <a:schemeClr val="accent1">
+              <a:shade val="50000"/>
+            </a:schemeClr>
+          </a:lnRef>
+          <a:fillRef idx="1">
+            <a:schemeClr val="accent1"/>
+          </a:fillRef>
+          <a:effectRef idx="0">
+            <a:schemeClr val="accent1"/>
+          </a:effectRef>
+          <a:fontRef idx="minor">
+            <a:schemeClr val="lt1"/>
+          </a:fontRef>
+        </p:style>
+        <p:txBody>
+          <a:bodyPr rtlCol="0" anchor="ctr"/>
+          <a:lstStyle/>
+          <a:p>
+            <a:pPr algn="ctr"/>
+            <a:endParaRPr lang="tr-TR"/>
+          </a:p>
+        </p:txBody>
+      </p:sp>
+      <p:sp>
+        <p:nvSpPr>
+          <p:cNvPr id="53" name="Oval 52"/>
+          <p:cNvSpPr/>
+          <p:nvPr/>
+        </p:nvSpPr>
+        <p:spPr>
+          <a:xfrm>
+            <a:off x="2639683" y="4559753"/>
+            <a:ext cx="145278" cy="145278"/>
+          </a:xfrm>
+          <a:prstGeom prst="ellipse">
+            <a:avLst/>
+          </a:prstGeom>
+          <a:solidFill>
+            <a:schemeClr val="bg1"/>
+          </a:solidFill>
+          <a:ln w="12700">
+            <a:solidFill>
+              <a:schemeClr val="tx1"/>
+            </a:solidFill>
+          </a:ln>
+        </p:spPr>
+        <p:style>
+          <a:lnRef idx="2">
+            <a:schemeClr val="accent1">
+              <a:shade val="50000"/>
+            </a:schemeClr>
+          </a:lnRef>
+          <a:fillRef idx="1">
+            <a:schemeClr val="accent1"/>
+          </a:fillRef>
+          <a:effectRef idx="0">
+            <a:schemeClr val="accent1"/>
+          </a:effectRef>
+          <a:fontRef idx="minor">
+            <a:schemeClr val="lt1"/>
+          </a:fontRef>
+        </p:style>
+        <p:txBody>
+          <a:bodyPr rtlCol="0" anchor="ctr"/>
+          <a:lstStyle/>
+          <a:p>
+            <a:pPr algn="ctr"/>
+            <a:endParaRPr lang="tr-TR"/>
+          </a:p>
+        </p:txBody>
+      </p:sp>
+      <p:sp>
+        <p:nvSpPr>
+          <p:cNvPr id="54" name="Oval 53"/>
+          <p:cNvSpPr/>
+          <p:nvPr/>
+        </p:nvSpPr>
+        <p:spPr>
+          <a:xfrm>
+            <a:off x="2927241" y="1825924"/>
+            <a:ext cx="145278" cy="145278"/>
+          </a:xfrm>
+          <a:prstGeom prst="ellipse">
+            <a:avLst/>
+          </a:prstGeom>
+          <a:solidFill>
+            <a:srgbClr val="FF0000"/>
+          </a:solidFill>
+          <a:ln w="12700">
+            <a:solidFill>
+              <a:schemeClr val="tx1"/>
+            </a:solidFill>
+          </a:ln>
+        </p:spPr>
+        <p:style>
+          <a:lnRef idx="2">
+            <a:schemeClr val="accent1">
+              <a:shade val="50000"/>
+            </a:schemeClr>
+          </a:lnRef>
+          <a:fillRef idx="1">
+            <a:schemeClr val="accent1"/>
+          </a:fillRef>
+          <a:effectRef idx="0">
+            <a:schemeClr val="accent1"/>
+          </a:effectRef>
+          <a:fontRef idx="minor">
+            <a:schemeClr val="lt1"/>
+          </a:fontRef>
+        </p:style>
+        <p:txBody>
+          <a:bodyPr rtlCol="0" anchor="ctr"/>
+          <a:lstStyle/>
+          <a:p>
+            <a:pPr algn="ctr"/>
+            <a:endParaRPr lang="tr-TR"/>
+          </a:p>
+        </p:txBody>
+      </p:sp>
+      <p:sp>
+        <p:nvSpPr>
+          <p:cNvPr id="55" name="Oval 54"/>
+          <p:cNvSpPr/>
+          <p:nvPr/>
+        </p:nvSpPr>
+        <p:spPr>
+          <a:xfrm>
+            <a:off x="2927241" y="2130574"/>
+            <a:ext cx="145278" cy="145278"/>
+          </a:xfrm>
+          <a:prstGeom prst="ellipse">
+            <a:avLst/>
+          </a:prstGeom>
+          <a:solidFill>
+            <a:srgbClr val="FF0000"/>
+          </a:solidFill>
+          <a:ln w="12700">
+            <a:solidFill>
+              <a:schemeClr val="tx1"/>
+            </a:solidFill>
+          </a:ln>
+        </p:spPr>
+        <p:style>
+          <a:lnRef idx="2">
+            <a:schemeClr val="accent1">
+              <a:shade val="50000"/>
+            </a:schemeClr>
+          </a:lnRef>
+          <a:fillRef idx="1">
+            <a:schemeClr val="accent1"/>
+          </a:fillRef>
+          <a:effectRef idx="0">
+            <a:schemeClr val="accent1"/>
+          </a:effectRef>
+          <a:fontRef idx="minor">
+            <a:schemeClr val="lt1"/>
+          </a:fontRef>
+        </p:style>
+        <p:txBody>
+          <a:bodyPr rtlCol="0" anchor="ctr"/>
+          <a:lstStyle/>
+          <a:p>
+            <a:pPr algn="ctr"/>
+            <a:endParaRPr lang="tr-TR"/>
+          </a:p>
+        </p:txBody>
+      </p:sp>
+      <p:sp>
+        <p:nvSpPr>
+          <p:cNvPr id="56" name="Oval 55"/>
+          <p:cNvSpPr/>
+          <p:nvPr/>
+        </p:nvSpPr>
+        <p:spPr>
+          <a:xfrm>
+            <a:off x="2927241" y="2435223"/>
+            <a:ext cx="145278" cy="145278"/>
+          </a:xfrm>
+          <a:prstGeom prst="ellipse">
+            <a:avLst/>
+          </a:prstGeom>
+          <a:solidFill>
+            <a:srgbClr val="FF0000"/>
+          </a:solidFill>
+          <a:ln w="12700">
+            <a:solidFill>
+              <a:schemeClr val="tx1"/>
+            </a:solidFill>
+          </a:ln>
+        </p:spPr>
+        <p:style>
+          <a:lnRef idx="2">
+            <a:schemeClr val="accent1">
+              <a:shade val="50000"/>
+            </a:schemeClr>
+          </a:lnRef>
+          <a:fillRef idx="1">
+            <a:schemeClr val="accent1"/>
+          </a:fillRef>
+          <a:effectRef idx="0">
+            <a:schemeClr val="accent1"/>
+          </a:effectRef>
+          <a:fontRef idx="minor">
+            <a:schemeClr val="lt1"/>
+          </a:fontRef>
+        </p:style>
+        <p:txBody>
+          <a:bodyPr rtlCol="0" anchor="ctr"/>
+          <a:lstStyle/>
+          <a:p>
+            <a:pPr algn="ctr"/>
+            <a:endParaRPr lang="tr-TR"/>
+          </a:p>
+        </p:txBody>
+      </p:sp>
+      <p:sp>
+        <p:nvSpPr>
+          <p:cNvPr id="57" name="Oval 56"/>
+          <p:cNvSpPr/>
+          <p:nvPr/>
+        </p:nvSpPr>
+        <p:spPr>
+          <a:xfrm>
+            <a:off x="2927241" y="2739875"/>
+            <a:ext cx="145278" cy="145278"/>
+          </a:xfrm>
+          <a:prstGeom prst="ellipse">
+            <a:avLst/>
+          </a:prstGeom>
+          <a:solidFill>
+            <a:srgbClr val="FF0000"/>
+          </a:solidFill>
+          <a:ln w="12700">
+            <a:solidFill>
+              <a:schemeClr val="tx1"/>
+            </a:solidFill>
+          </a:ln>
+        </p:spPr>
+        <p:style>
+          <a:lnRef idx="2">
+            <a:schemeClr val="accent1">
+              <a:shade val="50000"/>
+            </a:schemeClr>
+          </a:lnRef>
+          <a:fillRef idx="1">
+            <a:schemeClr val="accent1"/>
+          </a:fillRef>
+          <a:effectRef idx="0">
+            <a:schemeClr val="accent1"/>
+          </a:effectRef>
+          <a:fontRef idx="minor">
+            <a:schemeClr val="lt1"/>
+          </a:fontRef>
+        </p:style>
+        <p:txBody>
+          <a:bodyPr rtlCol="0" anchor="ctr"/>
+          <a:lstStyle/>
+          <a:p>
+            <a:pPr algn="ctr"/>
+            <a:endParaRPr lang="tr-TR"/>
+          </a:p>
+        </p:txBody>
+      </p:sp>
+      <p:sp>
+        <p:nvSpPr>
+          <p:cNvPr id="58" name="Oval 57"/>
+          <p:cNvSpPr/>
+          <p:nvPr/>
+        </p:nvSpPr>
+        <p:spPr>
+          <a:xfrm>
+            <a:off x="2927241" y="3044524"/>
+            <a:ext cx="145278" cy="145278"/>
+          </a:xfrm>
+          <a:prstGeom prst="ellipse">
+            <a:avLst/>
+          </a:prstGeom>
+          <a:solidFill>
+            <a:srgbClr val="FF0000"/>
+          </a:solidFill>
+          <a:ln w="12700">
+            <a:solidFill>
+              <a:schemeClr val="tx1"/>
+            </a:solidFill>
+          </a:ln>
+        </p:spPr>
+        <p:style>
+          <a:lnRef idx="2">
+            <a:schemeClr val="accent1">
+              <a:shade val="50000"/>
+            </a:schemeClr>
+          </a:lnRef>
+          <a:fillRef idx="1">
+            <a:schemeClr val="accent1"/>
+          </a:fillRef>
+          <a:effectRef idx="0">
+            <a:schemeClr val="accent1"/>
+          </a:effectRef>
+          <a:fontRef idx="minor">
+            <a:schemeClr val="lt1"/>
+          </a:fontRef>
+        </p:style>
+        <p:txBody>
+          <a:bodyPr rtlCol="0" anchor="ctr"/>
+          <a:lstStyle/>
+          <a:p>
+            <a:pPr algn="ctr"/>
+            <a:endParaRPr lang="tr-TR"/>
+          </a:p>
+        </p:txBody>
+      </p:sp>
+      <p:sp>
+        <p:nvSpPr>
+          <p:cNvPr id="59" name="Oval 58"/>
+          <p:cNvSpPr/>
+          <p:nvPr/>
+        </p:nvSpPr>
+        <p:spPr>
+          <a:xfrm>
+            <a:off x="2927241" y="3349174"/>
+            <a:ext cx="145278" cy="145278"/>
+          </a:xfrm>
+          <a:prstGeom prst="ellipse">
+            <a:avLst/>
+          </a:prstGeom>
+          <a:solidFill>
+            <a:srgbClr val="FF0000"/>
+          </a:solidFill>
+          <a:ln w="12700">
+            <a:solidFill>
+              <a:schemeClr val="tx1"/>
+            </a:solidFill>
+          </a:ln>
+        </p:spPr>
+        <p:style>
+          <a:lnRef idx="2">
+            <a:schemeClr val="accent1">
+              <a:shade val="50000"/>
+            </a:schemeClr>
+          </a:lnRef>
+          <a:fillRef idx="1">
+            <a:schemeClr val="accent1"/>
+          </a:fillRef>
+          <a:effectRef idx="0">
+            <a:schemeClr val="accent1"/>
+          </a:effectRef>
+          <a:fontRef idx="minor">
+            <a:schemeClr val="lt1"/>
+          </a:fontRef>
+        </p:style>
+        <p:txBody>
+          <a:bodyPr rtlCol="0" anchor="ctr"/>
+          <a:lstStyle/>
+          <a:p>
+            <a:pPr algn="ctr"/>
+            <a:endParaRPr lang="tr-TR"/>
+          </a:p>
+        </p:txBody>
+      </p:sp>
+      <p:sp>
+        <p:nvSpPr>
+          <p:cNvPr id="60" name="Oval 59"/>
+          <p:cNvSpPr/>
+          <p:nvPr/>
+        </p:nvSpPr>
+        <p:spPr>
+          <a:xfrm>
+            <a:off x="2927241" y="3653823"/>
+            <a:ext cx="145278" cy="145278"/>
+          </a:xfrm>
+          <a:prstGeom prst="ellipse">
+            <a:avLst/>
+          </a:prstGeom>
+          <a:solidFill>
+            <a:srgbClr val="FF0000"/>
+          </a:solidFill>
+          <a:ln w="12700">
+            <a:solidFill>
+              <a:schemeClr val="tx1"/>
+            </a:solidFill>
+          </a:ln>
+        </p:spPr>
+        <p:style>
+          <a:lnRef idx="2">
+            <a:schemeClr val="accent1">
+              <a:shade val="50000"/>
+            </a:schemeClr>
+          </a:lnRef>
+          <a:fillRef idx="1">
+            <a:schemeClr val="accent1"/>
+          </a:fillRef>
+          <a:effectRef idx="0">
+            <a:schemeClr val="accent1"/>
+          </a:effectRef>
+          <a:fontRef idx="minor">
+            <a:schemeClr val="lt1"/>
+          </a:fontRef>
+        </p:style>
+        <p:txBody>
+          <a:bodyPr rtlCol="0" anchor="ctr"/>
+          <a:lstStyle/>
+          <a:p>
+            <a:pPr algn="ctr"/>
+            <a:endParaRPr lang="tr-TR"/>
+          </a:p>
+        </p:txBody>
+      </p:sp>
+      <p:sp>
+        <p:nvSpPr>
+          <p:cNvPr id="61" name="Oval 60"/>
+          <p:cNvSpPr/>
+          <p:nvPr/>
+        </p:nvSpPr>
+        <p:spPr>
+          <a:xfrm>
+            <a:off x="2927241" y="3950453"/>
+            <a:ext cx="145278" cy="145278"/>
+          </a:xfrm>
+          <a:prstGeom prst="ellipse">
+            <a:avLst/>
+          </a:prstGeom>
+          <a:solidFill>
+            <a:srgbClr val="FF0000"/>
+          </a:solidFill>
+          <a:ln w="12700">
+            <a:solidFill>
+              <a:schemeClr val="tx1"/>
+            </a:solidFill>
+          </a:ln>
+        </p:spPr>
+        <p:style>
+          <a:lnRef idx="2">
+            <a:schemeClr val="accent1">
+              <a:shade val="50000"/>
+            </a:schemeClr>
+          </a:lnRef>
+          <a:fillRef idx="1">
+            <a:schemeClr val="accent1"/>
+          </a:fillRef>
+          <a:effectRef idx="0">
+            <a:schemeClr val="accent1"/>
+          </a:effectRef>
+          <a:fontRef idx="minor">
+            <a:schemeClr val="lt1"/>
+          </a:fontRef>
+        </p:style>
+        <p:txBody>
+          <a:bodyPr rtlCol="0" anchor="ctr"/>
+          <a:lstStyle/>
+          <a:p>
+            <a:pPr algn="ctr"/>
+            <a:endParaRPr lang="tr-TR"/>
+          </a:p>
+        </p:txBody>
+      </p:sp>
+      <p:sp>
+        <p:nvSpPr>
+          <p:cNvPr id="62" name="Oval 61"/>
+          <p:cNvSpPr/>
+          <p:nvPr/>
+        </p:nvSpPr>
+        <p:spPr>
+          <a:xfrm>
+            <a:off x="2927241" y="4255102"/>
+            <a:ext cx="145278" cy="145278"/>
+          </a:xfrm>
+          <a:prstGeom prst="ellipse">
+            <a:avLst/>
+          </a:prstGeom>
+          <a:solidFill>
+            <a:srgbClr val="FF0000"/>
+          </a:solidFill>
+          <a:ln w="12700">
+            <a:solidFill>
+              <a:schemeClr val="tx1"/>
+            </a:solidFill>
+          </a:ln>
+        </p:spPr>
+        <p:style>
+          <a:lnRef idx="2">
+            <a:schemeClr val="accent1">
+              <a:shade val="50000"/>
+            </a:schemeClr>
+          </a:lnRef>
+          <a:fillRef idx="1">
+            <a:schemeClr val="accent1"/>
+          </a:fillRef>
+          <a:effectRef idx="0">
+            <a:schemeClr val="accent1"/>
+          </a:effectRef>
+          <a:fontRef idx="minor">
+            <a:schemeClr val="lt1"/>
+          </a:fontRef>
+        </p:style>
+        <p:txBody>
+          <a:bodyPr rtlCol="0" anchor="ctr"/>
+          <a:lstStyle/>
+          <a:p>
+            <a:pPr algn="ctr"/>
+            <a:endParaRPr lang="tr-TR"/>
+          </a:p>
+        </p:txBody>
+      </p:sp>
+      <p:sp>
+        <p:nvSpPr>
+          <p:cNvPr id="63" name="Oval 62"/>
+          <p:cNvSpPr/>
+          <p:nvPr/>
+        </p:nvSpPr>
+        <p:spPr>
+          <a:xfrm>
+            <a:off x="2927241" y="4559753"/>
+            <a:ext cx="145278" cy="145278"/>
+          </a:xfrm>
+          <a:prstGeom prst="ellipse">
+            <a:avLst/>
+          </a:prstGeom>
+          <a:solidFill>
+            <a:schemeClr val="bg1"/>
+          </a:solidFill>
+          <a:ln w="12700">
+            <a:solidFill>
+              <a:schemeClr val="tx1"/>
+            </a:solidFill>
+          </a:ln>
+        </p:spPr>
+        <p:style>
+          <a:lnRef idx="2">
+            <a:schemeClr val="accent1">
+              <a:shade val="50000"/>
+            </a:schemeClr>
+          </a:lnRef>
+          <a:fillRef idx="1">
+            <a:schemeClr val="accent1"/>
+          </a:fillRef>
+          <a:effectRef idx="0">
+            <a:schemeClr val="accent1"/>
+          </a:effectRef>
+          <a:fontRef idx="minor">
+            <a:schemeClr val="lt1"/>
+          </a:fontRef>
+        </p:style>
+        <p:txBody>
+          <a:bodyPr rtlCol="0" anchor="ctr"/>
+          <a:lstStyle/>
+          <a:p>
+            <a:pPr algn="ctr"/>
+            <a:endParaRPr lang="tr-TR"/>
+          </a:p>
+        </p:txBody>
+      </p:sp>
+      <p:sp>
+        <p:nvSpPr>
+          <p:cNvPr id="64" name="Oval 63"/>
+          <p:cNvSpPr/>
+          <p:nvPr/>
+        </p:nvSpPr>
+        <p:spPr>
+          <a:xfrm>
+            <a:off x="3214799" y="1825924"/>
+            <a:ext cx="145278" cy="145278"/>
+          </a:xfrm>
+          <a:prstGeom prst="ellipse">
+            <a:avLst/>
+          </a:prstGeom>
+          <a:solidFill>
+            <a:srgbClr val="FF0000"/>
+          </a:solidFill>
+          <a:ln w="12700">
+            <a:solidFill>
+              <a:schemeClr val="tx1"/>
+            </a:solidFill>
+          </a:ln>
+        </p:spPr>
+        <p:style>
+          <a:lnRef idx="2">
+            <a:schemeClr val="accent1">
+              <a:shade val="50000"/>
+            </a:schemeClr>
+          </a:lnRef>
+          <a:fillRef idx="1">
+            <a:schemeClr val="accent1"/>
+          </a:fillRef>
+          <a:effectRef idx="0">
+            <a:schemeClr val="accent1"/>
+          </a:effectRef>
+          <a:fontRef idx="minor">
+            <a:schemeClr val="lt1"/>
+          </a:fontRef>
+        </p:style>
+        <p:txBody>
+          <a:bodyPr rtlCol="0" anchor="ctr"/>
+          <a:lstStyle/>
+          <a:p>
+            <a:pPr algn="ctr"/>
+            <a:endParaRPr lang="tr-TR"/>
+          </a:p>
+        </p:txBody>
+      </p:sp>
+      <p:sp>
+        <p:nvSpPr>
+          <p:cNvPr id="65" name="Oval 64"/>
+          <p:cNvSpPr/>
+          <p:nvPr/>
+        </p:nvSpPr>
+        <p:spPr>
+          <a:xfrm>
+            <a:off x="3214799" y="2130574"/>
+            <a:ext cx="145278" cy="145278"/>
+          </a:xfrm>
+          <a:prstGeom prst="ellipse">
+            <a:avLst/>
+          </a:prstGeom>
+          <a:solidFill>
+            <a:srgbClr val="FF0000"/>
+          </a:solidFill>
+          <a:ln w="12700">
+            <a:solidFill>
+              <a:schemeClr val="tx1"/>
+            </a:solidFill>
+          </a:ln>
+        </p:spPr>
+        <p:style>
+          <a:lnRef idx="2">
+            <a:schemeClr val="accent1">
+              <a:shade val="50000"/>
+            </a:schemeClr>
+          </a:lnRef>
+          <a:fillRef idx="1">
+            <a:schemeClr val="accent1"/>
+          </a:fillRef>
+          <a:effectRef idx="0">
+            <a:schemeClr val="accent1"/>
+          </a:effectRef>
+          <a:fontRef idx="minor">
+            <a:schemeClr val="lt1"/>
+          </a:fontRef>
+        </p:style>
+        <p:txBody>
+          <a:bodyPr rtlCol="0" anchor="ctr"/>
+          <a:lstStyle/>
+          <a:p>
+            <a:pPr algn="ctr"/>
+            <a:endParaRPr lang="tr-TR"/>
+          </a:p>
+        </p:txBody>
+      </p:sp>
+      <p:sp>
+        <p:nvSpPr>
+          <p:cNvPr id="66" name="Oval 65"/>
+          <p:cNvSpPr/>
+          <p:nvPr/>
+        </p:nvSpPr>
+        <p:spPr>
+          <a:xfrm>
+            <a:off x="3214799" y="2435223"/>
+            <a:ext cx="145278" cy="145278"/>
+          </a:xfrm>
+          <a:prstGeom prst="ellipse">
+            <a:avLst/>
+          </a:prstGeom>
+          <a:solidFill>
+            <a:srgbClr val="FF0000"/>
+          </a:solidFill>
+          <a:ln w="12700">
+            <a:solidFill>
+              <a:schemeClr val="tx1"/>
+            </a:solidFill>
+          </a:ln>
+        </p:spPr>
+        <p:style>
+          <a:lnRef idx="2">
+            <a:schemeClr val="accent1">
+              <a:shade val="50000"/>
+            </a:schemeClr>
+          </a:lnRef>
+          <a:fillRef idx="1">
+            <a:schemeClr val="accent1"/>
+          </a:fillRef>
+          <a:effectRef idx="0">
+            <a:schemeClr val="accent1"/>
+          </a:effectRef>
+          <a:fontRef idx="minor">
+            <a:schemeClr val="lt1"/>
+          </a:fontRef>
+        </p:style>
+        <p:txBody>
+          <a:bodyPr rtlCol="0" anchor="ctr"/>
+          <a:lstStyle/>
+          <a:p>
+            <a:pPr algn="ctr"/>
+            <a:endParaRPr lang="tr-TR"/>
+          </a:p>
+        </p:txBody>
+      </p:sp>
+      <p:sp>
+        <p:nvSpPr>
+          <p:cNvPr id="67" name="Oval 66"/>
+          <p:cNvSpPr/>
+          <p:nvPr/>
+        </p:nvSpPr>
+        <p:spPr>
+          <a:xfrm>
+            <a:off x="3214799" y="2739875"/>
+            <a:ext cx="145278" cy="145278"/>
+          </a:xfrm>
+          <a:prstGeom prst="ellipse">
+            <a:avLst/>
+          </a:prstGeom>
+          <a:solidFill>
+            <a:srgbClr val="FF0000"/>
+          </a:solidFill>
+          <a:ln w="12700">
+            <a:solidFill>
+              <a:schemeClr val="tx1"/>
+            </a:solidFill>
+          </a:ln>
+        </p:spPr>
+        <p:style>
+          <a:lnRef idx="2">
+            <a:schemeClr val="accent1">
+              <a:shade val="50000"/>
+            </a:schemeClr>
+          </a:lnRef>
+          <a:fillRef idx="1">
+            <a:schemeClr val="accent1"/>
+          </a:fillRef>
+          <a:effectRef idx="0">
+            <a:schemeClr val="accent1"/>
+          </a:effectRef>
+          <a:fontRef idx="minor">
+            <a:schemeClr val="lt1"/>
+          </a:fontRef>
+        </p:style>
+        <p:txBody>
+          <a:bodyPr rtlCol="0" anchor="ctr"/>
+          <a:lstStyle/>
+          <a:p>
+            <a:pPr algn="ctr"/>
+            <a:endParaRPr lang="tr-TR"/>
+          </a:p>
+        </p:txBody>
+      </p:sp>
+      <p:sp>
+        <p:nvSpPr>
+          <p:cNvPr id="68" name="Oval 67"/>
+          <p:cNvSpPr/>
+          <p:nvPr/>
+        </p:nvSpPr>
+        <p:spPr>
+          <a:xfrm>
+            <a:off x="3214799" y="3044524"/>
+            <a:ext cx="145278" cy="145278"/>
+          </a:xfrm>
+          <a:prstGeom prst="ellipse">
+            <a:avLst/>
+          </a:prstGeom>
+          <a:solidFill>
+            <a:srgbClr val="FF0000"/>
+          </a:solidFill>
+          <a:ln w="12700">
+            <a:solidFill>
+              <a:schemeClr val="tx1"/>
+            </a:solidFill>
+          </a:ln>
+        </p:spPr>
+        <p:style>
+          <a:lnRef idx="2">
+            <a:schemeClr val="accent1">
+              <a:shade val="50000"/>
+            </a:schemeClr>
+          </a:lnRef>
+          <a:fillRef idx="1">
+            <a:schemeClr val="accent1"/>
+          </a:fillRef>
+          <a:effectRef idx="0">
+            <a:schemeClr val="accent1"/>
+          </a:effectRef>
+          <a:fontRef idx="minor">
+            <a:schemeClr val="lt1"/>
+          </a:fontRef>
+        </p:style>
+        <p:txBody>
+          <a:bodyPr rtlCol="0" anchor="ctr"/>
+          <a:lstStyle/>
+          <a:p>
+            <a:pPr algn="ctr"/>
+            <a:endParaRPr lang="tr-TR"/>
+          </a:p>
+        </p:txBody>
+      </p:sp>
+      <p:sp>
+        <p:nvSpPr>
+          <p:cNvPr id="69" name="Oval 68"/>
+          <p:cNvSpPr/>
+          <p:nvPr/>
+        </p:nvSpPr>
+        <p:spPr>
+          <a:xfrm>
+            <a:off x="3214799" y="3349174"/>
+            <a:ext cx="145278" cy="145278"/>
+          </a:xfrm>
+          <a:prstGeom prst="ellipse">
+            <a:avLst/>
+          </a:prstGeom>
+          <a:solidFill>
+            <a:srgbClr val="FF0000"/>
+          </a:solidFill>
+          <a:ln w="12700">
+            <a:solidFill>
+              <a:schemeClr val="tx1"/>
+            </a:solidFill>
+          </a:ln>
+        </p:spPr>
+        <p:style>
+          <a:lnRef idx="2">
+            <a:schemeClr val="accent1">
+              <a:shade val="50000"/>
+            </a:schemeClr>
+          </a:lnRef>
+          <a:fillRef idx="1">
+            <a:schemeClr val="accent1"/>
+          </a:fillRef>
+          <a:effectRef idx="0">
+            <a:schemeClr val="accent1"/>
+          </a:effectRef>
+          <a:fontRef idx="minor">
+            <a:schemeClr val="lt1"/>
+          </a:fontRef>
+        </p:style>
+        <p:txBody>
+          <a:bodyPr rtlCol="0" anchor="ctr"/>
+          <a:lstStyle/>
+          <a:p>
+            <a:pPr algn="ctr"/>
+            <a:endParaRPr lang="tr-TR"/>
+          </a:p>
+        </p:txBody>
+      </p:sp>
+      <p:sp>
+        <p:nvSpPr>
+          <p:cNvPr id="70" name="Oval 69"/>
+          <p:cNvSpPr/>
+          <p:nvPr/>
+        </p:nvSpPr>
+        <p:spPr>
+          <a:xfrm>
+            <a:off x="3214799" y="3653823"/>
+            <a:ext cx="145278" cy="145278"/>
+          </a:xfrm>
+          <a:prstGeom prst="ellipse">
+            <a:avLst/>
+          </a:prstGeom>
+          <a:solidFill>
+            <a:srgbClr val="FF0000"/>
+          </a:solidFill>
+          <a:ln w="12700">
+            <a:solidFill>
+              <a:schemeClr val="tx1"/>
+            </a:solidFill>
+          </a:ln>
+        </p:spPr>
+        <p:style>
+          <a:lnRef idx="2">
+            <a:schemeClr val="accent1">
+              <a:shade val="50000"/>
+            </a:schemeClr>
+          </a:lnRef>
+          <a:fillRef idx="1">
+            <a:schemeClr val="accent1"/>
+          </a:fillRef>
+          <a:effectRef idx="0">
+            <a:schemeClr val="accent1"/>
+          </a:effectRef>
+          <a:fontRef idx="minor">
+            <a:schemeClr val="lt1"/>
+          </a:fontRef>
+        </p:style>
+        <p:txBody>
+          <a:bodyPr rtlCol="0" anchor="ctr"/>
+          <a:lstStyle/>
+          <a:p>
+            <a:pPr algn="ctr"/>
+            <a:endParaRPr lang="tr-TR"/>
+          </a:p>
+        </p:txBody>
+      </p:sp>
+      <p:sp>
+        <p:nvSpPr>
+          <p:cNvPr id="71" name="Oval 70"/>
+          <p:cNvSpPr/>
+          <p:nvPr/>
+        </p:nvSpPr>
+        <p:spPr>
+          <a:xfrm>
+            <a:off x="3214799" y="3950453"/>
+            <a:ext cx="145278" cy="145278"/>
+          </a:xfrm>
+          <a:prstGeom prst="ellipse">
+            <a:avLst/>
+          </a:prstGeom>
+          <a:solidFill>
+            <a:srgbClr val="FF0000"/>
+          </a:solidFill>
+          <a:ln w="12700">
+            <a:solidFill>
+              <a:schemeClr val="tx1"/>
+            </a:solidFill>
+          </a:ln>
+        </p:spPr>
+        <p:style>
+          <a:lnRef idx="2">
+            <a:schemeClr val="accent1">
+              <a:shade val="50000"/>
+            </a:schemeClr>
+          </a:lnRef>
+          <a:fillRef idx="1">
+            <a:schemeClr val="accent1"/>
+          </a:fillRef>
+          <a:effectRef idx="0">
+            <a:schemeClr val="accent1"/>
+          </a:effectRef>
+          <a:fontRef idx="minor">
+            <a:schemeClr val="lt1"/>
+          </a:fontRef>
+        </p:style>
+        <p:txBody>
+          <a:bodyPr rtlCol="0" anchor="ctr"/>
+          <a:lstStyle/>
+          <a:p>
+            <a:pPr algn="ctr"/>
+            <a:endParaRPr lang="tr-TR"/>
+          </a:p>
+        </p:txBody>
+      </p:sp>
+      <p:sp>
+        <p:nvSpPr>
+          <p:cNvPr id="72" name="Oval 71"/>
+          <p:cNvSpPr/>
+          <p:nvPr/>
+        </p:nvSpPr>
+        <p:spPr>
+          <a:xfrm>
+            <a:off x="3214799" y="4255102"/>
+            <a:ext cx="145278" cy="145278"/>
+          </a:xfrm>
+          <a:prstGeom prst="ellipse">
+            <a:avLst/>
+          </a:prstGeom>
+          <a:solidFill>
+            <a:srgbClr val="FF0000"/>
+          </a:solidFill>
+          <a:ln w="12700">
+            <a:solidFill>
+              <a:schemeClr val="tx1"/>
+            </a:solidFill>
+          </a:ln>
+        </p:spPr>
+        <p:style>
+          <a:lnRef idx="2">
+            <a:schemeClr val="accent1">
+              <a:shade val="50000"/>
+            </a:schemeClr>
+          </a:lnRef>
+          <a:fillRef idx="1">
+            <a:schemeClr val="accent1"/>
+          </a:fillRef>
+          <a:effectRef idx="0">
+            <a:schemeClr val="accent1"/>
+          </a:effectRef>
+          <a:fontRef idx="minor">
+            <a:schemeClr val="lt1"/>
+          </a:fontRef>
+        </p:style>
+        <p:txBody>
+          <a:bodyPr rtlCol="0" anchor="ctr"/>
+          <a:lstStyle/>
+          <a:p>
+            <a:pPr algn="ctr"/>
+            <a:endParaRPr lang="tr-TR"/>
+          </a:p>
+        </p:txBody>
+      </p:sp>
+      <p:sp>
+        <p:nvSpPr>
+          <p:cNvPr id="73" name="Oval 72"/>
+          <p:cNvSpPr/>
+          <p:nvPr/>
+        </p:nvSpPr>
+        <p:spPr>
+          <a:xfrm>
+            <a:off x="3214799" y="4559753"/>
+            <a:ext cx="145278" cy="145278"/>
+          </a:xfrm>
+          <a:prstGeom prst="ellipse">
+            <a:avLst/>
+          </a:prstGeom>
+          <a:solidFill>
+            <a:schemeClr val="bg1"/>
+          </a:solidFill>
+          <a:ln w="12700">
+            <a:solidFill>
+              <a:schemeClr val="tx1"/>
+            </a:solidFill>
+          </a:ln>
+        </p:spPr>
+        <p:style>
+          <a:lnRef idx="2">
+            <a:schemeClr val="accent1">
+              <a:shade val="50000"/>
+            </a:schemeClr>
+          </a:lnRef>
+          <a:fillRef idx="1">
+            <a:schemeClr val="accent1"/>
+          </a:fillRef>
+          <a:effectRef idx="0">
+            <a:schemeClr val="accent1"/>
+          </a:effectRef>
+          <a:fontRef idx="minor">
+            <a:schemeClr val="lt1"/>
+          </a:fontRef>
+        </p:style>
+        <p:txBody>
+          <a:bodyPr rtlCol="0" anchor="ctr"/>
+          <a:lstStyle/>
+          <a:p>
+            <a:pPr algn="ctr"/>
+            <a:endParaRPr lang="tr-TR"/>
+          </a:p>
+        </p:txBody>
+      </p:sp>
+      <p:sp>
+        <p:nvSpPr>
+          <p:cNvPr id="74" name="Oval 73"/>
+          <p:cNvSpPr/>
+          <p:nvPr/>
+        </p:nvSpPr>
+        <p:spPr>
+          <a:xfrm>
+            <a:off x="3502357" y="1825924"/>
+            <a:ext cx="145278" cy="145278"/>
+          </a:xfrm>
+          <a:prstGeom prst="ellipse">
+            <a:avLst/>
+          </a:prstGeom>
+          <a:solidFill>
+            <a:srgbClr val="FF0000"/>
+          </a:solidFill>
+          <a:ln w="12700">
+            <a:solidFill>
+              <a:schemeClr val="tx1"/>
+            </a:solidFill>
+          </a:ln>
+        </p:spPr>
+        <p:style>
+          <a:lnRef idx="2">
+            <a:schemeClr val="accent1">
+              <a:shade val="50000"/>
+            </a:schemeClr>
+          </a:lnRef>
+          <a:fillRef idx="1">
+            <a:schemeClr val="accent1"/>
+          </a:fillRef>
+          <a:effectRef idx="0">
+            <a:schemeClr val="accent1"/>
+          </a:effectRef>
+          <a:fontRef idx="minor">
+            <a:schemeClr val="lt1"/>
+          </a:fontRef>
+        </p:style>
+        <p:txBody>
+          <a:bodyPr rtlCol="0" anchor="ctr"/>
+          <a:lstStyle/>
+          <a:p>
+            <a:pPr algn="ctr"/>
+            <a:endParaRPr lang="tr-TR"/>
+          </a:p>
+        </p:txBody>
+      </p:sp>
+      <p:sp>
+        <p:nvSpPr>
+          <p:cNvPr id="75" name="Oval 74"/>
+          <p:cNvSpPr/>
+          <p:nvPr/>
+        </p:nvSpPr>
+        <p:spPr>
+          <a:xfrm>
+            <a:off x="3502357" y="2130574"/>
+            <a:ext cx="145278" cy="145278"/>
+          </a:xfrm>
+          <a:prstGeom prst="ellipse">
+            <a:avLst/>
+          </a:prstGeom>
+          <a:solidFill>
+            <a:srgbClr val="FF0000"/>
+          </a:solidFill>
+          <a:ln w="12700">
+            <a:solidFill>
+              <a:schemeClr val="tx1"/>
+            </a:solidFill>
+          </a:ln>
+        </p:spPr>
+        <p:style>
+          <a:lnRef idx="2">
+            <a:schemeClr val="accent1">
+              <a:shade val="50000"/>
+            </a:schemeClr>
+          </a:lnRef>
+          <a:fillRef idx="1">
+            <a:schemeClr val="accent1"/>
+          </a:fillRef>
+          <a:effectRef idx="0">
+            <a:schemeClr val="accent1"/>
+          </a:effectRef>
+          <a:fontRef idx="minor">
+            <a:schemeClr val="lt1"/>
+          </a:fontRef>
+        </p:style>
+        <p:txBody>
+          <a:bodyPr rtlCol="0" anchor="ctr"/>
+          <a:lstStyle/>
+          <a:p>
+            <a:pPr algn="ctr"/>
+            <a:endParaRPr lang="tr-TR"/>
+          </a:p>
+        </p:txBody>
+      </p:sp>
+      <p:sp>
+        <p:nvSpPr>
+          <p:cNvPr id="76" name="Oval 75"/>
+          <p:cNvSpPr/>
+          <p:nvPr/>
+        </p:nvSpPr>
+        <p:spPr>
+          <a:xfrm>
+            <a:off x="3502357" y="2435223"/>
+            <a:ext cx="145278" cy="145278"/>
+          </a:xfrm>
+          <a:prstGeom prst="ellipse">
+            <a:avLst/>
+          </a:prstGeom>
+          <a:solidFill>
+            <a:srgbClr val="FF0000"/>
+          </a:solidFill>
+          <a:ln w="12700">
+            <a:solidFill>
+              <a:schemeClr val="tx1"/>
+            </a:solidFill>
+          </a:ln>
+        </p:spPr>
+        <p:style>
+          <a:lnRef idx="2">
+            <a:schemeClr val="accent1">
+              <a:shade val="50000"/>
+            </a:schemeClr>
+          </a:lnRef>
+          <a:fillRef idx="1">
+            <a:schemeClr val="accent1"/>
+          </a:fillRef>
+          <a:effectRef idx="0">
+            <a:schemeClr val="accent1"/>
+          </a:effectRef>
+          <a:fontRef idx="minor">
+            <a:schemeClr val="lt1"/>
+          </a:fontRef>
+        </p:style>
+        <p:txBody>
+          <a:bodyPr rtlCol="0" anchor="ctr"/>
+          <a:lstStyle/>
+          <a:p>
+            <a:pPr algn="ctr"/>
+            <a:endParaRPr lang="tr-TR"/>
+          </a:p>
+        </p:txBody>
+      </p:sp>
+      <p:sp>
+        <p:nvSpPr>
+          <p:cNvPr id="77" name="Oval 76"/>
+          <p:cNvSpPr/>
+          <p:nvPr/>
+        </p:nvSpPr>
+        <p:spPr>
+          <a:xfrm>
+            <a:off x="3502357" y="2739875"/>
+            <a:ext cx="145278" cy="145278"/>
+          </a:xfrm>
+          <a:prstGeom prst="ellipse">
+            <a:avLst/>
+          </a:prstGeom>
+          <a:solidFill>
+            <a:srgbClr val="FF0000"/>
+          </a:solidFill>
+          <a:ln w="12700">
+            <a:solidFill>
+              <a:schemeClr val="tx1"/>
+            </a:solidFill>
+          </a:ln>
+        </p:spPr>
+        <p:style>
+          <a:lnRef idx="2">
+            <a:schemeClr val="accent1">
+              <a:shade val="50000"/>
+            </a:schemeClr>
+          </a:lnRef>
+          <a:fillRef idx="1">
+            <a:schemeClr val="accent1"/>
+          </a:fillRef>
+          <a:effectRef idx="0">
+            <a:schemeClr val="accent1"/>
+          </a:effectRef>
+          <a:fontRef idx="minor">
+            <a:schemeClr val="lt1"/>
+          </a:fontRef>
+        </p:style>
+        <p:txBody>
+          <a:bodyPr rtlCol="0" anchor="ctr"/>
+          <a:lstStyle/>
+          <a:p>
+            <a:pPr algn="ctr"/>
+            <a:endParaRPr lang="tr-TR"/>
+          </a:p>
+        </p:txBody>
+      </p:sp>
+      <p:sp>
+        <p:nvSpPr>
+          <p:cNvPr id="78" name="Oval 77"/>
+          <p:cNvSpPr/>
+          <p:nvPr/>
+        </p:nvSpPr>
+        <p:spPr>
+          <a:xfrm>
+            <a:off x="3502357" y="3044524"/>
+            <a:ext cx="145278" cy="145278"/>
+          </a:xfrm>
+          <a:prstGeom prst="ellipse">
+            <a:avLst/>
+          </a:prstGeom>
+          <a:solidFill>
+            <a:srgbClr val="FF0000"/>
+          </a:solidFill>
+          <a:ln w="12700">
+            <a:solidFill>
+              <a:schemeClr val="tx1"/>
+            </a:solidFill>
+          </a:ln>
+        </p:spPr>
+        <p:style>
+          <a:lnRef idx="2">
+            <a:schemeClr val="accent1">
+              <a:shade val="50000"/>
+            </a:schemeClr>
+          </a:lnRef>
+          <a:fillRef idx="1">
+            <a:schemeClr val="accent1"/>
+          </a:fillRef>
+          <a:effectRef idx="0">
+            <a:schemeClr val="accent1"/>
+          </a:effectRef>
+          <a:fontRef idx="minor">
+            <a:schemeClr val="lt1"/>
+          </a:fontRef>
+        </p:style>
+        <p:txBody>
+          <a:bodyPr rtlCol="0" anchor="ctr"/>
+          <a:lstStyle/>
+          <a:p>
+            <a:pPr algn="ctr"/>
+            <a:endParaRPr lang="tr-TR"/>
+          </a:p>
+        </p:txBody>
+      </p:sp>
+      <p:sp>
+        <p:nvSpPr>
+          <p:cNvPr id="79" name="Oval 78"/>
+          <p:cNvSpPr/>
+          <p:nvPr/>
+        </p:nvSpPr>
+        <p:spPr>
+          <a:xfrm>
+            <a:off x="3502357" y="3349174"/>
+            <a:ext cx="145278" cy="145278"/>
+          </a:xfrm>
+          <a:prstGeom prst="ellipse">
+            <a:avLst/>
+          </a:prstGeom>
+          <a:solidFill>
+            <a:srgbClr val="FF0000"/>
+          </a:solidFill>
+          <a:ln w="12700">
+            <a:solidFill>
+              <a:schemeClr val="tx1"/>
+            </a:solidFill>
+          </a:ln>
+        </p:spPr>
+        <p:style>
+          <a:lnRef idx="2">
+            <a:schemeClr val="accent1">
+              <a:shade val="50000"/>
+            </a:schemeClr>
+          </a:lnRef>
+          <a:fillRef idx="1">
+            <a:schemeClr val="accent1"/>
+          </a:fillRef>
+          <a:effectRef idx="0">
+            <a:schemeClr val="accent1"/>
+          </a:effectRef>
+          <a:fontRef idx="minor">
+            <a:schemeClr val="lt1"/>
+          </a:fontRef>
+        </p:style>
+        <p:txBody>
+          <a:bodyPr rtlCol="0" anchor="ctr"/>
+          <a:lstStyle/>
+          <a:p>
+            <a:pPr algn="ctr"/>
+            <a:endParaRPr lang="tr-TR"/>
+          </a:p>
+        </p:txBody>
+      </p:sp>
+      <p:sp>
+        <p:nvSpPr>
+          <p:cNvPr id="80" name="Oval 79"/>
+          <p:cNvSpPr/>
+          <p:nvPr/>
+        </p:nvSpPr>
+        <p:spPr>
+          <a:xfrm>
+            <a:off x="3502357" y="3653823"/>
+            <a:ext cx="145278" cy="145278"/>
+          </a:xfrm>
+          <a:prstGeom prst="ellipse">
+            <a:avLst/>
+          </a:prstGeom>
+          <a:solidFill>
+            <a:srgbClr val="FF0000"/>
+          </a:solidFill>
+          <a:ln w="12700">
+            <a:solidFill>
+              <a:schemeClr val="tx1"/>
+            </a:solidFill>
+          </a:ln>
+        </p:spPr>
+        <p:style>
+          <a:lnRef idx="2">
+            <a:schemeClr val="accent1">
+              <a:shade val="50000"/>
+            </a:schemeClr>
+          </a:lnRef>
+          <a:fillRef idx="1">
+            <a:schemeClr val="accent1"/>
+          </a:fillRef>
+          <a:effectRef idx="0">
+            <a:schemeClr val="accent1"/>
+          </a:effectRef>
+          <a:fontRef idx="minor">
+            <a:schemeClr val="lt1"/>
+          </a:fontRef>
+        </p:style>
+        <p:txBody>
+          <a:bodyPr rtlCol="0" anchor="ctr"/>
+          <a:lstStyle/>
+          <a:p>
+            <a:pPr algn="ctr"/>
+            <a:endParaRPr lang="tr-TR"/>
+          </a:p>
+        </p:txBody>
+      </p:sp>
+      <p:sp>
+        <p:nvSpPr>
+          <p:cNvPr id="81" name="Oval 80"/>
+          <p:cNvSpPr/>
+          <p:nvPr/>
+        </p:nvSpPr>
+        <p:spPr>
+          <a:xfrm>
+            <a:off x="3502357" y="3950453"/>
+            <a:ext cx="145278" cy="145278"/>
+          </a:xfrm>
+          <a:prstGeom prst="ellipse">
+            <a:avLst/>
+          </a:prstGeom>
+          <a:solidFill>
+            <a:srgbClr val="FF0000"/>
+          </a:solidFill>
+          <a:ln w="12700">
+            <a:solidFill>
+              <a:schemeClr val="tx1"/>
+            </a:solidFill>
+          </a:ln>
+        </p:spPr>
+        <p:style>
+          <a:lnRef idx="2">
+            <a:schemeClr val="accent1">
+              <a:shade val="50000"/>
+            </a:schemeClr>
+          </a:lnRef>
+          <a:fillRef idx="1">
+            <a:schemeClr val="accent1"/>
+          </a:fillRef>
+          <a:effectRef idx="0">
+            <a:schemeClr val="accent1"/>
+          </a:effectRef>
+          <a:fontRef idx="minor">
+            <a:schemeClr val="lt1"/>
+          </a:fontRef>
+        </p:style>
+        <p:txBody>
+          <a:bodyPr rtlCol="0" anchor="ctr"/>
+          <a:lstStyle/>
+          <a:p>
+            <a:pPr algn="ctr"/>
+            <a:endParaRPr lang="tr-TR"/>
+          </a:p>
+        </p:txBody>
+      </p:sp>
+      <p:sp>
+        <p:nvSpPr>
+          <p:cNvPr id="82" name="Oval 81"/>
+          <p:cNvSpPr/>
+          <p:nvPr/>
+        </p:nvSpPr>
+        <p:spPr>
+          <a:xfrm>
+            <a:off x="3502357" y="4255102"/>
+            <a:ext cx="145278" cy="145278"/>
+          </a:xfrm>
+          <a:prstGeom prst="ellipse">
+            <a:avLst/>
+          </a:prstGeom>
+          <a:solidFill>
+            <a:srgbClr val="FF0000"/>
+          </a:solidFill>
+          <a:ln w="12700">
+            <a:solidFill>
+              <a:schemeClr val="tx1"/>
+            </a:solidFill>
+          </a:ln>
+        </p:spPr>
+        <p:style>
+          <a:lnRef idx="2">
+            <a:schemeClr val="accent1">
+              <a:shade val="50000"/>
+            </a:schemeClr>
+          </a:lnRef>
+          <a:fillRef idx="1">
+            <a:schemeClr val="accent1"/>
+          </a:fillRef>
+          <a:effectRef idx="0">
+            <a:schemeClr val="accent1"/>
+          </a:effectRef>
+          <a:fontRef idx="minor">
+            <a:schemeClr val="lt1"/>
+          </a:fontRef>
+        </p:style>
+        <p:txBody>
+          <a:bodyPr rtlCol="0" anchor="ctr"/>
+          <a:lstStyle/>
+          <a:p>
+            <a:pPr algn="ctr"/>
+            <a:endParaRPr lang="tr-TR"/>
+          </a:p>
+        </p:txBody>
+      </p:sp>
+      <p:sp>
+        <p:nvSpPr>
+          <p:cNvPr id="83" name="Oval 82"/>
+          <p:cNvSpPr/>
+          <p:nvPr/>
+        </p:nvSpPr>
+        <p:spPr>
+          <a:xfrm>
+            <a:off x="3502357" y="4559753"/>
+            <a:ext cx="145278" cy="145278"/>
+          </a:xfrm>
+          <a:prstGeom prst="ellipse">
+            <a:avLst/>
+          </a:prstGeom>
+          <a:solidFill>
+            <a:schemeClr val="bg1"/>
+          </a:solidFill>
+          <a:ln w="12700">
+            <a:solidFill>
+              <a:schemeClr val="tx1"/>
+            </a:solidFill>
+          </a:ln>
+        </p:spPr>
+        <p:style>
+          <a:lnRef idx="2">
+            <a:schemeClr val="accent1">
+              <a:shade val="50000"/>
+            </a:schemeClr>
+          </a:lnRef>
+          <a:fillRef idx="1">
+            <a:schemeClr val="accent1"/>
+          </a:fillRef>
+          <a:effectRef idx="0">
+            <a:schemeClr val="accent1"/>
+          </a:effectRef>
+          <a:fontRef idx="minor">
+            <a:schemeClr val="lt1"/>
+          </a:fontRef>
+        </p:style>
+        <p:txBody>
+          <a:bodyPr rtlCol="0" anchor="ctr"/>
+          <a:lstStyle/>
+          <a:p>
+            <a:pPr algn="ctr"/>
+            <a:endParaRPr lang="tr-TR"/>
+          </a:p>
+        </p:txBody>
+      </p:sp>
+      <p:sp>
+        <p:nvSpPr>
+          <p:cNvPr id="84" name="Oval 83"/>
+          <p:cNvSpPr/>
+          <p:nvPr/>
+        </p:nvSpPr>
+        <p:spPr>
+          <a:xfrm>
+            <a:off x="3789915" y="1825924"/>
+            <a:ext cx="145278" cy="145278"/>
+          </a:xfrm>
+          <a:prstGeom prst="ellipse">
+            <a:avLst/>
+          </a:prstGeom>
+          <a:solidFill>
+            <a:srgbClr val="FF0000"/>
+          </a:solidFill>
+          <a:ln w="12700">
+            <a:solidFill>
+              <a:schemeClr val="tx1"/>
+            </a:solidFill>
+          </a:ln>
+        </p:spPr>
+        <p:style>
+          <a:lnRef idx="2">
+            <a:schemeClr val="accent1">
+              <a:shade val="50000"/>
+            </a:schemeClr>
+          </a:lnRef>
+          <a:fillRef idx="1">
+            <a:schemeClr val="accent1"/>
+          </a:fillRef>
+          <a:effectRef idx="0">
+            <a:schemeClr val="accent1"/>
+          </a:effectRef>
+          <a:fontRef idx="minor">
+            <a:schemeClr val="lt1"/>
+          </a:fontRef>
+        </p:style>
+        <p:txBody>
+          <a:bodyPr rtlCol="0" anchor="ctr"/>
+          <a:lstStyle/>
+          <a:p>
+            <a:pPr algn="ctr"/>
+            <a:endParaRPr lang="tr-TR"/>
+          </a:p>
+        </p:txBody>
+      </p:sp>
+      <p:sp>
+        <p:nvSpPr>
+          <p:cNvPr id="85" name="Oval 84"/>
+          <p:cNvSpPr/>
+          <p:nvPr/>
+        </p:nvSpPr>
+        <p:spPr>
+          <a:xfrm>
+            <a:off x="3789915" y="2130574"/>
+            <a:ext cx="145278" cy="145278"/>
+          </a:xfrm>
+          <a:prstGeom prst="ellipse">
+            <a:avLst/>
+          </a:prstGeom>
+          <a:solidFill>
+            <a:srgbClr val="FF0000"/>
+          </a:solidFill>
+          <a:ln w="12700">
+            <a:solidFill>
+              <a:schemeClr val="tx1"/>
+            </a:solidFill>
+          </a:ln>
+        </p:spPr>
+        <p:style>
+          <a:lnRef idx="2">
+            <a:schemeClr val="accent1">
+              <a:shade val="50000"/>
+            </a:schemeClr>
+          </a:lnRef>
+          <a:fillRef idx="1">
+            <a:schemeClr val="accent1"/>
+          </a:fillRef>
+          <a:effectRef idx="0">
+            <a:schemeClr val="accent1"/>
+          </a:effectRef>
+          <a:fontRef idx="minor">
+            <a:schemeClr val="lt1"/>
+          </a:fontRef>
+        </p:style>
+        <p:txBody>
+          <a:bodyPr rtlCol="0" anchor="ctr"/>
+          <a:lstStyle/>
+          <a:p>
+            <a:pPr algn="ctr"/>
+            <a:endParaRPr lang="tr-TR"/>
+          </a:p>
+        </p:txBody>
+      </p:sp>
+      <p:sp>
+        <p:nvSpPr>
+          <p:cNvPr id="86" name="Oval 85"/>
+          <p:cNvSpPr/>
+          <p:nvPr/>
+        </p:nvSpPr>
+        <p:spPr>
+          <a:xfrm>
+            <a:off x="3789915" y="2435223"/>
+            <a:ext cx="145278" cy="145278"/>
+          </a:xfrm>
+          <a:prstGeom prst="ellipse">
+            <a:avLst/>
+          </a:prstGeom>
+          <a:solidFill>
+            <a:srgbClr val="FF0000"/>
+          </a:solidFill>
+          <a:ln w="12700">
+            <a:solidFill>
+              <a:schemeClr val="tx1"/>
+            </a:solidFill>
+          </a:ln>
+        </p:spPr>
+        <p:style>
+          <a:lnRef idx="2">
+            <a:schemeClr val="accent1">
+              <a:shade val="50000"/>
+            </a:schemeClr>
+          </a:lnRef>
+          <a:fillRef idx="1">
+            <a:schemeClr val="accent1"/>
+          </a:fillRef>
+          <a:effectRef idx="0">
+            <a:schemeClr val="accent1"/>
+          </a:effectRef>
+          <a:fontRef idx="minor">
+            <a:schemeClr val="lt1"/>
+          </a:fontRef>
+        </p:style>
+        <p:txBody>
+          <a:bodyPr rtlCol="0" anchor="ctr"/>
+          <a:lstStyle/>
+          <a:p>
+            <a:pPr algn="ctr"/>
+            <a:endParaRPr lang="tr-TR"/>
+          </a:p>
+        </p:txBody>
+      </p:sp>
+      <p:sp>
+        <p:nvSpPr>
+          <p:cNvPr id="87" name="Oval 86"/>
+          <p:cNvSpPr/>
+          <p:nvPr/>
+        </p:nvSpPr>
+        <p:spPr>
+          <a:xfrm>
+            <a:off x="3789915" y="2739875"/>
+            <a:ext cx="145278" cy="145278"/>
+          </a:xfrm>
+          <a:prstGeom prst="ellipse">
+            <a:avLst/>
+          </a:prstGeom>
+          <a:solidFill>
+            <a:srgbClr val="FF0000"/>
+          </a:solidFill>
+          <a:ln w="12700">
+            <a:solidFill>
+              <a:schemeClr val="tx1"/>
+            </a:solidFill>
+          </a:ln>
+        </p:spPr>
+        <p:style>
+          <a:lnRef idx="2">
+            <a:schemeClr val="accent1">
+              <a:shade val="50000"/>
+            </a:schemeClr>
+          </a:lnRef>
+          <a:fillRef idx="1">
+            <a:schemeClr val="accent1"/>
+          </a:fillRef>
+          <a:effectRef idx="0">
+            <a:schemeClr val="accent1"/>
+          </a:effectRef>
+          <a:fontRef idx="minor">
+            <a:schemeClr val="lt1"/>
+          </a:fontRef>
+        </p:style>
+        <p:txBody>
+          <a:bodyPr rtlCol="0" anchor="ctr"/>
+          <a:lstStyle/>
+          <a:p>
+            <a:pPr algn="ctr"/>
+            <a:endParaRPr lang="tr-TR"/>
+          </a:p>
+        </p:txBody>
+      </p:sp>
+      <p:sp>
+        <p:nvSpPr>
+          <p:cNvPr id="88" name="Oval 87"/>
+          <p:cNvSpPr/>
+          <p:nvPr/>
+        </p:nvSpPr>
+        <p:spPr>
+          <a:xfrm>
+            <a:off x="3789915" y="3044524"/>
+            <a:ext cx="145278" cy="145278"/>
+          </a:xfrm>
+          <a:prstGeom prst="ellipse">
+            <a:avLst/>
+          </a:prstGeom>
+          <a:solidFill>
+            <a:srgbClr val="FF0000"/>
+          </a:solidFill>
+          <a:ln w="12700">
+            <a:solidFill>
+              <a:schemeClr val="tx1"/>
+            </a:solidFill>
+          </a:ln>
+        </p:spPr>
+        <p:style>
+          <a:lnRef idx="2">
+            <a:schemeClr val="accent1">
+              <a:shade val="50000"/>
+            </a:schemeClr>
+          </a:lnRef>
+          <a:fillRef idx="1">
+            <a:schemeClr val="accent1"/>
+          </a:fillRef>
+          <a:effectRef idx="0">
+            <a:schemeClr val="accent1"/>
+          </a:effectRef>
+          <a:fontRef idx="minor">
+            <a:schemeClr val="lt1"/>
+          </a:fontRef>
+        </p:style>
+        <p:txBody>
+          <a:bodyPr rtlCol="0" anchor="ctr"/>
+          <a:lstStyle/>
+          <a:p>
+            <a:pPr algn="ctr"/>
+            <a:endParaRPr lang="tr-TR"/>
+          </a:p>
+        </p:txBody>
+      </p:sp>
+      <p:sp>
+        <p:nvSpPr>
+          <p:cNvPr id="89" name="Oval 88"/>
+          <p:cNvSpPr/>
+          <p:nvPr/>
+        </p:nvSpPr>
+        <p:spPr>
+          <a:xfrm>
+            <a:off x="3789915" y="3349174"/>
+            <a:ext cx="145278" cy="145278"/>
+          </a:xfrm>
+          <a:prstGeom prst="ellipse">
+            <a:avLst/>
+          </a:prstGeom>
+          <a:solidFill>
+            <a:srgbClr val="FF0000"/>
+          </a:solidFill>
+          <a:ln w="12700">
+            <a:solidFill>
+              <a:schemeClr val="tx1"/>
+            </a:solidFill>
+          </a:ln>
+        </p:spPr>
+        <p:style>
+          <a:lnRef idx="2">
+            <a:schemeClr val="accent1">
+              <a:shade val="50000"/>
+            </a:schemeClr>
+          </a:lnRef>
+          <a:fillRef idx="1">
+            <a:schemeClr val="accent1"/>
+          </a:fillRef>
+          <a:effectRef idx="0">
+            <a:schemeClr val="accent1"/>
+          </a:effectRef>
+          <a:fontRef idx="minor">
+            <a:schemeClr val="lt1"/>
+          </a:fontRef>
+        </p:style>
+        <p:txBody>
+          <a:bodyPr rtlCol="0" anchor="ctr"/>
+          <a:lstStyle/>
+          <a:p>
+            <a:pPr algn="ctr"/>
+            <a:endParaRPr lang="tr-TR"/>
+          </a:p>
+        </p:txBody>
+      </p:sp>
+      <p:sp>
+        <p:nvSpPr>
+          <p:cNvPr id="90" name="Oval 89"/>
+          <p:cNvSpPr/>
+          <p:nvPr/>
+        </p:nvSpPr>
+        <p:spPr>
+          <a:xfrm>
+            <a:off x="3789915" y="3653823"/>
+            <a:ext cx="145278" cy="145278"/>
+          </a:xfrm>
+          <a:prstGeom prst="ellipse">
+            <a:avLst/>
+          </a:prstGeom>
+          <a:solidFill>
+            <a:srgbClr val="FF0000"/>
+          </a:solidFill>
+          <a:ln w="12700">
+            <a:solidFill>
+              <a:schemeClr val="tx1"/>
+            </a:solidFill>
+          </a:ln>
+        </p:spPr>
+        <p:style>
+          <a:lnRef idx="2">
+            <a:schemeClr val="accent1">
+              <a:shade val="50000"/>
+            </a:schemeClr>
+          </a:lnRef>
+          <a:fillRef idx="1">
+            <a:schemeClr val="accent1"/>
+          </a:fillRef>
+          <a:effectRef idx="0">
+            <a:schemeClr val="accent1"/>
+          </a:effectRef>
+          <a:fontRef idx="minor">
+            <a:schemeClr val="lt1"/>
+          </a:fontRef>
+        </p:style>
+        <p:txBody>
+          <a:bodyPr rtlCol="0" anchor="ctr"/>
+          <a:lstStyle/>
+          <a:p>
+            <a:pPr algn="ctr"/>
+            <a:endParaRPr lang="tr-TR"/>
+          </a:p>
+        </p:txBody>
+      </p:sp>
+      <p:sp>
+        <p:nvSpPr>
+          <p:cNvPr id="91" name="Oval 90"/>
+          <p:cNvSpPr/>
+          <p:nvPr/>
+        </p:nvSpPr>
+        <p:spPr>
+          <a:xfrm>
+            <a:off x="3789915" y="3950453"/>
+            <a:ext cx="145278" cy="145278"/>
+          </a:xfrm>
+          <a:prstGeom prst="ellipse">
+            <a:avLst/>
+          </a:prstGeom>
+          <a:solidFill>
+            <a:srgbClr val="FF0000"/>
+          </a:solidFill>
+          <a:ln w="12700">
+            <a:solidFill>
+              <a:schemeClr val="tx1"/>
+            </a:solidFill>
+          </a:ln>
+        </p:spPr>
+        <p:style>
+          <a:lnRef idx="2">
+            <a:schemeClr val="accent1">
+              <a:shade val="50000"/>
+            </a:schemeClr>
+          </a:lnRef>
+          <a:fillRef idx="1">
+            <a:schemeClr val="accent1"/>
+          </a:fillRef>
+          <a:effectRef idx="0">
+            <a:schemeClr val="accent1"/>
+          </a:effectRef>
+          <a:fontRef idx="minor">
+            <a:schemeClr val="lt1"/>
+          </a:fontRef>
+        </p:style>
+        <p:txBody>
+          <a:bodyPr rtlCol="0" anchor="ctr"/>
+          <a:lstStyle/>
+          <a:p>
+            <a:pPr algn="ctr"/>
+            <a:endParaRPr lang="tr-TR"/>
+          </a:p>
+        </p:txBody>
+      </p:sp>
+      <p:sp>
+        <p:nvSpPr>
+          <p:cNvPr id="92" name="Oval 91"/>
+          <p:cNvSpPr/>
+          <p:nvPr/>
+        </p:nvSpPr>
+        <p:spPr>
+          <a:xfrm>
+            <a:off x="3789915" y="4255102"/>
+            <a:ext cx="145278" cy="145278"/>
+          </a:xfrm>
+          <a:prstGeom prst="ellipse">
+            <a:avLst/>
+          </a:prstGeom>
+          <a:solidFill>
+            <a:srgbClr val="FF0000"/>
+          </a:solidFill>
+          <a:ln w="12700">
+            <a:solidFill>
+              <a:schemeClr val="tx1"/>
+            </a:solidFill>
+          </a:ln>
+        </p:spPr>
+        <p:style>
+          <a:lnRef idx="2">
+            <a:schemeClr val="accent1">
+              <a:shade val="50000"/>
+            </a:schemeClr>
+          </a:lnRef>
+          <a:fillRef idx="1">
+            <a:schemeClr val="accent1"/>
+          </a:fillRef>
+          <a:effectRef idx="0">
+            <a:schemeClr val="accent1"/>
+          </a:effectRef>
+          <a:fontRef idx="minor">
+            <a:schemeClr val="lt1"/>
+          </a:fontRef>
+        </p:style>
+        <p:txBody>
+          <a:bodyPr rtlCol="0" anchor="ctr"/>
+          <a:lstStyle/>
+          <a:p>
+            <a:pPr algn="ctr"/>
+            <a:endParaRPr lang="tr-TR"/>
+          </a:p>
+        </p:txBody>
+      </p:sp>
+      <p:sp>
+        <p:nvSpPr>
+          <p:cNvPr id="93" name="Oval 92"/>
+          <p:cNvSpPr/>
+          <p:nvPr/>
+        </p:nvSpPr>
+        <p:spPr>
+          <a:xfrm>
+            <a:off x="3789915" y="4559753"/>
+            <a:ext cx="145278" cy="145278"/>
+          </a:xfrm>
+          <a:prstGeom prst="ellipse">
+            <a:avLst/>
+          </a:prstGeom>
+          <a:solidFill>
+            <a:schemeClr val="bg1"/>
+          </a:solidFill>
+          <a:ln w="12700">
+            <a:solidFill>
+              <a:schemeClr val="tx1"/>
+            </a:solidFill>
+          </a:ln>
+        </p:spPr>
+        <p:style>
+          <a:lnRef idx="2">
+            <a:schemeClr val="accent1">
+              <a:shade val="50000"/>
+            </a:schemeClr>
+          </a:lnRef>
+          <a:fillRef idx="1">
+            <a:schemeClr val="accent1"/>
+          </a:fillRef>
+          <a:effectRef idx="0">
+            <a:schemeClr val="accent1"/>
+          </a:effectRef>
+          <a:fontRef idx="minor">
+            <a:schemeClr val="lt1"/>
+          </a:fontRef>
+        </p:style>
+        <p:txBody>
+          <a:bodyPr rtlCol="0" anchor="ctr"/>
+          <a:lstStyle/>
+          <a:p>
+            <a:pPr algn="ctr"/>
+            <a:endParaRPr lang="tr-TR"/>
+          </a:p>
+        </p:txBody>
+      </p:sp>
+      <p:sp>
+        <p:nvSpPr>
+          <p:cNvPr id="94" name="Oval 93"/>
+          <p:cNvSpPr/>
+          <p:nvPr/>
+        </p:nvSpPr>
+        <p:spPr>
+          <a:xfrm>
+            <a:off x="4077473" y="1825924"/>
+            <a:ext cx="145278" cy="145278"/>
+          </a:xfrm>
+          <a:prstGeom prst="ellipse">
+            <a:avLst/>
+          </a:prstGeom>
+          <a:solidFill>
+            <a:schemeClr val="bg1"/>
+          </a:solidFill>
+          <a:ln w="12700">
+            <a:solidFill>
+              <a:schemeClr val="tx1"/>
+            </a:solidFill>
+          </a:ln>
+        </p:spPr>
+        <p:style>
+          <a:lnRef idx="2">
+            <a:schemeClr val="accent1">
+              <a:shade val="50000"/>
+            </a:schemeClr>
+          </a:lnRef>
+          <a:fillRef idx="1">
+            <a:schemeClr val="accent1"/>
+          </a:fillRef>
+          <a:effectRef idx="0">
+            <a:schemeClr val="accent1"/>
+          </a:effectRef>
+          <a:fontRef idx="minor">
+            <a:schemeClr val="lt1"/>
+          </a:fontRef>
+        </p:style>
+        <p:txBody>
+          <a:bodyPr rtlCol="0" anchor="ctr"/>
+          <a:lstStyle/>
+          <a:p>
+            <a:pPr algn="ctr"/>
+            <a:endParaRPr lang="tr-TR"/>
+          </a:p>
+        </p:txBody>
+      </p:sp>
+      <p:sp>
+        <p:nvSpPr>
+          <p:cNvPr id="95" name="Oval 94"/>
+          <p:cNvSpPr/>
+          <p:nvPr/>
+        </p:nvSpPr>
+        <p:spPr>
+          <a:xfrm>
+            <a:off x="4077473" y="2130574"/>
+            <a:ext cx="145278" cy="145278"/>
+          </a:xfrm>
+          <a:prstGeom prst="ellipse">
+            <a:avLst/>
+          </a:prstGeom>
+          <a:solidFill>
+            <a:schemeClr val="bg1"/>
+          </a:solidFill>
+          <a:ln w="12700">
+            <a:solidFill>
+              <a:schemeClr val="tx1"/>
+            </a:solidFill>
+          </a:ln>
+        </p:spPr>
+        <p:style>
+          <a:lnRef idx="2">
+            <a:schemeClr val="accent1">
+              <a:shade val="50000"/>
+            </a:schemeClr>
+          </a:lnRef>
+          <a:fillRef idx="1">
+            <a:schemeClr val="accent1"/>
+          </a:fillRef>
+          <a:effectRef idx="0">
+            <a:schemeClr val="accent1"/>
+          </a:effectRef>
+          <a:fontRef idx="minor">
+            <a:schemeClr val="lt1"/>
+          </a:fontRef>
+        </p:style>
+        <p:txBody>
+          <a:bodyPr rtlCol="0" anchor="ctr"/>
+          <a:lstStyle/>
+          <a:p>
+            <a:pPr algn="ctr"/>
+            <a:endParaRPr lang="tr-TR"/>
+          </a:p>
+        </p:txBody>
+      </p:sp>
+      <p:sp>
+        <p:nvSpPr>
+          <p:cNvPr id="96" name="Oval 95"/>
+          <p:cNvSpPr/>
+          <p:nvPr/>
+        </p:nvSpPr>
+        <p:spPr>
+          <a:xfrm>
+            <a:off x="4077473" y="2435223"/>
+            <a:ext cx="145278" cy="145278"/>
+          </a:xfrm>
+          <a:prstGeom prst="ellipse">
+            <a:avLst/>
+          </a:prstGeom>
+          <a:solidFill>
+            <a:schemeClr val="bg1"/>
+          </a:solidFill>
+          <a:ln w="12700">
+            <a:solidFill>
+              <a:schemeClr val="tx1"/>
+            </a:solidFill>
+          </a:ln>
+        </p:spPr>
+        <p:style>
+          <a:lnRef idx="2">
+            <a:schemeClr val="accent1">
+              <a:shade val="50000"/>
+            </a:schemeClr>
+          </a:lnRef>
+          <a:fillRef idx="1">
+            <a:schemeClr val="accent1"/>
+          </a:fillRef>
+          <a:effectRef idx="0">
+            <a:schemeClr val="accent1"/>
+          </a:effectRef>
+          <a:fontRef idx="minor">
+            <a:schemeClr val="lt1"/>
+          </a:fontRef>
+        </p:style>
+        <p:txBody>
+          <a:bodyPr rtlCol="0" anchor="ctr"/>
+          <a:lstStyle/>
+          <a:p>
+            <a:pPr algn="ctr"/>
+            <a:endParaRPr lang="tr-TR"/>
+          </a:p>
+        </p:txBody>
+      </p:sp>
+      <p:sp>
+        <p:nvSpPr>
+          <p:cNvPr id="97" name="Oval 96"/>
+          <p:cNvSpPr/>
+          <p:nvPr/>
+        </p:nvSpPr>
+        <p:spPr>
+          <a:xfrm>
+            <a:off x="4077473" y="2739875"/>
+            <a:ext cx="145278" cy="145278"/>
+          </a:xfrm>
+          <a:prstGeom prst="ellipse">
+            <a:avLst/>
+          </a:prstGeom>
+          <a:solidFill>
+            <a:schemeClr val="bg1"/>
+          </a:solidFill>
+          <a:ln w="12700">
+            <a:solidFill>
+              <a:schemeClr val="tx1"/>
+            </a:solidFill>
+          </a:ln>
+        </p:spPr>
+        <p:style>
+          <a:lnRef idx="2">
+            <a:schemeClr val="accent1">
+              <a:shade val="50000"/>
+            </a:schemeClr>
+          </a:lnRef>
+          <a:fillRef idx="1">
+            <a:schemeClr val="accent1"/>
+          </a:fillRef>
+          <a:effectRef idx="0">
+            <a:schemeClr val="accent1"/>
+          </a:effectRef>
+          <a:fontRef idx="minor">
+            <a:schemeClr val="lt1"/>
+          </a:fontRef>
+        </p:style>
+        <p:txBody>
+          <a:bodyPr rtlCol="0" anchor="ctr"/>
+          <a:lstStyle/>
+          <a:p>
+            <a:pPr algn="ctr"/>
+            <a:endParaRPr lang="tr-TR"/>
+          </a:p>
+        </p:txBody>
+      </p:sp>
+      <p:sp>
+        <p:nvSpPr>
+          <p:cNvPr id="98" name="Oval 97"/>
+          <p:cNvSpPr/>
+          <p:nvPr/>
+        </p:nvSpPr>
+        <p:spPr>
+          <a:xfrm>
+            <a:off x="4077473" y="3044524"/>
+            <a:ext cx="145278" cy="145278"/>
+          </a:xfrm>
+          <a:prstGeom prst="ellipse">
+            <a:avLst/>
+          </a:prstGeom>
+          <a:solidFill>
+            <a:schemeClr val="bg1"/>
+          </a:solidFill>
+          <a:ln w="12700">
+            <a:solidFill>
+              <a:schemeClr val="tx1"/>
+            </a:solidFill>
+          </a:ln>
+        </p:spPr>
+        <p:style>
+          <a:lnRef idx="2">
+            <a:schemeClr val="accent1">
+              <a:shade val="50000"/>
+            </a:schemeClr>
+          </a:lnRef>
+          <a:fillRef idx="1">
+            <a:schemeClr val="accent1"/>
+          </a:fillRef>
+          <a:effectRef idx="0">
+            <a:schemeClr val="accent1"/>
+          </a:effectRef>
+          <a:fontRef idx="minor">
+            <a:schemeClr val="lt1"/>
+          </a:fontRef>
+        </p:style>
+        <p:txBody>
+          <a:bodyPr rtlCol="0" anchor="ctr"/>
+          <a:lstStyle/>
+          <a:p>
+            <a:pPr algn="ctr"/>
+            <a:endParaRPr lang="tr-TR"/>
+          </a:p>
+        </p:txBody>
+      </p:sp>
+      <p:sp>
+        <p:nvSpPr>
+          <p:cNvPr id="99" name="Oval 98"/>
+          <p:cNvSpPr/>
+          <p:nvPr/>
+        </p:nvSpPr>
+        <p:spPr>
+          <a:xfrm>
+            <a:off x="4077473" y="3349174"/>
+            <a:ext cx="145278" cy="145278"/>
+          </a:xfrm>
+          <a:prstGeom prst="ellipse">
+            <a:avLst/>
+          </a:prstGeom>
+          <a:solidFill>
+            <a:schemeClr val="bg1"/>
+          </a:solidFill>
+          <a:ln w="12700">
+            <a:solidFill>
+              <a:schemeClr val="tx1"/>
+            </a:solidFill>
+          </a:ln>
+        </p:spPr>
+        <p:style>
+          <a:lnRef idx="2">
+            <a:schemeClr val="accent1">
+              <a:shade val="50000"/>
+            </a:schemeClr>
+          </a:lnRef>
+          <a:fillRef idx="1">
+            <a:schemeClr val="accent1"/>
+          </a:fillRef>
+          <a:effectRef idx="0">
+            <a:schemeClr val="accent1"/>
+          </a:effectRef>
+          <a:fontRef idx="minor">
+            <a:schemeClr val="lt1"/>
+          </a:fontRef>
+        </p:style>
+        <p:txBody>
+          <a:bodyPr rtlCol="0" anchor="ctr"/>
+          <a:lstStyle/>
+          <a:p>
+            <a:pPr algn="ctr"/>
+            <a:endParaRPr lang="tr-TR"/>
+          </a:p>
+        </p:txBody>
+      </p:sp>
+      <p:sp>
+        <p:nvSpPr>
+          <p:cNvPr id="100" name="Oval 99"/>
+          <p:cNvSpPr/>
+          <p:nvPr/>
+        </p:nvSpPr>
+        <p:spPr>
+          <a:xfrm>
+            <a:off x="4077473" y="3653823"/>
+            <a:ext cx="145278" cy="145278"/>
+          </a:xfrm>
+          <a:prstGeom prst="ellipse">
+            <a:avLst/>
+          </a:prstGeom>
+          <a:solidFill>
+            <a:schemeClr val="bg1"/>
+          </a:solidFill>
+          <a:ln w="12700">
+            <a:solidFill>
+              <a:schemeClr val="tx1"/>
+            </a:solidFill>
+          </a:ln>
+        </p:spPr>
+        <p:style>
+          <a:lnRef idx="2">
+            <a:schemeClr val="accent1">
+              <a:shade val="50000"/>
+            </a:schemeClr>
+          </a:lnRef>
+          <a:fillRef idx="1">
+            <a:schemeClr val="accent1"/>
+          </a:fillRef>
+          <a:effectRef idx="0">
+            <a:schemeClr val="accent1"/>
+          </a:effectRef>
+          <a:fontRef idx="minor">
+            <a:schemeClr val="lt1"/>
+          </a:fontRef>
+        </p:style>
+        <p:txBody>
+          <a:bodyPr rtlCol="0" anchor="ctr"/>
+          <a:lstStyle/>
+          <a:p>
+            <a:pPr algn="ctr"/>
+            <a:endParaRPr lang="tr-TR"/>
+          </a:p>
+        </p:txBody>
+      </p:sp>
+      <p:sp>
+        <p:nvSpPr>
+          <p:cNvPr id="101" name="Oval 100"/>
+          <p:cNvSpPr/>
+          <p:nvPr/>
+        </p:nvSpPr>
+        <p:spPr>
+          <a:xfrm>
+            <a:off x="4077473" y="3950453"/>
+            <a:ext cx="145278" cy="145278"/>
+          </a:xfrm>
+          <a:prstGeom prst="ellipse">
+            <a:avLst/>
+          </a:prstGeom>
+          <a:solidFill>
+            <a:schemeClr val="bg1"/>
+          </a:solidFill>
+          <a:ln w="12700">
+            <a:solidFill>
+              <a:schemeClr val="tx1"/>
+            </a:solidFill>
+          </a:ln>
+        </p:spPr>
+        <p:style>
+          <a:lnRef idx="2">
+            <a:schemeClr val="accent1">
+              <a:shade val="50000"/>
+            </a:schemeClr>
+          </a:lnRef>
+          <a:fillRef idx="1">
+            <a:schemeClr val="accent1"/>
+          </a:fillRef>
+          <a:effectRef idx="0">
+            <a:schemeClr val="accent1"/>
+          </a:effectRef>
+          <a:fontRef idx="minor">
+            <a:schemeClr val="lt1"/>
+          </a:fontRef>
+        </p:style>
+        <p:txBody>
+          <a:bodyPr rtlCol="0" anchor="ctr"/>
+          <a:lstStyle/>
+          <a:p>
+            <a:pPr algn="ctr"/>
+            <a:endParaRPr lang="tr-TR"/>
+          </a:p>
+        </p:txBody>
+      </p:sp>
+      <p:sp>
+        <p:nvSpPr>
+          <p:cNvPr id="102" name="Oval 101"/>
+          <p:cNvSpPr/>
+          <p:nvPr/>
+        </p:nvSpPr>
+        <p:spPr>
+          <a:xfrm>
+            <a:off x="4077473" y="4255102"/>
+            <a:ext cx="145278" cy="145278"/>
+          </a:xfrm>
+          <a:prstGeom prst="ellipse">
+            <a:avLst/>
+          </a:prstGeom>
+          <a:solidFill>
+            <a:schemeClr val="bg1"/>
+          </a:solidFill>
+          <a:ln w="12700">
+            <a:solidFill>
+              <a:schemeClr val="tx1"/>
+            </a:solidFill>
+          </a:ln>
+        </p:spPr>
+        <p:style>
+          <a:lnRef idx="2">
+            <a:schemeClr val="accent1">
+              <a:shade val="50000"/>
+            </a:schemeClr>
+          </a:lnRef>
+          <a:fillRef idx="1">
+            <a:schemeClr val="accent1"/>
+          </a:fillRef>
+          <a:effectRef idx="0">
+            <a:schemeClr val="accent1"/>
+          </a:effectRef>
+          <a:fontRef idx="minor">
+            <a:schemeClr val="lt1"/>
+          </a:fontRef>
+        </p:style>
+        <p:txBody>
+          <a:bodyPr rtlCol="0" anchor="ctr"/>
+          <a:lstStyle/>
+          <a:p>
+            <a:pPr algn="ctr"/>
+            <a:endParaRPr lang="tr-TR"/>
+          </a:p>
+        </p:txBody>
+      </p:sp>
+      <p:sp>
+        <p:nvSpPr>
+          <p:cNvPr id="103" name="Oval 102"/>
+          <p:cNvSpPr/>
+          <p:nvPr/>
+        </p:nvSpPr>
+        <p:spPr>
+          <a:xfrm>
+            <a:off x="4077473" y="4559753"/>
+            <a:ext cx="145278" cy="145278"/>
+          </a:xfrm>
+          <a:prstGeom prst="ellipse">
+            <a:avLst/>
+          </a:prstGeom>
+          <a:solidFill>
+            <a:schemeClr val="bg1"/>
+          </a:solidFill>
+          <a:ln w="12700">
+            <a:solidFill>
+              <a:schemeClr val="tx1"/>
+            </a:solidFill>
+          </a:ln>
+        </p:spPr>
+        <p:style>
+          <a:lnRef idx="2">
+            <a:schemeClr val="accent1">
+              <a:shade val="50000"/>
+            </a:schemeClr>
+          </a:lnRef>
+          <a:fillRef idx="1">
+            <a:schemeClr val="accent1"/>
+          </a:fillRef>
+          <a:effectRef idx="0">
+            <a:schemeClr val="accent1"/>
+          </a:effectRef>
+          <a:fontRef idx="minor">
+            <a:schemeClr val="lt1"/>
+          </a:fontRef>
+        </p:style>
+        <p:txBody>
+          <a:bodyPr rtlCol="0" anchor="ctr"/>
+          <a:lstStyle/>
+          <a:p>
+            <a:pPr algn="ctr"/>
+            <a:endParaRPr lang="tr-TR"/>
+          </a:p>
+        </p:txBody>
+      </p:sp>
+      <mc:AlternateContent xmlns:mc="http://schemas.openxmlformats.org/markup-compatibility/2006" xmlns:a14="http://schemas.microsoft.com/office/drawing/2010/main">
+        <mc:Choice Requires="a14">
+          <p:sp>
+            <p:nvSpPr>
+              <p:cNvPr id="104" name="TextBox 103">
+                <a:extLst>
+                  <a:ext uri="{FF2B5EF4-FFF2-40B4-BE49-F238E27FC236}">
+                    <a16:creationId xmlns:a16="http://schemas.microsoft.com/office/drawing/2014/main" id="{2911B60A-5CB9-4B38-BE95-F75C006AEA89}"/>
+                  </a:ext>
+                </a:extLst>
+              </p:cNvPr>
+              <p:cNvSpPr txBox="1"/>
+              <p:nvPr/>
+            </p:nvSpPr>
+            <p:spPr>
+              <a:xfrm>
+                <a:off x="4588844" y="4493892"/>
+                <a:ext cx="183320" cy="276999"/>
+              </a:xfrm>
+              <a:prstGeom prst="rect">
+                <a:avLst/>
+              </a:prstGeom>
+              <a:noFill/>
+            </p:spPr>
+            <p:txBody>
+              <a:bodyPr wrap="none" lIns="0" tIns="0" rIns="0" bIns="0" rtlCol="0">
+                <a:spAutoFit/>
+              </a:bodyPr>
+              <a:lstStyle/>
+              <a:p>
+                <a:pPr/>
+                <a14:m>
+                  <m:oMathPara xmlns:m="http://schemas.openxmlformats.org/officeDocument/2006/math">
+                    <m:oMathParaPr>
+                      <m:jc m:val="centerGroup"/>
+                    </m:oMathParaPr>
+                    <m:oMath xmlns:m="http://schemas.openxmlformats.org/officeDocument/2006/math">
+                      <m:r>
+                        <a:rPr lang="tr-TR" i="1">
+                          <a:latin typeface="Cambria Math" panose="02040503050406030204" pitchFamily="18" charset="0"/>
+                        </a:rPr>
+                        <m:t>𝑥</m:t>
+                      </m:r>
+                    </m:oMath>
+                  </m:oMathPara>
+                </a14:m>
+                <a:endParaRPr lang="tr-TR" dirty="0"/>
+              </a:p>
+            </p:txBody>
+          </p:sp>
+        </mc:Choice>
+        <mc:Fallback xmlns="">
+          <p:sp>
+            <p:nvSpPr>
+              <p:cNvPr id="104" name="TextBox 103">
+                <a:extLst>
+                  <a:ext uri="{FF2B5EF4-FFF2-40B4-BE49-F238E27FC236}">
+                    <a16:creationId xmlns:a16="http://schemas.microsoft.com/office/drawing/2014/main" id="{2911B60A-5CB9-4B38-BE95-F75C006AEA89}"/>
+                  </a:ext>
+                </a:extLst>
+              </p:cNvPr>
+              <p:cNvSpPr txBox="1">
+                <a:spLocks noRot="1" noChangeAspect="1" noMove="1" noResize="1" noEditPoints="1" noAdjustHandles="1" noChangeArrowheads="1" noChangeShapeType="1" noTextEdit="1"/>
+              </p:cNvSpPr>
+              <p:nvPr/>
+            </p:nvSpPr>
+            <p:spPr>
+              <a:xfrm>
+                <a:off x="4588844" y="4493892"/>
+                <a:ext cx="183320" cy="276999"/>
+              </a:xfrm>
+              <a:prstGeom prst="rect">
+                <a:avLst/>
+              </a:prstGeom>
+              <a:blipFill>
+                <a:blip r:embed="rId2"/>
+                <a:stretch>
+                  <a:fillRect l="-20000" r="-13333"/>
+                </a:stretch>
+              </a:blipFill>
+            </p:spPr>
+            <p:txBody>
+              <a:bodyPr/>
+              <a:lstStyle/>
+              <a:p>
+                <a:r>
+                  <a:rPr lang="tr-TR">
+                    <a:noFill/>
+                  </a:rPr>
+                  <a:t> </a:t>
+                </a:r>
+              </a:p>
+            </p:txBody>
+          </p:sp>
+        </mc:Fallback>
+      </mc:AlternateContent>
+      <mc:AlternateContent xmlns:mc="http://schemas.openxmlformats.org/markup-compatibility/2006" xmlns:a14="http://schemas.microsoft.com/office/drawing/2010/main">
+        <mc:Choice Requires="a14">
+          <p:sp>
+            <p:nvSpPr>
+              <p:cNvPr id="137" name="TextBox 136">
+                <a:extLst>
+                  <a:ext uri="{FF2B5EF4-FFF2-40B4-BE49-F238E27FC236}">
+                    <a16:creationId xmlns:a16="http://schemas.microsoft.com/office/drawing/2014/main" id="{27157516-821C-4511-BDC0-EEFB01DE3E20}"/>
+                  </a:ext>
+                </a:extLst>
+              </p:cNvPr>
+              <p:cNvSpPr txBox="1"/>
+              <p:nvPr/>
+            </p:nvSpPr>
+            <p:spPr>
+              <a:xfrm>
+                <a:off x="1487133" y="1244276"/>
+                <a:ext cx="149913" cy="276999"/>
+              </a:xfrm>
+              <a:prstGeom prst="rect">
+                <a:avLst/>
+              </a:prstGeom>
+              <a:noFill/>
+            </p:spPr>
+            <p:txBody>
+              <a:bodyPr wrap="none" lIns="0" tIns="0" rIns="0" bIns="0" rtlCol="0">
+                <a:spAutoFit/>
+              </a:bodyPr>
+              <a:lstStyle/>
+              <a:p>
+                <a:pPr/>
+                <a14:m>
+                  <m:oMathPara xmlns:m="http://schemas.openxmlformats.org/officeDocument/2006/math">
+                    <m:oMathParaPr>
+                      <m:jc m:val="centerGroup"/>
+                    </m:oMathParaPr>
+                    <m:oMath xmlns:m="http://schemas.openxmlformats.org/officeDocument/2006/math">
+                      <m:r>
+                        <a:rPr lang="tr-TR" i="1">
+                          <a:latin typeface="Cambria Math" panose="02040503050406030204" pitchFamily="18" charset="0"/>
+                        </a:rPr>
+                        <m:t>𝑡</m:t>
+                      </m:r>
+                    </m:oMath>
+                  </m:oMathPara>
+                </a14:m>
+                <a:endParaRPr lang="tr-TR" dirty="0"/>
+              </a:p>
+            </p:txBody>
+          </p:sp>
+        </mc:Choice>
+        <mc:Fallback xmlns="">
+          <p:sp>
+            <p:nvSpPr>
+              <p:cNvPr id="137" name="TextBox 136">
+                <a:extLst>
+                  <a:ext uri="{FF2B5EF4-FFF2-40B4-BE49-F238E27FC236}">
+                    <a16:creationId xmlns:a16="http://schemas.microsoft.com/office/drawing/2014/main" id="{27157516-821C-4511-BDC0-EEFB01DE3E20}"/>
+                  </a:ext>
+                </a:extLst>
+              </p:cNvPr>
+              <p:cNvSpPr txBox="1">
+                <a:spLocks noRot="1" noChangeAspect="1" noMove="1" noResize="1" noEditPoints="1" noAdjustHandles="1" noChangeArrowheads="1" noChangeShapeType="1" noTextEdit="1"/>
+              </p:cNvSpPr>
+              <p:nvPr/>
+            </p:nvSpPr>
+            <p:spPr>
+              <a:xfrm>
+                <a:off x="1487133" y="1244276"/>
+                <a:ext cx="149913" cy="276999"/>
+              </a:xfrm>
+              <a:prstGeom prst="rect">
+                <a:avLst/>
+              </a:prstGeom>
+              <a:blipFill>
+                <a:blip r:embed="rId3"/>
+                <a:stretch>
+                  <a:fillRect l="-36000" r="-24000" b="-4348"/>
+                </a:stretch>
+              </a:blipFill>
+            </p:spPr>
+            <p:txBody>
+              <a:bodyPr/>
+              <a:lstStyle/>
+              <a:p>
+                <a:r>
+                  <a:rPr lang="tr-TR">
+                    <a:noFill/>
+                  </a:rPr>
+                  <a:t> </a:t>
+                </a:r>
+              </a:p>
+            </p:txBody>
+          </p:sp>
+        </mc:Fallback>
+      </mc:AlternateContent>
+      <p:cxnSp>
+        <p:nvCxnSpPr>
+          <p:cNvPr id="132" name="Düz Ok Bağlayıcısı 179">
+            <a:extLst>
+              <a:ext uri="{FF2B5EF4-FFF2-40B4-BE49-F238E27FC236}">
+                <a16:creationId xmlns:a16="http://schemas.microsoft.com/office/drawing/2014/main" id="{E3ED9784-A3DF-4983-9139-91791F537161}"/>
+              </a:ext>
+            </a:extLst>
+          </p:cNvPr>
+          <p:cNvCxnSpPr>
+            <a:cxnSpLocks/>
+          </p:cNvCxnSpPr>
+          <p:nvPr/>
+        </p:nvCxnSpPr>
+        <p:spPr>
+          <a:xfrm flipV="1">
+            <a:off x="1849648" y="4387274"/>
+            <a:ext cx="0" cy="242773"/>
+          </a:xfrm>
+          <a:prstGeom prst="straightConnector1">
+            <a:avLst/>
+          </a:prstGeom>
+          <a:ln w="12700">
+            <a:solidFill>
+              <a:schemeClr val="tx1"/>
+            </a:solidFill>
+            <a:headEnd type="none" w="med" len="med"/>
+            <a:tailEnd type="arrow" w="med" len="med"/>
+          </a:ln>
+        </p:spPr>
+        <p:style>
+          <a:lnRef idx="1">
+            <a:schemeClr val="accent1"/>
+          </a:lnRef>
+          <a:fillRef idx="0">
+            <a:schemeClr val="accent1"/>
+          </a:fillRef>
+          <a:effectRef idx="0">
+            <a:schemeClr val="accent1"/>
+          </a:effectRef>
+          <a:fontRef idx="minor">
+            <a:schemeClr val="tx1"/>
+          </a:fontRef>
+        </p:style>
+      </p:cxnSp>
+      <p:cxnSp>
+        <p:nvCxnSpPr>
+          <p:cNvPr id="133" name="Düz Ok Bağlayıcısı 183">
+            <a:extLst>
+              <a:ext uri="{FF2B5EF4-FFF2-40B4-BE49-F238E27FC236}">
+                <a16:creationId xmlns:a16="http://schemas.microsoft.com/office/drawing/2014/main" id="{6FFBBB6C-5C1A-41B1-AC1D-23C3E2ACB633}"/>
+              </a:ext>
+            </a:extLst>
+          </p:cNvPr>
+          <p:cNvCxnSpPr>
+            <a:cxnSpLocks/>
+            <a:endCxn id="22" idx="3"/>
+          </p:cNvCxnSpPr>
+          <p:nvPr/>
+        </p:nvCxnSpPr>
+        <p:spPr>
+          <a:xfrm flipV="1">
+            <a:off x="1609358" y="4379105"/>
+            <a:ext cx="188926" cy="190552"/>
+          </a:xfrm>
+          <a:prstGeom prst="straightConnector1">
+            <a:avLst/>
+          </a:prstGeom>
+          <a:ln w="12700">
+            <a:solidFill>
+              <a:schemeClr val="tx1"/>
+            </a:solidFill>
+            <a:headEnd type="none" w="med" len="med"/>
+            <a:tailEnd type="arrow" w="med" len="med"/>
+          </a:ln>
+        </p:spPr>
+        <p:style>
+          <a:lnRef idx="1">
+            <a:schemeClr val="accent1"/>
+          </a:lnRef>
+          <a:fillRef idx="0">
+            <a:schemeClr val="accent1"/>
+          </a:fillRef>
+          <a:effectRef idx="0">
+            <a:schemeClr val="accent1"/>
+          </a:effectRef>
+          <a:fontRef idx="minor">
+            <a:schemeClr val="tx1"/>
+          </a:fontRef>
+        </p:style>
+      </p:cxnSp>
+      <p:cxnSp>
+        <p:nvCxnSpPr>
+          <p:cNvPr id="134" name="Düz Ok Bağlayıcısı 185">
+            <a:extLst>
+              <a:ext uri="{FF2B5EF4-FFF2-40B4-BE49-F238E27FC236}">
+                <a16:creationId xmlns:a16="http://schemas.microsoft.com/office/drawing/2014/main" id="{C4794DFB-B59A-46ED-AC63-F0978E44BCA8}"/>
+              </a:ext>
+            </a:extLst>
+          </p:cNvPr>
+          <p:cNvCxnSpPr>
+            <a:cxnSpLocks/>
+            <a:endCxn id="22" idx="5"/>
+          </p:cNvCxnSpPr>
+          <p:nvPr/>
+        </p:nvCxnSpPr>
+        <p:spPr>
+          <a:xfrm flipH="1" flipV="1">
+            <a:off x="1901012" y="4379105"/>
+            <a:ext cx="210676" cy="197630"/>
+          </a:xfrm>
+          <a:prstGeom prst="straightConnector1">
+            <a:avLst/>
+          </a:prstGeom>
+          <a:ln w="12700">
+            <a:solidFill>
+              <a:schemeClr val="tx1"/>
+            </a:solidFill>
+            <a:headEnd type="none" w="med" len="med"/>
+            <a:tailEnd type="arrow" w="med" len="med"/>
+          </a:ln>
+        </p:spPr>
+        <p:style>
+          <a:lnRef idx="1">
+            <a:schemeClr val="accent1"/>
+          </a:lnRef>
+          <a:fillRef idx="0">
+            <a:schemeClr val="accent1"/>
+          </a:fillRef>
+          <a:effectRef idx="0">
+            <a:schemeClr val="accent1"/>
+          </a:effectRef>
+          <a:fontRef idx="minor">
+            <a:schemeClr val="tx1"/>
+          </a:fontRef>
+        </p:style>
+      </p:cxnSp>
+      <p:sp>
+        <p:nvSpPr>
+          <p:cNvPr id="138" name="Oval 137">
+            <a:extLst>
+              <a:ext uri="{FF2B5EF4-FFF2-40B4-BE49-F238E27FC236}">
+                <a16:creationId xmlns:a16="http://schemas.microsoft.com/office/drawing/2014/main" id="{AFF0FFEF-0278-408E-A1FD-36FDF5CF18F2}"/>
+              </a:ext>
+            </a:extLst>
+          </p:cNvPr>
+          <p:cNvSpPr/>
+          <p:nvPr/>
+        </p:nvSpPr>
+        <p:spPr>
+          <a:xfrm>
+            <a:off x="1779850" y="4557408"/>
+            <a:ext cx="145278" cy="145278"/>
+          </a:xfrm>
+          <a:prstGeom prst="ellipse">
+            <a:avLst/>
+          </a:prstGeom>
+          <a:solidFill>
+            <a:schemeClr val="accent1">
+              <a:lumMod val="75000"/>
+            </a:schemeClr>
+          </a:solidFill>
+          <a:ln w="12700">
+            <a:solidFill>
+              <a:schemeClr val="tx1"/>
+            </a:solidFill>
+          </a:ln>
+        </p:spPr>
+        <p:style>
+          <a:lnRef idx="2">
+            <a:schemeClr val="accent1">
+              <a:shade val="50000"/>
+            </a:schemeClr>
+          </a:lnRef>
+          <a:fillRef idx="1">
+            <a:schemeClr val="accent1"/>
+          </a:fillRef>
+          <a:effectRef idx="0">
+            <a:schemeClr val="accent1"/>
+          </a:effectRef>
+          <a:fontRef idx="minor">
+            <a:schemeClr val="lt1"/>
+          </a:fontRef>
+        </p:style>
+        <p:txBody>
+          <a:bodyPr rtlCol="0" anchor="ctr"/>
+          <a:lstStyle/>
+          <a:p>
+            <a:pPr algn="ctr"/>
+            <a:endParaRPr lang="tr-TR"/>
+          </a:p>
+        </p:txBody>
+      </p:sp>
+    </p:spTree>
+    <p:extLst>
+      <p:ext uri="{BB962C8B-B14F-4D97-AF65-F5344CB8AC3E}">
+        <p14:creationId xmlns:p14="http://schemas.microsoft.com/office/powerpoint/2010/main" val="3894895376"/>
+      </p:ext>
+    </p:extLst>
+  </p:cSld>
+  <p:clrMapOvr>
+    <a:masterClrMapping/>
+  </p:clrMapOvr>
+</p:sld>
+</file>
+
+<file path=ppt/slides/slide3.xml><?xml version="1.0" encoding="utf-8"?>
 <p:sld xmlns:a="http://schemas.openxmlformats.org/drawingml/2006/main" xmlns:r="http://schemas.openxmlformats.org/officeDocument/2006/relationships" xmlns:p="http://schemas.openxmlformats.org/presentationml/2006/main">
   <p:cSld>
     <p:spTree>
@@ -14899,7 +20820,7 @@
 </p:sld>
 </file>
 
-<file path=ppt/slides/slide3.xml><?xml version="1.0" encoding="utf-8"?>
+<file path=ppt/slides/slide4.xml><?xml version="1.0" encoding="utf-8"?>
 <p:sld xmlns:a="http://schemas.openxmlformats.org/drawingml/2006/main" xmlns:r="http://schemas.openxmlformats.org/officeDocument/2006/relationships" xmlns:p="http://schemas.openxmlformats.org/presentationml/2006/main">
   <p:cSld>
     <p:spTree>
@@ -20663,7 +26584,7 @@
 </p:sld>
 </file>
 
-<file path=ppt/slides/slide4.xml><?xml version="1.0" encoding="utf-8"?>
+<file path=ppt/slides/slide5.xml><?xml version="1.0" encoding="utf-8"?>
 <p:sld xmlns:a="http://schemas.openxmlformats.org/drawingml/2006/main" xmlns:r="http://schemas.openxmlformats.org/officeDocument/2006/relationships" xmlns:p="http://schemas.openxmlformats.org/presentationml/2006/main">
   <p:cSld>
     <p:spTree>
@@ -26427,7 +32348,7 @@
 </p:sld>
 </file>
 
-<file path=ppt/slides/slide5.xml><?xml version="1.0" encoding="utf-8"?>
+<file path=ppt/slides/slide6.xml><?xml version="1.0" encoding="utf-8"?>
 <p:sld xmlns:a="http://schemas.openxmlformats.org/drawingml/2006/main" xmlns:r="http://schemas.openxmlformats.org/officeDocument/2006/relationships" xmlns:p="http://schemas.openxmlformats.org/presentationml/2006/main">
   <p:cSld>
     <p:spTree>
@@ -32191,7 +38112,7 @@
 </p:sld>
 </file>
 
-<file path=ppt/slides/slide6.xml><?xml version="1.0" encoding="utf-8"?>
+<file path=ppt/slides/slide7.xml><?xml version="1.0" encoding="utf-8"?>
 <p:sld xmlns:a="http://schemas.openxmlformats.org/drawingml/2006/main" xmlns:r="http://schemas.openxmlformats.org/officeDocument/2006/relationships" xmlns:p="http://schemas.openxmlformats.org/presentationml/2006/main">
   <p:cSld>
     <p:spTree>
@@ -33827,6 +39748,1123 @@
 </p:sld>
 </file>
 
+<file path=ppt/slides/slide8.xml><?xml version="1.0" encoding="utf-8"?>
+<p:sld xmlns:a="http://schemas.openxmlformats.org/drawingml/2006/main" xmlns:r="http://schemas.openxmlformats.org/officeDocument/2006/relationships" xmlns:p="http://schemas.openxmlformats.org/presentationml/2006/main">
+  <p:cSld>
+    <p:spTree>
+      <p:nvGrpSpPr>
+        <p:cNvPr id="1" name=""/>
+        <p:cNvGrpSpPr/>
+        <p:nvPr/>
+      </p:nvGrpSpPr>
+      <p:grpSpPr>
+        <a:xfrm>
+          <a:off x="0" y="0"/>
+          <a:ext cx="0" cy="0"/>
+          <a:chOff x="0" y="0"/>
+          <a:chExt cx="0" cy="0"/>
+        </a:xfrm>
+      </p:grpSpPr>
+      <p:sp>
+        <p:nvSpPr>
+          <p:cNvPr id="2" name="Rectangle 1">
+            <a:extLst>
+              <a:ext uri="{FF2B5EF4-FFF2-40B4-BE49-F238E27FC236}">
+                <a16:creationId xmlns:a16="http://schemas.microsoft.com/office/drawing/2014/main" id="{3C918148-EDEE-4521-99BF-5C43F16E7FDC}"/>
+              </a:ext>
+            </a:extLst>
+          </p:cNvPr>
+          <p:cNvSpPr/>
+          <p:nvPr/>
+        </p:nvSpPr>
+        <p:spPr>
+          <a:xfrm>
+            <a:off x="1236372" y="888641"/>
+            <a:ext cx="360000" cy="360000"/>
+          </a:xfrm>
+          <a:prstGeom prst="rect">
+            <a:avLst/>
+          </a:prstGeom>
+          <a:solidFill>
+            <a:schemeClr val="bg1"/>
+          </a:solidFill>
+          <a:ln>
+            <a:solidFill>
+              <a:schemeClr val="tx1"/>
+            </a:solidFill>
+          </a:ln>
+        </p:spPr>
+        <p:style>
+          <a:lnRef idx="2">
+            <a:schemeClr val="accent1">
+              <a:shade val="50000"/>
+            </a:schemeClr>
+          </a:lnRef>
+          <a:fillRef idx="1">
+            <a:schemeClr val="accent1"/>
+          </a:fillRef>
+          <a:effectRef idx="0">
+            <a:schemeClr val="accent1"/>
+          </a:effectRef>
+          <a:fontRef idx="minor">
+            <a:schemeClr val="lt1"/>
+          </a:fontRef>
+        </p:style>
+        <p:txBody>
+          <a:bodyPr rtlCol="0" anchor="ctr"/>
+          <a:lstStyle/>
+          <a:p>
+            <a:pPr algn="ctr"/>
+            <a:endParaRPr lang="tr-TR"/>
+          </a:p>
+        </p:txBody>
+      </p:sp>
+      <p:sp>
+        <p:nvSpPr>
+          <p:cNvPr id="3" name="Rectangle 2">
+            <a:extLst>
+              <a:ext uri="{FF2B5EF4-FFF2-40B4-BE49-F238E27FC236}">
+                <a16:creationId xmlns:a16="http://schemas.microsoft.com/office/drawing/2014/main" id="{6814C28D-0EBE-47A0-BE44-00D263C62A49}"/>
+              </a:ext>
+            </a:extLst>
+          </p:cNvPr>
+          <p:cNvSpPr/>
+          <p:nvPr/>
+        </p:nvSpPr>
+        <p:spPr>
+          <a:xfrm>
+            <a:off x="1233152" y="1968641"/>
+            <a:ext cx="360000" cy="360000"/>
+          </a:xfrm>
+          <a:prstGeom prst="rect">
+            <a:avLst/>
+          </a:prstGeom>
+          <a:solidFill>
+            <a:schemeClr val="bg1"/>
+          </a:solidFill>
+          <a:ln>
+            <a:solidFill>
+              <a:schemeClr val="tx1"/>
+            </a:solidFill>
+          </a:ln>
+        </p:spPr>
+        <p:style>
+          <a:lnRef idx="2">
+            <a:schemeClr val="accent1">
+              <a:shade val="50000"/>
+            </a:schemeClr>
+          </a:lnRef>
+          <a:fillRef idx="1">
+            <a:schemeClr val="accent1"/>
+          </a:fillRef>
+          <a:effectRef idx="0">
+            <a:schemeClr val="accent1"/>
+          </a:effectRef>
+          <a:fontRef idx="minor">
+            <a:schemeClr val="lt1"/>
+          </a:fontRef>
+        </p:style>
+        <p:txBody>
+          <a:bodyPr rtlCol="0" anchor="ctr"/>
+          <a:lstStyle/>
+          <a:p>
+            <a:pPr algn="ctr"/>
+            <a:endParaRPr lang="tr-TR"/>
+          </a:p>
+        </p:txBody>
+      </p:sp>
+      <p:sp>
+        <p:nvSpPr>
+          <p:cNvPr id="4" name="Rectangle 3">
+            <a:extLst>
+              <a:ext uri="{FF2B5EF4-FFF2-40B4-BE49-F238E27FC236}">
+                <a16:creationId xmlns:a16="http://schemas.microsoft.com/office/drawing/2014/main" id="{FABF8454-780A-4F75-8651-BB5E26FC5CFF}"/>
+              </a:ext>
+            </a:extLst>
+          </p:cNvPr>
+          <p:cNvSpPr/>
+          <p:nvPr/>
+        </p:nvSpPr>
+        <p:spPr>
+          <a:xfrm>
+            <a:off x="1229932" y="2688641"/>
+            <a:ext cx="360000" cy="360000"/>
+          </a:xfrm>
+          <a:prstGeom prst="rect">
+            <a:avLst/>
+          </a:prstGeom>
+          <a:solidFill>
+            <a:schemeClr val="bg1"/>
+          </a:solidFill>
+          <a:ln>
+            <a:solidFill>
+              <a:schemeClr val="tx1"/>
+            </a:solidFill>
+          </a:ln>
+        </p:spPr>
+        <p:style>
+          <a:lnRef idx="2">
+            <a:schemeClr val="accent1">
+              <a:shade val="50000"/>
+            </a:schemeClr>
+          </a:lnRef>
+          <a:fillRef idx="1">
+            <a:schemeClr val="accent1"/>
+          </a:fillRef>
+          <a:effectRef idx="0">
+            <a:schemeClr val="accent1"/>
+          </a:effectRef>
+          <a:fontRef idx="minor">
+            <a:schemeClr val="lt1"/>
+          </a:fontRef>
+        </p:style>
+        <p:txBody>
+          <a:bodyPr rtlCol="0" anchor="ctr"/>
+          <a:lstStyle/>
+          <a:p>
+            <a:pPr algn="ctr"/>
+            <a:endParaRPr lang="tr-TR"/>
+          </a:p>
+        </p:txBody>
+      </p:sp>
+      <p:sp>
+        <p:nvSpPr>
+          <p:cNvPr id="5" name="Rectangle 4">
+            <a:extLst>
+              <a:ext uri="{FF2B5EF4-FFF2-40B4-BE49-F238E27FC236}">
+                <a16:creationId xmlns:a16="http://schemas.microsoft.com/office/drawing/2014/main" id="{89C72BF5-1C19-498A-AF82-DBD367131806}"/>
+              </a:ext>
+            </a:extLst>
+          </p:cNvPr>
+          <p:cNvSpPr/>
+          <p:nvPr/>
+        </p:nvSpPr>
+        <p:spPr>
+          <a:xfrm>
+            <a:off x="1236372" y="2328641"/>
+            <a:ext cx="360000" cy="360000"/>
+          </a:xfrm>
+          <a:prstGeom prst="rect">
+            <a:avLst/>
+          </a:prstGeom>
+          <a:solidFill>
+            <a:schemeClr val="bg1"/>
+          </a:solidFill>
+          <a:ln>
+            <a:solidFill>
+              <a:schemeClr val="tx1"/>
+            </a:solidFill>
+          </a:ln>
+        </p:spPr>
+        <p:style>
+          <a:lnRef idx="2">
+            <a:schemeClr val="accent1">
+              <a:shade val="50000"/>
+            </a:schemeClr>
+          </a:lnRef>
+          <a:fillRef idx="1">
+            <a:schemeClr val="accent1"/>
+          </a:fillRef>
+          <a:effectRef idx="0">
+            <a:schemeClr val="accent1"/>
+          </a:effectRef>
+          <a:fontRef idx="minor">
+            <a:schemeClr val="lt1"/>
+          </a:fontRef>
+        </p:style>
+        <p:txBody>
+          <a:bodyPr rtlCol="0" anchor="ctr"/>
+          <a:lstStyle/>
+          <a:p>
+            <a:pPr algn="ctr"/>
+            <a:endParaRPr lang="tr-TR"/>
+          </a:p>
+        </p:txBody>
+      </p:sp>
+      <p:sp>
+        <p:nvSpPr>
+          <p:cNvPr id="6" name="Rectangle 5">
+            <a:extLst>
+              <a:ext uri="{FF2B5EF4-FFF2-40B4-BE49-F238E27FC236}">
+                <a16:creationId xmlns:a16="http://schemas.microsoft.com/office/drawing/2014/main" id="{95B78764-E555-4413-98AD-D6B9623C78C8}"/>
+              </a:ext>
+            </a:extLst>
+          </p:cNvPr>
+          <p:cNvSpPr/>
+          <p:nvPr/>
+        </p:nvSpPr>
+        <p:spPr>
+          <a:xfrm>
+            <a:off x="1233152" y="1248641"/>
+            <a:ext cx="360000" cy="360000"/>
+          </a:xfrm>
+          <a:prstGeom prst="rect">
+            <a:avLst/>
+          </a:prstGeom>
+          <a:solidFill>
+            <a:schemeClr val="bg1"/>
+          </a:solidFill>
+          <a:ln>
+            <a:solidFill>
+              <a:schemeClr val="tx1"/>
+            </a:solidFill>
+          </a:ln>
+        </p:spPr>
+        <p:style>
+          <a:lnRef idx="2">
+            <a:schemeClr val="accent1">
+              <a:shade val="50000"/>
+            </a:schemeClr>
+          </a:lnRef>
+          <a:fillRef idx="1">
+            <a:schemeClr val="accent1"/>
+          </a:fillRef>
+          <a:effectRef idx="0">
+            <a:schemeClr val="accent1"/>
+          </a:effectRef>
+          <a:fontRef idx="minor">
+            <a:schemeClr val="lt1"/>
+          </a:fontRef>
+        </p:style>
+        <p:txBody>
+          <a:bodyPr rtlCol="0" anchor="ctr"/>
+          <a:lstStyle/>
+          <a:p>
+            <a:pPr algn="ctr"/>
+            <a:endParaRPr lang="tr-TR"/>
+          </a:p>
+        </p:txBody>
+      </p:sp>
+      <p:sp>
+        <p:nvSpPr>
+          <p:cNvPr id="7" name="Rectangle 6">
+            <a:extLst>
+              <a:ext uri="{FF2B5EF4-FFF2-40B4-BE49-F238E27FC236}">
+                <a16:creationId xmlns:a16="http://schemas.microsoft.com/office/drawing/2014/main" id="{F9AC9B84-59D7-4AFC-A8F2-32A3F66B9175}"/>
+              </a:ext>
+            </a:extLst>
+          </p:cNvPr>
+          <p:cNvSpPr/>
+          <p:nvPr/>
+        </p:nvSpPr>
+        <p:spPr>
+          <a:xfrm>
+            <a:off x="1236372" y="3048641"/>
+            <a:ext cx="360000" cy="360000"/>
+          </a:xfrm>
+          <a:prstGeom prst="rect">
+            <a:avLst/>
+          </a:prstGeom>
+          <a:solidFill>
+            <a:schemeClr val="bg1"/>
+          </a:solidFill>
+          <a:ln>
+            <a:solidFill>
+              <a:schemeClr val="tx1"/>
+            </a:solidFill>
+          </a:ln>
+        </p:spPr>
+        <p:style>
+          <a:lnRef idx="2">
+            <a:schemeClr val="accent1">
+              <a:shade val="50000"/>
+            </a:schemeClr>
+          </a:lnRef>
+          <a:fillRef idx="1">
+            <a:schemeClr val="accent1"/>
+          </a:fillRef>
+          <a:effectRef idx="0">
+            <a:schemeClr val="accent1"/>
+          </a:effectRef>
+          <a:fontRef idx="minor">
+            <a:schemeClr val="lt1"/>
+          </a:fontRef>
+        </p:style>
+        <p:txBody>
+          <a:bodyPr rtlCol="0" anchor="ctr"/>
+          <a:lstStyle/>
+          <a:p>
+            <a:pPr algn="ctr"/>
+            <a:endParaRPr lang="tr-TR"/>
+          </a:p>
+        </p:txBody>
+      </p:sp>
+      <p:sp>
+        <p:nvSpPr>
+          <p:cNvPr id="8" name="Rectangle 7">
+            <a:extLst>
+              <a:ext uri="{FF2B5EF4-FFF2-40B4-BE49-F238E27FC236}">
+                <a16:creationId xmlns:a16="http://schemas.microsoft.com/office/drawing/2014/main" id="{80DD24FD-C7AC-425E-9C03-F47E9B20FB46}"/>
+              </a:ext>
+            </a:extLst>
+          </p:cNvPr>
+          <p:cNvSpPr/>
+          <p:nvPr/>
+        </p:nvSpPr>
+        <p:spPr>
+          <a:xfrm>
+            <a:off x="1229932" y="3408641"/>
+            <a:ext cx="360000" cy="360000"/>
+          </a:xfrm>
+          <a:prstGeom prst="rect">
+            <a:avLst/>
+          </a:prstGeom>
+          <a:solidFill>
+            <a:schemeClr val="bg1"/>
+          </a:solidFill>
+          <a:ln>
+            <a:solidFill>
+              <a:schemeClr val="tx1"/>
+            </a:solidFill>
+          </a:ln>
+        </p:spPr>
+        <p:style>
+          <a:lnRef idx="2">
+            <a:schemeClr val="accent1">
+              <a:shade val="50000"/>
+            </a:schemeClr>
+          </a:lnRef>
+          <a:fillRef idx="1">
+            <a:schemeClr val="accent1"/>
+          </a:fillRef>
+          <a:effectRef idx="0">
+            <a:schemeClr val="accent1"/>
+          </a:effectRef>
+          <a:fontRef idx="minor">
+            <a:schemeClr val="lt1"/>
+          </a:fontRef>
+        </p:style>
+        <p:txBody>
+          <a:bodyPr rtlCol="0" anchor="ctr"/>
+          <a:lstStyle/>
+          <a:p>
+            <a:pPr algn="ctr"/>
+            <a:endParaRPr lang="tr-TR"/>
+          </a:p>
+        </p:txBody>
+      </p:sp>
+      <p:sp>
+        <p:nvSpPr>
+          <p:cNvPr id="9" name="Rectangle 8">
+            <a:extLst>
+              <a:ext uri="{FF2B5EF4-FFF2-40B4-BE49-F238E27FC236}">
+                <a16:creationId xmlns:a16="http://schemas.microsoft.com/office/drawing/2014/main" id="{BED8BDE1-CFB1-4D3C-ACC6-F8B4A041E02C}"/>
+              </a:ext>
+            </a:extLst>
+          </p:cNvPr>
+          <p:cNvSpPr/>
+          <p:nvPr/>
+        </p:nvSpPr>
+        <p:spPr>
+          <a:xfrm>
+            <a:off x="1229932" y="1608641"/>
+            <a:ext cx="360000" cy="360000"/>
+          </a:xfrm>
+          <a:prstGeom prst="rect">
+            <a:avLst/>
+          </a:prstGeom>
+          <a:solidFill>
+            <a:schemeClr val="bg1"/>
+          </a:solidFill>
+          <a:ln>
+            <a:solidFill>
+              <a:schemeClr val="tx1"/>
+            </a:solidFill>
+          </a:ln>
+        </p:spPr>
+        <p:style>
+          <a:lnRef idx="2">
+            <a:schemeClr val="accent1">
+              <a:shade val="50000"/>
+            </a:schemeClr>
+          </a:lnRef>
+          <a:fillRef idx="1">
+            <a:schemeClr val="accent1"/>
+          </a:fillRef>
+          <a:effectRef idx="0">
+            <a:schemeClr val="accent1"/>
+          </a:effectRef>
+          <a:fontRef idx="minor">
+            <a:schemeClr val="lt1"/>
+          </a:fontRef>
+        </p:style>
+        <p:txBody>
+          <a:bodyPr rtlCol="0" anchor="ctr"/>
+          <a:lstStyle/>
+          <a:p>
+            <a:pPr algn="ctr"/>
+            <a:endParaRPr lang="tr-TR"/>
+          </a:p>
+        </p:txBody>
+      </p:sp>
+      <p:sp>
+        <p:nvSpPr>
+          <p:cNvPr id="14" name="TextBox 13">
+            <a:extLst>
+              <a:ext uri="{FF2B5EF4-FFF2-40B4-BE49-F238E27FC236}">
+                <a16:creationId xmlns:a16="http://schemas.microsoft.com/office/drawing/2014/main" id="{A24512DB-CA51-49E8-9B58-9E7B458D4EB5}"/>
+              </a:ext>
+            </a:extLst>
+          </p:cNvPr>
+          <p:cNvSpPr txBox="1"/>
+          <p:nvPr/>
+        </p:nvSpPr>
+        <p:spPr>
+          <a:xfrm>
+            <a:off x="1330103" y="914753"/>
+            <a:ext cx="159657" cy="307777"/>
+          </a:xfrm>
+          <a:prstGeom prst="rect">
+            <a:avLst/>
+          </a:prstGeom>
+          <a:noFill/>
+        </p:spPr>
+        <p:txBody>
+          <a:bodyPr wrap="square" rtlCol="0">
+            <a:spAutoFit/>
+          </a:bodyPr>
+          <a:lstStyle/>
+          <a:p>
+            <a:r>
+              <a:rPr lang="tr-TR" sz="1400" dirty="0">
+                <a:latin typeface="Times New Roman" panose="02020603050405020304" pitchFamily="18" charset="0"/>
+                <a:cs typeface="Times New Roman" panose="02020603050405020304" pitchFamily="18" charset="0"/>
+              </a:rPr>
+              <a:t>1</a:t>
+            </a:r>
+          </a:p>
+        </p:txBody>
+      </p:sp>
+      <p:sp>
+        <p:nvSpPr>
+          <p:cNvPr id="15" name="TextBox 14">
+            <a:extLst>
+              <a:ext uri="{FF2B5EF4-FFF2-40B4-BE49-F238E27FC236}">
+                <a16:creationId xmlns:a16="http://schemas.microsoft.com/office/drawing/2014/main" id="{D003FA65-6ACA-4B5C-88A0-016428055DE6}"/>
+              </a:ext>
+            </a:extLst>
+          </p:cNvPr>
+          <p:cNvSpPr txBox="1"/>
+          <p:nvPr/>
+        </p:nvSpPr>
+        <p:spPr>
+          <a:xfrm>
+            <a:off x="1328520" y="1271286"/>
+            <a:ext cx="159657" cy="307777"/>
+          </a:xfrm>
+          <a:prstGeom prst="rect">
+            <a:avLst/>
+          </a:prstGeom>
+          <a:noFill/>
+        </p:spPr>
+        <p:txBody>
+          <a:bodyPr wrap="square" rtlCol="0">
+            <a:spAutoFit/>
+          </a:bodyPr>
+          <a:lstStyle/>
+          <a:p>
+            <a:r>
+              <a:rPr lang="tr-TR" sz="1400" dirty="0">
+                <a:latin typeface="Times New Roman" panose="02020603050405020304" pitchFamily="18" charset="0"/>
+                <a:cs typeface="Times New Roman" panose="02020603050405020304" pitchFamily="18" charset="0"/>
+              </a:rPr>
+              <a:t>2</a:t>
+            </a:r>
+          </a:p>
+        </p:txBody>
+      </p:sp>
+      <p:sp>
+        <p:nvSpPr>
+          <p:cNvPr id="16" name="TextBox 15">
+            <a:extLst>
+              <a:ext uri="{FF2B5EF4-FFF2-40B4-BE49-F238E27FC236}">
+                <a16:creationId xmlns:a16="http://schemas.microsoft.com/office/drawing/2014/main" id="{CAF564AA-7B28-4157-94B3-CE2C6A386882}"/>
+              </a:ext>
+            </a:extLst>
+          </p:cNvPr>
+          <p:cNvSpPr txBox="1"/>
+          <p:nvPr/>
+        </p:nvSpPr>
+        <p:spPr>
+          <a:xfrm>
+            <a:off x="1328521" y="1659788"/>
+            <a:ext cx="159657" cy="307777"/>
+          </a:xfrm>
+          <a:prstGeom prst="rect">
+            <a:avLst/>
+          </a:prstGeom>
+          <a:noFill/>
+        </p:spPr>
+        <p:txBody>
+          <a:bodyPr wrap="square" rtlCol="0">
+            <a:spAutoFit/>
+          </a:bodyPr>
+          <a:lstStyle/>
+          <a:p>
+            <a:r>
+              <a:rPr lang="tr-TR" sz="1400" dirty="0">
+                <a:latin typeface="Times New Roman" panose="02020603050405020304" pitchFamily="18" charset="0"/>
+                <a:cs typeface="Times New Roman" panose="02020603050405020304" pitchFamily="18" charset="0"/>
+              </a:rPr>
+              <a:t>3</a:t>
+            </a:r>
+          </a:p>
+        </p:txBody>
+      </p:sp>
+      <p:sp>
+        <p:nvSpPr>
+          <p:cNvPr id="17" name="TextBox 16">
+            <a:extLst>
+              <a:ext uri="{FF2B5EF4-FFF2-40B4-BE49-F238E27FC236}">
+                <a16:creationId xmlns:a16="http://schemas.microsoft.com/office/drawing/2014/main" id="{98E0A993-4E50-4382-A238-4B0E7F261F9C}"/>
+              </a:ext>
+            </a:extLst>
+          </p:cNvPr>
+          <p:cNvSpPr txBox="1"/>
+          <p:nvPr/>
+        </p:nvSpPr>
+        <p:spPr>
+          <a:xfrm>
+            <a:off x="1319934" y="2015215"/>
+            <a:ext cx="159657" cy="307777"/>
+          </a:xfrm>
+          <a:prstGeom prst="rect">
+            <a:avLst/>
+          </a:prstGeom>
+          <a:noFill/>
+        </p:spPr>
+        <p:txBody>
+          <a:bodyPr wrap="square" rtlCol="0">
+            <a:spAutoFit/>
+          </a:bodyPr>
+          <a:lstStyle/>
+          <a:p>
+            <a:r>
+              <a:rPr lang="tr-TR" sz="1400" dirty="0">
+                <a:latin typeface="Times New Roman" panose="02020603050405020304" pitchFamily="18" charset="0"/>
+                <a:cs typeface="Times New Roman" panose="02020603050405020304" pitchFamily="18" charset="0"/>
+              </a:rPr>
+              <a:t>4</a:t>
+            </a:r>
+          </a:p>
+        </p:txBody>
+      </p:sp>
+      <p:sp>
+        <p:nvSpPr>
+          <p:cNvPr id="18" name="TextBox 17">
+            <a:extLst>
+              <a:ext uri="{FF2B5EF4-FFF2-40B4-BE49-F238E27FC236}">
+                <a16:creationId xmlns:a16="http://schemas.microsoft.com/office/drawing/2014/main" id="{C0FD4F12-AE84-4CA7-8ED4-85917FE14F93}"/>
+              </a:ext>
+            </a:extLst>
+          </p:cNvPr>
+          <p:cNvSpPr txBox="1"/>
+          <p:nvPr/>
+        </p:nvSpPr>
+        <p:spPr>
+          <a:xfrm>
+            <a:off x="1328520" y="2378039"/>
+            <a:ext cx="159657" cy="307777"/>
+          </a:xfrm>
+          <a:prstGeom prst="rect">
+            <a:avLst/>
+          </a:prstGeom>
+          <a:noFill/>
+        </p:spPr>
+        <p:txBody>
+          <a:bodyPr wrap="square" rtlCol="0">
+            <a:spAutoFit/>
+          </a:bodyPr>
+          <a:lstStyle/>
+          <a:p>
+            <a:r>
+              <a:rPr lang="tr-TR" sz="1400" dirty="0">
+                <a:latin typeface="Times New Roman" panose="02020603050405020304" pitchFamily="18" charset="0"/>
+                <a:cs typeface="Times New Roman" panose="02020603050405020304" pitchFamily="18" charset="0"/>
+              </a:rPr>
+              <a:t>5</a:t>
+            </a:r>
+          </a:p>
+        </p:txBody>
+      </p:sp>
+      <p:sp>
+        <p:nvSpPr>
+          <p:cNvPr id="19" name="TextBox 18">
+            <a:extLst>
+              <a:ext uri="{FF2B5EF4-FFF2-40B4-BE49-F238E27FC236}">
+                <a16:creationId xmlns:a16="http://schemas.microsoft.com/office/drawing/2014/main" id="{3D39A974-70CB-4FB4-BDF3-8AECB6611D16}"/>
+              </a:ext>
+            </a:extLst>
+          </p:cNvPr>
+          <p:cNvSpPr txBox="1"/>
+          <p:nvPr/>
+        </p:nvSpPr>
+        <p:spPr>
+          <a:xfrm>
+            <a:off x="1315698" y="2735214"/>
+            <a:ext cx="159657" cy="307777"/>
+          </a:xfrm>
+          <a:prstGeom prst="rect">
+            <a:avLst/>
+          </a:prstGeom>
+          <a:noFill/>
+        </p:spPr>
+        <p:txBody>
+          <a:bodyPr wrap="square" rtlCol="0">
+            <a:spAutoFit/>
+          </a:bodyPr>
+          <a:lstStyle/>
+          <a:p>
+            <a:r>
+              <a:rPr lang="tr-TR" sz="1400" dirty="0">
+                <a:latin typeface="Times New Roman" panose="02020603050405020304" pitchFamily="18" charset="0"/>
+                <a:cs typeface="Times New Roman" panose="02020603050405020304" pitchFamily="18" charset="0"/>
+              </a:rPr>
+              <a:t>6</a:t>
+            </a:r>
+          </a:p>
+        </p:txBody>
+      </p:sp>
+      <p:sp>
+        <p:nvSpPr>
+          <p:cNvPr id="20" name="TextBox 19">
+            <a:extLst>
+              <a:ext uri="{FF2B5EF4-FFF2-40B4-BE49-F238E27FC236}">
+                <a16:creationId xmlns:a16="http://schemas.microsoft.com/office/drawing/2014/main" id="{E02C97BD-29AC-4612-A1C3-167EFB24C211}"/>
+              </a:ext>
+            </a:extLst>
+          </p:cNvPr>
+          <p:cNvSpPr txBox="1"/>
+          <p:nvPr/>
+        </p:nvSpPr>
+        <p:spPr>
+          <a:xfrm>
+            <a:off x="1328519" y="3106514"/>
+            <a:ext cx="159657" cy="307777"/>
+          </a:xfrm>
+          <a:prstGeom prst="rect">
+            <a:avLst/>
+          </a:prstGeom>
+          <a:noFill/>
+        </p:spPr>
+        <p:txBody>
+          <a:bodyPr wrap="square" rtlCol="0">
+            <a:spAutoFit/>
+          </a:bodyPr>
+          <a:lstStyle/>
+          <a:p>
+            <a:r>
+              <a:rPr lang="tr-TR" sz="1400" dirty="0">
+                <a:latin typeface="Times New Roman" panose="02020603050405020304" pitchFamily="18" charset="0"/>
+                <a:cs typeface="Times New Roman" panose="02020603050405020304" pitchFamily="18" charset="0"/>
+              </a:rPr>
+              <a:t>7</a:t>
+            </a:r>
+          </a:p>
+        </p:txBody>
+      </p:sp>
+      <p:sp>
+        <p:nvSpPr>
+          <p:cNvPr id="21" name="TextBox 20">
+            <a:extLst>
+              <a:ext uri="{FF2B5EF4-FFF2-40B4-BE49-F238E27FC236}">
+                <a16:creationId xmlns:a16="http://schemas.microsoft.com/office/drawing/2014/main" id="{8EEAC1F7-306D-49B6-A939-FCCD5E956ABF}"/>
+              </a:ext>
+            </a:extLst>
+          </p:cNvPr>
+          <p:cNvSpPr txBox="1"/>
+          <p:nvPr/>
+        </p:nvSpPr>
+        <p:spPr>
+          <a:xfrm>
+            <a:off x="1328519" y="3450053"/>
+            <a:ext cx="159657" cy="307777"/>
+          </a:xfrm>
+          <a:prstGeom prst="rect">
+            <a:avLst/>
+          </a:prstGeom>
+          <a:noFill/>
+        </p:spPr>
+        <p:txBody>
+          <a:bodyPr wrap="square" rtlCol="0">
+            <a:spAutoFit/>
+          </a:bodyPr>
+          <a:lstStyle/>
+          <a:p>
+            <a:r>
+              <a:rPr lang="tr-TR" sz="1400" dirty="0">
+                <a:latin typeface="Times New Roman" panose="02020603050405020304" pitchFamily="18" charset="0"/>
+                <a:cs typeface="Times New Roman" panose="02020603050405020304" pitchFamily="18" charset="0"/>
+              </a:rPr>
+              <a:t>8</a:t>
+            </a:r>
+          </a:p>
+        </p:txBody>
+      </p:sp>
+      <p:cxnSp>
+        <p:nvCxnSpPr>
+          <p:cNvPr id="25" name="Straight Arrow Connector 24">
+            <a:extLst>
+              <a:ext uri="{FF2B5EF4-FFF2-40B4-BE49-F238E27FC236}">
+                <a16:creationId xmlns:a16="http://schemas.microsoft.com/office/drawing/2014/main" id="{EC20E840-F78E-4582-B0D1-353D2138BDBA}"/>
+              </a:ext>
+            </a:extLst>
+          </p:cNvPr>
+          <p:cNvCxnSpPr>
+            <a:cxnSpLocks/>
+            <a:stCxn id="2" idx="3"/>
+          </p:cNvCxnSpPr>
+          <p:nvPr/>
+        </p:nvCxnSpPr>
+        <p:spPr>
+          <a:xfrm>
+            <a:off x="1596372" y="1068641"/>
+            <a:ext cx="616445" cy="242797"/>
+          </a:xfrm>
+          <a:prstGeom prst="straightConnector1">
+            <a:avLst/>
+          </a:prstGeom>
+          <a:ln>
+            <a:solidFill>
+              <a:schemeClr val="tx1"/>
+            </a:solidFill>
+            <a:tailEnd type="triangle"/>
+          </a:ln>
+        </p:spPr>
+        <p:style>
+          <a:lnRef idx="1">
+            <a:schemeClr val="accent1"/>
+          </a:lnRef>
+          <a:fillRef idx="0">
+            <a:schemeClr val="accent1"/>
+          </a:fillRef>
+          <a:effectRef idx="0">
+            <a:schemeClr val="accent1"/>
+          </a:effectRef>
+          <a:fontRef idx="minor">
+            <a:schemeClr val="tx1"/>
+          </a:fontRef>
+        </p:style>
+      </p:cxnSp>
+      <p:cxnSp>
+        <p:nvCxnSpPr>
+          <p:cNvPr id="37" name="Straight Arrow Connector 36">
+            <a:extLst>
+              <a:ext uri="{FF2B5EF4-FFF2-40B4-BE49-F238E27FC236}">
+                <a16:creationId xmlns:a16="http://schemas.microsoft.com/office/drawing/2014/main" id="{D6E4A1C7-6E46-4A95-8D13-9B82436891E6}"/>
+              </a:ext>
+            </a:extLst>
+          </p:cNvPr>
+          <p:cNvCxnSpPr>
+            <a:cxnSpLocks/>
+            <a:stCxn id="6" idx="3"/>
+          </p:cNvCxnSpPr>
+          <p:nvPr/>
+        </p:nvCxnSpPr>
+        <p:spPr>
+          <a:xfrm flipV="1">
+            <a:off x="1593152" y="1425174"/>
+            <a:ext cx="632546" cy="3467"/>
+          </a:xfrm>
+          <a:prstGeom prst="straightConnector1">
+            <a:avLst/>
+          </a:prstGeom>
+          <a:ln>
+            <a:solidFill>
+              <a:schemeClr val="tx1"/>
+            </a:solidFill>
+            <a:tailEnd type="triangle"/>
+          </a:ln>
+        </p:spPr>
+        <p:style>
+          <a:lnRef idx="1">
+            <a:schemeClr val="accent1"/>
+          </a:lnRef>
+          <a:fillRef idx="0">
+            <a:schemeClr val="accent1"/>
+          </a:fillRef>
+          <a:effectRef idx="0">
+            <a:schemeClr val="accent1"/>
+          </a:effectRef>
+          <a:fontRef idx="minor">
+            <a:schemeClr val="tx1"/>
+          </a:fontRef>
+        </p:style>
+      </p:cxnSp>
+      <p:cxnSp>
+        <p:nvCxnSpPr>
+          <p:cNvPr id="39" name="Straight Arrow Connector 38">
+            <a:extLst>
+              <a:ext uri="{FF2B5EF4-FFF2-40B4-BE49-F238E27FC236}">
+                <a16:creationId xmlns:a16="http://schemas.microsoft.com/office/drawing/2014/main" id="{9FBB3549-3261-409E-A6FF-CAF5DDD2BB76}"/>
+              </a:ext>
+            </a:extLst>
+          </p:cNvPr>
+          <p:cNvCxnSpPr>
+            <a:cxnSpLocks/>
+            <a:stCxn id="9" idx="3"/>
+          </p:cNvCxnSpPr>
+          <p:nvPr/>
+        </p:nvCxnSpPr>
+        <p:spPr>
+          <a:xfrm flipV="1">
+            <a:off x="1589932" y="1550768"/>
+            <a:ext cx="622885" cy="237873"/>
+          </a:xfrm>
+          <a:prstGeom prst="straightConnector1">
+            <a:avLst/>
+          </a:prstGeom>
+          <a:ln>
+            <a:solidFill>
+              <a:schemeClr val="tx1"/>
+            </a:solidFill>
+            <a:tailEnd type="triangle"/>
+          </a:ln>
+        </p:spPr>
+        <p:style>
+          <a:lnRef idx="1">
+            <a:schemeClr val="accent1"/>
+          </a:lnRef>
+          <a:fillRef idx="0">
+            <a:schemeClr val="accent1"/>
+          </a:fillRef>
+          <a:effectRef idx="0">
+            <a:schemeClr val="accent1"/>
+          </a:effectRef>
+          <a:fontRef idx="minor">
+            <a:schemeClr val="tx1"/>
+          </a:fontRef>
+        </p:style>
+      </p:cxnSp>
+      <p:cxnSp>
+        <p:nvCxnSpPr>
+          <p:cNvPr id="42" name="Straight Arrow Connector 41">
+            <a:extLst>
+              <a:ext uri="{FF2B5EF4-FFF2-40B4-BE49-F238E27FC236}">
+                <a16:creationId xmlns:a16="http://schemas.microsoft.com/office/drawing/2014/main" id="{EC82E923-4C91-4409-A5EC-193666717BC0}"/>
+              </a:ext>
+            </a:extLst>
+          </p:cNvPr>
+          <p:cNvCxnSpPr>
+            <a:cxnSpLocks/>
+          </p:cNvCxnSpPr>
+          <p:nvPr/>
+        </p:nvCxnSpPr>
+        <p:spPr>
+          <a:xfrm>
+            <a:off x="1602813" y="2152025"/>
+            <a:ext cx="616445" cy="242797"/>
+          </a:xfrm>
+          <a:prstGeom prst="straightConnector1">
+            <a:avLst/>
+          </a:prstGeom>
+          <a:ln>
+            <a:solidFill>
+              <a:schemeClr val="tx1"/>
+            </a:solidFill>
+            <a:tailEnd type="triangle"/>
+          </a:ln>
+        </p:spPr>
+        <p:style>
+          <a:lnRef idx="1">
+            <a:schemeClr val="accent1"/>
+          </a:lnRef>
+          <a:fillRef idx="0">
+            <a:schemeClr val="accent1"/>
+          </a:fillRef>
+          <a:effectRef idx="0">
+            <a:schemeClr val="accent1"/>
+          </a:effectRef>
+          <a:fontRef idx="minor">
+            <a:schemeClr val="tx1"/>
+          </a:fontRef>
+        </p:style>
+      </p:cxnSp>
+      <p:cxnSp>
+        <p:nvCxnSpPr>
+          <p:cNvPr id="43" name="Straight Arrow Connector 42">
+            <a:extLst>
+              <a:ext uri="{FF2B5EF4-FFF2-40B4-BE49-F238E27FC236}">
+                <a16:creationId xmlns:a16="http://schemas.microsoft.com/office/drawing/2014/main" id="{DA6D3461-47CA-4365-BFB3-5FF412C462C0}"/>
+              </a:ext>
+            </a:extLst>
+          </p:cNvPr>
+          <p:cNvCxnSpPr/>
+          <p:nvPr/>
+        </p:nvCxnSpPr>
+        <p:spPr>
+          <a:xfrm flipV="1">
+            <a:off x="1599593" y="2508558"/>
+            <a:ext cx="632546" cy="3467"/>
+          </a:xfrm>
+          <a:prstGeom prst="straightConnector1">
+            <a:avLst/>
+          </a:prstGeom>
+          <a:ln>
+            <a:solidFill>
+              <a:schemeClr val="tx1"/>
+            </a:solidFill>
+            <a:tailEnd type="triangle"/>
+          </a:ln>
+        </p:spPr>
+        <p:style>
+          <a:lnRef idx="1">
+            <a:schemeClr val="accent1"/>
+          </a:lnRef>
+          <a:fillRef idx="0">
+            <a:schemeClr val="accent1"/>
+          </a:fillRef>
+          <a:effectRef idx="0">
+            <a:schemeClr val="accent1"/>
+          </a:effectRef>
+          <a:fontRef idx="minor">
+            <a:schemeClr val="tx1"/>
+          </a:fontRef>
+        </p:style>
+      </p:cxnSp>
+      <p:cxnSp>
+        <p:nvCxnSpPr>
+          <p:cNvPr id="44" name="Straight Arrow Connector 43">
+            <a:extLst>
+              <a:ext uri="{FF2B5EF4-FFF2-40B4-BE49-F238E27FC236}">
+                <a16:creationId xmlns:a16="http://schemas.microsoft.com/office/drawing/2014/main" id="{FA931DDB-25D0-4152-836D-6CAFBD137D41}"/>
+              </a:ext>
+            </a:extLst>
+          </p:cNvPr>
+          <p:cNvCxnSpPr>
+            <a:cxnSpLocks/>
+          </p:cNvCxnSpPr>
+          <p:nvPr/>
+        </p:nvCxnSpPr>
+        <p:spPr>
+          <a:xfrm flipV="1">
+            <a:off x="1596373" y="2634152"/>
+            <a:ext cx="622885" cy="237873"/>
+          </a:xfrm>
+          <a:prstGeom prst="straightConnector1">
+            <a:avLst/>
+          </a:prstGeom>
+          <a:ln>
+            <a:solidFill>
+              <a:schemeClr val="tx1"/>
+            </a:solidFill>
+            <a:tailEnd type="triangle"/>
+          </a:ln>
+        </p:spPr>
+        <p:style>
+          <a:lnRef idx="1">
+            <a:schemeClr val="accent1"/>
+          </a:lnRef>
+          <a:fillRef idx="0">
+            <a:schemeClr val="accent1"/>
+          </a:fillRef>
+          <a:effectRef idx="0">
+            <a:schemeClr val="accent1"/>
+          </a:effectRef>
+          <a:fontRef idx="minor">
+            <a:schemeClr val="tx1"/>
+          </a:fontRef>
+        </p:style>
+      </p:cxnSp>
+      <p:cxnSp>
+        <p:nvCxnSpPr>
+          <p:cNvPr id="45" name="Straight Arrow Connector 44">
+            <a:extLst>
+              <a:ext uri="{FF2B5EF4-FFF2-40B4-BE49-F238E27FC236}">
+                <a16:creationId xmlns:a16="http://schemas.microsoft.com/office/drawing/2014/main" id="{C84530C4-05E4-4D7A-8E8D-D2CF2A017B52}"/>
+              </a:ext>
+            </a:extLst>
+          </p:cNvPr>
+          <p:cNvCxnSpPr>
+            <a:cxnSpLocks/>
+          </p:cNvCxnSpPr>
+          <p:nvPr/>
+        </p:nvCxnSpPr>
+        <p:spPr>
+          <a:xfrm>
+            <a:off x="1596372" y="3233406"/>
+            <a:ext cx="616445" cy="242797"/>
+          </a:xfrm>
+          <a:prstGeom prst="straightConnector1">
+            <a:avLst/>
+          </a:prstGeom>
+          <a:ln>
+            <a:solidFill>
+              <a:schemeClr val="tx1"/>
+            </a:solidFill>
+            <a:tailEnd type="triangle"/>
+          </a:ln>
+        </p:spPr>
+        <p:style>
+          <a:lnRef idx="1">
+            <a:schemeClr val="accent1"/>
+          </a:lnRef>
+          <a:fillRef idx="0">
+            <a:schemeClr val="accent1"/>
+          </a:fillRef>
+          <a:effectRef idx="0">
+            <a:schemeClr val="accent1"/>
+          </a:effectRef>
+          <a:fontRef idx="minor">
+            <a:schemeClr val="tx1"/>
+          </a:fontRef>
+        </p:style>
+      </p:cxnSp>
+      <p:cxnSp>
+        <p:nvCxnSpPr>
+          <p:cNvPr id="46" name="Straight Arrow Connector 45">
+            <a:extLst>
+              <a:ext uri="{FF2B5EF4-FFF2-40B4-BE49-F238E27FC236}">
+                <a16:creationId xmlns:a16="http://schemas.microsoft.com/office/drawing/2014/main" id="{15F6F04B-3893-4D38-98A8-5D95A639CDC1}"/>
+              </a:ext>
+            </a:extLst>
+          </p:cNvPr>
+          <p:cNvCxnSpPr/>
+          <p:nvPr/>
+        </p:nvCxnSpPr>
+        <p:spPr>
+          <a:xfrm flipV="1">
+            <a:off x="1593152" y="3589939"/>
+            <a:ext cx="632546" cy="3467"/>
+          </a:xfrm>
+          <a:prstGeom prst="straightConnector1">
+            <a:avLst/>
+          </a:prstGeom>
+          <a:ln>
+            <a:solidFill>
+              <a:schemeClr val="tx1"/>
+            </a:solidFill>
+            <a:tailEnd type="triangle"/>
+          </a:ln>
+        </p:spPr>
+        <p:style>
+          <a:lnRef idx="1">
+            <a:schemeClr val="accent1"/>
+          </a:lnRef>
+          <a:fillRef idx="0">
+            <a:schemeClr val="accent1"/>
+          </a:fillRef>
+          <a:effectRef idx="0">
+            <a:schemeClr val="accent1"/>
+          </a:effectRef>
+          <a:fontRef idx="minor">
+            <a:schemeClr val="tx1"/>
+          </a:fontRef>
+        </p:style>
+      </p:cxnSp>
+    </p:spTree>
+    <p:extLst>
+      <p:ext uri="{BB962C8B-B14F-4D97-AF65-F5344CB8AC3E}">
+        <p14:creationId xmlns:p14="http://schemas.microsoft.com/office/powerpoint/2010/main" val="3365322022"/>
+      </p:ext>
+    </p:extLst>
+  </p:cSld>
+  <p:clrMapOvr>
+    <a:masterClrMapping/>
+  </p:clrMapOvr>
+</p:sld>
+</file>
+
 <file path=ppt/theme/theme1.xml><?xml version="1.0" encoding="utf-8"?>
 <a:theme xmlns:a="http://schemas.openxmlformats.org/drawingml/2006/main" name="Office Teması">
   <a:themeElements>

--- a/Thesis/figures/Sunu1.pptx
+++ b/Thesis/figures/Sunu1.pptx
@@ -13,6 +13,9 @@
     <p:sldId id="261" r:id="rId7"/>
     <p:sldId id="257" r:id="rId8"/>
     <p:sldId id="264" r:id="rId9"/>
+    <p:sldId id="265" r:id="rId10"/>
+    <p:sldId id="266" r:id="rId11"/>
+    <p:sldId id="267" r:id="rId12"/>
   </p:sldIdLst>
   <p:sldSz cx="12192000" cy="6858000"/>
   <p:notesSz cx="6858000" cy="9144000"/>
@@ -130,6 +133,18 @@
 </p:presentation>
 </file>
 
+<file path=ppt/commentAuthors.xml><?xml version="1.0" encoding="utf-8"?>
+<p:cmAuthorLst xmlns:a="http://schemas.openxmlformats.org/drawingml/2006/main" xmlns:r="http://schemas.openxmlformats.org/officeDocument/2006/relationships" xmlns:p="http://schemas.openxmlformats.org/presentationml/2006/main">
+  <p:cmAuthor id="1" name="Mustafa Berke Erdis" initials="MBE" lastIdx="2" clrIdx="0">
+    <p:extLst>
+      <p:ext uri="{19B8F6BF-5375-455C-9EA6-DF929625EA0E}">
+        <p15:presenceInfo xmlns:p15="http://schemas.microsoft.com/office/powerpoint/2012/main" userId="Mustafa Berke Erdis" providerId="None"/>
+      </p:ext>
+    </p:extLst>
+  </p:cmAuthor>
+</p:cmAuthorLst>
+</file>
+
 <file path=ppt/slideLayouts/slideLayout1.xml><?xml version="1.0" encoding="utf-8"?>
 <p:sldLayout xmlns:a="http://schemas.openxmlformats.org/drawingml/2006/main" xmlns:r="http://schemas.openxmlformats.org/officeDocument/2006/relationships" xmlns:p="http://schemas.openxmlformats.org/presentationml/2006/main" type="title" preserve="1">
   <p:cSld name="Başlık Slaydı">
@@ -259,7 +274,7 @@
           <a:p>
             <a:fld id="{DD1BFE35-F138-4804-88D8-958AEE55883A}" type="datetimeFigureOut">
               <a:rPr lang="tr-TR" smtClean="0"/>
-              <a:t>15.08.2019</a:t>
+              <a:t>20.08.2019</a:t>
             </a:fld>
             <a:endParaRPr lang="tr-TR"/>
           </a:p>
@@ -427,7 +442,7 @@
           <a:p>
             <a:fld id="{DD1BFE35-F138-4804-88D8-958AEE55883A}" type="datetimeFigureOut">
               <a:rPr lang="tr-TR" smtClean="0"/>
-              <a:t>15.08.2019</a:t>
+              <a:t>20.08.2019</a:t>
             </a:fld>
             <a:endParaRPr lang="tr-TR"/>
           </a:p>
@@ -605,7 +620,7 @@
           <a:p>
             <a:fld id="{DD1BFE35-F138-4804-88D8-958AEE55883A}" type="datetimeFigureOut">
               <a:rPr lang="tr-TR" smtClean="0"/>
-              <a:t>15.08.2019</a:t>
+              <a:t>20.08.2019</a:t>
             </a:fld>
             <a:endParaRPr lang="tr-TR"/>
           </a:p>
@@ -773,7 +788,7 @@
           <a:p>
             <a:fld id="{DD1BFE35-F138-4804-88D8-958AEE55883A}" type="datetimeFigureOut">
               <a:rPr lang="tr-TR" smtClean="0"/>
-              <a:t>15.08.2019</a:t>
+              <a:t>20.08.2019</a:t>
             </a:fld>
             <a:endParaRPr lang="tr-TR"/>
           </a:p>
@@ -1018,7 +1033,7 @@
           <a:p>
             <a:fld id="{DD1BFE35-F138-4804-88D8-958AEE55883A}" type="datetimeFigureOut">
               <a:rPr lang="tr-TR" smtClean="0"/>
-              <a:t>15.08.2019</a:t>
+              <a:t>20.08.2019</a:t>
             </a:fld>
             <a:endParaRPr lang="tr-TR"/>
           </a:p>
@@ -1247,7 +1262,7 @@
           <a:p>
             <a:fld id="{DD1BFE35-F138-4804-88D8-958AEE55883A}" type="datetimeFigureOut">
               <a:rPr lang="tr-TR" smtClean="0"/>
-              <a:t>15.08.2019</a:t>
+              <a:t>20.08.2019</a:t>
             </a:fld>
             <a:endParaRPr lang="tr-TR"/>
           </a:p>
@@ -1611,7 +1626,7 @@
           <a:p>
             <a:fld id="{DD1BFE35-F138-4804-88D8-958AEE55883A}" type="datetimeFigureOut">
               <a:rPr lang="tr-TR" smtClean="0"/>
-              <a:t>15.08.2019</a:t>
+              <a:t>20.08.2019</a:t>
             </a:fld>
             <a:endParaRPr lang="tr-TR"/>
           </a:p>
@@ -1728,7 +1743,7 @@
           <a:p>
             <a:fld id="{DD1BFE35-F138-4804-88D8-958AEE55883A}" type="datetimeFigureOut">
               <a:rPr lang="tr-TR" smtClean="0"/>
-              <a:t>15.08.2019</a:t>
+              <a:t>20.08.2019</a:t>
             </a:fld>
             <a:endParaRPr lang="tr-TR"/>
           </a:p>
@@ -1823,7 +1838,7 @@
           <a:p>
             <a:fld id="{DD1BFE35-F138-4804-88D8-958AEE55883A}" type="datetimeFigureOut">
               <a:rPr lang="tr-TR" smtClean="0"/>
-              <a:t>15.08.2019</a:t>
+              <a:t>20.08.2019</a:t>
             </a:fld>
             <a:endParaRPr lang="tr-TR"/>
           </a:p>
@@ -2098,7 +2113,7 @@
           <a:p>
             <a:fld id="{DD1BFE35-F138-4804-88D8-958AEE55883A}" type="datetimeFigureOut">
               <a:rPr lang="tr-TR" smtClean="0"/>
-              <a:t>15.08.2019</a:t>
+              <a:t>20.08.2019</a:t>
             </a:fld>
             <a:endParaRPr lang="tr-TR"/>
           </a:p>
@@ -2350,7 +2365,7 @@
           <a:p>
             <a:fld id="{DD1BFE35-F138-4804-88D8-958AEE55883A}" type="datetimeFigureOut">
               <a:rPr lang="tr-TR" smtClean="0"/>
-              <a:t>15.08.2019</a:t>
+              <a:t>20.08.2019</a:t>
             </a:fld>
             <a:endParaRPr lang="tr-TR"/>
           </a:p>
@@ -2561,7 +2576,7 @@
           <a:p>
             <a:fld id="{DD1BFE35-F138-4804-88D8-958AEE55883A}" type="datetimeFigureOut">
               <a:rPr lang="tr-TR" smtClean="0"/>
-              <a:t>15.08.2019</a:t>
+              <a:t>20.08.2019</a:t>
             </a:fld>
             <a:endParaRPr lang="tr-TR"/>
           </a:p>
@@ -8826,6 +8841,7900 @@
     <p:extLst>
       <p:ext uri="{BB962C8B-B14F-4D97-AF65-F5344CB8AC3E}">
         <p14:creationId xmlns:p14="http://schemas.microsoft.com/office/powerpoint/2010/main" val="346591948"/>
+      </p:ext>
+    </p:extLst>
+  </p:cSld>
+  <p:clrMapOvr>
+    <a:masterClrMapping/>
+  </p:clrMapOvr>
+</p:sld>
+</file>
+
+<file path=ppt/slides/slide10.xml><?xml version="1.0" encoding="utf-8"?>
+<p:sld xmlns:a="http://schemas.openxmlformats.org/drawingml/2006/main" xmlns:r="http://schemas.openxmlformats.org/officeDocument/2006/relationships" xmlns:p="http://schemas.openxmlformats.org/presentationml/2006/main">
+  <p:cSld>
+    <p:spTree>
+      <p:nvGrpSpPr>
+        <p:cNvPr id="1" name=""/>
+        <p:cNvGrpSpPr/>
+        <p:nvPr/>
+      </p:nvGrpSpPr>
+      <p:grpSpPr>
+        <a:xfrm>
+          <a:off x="0" y="0"/>
+          <a:ext cx="0" cy="0"/>
+          <a:chOff x="0" y="0"/>
+          <a:chExt cx="0" cy="0"/>
+        </a:xfrm>
+      </p:grpSpPr>
+      <p:pic>
+        <p:nvPicPr>
+          <p:cNvPr id="2" name="Resim 1"/>
+          <p:cNvPicPr>
+            <a:picLocks noChangeAspect="1"/>
+          </p:cNvPicPr>
+          <p:nvPr/>
+        </p:nvPicPr>
+        <p:blipFill>
+          <a:blip r:embed="rId2">
+            <a:extLst>
+              <a:ext uri="{28A0092B-C50C-407E-A947-70E740481C1C}">
+                <a14:useLocalDpi xmlns:a14="http://schemas.microsoft.com/office/drawing/2010/main" val="0"/>
+              </a:ext>
+            </a:extLst>
+          </a:blip>
+          <a:stretch>
+            <a:fillRect/>
+          </a:stretch>
+        </p:blipFill>
+        <p:spPr>
+          <a:xfrm>
+            <a:off x="6507240" y="2375766"/>
+            <a:ext cx="4333875" cy="2209800"/>
+          </a:xfrm>
+          <a:prstGeom prst="rect">
+            <a:avLst/>
+          </a:prstGeom>
+        </p:spPr>
+      </p:pic>
+      <p:cxnSp>
+        <p:nvCxnSpPr>
+          <p:cNvPr id="5" name="Düz Ok Bağlayıcısı 4"/>
+          <p:cNvCxnSpPr/>
+          <p:nvPr/>
+        </p:nvCxnSpPr>
+        <p:spPr>
+          <a:xfrm flipV="1">
+            <a:off x="3219336" y="2165998"/>
+            <a:ext cx="0" cy="522514"/>
+          </a:xfrm>
+          <a:prstGeom prst="straightConnector1">
+            <a:avLst/>
+          </a:prstGeom>
+          <a:ln w="12700">
+            <a:solidFill>
+              <a:schemeClr val="tx1"/>
+            </a:solidFill>
+            <a:headEnd type="triangle" w="med" len="med"/>
+            <a:tailEnd type="none" w="med" len="med"/>
+          </a:ln>
+        </p:spPr>
+        <p:style>
+          <a:lnRef idx="1">
+            <a:schemeClr val="accent1"/>
+          </a:lnRef>
+          <a:fillRef idx="0">
+            <a:schemeClr val="accent1"/>
+          </a:fillRef>
+          <a:effectRef idx="0">
+            <a:schemeClr val="accent1"/>
+          </a:effectRef>
+          <a:fontRef idx="minor">
+            <a:schemeClr val="tx1"/>
+          </a:fontRef>
+        </p:style>
+      </p:cxnSp>
+      <p:cxnSp>
+        <p:nvCxnSpPr>
+          <p:cNvPr id="6" name="Düz Ok Bağlayıcısı 5"/>
+          <p:cNvCxnSpPr/>
+          <p:nvPr/>
+        </p:nvCxnSpPr>
+        <p:spPr>
+          <a:xfrm flipV="1">
+            <a:off x="2162842" y="3221857"/>
+            <a:ext cx="0" cy="522514"/>
+          </a:xfrm>
+          <a:prstGeom prst="straightConnector1">
+            <a:avLst/>
+          </a:prstGeom>
+          <a:ln w="12700">
+            <a:solidFill>
+              <a:schemeClr val="tx1"/>
+            </a:solidFill>
+            <a:headEnd type="triangle" w="med" len="med"/>
+            <a:tailEnd type="none" w="med" len="med"/>
+          </a:ln>
+        </p:spPr>
+        <p:style>
+          <a:lnRef idx="1">
+            <a:schemeClr val="accent1"/>
+          </a:lnRef>
+          <a:fillRef idx="0">
+            <a:schemeClr val="accent1"/>
+          </a:fillRef>
+          <a:effectRef idx="0">
+            <a:schemeClr val="accent1"/>
+          </a:effectRef>
+          <a:fontRef idx="minor">
+            <a:schemeClr val="tx1"/>
+          </a:fontRef>
+        </p:style>
+      </p:cxnSp>
+      <p:cxnSp>
+        <p:nvCxnSpPr>
+          <p:cNvPr id="7" name="Düz Ok Bağlayıcısı 6"/>
+          <p:cNvCxnSpPr/>
+          <p:nvPr/>
+        </p:nvCxnSpPr>
+        <p:spPr>
+          <a:xfrm flipV="1">
+            <a:off x="1596784" y="3221857"/>
+            <a:ext cx="0" cy="522514"/>
+          </a:xfrm>
+          <a:prstGeom prst="straightConnector1">
+            <a:avLst/>
+          </a:prstGeom>
+          <a:ln w="12700">
+            <a:solidFill>
+              <a:schemeClr val="tx1"/>
+            </a:solidFill>
+            <a:headEnd type="triangle" w="med" len="med"/>
+            <a:tailEnd type="none" w="med" len="med"/>
+          </a:ln>
+        </p:spPr>
+        <p:style>
+          <a:lnRef idx="1">
+            <a:schemeClr val="accent1"/>
+          </a:lnRef>
+          <a:fillRef idx="0">
+            <a:schemeClr val="accent1"/>
+          </a:fillRef>
+          <a:effectRef idx="0">
+            <a:schemeClr val="accent1"/>
+          </a:effectRef>
+          <a:fontRef idx="minor">
+            <a:schemeClr val="tx1"/>
+          </a:fontRef>
+        </p:style>
+      </p:cxnSp>
+      <p:cxnSp>
+        <p:nvCxnSpPr>
+          <p:cNvPr id="10" name="Düz Ok Bağlayıcısı 9"/>
+          <p:cNvCxnSpPr/>
+          <p:nvPr/>
+        </p:nvCxnSpPr>
+        <p:spPr>
+          <a:xfrm flipV="1">
+            <a:off x="3221044" y="4271748"/>
+            <a:ext cx="0" cy="522514"/>
+          </a:xfrm>
+          <a:prstGeom prst="straightConnector1">
+            <a:avLst/>
+          </a:prstGeom>
+          <a:ln w="12700">
+            <a:solidFill>
+              <a:schemeClr val="tx1"/>
+            </a:solidFill>
+            <a:headEnd type="triangle" w="med" len="med"/>
+            <a:tailEnd type="none" w="med" len="med"/>
+          </a:ln>
+        </p:spPr>
+        <p:style>
+          <a:lnRef idx="1">
+            <a:schemeClr val="accent1"/>
+          </a:lnRef>
+          <a:fillRef idx="0">
+            <a:schemeClr val="accent1"/>
+          </a:fillRef>
+          <a:effectRef idx="0">
+            <a:schemeClr val="accent1"/>
+          </a:effectRef>
+          <a:fontRef idx="minor">
+            <a:schemeClr val="tx1"/>
+          </a:fontRef>
+        </p:style>
+      </p:cxnSp>
+      <p:cxnSp>
+        <p:nvCxnSpPr>
+          <p:cNvPr id="12" name="Düz Bağlayıcı 11"/>
+          <p:cNvCxnSpPr/>
+          <p:nvPr/>
+        </p:nvCxnSpPr>
+        <p:spPr>
+          <a:xfrm>
+            <a:off x="1596784" y="3221857"/>
+            <a:ext cx="566058" cy="0"/>
+          </a:xfrm>
+          <a:prstGeom prst="line">
+            <a:avLst/>
+          </a:prstGeom>
+          <a:ln w="12700">
+            <a:solidFill>
+              <a:schemeClr val="tx1"/>
+            </a:solidFill>
+          </a:ln>
+        </p:spPr>
+        <p:style>
+          <a:lnRef idx="1">
+            <a:schemeClr val="accent1"/>
+          </a:lnRef>
+          <a:fillRef idx="0">
+            <a:schemeClr val="accent1"/>
+          </a:fillRef>
+          <a:effectRef idx="0">
+            <a:schemeClr val="accent1"/>
+          </a:effectRef>
+          <a:fontRef idx="minor">
+            <a:schemeClr val="tx1"/>
+          </a:fontRef>
+        </p:style>
+      </p:cxnSp>
+      <p:cxnSp>
+        <p:nvCxnSpPr>
+          <p:cNvPr id="13" name="Düz Ok Bağlayıcısı 12"/>
+          <p:cNvCxnSpPr/>
+          <p:nvPr/>
+        </p:nvCxnSpPr>
+        <p:spPr>
+          <a:xfrm flipV="1">
+            <a:off x="3052647" y="3221857"/>
+            <a:ext cx="0" cy="522514"/>
+          </a:xfrm>
+          <a:prstGeom prst="straightConnector1">
+            <a:avLst/>
+          </a:prstGeom>
+          <a:ln w="12700">
+            <a:solidFill>
+              <a:schemeClr val="tx1"/>
+            </a:solidFill>
+            <a:headEnd type="triangle" w="med" len="med"/>
+            <a:tailEnd type="none" w="med" len="med"/>
+          </a:ln>
+        </p:spPr>
+        <p:style>
+          <a:lnRef idx="1">
+            <a:schemeClr val="accent1"/>
+          </a:lnRef>
+          <a:fillRef idx="0">
+            <a:schemeClr val="accent1"/>
+          </a:fillRef>
+          <a:effectRef idx="0">
+            <a:schemeClr val="accent1"/>
+          </a:effectRef>
+          <a:fontRef idx="minor">
+            <a:schemeClr val="tx1"/>
+          </a:fontRef>
+        </p:style>
+      </p:cxnSp>
+      <p:cxnSp>
+        <p:nvCxnSpPr>
+          <p:cNvPr id="14" name="Düz Ok Bağlayıcısı 13"/>
+          <p:cNvCxnSpPr/>
+          <p:nvPr/>
+        </p:nvCxnSpPr>
+        <p:spPr>
+          <a:xfrm flipV="1">
+            <a:off x="2486589" y="3221857"/>
+            <a:ext cx="0" cy="522514"/>
+          </a:xfrm>
+          <a:prstGeom prst="straightConnector1">
+            <a:avLst/>
+          </a:prstGeom>
+          <a:ln w="12700">
+            <a:solidFill>
+              <a:schemeClr val="tx1"/>
+            </a:solidFill>
+            <a:headEnd type="triangle" w="med" len="med"/>
+            <a:tailEnd type="none" w="med" len="med"/>
+          </a:ln>
+        </p:spPr>
+        <p:style>
+          <a:lnRef idx="1">
+            <a:schemeClr val="accent1"/>
+          </a:lnRef>
+          <a:fillRef idx="0">
+            <a:schemeClr val="accent1"/>
+          </a:fillRef>
+          <a:effectRef idx="0">
+            <a:schemeClr val="accent1"/>
+          </a:effectRef>
+          <a:fontRef idx="minor">
+            <a:schemeClr val="tx1"/>
+          </a:fontRef>
+        </p:style>
+      </p:cxnSp>
+      <p:cxnSp>
+        <p:nvCxnSpPr>
+          <p:cNvPr id="15" name="Düz Bağlayıcı 14"/>
+          <p:cNvCxnSpPr/>
+          <p:nvPr/>
+        </p:nvCxnSpPr>
+        <p:spPr>
+          <a:xfrm>
+            <a:off x="2486589" y="3221857"/>
+            <a:ext cx="566058" cy="0"/>
+          </a:xfrm>
+          <a:prstGeom prst="line">
+            <a:avLst/>
+          </a:prstGeom>
+          <a:ln w="12700">
+            <a:solidFill>
+              <a:schemeClr val="tx1"/>
+            </a:solidFill>
+          </a:ln>
+        </p:spPr>
+        <p:style>
+          <a:lnRef idx="1">
+            <a:schemeClr val="accent1"/>
+          </a:lnRef>
+          <a:fillRef idx="0">
+            <a:schemeClr val="accent1"/>
+          </a:fillRef>
+          <a:effectRef idx="0">
+            <a:schemeClr val="accent1"/>
+          </a:effectRef>
+          <a:fontRef idx="minor">
+            <a:schemeClr val="tx1"/>
+          </a:fontRef>
+        </p:style>
+      </p:cxnSp>
+      <p:cxnSp>
+        <p:nvCxnSpPr>
+          <p:cNvPr id="16" name="Düz Ok Bağlayıcısı 15"/>
+          <p:cNvCxnSpPr/>
+          <p:nvPr/>
+        </p:nvCxnSpPr>
+        <p:spPr>
+          <a:xfrm flipV="1">
+            <a:off x="3954076" y="3219409"/>
+            <a:ext cx="0" cy="522514"/>
+          </a:xfrm>
+          <a:prstGeom prst="straightConnector1">
+            <a:avLst/>
+          </a:prstGeom>
+          <a:ln w="12700">
+            <a:solidFill>
+              <a:schemeClr val="tx1"/>
+            </a:solidFill>
+            <a:headEnd type="triangle" w="med" len="med"/>
+            <a:tailEnd type="none" w="med" len="med"/>
+          </a:ln>
+        </p:spPr>
+        <p:style>
+          <a:lnRef idx="1">
+            <a:schemeClr val="accent1"/>
+          </a:lnRef>
+          <a:fillRef idx="0">
+            <a:schemeClr val="accent1"/>
+          </a:fillRef>
+          <a:effectRef idx="0">
+            <a:schemeClr val="accent1"/>
+          </a:effectRef>
+          <a:fontRef idx="minor">
+            <a:schemeClr val="tx1"/>
+          </a:fontRef>
+        </p:style>
+      </p:cxnSp>
+      <p:cxnSp>
+        <p:nvCxnSpPr>
+          <p:cNvPr id="17" name="Düz Ok Bağlayıcısı 16"/>
+          <p:cNvCxnSpPr/>
+          <p:nvPr/>
+        </p:nvCxnSpPr>
+        <p:spPr>
+          <a:xfrm flipV="1">
+            <a:off x="3388018" y="3219409"/>
+            <a:ext cx="0" cy="522514"/>
+          </a:xfrm>
+          <a:prstGeom prst="straightConnector1">
+            <a:avLst/>
+          </a:prstGeom>
+          <a:ln w="12700">
+            <a:solidFill>
+              <a:schemeClr val="tx1"/>
+            </a:solidFill>
+            <a:headEnd type="triangle" w="med" len="med"/>
+            <a:tailEnd type="none" w="med" len="med"/>
+          </a:ln>
+        </p:spPr>
+        <p:style>
+          <a:lnRef idx="1">
+            <a:schemeClr val="accent1"/>
+          </a:lnRef>
+          <a:fillRef idx="0">
+            <a:schemeClr val="accent1"/>
+          </a:fillRef>
+          <a:effectRef idx="0">
+            <a:schemeClr val="accent1"/>
+          </a:effectRef>
+          <a:fontRef idx="minor">
+            <a:schemeClr val="tx1"/>
+          </a:fontRef>
+        </p:style>
+      </p:cxnSp>
+      <p:cxnSp>
+        <p:nvCxnSpPr>
+          <p:cNvPr id="18" name="Düz Bağlayıcı 17"/>
+          <p:cNvCxnSpPr/>
+          <p:nvPr/>
+        </p:nvCxnSpPr>
+        <p:spPr>
+          <a:xfrm>
+            <a:off x="3388018" y="3219409"/>
+            <a:ext cx="566058" cy="0"/>
+          </a:xfrm>
+          <a:prstGeom prst="line">
+            <a:avLst/>
+          </a:prstGeom>
+          <a:ln w="12700">
+            <a:solidFill>
+              <a:schemeClr val="tx1"/>
+            </a:solidFill>
+          </a:ln>
+        </p:spPr>
+        <p:style>
+          <a:lnRef idx="1">
+            <a:schemeClr val="accent1"/>
+          </a:lnRef>
+          <a:fillRef idx="0">
+            <a:schemeClr val="accent1"/>
+          </a:fillRef>
+          <a:effectRef idx="0">
+            <a:schemeClr val="accent1"/>
+          </a:effectRef>
+          <a:fontRef idx="minor">
+            <a:schemeClr val="tx1"/>
+          </a:fontRef>
+        </p:style>
+      </p:cxnSp>
+      <p:cxnSp>
+        <p:nvCxnSpPr>
+          <p:cNvPr id="19" name="Düz Ok Bağlayıcısı 18"/>
+          <p:cNvCxnSpPr/>
+          <p:nvPr/>
+        </p:nvCxnSpPr>
+        <p:spPr>
+          <a:xfrm flipV="1">
+            <a:off x="4884688" y="3219409"/>
+            <a:ext cx="0" cy="522514"/>
+          </a:xfrm>
+          <a:prstGeom prst="straightConnector1">
+            <a:avLst/>
+          </a:prstGeom>
+          <a:ln w="12700">
+            <a:solidFill>
+              <a:schemeClr val="tx1"/>
+            </a:solidFill>
+            <a:headEnd type="triangle" w="med" len="med"/>
+            <a:tailEnd type="none" w="med" len="med"/>
+          </a:ln>
+        </p:spPr>
+        <p:style>
+          <a:lnRef idx="1">
+            <a:schemeClr val="accent1"/>
+          </a:lnRef>
+          <a:fillRef idx="0">
+            <a:schemeClr val="accent1"/>
+          </a:fillRef>
+          <a:effectRef idx="0">
+            <a:schemeClr val="accent1"/>
+          </a:effectRef>
+          <a:fontRef idx="minor">
+            <a:schemeClr val="tx1"/>
+          </a:fontRef>
+        </p:style>
+      </p:cxnSp>
+      <p:cxnSp>
+        <p:nvCxnSpPr>
+          <p:cNvPr id="20" name="Düz Ok Bağlayıcısı 19"/>
+          <p:cNvCxnSpPr/>
+          <p:nvPr/>
+        </p:nvCxnSpPr>
+        <p:spPr>
+          <a:xfrm flipV="1">
+            <a:off x="4318630" y="3219409"/>
+            <a:ext cx="0" cy="522514"/>
+          </a:xfrm>
+          <a:prstGeom prst="straightConnector1">
+            <a:avLst/>
+          </a:prstGeom>
+          <a:ln w="12700">
+            <a:solidFill>
+              <a:schemeClr val="tx1"/>
+            </a:solidFill>
+            <a:headEnd type="triangle" w="med" len="med"/>
+            <a:tailEnd type="none" w="med" len="med"/>
+          </a:ln>
+        </p:spPr>
+        <p:style>
+          <a:lnRef idx="1">
+            <a:schemeClr val="accent1"/>
+          </a:lnRef>
+          <a:fillRef idx="0">
+            <a:schemeClr val="accent1"/>
+          </a:fillRef>
+          <a:effectRef idx="0">
+            <a:schemeClr val="accent1"/>
+          </a:effectRef>
+          <a:fontRef idx="minor">
+            <a:schemeClr val="tx1"/>
+          </a:fontRef>
+        </p:style>
+      </p:cxnSp>
+      <p:cxnSp>
+        <p:nvCxnSpPr>
+          <p:cNvPr id="21" name="Düz Bağlayıcı 20"/>
+          <p:cNvCxnSpPr/>
+          <p:nvPr/>
+        </p:nvCxnSpPr>
+        <p:spPr>
+          <a:xfrm>
+            <a:off x="4318630" y="3219409"/>
+            <a:ext cx="566058" cy="0"/>
+          </a:xfrm>
+          <a:prstGeom prst="line">
+            <a:avLst/>
+          </a:prstGeom>
+          <a:ln w="12700">
+            <a:solidFill>
+              <a:schemeClr val="tx1"/>
+            </a:solidFill>
+          </a:ln>
+        </p:spPr>
+        <p:style>
+          <a:lnRef idx="1">
+            <a:schemeClr val="accent1"/>
+          </a:lnRef>
+          <a:fillRef idx="0">
+            <a:schemeClr val="accent1"/>
+          </a:fillRef>
+          <a:effectRef idx="0">
+            <a:schemeClr val="accent1"/>
+          </a:effectRef>
+          <a:fontRef idx="minor">
+            <a:schemeClr val="tx1"/>
+          </a:fontRef>
+        </p:style>
+      </p:cxnSp>
+      <p:cxnSp>
+        <p:nvCxnSpPr>
+          <p:cNvPr id="22" name="Düz Bağlayıcı 21"/>
+          <p:cNvCxnSpPr/>
+          <p:nvPr/>
+        </p:nvCxnSpPr>
+        <p:spPr>
+          <a:xfrm>
+            <a:off x="1879813" y="2697320"/>
+            <a:ext cx="2721846" cy="0"/>
+          </a:xfrm>
+          <a:prstGeom prst="line">
+            <a:avLst/>
+          </a:prstGeom>
+          <a:ln w="12700">
+            <a:solidFill>
+              <a:schemeClr val="tx1"/>
+            </a:solidFill>
+          </a:ln>
+        </p:spPr>
+        <p:style>
+          <a:lnRef idx="1">
+            <a:schemeClr val="accent1"/>
+          </a:lnRef>
+          <a:fillRef idx="0">
+            <a:schemeClr val="accent1"/>
+          </a:fillRef>
+          <a:effectRef idx="0">
+            <a:schemeClr val="accent1"/>
+          </a:effectRef>
+          <a:fontRef idx="minor">
+            <a:schemeClr val="tx1"/>
+          </a:fontRef>
+        </p:style>
+      </p:cxnSp>
+      <p:cxnSp>
+        <p:nvCxnSpPr>
+          <p:cNvPr id="23" name="Düz Ok Bağlayıcısı 22"/>
+          <p:cNvCxnSpPr/>
+          <p:nvPr/>
+        </p:nvCxnSpPr>
+        <p:spPr>
+          <a:xfrm flipV="1">
+            <a:off x="2769618" y="2690997"/>
+            <a:ext cx="0" cy="522514"/>
+          </a:xfrm>
+          <a:prstGeom prst="straightConnector1">
+            <a:avLst/>
+          </a:prstGeom>
+          <a:ln w="12700">
+            <a:solidFill>
+              <a:schemeClr val="tx1"/>
+            </a:solidFill>
+            <a:headEnd type="triangle" w="med" len="med"/>
+            <a:tailEnd type="none" w="med" len="med"/>
+          </a:ln>
+        </p:spPr>
+        <p:style>
+          <a:lnRef idx="1">
+            <a:schemeClr val="accent1"/>
+          </a:lnRef>
+          <a:fillRef idx="0">
+            <a:schemeClr val="accent1"/>
+          </a:fillRef>
+          <a:effectRef idx="0">
+            <a:schemeClr val="accent1"/>
+          </a:effectRef>
+          <a:fontRef idx="minor">
+            <a:schemeClr val="tx1"/>
+          </a:fontRef>
+        </p:style>
+      </p:cxnSp>
+      <p:cxnSp>
+        <p:nvCxnSpPr>
+          <p:cNvPr id="25" name="Düz Ok Bağlayıcısı 24"/>
+          <p:cNvCxnSpPr/>
+          <p:nvPr/>
+        </p:nvCxnSpPr>
+        <p:spPr>
+          <a:xfrm flipV="1">
+            <a:off x="3666327" y="2690997"/>
+            <a:ext cx="0" cy="522514"/>
+          </a:xfrm>
+          <a:prstGeom prst="straightConnector1">
+            <a:avLst/>
+          </a:prstGeom>
+          <a:ln w="12700">
+            <a:solidFill>
+              <a:schemeClr val="tx1"/>
+            </a:solidFill>
+            <a:headEnd type="triangle" w="med" len="med"/>
+            <a:tailEnd type="none" w="med" len="med"/>
+          </a:ln>
+        </p:spPr>
+        <p:style>
+          <a:lnRef idx="1">
+            <a:schemeClr val="accent1"/>
+          </a:lnRef>
+          <a:fillRef idx="0">
+            <a:schemeClr val="accent1"/>
+          </a:fillRef>
+          <a:effectRef idx="0">
+            <a:schemeClr val="accent1"/>
+          </a:effectRef>
+          <a:fontRef idx="minor">
+            <a:schemeClr val="tx1"/>
+          </a:fontRef>
+        </p:style>
+      </p:cxnSp>
+      <p:cxnSp>
+        <p:nvCxnSpPr>
+          <p:cNvPr id="26" name="Düz Ok Bağlayıcısı 25"/>
+          <p:cNvCxnSpPr/>
+          <p:nvPr/>
+        </p:nvCxnSpPr>
+        <p:spPr>
+          <a:xfrm flipV="1">
+            <a:off x="4601659" y="2690997"/>
+            <a:ext cx="0" cy="522514"/>
+          </a:xfrm>
+          <a:prstGeom prst="straightConnector1">
+            <a:avLst/>
+          </a:prstGeom>
+          <a:ln w="12700">
+            <a:solidFill>
+              <a:schemeClr val="tx1"/>
+            </a:solidFill>
+            <a:headEnd type="triangle" w="med" len="med"/>
+            <a:tailEnd type="none" w="med" len="med"/>
+          </a:ln>
+        </p:spPr>
+        <p:style>
+          <a:lnRef idx="1">
+            <a:schemeClr val="accent1"/>
+          </a:lnRef>
+          <a:fillRef idx="0">
+            <a:schemeClr val="accent1"/>
+          </a:fillRef>
+          <a:effectRef idx="0">
+            <a:schemeClr val="accent1"/>
+          </a:effectRef>
+          <a:fontRef idx="minor">
+            <a:schemeClr val="tx1"/>
+          </a:fontRef>
+        </p:style>
+      </p:cxnSp>
+      <p:cxnSp>
+        <p:nvCxnSpPr>
+          <p:cNvPr id="27" name="Düz Ok Bağlayıcısı 26"/>
+          <p:cNvCxnSpPr/>
+          <p:nvPr/>
+        </p:nvCxnSpPr>
+        <p:spPr>
+          <a:xfrm flipV="1">
+            <a:off x="1879813" y="2690997"/>
+            <a:ext cx="0" cy="522514"/>
+          </a:xfrm>
+          <a:prstGeom prst="straightConnector1">
+            <a:avLst/>
+          </a:prstGeom>
+          <a:ln w="12700">
+            <a:solidFill>
+              <a:schemeClr val="tx1"/>
+            </a:solidFill>
+            <a:headEnd type="triangle" w="med" len="med"/>
+            <a:tailEnd type="none" w="med" len="med"/>
+          </a:ln>
+        </p:spPr>
+        <p:style>
+          <a:lnRef idx="1">
+            <a:schemeClr val="accent1"/>
+          </a:lnRef>
+          <a:fillRef idx="0">
+            <a:schemeClr val="accent1"/>
+          </a:fillRef>
+          <a:effectRef idx="0">
+            <a:schemeClr val="accent1"/>
+          </a:effectRef>
+          <a:fontRef idx="minor">
+            <a:schemeClr val="tx1"/>
+          </a:fontRef>
+        </p:style>
+      </p:cxnSp>
+      <p:cxnSp>
+        <p:nvCxnSpPr>
+          <p:cNvPr id="30" name="Düz Bağlayıcı 29"/>
+          <p:cNvCxnSpPr/>
+          <p:nvPr/>
+        </p:nvCxnSpPr>
+        <p:spPr>
+          <a:xfrm>
+            <a:off x="1596784" y="3744371"/>
+            <a:ext cx="566058" cy="0"/>
+          </a:xfrm>
+          <a:prstGeom prst="line">
+            <a:avLst/>
+          </a:prstGeom>
+          <a:ln w="12700">
+            <a:solidFill>
+              <a:schemeClr val="tx1"/>
+            </a:solidFill>
+          </a:ln>
+        </p:spPr>
+        <p:style>
+          <a:lnRef idx="1">
+            <a:schemeClr val="accent1"/>
+          </a:lnRef>
+          <a:fillRef idx="0">
+            <a:schemeClr val="accent1"/>
+          </a:fillRef>
+          <a:effectRef idx="0">
+            <a:schemeClr val="accent1"/>
+          </a:effectRef>
+          <a:fontRef idx="minor">
+            <a:schemeClr val="tx1"/>
+          </a:fontRef>
+        </p:style>
+      </p:cxnSp>
+      <p:cxnSp>
+        <p:nvCxnSpPr>
+          <p:cNvPr id="31" name="Düz Bağlayıcı 30"/>
+          <p:cNvCxnSpPr/>
+          <p:nvPr/>
+        </p:nvCxnSpPr>
+        <p:spPr>
+          <a:xfrm>
+            <a:off x="2486589" y="3744371"/>
+            <a:ext cx="566058" cy="0"/>
+          </a:xfrm>
+          <a:prstGeom prst="line">
+            <a:avLst/>
+          </a:prstGeom>
+          <a:ln w="12700">
+            <a:solidFill>
+              <a:schemeClr val="tx1"/>
+            </a:solidFill>
+          </a:ln>
+        </p:spPr>
+        <p:style>
+          <a:lnRef idx="1">
+            <a:schemeClr val="accent1"/>
+          </a:lnRef>
+          <a:fillRef idx="0">
+            <a:schemeClr val="accent1"/>
+          </a:fillRef>
+          <a:effectRef idx="0">
+            <a:schemeClr val="accent1"/>
+          </a:effectRef>
+          <a:fontRef idx="minor">
+            <a:schemeClr val="tx1"/>
+          </a:fontRef>
+        </p:style>
+      </p:cxnSp>
+      <p:cxnSp>
+        <p:nvCxnSpPr>
+          <p:cNvPr id="32" name="Düz Bağlayıcı 31"/>
+          <p:cNvCxnSpPr/>
+          <p:nvPr/>
+        </p:nvCxnSpPr>
+        <p:spPr>
+          <a:xfrm>
+            <a:off x="3388018" y="3741923"/>
+            <a:ext cx="566058" cy="0"/>
+          </a:xfrm>
+          <a:prstGeom prst="line">
+            <a:avLst/>
+          </a:prstGeom>
+          <a:ln w="12700">
+            <a:solidFill>
+              <a:schemeClr val="tx1"/>
+            </a:solidFill>
+          </a:ln>
+        </p:spPr>
+        <p:style>
+          <a:lnRef idx="1">
+            <a:schemeClr val="accent1"/>
+          </a:lnRef>
+          <a:fillRef idx="0">
+            <a:schemeClr val="accent1"/>
+          </a:fillRef>
+          <a:effectRef idx="0">
+            <a:schemeClr val="accent1"/>
+          </a:effectRef>
+          <a:fontRef idx="minor">
+            <a:schemeClr val="tx1"/>
+          </a:fontRef>
+        </p:style>
+      </p:cxnSp>
+      <p:cxnSp>
+        <p:nvCxnSpPr>
+          <p:cNvPr id="33" name="Düz Bağlayıcı 32"/>
+          <p:cNvCxnSpPr/>
+          <p:nvPr/>
+        </p:nvCxnSpPr>
+        <p:spPr>
+          <a:xfrm>
+            <a:off x="4318630" y="3741923"/>
+            <a:ext cx="566058" cy="0"/>
+          </a:xfrm>
+          <a:prstGeom prst="line">
+            <a:avLst/>
+          </a:prstGeom>
+          <a:ln w="12700">
+            <a:solidFill>
+              <a:schemeClr val="tx1"/>
+            </a:solidFill>
+          </a:ln>
+        </p:spPr>
+        <p:style>
+          <a:lnRef idx="1">
+            <a:schemeClr val="accent1"/>
+          </a:lnRef>
+          <a:fillRef idx="0">
+            <a:schemeClr val="accent1"/>
+          </a:fillRef>
+          <a:effectRef idx="0">
+            <a:schemeClr val="accent1"/>
+          </a:effectRef>
+          <a:fontRef idx="minor">
+            <a:schemeClr val="tx1"/>
+          </a:fontRef>
+        </p:style>
+      </p:cxnSp>
+      <p:cxnSp>
+        <p:nvCxnSpPr>
+          <p:cNvPr id="34" name="Düz Ok Bağlayıcısı 33"/>
+          <p:cNvCxnSpPr/>
+          <p:nvPr/>
+        </p:nvCxnSpPr>
+        <p:spPr>
+          <a:xfrm flipV="1">
+            <a:off x="2775118" y="3741923"/>
+            <a:ext cx="0" cy="522514"/>
+          </a:xfrm>
+          <a:prstGeom prst="straightConnector1">
+            <a:avLst/>
+          </a:prstGeom>
+          <a:ln w="12700">
+            <a:solidFill>
+              <a:schemeClr val="tx1"/>
+            </a:solidFill>
+            <a:headEnd type="triangle" w="med" len="med"/>
+            <a:tailEnd type="none" w="med" len="med"/>
+          </a:ln>
+        </p:spPr>
+        <p:style>
+          <a:lnRef idx="1">
+            <a:schemeClr val="accent1"/>
+          </a:lnRef>
+          <a:fillRef idx="0">
+            <a:schemeClr val="accent1"/>
+          </a:fillRef>
+          <a:effectRef idx="0">
+            <a:schemeClr val="accent1"/>
+          </a:effectRef>
+          <a:fontRef idx="minor">
+            <a:schemeClr val="tx1"/>
+          </a:fontRef>
+        </p:style>
+      </p:cxnSp>
+      <p:cxnSp>
+        <p:nvCxnSpPr>
+          <p:cNvPr id="35" name="Düz Ok Bağlayıcısı 34"/>
+          <p:cNvCxnSpPr/>
+          <p:nvPr/>
+        </p:nvCxnSpPr>
+        <p:spPr>
+          <a:xfrm flipV="1">
+            <a:off x="3671827" y="3741923"/>
+            <a:ext cx="0" cy="522514"/>
+          </a:xfrm>
+          <a:prstGeom prst="straightConnector1">
+            <a:avLst/>
+          </a:prstGeom>
+          <a:ln w="12700">
+            <a:solidFill>
+              <a:schemeClr val="tx1"/>
+            </a:solidFill>
+            <a:headEnd type="triangle" w="med" len="med"/>
+            <a:tailEnd type="none" w="med" len="med"/>
+          </a:ln>
+        </p:spPr>
+        <p:style>
+          <a:lnRef idx="1">
+            <a:schemeClr val="accent1"/>
+          </a:lnRef>
+          <a:fillRef idx="0">
+            <a:schemeClr val="accent1"/>
+          </a:fillRef>
+          <a:effectRef idx="0">
+            <a:schemeClr val="accent1"/>
+          </a:effectRef>
+          <a:fontRef idx="minor">
+            <a:schemeClr val="tx1"/>
+          </a:fontRef>
+        </p:style>
+      </p:cxnSp>
+      <p:cxnSp>
+        <p:nvCxnSpPr>
+          <p:cNvPr id="36" name="Düz Ok Bağlayıcısı 35"/>
+          <p:cNvCxnSpPr/>
+          <p:nvPr/>
+        </p:nvCxnSpPr>
+        <p:spPr>
+          <a:xfrm flipV="1">
+            <a:off x="4607159" y="3741923"/>
+            <a:ext cx="0" cy="522514"/>
+          </a:xfrm>
+          <a:prstGeom prst="straightConnector1">
+            <a:avLst/>
+          </a:prstGeom>
+          <a:ln w="12700">
+            <a:solidFill>
+              <a:schemeClr val="tx1"/>
+            </a:solidFill>
+            <a:headEnd type="triangle" w="med" len="med"/>
+            <a:tailEnd type="none" w="med" len="med"/>
+          </a:ln>
+        </p:spPr>
+        <p:style>
+          <a:lnRef idx="1">
+            <a:schemeClr val="accent1"/>
+          </a:lnRef>
+          <a:fillRef idx="0">
+            <a:schemeClr val="accent1"/>
+          </a:fillRef>
+          <a:effectRef idx="0">
+            <a:schemeClr val="accent1"/>
+          </a:effectRef>
+          <a:fontRef idx="minor">
+            <a:schemeClr val="tx1"/>
+          </a:fontRef>
+        </p:style>
+      </p:cxnSp>
+      <p:cxnSp>
+        <p:nvCxnSpPr>
+          <p:cNvPr id="37" name="Düz Ok Bağlayıcısı 36"/>
+          <p:cNvCxnSpPr/>
+          <p:nvPr/>
+        </p:nvCxnSpPr>
+        <p:spPr>
+          <a:xfrm flipV="1">
+            <a:off x="1885313" y="3741923"/>
+            <a:ext cx="0" cy="522514"/>
+          </a:xfrm>
+          <a:prstGeom prst="straightConnector1">
+            <a:avLst/>
+          </a:prstGeom>
+          <a:ln w="12700">
+            <a:solidFill>
+              <a:schemeClr val="tx1"/>
+            </a:solidFill>
+            <a:headEnd type="triangle" w="med" len="med"/>
+            <a:tailEnd type="none" w="med" len="med"/>
+          </a:ln>
+        </p:spPr>
+        <p:style>
+          <a:lnRef idx="1">
+            <a:schemeClr val="accent1"/>
+          </a:lnRef>
+          <a:fillRef idx="0">
+            <a:schemeClr val="accent1"/>
+          </a:fillRef>
+          <a:effectRef idx="0">
+            <a:schemeClr val="accent1"/>
+          </a:effectRef>
+          <a:fontRef idx="minor">
+            <a:schemeClr val="tx1"/>
+          </a:fontRef>
+        </p:style>
+      </p:cxnSp>
+      <p:cxnSp>
+        <p:nvCxnSpPr>
+          <p:cNvPr id="38" name="Düz Bağlayıcı 37"/>
+          <p:cNvCxnSpPr/>
+          <p:nvPr/>
+        </p:nvCxnSpPr>
+        <p:spPr>
+          <a:xfrm>
+            <a:off x="1879813" y="4271748"/>
+            <a:ext cx="2721846" cy="0"/>
+          </a:xfrm>
+          <a:prstGeom prst="line">
+            <a:avLst/>
+          </a:prstGeom>
+          <a:ln w="12700">
+            <a:solidFill>
+              <a:schemeClr val="tx1"/>
+            </a:solidFill>
+          </a:ln>
+        </p:spPr>
+        <p:style>
+          <a:lnRef idx="1">
+            <a:schemeClr val="accent1"/>
+          </a:lnRef>
+          <a:fillRef idx="0">
+            <a:schemeClr val="accent1"/>
+          </a:fillRef>
+          <a:effectRef idx="0">
+            <a:schemeClr val="accent1"/>
+          </a:effectRef>
+          <a:fontRef idx="minor">
+            <a:schemeClr val="tx1"/>
+          </a:fontRef>
+        </p:style>
+      </p:cxnSp>
+      <p:sp>
+        <p:nvSpPr>
+          <p:cNvPr id="39" name="TextBox 38"/>
+          <p:cNvSpPr txBox="1"/>
+          <p:nvPr/>
+        </p:nvSpPr>
+        <p:spPr>
+          <a:xfrm>
+            <a:off x="2747374" y="1918855"/>
+            <a:ext cx="986724" cy="261610"/>
+          </a:xfrm>
+          <a:prstGeom prst="rect">
+            <a:avLst/>
+          </a:prstGeom>
+          <a:noFill/>
+        </p:spPr>
+        <p:txBody>
+          <a:bodyPr wrap="square" rtlCol="0">
+            <a:spAutoFit/>
+          </a:bodyPr>
+          <a:lstStyle/>
+          <a:p>
+            <a:r>
+              <a:rPr lang="en-GB" sz="1050" dirty="0" smtClean="0">
+                <a:latin typeface="Times New Roman" panose="02020603050405020304" pitchFamily="18" charset="0"/>
+                <a:cs typeface="Times New Roman" panose="02020603050405020304" pitchFamily="18" charset="0"/>
+              </a:rPr>
+              <a:t>Initial Thread</a:t>
+            </a:r>
+            <a:endParaRPr lang="en-GB" sz="1050" dirty="0">
+              <a:latin typeface="Times New Roman" panose="02020603050405020304" pitchFamily="18" charset="0"/>
+              <a:cs typeface="Times New Roman" panose="02020603050405020304" pitchFamily="18" charset="0"/>
+            </a:endParaRPr>
+          </a:p>
+        </p:txBody>
+      </p:sp>
+      <p:sp>
+        <p:nvSpPr>
+          <p:cNvPr id="40" name="TextBox 39"/>
+          <p:cNvSpPr txBox="1"/>
+          <p:nvPr/>
+        </p:nvSpPr>
+        <p:spPr>
+          <a:xfrm>
+            <a:off x="542797" y="3616362"/>
+            <a:ext cx="1234446" cy="246221"/>
+          </a:xfrm>
+          <a:prstGeom prst="rect">
+            <a:avLst/>
+          </a:prstGeom>
+          <a:noFill/>
+        </p:spPr>
+        <p:txBody>
+          <a:bodyPr wrap="square" rtlCol="0">
+            <a:spAutoFit/>
+          </a:bodyPr>
+          <a:lstStyle/>
+          <a:p>
+            <a:r>
+              <a:rPr lang="en-GB" sz="1000" dirty="0" smtClean="0">
+                <a:latin typeface="Times New Roman" panose="02020603050405020304" pitchFamily="18" charset="0"/>
+                <a:cs typeface="Times New Roman" panose="02020603050405020304" pitchFamily="18" charset="0"/>
+              </a:rPr>
+              <a:t>Synchronization</a:t>
+            </a:r>
+          </a:p>
+        </p:txBody>
+      </p:sp>
+      <p:sp>
+        <p:nvSpPr>
+          <p:cNvPr id="42" name="TextBox 41"/>
+          <p:cNvSpPr txBox="1"/>
+          <p:nvPr/>
+        </p:nvSpPr>
+        <p:spPr>
+          <a:xfrm>
+            <a:off x="2725974" y="4784502"/>
+            <a:ext cx="986724" cy="261610"/>
+          </a:xfrm>
+          <a:prstGeom prst="rect">
+            <a:avLst/>
+          </a:prstGeom>
+          <a:noFill/>
+        </p:spPr>
+        <p:txBody>
+          <a:bodyPr wrap="square" rtlCol="0">
+            <a:spAutoFit/>
+          </a:bodyPr>
+          <a:lstStyle/>
+          <a:p>
+            <a:r>
+              <a:rPr lang="en-GB" sz="1050" dirty="0" smtClean="0">
+                <a:latin typeface="Times New Roman" panose="02020603050405020304" pitchFamily="18" charset="0"/>
+                <a:cs typeface="Times New Roman" panose="02020603050405020304" pitchFamily="18" charset="0"/>
+              </a:rPr>
+              <a:t>Initial Thread</a:t>
+            </a:r>
+            <a:endParaRPr lang="en-GB" sz="1050" dirty="0">
+              <a:latin typeface="Times New Roman" panose="02020603050405020304" pitchFamily="18" charset="0"/>
+              <a:cs typeface="Times New Roman" panose="02020603050405020304" pitchFamily="18" charset="0"/>
+            </a:endParaRPr>
+          </a:p>
+        </p:txBody>
+      </p:sp>
+      <p:sp>
+        <p:nvSpPr>
+          <p:cNvPr id="43" name="TextBox 42"/>
+          <p:cNvSpPr txBox="1"/>
+          <p:nvPr/>
+        </p:nvSpPr>
+        <p:spPr>
+          <a:xfrm>
+            <a:off x="850987" y="4133976"/>
+            <a:ext cx="1234446" cy="246221"/>
+          </a:xfrm>
+          <a:prstGeom prst="rect">
+            <a:avLst/>
+          </a:prstGeom>
+          <a:noFill/>
+        </p:spPr>
+        <p:txBody>
+          <a:bodyPr wrap="square" rtlCol="0">
+            <a:spAutoFit/>
+          </a:bodyPr>
+          <a:lstStyle/>
+          <a:p>
+            <a:r>
+              <a:rPr lang="en-GB" sz="1000" dirty="0" smtClean="0">
+                <a:latin typeface="Times New Roman" panose="02020603050405020304" pitchFamily="18" charset="0"/>
+                <a:cs typeface="Times New Roman" panose="02020603050405020304" pitchFamily="18" charset="0"/>
+              </a:rPr>
+              <a:t>Synchronization</a:t>
+            </a:r>
+          </a:p>
+        </p:txBody>
+      </p:sp>
+      <p:sp>
+        <p:nvSpPr>
+          <p:cNvPr id="44" name="TextBox 43"/>
+          <p:cNvSpPr txBox="1"/>
+          <p:nvPr/>
+        </p:nvSpPr>
+        <p:spPr>
+          <a:xfrm>
+            <a:off x="4850110" y="2804608"/>
+            <a:ext cx="1318500" cy="261610"/>
+          </a:xfrm>
+          <a:prstGeom prst="rect">
+            <a:avLst/>
+          </a:prstGeom>
+          <a:noFill/>
+        </p:spPr>
+        <p:txBody>
+          <a:bodyPr wrap="square" rtlCol="0">
+            <a:spAutoFit/>
+          </a:bodyPr>
+          <a:lstStyle/>
+          <a:p>
+            <a:r>
+              <a:rPr lang="en-GB" sz="1050" dirty="0" smtClean="0">
+                <a:latin typeface="Times New Roman" panose="02020603050405020304" pitchFamily="18" charset="0"/>
+                <a:cs typeface="Times New Roman" panose="02020603050405020304" pitchFamily="18" charset="0"/>
+              </a:rPr>
+              <a:t>Team of Threads</a:t>
+            </a:r>
+          </a:p>
+        </p:txBody>
+      </p:sp>
+      <p:sp>
+        <p:nvSpPr>
+          <p:cNvPr id="45" name="Right Brace 44"/>
+          <p:cNvSpPr/>
+          <p:nvPr/>
+        </p:nvSpPr>
+        <p:spPr>
+          <a:xfrm>
+            <a:off x="4774130" y="2685526"/>
+            <a:ext cx="56606" cy="499775"/>
+          </a:xfrm>
+          <a:prstGeom prst="rightBrace">
+            <a:avLst/>
+          </a:prstGeom>
+          <a:ln>
+            <a:solidFill>
+              <a:schemeClr val="tx1"/>
+            </a:solidFill>
+          </a:ln>
+        </p:spPr>
+        <p:style>
+          <a:lnRef idx="1">
+            <a:schemeClr val="accent1"/>
+          </a:lnRef>
+          <a:fillRef idx="0">
+            <a:schemeClr val="accent1"/>
+          </a:fillRef>
+          <a:effectRef idx="0">
+            <a:schemeClr val="accent1"/>
+          </a:effectRef>
+          <a:fontRef idx="minor">
+            <a:schemeClr val="tx1"/>
+          </a:fontRef>
+        </p:style>
+        <p:txBody>
+          <a:bodyPr rtlCol="0" anchor="ctr"/>
+          <a:lstStyle/>
+          <a:p>
+            <a:pPr algn="ctr"/>
+            <a:endParaRPr lang="en-GB"/>
+          </a:p>
+        </p:txBody>
+      </p:sp>
+      <p:sp>
+        <p:nvSpPr>
+          <p:cNvPr id="46" name="TextBox 45"/>
+          <p:cNvSpPr txBox="1"/>
+          <p:nvPr/>
+        </p:nvSpPr>
+        <p:spPr>
+          <a:xfrm>
+            <a:off x="5043815" y="3354752"/>
+            <a:ext cx="1318500" cy="261610"/>
+          </a:xfrm>
+          <a:prstGeom prst="rect">
+            <a:avLst/>
+          </a:prstGeom>
+          <a:noFill/>
+        </p:spPr>
+        <p:txBody>
+          <a:bodyPr wrap="square" rtlCol="0">
+            <a:spAutoFit/>
+          </a:bodyPr>
+          <a:lstStyle/>
+          <a:p>
+            <a:r>
+              <a:rPr lang="en-GB" sz="1050" dirty="0" smtClean="0">
+                <a:latin typeface="Times New Roman" panose="02020603050405020304" pitchFamily="18" charset="0"/>
+                <a:cs typeface="Times New Roman" panose="02020603050405020304" pitchFamily="18" charset="0"/>
+              </a:rPr>
+              <a:t>Team of Threads</a:t>
+            </a:r>
+          </a:p>
+        </p:txBody>
+      </p:sp>
+      <p:sp>
+        <p:nvSpPr>
+          <p:cNvPr id="47" name="Right Brace 46"/>
+          <p:cNvSpPr/>
+          <p:nvPr/>
+        </p:nvSpPr>
+        <p:spPr>
+          <a:xfrm>
+            <a:off x="4965430" y="3249763"/>
+            <a:ext cx="95964" cy="461806"/>
+          </a:xfrm>
+          <a:prstGeom prst="rightBrace">
+            <a:avLst/>
+          </a:prstGeom>
+          <a:ln>
+            <a:solidFill>
+              <a:schemeClr val="tx1"/>
+            </a:solidFill>
+          </a:ln>
+        </p:spPr>
+        <p:style>
+          <a:lnRef idx="1">
+            <a:schemeClr val="accent1"/>
+          </a:lnRef>
+          <a:fillRef idx="0">
+            <a:schemeClr val="accent1"/>
+          </a:fillRef>
+          <a:effectRef idx="0">
+            <a:schemeClr val="accent1"/>
+          </a:effectRef>
+          <a:fontRef idx="minor">
+            <a:schemeClr val="tx1"/>
+          </a:fontRef>
+        </p:style>
+        <p:txBody>
+          <a:bodyPr rtlCol="0" anchor="ctr"/>
+          <a:lstStyle/>
+          <a:p>
+            <a:pPr algn="ctr"/>
+            <a:endParaRPr lang="en-GB"/>
+          </a:p>
+        </p:txBody>
+      </p:sp>
+    </p:spTree>
+    <p:extLst>
+      <p:ext uri="{BB962C8B-B14F-4D97-AF65-F5344CB8AC3E}">
+        <p14:creationId xmlns:p14="http://schemas.microsoft.com/office/powerpoint/2010/main" val="2214381154"/>
+      </p:ext>
+    </p:extLst>
+  </p:cSld>
+  <p:clrMapOvr>
+    <a:masterClrMapping/>
+  </p:clrMapOvr>
+</p:sld>
+</file>
+
+<file path=ppt/slides/slide11.xml><?xml version="1.0" encoding="utf-8"?>
+<p:sld xmlns:a="http://schemas.openxmlformats.org/drawingml/2006/main" xmlns:r="http://schemas.openxmlformats.org/officeDocument/2006/relationships" xmlns:p="http://schemas.openxmlformats.org/presentationml/2006/main">
+  <p:cSld>
+    <p:spTree>
+      <p:nvGrpSpPr>
+        <p:cNvPr id="1" name=""/>
+        <p:cNvGrpSpPr/>
+        <p:nvPr/>
+      </p:nvGrpSpPr>
+      <p:grpSpPr>
+        <a:xfrm>
+          <a:off x="0" y="0"/>
+          <a:ext cx="0" cy="0"/>
+          <a:chOff x="0" y="0"/>
+          <a:chExt cx="0" cy="0"/>
+        </a:xfrm>
+      </p:grpSpPr>
+      <p:sp>
+        <p:nvSpPr>
+          <p:cNvPr id="198" name="Dikdörtgen 197"/>
+          <p:cNvSpPr/>
+          <p:nvPr/>
+        </p:nvSpPr>
+        <p:spPr>
+          <a:xfrm>
+            <a:off x="6796836" y="2062598"/>
+            <a:ext cx="311972" cy="311972"/>
+          </a:xfrm>
+          <a:prstGeom prst="rect">
+            <a:avLst/>
+          </a:prstGeom>
+          <a:noFill/>
+          <a:ln>
+            <a:solidFill>
+              <a:schemeClr val="bg1">
+                <a:lumMod val="75000"/>
+              </a:schemeClr>
+            </a:solidFill>
+          </a:ln>
+        </p:spPr>
+        <p:style>
+          <a:lnRef idx="2">
+            <a:schemeClr val="accent1">
+              <a:shade val="50000"/>
+            </a:schemeClr>
+          </a:lnRef>
+          <a:fillRef idx="1">
+            <a:schemeClr val="accent1"/>
+          </a:fillRef>
+          <a:effectRef idx="0">
+            <a:schemeClr val="accent1"/>
+          </a:effectRef>
+          <a:fontRef idx="minor">
+            <a:schemeClr val="lt1"/>
+          </a:fontRef>
+        </p:style>
+        <p:txBody>
+          <a:bodyPr rtlCol="0" anchor="ctr"/>
+          <a:lstStyle/>
+          <a:p>
+            <a:pPr algn="ctr"/>
+            <a:endParaRPr lang="tr-TR"/>
+          </a:p>
+        </p:txBody>
+      </p:sp>
+      <p:sp>
+        <p:nvSpPr>
+          <p:cNvPr id="200" name="Dikdörtgen 199"/>
+          <p:cNvSpPr/>
+          <p:nvPr/>
+        </p:nvSpPr>
+        <p:spPr>
+          <a:xfrm>
+            <a:off x="6796836" y="2686542"/>
+            <a:ext cx="311972" cy="311972"/>
+          </a:xfrm>
+          <a:prstGeom prst="rect">
+            <a:avLst/>
+          </a:prstGeom>
+          <a:noFill/>
+          <a:ln>
+            <a:solidFill>
+              <a:schemeClr val="bg1">
+                <a:lumMod val="75000"/>
+              </a:schemeClr>
+            </a:solidFill>
+          </a:ln>
+        </p:spPr>
+        <p:style>
+          <a:lnRef idx="2">
+            <a:schemeClr val="accent1">
+              <a:shade val="50000"/>
+            </a:schemeClr>
+          </a:lnRef>
+          <a:fillRef idx="1">
+            <a:schemeClr val="accent1"/>
+          </a:fillRef>
+          <a:effectRef idx="0">
+            <a:schemeClr val="accent1"/>
+          </a:effectRef>
+          <a:fontRef idx="minor">
+            <a:schemeClr val="lt1"/>
+          </a:fontRef>
+        </p:style>
+        <p:txBody>
+          <a:bodyPr rtlCol="0" anchor="ctr"/>
+          <a:lstStyle/>
+          <a:p>
+            <a:pPr algn="ctr"/>
+            <a:endParaRPr lang="tr-TR"/>
+          </a:p>
+        </p:txBody>
+      </p:sp>
+      <p:sp>
+        <p:nvSpPr>
+          <p:cNvPr id="196" name="Dikdörtgen 195"/>
+          <p:cNvSpPr/>
+          <p:nvPr/>
+        </p:nvSpPr>
+        <p:spPr>
+          <a:xfrm>
+            <a:off x="6796836" y="1438654"/>
+            <a:ext cx="311972" cy="311972"/>
+          </a:xfrm>
+          <a:prstGeom prst="rect">
+            <a:avLst/>
+          </a:prstGeom>
+          <a:noFill/>
+          <a:ln>
+            <a:solidFill>
+              <a:schemeClr val="bg1">
+                <a:lumMod val="75000"/>
+              </a:schemeClr>
+            </a:solidFill>
+          </a:ln>
+        </p:spPr>
+        <p:style>
+          <a:lnRef idx="2">
+            <a:schemeClr val="accent1">
+              <a:shade val="50000"/>
+            </a:schemeClr>
+          </a:lnRef>
+          <a:fillRef idx="1">
+            <a:schemeClr val="accent1"/>
+          </a:fillRef>
+          <a:effectRef idx="0">
+            <a:schemeClr val="accent1"/>
+          </a:effectRef>
+          <a:fontRef idx="minor">
+            <a:schemeClr val="lt1"/>
+          </a:fontRef>
+        </p:style>
+        <p:txBody>
+          <a:bodyPr rtlCol="0" anchor="ctr"/>
+          <a:lstStyle/>
+          <a:p>
+            <a:pPr algn="ctr"/>
+            <a:endParaRPr lang="tr-TR"/>
+          </a:p>
+        </p:txBody>
+      </p:sp>
+      <p:sp>
+        <p:nvSpPr>
+          <p:cNvPr id="194" name="Dikdörtgen 193"/>
+          <p:cNvSpPr/>
+          <p:nvPr/>
+        </p:nvSpPr>
+        <p:spPr>
+          <a:xfrm>
+            <a:off x="6796836" y="814710"/>
+            <a:ext cx="311972" cy="311972"/>
+          </a:xfrm>
+          <a:prstGeom prst="rect">
+            <a:avLst/>
+          </a:prstGeom>
+          <a:noFill/>
+          <a:ln>
+            <a:solidFill>
+              <a:schemeClr val="bg1">
+                <a:lumMod val="75000"/>
+              </a:schemeClr>
+            </a:solidFill>
+          </a:ln>
+        </p:spPr>
+        <p:style>
+          <a:lnRef idx="2">
+            <a:schemeClr val="accent1">
+              <a:shade val="50000"/>
+            </a:schemeClr>
+          </a:lnRef>
+          <a:fillRef idx="1">
+            <a:schemeClr val="accent1"/>
+          </a:fillRef>
+          <a:effectRef idx="0">
+            <a:schemeClr val="accent1"/>
+          </a:effectRef>
+          <a:fontRef idx="minor">
+            <a:schemeClr val="lt1"/>
+          </a:fontRef>
+        </p:style>
+        <p:txBody>
+          <a:bodyPr rtlCol="0" anchor="ctr"/>
+          <a:lstStyle/>
+          <a:p>
+            <a:pPr algn="ctr"/>
+            <a:endParaRPr lang="tr-TR"/>
+          </a:p>
+        </p:txBody>
+      </p:sp>
+      <p:sp>
+        <p:nvSpPr>
+          <p:cNvPr id="27" name="Dikdörtgen 26"/>
+          <p:cNvSpPr/>
+          <p:nvPr/>
+        </p:nvSpPr>
+        <p:spPr>
+          <a:xfrm>
+            <a:off x="3447909" y="507496"/>
+            <a:ext cx="311972" cy="311972"/>
+          </a:xfrm>
+          <a:prstGeom prst="rect">
+            <a:avLst/>
+          </a:prstGeom>
+          <a:noFill/>
+          <a:ln>
+            <a:solidFill>
+              <a:schemeClr val="bg1">
+                <a:lumMod val="65000"/>
+              </a:schemeClr>
+            </a:solidFill>
+          </a:ln>
+        </p:spPr>
+        <p:style>
+          <a:lnRef idx="2">
+            <a:schemeClr val="accent1">
+              <a:shade val="50000"/>
+            </a:schemeClr>
+          </a:lnRef>
+          <a:fillRef idx="1">
+            <a:schemeClr val="accent1"/>
+          </a:fillRef>
+          <a:effectRef idx="0">
+            <a:schemeClr val="accent1"/>
+          </a:effectRef>
+          <a:fontRef idx="minor">
+            <a:schemeClr val="lt1"/>
+          </a:fontRef>
+        </p:style>
+        <p:txBody>
+          <a:bodyPr rtlCol="0" anchor="ctr"/>
+          <a:lstStyle/>
+          <a:p>
+            <a:pPr algn="ctr"/>
+            <a:endParaRPr lang="tr-TR"/>
+          </a:p>
+        </p:txBody>
+      </p:sp>
+      <p:sp>
+        <p:nvSpPr>
+          <p:cNvPr id="28" name="Dikdörtgen 27"/>
+          <p:cNvSpPr/>
+          <p:nvPr/>
+        </p:nvSpPr>
+        <p:spPr>
+          <a:xfrm>
+            <a:off x="3447909" y="819468"/>
+            <a:ext cx="311972" cy="311972"/>
+          </a:xfrm>
+          <a:prstGeom prst="rect">
+            <a:avLst/>
+          </a:prstGeom>
+          <a:noFill/>
+          <a:ln>
+            <a:solidFill>
+              <a:schemeClr val="bg1">
+                <a:lumMod val="65000"/>
+              </a:schemeClr>
+            </a:solidFill>
+          </a:ln>
+        </p:spPr>
+        <p:style>
+          <a:lnRef idx="2">
+            <a:schemeClr val="accent1">
+              <a:shade val="50000"/>
+            </a:schemeClr>
+          </a:lnRef>
+          <a:fillRef idx="1">
+            <a:schemeClr val="accent1"/>
+          </a:fillRef>
+          <a:effectRef idx="0">
+            <a:schemeClr val="accent1"/>
+          </a:effectRef>
+          <a:fontRef idx="minor">
+            <a:schemeClr val="lt1"/>
+          </a:fontRef>
+        </p:style>
+        <p:txBody>
+          <a:bodyPr rtlCol="0" anchor="ctr"/>
+          <a:lstStyle/>
+          <a:p>
+            <a:pPr algn="ctr"/>
+            <a:endParaRPr lang="tr-TR"/>
+          </a:p>
+        </p:txBody>
+      </p:sp>
+      <p:sp>
+        <p:nvSpPr>
+          <p:cNvPr id="29" name="Dikdörtgen 28"/>
+          <p:cNvSpPr/>
+          <p:nvPr/>
+        </p:nvSpPr>
+        <p:spPr>
+          <a:xfrm>
+            <a:off x="3447909" y="1131440"/>
+            <a:ext cx="311972" cy="311972"/>
+          </a:xfrm>
+          <a:prstGeom prst="rect">
+            <a:avLst/>
+          </a:prstGeom>
+          <a:noFill/>
+          <a:ln>
+            <a:solidFill>
+              <a:schemeClr val="bg1">
+                <a:lumMod val="65000"/>
+              </a:schemeClr>
+            </a:solidFill>
+          </a:ln>
+        </p:spPr>
+        <p:style>
+          <a:lnRef idx="2">
+            <a:schemeClr val="accent1">
+              <a:shade val="50000"/>
+            </a:schemeClr>
+          </a:lnRef>
+          <a:fillRef idx="1">
+            <a:schemeClr val="accent1"/>
+          </a:fillRef>
+          <a:effectRef idx="0">
+            <a:schemeClr val="accent1"/>
+          </a:effectRef>
+          <a:fontRef idx="minor">
+            <a:schemeClr val="lt1"/>
+          </a:fontRef>
+        </p:style>
+        <p:txBody>
+          <a:bodyPr rtlCol="0" anchor="ctr"/>
+          <a:lstStyle/>
+          <a:p>
+            <a:pPr algn="ctr"/>
+            <a:endParaRPr lang="tr-TR"/>
+          </a:p>
+        </p:txBody>
+      </p:sp>
+      <p:sp>
+        <p:nvSpPr>
+          <p:cNvPr id="30" name="Dikdörtgen 29"/>
+          <p:cNvSpPr/>
+          <p:nvPr/>
+        </p:nvSpPr>
+        <p:spPr>
+          <a:xfrm>
+            <a:off x="3447909" y="1443412"/>
+            <a:ext cx="311972" cy="311972"/>
+          </a:xfrm>
+          <a:prstGeom prst="rect">
+            <a:avLst/>
+          </a:prstGeom>
+          <a:noFill/>
+          <a:ln>
+            <a:solidFill>
+              <a:schemeClr val="bg1">
+                <a:lumMod val="65000"/>
+              </a:schemeClr>
+            </a:solidFill>
+          </a:ln>
+        </p:spPr>
+        <p:style>
+          <a:lnRef idx="2">
+            <a:schemeClr val="accent1">
+              <a:shade val="50000"/>
+            </a:schemeClr>
+          </a:lnRef>
+          <a:fillRef idx="1">
+            <a:schemeClr val="accent1"/>
+          </a:fillRef>
+          <a:effectRef idx="0">
+            <a:schemeClr val="accent1"/>
+          </a:effectRef>
+          <a:fontRef idx="minor">
+            <a:schemeClr val="lt1"/>
+          </a:fontRef>
+        </p:style>
+        <p:txBody>
+          <a:bodyPr rtlCol="0" anchor="ctr"/>
+          <a:lstStyle/>
+          <a:p>
+            <a:pPr algn="ctr"/>
+            <a:endParaRPr lang="tr-TR"/>
+          </a:p>
+        </p:txBody>
+      </p:sp>
+      <p:sp>
+        <p:nvSpPr>
+          <p:cNvPr id="31" name="Dikdörtgen 30"/>
+          <p:cNvSpPr/>
+          <p:nvPr/>
+        </p:nvSpPr>
+        <p:spPr>
+          <a:xfrm>
+            <a:off x="3447909" y="1755384"/>
+            <a:ext cx="311972" cy="311972"/>
+          </a:xfrm>
+          <a:prstGeom prst="rect">
+            <a:avLst/>
+          </a:prstGeom>
+          <a:noFill/>
+          <a:ln>
+            <a:solidFill>
+              <a:schemeClr val="bg1">
+                <a:lumMod val="65000"/>
+              </a:schemeClr>
+            </a:solidFill>
+          </a:ln>
+        </p:spPr>
+        <p:style>
+          <a:lnRef idx="2">
+            <a:schemeClr val="accent1">
+              <a:shade val="50000"/>
+            </a:schemeClr>
+          </a:lnRef>
+          <a:fillRef idx="1">
+            <a:schemeClr val="accent1"/>
+          </a:fillRef>
+          <a:effectRef idx="0">
+            <a:schemeClr val="accent1"/>
+          </a:effectRef>
+          <a:fontRef idx="minor">
+            <a:schemeClr val="lt1"/>
+          </a:fontRef>
+        </p:style>
+        <p:txBody>
+          <a:bodyPr rtlCol="0" anchor="ctr"/>
+          <a:lstStyle/>
+          <a:p>
+            <a:pPr algn="ctr"/>
+            <a:endParaRPr lang="tr-TR"/>
+          </a:p>
+        </p:txBody>
+      </p:sp>
+      <p:sp>
+        <p:nvSpPr>
+          <p:cNvPr id="32" name="Dikdörtgen 31"/>
+          <p:cNvSpPr/>
+          <p:nvPr/>
+        </p:nvSpPr>
+        <p:spPr>
+          <a:xfrm>
+            <a:off x="3447909" y="2067356"/>
+            <a:ext cx="311972" cy="311972"/>
+          </a:xfrm>
+          <a:prstGeom prst="rect">
+            <a:avLst/>
+          </a:prstGeom>
+          <a:noFill/>
+          <a:ln>
+            <a:solidFill>
+              <a:schemeClr val="bg1">
+                <a:lumMod val="65000"/>
+              </a:schemeClr>
+            </a:solidFill>
+          </a:ln>
+        </p:spPr>
+        <p:style>
+          <a:lnRef idx="2">
+            <a:schemeClr val="accent1">
+              <a:shade val="50000"/>
+            </a:schemeClr>
+          </a:lnRef>
+          <a:fillRef idx="1">
+            <a:schemeClr val="accent1"/>
+          </a:fillRef>
+          <a:effectRef idx="0">
+            <a:schemeClr val="accent1"/>
+          </a:effectRef>
+          <a:fontRef idx="minor">
+            <a:schemeClr val="lt1"/>
+          </a:fontRef>
+        </p:style>
+        <p:txBody>
+          <a:bodyPr rtlCol="0" anchor="ctr"/>
+          <a:lstStyle/>
+          <a:p>
+            <a:pPr algn="ctr"/>
+            <a:endParaRPr lang="tr-TR"/>
+          </a:p>
+        </p:txBody>
+      </p:sp>
+      <p:sp>
+        <p:nvSpPr>
+          <p:cNvPr id="33" name="Dikdörtgen 32"/>
+          <p:cNvSpPr/>
+          <p:nvPr/>
+        </p:nvSpPr>
+        <p:spPr>
+          <a:xfrm>
+            <a:off x="3447909" y="2379328"/>
+            <a:ext cx="311972" cy="311972"/>
+          </a:xfrm>
+          <a:prstGeom prst="rect">
+            <a:avLst/>
+          </a:prstGeom>
+          <a:noFill/>
+          <a:ln>
+            <a:solidFill>
+              <a:schemeClr val="bg1">
+                <a:lumMod val="65000"/>
+              </a:schemeClr>
+            </a:solidFill>
+          </a:ln>
+        </p:spPr>
+        <p:style>
+          <a:lnRef idx="2">
+            <a:schemeClr val="accent1">
+              <a:shade val="50000"/>
+            </a:schemeClr>
+          </a:lnRef>
+          <a:fillRef idx="1">
+            <a:schemeClr val="accent1"/>
+          </a:fillRef>
+          <a:effectRef idx="0">
+            <a:schemeClr val="accent1"/>
+          </a:effectRef>
+          <a:fontRef idx="minor">
+            <a:schemeClr val="lt1"/>
+          </a:fontRef>
+        </p:style>
+        <p:txBody>
+          <a:bodyPr rtlCol="0" anchor="ctr"/>
+          <a:lstStyle/>
+          <a:p>
+            <a:pPr algn="ctr"/>
+            <a:endParaRPr lang="tr-TR"/>
+          </a:p>
+        </p:txBody>
+      </p:sp>
+      <p:sp>
+        <p:nvSpPr>
+          <p:cNvPr id="19" name="Dikdörtgen 18"/>
+          <p:cNvSpPr/>
+          <p:nvPr/>
+        </p:nvSpPr>
+        <p:spPr>
+          <a:xfrm>
+            <a:off x="2607019" y="507496"/>
+            <a:ext cx="311972" cy="311972"/>
+          </a:xfrm>
+          <a:prstGeom prst="rect">
+            <a:avLst/>
+          </a:prstGeom>
+          <a:noFill/>
+          <a:ln>
+            <a:solidFill>
+              <a:schemeClr val="bg1">
+                <a:lumMod val="65000"/>
+              </a:schemeClr>
+            </a:solidFill>
+          </a:ln>
+        </p:spPr>
+        <p:style>
+          <a:lnRef idx="2">
+            <a:schemeClr val="accent1">
+              <a:shade val="50000"/>
+            </a:schemeClr>
+          </a:lnRef>
+          <a:fillRef idx="1">
+            <a:schemeClr val="accent1"/>
+          </a:fillRef>
+          <a:effectRef idx="0">
+            <a:schemeClr val="accent1"/>
+          </a:effectRef>
+          <a:fontRef idx="minor">
+            <a:schemeClr val="lt1"/>
+          </a:fontRef>
+        </p:style>
+        <p:txBody>
+          <a:bodyPr rtlCol="0" anchor="ctr"/>
+          <a:lstStyle/>
+          <a:p>
+            <a:pPr algn="ctr"/>
+            <a:endParaRPr lang="tr-TR"/>
+          </a:p>
+        </p:txBody>
+      </p:sp>
+      <p:sp>
+        <p:nvSpPr>
+          <p:cNvPr id="20" name="Dikdörtgen 19"/>
+          <p:cNvSpPr/>
+          <p:nvPr/>
+        </p:nvSpPr>
+        <p:spPr>
+          <a:xfrm>
+            <a:off x="2607019" y="819468"/>
+            <a:ext cx="311972" cy="311972"/>
+          </a:xfrm>
+          <a:prstGeom prst="rect">
+            <a:avLst/>
+          </a:prstGeom>
+          <a:noFill/>
+          <a:ln>
+            <a:solidFill>
+              <a:schemeClr val="bg1">
+                <a:lumMod val="65000"/>
+              </a:schemeClr>
+            </a:solidFill>
+          </a:ln>
+        </p:spPr>
+        <p:style>
+          <a:lnRef idx="2">
+            <a:schemeClr val="accent1">
+              <a:shade val="50000"/>
+            </a:schemeClr>
+          </a:lnRef>
+          <a:fillRef idx="1">
+            <a:schemeClr val="accent1"/>
+          </a:fillRef>
+          <a:effectRef idx="0">
+            <a:schemeClr val="accent1"/>
+          </a:effectRef>
+          <a:fontRef idx="minor">
+            <a:schemeClr val="lt1"/>
+          </a:fontRef>
+        </p:style>
+        <p:txBody>
+          <a:bodyPr rtlCol="0" anchor="ctr"/>
+          <a:lstStyle/>
+          <a:p>
+            <a:pPr algn="ctr"/>
+            <a:endParaRPr lang="tr-TR"/>
+          </a:p>
+        </p:txBody>
+      </p:sp>
+      <p:sp>
+        <p:nvSpPr>
+          <p:cNvPr id="21" name="Dikdörtgen 20"/>
+          <p:cNvSpPr/>
+          <p:nvPr/>
+        </p:nvSpPr>
+        <p:spPr>
+          <a:xfrm>
+            <a:off x="2607019" y="1131440"/>
+            <a:ext cx="311972" cy="311972"/>
+          </a:xfrm>
+          <a:prstGeom prst="rect">
+            <a:avLst/>
+          </a:prstGeom>
+          <a:noFill/>
+          <a:ln>
+            <a:solidFill>
+              <a:schemeClr val="bg1">
+                <a:lumMod val="65000"/>
+              </a:schemeClr>
+            </a:solidFill>
+          </a:ln>
+        </p:spPr>
+        <p:style>
+          <a:lnRef idx="2">
+            <a:schemeClr val="accent1">
+              <a:shade val="50000"/>
+            </a:schemeClr>
+          </a:lnRef>
+          <a:fillRef idx="1">
+            <a:schemeClr val="accent1"/>
+          </a:fillRef>
+          <a:effectRef idx="0">
+            <a:schemeClr val="accent1"/>
+          </a:effectRef>
+          <a:fontRef idx="minor">
+            <a:schemeClr val="lt1"/>
+          </a:fontRef>
+        </p:style>
+        <p:txBody>
+          <a:bodyPr rtlCol="0" anchor="ctr"/>
+          <a:lstStyle/>
+          <a:p>
+            <a:pPr algn="ctr"/>
+            <a:endParaRPr lang="tr-TR"/>
+          </a:p>
+        </p:txBody>
+      </p:sp>
+      <p:sp>
+        <p:nvSpPr>
+          <p:cNvPr id="23" name="Dikdörtgen 22"/>
+          <p:cNvSpPr/>
+          <p:nvPr/>
+        </p:nvSpPr>
+        <p:spPr>
+          <a:xfrm>
+            <a:off x="2607019" y="1755384"/>
+            <a:ext cx="311972" cy="311972"/>
+          </a:xfrm>
+          <a:prstGeom prst="rect">
+            <a:avLst/>
+          </a:prstGeom>
+          <a:noFill/>
+          <a:ln>
+            <a:solidFill>
+              <a:schemeClr val="bg1">
+                <a:lumMod val="65000"/>
+              </a:schemeClr>
+            </a:solidFill>
+          </a:ln>
+        </p:spPr>
+        <p:style>
+          <a:lnRef idx="2">
+            <a:schemeClr val="accent1">
+              <a:shade val="50000"/>
+            </a:schemeClr>
+          </a:lnRef>
+          <a:fillRef idx="1">
+            <a:schemeClr val="accent1"/>
+          </a:fillRef>
+          <a:effectRef idx="0">
+            <a:schemeClr val="accent1"/>
+          </a:effectRef>
+          <a:fontRef idx="minor">
+            <a:schemeClr val="lt1"/>
+          </a:fontRef>
+        </p:style>
+        <p:txBody>
+          <a:bodyPr rtlCol="0" anchor="ctr"/>
+          <a:lstStyle/>
+          <a:p>
+            <a:pPr algn="ctr"/>
+            <a:endParaRPr lang="tr-TR"/>
+          </a:p>
+        </p:txBody>
+      </p:sp>
+      <p:sp>
+        <p:nvSpPr>
+          <p:cNvPr id="24" name="Dikdörtgen 23"/>
+          <p:cNvSpPr/>
+          <p:nvPr/>
+        </p:nvSpPr>
+        <p:spPr>
+          <a:xfrm>
+            <a:off x="2607019" y="2067356"/>
+            <a:ext cx="311972" cy="311972"/>
+          </a:xfrm>
+          <a:prstGeom prst="rect">
+            <a:avLst/>
+          </a:prstGeom>
+          <a:noFill/>
+          <a:ln>
+            <a:solidFill>
+              <a:schemeClr val="bg1">
+                <a:lumMod val="65000"/>
+              </a:schemeClr>
+            </a:solidFill>
+          </a:ln>
+        </p:spPr>
+        <p:style>
+          <a:lnRef idx="2">
+            <a:schemeClr val="accent1">
+              <a:shade val="50000"/>
+            </a:schemeClr>
+          </a:lnRef>
+          <a:fillRef idx="1">
+            <a:schemeClr val="accent1"/>
+          </a:fillRef>
+          <a:effectRef idx="0">
+            <a:schemeClr val="accent1"/>
+          </a:effectRef>
+          <a:fontRef idx="minor">
+            <a:schemeClr val="lt1"/>
+          </a:fontRef>
+        </p:style>
+        <p:txBody>
+          <a:bodyPr rtlCol="0" anchor="ctr"/>
+          <a:lstStyle/>
+          <a:p>
+            <a:pPr algn="ctr"/>
+            <a:endParaRPr lang="tr-TR"/>
+          </a:p>
+        </p:txBody>
+      </p:sp>
+      <p:sp>
+        <p:nvSpPr>
+          <p:cNvPr id="25" name="Dikdörtgen 24"/>
+          <p:cNvSpPr/>
+          <p:nvPr/>
+        </p:nvSpPr>
+        <p:spPr>
+          <a:xfrm>
+            <a:off x="2607019" y="2379328"/>
+            <a:ext cx="311972" cy="311972"/>
+          </a:xfrm>
+          <a:prstGeom prst="rect">
+            <a:avLst/>
+          </a:prstGeom>
+          <a:noFill/>
+          <a:ln>
+            <a:solidFill>
+              <a:schemeClr val="bg1">
+                <a:lumMod val="65000"/>
+              </a:schemeClr>
+            </a:solidFill>
+          </a:ln>
+        </p:spPr>
+        <p:style>
+          <a:lnRef idx="2">
+            <a:schemeClr val="accent1">
+              <a:shade val="50000"/>
+            </a:schemeClr>
+          </a:lnRef>
+          <a:fillRef idx="1">
+            <a:schemeClr val="accent1"/>
+          </a:fillRef>
+          <a:effectRef idx="0">
+            <a:schemeClr val="accent1"/>
+          </a:effectRef>
+          <a:fontRef idx="minor">
+            <a:schemeClr val="lt1"/>
+          </a:fontRef>
+        </p:style>
+        <p:txBody>
+          <a:bodyPr rtlCol="0" anchor="ctr"/>
+          <a:lstStyle/>
+          <a:p>
+            <a:pPr algn="ctr"/>
+            <a:endParaRPr lang="tr-TR"/>
+          </a:p>
+        </p:txBody>
+      </p:sp>
+      <p:sp>
+        <p:nvSpPr>
+          <p:cNvPr id="11" name="Dikdörtgen 10"/>
+          <p:cNvSpPr/>
+          <p:nvPr/>
+        </p:nvSpPr>
+        <p:spPr>
+          <a:xfrm>
+            <a:off x="1766129" y="507496"/>
+            <a:ext cx="311972" cy="311972"/>
+          </a:xfrm>
+          <a:prstGeom prst="rect">
+            <a:avLst/>
+          </a:prstGeom>
+          <a:noFill/>
+          <a:ln>
+            <a:solidFill>
+              <a:schemeClr val="bg1">
+                <a:lumMod val="65000"/>
+              </a:schemeClr>
+            </a:solidFill>
+          </a:ln>
+        </p:spPr>
+        <p:style>
+          <a:lnRef idx="2">
+            <a:schemeClr val="accent1">
+              <a:shade val="50000"/>
+            </a:schemeClr>
+          </a:lnRef>
+          <a:fillRef idx="1">
+            <a:schemeClr val="accent1"/>
+          </a:fillRef>
+          <a:effectRef idx="0">
+            <a:schemeClr val="accent1"/>
+          </a:effectRef>
+          <a:fontRef idx="minor">
+            <a:schemeClr val="lt1"/>
+          </a:fontRef>
+        </p:style>
+        <p:txBody>
+          <a:bodyPr rtlCol="0" anchor="ctr"/>
+          <a:lstStyle/>
+          <a:p>
+            <a:pPr algn="ctr"/>
+            <a:endParaRPr lang="tr-TR"/>
+          </a:p>
+        </p:txBody>
+      </p:sp>
+      <p:sp>
+        <p:nvSpPr>
+          <p:cNvPr id="13" name="Dikdörtgen 12"/>
+          <p:cNvSpPr/>
+          <p:nvPr/>
+        </p:nvSpPr>
+        <p:spPr>
+          <a:xfrm>
+            <a:off x="1766129" y="1131440"/>
+            <a:ext cx="311972" cy="311972"/>
+          </a:xfrm>
+          <a:prstGeom prst="rect">
+            <a:avLst/>
+          </a:prstGeom>
+          <a:noFill/>
+          <a:ln>
+            <a:solidFill>
+              <a:schemeClr val="bg1">
+                <a:lumMod val="65000"/>
+              </a:schemeClr>
+            </a:solidFill>
+          </a:ln>
+        </p:spPr>
+        <p:style>
+          <a:lnRef idx="2">
+            <a:schemeClr val="accent1">
+              <a:shade val="50000"/>
+            </a:schemeClr>
+          </a:lnRef>
+          <a:fillRef idx="1">
+            <a:schemeClr val="accent1"/>
+          </a:fillRef>
+          <a:effectRef idx="0">
+            <a:schemeClr val="accent1"/>
+          </a:effectRef>
+          <a:fontRef idx="minor">
+            <a:schemeClr val="lt1"/>
+          </a:fontRef>
+        </p:style>
+        <p:txBody>
+          <a:bodyPr rtlCol="0" anchor="ctr"/>
+          <a:lstStyle/>
+          <a:p>
+            <a:pPr algn="ctr"/>
+            <a:endParaRPr lang="tr-TR"/>
+          </a:p>
+        </p:txBody>
+      </p:sp>
+      <p:sp>
+        <p:nvSpPr>
+          <p:cNvPr id="15" name="Dikdörtgen 14"/>
+          <p:cNvSpPr/>
+          <p:nvPr/>
+        </p:nvSpPr>
+        <p:spPr>
+          <a:xfrm>
+            <a:off x="1766129" y="1755384"/>
+            <a:ext cx="311972" cy="311972"/>
+          </a:xfrm>
+          <a:prstGeom prst="rect">
+            <a:avLst/>
+          </a:prstGeom>
+          <a:noFill/>
+          <a:ln>
+            <a:solidFill>
+              <a:schemeClr val="bg1">
+                <a:lumMod val="65000"/>
+              </a:schemeClr>
+            </a:solidFill>
+          </a:ln>
+        </p:spPr>
+        <p:style>
+          <a:lnRef idx="2">
+            <a:schemeClr val="accent1">
+              <a:shade val="50000"/>
+            </a:schemeClr>
+          </a:lnRef>
+          <a:fillRef idx="1">
+            <a:schemeClr val="accent1"/>
+          </a:fillRef>
+          <a:effectRef idx="0">
+            <a:schemeClr val="accent1"/>
+          </a:effectRef>
+          <a:fontRef idx="minor">
+            <a:schemeClr val="lt1"/>
+          </a:fontRef>
+        </p:style>
+        <p:txBody>
+          <a:bodyPr rtlCol="0" anchor="ctr"/>
+          <a:lstStyle/>
+          <a:p>
+            <a:pPr algn="ctr"/>
+            <a:endParaRPr lang="tr-TR"/>
+          </a:p>
+        </p:txBody>
+      </p:sp>
+      <p:sp>
+        <p:nvSpPr>
+          <p:cNvPr id="17" name="Dikdörtgen 16"/>
+          <p:cNvSpPr/>
+          <p:nvPr/>
+        </p:nvSpPr>
+        <p:spPr>
+          <a:xfrm>
+            <a:off x="1766129" y="2379328"/>
+            <a:ext cx="311972" cy="311972"/>
+          </a:xfrm>
+          <a:prstGeom prst="rect">
+            <a:avLst/>
+          </a:prstGeom>
+          <a:noFill/>
+          <a:ln>
+            <a:solidFill>
+              <a:schemeClr val="bg1">
+                <a:lumMod val="65000"/>
+              </a:schemeClr>
+            </a:solidFill>
+          </a:ln>
+        </p:spPr>
+        <p:style>
+          <a:lnRef idx="2">
+            <a:schemeClr val="accent1">
+              <a:shade val="50000"/>
+            </a:schemeClr>
+          </a:lnRef>
+          <a:fillRef idx="1">
+            <a:schemeClr val="accent1"/>
+          </a:fillRef>
+          <a:effectRef idx="0">
+            <a:schemeClr val="accent1"/>
+          </a:effectRef>
+          <a:fontRef idx="minor">
+            <a:schemeClr val="lt1"/>
+          </a:fontRef>
+        </p:style>
+        <p:txBody>
+          <a:bodyPr rtlCol="0" anchor="ctr"/>
+          <a:lstStyle/>
+          <a:p>
+            <a:pPr algn="ctr"/>
+            <a:endParaRPr lang="tr-TR"/>
+          </a:p>
+        </p:txBody>
+      </p:sp>
+      <p:pic>
+        <p:nvPicPr>
+          <p:cNvPr id="2" name="Resim 1"/>
+          <p:cNvPicPr>
+            <a:picLocks noChangeAspect="1"/>
+          </p:cNvPicPr>
+          <p:nvPr/>
+        </p:nvPicPr>
+        <p:blipFill>
+          <a:blip r:embed="rId2">
+            <a:extLst>
+              <a:ext uri="{28A0092B-C50C-407E-A947-70E740481C1C}">
+                <a14:useLocalDpi xmlns:a14="http://schemas.microsoft.com/office/drawing/2010/main" val="0"/>
+              </a:ext>
+            </a:extLst>
+          </a:blip>
+          <a:stretch>
+            <a:fillRect/>
+          </a:stretch>
+        </p:blipFill>
+        <p:spPr>
+          <a:xfrm>
+            <a:off x="6535711" y="3949303"/>
+            <a:ext cx="5422190" cy="2908697"/>
+          </a:xfrm>
+          <a:prstGeom prst="rect">
+            <a:avLst/>
+          </a:prstGeom>
+        </p:spPr>
+      </p:pic>
+      <p:sp>
+        <p:nvSpPr>
+          <p:cNvPr id="3" name="Dikdörtgen 2"/>
+          <p:cNvSpPr/>
+          <p:nvPr/>
+        </p:nvSpPr>
+        <p:spPr>
+          <a:xfrm>
+            <a:off x="925239" y="507496"/>
+            <a:ext cx="311972" cy="311972"/>
+          </a:xfrm>
+          <a:prstGeom prst="rect">
+            <a:avLst/>
+          </a:prstGeom>
+          <a:noFill/>
+          <a:ln>
+            <a:solidFill>
+              <a:schemeClr val="tx1"/>
+            </a:solidFill>
+          </a:ln>
+        </p:spPr>
+        <p:style>
+          <a:lnRef idx="2">
+            <a:schemeClr val="accent1">
+              <a:shade val="50000"/>
+            </a:schemeClr>
+          </a:lnRef>
+          <a:fillRef idx="1">
+            <a:schemeClr val="accent1"/>
+          </a:fillRef>
+          <a:effectRef idx="0">
+            <a:schemeClr val="accent1"/>
+          </a:effectRef>
+          <a:fontRef idx="minor">
+            <a:schemeClr val="lt1"/>
+          </a:fontRef>
+        </p:style>
+        <p:txBody>
+          <a:bodyPr rtlCol="0" anchor="ctr"/>
+          <a:lstStyle/>
+          <a:p>
+            <a:pPr algn="ctr"/>
+            <a:endParaRPr lang="tr-TR"/>
+          </a:p>
+        </p:txBody>
+      </p:sp>
+      <p:sp>
+        <p:nvSpPr>
+          <p:cNvPr id="4" name="Dikdörtgen 3"/>
+          <p:cNvSpPr/>
+          <p:nvPr/>
+        </p:nvSpPr>
+        <p:spPr>
+          <a:xfrm>
+            <a:off x="925239" y="819468"/>
+            <a:ext cx="311972" cy="311972"/>
+          </a:xfrm>
+          <a:prstGeom prst="rect">
+            <a:avLst/>
+          </a:prstGeom>
+          <a:noFill/>
+          <a:ln>
+            <a:solidFill>
+              <a:schemeClr val="tx1"/>
+            </a:solidFill>
+          </a:ln>
+        </p:spPr>
+        <p:style>
+          <a:lnRef idx="2">
+            <a:schemeClr val="accent1">
+              <a:shade val="50000"/>
+            </a:schemeClr>
+          </a:lnRef>
+          <a:fillRef idx="1">
+            <a:schemeClr val="accent1"/>
+          </a:fillRef>
+          <a:effectRef idx="0">
+            <a:schemeClr val="accent1"/>
+          </a:effectRef>
+          <a:fontRef idx="minor">
+            <a:schemeClr val="lt1"/>
+          </a:fontRef>
+        </p:style>
+        <p:txBody>
+          <a:bodyPr rtlCol="0" anchor="ctr"/>
+          <a:lstStyle/>
+          <a:p>
+            <a:pPr algn="ctr"/>
+            <a:endParaRPr lang="tr-TR"/>
+          </a:p>
+        </p:txBody>
+      </p:sp>
+      <p:sp>
+        <p:nvSpPr>
+          <p:cNvPr id="5" name="Dikdörtgen 4"/>
+          <p:cNvSpPr/>
+          <p:nvPr/>
+        </p:nvSpPr>
+        <p:spPr>
+          <a:xfrm>
+            <a:off x="925239" y="1131440"/>
+            <a:ext cx="311972" cy="311972"/>
+          </a:xfrm>
+          <a:prstGeom prst="rect">
+            <a:avLst/>
+          </a:prstGeom>
+          <a:noFill/>
+          <a:ln>
+            <a:solidFill>
+              <a:schemeClr val="tx1"/>
+            </a:solidFill>
+          </a:ln>
+        </p:spPr>
+        <p:style>
+          <a:lnRef idx="2">
+            <a:schemeClr val="accent1">
+              <a:shade val="50000"/>
+            </a:schemeClr>
+          </a:lnRef>
+          <a:fillRef idx="1">
+            <a:schemeClr val="accent1"/>
+          </a:fillRef>
+          <a:effectRef idx="0">
+            <a:schemeClr val="accent1"/>
+          </a:effectRef>
+          <a:fontRef idx="minor">
+            <a:schemeClr val="lt1"/>
+          </a:fontRef>
+        </p:style>
+        <p:txBody>
+          <a:bodyPr rtlCol="0" anchor="ctr"/>
+          <a:lstStyle/>
+          <a:p>
+            <a:pPr algn="ctr"/>
+            <a:endParaRPr lang="tr-TR"/>
+          </a:p>
+        </p:txBody>
+      </p:sp>
+      <p:sp>
+        <p:nvSpPr>
+          <p:cNvPr id="6" name="Dikdörtgen 5"/>
+          <p:cNvSpPr/>
+          <p:nvPr/>
+        </p:nvSpPr>
+        <p:spPr>
+          <a:xfrm>
+            <a:off x="925239" y="1443412"/>
+            <a:ext cx="311972" cy="311972"/>
+          </a:xfrm>
+          <a:prstGeom prst="rect">
+            <a:avLst/>
+          </a:prstGeom>
+          <a:noFill/>
+          <a:ln>
+            <a:solidFill>
+              <a:schemeClr val="tx1"/>
+            </a:solidFill>
+          </a:ln>
+        </p:spPr>
+        <p:style>
+          <a:lnRef idx="2">
+            <a:schemeClr val="accent1">
+              <a:shade val="50000"/>
+            </a:schemeClr>
+          </a:lnRef>
+          <a:fillRef idx="1">
+            <a:schemeClr val="accent1"/>
+          </a:fillRef>
+          <a:effectRef idx="0">
+            <a:schemeClr val="accent1"/>
+          </a:effectRef>
+          <a:fontRef idx="minor">
+            <a:schemeClr val="lt1"/>
+          </a:fontRef>
+        </p:style>
+        <p:txBody>
+          <a:bodyPr rtlCol="0" anchor="ctr"/>
+          <a:lstStyle/>
+          <a:p>
+            <a:pPr algn="ctr"/>
+            <a:endParaRPr lang="tr-TR"/>
+          </a:p>
+        </p:txBody>
+      </p:sp>
+      <p:sp>
+        <p:nvSpPr>
+          <p:cNvPr id="7" name="Dikdörtgen 6"/>
+          <p:cNvSpPr/>
+          <p:nvPr/>
+        </p:nvSpPr>
+        <p:spPr>
+          <a:xfrm>
+            <a:off x="925239" y="1755384"/>
+            <a:ext cx="311972" cy="311972"/>
+          </a:xfrm>
+          <a:prstGeom prst="rect">
+            <a:avLst/>
+          </a:prstGeom>
+          <a:noFill/>
+          <a:ln>
+            <a:solidFill>
+              <a:schemeClr val="tx1"/>
+            </a:solidFill>
+          </a:ln>
+        </p:spPr>
+        <p:style>
+          <a:lnRef idx="2">
+            <a:schemeClr val="accent1">
+              <a:shade val="50000"/>
+            </a:schemeClr>
+          </a:lnRef>
+          <a:fillRef idx="1">
+            <a:schemeClr val="accent1"/>
+          </a:fillRef>
+          <a:effectRef idx="0">
+            <a:schemeClr val="accent1"/>
+          </a:effectRef>
+          <a:fontRef idx="minor">
+            <a:schemeClr val="lt1"/>
+          </a:fontRef>
+        </p:style>
+        <p:txBody>
+          <a:bodyPr rtlCol="0" anchor="ctr"/>
+          <a:lstStyle/>
+          <a:p>
+            <a:pPr algn="ctr"/>
+            <a:endParaRPr lang="tr-TR"/>
+          </a:p>
+        </p:txBody>
+      </p:sp>
+      <p:sp>
+        <p:nvSpPr>
+          <p:cNvPr id="8" name="Dikdörtgen 7"/>
+          <p:cNvSpPr/>
+          <p:nvPr/>
+        </p:nvSpPr>
+        <p:spPr>
+          <a:xfrm>
+            <a:off x="925239" y="2067356"/>
+            <a:ext cx="311972" cy="311972"/>
+          </a:xfrm>
+          <a:prstGeom prst="rect">
+            <a:avLst/>
+          </a:prstGeom>
+          <a:noFill/>
+          <a:ln>
+            <a:solidFill>
+              <a:schemeClr val="tx1"/>
+            </a:solidFill>
+          </a:ln>
+        </p:spPr>
+        <p:style>
+          <a:lnRef idx="2">
+            <a:schemeClr val="accent1">
+              <a:shade val="50000"/>
+            </a:schemeClr>
+          </a:lnRef>
+          <a:fillRef idx="1">
+            <a:schemeClr val="accent1"/>
+          </a:fillRef>
+          <a:effectRef idx="0">
+            <a:schemeClr val="accent1"/>
+          </a:effectRef>
+          <a:fontRef idx="minor">
+            <a:schemeClr val="lt1"/>
+          </a:fontRef>
+        </p:style>
+        <p:txBody>
+          <a:bodyPr rtlCol="0" anchor="ctr"/>
+          <a:lstStyle/>
+          <a:p>
+            <a:pPr algn="ctr"/>
+            <a:endParaRPr lang="tr-TR"/>
+          </a:p>
+        </p:txBody>
+      </p:sp>
+      <p:sp>
+        <p:nvSpPr>
+          <p:cNvPr id="9" name="Dikdörtgen 8"/>
+          <p:cNvSpPr/>
+          <p:nvPr/>
+        </p:nvSpPr>
+        <p:spPr>
+          <a:xfrm>
+            <a:off x="925239" y="2379328"/>
+            <a:ext cx="311972" cy="311972"/>
+          </a:xfrm>
+          <a:prstGeom prst="rect">
+            <a:avLst/>
+          </a:prstGeom>
+          <a:noFill/>
+          <a:ln>
+            <a:solidFill>
+              <a:schemeClr val="tx1"/>
+            </a:solidFill>
+          </a:ln>
+        </p:spPr>
+        <p:style>
+          <a:lnRef idx="2">
+            <a:schemeClr val="accent1">
+              <a:shade val="50000"/>
+            </a:schemeClr>
+          </a:lnRef>
+          <a:fillRef idx="1">
+            <a:schemeClr val="accent1"/>
+          </a:fillRef>
+          <a:effectRef idx="0">
+            <a:schemeClr val="accent1"/>
+          </a:effectRef>
+          <a:fontRef idx="minor">
+            <a:schemeClr val="lt1"/>
+          </a:fontRef>
+        </p:style>
+        <p:txBody>
+          <a:bodyPr rtlCol="0" anchor="ctr"/>
+          <a:lstStyle/>
+          <a:p>
+            <a:pPr algn="ctr"/>
+            <a:endParaRPr lang="tr-TR"/>
+          </a:p>
+        </p:txBody>
+      </p:sp>
+      <p:sp>
+        <p:nvSpPr>
+          <p:cNvPr id="10" name="Dikdörtgen 9"/>
+          <p:cNvSpPr/>
+          <p:nvPr/>
+        </p:nvSpPr>
+        <p:spPr>
+          <a:xfrm>
+            <a:off x="925239" y="2691300"/>
+            <a:ext cx="311972" cy="311972"/>
+          </a:xfrm>
+          <a:prstGeom prst="rect">
+            <a:avLst/>
+          </a:prstGeom>
+          <a:noFill/>
+          <a:ln>
+            <a:solidFill>
+              <a:schemeClr val="tx1"/>
+            </a:solidFill>
+          </a:ln>
+        </p:spPr>
+        <p:style>
+          <a:lnRef idx="2">
+            <a:schemeClr val="accent1">
+              <a:shade val="50000"/>
+            </a:schemeClr>
+          </a:lnRef>
+          <a:fillRef idx="1">
+            <a:schemeClr val="accent1"/>
+          </a:fillRef>
+          <a:effectRef idx="0">
+            <a:schemeClr val="accent1"/>
+          </a:effectRef>
+          <a:fontRef idx="minor">
+            <a:schemeClr val="lt1"/>
+          </a:fontRef>
+        </p:style>
+        <p:txBody>
+          <a:bodyPr rtlCol="0" anchor="ctr"/>
+          <a:lstStyle/>
+          <a:p>
+            <a:pPr algn="ctr"/>
+            <a:endParaRPr lang="tr-TR"/>
+          </a:p>
+        </p:txBody>
+      </p:sp>
+      <p:sp>
+        <p:nvSpPr>
+          <p:cNvPr id="12" name="Dikdörtgen 11"/>
+          <p:cNvSpPr/>
+          <p:nvPr/>
+        </p:nvSpPr>
+        <p:spPr>
+          <a:xfrm>
+            <a:off x="1766129" y="819468"/>
+            <a:ext cx="311972" cy="311972"/>
+          </a:xfrm>
+          <a:prstGeom prst="rect">
+            <a:avLst/>
+          </a:prstGeom>
+          <a:noFill/>
+          <a:ln>
+            <a:solidFill>
+              <a:schemeClr val="tx1"/>
+            </a:solidFill>
+          </a:ln>
+        </p:spPr>
+        <p:style>
+          <a:lnRef idx="2">
+            <a:schemeClr val="accent1">
+              <a:shade val="50000"/>
+            </a:schemeClr>
+          </a:lnRef>
+          <a:fillRef idx="1">
+            <a:schemeClr val="accent1"/>
+          </a:fillRef>
+          <a:effectRef idx="0">
+            <a:schemeClr val="accent1"/>
+          </a:effectRef>
+          <a:fontRef idx="minor">
+            <a:schemeClr val="lt1"/>
+          </a:fontRef>
+        </p:style>
+        <p:txBody>
+          <a:bodyPr rtlCol="0" anchor="ctr"/>
+          <a:lstStyle/>
+          <a:p>
+            <a:pPr algn="ctr"/>
+            <a:endParaRPr lang="tr-TR"/>
+          </a:p>
+        </p:txBody>
+      </p:sp>
+      <p:sp>
+        <p:nvSpPr>
+          <p:cNvPr id="14" name="Dikdörtgen 13"/>
+          <p:cNvSpPr/>
+          <p:nvPr/>
+        </p:nvSpPr>
+        <p:spPr>
+          <a:xfrm>
+            <a:off x="1766129" y="1443412"/>
+            <a:ext cx="311972" cy="311972"/>
+          </a:xfrm>
+          <a:prstGeom prst="rect">
+            <a:avLst/>
+          </a:prstGeom>
+          <a:noFill/>
+          <a:ln>
+            <a:solidFill>
+              <a:schemeClr val="tx1"/>
+            </a:solidFill>
+          </a:ln>
+        </p:spPr>
+        <p:style>
+          <a:lnRef idx="2">
+            <a:schemeClr val="accent1">
+              <a:shade val="50000"/>
+            </a:schemeClr>
+          </a:lnRef>
+          <a:fillRef idx="1">
+            <a:schemeClr val="accent1"/>
+          </a:fillRef>
+          <a:effectRef idx="0">
+            <a:schemeClr val="accent1"/>
+          </a:effectRef>
+          <a:fontRef idx="minor">
+            <a:schemeClr val="lt1"/>
+          </a:fontRef>
+        </p:style>
+        <p:txBody>
+          <a:bodyPr rtlCol="0" anchor="ctr"/>
+          <a:lstStyle/>
+          <a:p>
+            <a:pPr algn="ctr"/>
+            <a:endParaRPr lang="tr-TR"/>
+          </a:p>
+        </p:txBody>
+      </p:sp>
+      <p:sp>
+        <p:nvSpPr>
+          <p:cNvPr id="16" name="Dikdörtgen 15"/>
+          <p:cNvSpPr/>
+          <p:nvPr/>
+        </p:nvSpPr>
+        <p:spPr>
+          <a:xfrm>
+            <a:off x="1766129" y="2067356"/>
+            <a:ext cx="311972" cy="311972"/>
+          </a:xfrm>
+          <a:prstGeom prst="rect">
+            <a:avLst/>
+          </a:prstGeom>
+          <a:noFill/>
+          <a:ln>
+            <a:solidFill>
+              <a:schemeClr val="tx1"/>
+            </a:solidFill>
+          </a:ln>
+        </p:spPr>
+        <p:style>
+          <a:lnRef idx="2">
+            <a:schemeClr val="accent1">
+              <a:shade val="50000"/>
+            </a:schemeClr>
+          </a:lnRef>
+          <a:fillRef idx="1">
+            <a:schemeClr val="accent1"/>
+          </a:fillRef>
+          <a:effectRef idx="0">
+            <a:schemeClr val="accent1"/>
+          </a:effectRef>
+          <a:fontRef idx="minor">
+            <a:schemeClr val="lt1"/>
+          </a:fontRef>
+        </p:style>
+        <p:txBody>
+          <a:bodyPr rtlCol="0" anchor="ctr"/>
+          <a:lstStyle/>
+          <a:p>
+            <a:pPr algn="ctr"/>
+            <a:endParaRPr lang="tr-TR"/>
+          </a:p>
+        </p:txBody>
+      </p:sp>
+      <p:sp>
+        <p:nvSpPr>
+          <p:cNvPr id="18" name="Dikdörtgen 17"/>
+          <p:cNvSpPr/>
+          <p:nvPr/>
+        </p:nvSpPr>
+        <p:spPr>
+          <a:xfrm>
+            <a:off x="1766129" y="2691300"/>
+            <a:ext cx="311972" cy="311972"/>
+          </a:xfrm>
+          <a:prstGeom prst="rect">
+            <a:avLst/>
+          </a:prstGeom>
+          <a:noFill/>
+          <a:ln>
+            <a:solidFill>
+              <a:schemeClr val="tx1"/>
+            </a:solidFill>
+          </a:ln>
+        </p:spPr>
+        <p:style>
+          <a:lnRef idx="2">
+            <a:schemeClr val="accent1">
+              <a:shade val="50000"/>
+            </a:schemeClr>
+          </a:lnRef>
+          <a:fillRef idx="1">
+            <a:schemeClr val="accent1"/>
+          </a:fillRef>
+          <a:effectRef idx="0">
+            <a:schemeClr val="accent1"/>
+          </a:effectRef>
+          <a:fontRef idx="minor">
+            <a:schemeClr val="lt1"/>
+          </a:fontRef>
+        </p:style>
+        <p:txBody>
+          <a:bodyPr rtlCol="0" anchor="ctr"/>
+          <a:lstStyle/>
+          <a:p>
+            <a:pPr algn="ctr"/>
+            <a:endParaRPr lang="tr-TR"/>
+          </a:p>
+        </p:txBody>
+      </p:sp>
+      <p:sp>
+        <p:nvSpPr>
+          <p:cNvPr id="22" name="Dikdörtgen 21"/>
+          <p:cNvSpPr/>
+          <p:nvPr/>
+        </p:nvSpPr>
+        <p:spPr>
+          <a:xfrm>
+            <a:off x="2607019" y="1443412"/>
+            <a:ext cx="311972" cy="311972"/>
+          </a:xfrm>
+          <a:prstGeom prst="rect">
+            <a:avLst/>
+          </a:prstGeom>
+          <a:noFill/>
+          <a:ln>
+            <a:solidFill>
+              <a:schemeClr val="tx1"/>
+            </a:solidFill>
+          </a:ln>
+        </p:spPr>
+        <p:style>
+          <a:lnRef idx="2">
+            <a:schemeClr val="accent1">
+              <a:shade val="50000"/>
+            </a:schemeClr>
+          </a:lnRef>
+          <a:fillRef idx="1">
+            <a:schemeClr val="accent1"/>
+          </a:fillRef>
+          <a:effectRef idx="0">
+            <a:schemeClr val="accent1"/>
+          </a:effectRef>
+          <a:fontRef idx="minor">
+            <a:schemeClr val="lt1"/>
+          </a:fontRef>
+        </p:style>
+        <p:txBody>
+          <a:bodyPr rtlCol="0" anchor="ctr"/>
+          <a:lstStyle/>
+          <a:p>
+            <a:pPr algn="ctr"/>
+            <a:endParaRPr lang="tr-TR"/>
+          </a:p>
+        </p:txBody>
+      </p:sp>
+      <p:sp>
+        <p:nvSpPr>
+          <p:cNvPr id="26" name="Dikdörtgen 25"/>
+          <p:cNvSpPr/>
+          <p:nvPr/>
+        </p:nvSpPr>
+        <p:spPr>
+          <a:xfrm>
+            <a:off x="2607019" y="2691300"/>
+            <a:ext cx="311972" cy="311972"/>
+          </a:xfrm>
+          <a:prstGeom prst="rect">
+            <a:avLst/>
+          </a:prstGeom>
+          <a:noFill/>
+          <a:ln>
+            <a:solidFill>
+              <a:schemeClr val="tx1"/>
+            </a:solidFill>
+          </a:ln>
+        </p:spPr>
+        <p:style>
+          <a:lnRef idx="2">
+            <a:schemeClr val="accent1">
+              <a:shade val="50000"/>
+            </a:schemeClr>
+          </a:lnRef>
+          <a:fillRef idx="1">
+            <a:schemeClr val="accent1"/>
+          </a:fillRef>
+          <a:effectRef idx="0">
+            <a:schemeClr val="accent1"/>
+          </a:effectRef>
+          <a:fontRef idx="minor">
+            <a:schemeClr val="lt1"/>
+          </a:fontRef>
+        </p:style>
+        <p:txBody>
+          <a:bodyPr rtlCol="0" anchor="ctr"/>
+          <a:lstStyle/>
+          <a:p>
+            <a:pPr algn="ctr"/>
+            <a:endParaRPr lang="tr-TR"/>
+          </a:p>
+        </p:txBody>
+      </p:sp>
+      <p:sp>
+        <p:nvSpPr>
+          <p:cNvPr id="34" name="Dikdörtgen 33"/>
+          <p:cNvSpPr/>
+          <p:nvPr/>
+        </p:nvSpPr>
+        <p:spPr>
+          <a:xfrm>
+            <a:off x="3447909" y="2691300"/>
+            <a:ext cx="311972" cy="311972"/>
+          </a:xfrm>
+          <a:prstGeom prst="rect">
+            <a:avLst/>
+          </a:prstGeom>
+          <a:noFill/>
+          <a:ln>
+            <a:solidFill>
+              <a:schemeClr val="tx1"/>
+            </a:solidFill>
+          </a:ln>
+        </p:spPr>
+        <p:style>
+          <a:lnRef idx="2">
+            <a:schemeClr val="accent1">
+              <a:shade val="50000"/>
+            </a:schemeClr>
+          </a:lnRef>
+          <a:fillRef idx="1">
+            <a:schemeClr val="accent1"/>
+          </a:fillRef>
+          <a:effectRef idx="0">
+            <a:schemeClr val="accent1"/>
+          </a:effectRef>
+          <a:fontRef idx="minor">
+            <a:schemeClr val="lt1"/>
+          </a:fontRef>
+        </p:style>
+        <p:txBody>
+          <a:bodyPr rtlCol="0" anchor="ctr"/>
+          <a:lstStyle/>
+          <a:p>
+            <a:pPr algn="ctr"/>
+            <a:endParaRPr lang="tr-TR"/>
+          </a:p>
+        </p:txBody>
+      </p:sp>
+      <p:sp>
+        <p:nvSpPr>
+          <p:cNvPr id="36" name="Metin kutusu 35"/>
+          <p:cNvSpPr txBox="1"/>
+          <p:nvPr/>
+        </p:nvSpPr>
+        <p:spPr>
+          <a:xfrm>
+            <a:off x="952824" y="532677"/>
+            <a:ext cx="256802" cy="261610"/>
+          </a:xfrm>
+          <a:prstGeom prst="rect">
+            <a:avLst/>
+          </a:prstGeom>
+          <a:noFill/>
+        </p:spPr>
+        <p:txBody>
+          <a:bodyPr wrap="none" rtlCol="0">
+            <a:spAutoFit/>
+          </a:bodyPr>
+          <a:lstStyle/>
+          <a:p>
+            <a:r>
+              <a:rPr lang="tr-TR" sz="1100" dirty="0" smtClean="0"/>
+              <a:t>0</a:t>
+            </a:r>
+            <a:endParaRPr lang="tr-TR" sz="1100" dirty="0"/>
+          </a:p>
+        </p:txBody>
+      </p:sp>
+      <p:sp>
+        <p:nvSpPr>
+          <p:cNvPr id="37" name="Metin kutusu 36"/>
+          <p:cNvSpPr txBox="1"/>
+          <p:nvPr/>
+        </p:nvSpPr>
+        <p:spPr>
+          <a:xfrm>
+            <a:off x="952824" y="844649"/>
+            <a:ext cx="256802" cy="261610"/>
+          </a:xfrm>
+          <a:prstGeom prst="rect">
+            <a:avLst/>
+          </a:prstGeom>
+          <a:noFill/>
+        </p:spPr>
+        <p:txBody>
+          <a:bodyPr wrap="none" rtlCol="0">
+            <a:spAutoFit/>
+          </a:bodyPr>
+          <a:lstStyle/>
+          <a:p>
+            <a:r>
+              <a:rPr lang="tr-TR" sz="1100" dirty="0" smtClean="0"/>
+              <a:t>1</a:t>
+            </a:r>
+            <a:endParaRPr lang="tr-TR" sz="1100" dirty="0"/>
+          </a:p>
+        </p:txBody>
+      </p:sp>
+      <p:sp>
+        <p:nvSpPr>
+          <p:cNvPr id="38" name="Metin kutusu 37"/>
+          <p:cNvSpPr txBox="1"/>
+          <p:nvPr/>
+        </p:nvSpPr>
+        <p:spPr>
+          <a:xfrm>
+            <a:off x="952824" y="1156621"/>
+            <a:ext cx="256802" cy="261610"/>
+          </a:xfrm>
+          <a:prstGeom prst="rect">
+            <a:avLst/>
+          </a:prstGeom>
+          <a:noFill/>
+        </p:spPr>
+        <p:txBody>
+          <a:bodyPr wrap="none" rtlCol="0">
+            <a:spAutoFit/>
+          </a:bodyPr>
+          <a:lstStyle/>
+          <a:p>
+            <a:r>
+              <a:rPr lang="tr-TR" sz="1100" dirty="0" smtClean="0"/>
+              <a:t>2</a:t>
+            </a:r>
+            <a:endParaRPr lang="tr-TR" sz="1100" dirty="0"/>
+          </a:p>
+        </p:txBody>
+      </p:sp>
+      <p:sp>
+        <p:nvSpPr>
+          <p:cNvPr id="39" name="Metin kutusu 38"/>
+          <p:cNvSpPr txBox="1"/>
+          <p:nvPr/>
+        </p:nvSpPr>
+        <p:spPr>
+          <a:xfrm>
+            <a:off x="952824" y="1468593"/>
+            <a:ext cx="256802" cy="261610"/>
+          </a:xfrm>
+          <a:prstGeom prst="rect">
+            <a:avLst/>
+          </a:prstGeom>
+          <a:noFill/>
+        </p:spPr>
+        <p:txBody>
+          <a:bodyPr wrap="none" rtlCol="0">
+            <a:spAutoFit/>
+          </a:bodyPr>
+          <a:lstStyle/>
+          <a:p>
+            <a:r>
+              <a:rPr lang="tr-TR" sz="1100" dirty="0" smtClean="0"/>
+              <a:t>3</a:t>
+            </a:r>
+            <a:endParaRPr lang="tr-TR" sz="1100" dirty="0"/>
+          </a:p>
+        </p:txBody>
+      </p:sp>
+      <p:sp>
+        <p:nvSpPr>
+          <p:cNvPr id="40" name="Metin kutusu 39"/>
+          <p:cNvSpPr txBox="1"/>
+          <p:nvPr/>
+        </p:nvSpPr>
+        <p:spPr>
+          <a:xfrm>
+            <a:off x="952824" y="1780565"/>
+            <a:ext cx="256802" cy="261610"/>
+          </a:xfrm>
+          <a:prstGeom prst="rect">
+            <a:avLst/>
+          </a:prstGeom>
+          <a:noFill/>
+        </p:spPr>
+        <p:txBody>
+          <a:bodyPr wrap="none" rtlCol="0">
+            <a:spAutoFit/>
+          </a:bodyPr>
+          <a:lstStyle/>
+          <a:p>
+            <a:r>
+              <a:rPr lang="tr-TR" sz="1100" dirty="0" smtClean="0"/>
+              <a:t>4</a:t>
+            </a:r>
+            <a:endParaRPr lang="tr-TR" sz="1100" dirty="0"/>
+          </a:p>
+        </p:txBody>
+      </p:sp>
+      <p:sp>
+        <p:nvSpPr>
+          <p:cNvPr id="41" name="Metin kutusu 40"/>
+          <p:cNvSpPr txBox="1"/>
+          <p:nvPr/>
+        </p:nvSpPr>
+        <p:spPr>
+          <a:xfrm>
+            <a:off x="952824" y="2092537"/>
+            <a:ext cx="256802" cy="261610"/>
+          </a:xfrm>
+          <a:prstGeom prst="rect">
+            <a:avLst/>
+          </a:prstGeom>
+          <a:noFill/>
+        </p:spPr>
+        <p:txBody>
+          <a:bodyPr wrap="none" rtlCol="0">
+            <a:spAutoFit/>
+          </a:bodyPr>
+          <a:lstStyle/>
+          <a:p>
+            <a:r>
+              <a:rPr lang="tr-TR" sz="1100" dirty="0" smtClean="0"/>
+              <a:t>5</a:t>
+            </a:r>
+            <a:endParaRPr lang="tr-TR" sz="1100" dirty="0"/>
+          </a:p>
+        </p:txBody>
+      </p:sp>
+      <p:sp>
+        <p:nvSpPr>
+          <p:cNvPr id="42" name="Metin kutusu 41"/>
+          <p:cNvSpPr txBox="1"/>
+          <p:nvPr/>
+        </p:nvSpPr>
+        <p:spPr>
+          <a:xfrm>
+            <a:off x="952824" y="2404509"/>
+            <a:ext cx="256802" cy="261610"/>
+          </a:xfrm>
+          <a:prstGeom prst="rect">
+            <a:avLst/>
+          </a:prstGeom>
+          <a:noFill/>
+        </p:spPr>
+        <p:txBody>
+          <a:bodyPr wrap="none" rtlCol="0">
+            <a:spAutoFit/>
+          </a:bodyPr>
+          <a:lstStyle/>
+          <a:p>
+            <a:r>
+              <a:rPr lang="tr-TR" sz="1100" dirty="0" smtClean="0"/>
+              <a:t>6</a:t>
+            </a:r>
+            <a:endParaRPr lang="tr-TR" sz="1100" dirty="0"/>
+          </a:p>
+        </p:txBody>
+      </p:sp>
+      <p:sp>
+        <p:nvSpPr>
+          <p:cNvPr id="43" name="Metin kutusu 42"/>
+          <p:cNvSpPr txBox="1"/>
+          <p:nvPr/>
+        </p:nvSpPr>
+        <p:spPr>
+          <a:xfrm>
+            <a:off x="952824" y="2716481"/>
+            <a:ext cx="256802" cy="261610"/>
+          </a:xfrm>
+          <a:prstGeom prst="rect">
+            <a:avLst/>
+          </a:prstGeom>
+          <a:noFill/>
+        </p:spPr>
+        <p:txBody>
+          <a:bodyPr wrap="none" rtlCol="0">
+            <a:spAutoFit/>
+          </a:bodyPr>
+          <a:lstStyle/>
+          <a:p>
+            <a:r>
+              <a:rPr lang="tr-TR" sz="1100" dirty="0" smtClean="0"/>
+              <a:t>7</a:t>
+            </a:r>
+            <a:endParaRPr lang="tr-TR" sz="1100" dirty="0"/>
+          </a:p>
+        </p:txBody>
+      </p:sp>
+      <p:sp>
+        <p:nvSpPr>
+          <p:cNvPr id="44" name="Metin kutusu 43"/>
+          <p:cNvSpPr txBox="1"/>
+          <p:nvPr/>
+        </p:nvSpPr>
+        <p:spPr>
+          <a:xfrm>
+            <a:off x="1791053" y="531731"/>
+            <a:ext cx="256802" cy="261610"/>
+          </a:xfrm>
+          <a:prstGeom prst="rect">
+            <a:avLst/>
+          </a:prstGeom>
+          <a:noFill/>
+          <a:ln>
+            <a:noFill/>
+          </a:ln>
+        </p:spPr>
+        <p:txBody>
+          <a:bodyPr wrap="none" rtlCol="0">
+            <a:spAutoFit/>
+          </a:bodyPr>
+          <a:lstStyle/>
+          <a:p>
+            <a:r>
+              <a:rPr lang="tr-TR" sz="1100" dirty="0" smtClean="0">
+                <a:solidFill>
+                  <a:schemeClr val="bg1">
+                    <a:lumMod val="65000"/>
+                  </a:schemeClr>
+                </a:solidFill>
+              </a:rPr>
+              <a:t>0</a:t>
+            </a:r>
+            <a:endParaRPr lang="tr-TR" sz="1100" dirty="0">
+              <a:solidFill>
+                <a:schemeClr val="bg1">
+                  <a:lumMod val="65000"/>
+                </a:schemeClr>
+              </a:solidFill>
+            </a:endParaRPr>
+          </a:p>
+        </p:txBody>
+      </p:sp>
+      <p:sp>
+        <p:nvSpPr>
+          <p:cNvPr id="45" name="Metin kutusu 44"/>
+          <p:cNvSpPr txBox="1"/>
+          <p:nvPr/>
+        </p:nvSpPr>
+        <p:spPr>
+          <a:xfrm>
+            <a:off x="1791053" y="843703"/>
+            <a:ext cx="256802" cy="261610"/>
+          </a:xfrm>
+          <a:prstGeom prst="rect">
+            <a:avLst/>
+          </a:prstGeom>
+          <a:noFill/>
+        </p:spPr>
+        <p:txBody>
+          <a:bodyPr wrap="none" rtlCol="0">
+            <a:spAutoFit/>
+          </a:bodyPr>
+          <a:lstStyle/>
+          <a:p>
+            <a:r>
+              <a:rPr lang="tr-TR" sz="1100" dirty="0" smtClean="0"/>
+              <a:t>1</a:t>
+            </a:r>
+            <a:endParaRPr lang="tr-TR" sz="1100" dirty="0"/>
+          </a:p>
+        </p:txBody>
+      </p:sp>
+      <p:sp>
+        <p:nvSpPr>
+          <p:cNvPr id="46" name="Metin kutusu 45"/>
+          <p:cNvSpPr txBox="1"/>
+          <p:nvPr/>
+        </p:nvSpPr>
+        <p:spPr>
+          <a:xfrm>
+            <a:off x="1791053" y="1155675"/>
+            <a:ext cx="256802" cy="261610"/>
+          </a:xfrm>
+          <a:prstGeom prst="rect">
+            <a:avLst/>
+          </a:prstGeom>
+          <a:noFill/>
+          <a:ln>
+            <a:noFill/>
+          </a:ln>
+        </p:spPr>
+        <p:txBody>
+          <a:bodyPr wrap="none" rtlCol="0">
+            <a:spAutoFit/>
+          </a:bodyPr>
+          <a:lstStyle/>
+          <a:p>
+            <a:r>
+              <a:rPr lang="tr-TR" sz="1100" dirty="0" smtClean="0">
+                <a:solidFill>
+                  <a:schemeClr val="bg1">
+                    <a:lumMod val="65000"/>
+                  </a:schemeClr>
+                </a:solidFill>
+              </a:rPr>
+              <a:t>2</a:t>
+            </a:r>
+            <a:endParaRPr lang="tr-TR" sz="1100" dirty="0">
+              <a:solidFill>
+                <a:schemeClr val="bg1">
+                  <a:lumMod val="65000"/>
+                </a:schemeClr>
+              </a:solidFill>
+            </a:endParaRPr>
+          </a:p>
+        </p:txBody>
+      </p:sp>
+      <p:sp>
+        <p:nvSpPr>
+          <p:cNvPr id="47" name="Metin kutusu 46"/>
+          <p:cNvSpPr txBox="1"/>
+          <p:nvPr/>
+        </p:nvSpPr>
+        <p:spPr>
+          <a:xfrm>
+            <a:off x="1791053" y="1467647"/>
+            <a:ext cx="256802" cy="261610"/>
+          </a:xfrm>
+          <a:prstGeom prst="rect">
+            <a:avLst/>
+          </a:prstGeom>
+          <a:noFill/>
+        </p:spPr>
+        <p:txBody>
+          <a:bodyPr wrap="none" rtlCol="0">
+            <a:spAutoFit/>
+          </a:bodyPr>
+          <a:lstStyle/>
+          <a:p>
+            <a:r>
+              <a:rPr lang="tr-TR" sz="1100" dirty="0" smtClean="0"/>
+              <a:t>3</a:t>
+            </a:r>
+            <a:endParaRPr lang="tr-TR" sz="1100" dirty="0"/>
+          </a:p>
+        </p:txBody>
+      </p:sp>
+      <p:sp>
+        <p:nvSpPr>
+          <p:cNvPr id="48" name="Metin kutusu 47"/>
+          <p:cNvSpPr txBox="1"/>
+          <p:nvPr/>
+        </p:nvSpPr>
+        <p:spPr>
+          <a:xfrm>
+            <a:off x="1791053" y="1779619"/>
+            <a:ext cx="256802" cy="261610"/>
+          </a:xfrm>
+          <a:prstGeom prst="rect">
+            <a:avLst/>
+          </a:prstGeom>
+          <a:noFill/>
+          <a:ln>
+            <a:noFill/>
+          </a:ln>
+        </p:spPr>
+        <p:txBody>
+          <a:bodyPr wrap="none" rtlCol="0">
+            <a:spAutoFit/>
+          </a:bodyPr>
+          <a:lstStyle/>
+          <a:p>
+            <a:r>
+              <a:rPr lang="tr-TR" sz="1100" dirty="0" smtClean="0">
+                <a:solidFill>
+                  <a:schemeClr val="bg1">
+                    <a:lumMod val="65000"/>
+                  </a:schemeClr>
+                </a:solidFill>
+              </a:rPr>
+              <a:t>4</a:t>
+            </a:r>
+            <a:endParaRPr lang="tr-TR" sz="1100" dirty="0">
+              <a:solidFill>
+                <a:schemeClr val="bg1">
+                  <a:lumMod val="65000"/>
+                </a:schemeClr>
+              </a:solidFill>
+            </a:endParaRPr>
+          </a:p>
+        </p:txBody>
+      </p:sp>
+      <p:sp>
+        <p:nvSpPr>
+          <p:cNvPr id="49" name="Metin kutusu 48"/>
+          <p:cNvSpPr txBox="1"/>
+          <p:nvPr/>
+        </p:nvSpPr>
+        <p:spPr>
+          <a:xfrm>
+            <a:off x="1791053" y="2091591"/>
+            <a:ext cx="256802" cy="261610"/>
+          </a:xfrm>
+          <a:prstGeom prst="rect">
+            <a:avLst/>
+          </a:prstGeom>
+          <a:noFill/>
+        </p:spPr>
+        <p:txBody>
+          <a:bodyPr wrap="none" rtlCol="0">
+            <a:spAutoFit/>
+          </a:bodyPr>
+          <a:lstStyle/>
+          <a:p>
+            <a:r>
+              <a:rPr lang="tr-TR" sz="1100" dirty="0" smtClean="0"/>
+              <a:t>5</a:t>
+            </a:r>
+            <a:endParaRPr lang="tr-TR" sz="1100" dirty="0"/>
+          </a:p>
+        </p:txBody>
+      </p:sp>
+      <p:sp>
+        <p:nvSpPr>
+          <p:cNvPr id="50" name="Metin kutusu 49"/>
+          <p:cNvSpPr txBox="1"/>
+          <p:nvPr/>
+        </p:nvSpPr>
+        <p:spPr>
+          <a:xfrm>
+            <a:off x="1791053" y="2403563"/>
+            <a:ext cx="256802" cy="261610"/>
+          </a:xfrm>
+          <a:prstGeom prst="rect">
+            <a:avLst/>
+          </a:prstGeom>
+          <a:noFill/>
+          <a:ln>
+            <a:noFill/>
+          </a:ln>
+        </p:spPr>
+        <p:txBody>
+          <a:bodyPr wrap="none" rtlCol="0">
+            <a:spAutoFit/>
+          </a:bodyPr>
+          <a:lstStyle/>
+          <a:p>
+            <a:r>
+              <a:rPr lang="tr-TR" sz="1100" dirty="0" smtClean="0">
+                <a:solidFill>
+                  <a:schemeClr val="bg1">
+                    <a:lumMod val="65000"/>
+                  </a:schemeClr>
+                </a:solidFill>
+              </a:rPr>
+              <a:t>6</a:t>
+            </a:r>
+            <a:endParaRPr lang="tr-TR" sz="1100" dirty="0">
+              <a:solidFill>
+                <a:schemeClr val="bg1">
+                  <a:lumMod val="65000"/>
+                </a:schemeClr>
+              </a:solidFill>
+            </a:endParaRPr>
+          </a:p>
+        </p:txBody>
+      </p:sp>
+      <p:sp>
+        <p:nvSpPr>
+          <p:cNvPr id="51" name="Metin kutusu 50"/>
+          <p:cNvSpPr txBox="1"/>
+          <p:nvPr/>
+        </p:nvSpPr>
+        <p:spPr>
+          <a:xfrm>
+            <a:off x="1791053" y="2715535"/>
+            <a:ext cx="256802" cy="261610"/>
+          </a:xfrm>
+          <a:prstGeom prst="rect">
+            <a:avLst/>
+          </a:prstGeom>
+          <a:noFill/>
+        </p:spPr>
+        <p:txBody>
+          <a:bodyPr wrap="none" rtlCol="0">
+            <a:spAutoFit/>
+          </a:bodyPr>
+          <a:lstStyle/>
+          <a:p>
+            <a:r>
+              <a:rPr lang="tr-TR" sz="1100" dirty="0" smtClean="0"/>
+              <a:t>7</a:t>
+            </a:r>
+            <a:endParaRPr lang="tr-TR" sz="1100" dirty="0"/>
+          </a:p>
+        </p:txBody>
+      </p:sp>
+      <p:sp>
+        <p:nvSpPr>
+          <p:cNvPr id="52" name="Metin kutusu 51"/>
+          <p:cNvSpPr txBox="1"/>
+          <p:nvPr/>
+        </p:nvSpPr>
+        <p:spPr>
+          <a:xfrm>
+            <a:off x="2632429" y="531731"/>
+            <a:ext cx="256802" cy="261610"/>
+          </a:xfrm>
+          <a:prstGeom prst="rect">
+            <a:avLst/>
+          </a:prstGeom>
+          <a:noFill/>
+          <a:ln>
+            <a:noFill/>
+          </a:ln>
+        </p:spPr>
+        <p:txBody>
+          <a:bodyPr wrap="none" rtlCol="0">
+            <a:spAutoFit/>
+          </a:bodyPr>
+          <a:lstStyle/>
+          <a:p>
+            <a:r>
+              <a:rPr lang="tr-TR" sz="1100" dirty="0" smtClean="0">
+                <a:solidFill>
+                  <a:schemeClr val="bg1">
+                    <a:lumMod val="65000"/>
+                  </a:schemeClr>
+                </a:solidFill>
+              </a:rPr>
+              <a:t>0</a:t>
+            </a:r>
+            <a:endParaRPr lang="tr-TR" sz="1100" dirty="0">
+              <a:solidFill>
+                <a:schemeClr val="bg1">
+                  <a:lumMod val="65000"/>
+                </a:schemeClr>
+              </a:solidFill>
+            </a:endParaRPr>
+          </a:p>
+        </p:txBody>
+      </p:sp>
+      <p:sp>
+        <p:nvSpPr>
+          <p:cNvPr id="53" name="Metin kutusu 52"/>
+          <p:cNvSpPr txBox="1"/>
+          <p:nvPr/>
+        </p:nvSpPr>
+        <p:spPr>
+          <a:xfrm>
+            <a:off x="2632429" y="843703"/>
+            <a:ext cx="256802" cy="261610"/>
+          </a:xfrm>
+          <a:prstGeom prst="rect">
+            <a:avLst/>
+          </a:prstGeom>
+          <a:noFill/>
+          <a:ln>
+            <a:noFill/>
+          </a:ln>
+        </p:spPr>
+        <p:txBody>
+          <a:bodyPr wrap="none" rtlCol="0">
+            <a:spAutoFit/>
+          </a:bodyPr>
+          <a:lstStyle/>
+          <a:p>
+            <a:r>
+              <a:rPr lang="tr-TR" sz="1100" dirty="0" smtClean="0">
+                <a:solidFill>
+                  <a:schemeClr val="bg1">
+                    <a:lumMod val="65000"/>
+                  </a:schemeClr>
+                </a:solidFill>
+              </a:rPr>
+              <a:t>1</a:t>
+            </a:r>
+            <a:endParaRPr lang="tr-TR" sz="1100" dirty="0">
+              <a:solidFill>
+                <a:schemeClr val="bg1">
+                  <a:lumMod val="65000"/>
+                </a:schemeClr>
+              </a:solidFill>
+            </a:endParaRPr>
+          </a:p>
+        </p:txBody>
+      </p:sp>
+      <p:sp>
+        <p:nvSpPr>
+          <p:cNvPr id="54" name="Metin kutusu 53"/>
+          <p:cNvSpPr txBox="1"/>
+          <p:nvPr/>
+        </p:nvSpPr>
+        <p:spPr>
+          <a:xfrm>
+            <a:off x="2632429" y="1155675"/>
+            <a:ext cx="256802" cy="261610"/>
+          </a:xfrm>
+          <a:prstGeom prst="rect">
+            <a:avLst/>
+          </a:prstGeom>
+          <a:noFill/>
+          <a:ln>
+            <a:noFill/>
+          </a:ln>
+        </p:spPr>
+        <p:txBody>
+          <a:bodyPr wrap="none" rtlCol="0">
+            <a:spAutoFit/>
+          </a:bodyPr>
+          <a:lstStyle/>
+          <a:p>
+            <a:r>
+              <a:rPr lang="tr-TR" sz="1100" dirty="0" smtClean="0">
+                <a:solidFill>
+                  <a:schemeClr val="bg1">
+                    <a:lumMod val="65000"/>
+                  </a:schemeClr>
+                </a:solidFill>
+              </a:rPr>
+              <a:t>2</a:t>
+            </a:r>
+            <a:endParaRPr lang="tr-TR" sz="1100" dirty="0">
+              <a:solidFill>
+                <a:schemeClr val="bg1">
+                  <a:lumMod val="65000"/>
+                </a:schemeClr>
+              </a:solidFill>
+            </a:endParaRPr>
+          </a:p>
+        </p:txBody>
+      </p:sp>
+      <p:sp>
+        <p:nvSpPr>
+          <p:cNvPr id="55" name="Metin kutusu 54"/>
+          <p:cNvSpPr txBox="1"/>
+          <p:nvPr/>
+        </p:nvSpPr>
+        <p:spPr>
+          <a:xfrm>
+            <a:off x="2632429" y="1467647"/>
+            <a:ext cx="256802" cy="261610"/>
+          </a:xfrm>
+          <a:prstGeom prst="rect">
+            <a:avLst/>
+          </a:prstGeom>
+          <a:noFill/>
+        </p:spPr>
+        <p:txBody>
+          <a:bodyPr wrap="none" rtlCol="0">
+            <a:spAutoFit/>
+          </a:bodyPr>
+          <a:lstStyle/>
+          <a:p>
+            <a:r>
+              <a:rPr lang="tr-TR" sz="1100" dirty="0" smtClean="0"/>
+              <a:t>3</a:t>
+            </a:r>
+            <a:endParaRPr lang="tr-TR" sz="1100" dirty="0"/>
+          </a:p>
+        </p:txBody>
+      </p:sp>
+      <p:sp>
+        <p:nvSpPr>
+          <p:cNvPr id="56" name="Metin kutusu 55"/>
+          <p:cNvSpPr txBox="1"/>
+          <p:nvPr/>
+        </p:nvSpPr>
+        <p:spPr>
+          <a:xfrm>
+            <a:off x="2632429" y="1779619"/>
+            <a:ext cx="256802" cy="261610"/>
+          </a:xfrm>
+          <a:prstGeom prst="rect">
+            <a:avLst/>
+          </a:prstGeom>
+          <a:noFill/>
+          <a:ln>
+            <a:noFill/>
+          </a:ln>
+        </p:spPr>
+        <p:txBody>
+          <a:bodyPr wrap="none" rtlCol="0">
+            <a:spAutoFit/>
+          </a:bodyPr>
+          <a:lstStyle/>
+          <a:p>
+            <a:r>
+              <a:rPr lang="tr-TR" sz="1100" dirty="0" smtClean="0">
+                <a:solidFill>
+                  <a:schemeClr val="bg1">
+                    <a:lumMod val="65000"/>
+                  </a:schemeClr>
+                </a:solidFill>
+              </a:rPr>
+              <a:t>4</a:t>
+            </a:r>
+            <a:endParaRPr lang="tr-TR" sz="1100" dirty="0">
+              <a:solidFill>
+                <a:schemeClr val="bg1">
+                  <a:lumMod val="65000"/>
+                </a:schemeClr>
+              </a:solidFill>
+            </a:endParaRPr>
+          </a:p>
+        </p:txBody>
+      </p:sp>
+      <p:sp>
+        <p:nvSpPr>
+          <p:cNvPr id="57" name="Metin kutusu 56"/>
+          <p:cNvSpPr txBox="1"/>
+          <p:nvPr/>
+        </p:nvSpPr>
+        <p:spPr>
+          <a:xfrm>
+            <a:off x="2632429" y="2091591"/>
+            <a:ext cx="256802" cy="261610"/>
+          </a:xfrm>
+          <a:prstGeom prst="rect">
+            <a:avLst/>
+          </a:prstGeom>
+          <a:noFill/>
+          <a:ln>
+            <a:noFill/>
+          </a:ln>
+        </p:spPr>
+        <p:txBody>
+          <a:bodyPr wrap="none" rtlCol="0">
+            <a:spAutoFit/>
+          </a:bodyPr>
+          <a:lstStyle/>
+          <a:p>
+            <a:r>
+              <a:rPr lang="tr-TR" sz="1100" dirty="0" smtClean="0">
+                <a:solidFill>
+                  <a:schemeClr val="bg1">
+                    <a:lumMod val="65000"/>
+                  </a:schemeClr>
+                </a:solidFill>
+              </a:rPr>
+              <a:t>5</a:t>
+            </a:r>
+            <a:endParaRPr lang="tr-TR" sz="1100" dirty="0">
+              <a:solidFill>
+                <a:schemeClr val="bg1">
+                  <a:lumMod val="65000"/>
+                </a:schemeClr>
+              </a:solidFill>
+            </a:endParaRPr>
+          </a:p>
+        </p:txBody>
+      </p:sp>
+      <p:sp>
+        <p:nvSpPr>
+          <p:cNvPr id="58" name="Metin kutusu 57"/>
+          <p:cNvSpPr txBox="1"/>
+          <p:nvPr/>
+        </p:nvSpPr>
+        <p:spPr>
+          <a:xfrm>
+            <a:off x="2632429" y="2403563"/>
+            <a:ext cx="256802" cy="261610"/>
+          </a:xfrm>
+          <a:prstGeom prst="rect">
+            <a:avLst/>
+          </a:prstGeom>
+          <a:noFill/>
+          <a:ln>
+            <a:noFill/>
+          </a:ln>
+        </p:spPr>
+        <p:txBody>
+          <a:bodyPr wrap="none" rtlCol="0">
+            <a:spAutoFit/>
+          </a:bodyPr>
+          <a:lstStyle/>
+          <a:p>
+            <a:r>
+              <a:rPr lang="tr-TR" sz="1100" dirty="0" smtClean="0">
+                <a:solidFill>
+                  <a:schemeClr val="bg1">
+                    <a:lumMod val="65000"/>
+                  </a:schemeClr>
+                </a:solidFill>
+              </a:rPr>
+              <a:t>6</a:t>
+            </a:r>
+            <a:endParaRPr lang="tr-TR" sz="1100" dirty="0">
+              <a:solidFill>
+                <a:schemeClr val="bg1">
+                  <a:lumMod val="65000"/>
+                </a:schemeClr>
+              </a:solidFill>
+            </a:endParaRPr>
+          </a:p>
+        </p:txBody>
+      </p:sp>
+      <p:sp>
+        <p:nvSpPr>
+          <p:cNvPr id="59" name="Metin kutusu 58"/>
+          <p:cNvSpPr txBox="1"/>
+          <p:nvPr/>
+        </p:nvSpPr>
+        <p:spPr>
+          <a:xfrm>
+            <a:off x="2632429" y="2715535"/>
+            <a:ext cx="256802" cy="261610"/>
+          </a:xfrm>
+          <a:prstGeom prst="rect">
+            <a:avLst/>
+          </a:prstGeom>
+          <a:noFill/>
+        </p:spPr>
+        <p:txBody>
+          <a:bodyPr wrap="none" rtlCol="0">
+            <a:spAutoFit/>
+          </a:bodyPr>
+          <a:lstStyle/>
+          <a:p>
+            <a:r>
+              <a:rPr lang="tr-TR" sz="1100" dirty="0" smtClean="0"/>
+              <a:t>7</a:t>
+            </a:r>
+            <a:endParaRPr lang="tr-TR" sz="1100" dirty="0"/>
+          </a:p>
+        </p:txBody>
+      </p:sp>
+      <p:sp>
+        <p:nvSpPr>
+          <p:cNvPr id="60" name="Metin kutusu 59"/>
+          <p:cNvSpPr txBox="1"/>
+          <p:nvPr/>
+        </p:nvSpPr>
+        <p:spPr>
+          <a:xfrm>
+            <a:off x="3477512" y="531731"/>
+            <a:ext cx="256802" cy="261610"/>
+          </a:xfrm>
+          <a:prstGeom prst="rect">
+            <a:avLst/>
+          </a:prstGeom>
+          <a:noFill/>
+          <a:ln>
+            <a:noFill/>
+          </a:ln>
+        </p:spPr>
+        <p:txBody>
+          <a:bodyPr wrap="none" rtlCol="0">
+            <a:spAutoFit/>
+          </a:bodyPr>
+          <a:lstStyle/>
+          <a:p>
+            <a:r>
+              <a:rPr lang="tr-TR" sz="1100" dirty="0" smtClean="0">
+                <a:solidFill>
+                  <a:schemeClr val="bg1">
+                    <a:lumMod val="65000"/>
+                  </a:schemeClr>
+                </a:solidFill>
+              </a:rPr>
+              <a:t>0</a:t>
+            </a:r>
+            <a:endParaRPr lang="tr-TR" sz="1100" dirty="0">
+              <a:solidFill>
+                <a:schemeClr val="bg1">
+                  <a:lumMod val="65000"/>
+                </a:schemeClr>
+              </a:solidFill>
+            </a:endParaRPr>
+          </a:p>
+        </p:txBody>
+      </p:sp>
+      <p:sp>
+        <p:nvSpPr>
+          <p:cNvPr id="61" name="Metin kutusu 60"/>
+          <p:cNvSpPr txBox="1"/>
+          <p:nvPr/>
+        </p:nvSpPr>
+        <p:spPr>
+          <a:xfrm>
+            <a:off x="3477512" y="843703"/>
+            <a:ext cx="256802" cy="261610"/>
+          </a:xfrm>
+          <a:prstGeom prst="rect">
+            <a:avLst/>
+          </a:prstGeom>
+          <a:noFill/>
+          <a:ln>
+            <a:noFill/>
+          </a:ln>
+        </p:spPr>
+        <p:txBody>
+          <a:bodyPr wrap="none" rtlCol="0">
+            <a:spAutoFit/>
+          </a:bodyPr>
+          <a:lstStyle/>
+          <a:p>
+            <a:r>
+              <a:rPr lang="tr-TR" sz="1100" dirty="0" smtClean="0">
+                <a:solidFill>
+                  <a:schemeClr val="bg1">
+                    <a:lumMod val="65000"/>
+                  </a:schemeClr>
+                </a:solidFill>
+              </a:rPr>
+              <a:t>1</a:t>
+            </a:r>
+            <a:endParaRPr lang="tr-TR" sz="1100" dirty="0">
+              <a:solidFill>
+                <a:schemeClr val="bg1">
+                  <a:lumMod val="65000"/>
+                </a:schemeClr>
+              </a:solidFill>
+            </a:endParaRPr>
+          </a:p>
+        </p:txBody>
+      </p:sp>
+      <p:sp>
+        <p:nvSpPr>
+          <p:cNvPr id="62" name="Metin kutusu 61"/>
+          <p:cNvSpPr txBox="1"/>
+          <p:nvPr/>
+        </p:nvSpPr>
+        <p:spPr>
+          <a:xfrm>
+            <a:off x="3477512" y="1155675"/>
+            <a:ext cx="256802" cy="261610"/>
+          </a:xfrm>
+          <a:prstGeom prst="rect">
+            <a:avLst/>
+          </a:prstGeom>
+          <a:noFill/>
+          <a:ln>
+            <a:noFill/>
+          </a:ln>
+        </p:spPr>
+        <p:txBody>
+          <a:bodyPr wrap="none" rtlCol="0">
+            <a:spAutoFit/>
+          </a:bodyPr>
+          <a:lstStyle/>
+          <a:p>
+            <a:r>
+              <a:rPr lang="tr-TR" sz="1100" dirty="0" smtClean="0">
+                <a:solidFill>
+                  <a:schemeClr val="bg1">
+                    <a:lumMod val="65000"/>
+                  </a:schemeClr>
+                </a:solidFill>
+              </a:rPr>
+              <a:t>2</a:t>
+            </a:r>
+            <a:endParaRPr lang="tr-TR" sz="1100" dirty="0">
+              <a:solidFill>
+                <a:schemeClr val="bg1">
+                  <a:lumMod val="65000"/>
+                </a:schemeClr>
+              </a:solidFill>
+            </a:endParaRPr>
+          </a:p>
+        </p:txBody>
+      </p:sp>
+      <p:sp>
+        <p:nvSpPr>
+          <p:cNvPr id="63" name="Metin kutusu 62"/>
+          <p:cNvSpPr txBox="1"/>
+          <p:nvPr/>
+        </p:nvSpPr>
+        <p:spPr>
+          <a:xfrm>
+            <a:off x="3477512" y="1467647"/>
+            <a:ext cx="256802" cy="261610"/>
+          </a:xfrm>
+          <a:prstGeom prst="rect">
+            <a:avLst/>
+          </a:prstGeom>
+          <a:noFill/>
+          <a:ln>
+            <a:noFill/>
+          </a:ln>
+        </p:spPr>
+        <p:txBody>
+          <a:bodyPr wrap="none" rtlCol="0">
+            <a:spAutoFit/>
+          </a:bodyPr>
+          <a:lstStyle/>
+          <a:p>
+            <a:r>
+              <a:rPr lang="tr-TR" sz="1100" dirty="0" smtClean="0">
+                <a:solidFill>
+                  <a:schemeClr val="bg1">
+                    <a:lumMod val="65000"/>
+                  </a:schemeClr>
+                </a:solidFill>
+              </a:rPr>
+              <a:t>3</a:t>
+            </a:r>
+            <a:endParaRPr lang="tr-TR" sz="1100" dirty="0">
+              <a:solidFill>
+                <a:schemeClr val="bg1">
+                  <a:lumMod val="65000"/>
+                </a:schemeClr>
+              </a:solidFill>
+            </a:endParaRPr>
+          </a:p>
+        </p:txBody>
+      </p:sp>
+      <p:sp>
+        <p:nvSpPr>
+          <p:cNvPr id="64" name="Metin kutusu 63"/>
+          <p:cNvSpPr txBox="1"/>
+          <p:nvPr/>
+        </p:nvSpPr>
+        <p:spPr>
+          <a:xfrm>
+            <a:off x="3477512" y="1779619"/>
+            <a:ext cx="256802" cy="261610"/>
+          </a:xfrm>
+          <a:prstGeom prst="rect">
+            <a:avLst/>
+          </a:prstGeom>
+          <a:noFill/>
+          <a:ln>
+            <a:noFill/>
+          </a:ln>
+        </p:spPr>
+        <p:txBody>
+          <a:bodyPr wrap="none" rtlCol="0">
+            <a:spAutoFit/>
+          </a:bodyPr>
+          <a:lstStyle/>
+          <a:p>
+            <a:r>
+              <a:rPr lang="tr-TR" sz="1100" dirty="0" smtClean="0">
+                <a:solidFill>
+                  <a:schemeClr val="bg1">
+                    <a:lumMod val="65000"/>
+                  </a:schemeClr>
+                </a:solidFill>
+              </a:rPr>
+              <a:t>4</a:t>
+            </a:r>
+            <a:endParaRPr lang="tr-TR" sz="1100" dirty="0">
+              <a:solidFill>
+                <a:schemeClr val="bg1">
+                  <a:lumMod val="65000"/>
+                </a:schemeClr>
+              </a:solidFill>
+            </a:endParaRPr>
+          </a:p>
+        </p:txBody>
+      </p:sp>
+      <p:sp>
+        <p:nvSpPr>
+          <p:cNvPr id="65" name="Metin kutusu 64"/>
+          <p:cNvSpPr txBox="1"/>
+          <p:nvPr/>
+        </p:nvSpPr>
+        <p:spPr>
+          <a:xfrm>
+            <a:off x="3477512" y="2091591"/>
+            <a:ext cx="256802" cy="261610"/>
+          </a:xfrm>
+          <a:prstGeom prst="rect">
+            <a:avLst/>
+          </a:prstGeom>
+          <a:noFill/>
+          <a:ln>
+            <a:noFill/>
+          </a:ln>
+        </p:spPr>
+        <p:txBody>
+          <a:bodyPr wrap="none" rtlCol="0">
+            <a:spAutoFit/>
+          </a:bodyPr>
+          <a:lstStyle/>
+          <a:p>
+            <a:r>
+              <a:rPr lang="tr-TR" sz="1100" dirty="0" smtClean="0">
+                <a:solidFill>
+                  <a:schemeClr val="bg1">
+                    <a:lumMod val="65000"/>
+                  </a:schemeClr>
+                </a:solidFill>
+              </a:rPr>
+              <a:t>5</a:t>
+            </a:r>
+            <a:endParaRPr lang="tr-TR" sz="1100" dirty="0">
+              <a:solidFill>
+                <a:schemeClr val="bg1">
+                  <a:lumMod val="65000"/>
+                </a:schemeClr>
+              </a:solidFill>
+            </a:endParaRPr>
+          </a:p>
+        </p:txBody>
+      </p:sp>
+      <p:sp>
+        <p:nvSpPr>
+          <p:cNvPr id="66" name="Metin kutusu 65"/>
+          <p:cNvSpPr txBox="1"/>
+          <p:nvPr/>
+        </p:nvSpPr>
+        <p:spPr>
+          <a:xfrm>
+            <a:off x="3477512" y="2403563"/>
+            <a:ext cx="256802" cy="261610"/>
+          </a:xfrm>
+          <a:prstGeom prst="rect">
+            <a:avLst/>
+          </a:prstGeom>
+          <a:noFill/>
+          <a:ln>
+            <a:noFill/>
+          </a:ln>
+        </p:spPr>
+        <p:txBody>
+          <a:bodyPr wrap="none" rtlCol="0">
+            <a:spAutoFit/>
+          </a:bodyPr>
+          <a:lstStyle/>
+          <a:p>
+            <a:r>
+              <a:rPr lang="tr-TR" sz="1100" dirty="0" smtClean="0">
+                <a:solidFill>
+                  <a:schemeClr val="bg1">
+                    <a:lumMod val="65000"/>
+                  </a:schemeClr>
+                </a:solidFill>
+              </a:rPr>
+              <a:t>6</a:t>
+            </a:r>
+            <a:endParaRPr lang="tr-TR" sz="1100" dirty="0">
+              <a:solidFill>
+                <a:schemeClr val="bg1">
+                  <a:lumMod val="65000"/>
+                </a:schemeClr>
+              </a:solidFill>
+            </a:endParaRPr>
+          </a:p>
+        </p:txBody>
+      </p:sp>
+      <p:sp>
+        <p:nvSpPr>
+          <p:cNvPr id="67" name="Metin kutusu 66"/>
+          <p:cNvSpPr txBox="1"/>
+          <p:nvPr/>
+        </p:nvSpPr>
+        <p:spPr>
+          <a:xfrm>
+            <a:off x="3477512" y="2715535"/>
+            <a:ext cx="256802" cy="261610"/>
+          </a:xfrm>
+          <a:prstGeom prst="rect">
+            <a:avLst/>
+          </a:prstGeom>
+          <a:noFill/>
+        </p:spPr>
+        <p:txBody>
+          <a:bodyPr wrap="none" rtlCol="0">
+            <a:spAutoFit/>
+          </a:bodyPr>
+          <a:lstStyle/>
+          <a:p>
+            <a:r>
+              <a:rPr lang="tr-TR" sz="1100" dirty="0" smtClean="0"/>
+              <a:t>7</a:t>
+            </a:r>
+            <a:endParaRPr lang="tr-TR" sz="1100" dirty="0"/>
+          </a:p>
+        </p:txBody>
+      </p:sp>
+      <p:cxnSp>
+        <p:nvCxnSpPr>
+          <p:cNvPr id="69" name="Düz Bağlayıcı 68"/>
+          <p:cNvCxnSpPr>
+            <a:stCxn id="3" idx="3"/>
+            <a:endCxn id="12" idx="1"/>
+          </p:cNvCxnSpPr>
+          <p:nvPr/>
+        </p:nvCxnSpPr>
+        <p:spPr>
+          <a:xfrm>
+            <a:off x="1237211" y="663482"/>
+            <a:ext cx="528918" cy="311972"/>
+          </a:xfrm>
+          <a:prstGeom prst="line">
+            <a:avLst/>
+          </a:prstGeom>
+          <a:ln>
+            <a:solidFill>
+              <a:schemeClr val="tx1"/>
+            </a:solidFill>
+          </a:ln>
+        </p:spPr>
+        <p:style>
+          <a:lnRef idx="1">
+            <a:schemeClr val="accent1"/>
+          </a:lnRef>
+          <a:fillRef idx="0">
+            <a:schemeClr val="accent1"/>
+          </a:fillRef>
+          <a:effectRef idx="0">
+            <a:schemeClr val="accent1"/>
+          </a:effectRef>
+          <a:fontRef idx="minor">
+            <a:schemeClr val="tx1"/>
+          </a:fontRef>
+        </p:style>
+      </p:cxnSp>
+      <p:cxnSp>
+        <p:nvCxnSpPr>
+          <p:cNvPr id="71" name="Düz Bağlayıcı 70"/>
+          <p:cNvCxnSpPr>
+            <a:stCxn id="5" idx="3"/>
+            <a:endCxn id="12" idx="1"/>
+          </p:cNvCxnSpPr>
+          <p:nvPr/>
+        </p:nvCxnSpPr>
+        <p:spPr>
+          <a:xfrm flipV="1">
+            <a:off x="1237211" y="975454"/>
+            <a:ext cx="528918" cy="311972"/>
+          </a:xfrm>
+          <a:prstGeom prst="line">
+            <a:avLst/>
+          </a:prstGeom>
+          <a:ln>
+            <a:solidFill>
+              <a:schemeClr val="tx1"/>
+            </a:solidFill>
+          </a:ln>
+        </p:spPr>
+        <p:style>
+          <a:lnRef idx="1">
+            <a:schemeClr val="accent1"/>
+          </a:lnRef>
+          <a:fillRef idx="0">
+            <a:schemeClr val="accent1"/>
+          </a:fillRef>
+          <a:effectRef idx="0">
+            <a:schemeClr val="accent1"/>
+          </a:effectRef>
+          <a:fontRef idx="minor">
+            <a:schemeClr val="tx1"/>
+          </a:fontRef>
+        </p:style>
+      </p:cxnSp>
+      <p:cxnSp>
+        <p:nvCxnSpPr>
+          <p:cNvPr id="73" name="Düz Bağlayıcı 72"/>
+          <p:cNvCxnSpPr>
+            <a:stCxn id="12" idx="1"/>
+            <a:endCxn id="4" idx="3"/>
+          </p:cNvCxnSpPr>
+          <p:nvPr/>
+        </p:nvCxnSpPr>
+        <p:spPr>
+          <a:xfrm flipH="1">
+            <a:off x="1237211" y="975454"/>
+            <a:ext cx="528918" cy="0"/>
+          </a:xfrm>
+          <a:prstGeom prst="line">
+            <a:avLst/>
+          </a:prstGeom>
+          <a:ln>
+            <a:solidFill>
+              <a:schemeClr val="tx1"/>
+            </a:solidFill>
+          </a:ln>
+        </p:spPr>
+        <p:style>
+          <a:lnRef idx="1">
+            <a:schemeClr val="accent1"/>
+          </a:lnRef>
+          <a:fillRef idx="0">
+            <a:schemeClr val="accent1"/>
+          </a:fillRef>
+          <a:effectRef idx="0">
+            <a:schemeClr val="accent1"/>
+          </a:effectRef>
+          <a:fontRef idx="minor">
+            <a:schemeClr val="tx1"/>
+          </a:fontRef>
+        </p:style>
+      </p:cxnSp>
+      <p:cxnSp>
+        <p:nvCxnSpPr>
+          <p:cNvPr id="74" name="Düz Bağlayıcı 73"/>
+          <p:cNvCxnSpPr/>
+          <p:nvPr/>
+        </p:nvCxnSpPr>
+        <p:spPr>
+          <a:xfrm>
+            <a:off x="1238841" y="1292183"/>
+            <a:ext cx="528918" cy="311972"/>
+          </a:xfrm>
+          <a:prstGeom prst="line">
+            <a:avLst/>
+          </a:prstGeom>
+          <a:ln>
+            <a:solidFill>
+              <a:schemeClr val="tx1"/>
+            </a:solidFill>
+          </a:ln>
+        </p:spPr>
+        <p:style>
+          <a:lnRef idx="1">
+            <a:schemeClr val="accent1"/>
+          </a:lnRef>
+          <a:fillRef idx="0">
+            <a:schemeClr val="accent1"/>
+          </a:fillRef>
+          <a:effectRef idx="0">
+            <a:schemeClr val="accent1"/>
+          </a:effectRef>
+          <a:fontRef idx="minor">
+            <a:schemeClr val="tx1"/>
+          </a:fontRef>
+        </p:style>
+      </p:cxnSp>
+      <p:cxnSp>
+        <p:nvCxnSpPr>
+          <p:cNvPr id="75" name="Düz Bağlayıcı 74"/>
+          <p:cNvCxnSpPr/>
+          <p:nvPr/>
+        </p:nvCxnSpPr>
+        <p:spPr>
+          <a:xfrm flipV="1">
+            <a:off x="1238841" y="1604155"/>
+            <a:ext cx="528918" cy="311972"/>
+          </a:xfrm>
+          <a:prstGeom prst="line">
+            <a:avLst/>
+          </a:prstGeom>
+          <a:ln>
+            <a:solidFill>
+              <a:schemeClr val="tx1"/>
+            </a:solidFill>
+          </a:ln>
+        </p:spPr>
+        <p:style>
+          <a:lnRef idx="1">
+            <a:schemeClr val="accent1"/>
+          </a:lnRef>
+          <a:fillRef idx="0">
+            <a:schemeClr val="accent1"/>
+          </a:fillRef>
+          <a:effectRef idx="0">
+            <a:schemeClr val="accent1"/>
+          </a:effectRef>
+          <a:fontRef idx="minor">
+            <a:schemeClr val="tx1"/>
+          </a:fontRef>
+        </p:style>
+      </p:cxnSp>
+      <p:cxnSp>
+        <p:nvCxnSpPr>
+          <p:cNvPr id="76" name="Düz Bağlayıcı 75"/>
+          <p:cNvCxnSpPr/>
+          <p:nvPr/>
+        </p:nvCxnSpPr>
+        <p:spPr>
+          <a:xfrm flipH="1">
+            <a:off x="1238841" y="1604155"/>
+            <a:ext cx="528918" cy="0"/>
+          </a:xfrm>
+          <a:prstGeom prst="line">
+            <a:avLst/>
+          </a:prstGeom>
+          <a:ln>
+            <a:solidFill>
+              <a:schemeClr val="tx1"/>
+            </a:solidFill>
+          </a:ln>
+        </p:spPr>
+        <p:style>
+          <a:lnRef idx="1">
+            <a:schemeClr val="accent1"/>
+          </a:lnRef>
+          <a:fillRef idx="0">
+            <a:schemeClr val="accent1"/>
+          </a:fillRef>
+          <a:effectRef idx="0">
+            <a:schemeClr val="accent1"/>
+          </a:effectRef>
+          <a:fontRef idx="minor">
+            <a:schemeClr val="tx1"/>
+          </a:fontRef>
+        </p:style>
+      </p:cxnSp>
+      <p:cxnSp>
+        <p:nvCxnSpPr>
+          <p:cNvPr id="77" name="Düz Bağlayıcı 76"/>
+          <p:cNvCxnSpPr/>
+          <p:nvPr/>
+        </p:nvCxnSpPr>
+        <p:spPr>
+          <a:xfrm>
+            <a:off x="1236396" y="1914058"/>
+            <a:ext cx="528918" cy="311972"/>
+          </a:xfrm>
+          <a:prstGeom prst="line">
+            <a:avLst/>
+          </a:prstGeom>
+          <a:ln>
+            <a:solidFill>
+              <a:schemeClr val="tx1"/>
+            </a:solidFill>
+          </a:ln>
+        </p:spPr>
+        <p:style>
+          <a:lnRef idx="1">
+            <a:schemeClr val="accent1"/>
+          </a:lnRef>
+          <a:fillRef idx="0">
+            <a:schemeClr val="accent1"/>
+          </a:fillRef>
+          <a:effectRef idx="0">
+            <a:schemeClr val="accent1"/>
+          </a:effectRef>
+          <a:fontRef idx="minor">
+            <a:schemeClr val="tx1"/>
+          </a:fontRef>
+        </p:style>
+      </p:cxnSp>
+      <p:cxnSp>
+        <p:nvCxnSpPr>
+          <p:cNvPr id="78" name="Düz Bağlayıcı 77"/>
+          <p:cNvCxnSpPr/>
+          <p:nvPr/>
+        </p:nvCxnSpPr>
+        <p:spPr>
+          <a:xfrm flipV="1">
+            <a:off x="1236396" y="2226030"/>
+            <a:ext cx="528918" cy="311972"/>
+          </a:xfrm>
+          <a:prstGeom prst="line">
+            <a:avLst/>
+          </a:prstGeom>
+          <a:ln>
+            <a:solidFill>
+              <a:schemeClr val="tx1"/>
+            </a:solidFill>
+          </a:ln>
+        </p:spPr>
+        <p:style>
+          <a:lnRef idx="1">
+            <a:schemeClr val="accent1"/>
+          </a:lnRef>
+          <a:fillRef idx="0">
+            <a:schemeClr val="accent1"/>
+          </a:fillRef>
+          <a:effectRef idx="0">
+            <a:schemeClr val="accent1"/>
+          </a:effectRef>
+          <a:fontRef idx="minor">
+            <a:schemeClr val="tx1"/>
+          </a:fontRef>
+        </p:style>
+      </p:cxnSp>
+      <p:cxnSp>
+        <p:nvCxnSpPr>
+          <p:cNvPr id="79" name="Düz Bağlayıcı 78"/>
+          <p:cNvCxnSpPr/>
+          <p:nvPr/>
+        </p:nvCxnSpPr>
+        <p:spPr>
+          <a:xfrm flipH="1">
+            <a:off x="1236396" y="2226030"/>
+            <a:ext cx="528918" cy="0"/>
+          </a:xfrm>
+          <a:prstGeom prst="line">
+            <a:avLst/>
+          </a:prstGeom>
+          <a:ln>
+            <a:solidFill>
+              <a:schemeClr val="tx1"/>
+            </a:solidFill>
+          </a:ln>
+        </p:spPr>
+        <p:style>
+          <a:lnRef idx="1">
+            <a:schemeClr val="accent1"/>
+          </a:lnRef>
+          <a:fillRef idx="0">
+            <a:schemeClr val="accent1"/>
+          </a:fillRef>
+          <a:effectRef idx="0">
+            <a:schemeClr val="accent1"/>
+          </a:effectRef>
+          <a:fontRef idx="minor">
+            <a:schemeClr val="tx1"/>
+          </a:fontRef>
+        </p:style>
+      </p:cxnSp>
+      <p:cxnSp>
+        <p:nvCxnSpPr>
+          <p:cNvPr id="80" name="Düz Bağlayıcı 79"/>
+          <p:cNvCxnSpPr/>
+          <p:nvPr/>
+        </p:nvCxnSpPr>
+        <p:spPr>
+          <a:xfrm>
+            <a:off x="1242277" y="2530556"/>
+            <a:ext cx="528918" cy="311972"/>
+          </a:xfrm>
+          <a:prstGeom prst="line">
+            <a:avLst/>
+          </a:prstGeom>
+          <a:ln>
+            <a:solidFill>
+              <a:schemeClr val="tx1"/>
+            </a:solidFill>
+          </a:ln>
+        </p:spPr>
+        <p:style>
+          <a:lnRef idx="1">
+            <a:schemeClr val="accent1"/>
+          </a:lnRef>
+          <a:fillRef idx="0">
+            <a:schemeClr val="accent1"/>
+          </a:fillRef>
+          <a:effectRef idx="0">
+            <a:schemeClr val="accent1"/>
+          </a:effectRef>
+          <a:fontRef idx="minor">
+            <a:schemeClr val="tx1"/>
+          </a:fontRef>
+        </p:style>
+      </p:cxnSp>
+      <p:cxnSp>
+        <p:nvCxnSpPr>
+          <p:cNvPr id="81" name="Düz Bağlayıcı 80"/>
+          <p:cNvCxnSpPr/>
+          <p:nvPr/>
+        </p:nvCxnSpPr>
+        <p:spPr>
+          <a:xfrm flipH="1">
+            <a:off x="1242277" y="2842528"/>
+            <a:ext cx="528918" cy="0"/>
+          </a:xfrm>
+          <a:prstGeom prst="line">
+            <a:avLst/>
+          </a:prstGeom>
+          <a:ln>
+            <a:solidFill>
+              <a:schemeClr val="tx1"/>
+            </a:solidFill>
+          </a:ln>
+        </p:spPr>
+        <p:style>
+          <a:lnRef idx="1">
+            <a:schemeClr val="accent1"/>
+          </a:lnRef>
+          <a:fillRef idx="0">
+            <a:schemeClr val="accent1"/>
+          </a:fillRef>
+          <a:effectRef idx="0">
+            <a:schemeClr val="accent1"/>
+          </a:effectRef>
+          <a:fontRef idx="minor">
+            <a:schemeClr val="tx1"/>
+          </a:fontRef>
+        </p:style>
+      </p:cxnSp>
+      <p:cxnSp>
+        <p:nvCxnSpPr>
+          <p:cNvPr id="83" name="Düz Bağlayıcı 82"/>
+          <p:cNvCxnSpPr>
+            <a:stCxn id="12" idx="3"/>
+            <a:endCxn id="22" idx="1"/>
+          </p:cNvCxnSpPr>
+          <p:nvPr/>
+        </p:nvCxnSpPr>
+        <p:spPr>
+          <a:xfrm>
+            <a:off x="2078101" y="975454"/>
+            <a:ext cx="528918" cy="623944"/>
+          </a:xfrm>
+          <a:prstGeom prst="line">
+            <a:avLst/>
+          </a:prstGeom>
+          <a:ln>
+            <a:solidFill>
+              <a:schemeClr val="tx1"/>
+            </a:solidFill>
+          </a:ln>
+        </p:spPr>
+        <p:style>
+          <a:lnRef idx="1">
+            <a:schemeClr val="accent1"/>
+          </a:lnRef>
+          <a:fillRef idx="0">
+            <a:schemeClr val="accent1"/>
+          </a:fillRef>
+          <a:effectRef idx="0">
+            <a:schemeClr val="accent1"/>
+          </a:effectRef>
+          <a:fontRef idx="minor">
+            <a:schemeClr val="tx1"/>
+          </a:fontRef>
+        </p:style>
+      </p:cxnSp>
+      <p:cxnSp>
+        <p:nvCxnSpPr>
+          <p:cNvPr id="85" name="Düz Bağlayıcı 84"/>
+          <p:cNvCxnSpPr>
+            <a:stCxn id="14" idx="3"/>
+            <a:endCxn id="22" idx="1"/>
+          </p:cNvCxnSpPr>
+          <p:nvPr/>
+        </p:nvCxnSpPr>
+        <p:spPr>
+          <a:xfrm>
+            <a:off x="2078101" y="1599398"/>
+            <a:ext cx="528918" cy="0"/>
+          </a:xfrm>
+          <a:prstGeom prst="line">
+            <a:avLst/>
+          </a:prstGeom>
+          <a:ln>
+            <a:solidFill>
+              <a:schemeClr val="tx1"/>
+            </a:solidFill>
+          </a:ln>
+        </p:spPr>
+        <p:style>
+          <a:lnRef idx="1">
+            <a:schemeClr val="accent1"/>
+          </a:lnRef>
+          <a:fillRef idx="0">
+            <a:schemeClr val="accent1"/>
+          </a:fillRef>
+          <a:effectRef idx="0">
+            <a:schemeClr val="accent1"/>
+          </a:effectRef>
+          <a:fontRef idx="minor">
+            <a:schemeClr val="tx1"/>
+          </a:fontRef>
+        </p:style>
+      </p:cxnSp>
+      <p:cxnSp>
+        <p:nvCxnSpPr>
+          <p:cNvPr id="87" name="Düz Bağlayıcı 86"/>
+          <p:cNvCxnSpPr>
+            <a:stCxn id="16" idx="3"/>
+            <a:endCxn id="22" idx="1"/>
+          </p:cNvCxnSpPr>
+          <p:nvPr/>
+        </p:nvCxnSpPr>
+        <p:spPr>
+          <a:xfrm flipV="1">
+            <a:off x="2078101" y="1599398"/>
+            <a:ext cx="528918" cy="623944"/>
+          </a:xfrm>
+          <a:prstGeom prst="line">
+            <a:avLst/>
+          </a:prstGeom>
+          <a:ln>
+            <a:solidFill>
+              <a:schemeClr val="tx1"/>
+            </a:solidFill>
+          </a:ln>
+        </p:spPr>
+        <p:style>
+          <a:lnRef idx="1">
+            <a:schemeClr val="accent1"/>
+          </a:lnRef>
+          <a:fillRef idx="0">
+            <a:schemeClr val="accent1"/>
+          </a:fillRef>
+          <a:effectRef idx="0">
+            <a:schemeClr val="accent1"/>
+          </a:effectRef>
+          <a:fontRef idx="minor">
+            <a:schemeClr val="tx1"/>
+          </a:fontRef>
+        </p:style>
+      </p:cxnSp>
+      <p:cxnSp>
+        <p:nvCxnSpPr>
+          <p:cNvPr id="89" name="Düz Bağlayıcı 88"/>
+          <p:cNvCxnSpPr>
+            <a:stCxn id="16" idx="3"/>
+            <a:endCxn id="26" idx="1"/>
+          </p:cNvCxnSpPr>
+          <p:nvPr/>
+        </p:nvCxnSpPr>
+        <p:spPr>
+          <a:xfrm>
+            <a:off x="2078101" y="2223342"/>
+            <a:ext cx="528918" cy="623944"/>
+          </a:xfrm>
+          <a:prstGeom prst="line">
+            <a:avLst/>
+          </a:prstGeom>
+          <a:ln>
+            <a:solidFill>
+              <a:schemeClr val="tx1"/>
+            </a:solidFill>
+          </a:ln>
+        </p:spPr>
+        <p:style>
+          <a:lnRef idx="1">
+            <a:schemeClr val="accent1"/>
+          </a:lnRef>
+          <a:fillRef idx="0">
+            <a:schemeClr val="accent1"/>
+          </a:fillRef>
+          <a:effectRef idx="0">
+            <a:schemeClr val="accent1"/>
+          </a:effectRef>
+          <a:fontRef idx="minor">
+            <a:schemeClr val="tx1"/>
+          </a:fontRef>
+        </p:style>
+      </p:cxnSp>
+      <p:cxnSp>
+        <p:nvCxnSpPr>
+          <p:cNvPr id="91" name="Düz Bağlayıcı 90"/>
+          <p:cNvCxnSpPr>
+            <a:stCxn id="18" idx="3"/>
+            <a:endCxn id="26" idx="1"/>
+          </p:cNvCxnSpPr>
+          <p:nvPr/>
+        </p:nvCxnSpPr>
+        <p:spPr>
+          <a:xfrm>
+            <a:off x="2078101" y="2847286"/>
+            <a:ext cx="528918" cy="0"/>
+          </a:xfrm>
+          <a:prstGeom prst="line">
+            <a:avLst/>
+          </a:prstGeom>
+          <a:ln>
+            <a:solidFill>
+              <a:schemeClr val="tx1"/>
+            </a:solidFill>
+          </a:ln>
+        </p:spPr>
+        <p:style>
+          <a:lnRef idx="1">
+            <a:schemeClr val="accent1"/>
+          </a:lnRef>
+          <a:fillRef idx="0">
+            <a:schemeClr val="accent1"/>
+          </a:fillRef>
+          <a:effectRef idx="0">
+            <a:schemeClr val="accent1"/>
+          </a:effectRef>
+          <a:fontRef idx="minor">
+            <a:schemeClr val="tx1"/>
+          </a:fontRef>
+        </p:style>
+      </p:cxnSp>
+      <p:cxnSp>
+        <p:nvCxnSpPr>
+          <p:cNvPr id="93" name="Düz Bağlayıcı 92"/>
+          <p:cNvCxnSpPr>
+            <a:stCxn id="22" idx="3"/>
+            <a:endCxn id="34" idx="1"/>
+          </p:cNvCxnSpPr>
+          <p:nvPr/>
+        </p:nvCxnSpPr>
+        <p:spPr>
+          <a:xfrm>
+            <a:off x="2918991" y="1599398"/>
+            <a:ext cx="528918" cy="1247888"/>
+          </a:xfrm>
+          <a:prstGeom prst="line">
+            <a:avLst/>
+          </a:prstGeom>
+          <a:ln>
+            <a:solidFill>
+              <a:schemeClr val="tx1"/>
+            </a:solidFill>
+          </a:ln>
+        </p:spPr>
+        <p:style>
+          <a:lnRef idx="1">
+            <a:schemeClr val="accent1"/>
+          </a:lnRef>
+          <a:fillRef idx="0">
+            <a:schemeClr val="accent1"/>
+          </a:fillRef>
+          <a:effectRef idx="0">
+            <a:schemeClr val="accent1"/>
+          </a:effectRef>
+          <a:fontRef idx="minor">
+            <a:schemeClr val="tx1"/>
+          </a:fontRef>
+        </p:style>
+      </p:cxnSp>
+      <p:cxnSp>
+        <p:nvCxnSpPr>
+          <p:cNvPr id="95" name="Düz Bağlayıcı 94"/>
+          <p:cNvCxnSpPr>
+            <a:stCxn id="26" idx="3"/>
+            <a:endCxn id="34" idx="1"/>
+          </p:cNvCxnSpPr>
+          <p:nvPr/>
+        </p:nvCxnSpPr>
+        <p:spPr>
+          <a:xfrm>
+            <a:off x="2918991" y="2847286"/>
+            <a:ext cx="528918" cy="0"/>
+          </a:xfrm>
+          <a:prstGeom prst="line">
+            <a:avLst/>
+          </a:prstGeom>
+          <a:ln>
+            <a:solidFill>
+              <a:schemeClr val="tx1"/>
+            </a:solidFill>
+          </a:ln>
+        </p:spPr>
+        <p:style>
+          <a:lnRef idx="1">
+            <a:schemeClr val="accent1"/>
+          </a:lnRef>
+          <a:fillRef idx="0">
+            <a:schemeClr val="accent1"/>
+          </a:fillRef>
+          <a:effectRef idx="0">
+            <a:schemeClr val="accent1"/>
+          </a:effectRef>
+          <a:fontRef idx="minor">
+            <a:schemeClr val="tx1"/>
+          </a:fontRef>
+        </p:style>
+      </p:cxnSp>
+      <p:sp>
+        <p:nvSpPr>
+          <p:cNvPr id="179" name="Dikdörtgen 178"/>
+          <p:cNvSpPr/>
+          <p:nvPr/>
+        </p:nvSpPr>
+        <p:spPr>
+          <a:xfrm>
+            <a:off x="4288799" y="2687488"/>
+            <a:ext cx="311972" cy="311972"/>
+          </a:xfrm>
+          <a:prstGeom prst="rect">
+            <a:avLst/>
+          </a:prstGeom>
+          <a:noFill/>
+          <a:ln>
+            <a:solidFill>
+              <a:schemeClr val="tx1"/>
+            </a:solidFill>
+          </a:ln>
+        </p:spPr>
+        <p:style>
+          <a:lnRef idx="2">
+            <a:schemeClr val="accent1">
+              <a:shade val="50000"/>
+            </a:schemeClr>
+          </a:lnRef>
+          <a:fillRef idx="1">
+            <a:schemeClr val="accent1"/>
+          </a:fillRef>
+          <a:effectRef idx="0">
+            <a:schemeClr val="accent1"/>
+          </a:effectRef>
+          <a:fontRef idx="minor">
+            <a:schemeClr val="lt1"/>
+          </a:fontRef>
+        </p:style>
+        <p:txBody>
+          <a:bodyPr rtlCol="0" anchor="ctr"/>
+          <a:lstStyle/>
+          <a:p>
+            <a:pPr algn="ctr"/>
+            <a:endParaRPr lang="tr-TR"/>
+          </a:p>
+        </p:txBody>
+      </p:sp>
+      <p:sp>
+        <p:nvSpPr>
+          <p:cNvPr id="181" name="Dikdörtgen 180"/>
+          <p:cNvSpPr/>
+          <p:nvPr/>
+        </p:nvSpPr>
+        <p:spPr>
+          <a:xfrm>
+            <a:off x="5130143" y="1446111"/>
+            <a:ext cx="311972" cy="311972"/>
+          </a:xfrm>
+          <a:prstGeom prst="rect">
+            <a:avLst/>
+          </a:prstGeom>
+          <a:noFill/>
+          <a:ln>
+            <a:solidFill>
+              <a:schemeClr val="tx1"/>
+            </a:solidFill>
+          </a:ln>
+        </p:spPr>
+        <p:style>
+          <a:lnRef idx="2">
+            <a:schemeClr val="accent1">
+              <a:shade val="50000"/>
+            </a:schemeClr>
+          </a:lnRef>
+          <a:fillRef idx="1">
+            <a:schemeClr val="accent1"/>
+          </a:fillRef>
+          <a:effectRef idx="0">
+            <a:schemeClr val="accent1"/>
+          </a:effectRef>
+          <a:fontRef idx="minor">
+            <a:schemeClr val="lt1"/>
+          </a:fontRef>
+        </p:style>
+        <p:txBody>
+          <a:bodyPr rtlCol="0" anchor="ctr"/>
+          <a:lstStyle/>
+          <a:p>
+            <a:pPr algn="ctr"/>
+            <a:endParaRPr lang="tr-TR"/>
+          </a:p>
+        </p:txBody>
+      </p:sp>
+      <p:sp>
+        <p:nvSpPr>
+          <p:cNvPr id="182" name="Dikdörtgen 181"/>
+          <p:cNvSpPr/>
+          <p:nvPr/>
+        </p:nvSpPr>
+        <p:spPr>
+          <a:xfrm>
+            <a:off x="5130143" y="2693999"/>
+            <a:ext cx="311972" cy="311972"/>
+          </a:xfrm>
+          <a:prstGeom prst="rect">
+            <a:avLst/>
+          </a:prstGeom>
+          <a:noFill/>
+          <a:ln>
+            <a:solidFill>
+              <a:schemeClr val="bg1">
+                <a:lumMod val="75000"/>
+              </a:schemeClr>
+            </a:solidFill>
+          </a:ln>
+        </p:spPr>
+        <p:style>
+          <a:lnRef idx="2">
+            <a:schemeClr val="accent1">
+              <a:shade val="50000"/>
+            </a:schemeClr>
+          </a:lnRef>
+          <a:fillRef idx="1">
+            <a:schemeClr val="accent1"/>
+          </a:fillRef>
+          <a:effectRef idx="0">
+            <a:schemeClr val="accent1"/>
+          </a:effectRef>
+          <a:fontRef idx="minor">
+            <a:schemeClr val="lt1"/>
+          </a:fontRef>
+        </p:style>
+        <p:txBody>
+          <a:bodyPr rtlCol="0" anchor="ctr"/>
+          <a:lstStyle/>
+          <a:p>
+            <a:pPr algn="ctr"/>
+            <a:endParaRPr lang="tr-TR"/>
+          </a:p>
+        </p:txBody>
+      </p:sp>
+      <p:sp>
+        <p:nvSpPr>
+          <p:cNvPr id="185" name="Dikdörtgen 184"/>
+          <p:cNvSpPr/>
+          <p:nvPr/>
+        </p:nvSpPr>
+        <p:spPr>
+          <a:xfrm>
+            <a:off x="5962615" y="819468"/>
+            <a:ext cx="311972" cy="311972"/>
+          </a:xfrm>
+          <a:prstGeom prst="rect">
+            <a:avLst/>
+          </a:prstGeom>
+          <a:noFill/>
+          <a:ln>
+            <a:solidFill>
+              <a:schemeClr val="tx1"/>
+            </a:solidFill>
+          </a:ln>
+        </p:spPr>
+        <p:style>
+          <a:lnRef idx="2">
+            <a:schemeClr val="accent1">
+              <a:shade val="50000"/>
+            </a:schemeClr>
+          </a:lnRef>
+          <a:fillRef idx="1">
+            <a:schemeClr val="accent1"/>
+          </a:fillRef>
+          <a:effectRef idx="0">
+            <a:schemeClr val="accent1"/>
+          </a:effectRef>
+          <a:fontRef idx="minor">
+            <a:schemeClr val="lt1"/>
+          </a:fontRef>
+        </p:style>
+        <p:txBody>
+          <a:bodyPr rtlCol="0" anchor="ctr"/>
+          <a:lstStyle/>
+          <a:p>
+            <a:pPr algn="ctr"/>
+            <a:endParaRPr lang="tr-TR"/>
+          </a:p>
+        </p:txBody>
+      </p:sp>
+      <p:sp>
+        <p:nvSpPr>
+          <p:cNvPr id="186" name="Dikdörtgen 185"/>
+          <p:cNvSpPr/>
+          <p:nvPr/>
+        </p:nvSpPr>
+        <p:spPr>
+          <a:xfrm>
+            <a:off x="5962615" y="1443412"/>
+            <a:ext cx="311972" cy="311972"/>
+          </a:xfrm>
+          <a:prstGeom prst="rect">
+            <a:avLst/>
+          </a:prstGeom>
+          <a:noFill/>
+          <a:ln>
+            <a:solidFill>
+              <a:schemeClr val="bg1">
+                <a:lumMod val="75000"/>
+              </a:schemeClr>
+            </a:solidFill>
+          </a:ln>
+        </p:spPr>
+        <p:style>
+          <a:lnRef idx="2">
+            <a:schemeClr val="accent1">
+              <a:shade val="50000"/>
+            </a:schemeClr>
+          </a:lnRef>
+          <a:fillRef idx="1">
+            <a:schemeClr val="accent1"/>
+          </a:fillRef>
+          <a:effectRef idx="0">
+            <a:schemeClr val="accent1"/>
+          </a:effectRef>
+          <a:fontRef idx="minor">
+            <a:schemeClr val="lt1"/>
+          </a:fontRef>
+        </p:style>
+        <p:txBody>
+          <a:bodyPr rtlCol="0" anchor="ctr"/>
+          <a:lstStyle/>
+          <a:p>
+            <a:pPr algn="ctr"/>
+            <a:endParaRPr lang="tr-TR"/>
+          </a:p>
+        </p:txBody>
+      </p:sp>
+      <p:sp>
+        <p:nvSpPr>
+          <p:cNvPr id="187" name="Dikdörtgen 186"/>
+          <p:cNvSpPr/>
+          <p:nvPr/>
+        </p:nvSpPr>
+        <p:spPr>
+          <a:xfrm>
+            <a:off x="5962615" y="2067356"/>
+            <a:ext cx="311972" cy="311972"/>
+          </a:xfrm>
+          <a:prstGeom prst="rect">
+            <a:avLst/>
+          </a:prstGeom>
+          <a:noFill/>
+          <a:ln>
+            <a:solidFill>
+              <a:schemeClr val="tx1"/>
+            </a:solidFill>
+          </a:ln>
+        </p:spPr>
+        <p:style>
+          <a:lnRef idx="2">
+            <a:schemeClr val="accent1">
+              <a:shade val="50000"/>
+            </a:schemeClr>
+          </a:lnRef>
+          <a:fillRef idx="1">
+            <a:schemeClr val="accent1"/>
+          </a:fillRef>
+          <a:effectRef idx="0">
+            <a:schemeClr val="accent1"/>
+          </a:effectRef>
+          <a:fontRef idx="minor">
+            <a:schemeClr val="lt1"/>
+          </a:fontRef>
+        </p:style>
+        <p:txBody>
+          <a:bodyPr rtlCol="0" anchor="ctr"/>
+          <a:lstStyle/>
+          <a:p>
+            <a:pPr algn="ctr"/>
+            <a:endParaRPr lang="tr-TR"/>
+          </a:p>
+        </p:txBody>
+      </p:sp>
+      <p:sp>
+        <p:nvSpPr>
+          <p:cNvPr id="188" name="Dikdörtgen 187"/>
+          <p:cNvSpPr/>
+          <p:nvPr/>
+        </p:nvSpPr>
+        <p:spPr>
+          <a:xfrm>
+            <a:off x="5962615" y="2691300"/>
+            <a:ext cx="311972" cy="311972"/>
+          </a:xfrm>
+          <a:prstGeom prst="rect">
+            <a:avLst/>
+          </a:prstGeom>
+          <a:noFill/>
+          <a:ln>
+            <a:solidFill>
+              <a:schemeClr val="bg1">
+                <a:lumMod val="75000"/>
+              </a:schemeClr>
+            </a:solidFill>
+          </a:ln>
+        </p:spPr>
+        <p:style>
+          <a:lnRef idx="2">
+            <a:schemeClr val="accent1">
+              <a:shade val="50000"/>
+            </a:schemeClr>
+          </a:lnRef>
+          <a:fillRef idx="1">
+            <a:schemeClr val="accent1"/>
+          </a:fillRef>
+          <a:effectRef idx="0">
+            <a:schemeClr val="accent1"/>
+          </a:effectRef>
+          <a:fontRef idx="minor">
+            <a:schemeClr val="lt1"/>
+          </a:fontRef>
+        </p:style>
+        <p:txBody>
+          <a:bodyPr rtlCol="0" anchor="ctr"/>
+          <a:lstStyle/>
+          <a:p>
+            <a:pPr algn="ctr"/>
+            <a:endParaRPr lang="tr-TR"/>
+          </a:p>
+        </p:txBody>
+      </p:sp>
+      <p:sp>
+        <p:nvSpPr>
+          <p:cNvPr id="193" name="Dikdörtgen 192"/>
+          <p:cNvSpPr/>
+          <p:nvPr/>
+        </p:nvSpPr>
+        <p:spPr>
+          <a:xfrm>
+            <a:off x="6796836" y="502738"/>
+            <a:ext cx="311972" cy="311972"/>
+          </a:xfrm>
+          <a:prstGeom prst="rect">
+            <a:avLst/>
+          </a:prstGeom>
+          <a:noFill/>
+          <a:ln>
+            <a:solidFill>
+              <a:schemeClr val="tx1"/>
+            </a:solidFill>
+          </a:ln>
+        </p:spPr>
+        <p:style>
+          <a:lnRef idx="2">
+            <a:schemeClr val="accent1">
+              <a:shade val="50000"/>
+            </a:schemeClr>
+          </a:lnRef>
+          <a:fillRef idx="1">
+            <a:schemeClr val="accent1"/>
+          </a:fillRef>
+          <a:effectRef idx="0">
+            <a:schemeClr val="accent1"/>
+          </a:effectRef>
+          <a:fontRef idx="minor">
+            <a:schemeClr val="lt1"/>
+          </a:fontRef>
+        </p:style>
+        <p:txBody>
+          <a:bodyPr rtlCol="0" anchor="ctr"/>
+          <a:lstStyle/>
+          <a:p>
+            <a:pPr algn="ctr"/>
+            <a:endParaRPr lang="tr-TR"/>
+          </a:p>
+        </p:txBody>
+      </p:sp>
+      <p:sp>
+        <p:nvSpPr>
+          <p:cNvPr id="195" name="Dikdörtgen 194"/>
+          <p:cNvSpPr/>
+          <p:nvPr/>
+        </p:nvSpPr>
+        <p:spPr>
+          <a:xfrm>
+            <a:off x="6796836" y="1126682"/>
+            <a:ext cx="311972" cy="311972"/>
+          </a:xfrm>
+          <a:prstGeom prst="rect">
+            <a:avLst/>
+          </a:prstGeom>
+          <a:noFill/>
+          <a:ln>
+            <a:solidFill>
+              <a:schemeClr val="tx1"/>
+            </a:solidFill>
+          </a:ln>
+        </p:spPr>
+        <p:style>
+          <a:lnRef idx="2">
+            <a:schemeClr val="accent1">
+              <a:shade val="50000"/>
+            </a:schemeClr>
+          </a:lnRef>
+          <a:fillRef idx="1">
+            <a:schemeClr val="accent1"/>
+          </a:fillRef>
+          <a:effectRef idx="0">
+            <a:schemeClr val="accent1"/>
+          </a:effectRef>
+          <a:fontRef idx="minor">
+            <a:schemeClr val="lt1"/>
+          </a:fontRef>
+        </p:style>
+        <p:txBody>
+          <a:bodyPr rtlCol="0" anchor="ctr"/>
+          <a:lstStyle/>
+          <a:p>
+            <a:pPr algn="ctr"/>
+            <a:endParaRPr lang="tr-TR"/>
+          </a:p>
+        </p:txBody>
+      </p:sp>
+      <p:sp>
+        <p:nvSpPr>
+          <p:cNvPr id="197" name="Dikdörtgen 196"/>
+          <p:cNvSpPr/>
+          <p:nvPr/>
+        </p:nvSpPr>
+        <p:spPr>
+          <a:xfrm>
+            <a:off x="6796836" y="1750626"/>
+            <a:ext cx="311972" cy="311972"/>
+          </a:xfrm>
+          <a:prstGeom prst="rect">
+            <a:avLst/>
+          </a:prstGeom>
+          <a:noFill/>
+          <a:ln>
+            <a:solidFill>
+              <a:schemeClr val="tx1"/>
+            </a:solidFill>
+          </a:ln>
+        </p:spPr>
+        <p:style>
+          <a:lnRef idx="2">
+            <a:schemeClr val="accent1">
+              <a:shade val="50000"/>
+            </a:schemeClr>
+          </a:lnRef>
+          <a:fillRef idx="1">
+            <a:schemeClr val="accent1"/>
+          </a:fillRef>
+          <a:effectRef idx="0">
+            <a:schemeClr val="accent1"/>
+          </a:effectRef>
+          <a:fontRef idx="minor">
+            <a:schemeClr val="lt1"/>
+          </a:fontRef>
+        </p:style>
+        <p:txBody>
+          <a:bodyPr rtlCol="0" anchor="ctr"/>
+          <a:lstStyle/>
+          <a:p>
+            <a:pPr algn="ctr"/>
+            <a:endParaRPr lang="tr-TR"/>
+          </a:p>
+        </p:txBody>
+      </p:sp>
+      <p:sp>
+        <p:nvSpPr>
+          <p:cNvPr id="199" name="Dikdörtgen 198"/>
+          <p:cNvSpPr/>
+          <p:nvPr/>
+        </p:nvSpPr>
+        <p:spPr>
+          <a:xfrm>
+            <a:off x="6796836" y="2374570"/>
+            <a:ext cx="311972" cy="311972"/>
+          </a:xfrm>
+          <a:prstGeom prst="rect">
+            <a:avLst/>
+          </a:prstGeom>
+          <a:noFill/>
+          <a:ln>
+            <a:solidFill>
+              <a:schemeClr val="tx1"/>
+            </a:solidFill>
+          </a:ln>
+        </p:spPr>
+        <p:style>
+          <a:lnRef idx="2">
+            <a:schemeClr val="accent1">
+              <a:shade val="50000"/>
+            </a:schemeClr>
+          </a:lnRef>
+          <a:fillRef idx="1">
+            <a:schemeClr val="accent1"/>
+          </a:fillRef>
+          <a:effectRef idx="0">
+            <a:schemeClr val="accent1"/>
+          </a:effectRef>
+          <a:fontRef idx="minor">
+            <a:schemeClr val="lt1"/>
+          </a:fontRef>
+        </p:style>
+        <p:txBody>
+          <a:bodyPr rtlCol="0" anchor="ctr"/>
+          <a:lstStyle/>
+          <a:p>
+            <a:pPr algn="ctr"/>
+            <a:endParaRPr lang="tr-TR"/>
+          </a:p>
+        </p:txBody>
+      </p:sp>
+      <p:cxnSp>
+        <p:nvCxnSpPr>
+          <p:cNvPr id="211" name="Eğri Bağlayıcı 210"/>
+          <p:cNvCxnSpPr>
+            <a:stCxn id="179" idx="3"/>
+            <a:endCxn id="181" idx="1"/>
+          </p:cNvCxnSpPr>
+          <p:nvPr/>
+        </p:nvCxnSpPr>
+        <p:spPr>
+          <a:xfrm flipV="1">
+            <a:off x="4600771" y="1602097"/>
+            <a:ext cx="529372" cy="1241377"/>
+          </a:xfrm>
+          <a:prstGeom prst="curvedConnector3">
+            <a:avLst/>
+          </a:prstGeom>
+          <a:ln>
+            <a:solidFill>
+              <a:schemeClr val="tx1"/>
+            </a:solidFill>
+          </a:ln>
+        </p:spPr>
+        <p:style>
+          <a:lnRef idx="1">
+            <a:schemeClr val="accent1"/>
+          </a:lnRef>
+          <a:fillRef idx="0">
+            <a:schemeClr val="accent1"/>
+          </a:fillRef>
+          <a:effectRef idx="0">
+            <a:schemeClr val="accent1"/>
+          </a:effectRef>
+          <a:fontRef idx="minor">
+            <a:schemeClr val="tx1"/>
+          </a:fontRef>
+        </p:style>
+      </p:cxnSp>
+      <p:cxnSp>
+        <p:nvCxnSpPr>
+          <p:cNvPr id="215" name="Düz Bağlayıcı 214"/>
+          <p:cNvCxnSpPr>
+            <a:stCxn id="34" idx="3"/>
+            <a:endCxn id="179" idx="1"/>
+          </p:cNvCxnSpPr>
+          <p:nvPr/>
+        </p:nvCxnSpPr>
+        <p:spPr>
+          <a:xfrm flipV="1">
+            <a:off x="3759881" y="2843474"/>
+            <a:ext cx="528918" cy="3812"/>
+          </a:xfrm>
+          <a:prstGeom prst="line">
+            <a:avLst/>
+          </a:prstGeom>
+          <a:ln>
+            <a:solidFill>
+              <a:schemeClr val="tx1"/>
+            </a:solidFill>
+          </a:ln>
+        </p:spPr>
+        <p:style>
+          <a:lnRef idx="1">
+            <a:schemeClr val="accent1"/>
+          </a:lnRef>
+          <a:fillRef idx="0">
+            <a:schemeClr val="accent1"/>
+          </a:fillRef>
+          <a:effectRef idx="0">
+            <a:schemeClr val="accent1"/>
+          </a:effectRef>
+          <a:fontRef idx="minor">
+            <a:schemeClr val="tx1"/>
+          </a:fontRef>
+        </p:style>
+      </p:cxnSp>
+      <p:cxnSp>
+        <p:nvCxnSpPr>
+          <p:cNvPr id="223" name="Eğri Bağlayıcı 222"/>
+          <p:cNvCxnSpPr>
+            <a:stCxn id="185" idx="1"/>
+            <a:endCxn id="181" idx="3"/>
+          </p:cNvCxnSpPr>
+          <p:nvPr/>
+        </p:nvCxnSpPr>
+        <p:spPr>
+          <a:xfrm rot="10800000" flipV="1">
+            <a:off x="5442115" y="975453"/>
+            <a:ext cx="520500" cy="626643"/>
+          </a:xfrm>
+          <a:prstGeom prst="curvedConnector3">
+            <a:avLst/>
+          </a:prstGeom>
+          <a:ln>
+            <a:solidFill>
+              <a:schemeClr val="tx1"/>
+            </a:solidFill>
+          </a:ln>
+        </p:spPr>
+        <p:style>
+          <a:lnRef idx="1">
+            <a:schemeClr val="accent1"/>
+          </a:lnRef>
+          <a:fillRef idx="0">
+            <a:schemeClr val="accent1"/>
+          </a:fillRef>
+          <a:effectRef idx="0">
+            <a:schemeClr val="accent1"/>
+          </a:effectRef>
+          <a:fontRef idx="minor">
+            <a:schemeClr val="tx1"/>
+          </a:fontRef>
+        </p:style>
+      </p:cxnSp>
+      <p:cxnSp>
+        <p:nvCxnSpPr>
+          <p:cNvPr id="225" name="Eğri Bağlayıcı 224"/>
+          <p:cNvCxnSpPr/>
+          <p:nvPr/>
+        </p:nvCxnSpPr>
+        <p:spPr>
+          <a:xfrm rot="10800000" flipV="1">
+            <a:off x="5439940" y="2232855"/>
+            <a:ext cx="520500" cy="626643"/>
+          </a:xfrm>
+          <a:prstGeom prst="curvedConnector3">
+            <a:avLst/>
+          </a:prstGeom>
+          <a:ln>
+            <a:solidFill>
+              <a:schemeClr val="tx1"/>
+            </a:solidFill>
+          </a:ln>
+        </p:spPr>
+        <p:style>
+          <a:lnRef idx="1">
+            <a:schemeClr val="accent1"/>
+          </a:lnRef>
+          <a:fillRef idx="0">
+            <a:schemeClr val="accent1"/>
+          </a:fillRef>
+          <a:effectRef idx="0">
+            <a:schemeClr val="accent1"/>
+          </a:effectRef>
+          <a:fontRef idx="minor">
+            <a:schemeClr val="tx1"/>
+          </a:fontRef>
+        </p:style>
+      </p:cxnSp>
+      <p:cxnSp>
+        <p:nvCxnSpPr>
+          <p:cNvPr id="227" name="Eğri Bağlayıcı 226"/>
+          <p:cNvCxnSpPr>
+            <a:stCxn id="181" idx="3"/>
+            <a:endCxn id="187" idx="1"/>
+          </p:cNvCxnSpPr>
+          <p:nvPr/>
+        </p:nvCxnSpPr>
+        <p:spPr>
+          <a:xfrm>
+            <a:off x="5442115" y="1602097"/>
+            <a:ext cx="520500" cy="621245"/>
+          </a:xfrm>
+          <a:prstGeom prst="curvedConnector3">
+            <a:avLst/>
+          </a:prstGeom>
+          <a:ln>
+            <a:solidFill>
+              <a:schemeClr val="tx1"/>
+            </a:solidFill>
+          </a:ln>
+        </p:spPr>
+        <p:style>
+          <a:lnRef idx="1">
+            <a:schemeClr val="accent1"/>
+          </a:lnRef>
+          <a:fillRef idx="0">
+            <a:schemeClr val="accent1"/>
+          </a:fillRef>
+          <a:effectRef idx="0">
+            <a:schemeClr val="accent1"/>
+          </a:effectRef>
+          <a:fontRef idx="minor">
+            <a:schemeClr val="tx1"/>
+          </a:fontRef>
+        </p:style>
+      </p:cxnSp>
+      <p:cxnSp>
+        <p:nvCxnSpPr>
+          <p:cNvPr id="231" name="Eğri Bağlayıcı 230"/>
+          <p:cNvCxnSpPr>
+            <a:stCxn id="185" idx="3"/>
+            <a:endCxn id="193" idx="1"/>
+          </p:cNvCxnSpPr>
+          <p:nvPr/>
+        </p:nvCxnSpPr>
+        <p:spPr>
+          <a:xfrm flipV="1">
+            <a:off x="6274587" y="658724"/>
+            <a:ext cx="522249" cy="316730"/>
+          </a:xfrm>
+          <a:prstGeom prst="curvedConnector3">
+            <a:avLst/>
+          </a:prstGeom>
+          <a:ln>
+            <a:solidFill>
+              <a:schemeClr val="tx1"/>
+            </a:solidFill>
+          </a:ln>
+        </p:spPr>
+        <p:style>
+          <a:lnRef idx="1">
+            <a:schemeClr val="accent1"/>
+          </a:lnRef>
+          <a:fillRef idx="0">
+            <a:schemeClr val="accent1"/>
+          </a:fillRef>
+          <a:effectRef idx="0">
+            <a:schemeClr val="accent1"/>
+          </a:effectRef>
+          <a:fontRef idx="minor">
+            <a:schemeClr val="tx1"/>
+          </a:fontRef>
+        </p:style>
+      </p:cxnSp>
+      <p:cxnSp>
+        <p:nvCxnSpPr>
+          <p:cNvPr id="233" name="Eğri Bağlayıcı 232"/>
+          <p:cNvCxnSpPr>
+            <a:stCxn id="185" idx="3"/>
+            <a:endCxn id="195" idx="1"/>
+          </p:cNvCxnSpPr>
+          <p:nvPr/>
+        </p:nvCxnSpPr>
+        <p:spPr>
+          <a:xfrm>
+            <a:off x="6274587" y="975454"/>
+            <a:ext cx="522249" cy="307214"/>
+          </a:xfrm>
+          <a:prstGeom prst="curvedConnector3">
+            <a:avLst/>
+          </a:prstGeom>
+          <a:ln>
+            <a:solidFill>
+              <a:schemeClr val="tx1"/>
+            </a:solidFill>
+          </a:ln>
+        </p:spPr>
+        <p:style>
+          <a:lnRef idx="1">
+            <a:schemeClr val="accent1"/>
+          </a:lnRef>
+          <a:fillRef idx="0">
+            <a:schemeClr val="accent1"/>
+          </a:fillRef>
+          <a:effectRef idx="0">
+            <a:schemeClr val="accent1"/>
+          </a:effectRef>
+          <a:fontRef idx="minor">
+            <a:schemeClr val="tx1"/>
+          </a:fontRef>
+        </p:style>
+      </p:cxnSp>
+      <p:cxnSp>
+        <p:nvCxnSpPr>
+          <p:cNvPr id="235" name="Eğri Bağlayıcı 234"/>
+          <p:cNvCxnSpPr>
+            <a:stCxn id="186" idx="3"/>
+            <a:endCxn id="195" idx="1"/>
+          </p:cNvCxnSpPr>
+          <p:nvPr/>
+        </p:nvCxnSpPr>
+        <p:spPr>
+          <a:xfrm flipV="1">
+            <a:off x="6274587" y="1282668"/>
+            <a:ext cx="522249" cy="316730"/>
+          </a:xfrm>
+          <a:prstGeom prst="curvedConnector3">
+            <a:avLst/>
+          </a:prstGeom>
+          <a:ln>
+            <a:solidFill>
+              <a:schemeClr val="tx1"/>
+            </a:solidFill>
+          </a:ln>
+        </p:spPr>
+        <p:style>
+          <a:lnRef idx="1">
+            <a:schemeClr val="accent1"/>
+          </a:lnRef>
+          <a:fillRef idx="0">
+            <a:schemeClr val="accent1"/>
+          </a:fillRef>
+          <a:effectRef idx="0">
+            <a:schemeClr val="accent1"/>
+          </a:effectRef>
+          <a:fontRef idx="minor">
+            <a:schemeClr val="tx1"/>
+          </a:fontRef>
+        </p:style>
+      </p:cxnSp>
+      <p:cxnSp>
+        <p:nvCxnSpPr>
+          <p:cNvPr id="237" name="Eğri Bağlayıcı 236"/>
+          <p:cNvCxnSpPr>
+            <a:stCxn id="186" idx="3"/>
+            <a:endCxn id="197" idx="1"/>
+          </p:cNvCxnSpPr>
+          <p:nvPr/>
+        </p:nvCxnSpPr>
+        <p:spPr>
+          <a:xfrm>
+            <a:off x="6274587" y="1599398"/>
+            <a:ext cx="522249" cy="307214"/>
+          </a:xfrm>
+          <a:prstGeom prst="curvedConnector3">
+            <a:avLst/>
+          </a:prstGeom>
+          <a:ln>
+            <a:solidFill>
+              <a:schemeClr val="tx1"/>
+            </a:solidFill>
+          </a:ln>
+        </p:spPr>
+        <p:style>
+          <a:lnRef idx="1">
+            <a:schemeClr val="accent1"/>
+          </a:lnRef>
+          <a:fillRef idx="0">
+            <a:schemeClr val="accent1"/>
+          </a:fillRef>
+          <a:effectRef idx="0">
+            <a:schemeClr val="accent1"/>
+          </a:effectRef>
+          <a:fontRef idx="minor">
+            <a:schemeClr val="tx1"/>
+          </a:fontRef>
+        </p:style>
+      </p:cxnSp>
+      <p:cxnSp>
+        <p:nvCxnSpPr>
+          <p:cNvPr id="239" name="Eğri Bağlayıcı 238"/>
+          <p:cNvCxnSpPr>
+            <a:stCxn id="187" idx="3"/>
+            <a:endCxn id="197" idx="1"/>
+          </p:cNvCxnSpPr>
+          <p:nvPr/>
+        </p:nvCxnSpPr>
+        <p:spPr>
+          <a:xfrm flipV="1">
+            <a:off x="6274587" y="1906612"/>
+            <a:ext cx="522249" cy="316730"/>
+          </a:xfrm>
+          <a:prstGeom prst="curvedConnector3">
+            <a:avLst/>
+          </a:prstGeom>
+          <a:ln>
+            <a:solidFill>
+              <a:schemeClr val="tx1"/>
+            </a:solidFill>
+          </a:ln>
+        </p:spPr>
+        <p:style>
+          <a:lnRef idx="1">
+            <a:schemeClr val="accent1"/>
+          </a:lnRef>
+          <a:fillRef idx="0">
+            <a:schemeClr val="accent1"/>
+          </a:fillRef>
+          <a:effectRef idx="0">
+            <a:schemeClr val="accent1"/>
+          </a:effectRef>
+          <a:fontRef idx="minor">
+            <a:schemeClr val="tx1"/>
+          </a:fontRef>
+        </p:style>
+      </p:cxnSp>
+      <p:cxnSp>
+        <p:nvCxnSpPr>
+          <p:cNvPr id="241" name="Eğri Bağlayıcı 240"/>
+          <p:cNvCxnSpPr>
+            <a:stCxn id="187" idx="3"/>
+            <a:endCxn id="199" idx="1"/>
+          </p:cNvCxnSpPr>
+          <p:nvPr/>
+        </p:nvCxnSpPr>
+        <p:spPr>
+          <a:xfrm>
+            <a:off x="6274587" y="2223342"/>
+            <a:ext cx="522249" cy="307214"/>
+          </a:xfrm>
+          <a:prstGeom prst="curvedConnector3">
+            <a:avLst/>
+          </a:prstGeom>
+          <a:ln>
+            <a:solidFill>
+              <a:schemeClr val="tx1"/>
+            </a:solidFill>
+          </a:ln>
+        </p:spPr>
+        <p:style>
+          <a:lnRef idx="1">
+            <a:schemeClr val="accent1"/>
+          </a:lnRef>
+          <a:fillRef idx="0">
+            <a:schemeClr val="accent1"/>
+          </a:fillRef>
+          <a:effectRef idx="0">
+            <a:schemeClr val="accent1"/>
+          </a:effectRef>
+          <a:fontRef idx="minor">
+            <a:schemeClr val="tx1"/>
+          </a:fontRef>
+        </p:style>
+      </p:cxnSp>
+      <p:cxnSp>
+        <p:nvCxnSpPr>
+          <p:cNvPr id="243" name="Eğri Bağlayıcı 242"/>
+          <p:cNvCxnSpPr>
+            <a:stCxn id="188" idx="3"/>
+            <a:endCxn id="199" idx="1"/>
+          </p:cNvCxnSpPr>
+          <p:nvPr/>
+        </p:nvCxnSpPr>
+        <p:spPr>
+          <a:xfrm flipV="1">
+            <a:off x="6274587" y="2530556"/>
+            <a:ext cx="522249" cy="316730"/>
+          </a:xfrm>
+          <a:prstGeom prst="curvedConnector3">
+            <a:avLst/>
+          </a:prstGeom>
+          <a:ln>
+            <a:solidFill>
+              <a:schemeClr val="tx1"/>
+            </a:solidFill>
+          </a:ln>
+        </p:spPr>
+        <p:style>
+          <a:lnRef idx="1">
+            <a:schemeClr val="accent1"/>
+          </a:lnRef>
+          <a:fillRef idx="0">
+            <a:schemeClr val="accent1"/>
+          </a:fillRef>
+          <a:effectRef idx="0">
+            <a:schemeClr val="accent1"/>
+          </a:effectRef>
+          <a:fontRef idx="minor">
+            <a:schemeClr val="tx1"/>
+          </a:fontRef>
+        </p:style>
+      </p:cxnSp>
+      <mc:AlternateContent xmlns:mc="http://schemas.openxmlformats.org/markup-compatibility/2006">
+        <mc:Choice xmlns:a14="http://schemas.microsoft.com/office/drawing/2010/main" Requires="a14">
+          <p:sp>
+            <p:nvSpPr>
+              <p:cNvPr id="35" name="TextBox 34"/>
+              <p:cNvSpPr txBox="1"/>
+              <p:nvPr/>
+            </p:nvSpPr>
+            <p:spPr>
+              <a:xfrm>
+                <a:off x="4384218" y="2720932"/>
+                <a:ext cx="118528" cy="215444"/>
+              </a:xfrm>
+              <a:prstGeom prst="rect">
+                <a:avLst/>
+              </a:prstGeom>
+              <a:noFill/>
+            </p:spPr>
+            <p:txBody>
+              <a:bodyPr wrap="square" lIns="0" tIns="0" rIns="0" bIns="0" rtlCol="0">
+                <a:spAutoFit/>
+              </a:bodyPr>
+              <a:lstStyle/>
+              <a:p>
+                <a14:m>
+                  <m:oMathPara xmlns:m="http://schemas.openxmlformats.org/officeDocument/2006/math">
+                    <m:oMathParaPr>
+                      <m:jc m:val="centerGroup"/>
+                    </m:oMathParaPr>
+                    <m:oMath xmlns:m="http://schemas.openxmlformats.org/officeDocument/2006/math">
+                      <m:sSub>
+                        <m:sSubPr>
+                          <m:ctrlPr>
+                            <a:rPr lang="en-GB" sz="1400" b="0" i="1" smtClean="0">
+                              <a:latin typeface="Cambria Math" panose="02040503050406030204" pitchFamily="18" charset="0"/>
+                            </a:rPr>
+                          </m:ctrlPr>
+                        </m:sSubPr>
+                        <m:e>
+                          <m:r>
+                            <a:rPr lang="en-GB" sz="1400" b="0" i="1" smtClean="0">
+                              <a:latin typeface="Cambria Math" panose="02040503050406030204" pitchFamily="18" charset="0"/>
+                            </a:rPr>
+                            <m:t>𝑥</m:t>
+                          </m:r>
+                        </m:e>
+                        <m:sub>
+                          <m:r>
+                            <a:rPr lang="en-GB" sz="1400" b="0" i="1" smtClean="0">
+                              <a:latin typeface="Cambria Math" panose="02040503050406030204" pitchFamily="18" charset="0"/>
+                            </a:rPr>
+                            <m:t>7</m:t>
+                          </m:r>
+                        </m:sub>
+                      </m:sSub>
+                    </m:oMath>
+                  </m:oMathPara>
+                </a14:m>
+                <a:endParaRPr lang="en-GB" sz="1400" dirty="0"/>
+              </a:p>
+            </p:txBody>
+          </p:sp>
+        </mc:Choice>
+        <mc:Fallback>
+          <p:sp>
+            <p:nvSpPr>
+              <p:cNvPr id="35" name="TextBox 34"/>
+              <p:cNvSpPr txBox="1">
+                <a:spLocks noRot="1" noChangeAspect="1" noMove="1" noResize="1" noEditPoints="1" noAdjustHandles="1" noChangeArrowheads="1" noChangeShapeType="1" noTextEdit="1"/>
+              </p:cNvSpPr>
+              <p:nvPr/>
+            </p:nvSpPr>
+            <p:spPr>
+              <a:xfrm>
+                <a:off x="4384218" y="2720932"/>
+                <a:ext cx="118528" cy="215444"/>
+              </a:xfrm>
+              <a:prstGeom prst="rect">
+                <a:avLst/>
+              </a:prstGeom>
+              <a:blipFill>
+                <a:blip r:embed="rId3"/>
+                <a:stretch>
+                  <a:fillRect l="-35000" r="-70000" b="-11111"/>
+                </a:stretch>
+              </a:blipFill>
+            </p:spPr>
+            <p:txBody>
+              <a:bodyPr/>
+              <a:lstStyle/>
+              <a:p>
+                <a:r>
+                  <a:rPr lang="en-GB">
+                    <a:noFill/>
+                  </a:rPr>
+                  <a:t> </a:t>
+                </a:r>
+              </a:p>
+            </p:txBody>
+          </p:sp>
+        </mc:Fallback>
+      </mc:AlternateContent>
+      <mc:AlternateContent xmlns:mc="http://schemas.openxmlformats.org/markup-compatibility/2006">
+        <mc:Choice xmlns:a14="http://schemas.microsoft.com/office/drawing/2010/main" Requires="a14">
+          <p:sp>
+            <p:nvSpPr>
+              <p:cNvPr id="128" name="TextBox 127"/>
+              <p:cNvSpPr txBox="1"/>
+              <p:nvPr/>
+            </p:nvSpPr>
+            <p:spPr>
+              <a:xfrm>
+                <a:off x="5215941" y="2720932"/>
+                <a:ext cx="118528" cy="215444"/>
+              </a:xfrm>
+              <a:prstGeom prst="rect">
+                <a:avLst/>
+              </a:prstGeom>
+              <a:noFill/>
+            </p:spPr>
+            <p:txBody>
+              <a:bodyPr wrap="square" lIns="0" tIns="0" rIns="0" bIns="0" rtlCol="0">
+                <a:spAutoFit/>
+              </a:bodyPr>
+              <a:lstStyle/>
+              <a:p>
+                <a14:m>
+                  <m:oMathPara xmlns:m="http://schemas.openxmlformats.org/officeDocument/2006/math">
+                    <m:oMathParaPr>
+                      <m:jc m:val="centerGroup"/>
+                    </m:oMathParaPr>
+                    <m:oMath xmlns:m="http://schemas.openxmlformats.org/officeDocument/2006/math">
+                      <m:sSub>
+                        <m:sSubPr>
+                          <m:ctrlPr>
+                            <a:rPr lang="en-GB" sz="1400" b="0" i="1" smtClean="0">
+                              <a:latin typeface="Cambria Math" panose="02040503050406030204" pitchFamily="18" charset="0"/>
+                            </a:rPr>
+                          </m:ctrlPr>
+                        </m:sSubPr>
+                        <m:e>
+                          <m:r>
+                            <a:rPr lang="en-GB" sz="1400" b="0" i="1" smtClean="0">
+                              <a:latin typeface="Cambria Math" panose="02040503050406030204" pitchFamily="18" charset="0"/>
+                            </a:rPr>
+                            <m:t>𝑥</m:t>
+                          </m:r>
+                        </m:e>
+                        <m:sub>
+                          <m:r>
+                            <a:rPr lang="en-GB" sz="1400" b="0" i="1" smtClean="0">
+                              <a:latin typeface="Cambria Math" panose="02040503050406030204" pitchFamily="18" charset="0"/>
+                            </a:rPr>
+                            <m:t>7</m:t>
+                          </m:r>
+                        </m:sub>
+                      </m:sSub>
+                    </m:oMath>
+                  </m:oMathPara>
+                </a14:m>
+                <a:endParaRPr lang="en-GB" sz="1400" dirty="0"/>
+              </a:p>
+            </p:txBody>
+          </p:sp>
+        </mc:Choice>
+        <mc:Fallback>
+          <p:sp>
+            <p:nvSpPr>
+              <p:cNvPr id="128" name="TextBox 127"/>
+              <p:cNvSpPr txBox="1">
+                <a:spLocks noRot="1" noChangeAspect="1" noMove="1" noResize="1" noEditPoints="1" noAdjustHandles="1" noChangeArrowheads="1" noChangeShapeType="1" noTextEdit="1"/>
+              </p:cNvSpPr>
+              <p:nvPr/>
+            </p:nvSpPr>
+            <p:spPr>
+              <a:xfrm>
+                <a:off x="5215941" y="2720932"/>
+                <a:ext cx="118528" cy="215444"/>
+              </a:xfrm>
+              <a:prstGeom prst="rect">
+                <a:avLst/>
+              </a:prstGeom>
+              <a:blipFill>
+                <a:blip r:embed="rId4"/>
+                <a:stretch>
+                  <a:fillRect l="-42105" r="-78947" b="-11111"/>
+                </a:stretch>
+              </a:blipFill>
+            </p:spPr>
+            <p:txBody>
+              <a:bodyPr/>
+              <a:lstStyle/>
+              <a:p>
+                <a:r>
+                  <a:rPr lang="en-GB">
+                    <a:noFill/>
+                  </a:rPr>
+                  <a:t> </a:t>
+                </a:r>
+              </a:p>
+            </p:txBody>
+          </p:sp>
+        </mc:Fallback>
+      </mc:AlternateContent>
+      <mc:AlternateContent xmlns:mc="http://schemas.openxmlformats.org/markup-compatibility/2006">
+        <mc:Choice xmlns:a14="http://schemas.microsoft.com/office/drawing/2010/main" Requires="a14">
+          <p:sp>
+            <p:nvSpPr>
+              <p:cNvPr id="129" name="TextBox 128"/>
+              <p:cNvSpPr txBox="1"/>
+              <p:nvPr/>
+            </p:nvSpPr>
+            <p:spPr>
+              <a:xfrm>
+                <a:off x="6059337" y="2715535"/>
+                <a:ext cx="71004" cy="215444"/>
+              </a:xfrm>
+              <a:prstGeom prst="rect">
+                <a:avLst/>
+              </a:prstGeom>
+              <a:noFill/>
+            </p:spPr>
+            <p:txBody>
+              <a:bodyPr wrap="square" lIns="0" tIns="0" rIns="0" bIns="0" rtlCol="0">
+                <a:spAutoFit/>
+              </a:bodyPr>
+              <a:lstStyle/>
+              <a:p>
+                <a14:m>
+                  <m:oMathPara xmlns:m="http://schemas.openxmlformats.org/officeDocument/2006/math">
+                    <m:oMathParaPr>
+                      <m:jc m:val="centerGroup"/>
+                    </m:oMathParaPr>
+                    <m:oMath xmlns:m="http://schemas.openxmlformats.org/officeDocument/2006/math">
+                      <m:sSub>
+                        <m:sSubPr>
+                          <m:ctrlPr>
+                            <a:rPr lang="en-GB" sz="1400" b="0" i="1" smtClean="0">
+                              <a:latin typeface="Cambria Math" panose="02040503050406030204" pitchFamily="18" charset="0"/>
+                            </a:rPr>
+                          </m:ctrlPr>
+                        </m:sSubPr>
+                        <m:e>
+                          <m:r>
+                            <a:rPr lang="en-GB" sz="1400" b="0" i="1" smtClean="0">
+                              <a:latin typeface="Cambria Math" panose="02040503050406030204" pitchFamily="18" charset="0"/>
+                            </a:rPr>
+                            <m:t>𝑥</m:t>
+                          </m:r>
+                        </m:e>
+                        <m:sub>
+                          <m:r>
+                            <a:rPr lang="en-GB" sz="1400" b="0" i="1" smtClean="0">
+                              <a:latin typeface="Cambria Math" panose="02040503050406030204" pitchFamily="18" charset="0"/>
+                            </a:rPr>
+                            <m:t>7</m:t>
+                          </m:r>
+                        </m:sub>
+                      </m:sSub>
+                    </m:oMath>
+                  </m:oMathPara>
+                </a14:m>
+                <a:endParaRPr lang="en-GB" sz="1400" dirty="0"/>
+              </a:p>
+            </p:txBody>
+          </p:sp>
+        </mc:Choice>
+        <mc:Fallback>
+          <p:sp>
+            <p:nvSpPr>
+              <p:cNvPr id="129" name="TextBox 128"/>
+              <p:cNvSpPr txBox="1">
+                <a:spLocks noRot="1" noChangeAspect="1" noMove="1" noResize="1" noEditPoints="1" noAdjustHandles="1" noChangeArrowheads="1" noChangeShapeType="1" noTextEdit="1"/>
+              </p:cNvSpPr>
+              <p:nvPr/>
+            </p:nvSpPr>
+            <p:spPr>
+              <a:xfrm>
+                <a:off x="6059337" y="2715535"/>
+                <a:ext cx="71004" cy="215444"/>
+              </a:xfrm>
+              <a:prstGeom prst="rect">
+                <a:avLst/>
+              </a:prstGeom>
+              <a:blipFill>
+                <a:blip r:embed="rId4"/>
+                <a:stretch>
+                  <a:fillRect l="-66667" r="-183333" b="-11111"/>
+                </a:stretch>
+              </a:blipFill>
+            </p:spPr>
+            <p:txBody>
+              <a:bodyPr/>
+              <a:lstStyle/>
+              <a:p>
+                <a:r>
+                  <a:rPr lang="en-GB">
+                    <a:noFill/>
+                  </a:rPr>
+                  <a:t> </a:t>
+                </a:r>
+              </a:p>
+            </p:txBody>
+          </p:sp>
+        </mc:Fallback>
+      </mc:AlternateContent>
+      <mc:AlternateContent xmlns:mc="http://schemas.openxmlformats.org/markup-compatibility/2006">
+        <mc:Choice xmlns:a14="http://schemas.microsoft.com/office/drawing/2010/main" Requires="a14">
+          <p:sp>
+            <p:nvSpPr>
+              <p:cNvPr id="130" name="TextBox 129"/>
+              <p:cNvSpPr txBox="1"/>
+              <p:nvPr/>
+            </p:nvSpPr>
+            <p:spPr>
+              <a:xfrm>
+                <a:off x="6888564" y="2724253"/>
+                <a:ext cx="128515" cy="215444"/>
+              </a:xfrm>
+              <a:prstGeom prst="rect">
+                <a:avLst/>
+              </a:prstGeom>
+              <a:noFill/>
+            </p:spPr>
+            <p:txBody>
+              <a:bodyPr wrap="square" lIns="0" tIns="0" rIns="0" bIns="0" rtlCol="0">
+                <a:spAutoFit/>
+              </a:bodyPr>
+              <a:lstStyle/>
+              <a:p>
+                <a14:m>
+                  <m:oMathPara xmlns:m="http://schemas.openxmlformats.org/officeDocument/2006/math">
+                    <m:oMathParaPr>
+                      <m:jc m:val="centerGroup"/>
+                    </m:oMathParaPr>
+                    <m:oMath xmlns:m="http://schemas.openxmlformats.org/officeDocument/2006/math">
+                      <m:sSub>
+                        <m:sSubPr>
+                          <m:ctrlPr>
+                            <a:rPr lang="en-GB" sz="1400" b="0" i="1" smtClean="0">
+                              <a:latin typeface="Cambria Math" panose="02040503050406030204" pitchFamily="18" charset="0"/>
+                            </a:rPr>
+                          </m:ctrlPr>
+                        </m:sSubPr>
+                        <m:e>
+                          <m:r>
+                            <a:rPr lang="en-GB" sz="1400" b="0" i="1" smtClean="0">
+                              <a:latin typeface="Cambria Math" panose="02040503050406030204" pitchFamily="18" charset="0"/>
+                            </a:rPr>
+                            <m:t>𝑥</m:t>
+                          </m:r>
+                        </m:e>
+                        <m:sub>
+                          <m:r>
+                            <a:rPr lang="en-GB" sz="1400" b="0" i="1" smtClean="0">
+                              <a:latin typeface="Cambria Math" panose="02040503050406030204" pitchFamily="18" charset="0"/>
+                            </a:rPr>
+                            <m:t>7</m:t>
+                          </m:r>
+                        </m:sub>
+                      </m:sSub>
+                    </m:oMath>
+                  </m:oMathPara>
+                </a14:m>
+                <a:endParaRPr lang="en-GB" sz="1400" dirty="0"/>
+              </a:p>
+            </p:txBody>
+          </p:sp>
+        </mc:Choice>
+        <mc:Fallback>
+          <p:sp>
+            <p:nvSpPr>
+              <p:cNvPr id="130" name="TextBox 129"/>
+              <p:cNvSpPr txBox="1">
+                <a:spLocks noRot="1" noChangeAspect="1" noMove="1" noResize="1" noEditPoints="1" noAdjustHandles="1" noChangeArrowheads="1" noChangeShapeType="1" noTextEdit="1"/>
+              </p:cNvSpPr>
+              <p:nvPr/>
+            </p:nvSpPr>
+            <p:spPr>
+              <a:xfrm>
+                <a:off x="6888564" y="2724253"/>
+                <a:ext cx="128515" cy="215444"/>
+              </a:xfrm>
+              <a:prstGeom prst="rect">
+                <a:avLst/>
+              </a:prstGeom>
+              <a:blipFill>
+                <a:blip r:embed="rId3"/>
+                <a:stretch>
+                  <a:fillRect l="-33333" r="-61905" b="-14286"/>
+                </a:stretch>
+              </a:blipFill>
+            </p:spPr>
+            <p:txBody>
+              <a:bodyPr/>
+              <a:lstStyle/>
+              <a:p>
+                <a:r>
+                  <a:rPr lang="en-GB">
+                    <a:noFill/>
+                  </a:rPr>
+                  <a:t> </a:t>
+                </a:r>
+              </a:p>
+            </p:txBody>
+          </p:sp>
+        </mc:Fallback>
+      </mc:AlternateContent>
+      <mc:AlternateContent xmlns:mc="http://schemas.openxmlformats.org/markup-compatibility/2006">
+        <mc:Choice xmlns:a14="http://schemas.microsoft.com/office/drawing/2010/main" Requires="a14">
+          <p:sp>
+            <p:nvSpPr>
+              <p:cNvPr id="131" name="TextBox 130"/>
+              <p:cNvSpPr txBox="1"/>
+              <p:nvPr/>
+            </p:nvSpPr>
+            <p:spPr>
+              <a:xfrm>
+                <a:off x="5215941" y="1473308"/>
+                <a:ext cx="118528" cy="215444"/>
+              </a:xfrm>
+              <a:prstGeom prst="rect">
+                <a:avLst/>
+              </a:prstGeom>
+              <a:noFill/>
+            </p:spPr>
+            <p:txBody>
+              <a:bodyPr wrap="square" lIns="0" tIns="0" rIns="0" bIns="0" rtlCol="0">
+                <a:spAutoFit/>
+              </a:bodyPr>
+              <a:lstStyle/>
+              <a:p>
+                <a14:m>
+                  <m:oMathPara xmlns:m="http://schemas.openxmlformats.org/officeDocument/2006/math">
+                    <m:oMathParaPr>
+                      <m:jc m:val="centerGroup"/>
+                    </m:oMathParaPr>
+                    <m:oMath xmlns:m="http://schemas.openxmlformats.org/officeDocument/2006/math">
+                      <m:sSub>
+                        <m:sSubPr>
+                          <m:ctrlPr>
+                            <a:rPr lang="en-GB" sz="1400" b="0" i="1" smtClean="0">
+                              <a:latin typeface="Cambria Math" panose="02040503050406030204" pitchFamily="18" charset="0"/>
+                            </a:rPr>
+                          </m:ctrlPr>
+                        </m:sSubPr>
+                        <m:e>
+                          <m:r>
+                            <a:rPr lang="en-GB" sz="1400" b="0" i="1" smtClean="0">
+                              <a:latin typeface="Cambria Math" panose="02040503050406030204" pitchFamily="18" charset="0"/>
+                            </a:rPr>
+                            <m:t>𝑥</m:t>
+                          </m:r>
+                        </m:e>
+                        <m:sub>
+                          <m:r>
+                            <a:rPr lang="en-GB" sz="1400" b="0" i="1" smtClean="0">
+                              <a:latin typeface="Cambria Math" panose="02040503050406030204" pitchFamily="18" charset="0"/>
+                            </a:rPr>
+                            <m:t>3</m:t>
+                          </m:r>
+                        </m:sub>
+                      </m:sSub>
+                    </m:oMath>
+                  </m:oMathPara>
+                </a14:m>
+                <a:endParaRPr lang="en-GB" sz="1400" dirty="0"/>
+              </a:p>
+            </p:txBody>
+          </p:sp>
+        </mc:Choice>
+        <mc:Fallback>
+          <p:sp>
+            <p:nvSpPr>
+              <p:cNvPr id="131" name="TextBox 130"/>
+              <p:cNvSpPr txBox="1">
+                <a:spLocks noRot="1" noChangeAspect="1" noMove="1" noResize="1" noEditPoints="1" noAdjustHandles="1" noChangeArrowheads="1" noChangeShapeType="1" noTextEdit="1"/>
+              </p:cNvSpPr>
+              <p:nvPr/>
+            </p:nvSpPr>
+            <p:spPr>
+              <a:xfrm>
+                <a:off x="5215941" y="1473308"/>
+                <a:ext cx="118528" cy="215444"/>
+              </a:xfrm>
+              <a:prstGeom prst="rect">
+                <a:avLst/>
+              </a:prstGeom>
+              <a:blipFill>
+                <a:blip r:embed="rId5"/>
+                <a:stretch>
+                  <a:fillRect l="-42105" r="-78947" b="-14286"/>
+                </a:stretch>
+              </a:blipFill>
+            </p:spPr>
+            <p:txBody>
+              <a:bodyPr/>
+              <a:lstStyle/>
+              <a:p>
+                <a:r>
+                  <a:rPr lang="en-GB">
+                    <a:noFill/>
+                  </a:rPr>
+                  <a:t> </a:t>
+                </a:r>
+              </a:p>
+            </p:txBody>
+          </p:sp>
+        </mc:Fallback>
+      </mc:AlternateContent>
+      <mc:AlternateContent xmlns:mc="http://schemas.openxmlformats.org/markup-compatibility/2006">
+        <mc:Choice xmlns:a14="http://schemas.microsoft.com/office/drawing/2010/main" Requires="a14">
+          <p:sp>
+            <p:nvSpPr>
+              <p:cNvPr id="132" name="TextBox 131"/>
+              <p:cNvSpPr txBox="1"/>
+              <p:nvPr/>
+            </p:nvSpPr>
+            <p:spPr>
+              <a:xfrm>
+                <a:off x="6059337" y="843703"/>
+                <a:ext cx="118528" cy="215444"/>
+              </a:xfrm>
+              <a:prstGeom prst="rect">
+                <a:avLst/>
+              </a:prstGeom>
+              <a:noFill/>
+            </p:spPr>
+            <p:txBody>
+              <a:bodyPr wrap="square" lIns="0" tIns="0" rIns="0" bIns="0" rtlCol="0">
+                <a:spAutoFit/>
+              </a:bodyPr>
+              <a:lstStyle/>
+              <a:p>
+                <a14:m>
+                  <m:oMathPara xmlns:m="http://schemas.openxmlformats.org/officeDocument/2006/math">
+                    <m:oMathParaPr>
+                      <m:jc m:val="centerGroup"/>
+                    </m:oMathParaPr>
+                    <m:oMath xmlns:m="http://schemas.openxmlformats.org/officeDocument/2006/math">
+                      <m:sSub>
+                        <m:sSubPr>
+                          <m:ctrlPr>
+                            <a:rPr lang="en-GB" sz="1400" b="0" i="1" smtClean="0">
+                              <a:latin typeface="Cambria Math" panose="02040503050406030204" pitchFamily="18" charset="0"/>
+                            </a:rPr>
+                          </m:ctrlPr>
+                        </m:sSubPr>
+                        <m:e>
+                          <m:r>
+                            <a:rPr lang="en-GB" sz="1400" b="0" i="1" smtClean="0">
+                              <a:latin typeface="Cambria Math" panose="02040503050406030204" pitchFamily="18" charset="0"/>
+                            </a:rPr>
+                            <m:t>𝑥</m:t>
+                          </m:r>
+                        </m:e>
+                        <m:sub>
+                          <m:r>
+                            <a:rPr lang="en-GB" sz="1400" b="0" i="1" smtClean="0">
+                              <a:latin typeface="Cambria Math" panose="02040503050406030204" pitchFamily="18" charset="0"/>
+                            </a:rPr>
+                            <m:t>1</m:t>
+                          </m:r>
+                        </m:sub>
+                      </m:sSub>
+                    </m:oMath>
+                  </m:oMathPara>
+                </a14:m>
+                <a:endParaRPr lang="en-GB" sz="1400" dirty="0"/>
+              </a:p>
+            </p:txBody>
+          </p:sp>
+        </mc:Choice>
+        <mc:Fallback>
+          <p:sp>
+            <p:nvSpPr>
+              <p:cNvPr id="132" name="TextBox 131"/>
+              <p:cNvSpPr txBox="1">
+                <a:spLocks noRot="1" noChangeAspect="1" noMove="1" noResize="1" noEditPoints="1" noAdjustHandles="1" noChangeArrowheads="1" noChangeShapeType="1" noTextEdit="1"/>
+              </p:cNvSpPr>
+              <p:nvPr/>
+            </p:nvSpPr>
+            <p:spPr>
+              <a:xfrm>
+                <a:off x="6059337" y="843703"/>
+                <a:ext cx="118528" cy="215444"/>
+              </a:xfrm>
+              <a:prstGeom prst="rect">
+                <a:avLst/>
+              </a:prstGeom>
+              <a:blipFill>
+                <a:blip r:embed="rId6"/>
+                <a:stretch>
+                  <a:fillRect l="-42105" r="-73684" b="-11111"/>
+                </a:stretch>
+              </a:blipFill>
+            </p:spPr>
+            <p:txBody>
+              <a:bodyPr/>
+              <a:lstStyle/>
+              <a:p>
+                <a:r>
+                  <a:rPr lang="en-GB">
+                    <a:noFill/>
+                  </a:rPr>
+                  <a:t> </a:t>
+                </a:r>
+              </a:p>
+            </p:txBody>
+          </p:sp>
+        </mc:Fallback>
+      </mc:AlternateContent>
+      <mc:AlternateContent xmlns:mc="http://schemas.openxmlformats.org/markup-compatibility/2006">
+        <mc:Choice xmlns:a14="http://schemas.microsoft.com/office/drawing/2010/main" Requires="a14">
+          <p:sp>
+            <p:nvSpPr>
+              <p:cNvPr id="133" name="TextBox 132"/>
+              <p:cNvSpPr txBox="1"/>
+              <p:nvPr/>
+            </p:nvSpPr>
+            <p:spPr>
+              <a:xfrm>
+                <a:off x="6051615" y="1467647"/>
+                <a:ext cx="118528" cy="215444"/>
+              </a:xfrm>
+              <a:prstGeom prst="rect">
+                <a:avLst/>
+              </a:prstGeom>
+              <a:noFill/>
+            </p:spPr>
+            <p:txBody>
+              <a:bodyPr wrap="square" lIns="0" tIns="0" rIns="0" bIns="0" rtlCol="0">
+                <a:spAutoFit/>
+              </a:bodyPr>
+              <a:lstStyle/>
+              <a:p>
+                <a14:m>
+                  <m:oMathPara xmlns:m="http://schemas.openxmlformats.org/officeDocument/2006/math">
+                    <m:oMathParaPr>
+                      <m:jc m:val="centerGroup"/>
+                    </m:oMathParaPr>
+                    <m:oMath xmlns:m="http://schemas.openxmlformats.org/officeDocument/2006/math">
+                      <m:sSub>
+                        <m:sSubPr>
+                          <m:ctrlPr>
+                            <a:rPr lang="en-GB" sz="1400" b="0" i="1" smtClean="0">
+                              <a:latin typeface="Cambria Math" panose="02040503050406030204" pitchFamily="18" charset="0"/>
+                            </a:rPr>
+                          </m:ctrlPr>
+                        </m:sSubPr>
+                        <m:e>
+                          <m:r>
+                            <a:rPr lang="en-GB" sz="1400" b="0" i="1" smtClean="0">
+                              <a:latin typeface="Cambria Math" panose="02040503050406030204" pitchFamily="18" charset="0"/>
+                            </a:rPr>
+                            <m:t>𝑥</m:t>
+                          </m:r>
+                        </m:e>
+                        <m:sub>
+                          <m:r>
+                            <a:rPr lang="en-GB" sz="1400" b="0" i="1" smtClean="0">
+                              <a:latin typeface="Cambria Math" panose="02040503050406030204" pitchFamily="18" charset="0"/>
+                            </a:rPr>
+                            <m:t>3</m:t>
+                          </m:r>
+                        </m:sub>
+                      </m:sSub>
+                    </m:oMath>
+                  </m:oMathPara>
+                </a14:m>
+                <a:endParaRPr lang="en-GB" sz="1400" dirty="0"/>
+              </a:p>
+            </p:txBody>
+          </p:sp>
+        </mc:Choice>
+        <mc:Fallback>
+          <p:sp>
+            <p:nvSpPr>
+              <p:cNvPr id="133" name="TextBox 132"/>
+              <p:cNvSpPr txBox="1">
+                <a:spLocks noRot="1" noChangeAspect="1" noMove="1" noResize="1" noEditPoints="1" noAdjustHandles="1" noChangeArrowheads="1" noChangeShapeType="1" noTextEdit="1"/>
+              </p:cNvSpPr>
+              <p:nvPr/>
+            </p:nvSpPr>
+            <p:spPr>
+              <a:xfrm>
+                <a:off x="6051615" y="1467647"/>
+                <a:ext cx="118528" cy="215444"/>
+              </a:xfrm>
+              <a:prstGeom prst="rect">
+                <a:avLst/>
+              </a:prstGeom>
+              <a:blipFill>
+                <a:blip r:embed="rId5"/>
+                <a:stretch>
+                  <a:fillRect l="-42105" r="-78947" b="-14286"/>
+                </a:stretch>
+              </a:blipFill>
+            </p:spPr>
+            <p:txBody>
+              <a:bodyPr/>
+              <a:lstStyle/>
+              <a:p>
+                <a:r>
+                  <a:rPr lang="en-GB">
+                    <a:noFill/>
+                  </a:rPr>
+                  <a:t> </a:t>
+                </a:r>
+              </a:p>
+            </p:txBody>
+          </p:sp>
+        </mc:Fallback>
+      </mc:AlternateContent>
+      <mc:AlternateContent xmlns:mc="http://schemas.openxmlformats.org/markup-compatibility/2006">
+        <mc:Choice xmlns:a14="http://schemas.microsoft.com/office/drawing/2010/main" Requires="a14">
+          <p:sp>
+            <p:nvSpPr>
+              <p:cNvPr id="135" name="TextBox 134"/>
+              <p:cNvSpPr txBox="1"/>
+              <p:nvPr/>
+            </p:nvSpPr>
+            <p:spPr>
+              <a:xfrm>
+                <a:off x="6043772" y="2091591"/>
+                <a:ext cx="118528" cy="215444"/>
+              </a:xfrm>
+              <a:prstGeom prst="rect">
+                <a:avLst/>
+              </a:prstGeom>
+              <a:noFill/>
+            </p:spPr>
+            <p:txBody>
+              <a:bodyPr wrap="square" lIns="0" tIns="0" rIns="0" bIns="0" rtlCol="0">
+                <a:spAutoFit/>
+              </a:bodyPr>
+              <a:lstStyle/>
+              <a:p>
+                <a14:m>
+                  <m:oMathPara xmlns:m="http://schemas.openxmlformats.org/officeDocument/2006/math">
+                    <m:oMathParaPr>
+                      <m:jc m:val="centerGroup"/>
+                    </m:oMathParaPr>
+                    <m:oMath xmlns:m="http://schemas.openxmlformats.org/officeDocument/2006/math">
+                      <m:sSub>
+                        <m:sSubPr>
+                          <m:ctrlPr>
+                            <a:rPr lang="en-GB" sz="1400" b="0" i="1" smtClean="0">
+                              <a:latin typeface="Cambria Math" panose="02040503050406030204" pitchFamily="18" charset="0"/>
+                            </a:rPr>
+                          </m:ctrlPr>
+                        </m:sSubPr>
+                        <m:e>
+                          <m:r>
+                            <a:rPr lang="en-GB" sz="1400" b="0" i="1" smtClean="0">
+                              <a:latin typeface="Cambria Math" panose="02040503050406030204" pitchFamily="18" charset="0"/>
+                            </a:rPr>
+                            <m:t>𝑥</m:t>
+                          </m:r>
+                        </m:e>
+                        <m:sub>
+                          <m:r>
+                            <a:rPr lang="en-GB" sz="1400" b="0" i="1" smtClean="0">
+                              <a:latin typeface="Cambria Math" panose="02040503050406030204" pitchFamily="18" charset="0"/>
+                            </a:rPr>
+                            <m:t>5</m:t>
+                          </m:r>
+                        </m:sub>
+                      </m:sSub>
+                    </m:oMath>
+                  </m:oMathPara>
+                </a14:m>
+                <a:endParaRPr lang="en-GB" sz="1400" dirty="0"/>
+              </a:p>
+            </p:txBody>
+          </p:sp>
+        </mc:Choice>
+        <mc:Fallback>
+          <p:sp>
+            <p:nvSpPr>
+              <p:cNvPr id="135" name="TextBox 134"/>
+              <p:cNvSpPr txBox="1">
+                <a:spLocks noRot="1" noChangeAspect="1" noMove="1" noResize="1" noEditPoints="1" noAdjustHandles="1" noChangeArrowheads="1" noChangeShapeType="1" noTextEdit="1"/>
+              </p:cNvSpPr>
+              <p:nvPr/>
+            </p:nvSpPr>
+            <p:spPr>
+              <a:xfrm>
+                <a:off x="6043772" y="2091591"/>
+                <a:ext cx="118528" cy="215444"/>
+              </a:xfrm>
+              <a:prstGeom prst="rect">
+                <a:avLst/>
+              </a:prstGeom>
+              <a:blipFill>
+                <a:blip r:embed="rId7"/>
+                <a:stretch>
+                  <a:fillRect l="-35000" r="-75000" b="-17143"/>
+                </a:stretch>
+              </a:blipFill>
+            </p:spPr>
+            <p:txBody>
+              <a:bodyPr/>
+              <a:lstStyle/>
+              <a:p>
+                <a:r>
+                  <a:rPr lang="en-GB">
+                    <a:noFill/>
+                  </a:rPr>
+                  <a:t> </a:t>
+                </a:r>
+              </a:p>
+            </p:txBody>
+          </p:sp>
+        </mc:Fallback>
+      </mc:AlternateContent>
+      <mc:AlternateContent xmlns:mc="http://schemas.openxmlformats.org/markup-compatibility/2006">
+        <mc:Choice xmlns:a14="http://schemas.microsoft.com/office/drawing/2010/main" Requires="a14">
+          <p:sp>
+            <p:nvSpPr>
+              <p:cNvPr id="136" name="TextBox 135"/>
+              <p:cNvSpPr txBox="1"/>
+              <p:nvPr/>
+            </p:nvSpPr>
+            <p:spPr>
+              <a:xfrm>
+                <a:off x="6888564" y="521273"/>
+                <a:ext cx="118528" cy="215444"/>
+              </a:xfrm>
+              <a:prstGeom prst="rect">
+                <a:avLst/>
+              </a:prstGeom>
+              <a:noFill/>
+            </p:spPr>
+            <p:txBody>
+              <a:bodyPr wrap="square" lIns="0" tIns="0" rIns="0" bIns="0" rtlCol="0">
+                <a:spAutoFit/>
+              </a:bodyPr>
+              <a:lstStyle/>
+              <a:p>
+                <a14:m>
+                  <m:oMathPara xmlns:m="http://schemas.openxmlformats.org/officeDocument/2006/math">
+                    <m:oMathParaPr>
+                      <m:jc m:val="centerGroup"/>
+                    </m:oMathParaPr>
+                    <m:oMath xmlns:m="http://schemas.openxmlformats.org/officeDocument/2006/math">
+                      <m:sSub>
+                        <m:sSubPr>
+                          <m:ctrlPr>
+                            <a:rPr lang="en-GB" sz="1400" b="0" i="1" smtClean="0">
+                              <a:latin typeface="Cambria Math" panose="02040503050406030204" pitchFamily="18" charset="0"/>
+                            </a:rPr>
+                          </m:ctrlPr>
+                        </m:sSubPr>
+                        <m:e>
+                          <m:r>
+                            <a:rPr lang="en-GB" sz="1400" b="0" i="1" smtClean="0">
+                              <a:latin typeface="Cambria Math" panose="02040503050406030204" pitchFamily="18" charset="0"/>
+                            </a:rPr>
+                            <m:t>𝑥</m:t>
+                          </m:r>
+                        </m:e>
+                        <m:sub>
+                          <m:r>
+                            <a:rPr lang="en-GB" sz="1400" b="0" i="1" smtClean="0">
+                              <a:latin typeface="Cambria Math" panose="02040503050406030204" pitchFamily="18" charset="0"/>
+                            </a:rPr>
+                            <m:t>0</m:t>
+                          </m:r>
+                        </m:sub>
+                      </m:sSub>
+                    </m:oMath>
+                  </m:oMathPara>
+                </a14:m>
+                <a:endParaRPr lang="en-GB" sz="1400" dirty="0"/>
+              </a:p>
+            </p:txBody>
+          </p:sp>
+        </mc:Choice>
+        <mc:Fallback>
+          <p:sp>
+            <p:nvSpPr>
+              <p:cNvPr id="136" name="TextBox 135"/>
+              <p:cNvSpPr txBox="1">
+                <a:spLocks noRot="1" noChangeAspect="1" noMove="1" noResize="1" noEditPoints="1" noAdjustHandles="1" noChangeArrowheads="1" noChangeShapeType="1" noTextEdit="1"/>
+              </p:cNvSpPr>
+              <p:nvPr/>
+            </p:nvSpPr>
+            <p:spPr>
+              <a:xfrm>
+                <a:off x="6888564" y="521273"/>
+                <a:ext cx="118528" cy="215444"/>
+              </a:xfrm>
+              <a:prstGeom prst="rect">
+                <a:avLst/>
+              </a:prstGeom>
+              <a:blipFill>
+                <a:blip r:embed="rId8"/>
+                <a:stretch>
+                  <a:fillRect l="-36842" r="-78947" b="-14286"/>
+                </a:stretch>
+              </a:blipFill>
+            </p:spPr>
+            <p:txBody>
+              <a:bodyPr/>
+              <a:lstStyle/>
+              <a:p>
+                <a:r>
+                  <a:rPr lang="en-GB">
+                    <a:noFill/>
+                  </a:rPr>
+                  <a:t> </a:t>
+                </a:r>
+              </a:p>
+            </p:txBody>
+          </p:sp>
+        </mc:Fallback>
+      </mc:AlternateContent>
+      <mc:AlternateContent xmlns:mc="http://schemas.openxmlformats.org/markup-compatibility/2006">
+        <mc:Choice xmlns:a14="http://schemas.microsoft.com/office/drawing/2010/main" Requires="a14">
+          <p:sp>
+            <p:nvSpPr>
+              <p:cNvPr id="137" name="TextBox 136"/>
+              <p:cNvSpPr txBox="1"/>
+              <p:nvPr/>
+            </p:nvSpPr>
+            <p:spPr>
+              <a:xfrm>
+                <a:off x="6888564" y="836176"/>
+                <a:ext cx="118528" cy="215444"/>
+              </a:xfrm>
+              <a:prstGeom prst="rect">
+                <a:avLst/>
+              </a:prstGeom>
+              <a:noFill/>
+            </p:spPr>
+            <p:txBody>
+              <a:bodyPr wrap="square" lIns="0" tIns="0" rIns="0" bIns="0" rtlCol="0">
+                <a:spAutoFit/>
+              </a:bodyPr>
+              <a:lstStyle/>
+              <a:p>
+                <a14:m>
+                  <m:oMathPara xmlns:m="http://schemas.openxmlformats.org/officeDocument/2006/math">
+                    <m:oMathParaPr>
+                      <m:jc m:val="centerGroup"/>
+                    </m:oMathParaPr>
+                    <m:oMath xmlns:m="http://schemas.openxmlformats.org/officeDocument/2006/math">
+                      <m:sSub>
+                        <m:sSubPr>
+                          <m:ctrlPr>
+                            <a:rPr lang="en-GB" sz="1400" b="0" i="1" smtClean="0">
+                              <a:latin typeface="Cambria Math" panose="02040503050406030204" pitchFamily="18" charset="0"/>
+                            </a:rPr>
+                          </m:ctrlPr>
+                        </m:sSubPr>
+                        <m:e>
+                          <m:r>
+                            <a:rPr lang="en-GB" sz="1400" b="0" i="1" smtClean="0">
+                              <a:latin typeface="Cambria Math" panose="02040503050406030204" pitchFamily="18" charset="0"/>
+                            </a:rPr>
+                            <m:t>𝑥</m:t>
+                          </m:r>
+                        </m:e>
+                        <m:sub>
+                          <m:r>
+                            <a:rPr lang="en-GB" sz="1400" b="0" i="1" smtClean="0">
+                              <a:latin typeface="Cambria Math" panose="02040503050406030204" pitchFamily="18" charset="0"/>
+                            </a:rPr>
+                            <m:t>1</m:t>
+                          </m:r>
+                        </m:sub>
+                      </m:sSub>
+                    </m:oMath>
+                  </m:oMathPara>
+                </a14:m>
+                <a:endParaRPr lang="en-GB" sz="1400" dirty="0"/>
+              </a:p>
+            </p:txBody>
+          </p:sp>
+        </mc:Choice>
+        <mc:Fallback>
+          <p:sp>
+            <p:nvSpPr>
+              <p:cNvPr id="137" name="TextBox 136"/>
+              <p:cNvSpPr txBox="1">
+                <a:spLocks noRot="1" noChangeAspect="1" noMove="1" noResize="1" noEditPoints="1" noAdjustHandles="1" noChangeArrowheads="1" noChangeShapeType="1" noTextEdit="1"/>
+              </p:cNvSpPr>
+              <p:nvPr/>
+            </p:nvSpPr>
+            <p:spPr>
+              <a:xfrm>
+                <a:off x="6888564" y="836176"/>
+                <a:ext cx="118528" cy="215444"/>
+              </a:xfrm>
+              <a:prstGeom prst="rect">
+                <a:avLst/>
+              </a:prstGeom>
+              <a:blipFill>
+                <a:blip r:embed="rId9"/>
+                <a:stretch>
+                  <a:fillRect l="-36842" r="-73684" b="-11111"/>
+                </a:stretch>
+              </a:blipFill>
+            </p:spPr>
+            <p:txBody>
+              <a:bodyPr/>
+              <a:lstStyle/>
+              <a:p>
+                <a:r>
+                  <a:rPr lang="en-GB">
+                    <a:noFill/>
+                  </a:rPr>
+                  <a:t> </a:t>
+                </a:r>
+              </a:p>
+            </p:txBody>
+          </p:sp>
+        </mc:Fallback>
+      </mc:AlternateContent>
+      <mc:AlternateContent xmlns:mc="http://schemas.openxmlformats.org/markup-compatibility/2006">
+        <mc:Choice xmlns:a14="http://schemas.microsoft.com/office/drawing/2010/main" Requires="a14">
+          <p:sp>
+            <p:nvSpPr>
+              <p:cNvPr id="138" name="TextBox 137"/>
+              <p:cNvSpPr txBox="1"/>
+              <p:nvPr/>
+            </p:nvSpPr>
+            <p:spPr>
+              <a:xfrm>
+                <a:off x="6888564" y="1153465"/>
+                <a:ext cx="118528" cy="215444"/>
+              </a:xfrm>
+              <a:prstGeom prst="rect">
+                <a:avLst/>
+              </a:prstGeom>
+              <a:noFill/>
+            </p:spPr>
+            <p:txBody>
+              <a:bodyPr wrap="square" lIns="0" tIns="0" rIns="0" bIns="0" rtlCol="0">
+                <a:spAutoFit/>
+              </a:bodyPr>
+              <a:lstStyle/>
+              <a:p>
+                <a14:m>
+                  <m:oMathPara xmlns:m="http://schemas.openxmlformats.org/officeDocument/2006/math">
+                    <m:oMathParaPr>
+                      <m:jc m:val="centerGroup"/>
+                    </m:oMathParaPr>
+                    <m:oMath xmlns:m="http://schemas.openxmlformats.org/officeDocument/2006/math">
+                      <m:sSub>
+                        <m:sSubPr>
+                          <m:ctrlPr>
+                            <a:rPr lang="en-GB" sz="1400" b="0" i="1" smtClean="0">
+                              <a:latin typeface="Cambria Math" panose="02040503050406030204" pitchFamily="18" charset="0"/>
+                            </a:rPr>
+                          </m:ctrlPr>
+                        </m:sSubPr>
+                        <m:e>
+                          <m:r>
+                            <a:rPr lang="en-GB" sz="1400" b="0" i="1" smtClean="0">
+                              <a:latin typeface="Cambria Math" panose="02040503050406030204" pitchFamily="18" charset="0"/>
+                            </a:rPr>
+                            <m:t>𝑥</m:t>
+                          </m:r>
+                        </m:e>
+                        <m:sub>
+                          <m:r>
+                            <a:rPr lang="en-GB" sz="1400" b="0" i="1" smtClean="0">
+                              <a:latin typeface="Cambria Math" panose="02040503050406030204" pitchFamily="18" charset="0"/>
+                            </a:rPr>
+                            <m:t>2</m:t>
+                          </m:r>
+                        </m:sub>
+                      </m:sSub>
+                    </m:oMath>
+                  </m:oMathPara>
+                </a14:m>
+                <a:endParaRPr lang="en-GB" sz="1400" dirty="0"/>
+              </a:p>
+            </p:txBody>
+          </p:sp>
+        </mc:Choice>
+        <mc:Fallback>
+          <p:sp>
+            <p:nvSpPr>
+              <p:cNvPr id="138" name="TextBox 137"/>
+              <p:cNvSpPr txBox="1">
+                <a:spLocks noRot="1" noChangeAspect="1" noMove="1" noResize="1" noEditPoints="1" noAdjustHandles="1" noChangeArrowheads="1" noChangeShapeType="1" noTextEdit="1"/>
+              </p:cNvSpPr>
+              <p:nvPr/>
+            </p:nvSpPr>
+            <p:spPr>
+              <a:xfrm>
+                <a:off x="6888564" y="1153465"/>
+                <a:ext cx="118528" cy="215444"/>
+              </a:xfrm>
+              <a:prstGeom prst="rect">
+                <a:avLst/>
+              </a:prstGeom>
+              <a:blipFill>
+                <a:blip r:embed="rId10"/>
+                <a:stretch>
+                  <a:fillRect l="-36842" r="-78947" b="-11111"/>
+                </a:stretch>
+              </a:blipFill>
+            </p:spPr>
+            <p:txBody>
+              <a:bodyPr/>
+              <a:lstStyle/>
+              <a:p>
+                <a:r>
+                  <a:rPr lang="en-GB">
+                    <a:noFill/>
+                  </a:rPr>
+                  <a:t> </a:t>
+                </a:r>
+              </a:p>
+            </p:txBody>
+          </p:sp>
+        </mc:Fallback>
+      </mc:AlternateContent>
+      <mc:AlternateContent xmlns:mc="http://schemas.openxmlformats.org/markup-compatibility/2006">
+        <mc:Choice xmlns:a14="http://schemas.microsoft.com/office/drawing/2010/main" Requires="a14">
+          <p:sp>
+            <p:nvSpPr>
+              <p:cNvPr id="139" name="TextBox 138"/>
+              <p:cNvSpPr txBox="1"/>
+              <p:nvPr/>
+            </p:nvSpPr>
+            <p:spPr>
+              <a:xfrm>
+                <a:off x="6888564" y="1466119"/>
+                <a:ext cx="118528" cy="215444"/>
+              </a:xfrm>
+              <a:prstGeom prst="rect">
+                <a:avLst/>
+              </a:prstGeom>
+              <a:noFill/>
+            </p:spPr>
+            <p:txBody>
+              <a:bodyPr wrap="square" lIns="0" tIns="0" rIns="0" bIns="0" rtlCol="0">
+                <a:spAutoFit/>
+              </a:bodyPr>
+              <a:lstStyle/>
+              <a:p>
+                <a14:m>
+                  <m:oMathPara xmlns:m="http://schemas.openxmlformats.org/officeDocument/2006/math">
+                    <m:oMathParaPr>
+                      <m:jc m:val="centerGroup"/>
+                    </m:oMathParaPr>
+                    <m:oMath xmlns:m="http://schemas.openxmlformats.org/officeDocument/2006/math">
+                      <m:sSub>
+                        <m:sSubPr>
+                          <m:ctrlPr>
+                            <a:rPr lang="en-GB" sz="1400" b="0" i="1" smtClean="0">
+                              <a:latin typeface="Cambria Math" panose="02040503050406030204" pitchFamily="18" charset="0"/>
+                            </a:rPr>
+                          </m:ctrlPr>
+                        </m:sSubPr>
+                        <m:e>
+                          <m:r>
+                            <a:rPr lang="en-GB" sz="1400" b="0" i="1" smtClean="0">
+                              <a:latin typeface="Cambria Math" panose="02040503050406030204" pitchFamily="18" charset="0"/>
+                            </a:rPr>
+                            <m:t>𝑥</m:t>
+                          </m:r>
+                        </m:e>
+                        <m:sub>
+                          <m:r>
+                            <a:rPr lang="en-GB" sz="1400" b="0" i="1" smtClean="0">
+                              <a:latin typeface="Cambria Math" panose="02040503050406030204" pitchFamily="18" charset="0"/>
+                            </a:rPr>
+                            <m:t>3</m:t>
+                          </m:r>
+                        </m:sub>
+                      </m:sSub>
+                    </m:oMath>
+                  </m:oMathPara>
+                </a14:m>
+                <a:endParaRPr lang="en-GB" sz="1400" dirty="0"/>
+              </a:p>
+            </p:txBody>
+          </p:sp>
+        </mc:Choice>
+        <mc:Fallback>
+          <p:sp>
+            <p:nvSpPr>
+              <p:cNvPr id="139" name="TextBox 138"/>
+              <p:cNvSpPr txBox="1">
+                <a:spLocks noRot="1" noChangeAspect="1" noMove="1" noResize="1" noEditPoints="1" noAdjustHandles="1" noChangeArrowheads="1" noChangeShapeType="1" noTextEdit="1"/>
+              </p:cNvSpPr>
+              <p:nvPr/>
+            </p:nvSpPr>
+            <p:spPr>
+              <a:xfrm>
+                <a:off x="6888564" y="1466119"/>
+                <a:ext cx="118528" cy="215444"/>
+              </a:xfrm>
+              <a:prstGeom prst="rect">
+                <a:avLst/>
+              </a:prstGeom>
+              <a:blipFill>
+                <a:blip r:embed="rId11"/>
+                <a:stretch>
+                  <a:fillRect l="-36842" r="-78947" b="-14286"/>
+                </a:stretch>
+              </a:blipFill>
+            </p:spPr>
+            <p:txBody>
+              <a:bodyPr/>
+              <a:lstStyle/>
+              <a:p>
+                <a:r>
+                  <a:rPr lang="en-GB">
+                    <a:noFill/>
+                  </a:rPr>
+                  <a:t> </a:t>
+                </a:r>
+              </a:p>
+            </p:txBody>
+          </p:sp>
+        </mc:Fallback>
+      </mc:AlternateContent>
+      <mc:AlternateContent xmlns:mc="http://schemas.openxmlformats.org/markup-compatibility/2006">
+        <mc:Choice xmlns:a14="http://schemas.microsoft.com/office/drawing/2010/main" Requires="a14">
+          <p:sp>
+            <p:nvSpPr>
+              <p:cNvPr id="140" name="TextBox 139"/>
+              <p:cNvSpPr txBox="1"/>
+              <p:nvPr/>
+            </p:nvSpPr>
+            <p:spPr>
+              <a:xfrm>
+                <a:off x="6888564" y="1802702"/>
+                <a:ext cx="118528" cy="215444"/>
+              </a:xfrm>
+              <a:prstGeom prst="rect">
+                <a:avLst/>
+              </a:prstGeom>
+              <a:noFill/>
+            </p:spPr>
+            <p:txBody>
+              <a:bodyPr wrap="square" lIns="0" tIns="0" rIns="0" bIns="0" rtlCol="0">
+                <a:spAutoFit/>
+              </a:bodyPr>
+              <a:lstStyle/>
+              <a:p>
+                <a14:m>
+                  <m:oMathPara xmlns:m="http://schemas.openxmlformats.org/officeDocument/2006/math">
+                    <m:oMathParaPr>
+                      <m:jc m:val="centerGroup"/>
+                    </m:oMathParaPr>
+                    <m:oMath xmlns:m="http://schemas.openxmlformats.org/officeDocument/2006/math">
+                      <m:sSub>
+                        <m:sSubPr>
+                          <m:ctrlPr>
+                            <a:rPr lang="en-GB" sz="1400" b="0" i="1" smtClean="0">
+                              <a:latin typeface="Cambria Math" panose="02040503050406030204" pitchFamily="18" charset="0"/>
+                            </a:rPr>
+                          </m:ctrlPr>
+                        </m:sSubPr>
+                        <m:e>
+                          <m:r>
+                            <a:rPr lang="en-GB" sz="1400" b="0" i="1" smtClean="0">
+                              <a:latin typeface="Cambria Math" panose="02040503050406030204" pitchFamily="18" charset="0"/>
+                            </a:rPr>
+                            <m:t>𝑥</m:t>
+                          </m:r>
+                        </m:e>
+                        <m:sub>
+                          <m:r>
+                            <a:rPr lang="en-GB" sz="1400" b="0" i="1" smtClean="0">
+                              <a:latin typeface="Cambria Math" panose="02040503050406030204" pitchFamily="18" charset="0"/>
+                            </a:rPr>
+                            <m:t>4</m:t>
+                          </m:r>
+                        </m:sub>
+                      </m:sSub>
+                    </m:oMath>
+                  </m:oMathPara>
+                </a14:m>
+                <a:endParaRPr lang="en-GB" sz="1400" dirty="0"/>
+              </a:p>
+            </p:txBody>
+          </p:sp>
+        </mc:Choice>
+        <mc:Fallback>
+          <p:sp>
+            <p:nvSpPr>
+              <p:cNvPr id="140" name="TextBox 139"/>
+              <p:cNvSpPr txBox="1">
+                <a:spLocks noRot="1" noChangeAspect="1" noMove="1" noResize="1" noEditPoints="1" noAdjustHandles="1" noChangeArrowheads="1" noChangeShapeType="1" noTextEdit="1"/>
+              </p:cNvSpPr>
+              <p:nvPr/>
+            </p:nvSpPr>
+            <p:spPr>
+              <a:xfrm>
+                <a:off x="6888564" y="1802702"/>
+                <a:ext cx="118528" cy="215444"/>
+              </a:xfrm>
+              <a:prstGeom prst="rect">
+                <a:avLst/>
+              </a:prstGeom>
+              <a:blipFill>
+                <a:blip r:embed="rId12"/>
+                <a:stretch>
+                  <a:fillRect l="-36842" r="-78947" b="-14286"/>
+                </a:stretch>
+              </a:blipFill>
+            </p:spPr>
+            <p:txBody>
+              <a:bodyPr/>
+              <a:lstStyle/>
+              <a:p>
+                <a:r>
+                  <a:rPr lang="en-GB">
+                    <a:noFill/>
+                  </a:rPr>
+                  <a:t> </a:t>
+                </a:r>
+              </a:p>
+            </p:txBody>
+          </p:sp>
+        </mc:Fallback>
+      </mc:AlternateContent>
+      <mc:AlternateContent xmlns:mc="http://schemas.openxmlformats.org/markup-compatibility/2006">
+        <mc:Choice xmlns:a14="http://schemas.microsoft.com/office/drawing/2010/main" Requires="a14">
+          <p:sp>
+            <p:nvSpPr>
+              <p:cNvPr id="141" name="TextBox 140"/>
+              <p:cNvSpPr txBox="1"/>
+              <p:nvPr/>
+            </p:nvSpPr>
+            <p:spPr>
+              <a:xfrm>
+                <a:off x="6888564" y="2091591"/>
+                <a:ext cx="118528" cy="215444"/>
+              </a:xfrm>
+              <a:prstGeom prst="rect">
+                <a:avLst/>
+              </a:prstGeom>
+              <a:noFill/>
+            </p:spPr>
+            <p:txBody>
+              <a:bodyPr wrap="square" lIns="0" tIns="0" rIns="0" bIns="0" rtlCol="0">
+                <a:spAutoFit/>
+              </a:bodyPr>
+              <a:lstStyle/>
+              <a:p>
+                <a14:m>
+                  <m:oMathPara xmlns:m="http://schemas.openxmlformats.org/officeDocument/2006/math">
+                    <m:oMathParaPr>
+                      <m:jc m:val="centerGroup"/>
+                    </m:oMathParaPr>
+                    <m:oMath xmlns:m="http://schemas.openxmlformats.org/officeDocument/2006/math">
+                      <m:sSub>
+                        <m:sSubPr>
+                          <m:ctrlPr>
+                            <a:rPr lang="en-GB" sz="1400" b="0" i="1" smtClean="0">
+                              <a:latin typeface="Cambria Math" panose="02040503050406030204" pitchFamily="18" charset="0"/>
+                            </a:rPr>
+                          </m:ctrlPr>
+                        </m:sSubPr>
+                        <m:e>
+                          <m:r>
+                            <a:rPr lang="en-GB" sz="1400" b="0" i="1" smtClean="0">
+                              <a:latin typeface="Cambria Math" panose="02040503050406030204" pitchFamily="18" charset="0"/>
+                            </a:rPr>
+                            <m:t>𝑥</m:t>
+                          </m:r>
+                        </m:e>
+                        <m:sub>
+                          <m:r>
+                            <a:rPr lang="en-GB" sz="1400" b="0" i="1" smtClean="0">
+                              <a:latin typeface="Cambria Math" panose="02040503050406030204" pitchFamily="18" charset="0"/>
+                            </a:rPr>
+                            <m:t>5</m:t>
+                          </m:r>
+                        </m:sub>
+                      </m:sSub>
+                    </m:oMath>
+                  </m:oMathPara>
+                </a14:m>
+                <a:endParaRPr lang="en-GB" sz="1400" dirty="0"/>
+              </a:p>
+            </p:txBody>
+          </p:sp>
+        </mc:Choice>
+        <mc:Fallback>
+          <p:sp>
+            <p:nvSpPr>
+              <p:cNvPr id="141" name="TextBox 140"/>
+              <p:cNvSpPr txBox="1">
+                <a:spLocks noRot="1" noChangeAspect="1" noMove="1" noResize="1" noEditPoints="1" noAdjustHandles="1" noChangeArrowheads="1" noChangeShapeType="1" noTextEdit="1"/>
+              </p:cNvSpPr>
+              <p:nvPr/>
+            </p:nvSpPr>
+            <p:spPr>
+              <a:xfrm>
+                <a:off x="6888564" y="2091591"/>
+                <a:ext cx="118528" cy="215444"/>
+              </a:xfrm>
+              <a:prstGeom prst="rect">
+                <a:avLst/>
+              </a:prstGeom>
+              <a:blipFill>
+                <a:blip r:embed="rId7"/>
+                <a:stretch>
+                  <a:fillRect l="-36842" r="-84211" b="-17143"/>
+                </a:stretch>
+              </a:blipFill>
+            </p:spPr>
+            <p:txBody>
+              <a:bodyPr/>
+              <a:lstStyle/>
+              <a:p>
+                <a:r>
+                  <a:rPr lang="en-GB">
+                    <a:noFill/>
+                  </a:rPr>
+                  <a:t> </a:t>
+                </a:r>
+              </a:p>
+            </p:txBody>
+          </p:sp>
+        </mc:Fallback>
+      </mc:AlternateContent>
+      <mc:AlternateContent xmlns:mc="http://schemas.openxmlformats.org/markup-compatibility/2006">
+        <mc:Choice xmlns:a14="http://schemas.microsoft.com/office/drawing/2010/main" Requires="a14">
+          <p:sp>
+            <p:nvSpPr>
+              <p:cNvPr id="142" name="TextBox 141"/>
+              <p:cNvSpPr txBox="1"/>
+              <p:nvPr/>
+            </p:nvSpPr>
+            <p:spPr>
+              <a:xfrm>
+                <a:off x="6881818" y="2412281"/>
+                <a:ext cx="118528" cy="215444"/>
+              </a:xfrm>
+              <a:prstGeom prst="rect">
+                <a:avLst/>
+              </a:prstGeom>
+              <a:noFill/>
+            </p:spPr>
+            <p:txBody>
+              <a:bodyPr wrap="square" lIns="0" tIns="0" rIns="0" bIns="0" rtlCol="0">
+                <a:spAutoFit/>
+              </a:bodyPr>
+              <a:lstStyle/>
+              <a:p>
+                <a14:m>
+                  <m:oMathPara xmlns:m="http://schemas.openxmlformats.org/officeDocument/2006/math">
+                    <m:oMathParaPr>
+                      <m:jc m:val="centerGroup"/>
+                    </m:oMathParaPr>
+                    <m:oMath xmlns:m="http://schemas.openxmlformats.org/officeDocument/2006/math">
+                      <m:sSub>
+                        <m:sSubPr>
+                          <m:ctrlPr>
+                            <a:rPr lang="en-GB" sz="1400" b="0" i="1" smtClean="0">
+                              <a:latin typeface="Cambria Math" panose="02040503050406030204" pitchFamily="18" charset="0"/>
+                            </a:rPr>
+                          </m:ctrlPr>
+                        </m:sSubPr>
+                        <m:e>
+                          <m:r>
+                            <a:rPr lang="en-GB" sz="1400" b="0" i="1" smtClean="0">
+                              <a:latin typeface="Cambria Math" panose="02040503050406030204" pitchFamily="18" charset="0"/>
+                            </a:rPr>
+                            <m:t>𝑥</m:t>
+                          </m:r>
+                        </m:e>
+                        <m:sub>
+                          <m:r>
+                            <a:rPr lang="en-GB" sz="1400" b="0" i="1" smtClean="0">
+                              <a:latin typeface="Cambria Math" panose="02040503050406030204" pitchFamily="18" charset="0"/>
+                            </a:rPr>
+                            <m:t>6</m:t>
+                          </m:r>
+                        </m:sub>
+                      </m:sSub>
+                    </m:oMath>
+                  </m:oMathPara>
+                </a14:m>
+                <a:endParaRPr lang="en-GB" sz="1400" dirty="0"/>
+              </a:p>
+            </p:txBody>
+          </p:sp>
+        </mc:Choice>
+        <mc:Fallback>
+          <p:sp>
+            <p:nvSpPr>
+              <p:cNvPr id="142" name="TextBox 141"/>
+              <p:cNvSpPr txBox="1">
+                <a:spLocks noRot="1" noChangeAspect="1" noMove="1" noResize="1" noEditPoints="1" noAdjustHandles="1" noChangeArrowheads="1" noChangeShapeType="1" noTextEdit="1"/>
+              </p:cNvSpPr>
+              <p:nvPr/>
+            </p:nvSpPr>
+            <p:spPr>
+              <a:xfrm>
+                <a:off x="6881818" y="2412281"/>
+                <a:ext cx="118528" cy="215444"/>
+              </a:xfrm>
+              <a:prstGeom prst="rect">
+                <a:avLst/>
+              </a:prstGeom>
+              <a:blipFill>
+                <a:blip r:embed="rId13"/>
+                <a:stretch>
+                  <a:fillRect l="-42105" r="-78947" b="-14286"/>
+                </a:stretch>
+              </a:blipFill>
+            </p:spPr>
+            <p:txBody>
+              <a:bodyPr/>
+              <a:lstStyle/>
+              <a:p>
+                <a:r>
+                  <a:rPr lang="en-GB">
+                    <a:noFill/>
+                  </a:rPr>
+                  <a:t> </a:t>
+                </a:r>
+              </a:p>
+            </p:txBody>
+          </p:sp>
+        </mc:Fallback>
+      </mc:AlternateContent>
+      <p:sp>
+        <p:nvSpPr>
+          <p:cNvPr id="70" name="Right Brace 69"/>
+          <p:cNvSpPr/>
+          <p:nvPr/>
+        </p:nvSpPr>
+        <p:spPr>
+          <a:xfrm rot="5400000">
+            <a:off x="2164318" y="2019581"/>
+            <a:ext cx="328897" cy="2807055"/>
+          </a:xfrm>
+          <a:prstGeom prst="rightBrace">
+            <a:avLst/>
+          </a:prstGeom>
+          <a:ln>
+            <a:solidFill>
+              <a:schemeClr val="tx1"/>
+            </a:solidFill>
+          </a:ln>
+        </p:spPr>
+        <p:style>
+          <a:lnRef idx="1">
+            <a:schemeClr val="accent1"/>
+          </a:lnRef>
+          <a:fillRef idx="0">
+            <a:schemeClr val="accent1"/>
+          </a:fillRef>
+          <a:effectRef idx="0">
+            <a:schemeClr val="accent1"/>
+          </a:effectRef>
+          <a:fontRef idx="minor">
+            <a:schemeClr val="tx1"/>
+          </a:fontRef>
+        </p:style>
+        <p:txBody>
+          <a:bodyPr rtlCol="0" anchor="ctr"/>
+          <a:lstStyle/>
+          <a:p>
+            <a:pPr algn="ctr"/>
+            <a:endParaRPr lang="en-GB"/>
+          </a:p>
+        </p:txBody>
+      </p:sp>
+      <p:sp>
+        <p:nvSpPr>
+          <p:cNvPr id="146" name="Metin kutusu 42"/>
+          <p:cNvSpPr txBox="1"/>
+          <p:nvPr/>
+        </p:nvSpPr>
+        <p:spPr>
+          <a:xfrm>
+            <a:off x="1367419" y="3002014"/>
+            <a:ext cx="257909" cy="261610"/>
+          </a:xfrm>
+          <a:prstGeom prst="rect">
+            <a:avLst/>
+          </a:prstGeom>
+          <a:noFill/>
+        </p:spPr>
+        <p:txBody>
+          <a:bodyPr wrap="square" rtlCol="0">
+            <a:spAutoFit/>
+          </a:bodyPr>
+          <a:lstStyle/>
+          <a:p>
+            <a:r>
+              <a:rPr lang="en-GB" sz="1100" dirty="0"/>
+              <a:t>1</a:t>
+            </a:r>
+            <a:endParaRPr lang="tr-TR" sz="1100" dirty="0"/>
+          </a:p>
+        </p:txBody>
+      </p:sp>
+      <p:sp>
+        <p:nvSpPr>
+          <p:cNvPr id="147" name="Metin kutusu 42"/>
+          <p:cNvSpPr txBox="1"/>
+          <p:nvPr/>
+        </p:nvSpPr>
+        <p:spPr>
+          <a:xfrm>
+            <a:off x="2214159" y="3014969"/>
+            <a:ext cx="256802" cy="261610"/>
+          </a:xfrm>
+          <a:prstGeom prst="rect">
+            <a:avLst/>
+          </a:prstGeom>
+          <a:noFill/>
+        </p:spPr>
+        <p:txBody>
+          <a:bodyPr wrap="none" rtlCol="0">
+            <a:spAutoFit/>
+          </a:bodyPr>
+          <a:lstStyle/>
+          <a:p>
+            <a:r>
+              <a:rPr lang="en-GB" sz="1100" dirty="0"/>
+              <a:t>2</a:t>
+            </a:r>
+            <a:endParaRPr lang="tr-TR" sz="1100" dirty="0"/>
+          </a:p>
+        </p:txBody>
+      </p:sp>
+      <p:sp>
+        <p:nvSpPr>
+          <p:cNvPr id="148" name="Metin kutusu 42"/>
+          <p:cNvSpPr txBox="1"/>
+          <p:nvPr/>
+        </p:nvSpPr>
+        <p:spPr>
+          <a:xfrm>
+            <a:off x="3059792" y="3014969"/>
+            <a:ext cx="256802" cy="261610"/>
+          </a:xfrm>
+          <a:prstGeom prst="rect">
+            <a:avLst/>
+          </a:prstGeom>
+          <a:noFill/>
+        </p:spPr>
+        <p:txBody>
+          <a:bodyPr wrap="none" rtlCol="0">
+            <a:spAutoFit/>
+          </a:bodyPr>
+          <a:lstStyle/>
+          <a:p>
+            <a:r>
+              <a:rPr lang="en-GB" sz="1100" dirty="0"/>
+              <a:t>3</a:t>
+            </a:r>
+            <a:endParaRPr lang="tr-TR" sz="1100" dirty="0"/>
+          </a:p>
+        </p:txBody>
+      </p:sp>
+      <p:sp>
+        <p:nvSpPr>
+          <p:cNvPr id="72" name="TextBox 71"/>
+          <p:cNvSpPr txBox="1"/>
+          <p:nvPr/>
+        </p:nvSpPr>
+        <p:spPr>
+          <a:xfrm>
+            <a:off x="1640805" y="3563186"/>
+            <a:ext cx="1375921" cy="276999"/>
+          </a:xfrm>
+          <a:prstGeom prst="rect">
+            <a:avLst/>
+          </a:prstGeom>
+          <a:noFill/>
+        </p:spPr>
+        <p:txBody>
+          <a:bodyPr wrap="square" rtlCol="0">
+            <a:spAutoFit/>
+          </a:bodyPr>
+          <a:lstStyle/>
+          <a:p>
+            <a:r>
+              <a:rPr lang="en-GB" sz="1200" dirty="0" smtClean="0">
+                <a:latin typeface="Times New Roman" panose="02020603050405020304" pitchFamily="18" charset="0"/>
+                <a:cs typeface="Times New Roman" panose="02020603050405020304" pitchFamily="18" charset="0"/>
+              </a:rPr>
+              <a:t>Forward Reduction</a:t>
+            </a:r>
+            <a:endParaRPr lang="en-GB" sz="1200" dirty="0">
+              <a:latin typeface="Times New Roman" panose="02020603050405020304" pitchFamily="18" charset="0"/>
+              <a:cs typeface="Times New Roman" panose="02020603050405020304" pitchFamily="18" charset="0"/>
+            </a:endParaRPr>
+          </a:p>
+        </p:txBody>
+      </p:sp>
+      <p:sp>
+        <p:nvSpPr>
+          <p:cNvPr id="150" name="Right Brace 149"/>
+          <p:cNvSpPr/>
+          <p:nvPr/>
+        </p:nvSpPr>
+        <p:spPr>
+          <a:xfrm rot="5400000">
+            <a:off x="5294006" y="1865454"/>
+            <a:ext cx="328897" cy="3083782"/>
+          </a:xfrm>
+          <a:prstGeom prst="rightBrace">
+            <a:avLst/>
+          </a:prstGeom>
+          <a:ln>
+            <a:solidFill>
+              <a:schemeClr val="tx1"/>
+            </a:solidFill>
+          </a:ln>
+        </p:spPr>
+        <p:style>
+          <a:lnRef idx="1">
+            <a:schemeClr val="accent1"/>
+          </a:lnRef>
+          <a:fillRef idx="0">
+            <a:schemeClr val="accent1"/>
+          </a:fillRef>
+          <a:effectRef idx="0">
+            <a:schemeClr val="accent1"/>
+          </a:effectRef>
+          <a:fontRef idx="minor">
+            <a:schemeClr val="tx1"/>
+          </a:fontRef>
+        </p:style>
+        <p:txBody>
+          <a:bodyPr rtlCol="0" anchor="ctr"/>
+          <a:lstStyle/>
+          <a:p>
+            <a:pPr algn="ctr"/>
+            <a:endParaRPr lang="en-GB"/>
+          </a:p>
+        </p:txBody>
+      </p:sp>
+      <p:sp>
+        <p:nvSpPr>
+          <p:cNvPr id="154" name="TextBox 153"/>
+          <p:cNvSpPr txBox="1"/>
+          <p:nvPr/>
+        </p:nvSpPr>
+        <p:spPr>
+          <a:xfrm>
+            <a:off x="4905087" y="3564399"/>
+            <a:ext cx="1632723" cy="276999"/>
+          </a:xfrm>
+          <a:prstGeom prst="rect">
+            <a:avLst/>
+          </a:prstGeom>
+          <a:noFill/>
+        </p:spPr>
+        <p:txBody>
+          <a:bodyPr wrap="square" rtlCol="0">
+            <a:spAutoFit/>
+          </a:bodyPr>
+          <a:lstStyle/>
+          <a:p>
+            <a:r>
+              <a:rPr lang="en-GB" sz="1200" dirty="0" smtClean="0">
+                <a:latin typeface="Times New Roman" panose="02020603050405020304" pitchFamily="18" charset="0"/>
+                <a:cs typeface="Times New Roman" panose="02020603050405020304" pitchFamily="18" charset="0"/>
+              </a:rPr>
+              <a:t>Backward Substitution</a:t>
+            </a:r>
+            <a:endParaRPr lang="en-GB" sz="1200" dirty="0">
+              <a:latin typeface="Times New Roman" panose="02020603050405020304" pitchFamily="18" charset="0"/>
+              <a:cs typeface="Times New Roman" panose="02020603050405020304" pitchFamily="18" charset="0"/>
+            </a:endParaRPr>
+          </a:p>
+        </p:txBody>
+      </p:sp>
+      <p:sp>
+        <p:nvSpPr>
+          <p:cNvPr id="155" name="TextBox 154"/>
+          <p:cNvSpPr txBox="1"/>
+          <p:nvPr/>
+        </p:nvSpPr>
+        <p:spPr>
+          <a:xfrm>
+            <a:off x="259011" y="2969451"/>
+            <a:ext cx="1375921" cy="276999"/>
+          </a:xfrm>
+          <a:prstGeom prst="rect">
+            <a:avLst/>
+          </a:prstGeom>
+          <a:noFill/>
+        </p:spPr>
+        <p:txBody>
+          <a:bodyPr wrap="square" rtlCol="0">
+            <a:spAutoFit/>
+          </a:bodyPr>
+          <a:lstStyle/>
+          <a:p>
+            <a:r>
+              <a:rPr lang="en-GB" sz="1200" dirty="0" smtClean="0">
+                <a:latin typeface="Times New Roman" panose="02020603050405020304" pitchFamily="18" charset="0"/>
+                <a:cs typeface="Times New Roman" panose="02020603050405020304" pitchFamily="18" charset="0"/>
+              </a:rPr>
+              <a:t>Steps</a:t>
+            </a:r>
+            <a:endParaRPr lang="en-GB" sz="1200" dirty="0">
+              <a:latin typeface="Times New Roman" panose="02020603050405020304" pitchFamily="18" charset="0"/>
+              <a:cs typeface="Times New Roman" panose="02020603050405020304" pitchFamily="18" charset="0"/>
+            </a:endParaRPr>
+          </a:p>
+        </p:txBody>
+      </p:sp>
+      <p:sp>
+        <p:nvSpPr>
+          <p:cNvPr id="156" name="Metin kutusu 42"/>
+          <p:cNvSpPr txBox="1"/>
+          <p:nvPr/>
+        </p:nvSpPr>
+        <p:spPr>
+          <a:xfrm>
+            <a:off x="3916565" y="3012416"/>
+            <a:ext cx="257909" cy="261610"/>
+          </a:xfrm>
+          <a:prstGeom prst="rect">
+            <a:avLst/>
+          </a:prstGeom>
+          <a:noFill/>
+        </p:spPr>
+        <p:txBody>
+          <a:bodyPr wrap="square" rtlCol="0">
+            <a:spAutoFit/>
+          </a:bodyPr>
+          <a:lstStyle/>
+          <a:p>
+            <a:r>
+              <a:rPr lang="en-GB" sz="1100" dirty="0"/>
+              <a:t>1</a:t>
+            </a:r>
+            <a:endParaRPr lang="tr-TR" sz="1100" dirty="0"/>
+          </a:p>
+        </p:txBody>
+      </p:sp>
+      <p:sp>
+        <p:nvSpPr>
+          <p:cNvPr id="157" name="Metin kutusu 42"/>
+          <p:cNvSpPr txBox="1"/>
+          <p:nvPr/>
+        </p:nvSpPr>
+        <p:spPr>
+          <a:xfrm>
+            <a:off x="4763305" y="3025371"/>
+            <a:ext cx="256802" cy="261610"/>
+          </a:xfrm>
+          <a:prstGeom prst="rect">
+            <a:avLst/>
+          </a:prstGeom>
+          <a:noFill/>
+        </p:spPr>
+        <p:txBody>
+          <a:bodyPr wrap="none" rtlCol="0">
+            <a:spAutoFit/>
+          </a:bodyPr>
+          <a:lstStyle/>
+          <a:p>
+            <a:r>
+              <a:rPr lang="en-GB" sz="1100" dirty="0"/>
+              <a:t>2</a:t>
+            </a:r>
+            <a:endParaRPr lang="tr-TR" sz="1100" dirty="0"/>
+          </a:p>
+        </p:txBody>
+      </p:sp>
+      <p:sp>
+        <p:nvSpPr>
+          <p:cNvPr id="158" name="Metin kutusu 42"/>
+          <p:cNvSpPr txBox="1"/>
+          <p:nvPr/>
+        </p:nvSpPr>
+        <p:spPr>
+          <a:xfrm>
+            <a:off x="5608938" y="3025371"/>
+            <a:ext cx="256802" cy="261610"/>
+          </a:xfrm>
+          <a:prstGeom prst="rect">
+            <a:avLst/>
+          </a:prstGeom>
+          <a:noFill/>
+        </p:spPr>
+        <p:txBody>
+          <a:bodyPr wrap="none" rtlCol="0">
+            <a:spAutoFit/>
+          </a:bodyPr>
+          <a:lstStyle/>
+          <a:p>
+            <a:r>
+              <a:rPr lang="en-GB" sz="1100" dirty="0"/>
+              <a:t>3</a:t>
+            </a:r>
+            <a:endParaRPr lang="tr-TR" sz="1100" dirty="0"/>
+          </a:p>
+        </p:txBody>
+      </p:sp>
+      <p:sp>
+        <p:nvSpPr>
+          <p:cNvPr id="159" name="Metin kutusu 42"/>
+          <p:cNvSpPr txBox="1"/>
+          <p:nvPr/>
+        </p:nvSpPr>
+        <p:spPr>
+          <a:xfrm>
+            <a:off x="6407310" y="3017118"/>
+            <a:ext cx="256802" cy="261610"/>
+          </a:xfrm>
+          <a:prstGeom prst="rect">
+            <a:avLst/>
+          </a:prstGeom>
+          <a:noFill/>
+        </p:spPr>
+        <p:txBody>
+          <a:bodyPr wrap="none" rtlCol="0">
+            <a:spAutoFit/>
+          </a:bodyPr>
+          <a:lstStyle/>
+          <a:p>
+            <a:r>
+              <a:rPr lang="en-GB" sz="1100" dirty="0" smtClean="0"/>
+              <a:t>4</a:t>
+            </a:r>
+            <a:endParaRPr lang="tr-TR" sz="1100" dirty="0"/>
+          </a:p>
+        </p:txBody>
+      </p:sp>
+    </p:spTree>
+    <p:extLst>
+      <p:ext uri="{BB962C8B-B14F-4D97-AF65-F5344CB8AC3E}">
+        <p14:creationId xmlns:p14="http://schemas.microsoft.com/office/powerpoint/2010/main" val="4245448066"/>
       </p:ext>
     </p:extLst>
   </p:cSld>
@@ -40865,6 +48774,614 @@
 </p:sld>
 </file>
 
+<file path=ppt/slides/slide9.xml><?xml version="1.0" encoding="utf-8"?>
+<p:sld xmlns:a="http://schemas.openxmlformats.org/drawingml/2006/main" xmlns:r="http://schemas.openxmlformats.org/officeDocument/2006/relationships" xmlns:p="http://schemas.openxmlformats.org/presentationml/2006/main">
+  <p:cSld>
+    <p:spTree>
+      <p:nvGrpSpPr>
+        <p:cNvPr id="1" name=""/>
+        <p:cNvGrpSpPr/>
+        <p:nvPr/>
+      </p:nvGrpSpPr>
+      <p:grpSpPr>
+        <a:xfrm>
+          <a:off x="0" y="0"/>
+          <a:ext cx="0" cy="0"/>
+          <a:chOff x="0" y="0"/>
+          <a:chExt cx="0" cy="0"/>
+        </a:xfrm>
+      </p:grpSpPr>
+      <p:pic>
+        <p:nvPicPr>
+          <p:cNvPr id="4" name="Resim 3"/>
+          <p:cNvPicPr>
+            <a:picLocks noChangeAspect="1"/>
+          </p:cNvPicPr>
+          <p:nvPr/>
+        </p:nvPicPr>
+        <p:blipFill>
+          <a:blip r:embed="rId2">
+            <a:extLst>
+              <a:ext uri="{28A0092B-C50C-407E-A947-70E740481C1C}">
+                <a14:useLocalDpi xmlns:a14="http://schemas.microsoft.com/office/drawing/2010/main" val="0"/>
+              </a:ext>
+            </a:extLst>
+          </a:blip>
+          <a:stretch>
+            <a:fillRect/>
+          </a:stretch>
+        </p:blipFill>
+        <p:spPr>
+          <a:xfrm>
+            <a:off x="7454479" y="2378722"/>
+            <a:ext cx="2657475" cy="2314575"/>
+          </a:xfrm>
+          <a:prstGeom prst="rect">
+            <a:avLst/>
+          </a:prstGeom>
+        </p:spPr>
+      </p:pic>
+      <p:sp>
+        <p:nvSpPr>
+          <p:cNvPr id="5" name="Dikdörtgen 4"/>
+          <p:cNvSpPr/>
+          <p:nvPr/>
+        </p:nvSpPr>
+        <p:spPr>
+          <a:xfrm>
+            <a:off x="1810139" y="2715209"/>
+            <a:ext cx="2603240" cy="466530"/>
+          </a:xfrm>
+          <a:prstGeom prst="rect">
+            <a:avLst/>
+          </a:prstGeom>
+          <a:solidFill>
+            <a:schemeClr val="bg1"/>
+          </a:solidFill>
+          <a:ln w="12700">
+            <a:solidFill>
+              <a:schemeClr val="tx1"/>
+            </a:solidFill>
+          </a:ln>
+        </p:spPr>
+        <p:style>
+          <a:lnRef idx="2">
+            <a:schemeClr val="accent1">
+              <a:shade val="50000"/>
+            </a:schemeClr>
+          </a:lnRef>
+          <a:fillRef idx="1">
+            <a:schemeClr val="accent1"/>
+          </a:fillRef>
+          <a:effectRef idx="0">
+            <a:schemeClr val="accent1"/>
+          </a:effectRef>
+          <a:fontRef idx="minor">
+            <a:schemeClr val="lt1"/>
+          </a:fontRef>
+        </p:style>
+        <p:txBody>
+          <a:bodyPr rtlCol="0" anchor="ctr"/>
+          <a:lstStyle/>
+          <a:p>
+            <a:pPr algn="ctr"/>
+            <a:endParaRPr lang="tr-TR"/>
+          </a:p>
+        </p:txBody>
+      </p:sp>
+      <p:sp>
+        <p:nvSpPr>
+          <p:cNvPr id="6" name="Dikdörtgen 5"/>
+          <p:cNvSpPr/>
+          <p:nvPr/>
+        </p:nvSpPr>
+        <p:spPr>
+          <a:xfrm>
+            <a:off x="1810139" y="3704253"/>
+            <a:ext cx="2603240" cy="466530"/>
+          </a:xfrm>
+          <a:prstGeom prst="rect">
+            <a:avLst/>
+          </a:prstGeom>
+          <a:solidFill>
+            <a:schemeClr val="bg1"/>
+          </a:solidFill>
+          <a:ln w="12700">
+            <a:solidFill>
+              <a:schemeClr val="tx1"/>
+            </a:solidFill>
+          </a:ln>
+        </p:spPr>
+        <p:style>
+          <a:lnRef idx="2">
+            <a:schemeClr val="accent1">
+              <a:shade val="50000"/>
+            </a:schemeClr>
+          </a:lnRef>
+          <a:fillRef idx="1">
+            <a:schemeClr val="accent1"/>
+          </a:fillRef>
+          <a:effectRef idx="0">
+            <a:schemeClr val="accent1"/>
+          </a:effectRef>
+          <a:fontRef idx="minor">
+            <a:schemeClr val="lt1"/>
+          </a:fontRef>
+        </p:style>
+        <p:txBody>
+          <a:bodyPr rtlCol="0" anchor="ctr"/>
+          <a:lstStyle/>
+          <a:p>
+            <a:pPr algn="ctr"/>
+            <a:endParaRPr lang="tr-TR"/>
+          </a:p>
+        </p:txBody>
+      </p:sp>
+      <p:cxnSp>
+        <p:nvCxnSpPr>
+          <p:cNvPr id="8" name="Düz Ok Bağlayıcısı 7"/>
+          <p:cNvCxnSpPr>
+            <a:stCxn id="5" idx="0"/>
+          </p:cNvCxnSpPr>
+          <p:nvPr/>
+        </p:nvCxnSpPr>
+        <p:spPr>
+          <a:xfrm flipV="1">
+            <a:off x="3111759" y="2192695"/>
+            <a:ext cx="0" cy="522514"/>
+          </a:xfrm>
+          <a:prstGeom prst="straightConnector1">
+            <a:avLst/>
+          </a:prstGeom>
+          <a:ln w="12700">
+            <a:solidFill>
+              <a:schemeClr val="tx1"/>
+            </a:solidFill>
+            <a:headEnd type="triangle" w="med" len="med"/>
+            <a:tailEnd type="none" w="med" len="med"/>
+          </a:ln>
+        </p:spPr>
+        <p:style>
+          <a:lnRef idx="1">
+            <a:schemeClr val="accent1"/>
+          </a:lnRef>
+          <a:fillRef idx="0">
+            <a:schemeClr val="accent1"/>
+          </a:fillRef>
+          <a:effectRef idx="0">
+            <a:schemeClr val="accent1"/>
+          </a:effectRef>
+          <a:fontRef idx="minor">
+            <a:schemeClr val="tx1"/>
+          </a:fontRef>
+        </p:style>
+      </p:cxnSp>
+      <p:cxnSp>
+        <p:nvCxnSpPr>
+          <p:cNvPr id="10" name="Düz Ok Bağlayıcısı 9"/>
+          <p:cNvCxnSpPr/>
+          <p:nvPr/>
+        </p:nvCxnSpPr>
+        <p:spPr>
+          <a:xfrm flipV="1">
+            <a:off x="2845836" y="3181739"/>
+            <a:ext cx="0" cy="522514"/>
+          </a:xfrm>
+          <a:prstGeom prst="straightConnector1">
+            <a:avLst/>
+          </a:prstGeom>
+          <a:ln w="12700">
+            <a:solidFill>
+              <a:schemeClr val="tx1">
+                <a:lumMod val="50000"/>
+                <a:lumOff val="50000"/>
+              </a:schemeClr>
+            </a:solidFill>
+            <a:headEnd type="triangle" w="med" len="med"/>
+            <a:tailEnd type="none" w="med" len="med"/>
+          </a:ln>
+        </p:spPr>
+        <p:style>
+          <a:lnRef idx="1">
+            <a:schemeClr val="accent1"/>
+          </a:lnRef>
+          <a:fillRef idx="0">
+            <a:schemeClr val="accent1"/>
+          </a:fillRef>
+          <a:effectRef idx="0">
+            <a:schemeClr val="accent1"/>
+          </a:effectRef>
+          <a:fontRef idx="minor">
+            <a:schemeClr val="tx1"/>
+          </a:fontRef>
+        </p:style>
+      </p:cxnSp>
+      <p:cxnSp>
+        <p:nvCxnSpPr>
+          <p:cNvPr id="11" name="Düz Ok Bağlayıcısı 10"/>
+          <p:cNvCxnSpPr/>
+          <p:nvPr/>
+        </p:nvCxnSpPr>
+        <p:spPr>
+          <a:xfrm flipV="1">
+            <a:off x="2279778" y="3181739"/>
+            <a:ext cx="0" cy="522514"/>
+          </a:xfrm>
+          <a:prstGeom prst="straightConnector1">
+            <a:avLst/>
+          </a:prstGeom>
+          <a:ln w="12700">
+            <a:solidFill>
+              <a:schemeClr val="tx1"/>
+            </a:solidFill>
+            <a:headEnd type="triangle" w="med" len="med"/>
+            <a:tailEnd type="none" w="med" len="med"/>
+          </a:ln>
+        </p:spPr>
+        <p:style>
+          <a:lnRef idx="1">
+            <a:schemeClr val="accent1"/>
+          </a:lnRef>
+          <a:fillRef idx="0">
+            <a:schemeClr val="accent1"/>
+          </a:fillRef>
+          <a:effectRef idx="0">
+            <a:schemeClr val="accent1"/>
+          </a:effectRef>
+          <a:fontRef idx="minor">
+            <a:schemeClr val="tx1"/>
+          </a:fontRef>
+        </p:style>
+      </p:cxnSp>
+      <p:cxnSp>
+        <p:nvCxnSpPr>
+          <p:cNvPr id="12" name="Düz Ok Bağlayıcısı 11"/>
+          <p:cNvCxnSpPr/>
+          <p:nvPr/>
+        </p:nvCxnSpPr>
+        <p:spPr>
+          <a:xfrm flipV="1">
+            <a:off x="3402562" y="3181739"/>
+            <a:ext cx="0" cy="522514"/>
+          </a:xfrm>
+          <a:prstGeom prst="straightConnector1">
+            <a:avLst/>
+          </a:prstGeom>
+          <a:ln w="12700">
+            <a:solidFill>
+              <a:schemeClr val="tx1">
+                <a:lumMod val="50000"/>
+                <a:lumOff val="50000"/>
+              </a:schemeClr>
+            </a:solidFill>
+            <a:headEnd type="triangle" w="med" len="med"/>
+            <a:tailEnd type="none" w="med" len="med"/>
+          </a:ln>
+        </p:spPr>
+        <p:style>
+          <a:lnRef idx="1">
+            <a:schemeClr val="accent1"/>
+          </a:lnRef>
+          <a:fillRef idx="0">
+            <a:schemeClr val="accent1"/>
+          </a:fillRef>
+          <a:effectRef idx="0">
+            <a:schemeClr val="accent1"/>
+          </a:effectRef>
+          <a:fontRef idx="minor">
+            <a:schemeClr val="tx1"/>
+          </a:fontRef>
+        </p:style>
+      </p:cxnSp>
+      <p:cxnSp>
+        <p:nvCxnSpPr>
+          <p:cNvPr id="13" name="Düz Ok Bağlayıcısı 12"/>
+          <p:cNvCxnSpPr/>
+          <p:nvPr/>
+        </p:nvCxnSpPr>
+        <p:spPr>
+          <a:xfrm flipV="1">
+            <a:off x="3937517" y="3181739"/>
+            <a:ext cx="0" cy="522514"/>
+          </a:xfrm>
+          <a:prstGeom prst="straightConnector1">
+            <a:avLst/>
+          </a:prstGeom>
+          <a:ln w="12700">
+            <a:solidFill>
+              <a:schemeClr val="tx1">
+                <a:lumMod val="50000"/>
+                <a:lumOff val="50000"/>
+              </a:schemeClr>
+            </a:solidFill>
+            <a:headEnd type="triangle" w="med" len="med"/>
+            <a:tailEnd type="none" w="med" len="med"/>
+          </a:ln>
+        </p:spPr>
+        <p:style>
+          <a:lnRef idx="1">
+            <a:schemeClr val="accent1"/>
+          </a:lnRef>
+          <a:fillRef idx="0">
+            <a:schemeClr val="accent1"/>
+          </a:fillRef>
+          <a:effectRef idx="0">
+            <a:schemeClr val="accent1"/>
+          </a:effectRef>
+          <a:fontRef idx="minor">
+            <a:schemeClr val="tx1"/>
+          </a:fontRef>
+        </p:style>
+      </p:cxnSp>
+      <p:cxnSp>
+        <p:nvCxnSpPr>
+          <p:cNvPr id="14" name="Düz Ok Bağlayıcısı 13"/>
+          <p:cNvCxnSpPr/>
+          <p:nvPr/>
+        </p:nvCxnSpPr>
+        <p:spPr>
+          <a:xfrm flipV="1">
+            <a:off x="3091543" y="4170783"/>
+            <a:ext cx="0" cy="522514"/>
+          </a:xfrm>
+          <a:prstGeom prst="straightConnector1">
+            <a:avLst/>
+          </a:prstGeom>
+          <a:ln w="12700">
+            <a:solidFill>
+              <a:schemeClr val="tx1"/>
+            </a:solidFill>
+            <a:headEnd type="triangle" w="med" len="med"/>
+            <a:tailEnd type="none" w="med" len="med"/>
+          </a:ln>
+        </p:spPr>
+        <p:style>
+          <a:lnRef idx="1">
+            <a:schemeClr val="accent1"/>
+          </a:lnRef>
+          <a:fillRef idx="0">
+            <a:schemeClr val="accent1"/>
+          </a:fillRef>
+          <a:effectRef idx="0">
+            <a:schemeClr val="accent1"/>
+          </a:effectRef>
+          <a:fontRef idx="minor">
+            <a:schemeClr val="tx1"/>
+          </a:fontRef>
+        </p:style>
+      </p:cxnSp>
+      <p:sp>
+        <p:nvSpPr>
+          <p:cNvPr id="2" name="TextBox 1"/>
+          <p:cNvSpPr txBox="1"/>
+          <p:nvPr/>
+        </p:nvSpPr>
+        <p:spPr>
+          <a:xfrm>
+            <a:off x="2798704" y="2794585"/>
+            <a:ext cx="626110" cy="307777"/>
+          </a:xfrm>
+          <a:prstGeom prst="rect">
+            <a:avLst/>
+          </a:prstGeom>
+          <a:noFill/>
+        </p:spPr>
+        <p:txBody>
+          <a:bodyPr wrap="square" rtlCol="0">
+            <a:spAutoFit/>
+          </a:bodyPr>
+          <a:lstStyle/>
+          <a:p>
+            <a:r>
+              <a:rPr lang="en-GB" sz="1400" dirty="0" smtClean="0">
+                <a:latin typeface="Times New Roman" panose="02020603050405020304" pitchFamily="18" charset="0"/>
+                <a:cs typeface="Times New Roman" panose="02020603050405020304" pitchFamily="18" charset="0"/>
+              </a:rPr>
+              <a:t>Fork</a:t>
+            </a:r>
+            <a:endParaRPr lang="en-GB" sz="1400" dirty="0">
+              <a:latin typeface="Times New Roman" panose="02020603050405020304" pitchFamily="18" charset="0"/>
+              <a:cs typeface="Times New Roman" panose="02020603050405020304" pitchFamily="18" charset="0"/>
+            </a:endParaRPr>
+          </a:p>
+        </p:txBody>
+      </p:sp>
+      <p:sp>
+        <p:nvSpPr>
+          <p:cNvPr id="17" name="TextBox 16"/>
+          <p:cNvSpPr txBox="1"/>
+          <p:nvPr/>
+        </p:nvSpPr>
+        <p:spPr>
+          <a:xfrm>
+            <a:off x="2618397" y="1957729"/>
+            <a:ext cx="986724" cy="261610"/>
+          </a:xfrm>
+          <a:prstGeom prst="rect">
+            <a:avLst/>
+          </a:prstGeom>
+          <a:noFill/>
+        </p:spPr>
+        <p:txBody>
+          <a:bodyPr wrap="square" rtlCol="0">
+            <a:spAutoFit/>
+          </a:bodyPr>
+          <a:lstStyle/>
+          <a:p>
+            <a:r>
+              <a:rPr lang="en-GB" sz="1050" dirty="0" smtClean="0">
+                <a:latin typeface="Times New Roman" panose="02020603050405020304" pitchFamily="18" charset="0"/>
+                <a:cs typeface="Times New Roman" panose="02020603050405020304" pitchFamily="18" charset="0"/>
+              </a:rPr>
+              <a:t>Initial Thread</a:t>
+            </a:r>
+            <a:endParaRPr lang="en-GB" sz="1050" dirty="0">
+              <a:latin typeface="Times New Roman" panose="02020603050405020304" pitchFamily="18" charset="0"/>
+              <a:cs typeface="Times New Roman" panose="02020603050405020304" pitchFamily="18" charset="0"/>
+            </a:endParaRPr>
+          </a:p>
+        </p:txBody>
+      </p:sp>
+      <p:sp>
+        <p:nvSpPr>
+          <p:cNvPr id="18" name="TextBox 17"/>
+          <p:cNvSpPr txBox="1"/>
+          <p:nvPr/>
+        </p:nvSpPr>
+        <p:spPr>
+          <a:xfrm>
+            <a:off x="4623870" y="3312191"/>
+            <a:ext cx="1318500" cy="261610"/>
+          </a:xfrm>
+          <a:prstGeom prst="rect">
+            <a:avLst/>
+          </a:prstGeom>
+          <a:noFill/>
+        </p:spPr>
+        <p:txBody>
+          <a:bodyPr wrap="square" rtlCol="0">
+            <a:spAutoFit/>
+          </a:bodyPr>
+          <a:lstStyle/>
+          <a:p>
+            <a:r>
+              <a:rPr lang="en-GB" sz="1050" dirty="0" smtClean="0">
+                <a:latin typeface="Times New Roman" panose="02020603050405020304" pitchFamily="18" charset="0"/>
+                <a:cs typeface="Times New Roman" panose="02020603050405020304" pitchFamily="18" charset="0"/>
+              </a:rPr>
+              <a:t>Team of Threads</a:t>
+            </a:r>
+          </a:p>
+        </p:txBody>
+      </p:sp>
+      <p:sp>
+        <p:nvSpPr>
+          <p:cNvPr id="3" name="Right Brace 2"/>
+          <p:cNvSpPr/>
+          <p:nvPr/>
+        </p:nvSpPr>
+        <p:spPr>
+          <a:xfrm>
+            <a:off x="4512338" y="3181739"/>
+            <a:ext cx="119602" cy="522514"/>
+          </a:xfrm>
+          <a:prstGeom prst="rightBrace">
+            <a:avLst/>
+          </a:prstGeom>
+          <a:ln>
+            <a:solidFill>
+              <a:schemeClr val="tx1"/>
+            </a:solidFill>
+          </a:ln>
+        </p:spPr>
+        <p:style>
+          <a:lnRef idx="1">
+            <a:schemeClr val="accent1"/>
+          </a:lnRef>
+          <a:fillRef idx="0">
+            <a:schemeClr val="accent1"/>
+          </a:fillRef>
+          <a:effectRef idx="0">
+            <a:schemeClr val="accent1"/>
+          </a:effectRef>
+          <a:fontRef idx="minor">
+            <a:schemeClr val="tx1"/>
+          </a:fontRef>
+        </p:style>
+        <p:txBody>
+          <a:bodyPr rtlCol="0" anchor="ctr"/>
+          <a:lstStyle/>
+          <a:p>
+            <a:pPr algn="ctr"/>
+            <a:endParaRPr lang="en-GB"/>
+          </a:p>
+        </p:txBody>
+      </p:sp>
+      <p:sp>
+        <p:nvSpPr>
+          <p:cNvPr id="19" name="TextBox 18"/>
+          <p:cNvSpPr txBox="1"/>
+          <p:nvPr/>
+        </p:nvSpPr>
+        <p:spPr>
+          <a:xfrm>
+            <a:off x="2618397" y="4666653"/>
+            <a:ext cx="986724" cy="261610"/>
+          </a:xfrm>
+          <a:prstGeom prst="rect">
+            <a:avLst/>
+          </a:prstGeom>
+          <a:noFill/>
+        </p:spPr>
+        <p:txBody>
+          <a:bodyPr wrap="square" rtlCol="0">
+            <a:spAutoFit/>
+          </a:bodyPr>
+          <a:lstStyle/>
+          <a:p>
+            <a:r>
+              <a:rPr lang="en-GB" sz="1050" dirty="0" smtClean="0">
+                <a:latin typeface="Times New Roman" panose="02020603050405020304" pitchFamily="18" charset="0"/>
+                <a:cs typeface="Times New Roman" panose="02020603050405020304" pitchFamily="18" charset="0"/>
+              </a:rPr>
+              <a:t>Initial Thread</a:t>
+            </a:r>
+            <a:endParaRPr lang="en-GB" sz="1050" dirty="0">
+              <a:latin typeface="Times New Roman" panose="02020603050405020304" pitchFamily="18" charset="0"/>
+              <a:cs typeface="Times New Roman" panose="02020603050405020304" pitchFamily="18" charset="0"/>
+            </a:endParaRPr>
+          </a:p>
+        </p:txBody>
+      </p:sp>
+      <p:sp>
+        <p:nvSpPr>
+          <p:cNvPr id="20" name="TextBox 19"/>
+          <p:cNvSpPr txBox="1"/>
+          <p:nvPr/>
+        </p:nvSpPr>
+        <p:spPr>
+          <a:xfrm>
+            <a:off x="2845836" y="3758845"/>
+            <a:ext cx="626110" cy="307777"/>
+          </a:xfrm>
+          <a:prstGeom prst="rect">
+            <a:avLst/>
+          </a:prstGeom>
+          <a:noFill/>
+        </p:spPr>
+        <p:txBody>
+          <a:bodyPr wrap="square" rtlCol="0">
+            <a:spAutoFit/>
+          </a:bodyPr>
+          <a:lstStyle/>
+          <a:p>
+            <a:r>
+              <a:rPr lang="en-GB" sz="1400" dirty="0" smtClean="0">
+                <a:latin typeface="Times New Roman" panose="02020603050405020304" pitchFamily="18" charset="0"/>
+                <a:cs typeface="Times New Roman" panose="02020603050405020304" pitchFamily="18" charset="0"/>
+              </a:rPr>
+              <a:t>Join</a:t>
+            </a:r>
+            <a:endParaRPr lang="en-GB" sz="1400" dirty="0">
+              <a:latin typeface="Times New Roman" panose="02020603050405020304" pitchFamily="18" charset="0"/>
+              <a:cs typeface="Times New Roman" panose="02020603050405020304" pitchFamily="18" charset="0"/>
+            </a:endParaRPr>
+          </a:p>
+        </p:txBody>
+      </p:sp>
+    </p:spTree>
+    <p:extLst>
+      <p:ext uri="{BB962C8B-B14F-4D97-AF65-F5344CB8AC3E}">
+        <p14:creationId xmlns:p14="http://schemas.microsoft.com/office/powerpoint/2010/main" val="352991453"/>
+      </p:ext>
+    </p:extLst>
+  </p:cSld>
+  <p:clrMapOvr>
+    <a:masterClrMapping/>
+  </p:clrMapOvr>
+</p:sld>
+</file>
+
 <file path=ppt/theme/theme1.xml><?xml version="1.0" encoding="utf-8"?>
 <a:theme xmlns:a="http://schemas.openxmlformats.org/drawingml/2006/main" name="Office Teması">
   <a:themeElements>

--- a/Thesis/figures/Sunu1.pptx
+++ b/Thesis/figures/Sunu1.pptx
@@ -6,16 +6,17 @@
   </p:sldMasterIdLst>
   <p:sldIdLst>
     <p:sldId id="256" r:id="rId2"/>
-    <p:sldId id="263" r:id="rId3"/>
-    <p:sldId id="259" r:id="rId4"/>
-    <p:sldId id="260" r:id="rId5"/>
-    <p:sldId id="262" r:id="rId6"/>
-    <p:sldId id="261" r:id="rId7"/>
-    <p:sldId id="257" r:id="rId8"/>
-    <p:sldId id="264" r:id="rId9"/>
-    <p:sldId id="265" r:id="rId10"/>
-    <p:sldId id="266" r:id="rId11"/>
-    <p:sldId id="267" r:id="rId12"/>
+    <p:sldId id="268" r:id="rId3"/>
+    <p:sldId id="263" r:id="rId4"/>
+    <p:sldId id="259" r:id="rId5"/>
+    <p:sldId id="260" r:id="rId6"/>
+    <p:sldId id="262" r:id="rId7"/>
+    <p:sldId id="261" r:id="rId8"/>
+    <p:sldId id="257" r:id="rId9"/>
+    <p:sldId id="264" r:id="rId10"/>
+    <p:sldId id="265" r:id="rId11"/>
+    <p:sldId id="266" r:id="rId12"/>
+    <p:sldId id="267" r:id="rId13"/>
   </p:sldIdLst>
   <p:sldSz cx="12192000" cy="6858000"/>
   <p:notesSz cx="6858000" cy="9144000"/>
@@ -274,7 +275,7 @@
           <a:p>
             <a:fld id="{DD1BFE35-F138-4804-88D8-958AEE55883A}" type="datetimeFigureOut">
               <a:rPr lang="tr-TR" smtClean="0"/>
-              <a:t>20.08.2019</a:t>
+              <a:t>21.08.2019</a:t>
             </a:fld>
             <a:endParaRPr lang="tr-TR"/>
           </a:p>
@@ -442,7 +443,7 @@
           <a:p>
             <a:fld id="{DD1BFE35-F138-4804-88D8-958AEE55883A}" type="datetimeFigureOut">
               <a:rPr lang="tr-TR" smtClean="0"/>
-              <a:t>20.08.2019</a:t>
+              <a:t>21.08.2019</a:t>
             </a:fld>
             <a:endParaRPr lang="tr-TR"/>
           </a:p>
@@ -620,7 +621,7 @@
           <a:p>
             <a:fld id="{DD1BFE35-F138-4804-88D8-958AEE55883A}" type="datetimeFigureOut">
               <a:rPr lang="tr-TR" smtClean="0"/>
-              <a:t>20.08.2019</a:t>
+              <a:t>21.08.2019</a:t>
             </a:fld>
             <a:endParaRPr lang="tr-TR"/>
           </a:p>
@@ -788,7 +789,7 @@
           <a:p>
             <a:fld id="{DD1BFE35-F138-4804-88D8-958AEE55883A}" type="datetimeFigureOut">
               <a:rPr lang="tr-TR" smtClean="0"/>
-              <a:t>20.08.2019</a:t>
+              <a:t>21.08.2019</a:t>
             </a:fld>
             <a:endParaRPr lang="tr-TR"/>
           </a:p>
@@ -1033,7 +1034,7 @@
           <a:p>
             <a:fld id="{DD1BFE35-F138-4804-88D8-958AEE55883A}" type="datetimeFigureOut">
               <a:rPr lang="tr-TR" smtClean="0"/>
-              <a:t>20.08.2019</a:t>
+              <a:t>21.08.2019</a:t>
             </a:fld>
             <a:endParaRPr lang="tr-TR"/>
           </a:p>
@@ -1262,7 +1263,7 @@
           <a:p>
             <a:fld id="{DD1BFE35-F138-4804-88D8-958AEE55883A}" type="datetimeFigureOut">
               <a:rPr lang="tr-TR" smtClean="0"/>
-              <a:t>20.08.2019</a:t>
+              <a:t>21.08.2019</a:t>
             </a:fld>
             <a:endParaRPr lang="tr-TR"/>
           </a:p>
@@ -1626,7 +1627,7 @@
           <a:p>
             <a:fld id="{DD1BFE35-F138-4804-88D8-958AEE55883A}" type="datetimeFigureOut">
               <a:rPr lang="tr-TR" smtClean="0"/>
-              <a:t>20.08.2019</a:t>
+              <a:t>21.08.2019</a:t>
             </a:fld>
             <a:endParaRPr lang="tr-TR"/>
           </a:p>
@@ -1743,7 +1744,7 @@
           <a:p>
             <a:fld id="{DD1BFE35-F138-4804-88D8-958AEE55883A}" type="datetimeFigureOut">
               <a:rPr lang="tr-TR" smtClean="0"/>
-              <a:t>20.08.2019</a:t>
+              <a:t>21.08.2019</a:t>
             </a:fld>
             <a:endParaRPr lang="tr-TR"/>
           </a:p>
@@ -1838,7 +1839,7 @@
           <a:p>
             <a:fld id="{DD1BFE35-F138-4804-88D8-958AEE55883A}" type="datetimeFigureOut">
               <a:rPr lang="tr-TR" smtClean="0"/>
-              <a:t>20.08.2019</a:t>
+              <a:t>21.08.2019</a:t>
             </a:fld>
             <a:endParaRPr lang="tr-TR"/>
           </a:p>
@@ -2113,7 +2114,7 @@
           <a:p>
             <a:fld id="{DD1BFE35-F138-4804-88D8-958AEE55883A}" type="datetimeFigureOut">
               <a:rPr lang="tr-TR" smtClean="0"/>
-              <a:t>20.08.2019</a:t>
+              <a:t>21.08.2019</a:t>
             </a:fld>
             <a:endParaRPr lang="tr-TR"/>
           </a:p>
@@ -2365,7 +2366,7 @@
           <a:p>
             <a:fld id="{DD1BFE35-F138-4804-88D8-958AEE55883A}" type="datetimeFigureOut">
               <a:rPr lang="tr-TR" smtClean="0"/>
-              <a:t>20.08.2019</a:t>
+              <a:t>21.08.2019</a:t>
             </a:fld>
             <a:endParaRPr lang="tr-TR"/>
           </a:p>
@@ -2576,7 +2577,7 @@
           <a:p>
             <a:fld id="{DD1BFE35-F138-4804-88D8-958AEE55883A}" type="datetimeFigureOut">
               <a:rPr lang="tr-TR" smtClean="0"/>
-              <a:t>20.08.2019</a:t>
+              <a:t>21.08.2019</a:t>
             </a:fld>
             <a:endParaRPr lang="tr-TR"/>
           </a:p>
@@ -8869,7 +8870,7 @@
       </p:grpSpPr>
       <p:pic>
         <p:nvPicPr>
-          <p:cNvPr id="2" name="Resim 1"/>
+          <p:cNvPr id="4" name="Resim 3"/>
           <p:cNvPicPr>
             <a:picLocks noChangeAspect="1"/>
           </p:cNvPicPr>
@@ -8889,97 +8890,121 @@
         </p:blipFill>
         <p:spPr>
           <a:xfrm>
-            <a:off x="6507240" y="2375766"/>
-            <a:ext cx="4333875" cy="2209800"/>
+            <a:off x="7454479" y="2378722"/>
+            <a:ext cx="2657475" cy="2314575"/>
           </a:xfrm>
           <a:prstGeom prst="rect">
             <a:avLst/>
           </a:prstGeom>
         </p:spPr>
       </p:pic>
+      <p:sp>
+        <p:nvSpPr>
+          <p:cNvPr id="5" name="Dikdörtgen 4"/>
+          <p:cNvSpPr/>
+          <p:nvPr/>
+        </p:nvSpPr>
+        <p:spPr>
+          <a:xfrm>
+            <a:off x="1810139" y="2715209"/>
+            <a:ext cx="2603240" cy="466530"/>
+          </a:xfrm>
+          <a:prstGeom prst="rect">
+            <a:avLst/>
+          </a:prstGeom>
+          <a:solidFill>
+            <a:schemeClr val="bg1"/>
+          </a:solidFill>
+          <a:ln w="12700">
+            <a:solidFill>
+              <a:schemeClr val="tx1"/>
+            </a:solidFill>
+          </a:ln>
+        </p:spPr>
+        <p:style>
+          <a:lnRef idx="2">
+            <a:schemeClr val="accent1">
+              <a:shade val="50000"/>
+            </a:schemeClr>
+          </a:lnRef>
+          <a:fillRef idx="1">
+            <a:schemeClr val="accent1"/>
+          </a:fillRef>
+          <a:effectRef idx="0">
+            <a:schemeClr val="accent1"/>
+          </a:effectRef>
+          <a:fontRef idx="minor">
+            <a:schemeClr val="lt1"/>
+          </a:fontRef>
+        </p:style>
+        <p:txBody>
+          <a:bodyPr rtlCol="0" anchor="ctr"/>
+          <a:lstStyle/>
+          <a:p>
+            <a:pPr algn="ctr"/>
+            <a:endParaRPr lang="tr-TR"/>
+          </a:p>
+        </p:txBody>
+      </p:sp>
+      <p:sp>
+        <p:nvSpPr>
+          <p:cNvPr id="6" name="Dikdörtgen 5"/>
+          <p:cNvSpPr/>
+          <p:nvPr/>
+        </p:nvSpPr>
+        <p:spPr>
+          <a:xfrm>
+            <a:off x="1810139" y="3704253"/>
+            <a:ext cx="2603240" cy="466530"/>
+          </a:xfrm>
+          <a:prstGeom prst="rect">
+            <a:avLst/>
+          </a:prstGeom>
+          <a:solidFill>
+            <a:schemeClr val="bg1"/>
+          </a:solidFill>
+          <a:ln w="12700">
+            <a:solidFill>
+              <a:schemeClr val="tx1"/>
+            </a:solidFill>
+          </a:ln>
+        </p:spPr>
+        <p:style>
+          <a:lnRef idx="2">
+            <a:schemeClr val="accent1">
+              <a:shade val="50000"/>
+            </a:schemeClr>
+          </a:lnRef>
+          <a:fillRef idx="1">
+            <a:schemeClr val="accent1"/>
+          </a:fillRef>
+          <a:effectRef idx="0">
+            <a:schemeClr val="accent1"/>
+          </a:effectRef>
+          <a:fontRef idx="minor">
+            <a:schemeClr val="lt1"/>
+          </a:fontRef>
+        </p:style>
+        <p:txBody>
+          <a:bodyPr rtlCol="0" anchor="ctr"/>
+          <a:lstStyle/>
+          <a:p>
+            <a:pPr algn="ctr"/>
+            <a:endParaRPr lang="tr-TR"/>
+          </a:p>
+        </p:txBody>
+      </p:sp>
       <p:cxnSp>
         <p:nvCxnSpPr>
-          <p:cNvPr id="5" name="Düz Ok Bağlayıcısı 4"/>
-          <p:cNvCxnSpPr/>
+          <p:cNvPr id="8" name="Düz Ok Bağlayıcısı 7"/>
+          <p:cNvCxnSpPr>
+            <a:stCxn id="5" idx="0"/>
+          </p:cNvCxnSpPr>
           <p:nvPr/>
         </p:nvCxnSpPr>
         <p:spPr>
           <a:xfrm flipV="1">
-            <a:off x="3219336" y="2165998"/>
-            <a:ext cx="0" cy="522514"/>
-          </a:xfrm>
-          <a:prstGeom prst="straightConnector1">
-            <a:avLst/>
-          </a:prstGeom>
-          <a:ln w="12700">
-            <a:solidFill>
-              <a:schemeClr val="tx1"/>
-            </a:solidFill>
-            <a:headEnd type="triangle" w="med" len="med"/>
-            <a:tailEnd type="none" w="med" len="med"/>
-          </a:ln>
-        </p:spPr>
-        <p:style>
-          <a:lnRef idx="1">
-            <a:schemeClr val="accent1"/>
-          </a:lnRef>
-          <a:fillRef idx="0">
-            <a:schemeClr val="accent1"/>
-          </a:fillRef>
-          <a:effectRef idx="0">
-            <a:schemeClr val="accent1"/>
-          </a:effectRef>
-          <a:fontRef idx="minor">
-            <a:schemeClr val="tx1"/>
-          </a:fontRef>
-        </p:style>
-      </p:cxnSp>
-      <p:cxnSp>
-        <p:nvCxnSpPr>
-          <p:cNvPr id="6" name="Düz Ok Bağlayıcısı 5"/>
-          <p:cNvCxnSpPr/>
-          <p:nvPr/>
-        </p:nvCxnSpPr>
-        <p:spPr>
-          <a:xfrm flipV="1">
-            <a:off x="2162842" y="3221857"/>
-            <a:ext cx="0" cy="522514"/>
-          </a:xfrm>
-          <a:prstGeom prst="straightConnector1">
-            <a:avLst/>
-          </a:prstGeom>
-          <a:ln w="12700">
-            <a:solidFill>
-              <a:schemeClr val="tx1"/>
-            </a:solidFill>
-            <a:headEnd type="triangle" w="med" len="med"/>
-            <a:tailEnd type="none" w="med" len="med"/>
-          </a:ln>
-        </p:spPr>
-        <p:style>
-          <a:lnRef idx="1">
-            <a:schemeClr val="accent1"/>
-          </a:lnRef>
-          <a:fillRef idx="0">
-            <a:schemeClr val="accent1"/>
-          </a:fillRef>
-          <a:effectRef idx="0">
-            <a:schemeClr val="accent1"/>
-          </a:effectRef>
-          <a:fontRef idx="minor">
-            <a:schemeClr val="tx1"/>
-          </a:fontRef>
-        </p:style>
-      </p:cxnSp>
-      <p:cxnSp>
-        <p:nvCxnSpPr>
-          <p:cNvPr id="7" name="Düz Ok Bağlayıcısı 6"/>
-          <p:cNvCxnSpPr/>
-          <p:nvPr/>
-        </p:nvCxnSpPr>
-        <p:spPr>
-          <a:xfrm flipV="1">
-            <a:off x="1596784" y="3221857"/>
+            <a:off x="3111759" y="2192695"/>
             <a:ext cx="0" cy="522514"/>
           </a:xfrm>
           <a:prstGeom prst="straightConnector1">
@@ -9016,7 +9041,7 @@
         </p:nvCxnSpPr>
         <p:spPr>
           <a:xfrm flipV="1">
-            <a:off x="3221044" y="4271748"/>
+            <a:off x="2845836" y="3181739"/>
             <a:ext cx="0" cy="522514"/>
           </a:xfrm>
           <a:prstGeom prst="straightConnector1">
@@ -9024,7 +9049,10 @@
           </a:prstGeom>
           <a:ln w="12700">
             <a:solidFill>
-              <a:schemeClr val="tx1"/>
+              <a:schemeClr val="tx1">
+                <a:lumMod val="50000"/>
+                <a:lumOff val="50000"/>
+              </a:schemeClr>
             </a:solidFill>
             <a:headEnd type="triangle" w="med" len="med"/>
             <a:tailEnd type="none" w="med" len="med"/>
@@ -9047,22 +9075,64 @@
       </p:cxnSp>
       <p:cxnSp>
         <p:nvCxnSpPr>
-          <p:cNvPr id="12" name="Düz Bağlayıcı 11"/>
+          <p:cNvPr id="11" name="Düz Ok Bağlayıcısı 10"/>
           <p:cNvCxnSpPr/>
           <p:nvPr/>
         </p:nvCxnSpPr>
         <p:spPr>
-          <a:xfrm>
-            <a:off x="1596784" y="3221857"/>
-            <a:ext cx="566058" cy="0"/>
-          </a:xfrm>
-          <a:prstGeom prst="line">
-            <a:avLst/>
-          </a:prstGeom>
-          <a:ln w="12700">
-            <a:solidFill>
-              <a:schemeClr val="tx1"/>
-            </a:solidFill>
+          <a:xfrm flipV="1">
+            <a:off x="2279778" y="3181739"/>
+            <a:ext cx="0" cy="522514"/>
+          </a:xfrm>
+          <a:prstGeom prst="straightConnector1">
+            <a:avLst/>
+          </a:prstGeom>
+          <a:ln w="12700">
+            <a:solidFill>
+              <a:schemeClr val="tx1"/>
+            </a:solidFill>
+            <a:headEnd type="triangle" w="med" len="med"/>
+            <a:tailEnd type="none" w="med" len="med"/>
+          </a:ln>
+        </p:spPr>
+        <p:style>
+          <a:lnRef idx="1">
+            <a:schemeClr val="accent1"/>
+          </a:lnRef>
+          <a:fillRef idx="0">
+            <a:schemeClr val="accent1"/>
+          </a:fillRef>
+          <a:effectRef idx="0">
+            <a:schemeClr val="accent1"/>
+          </a:effectRef>
+          <a:fontRef idx="minor">
+            <a:schemeClr val="tx1"/>
+          </a:fontRef>
+        </p:style>
+      </p:cxnSp>
+      <p:cxnSp>
+        <p:nvCxnSpPr>
+          <p:cNvPr id="12" name="Düz Ok Bağlayıcısı 11"/>
+          <p:cNvCxnSpPr/>
+          <p:nvPr/>
+        </p:nvCxnSpPr>
+        <p:spPr>
+          <a:xfrm flipV="1">
+            <a:off x="3402562" y="3181739"/>
+            <a:ext cx="0" cy="522514"/>
+          </a:xfrm>
+          <a:prstGeom prst="straightConnector1">
+            <a:avLst/>
+          </a:prstGeom>
+          <a:ln w="12700">
+            <a:solidFill>
+              <a:schemeClr val="tx1">
+                <a:lumMod val="50000"/>
+                <a:lumOff val="50000"/>
+              </a:schemeClr>
+            </a:solidFill>
+            <a:headEnd type="triangle" w="med" len="med"/>
+            <a:tailEnd type="none" w="med" len="med"/>
           </a:ln>
         </p:spPr>
         <p:style>
@@ -9088,7 +9158,7 @@
         </p:nvCxnSpPr>
         <p:spPr>
           <a:xfrm flipV="1">
-            <a:off x="3052647" y="3221857"/>
+            <a:off x="3937517" y="3181739"/>
             <a:ext cx="0" cy="522514"/>
           </a:xfrm>
           <a:prstGeom prst="straightConnector1">
@@ -9096,7 +9166,10 @@
           </a:prstGeom>
           <a:ln w="12700">
             <a:solidFill>
-              <a:schemeClr val="tx1"/>
+              <a:schemeClr val="tx1">
+                <a:lumMod val="50000"/>
+                <a:lumOff val="50000"/>
+              </a:schemeClr>
             </a:solidFill>
             <a:headEnd type="triangle" w="med" len="med"/>
             <a:tailEnd type="none" w="med" len="med"/>
@@ -9125,7 +9198,7 @@
         </p:nvCxnSpPr>
         <p:spPr>
           <a:xfrm flipV="1">
-            <a:off x="2486589" y="3221857"/>
+            <a:off x="3091543" y="4170783"/>
             <a:ext cx="0" cy="522514"/>
           </a:xfrm>
           <a:prstGeom prst="straightConnector1">
@@ -9154,775 +9227,16 @@
           </a:fontRef>
         </p:style>
       </p:cxnSp>
-      <p:cxnSp>
-        <p:nvCxnSpPr>
-          <p:cNvPr id="15" name="Düz Bağlayıcı 14"/>
-          <p:cNvCxnSpPr/>
-          <p:nvPr/>
-        </p:nvCxnSpPr>
-        <p:spPr>
-          <a:xfrm>
-            <a:off x="2486589" y="3221857"/>
-            <a:ext cx="566058" cy="0"/>
-          </a:xfrm>
-          <a:prstGeom prst="line">
-            <a:avLst/>
-          </a:prstGeom>
-          <a:ln w="12700">
-            <a:solidFill>
-              <a:schemeClr val="tx1"/>
-            </a:solidFill>
-          </a:ln>
-        </p:spPr>
-        <p:style>
-          <a:lnRef idx="1">
-            <a:schemeClr val="accent1"/>
-          </a:lnRef>
-          <a:fillRef idx="0">
-            <a:schemeClr val="accent1"/>
-          </a:fillRef>
-          <a:effectRef idx="0">
-            <a:schemeClr val="accent1"/>
-          </a:effectRef>
-          <a:fontRef idx="minor">
-            <a:schemeClr val="tx1"/>
-          </a:fontRef>
-        </p:style>
-      </p:cxnSp>
-      <p:cxnSp>
-        <p:nvCxnSpPr>
-          <p:cNvPr id="16" name="Düz Ok Bağlayıcısı 15"/>
-          <p:cNvCxnSpPr/>
-          <p:nvPr/>
-        </p:nvCxnSpPr>
-        <p:spPr>
-          <a:xfrm flipV="1">
-            <a:off x="3954076" y="3219409"/>
-            <a:ext cx="0" cy="522514"/>
-          </a:xfrm>
-          <a:prstGeom prst="straightConnector1">
-            <a:avLst/>
-          </a:prstGeom>
-          <a:ln w="12700">
-            <a:solidFill>
-              <a:schemeClr val="tx1"/>
-            </a:solidFill>
-            <a:headEnd type="triangle" w="med" len="med"/>
-            <a:tailEnd type="none" w="med" len="med"/>
-          </a:ln>
-        </p:spPr>
-        <p:style>
-          <a:lnRef idx="1">
-            <a:schemeClr val="accent1"/>
-          </a:lnRef>
-          <a:fillRef idx="0">
-            <a:schemeClr val="accent1"/>
-          </a:fillRef>
-          <a:effectRef idx="0">
-            <a:schemeClr val="accent1"/>
-          </a:effectRef>
-          <a:fontRef idx="minor">
-            <a:schemeClr val="tx1"/>
-          </a:fontRef>
-        </p:style>
-      </p:cxnSp>
-      <p:cxnSp>
-        <p:nvCxnSpPr>
-          <p:cNvPr id="17" name="Düz Ok Bağlayıcısı 16"/>
-          <p:cNvCxnSpPr/>
-          <p:nvPr/>
-        </p:nvCxnSpPr>
-        <p:spPr>
-          <a:xfrm flipV="1">
-            <a:off x="3388018" y="3219409"/>
-            <a:ext cx="0" cy="522514"/>
-          </a:xfrm>
-          <a:prstGeom prst="straightConnector1">
-            <a:avLst/>
-          </a:prstGeom>
-          <a:ln w="12700">
-            <a:solidFill>
-              <a:schemeClr val="tx1"/>
-            </a:solidFill>
-            <a:headEnd type="triangle" w="med" len="med"/>
-            <a:tailEnd type="none" w="med" len="med"/>
-          </a:ln>
-        </p:spPr>
-        <p:style>
-          <a:lnRef idx="1">
-            <a:schemeClr val="accent1"/>
-          </a:lnRef>
-          <a:fillRef idx="0">
-            <a:schemeClr val="accent1"/>
-          </a:fillRef>
-          <a:effectRef idx="0">
-            <a:schemeClr val="accent1"/>
-          </a:effectRef>
-          <a:fontRef idx="minor">
-            <a:schemeClr val="tx1"/>
-          </a:fontRef>
-        </p:style>
-      </p:cxnSp>
-      <p:cxnSp>
-        <p:nvCxnSpPr>
-          <p:cNvPr id="18" name="Düz Bağlayıcı 17"/>
-          <p:cNvCxnSpPr/>
-          <p:nvPr/>
-        </p:nvCxnSpPr>
-        <p:spPr>
-          <a:xfrm>
-            <a:off x="3388018" y="3219409"/>
-            <a:ext cx="566058" cy="0"/>
-          </a:xfrm>
-          <a:prstGeom prst="line">
-            <a:avLst/>
-          </a:prstGeom>
-          <a:ln w="12700">
-            <a:solidFill>
-              <a:schemeClr val="tx1"/>
-            </a:solidFill>
-          </a:ln>
-        </p:spPr>
-        <p:style>
-          <a:lnRef idx="1">
-            <a:schemeClr val="accent1"/>
-          </a:lnRef>
-          <a:fillRef idx="0">
-            <a:schemeClr val="accent1"/>
-          </a:fillRef>
-          <a:effectRef idx="0">
-            <a:schemeClr val="accent1"/>
-          </a:effectRef>
-          <a:fontRef idx="minor">
-            <a:schemeClr val="tx1"/>
-          </a:fontRef>
-        </p:style>
-      </p:cxnSp>
-      <p:cxnSp>
-        <p:nvCxnSpPr>
-          <p:cNvPr id="19" name="Düz Ok Bağlayıcısı 18"/>
-          <p:cNvCxnSpPr/>
-          <p:nvPr/>
-        </p:nvCxnSpPr>
-        <p:spPr>
-          <a:xfrm flipV="1">
-            <a:off x="4884688" y="3219409"/>
-            <a:ext cx="0" cy="522514"/>
-          </a:xfrm>
-          <a:prstGeom prst="straightConnector1">
-            <a:avLst/>
-          </a:prstGeom>
-          <a:ln w="12700">
-            <a:solidFill>
-              <a:schemeClr val="tx1"/>
-            </a:solidFill>
-            <a:headEnd type="triangle" w="med" len="med"/>
-            <a:tailEnd type="none" w="med" len="med"/>
-          </a:ln>
-        </p:spPr>
-        <p:style>
-          <a:lnRef idx="1">
-            <a:schemeClr val="accent1"/>
-          </a:lnRef>
-          <a:fillRef idx="0">
-            <a:schemeClr val="accent1"/>
-          </a:fillRef>
-          <a:effectRef idx="0">
-            <a:schemeClr val="accent1"/>
-          </a:effectRef>
-          <a:fontRef idx="minor">
-            <a:schemeClr val="tx1"/>
-          </a:fontRef>
-        </p:style>
-      </p:cxnSp>
-      <p:cxnSp>
-        <p:nvCxnSpPr>
-          <p:cNvPr id="20" name="Düz Ok Bağlayıcısı 19"/>
-          <p:cNvCxnSpPr/>
-          <p:nvPr/>
-        </p:nvCxnSpPr>
-        <p:spPr>
-          <a:xfrm flipV="1">
-            <a:off x="4318630" y="3219409"/>
-            <a:ext cx="0" cy="522514"/>
-          </a:xfrm>
-          <a:prstGeom prst="straightConnector1">
-            <a:avLst/>
-          </a:prstGeom>
-          <a:ln w="12700">
-            <a:solidFill>
-              <a:schemeClr val="tx1"/>
-            </a:solidFill>
-            <a:headEnd type="triangle" w="med" len="med"/>
-            <a:tailEnd type="none" w="med" len="med"/>
-          </a:ln>
-        </p:spPr>
-        <p:style>
-          <a:lnRef idx="1">
-            <a:schemeClr val="accent1"/>
-          </a:lnRef>
-          <a:fillRef idx="0">
-            <a:schemeClr val="accent1"/>
-          </a:fillRef>
-          <a:effectRef idx="0">
-            <a:schemeClr val="accent1"/>
-          </a:effectRef>
-          <a:fontRef idx="minor">
-            <a:schemeClr val="tx1"/>
-          </a:fontRef>
-        </p:style>
-      </p:cxnSp>
-      <p:cxnSp>
-        <p:nvCxnSpPr>
-          <p:cNvPr id="21" name="Düz Bağlayıcı 20"/>
-          <p:cNvCxnSpPr/>
-          <p:nvPr/>
-        </p:nvCxnSpPr>
-        <p:spPr>
-          <a:xfrm>
-            <a:off x="4318630" y="3219409"/>
-            <a:ext cx="566058" cy="0"/>
-          </a:xfrm>
-          <a:prstGeom prst="line">
-            <a:avLst/>
-          </a:prstGeom>
-          <a:ln w="12700">
-            <a:solidFill>
-              <a:schemeClr val="tx1"/>
-            </a:solidFill>
-          </a:ln>
-        </p:spPr>
-        <p:style>
-          <a:lnRef idx="1">
-            <a:schemeClr val="accent1"/>
-          </a:lnRef>
-          <a:fillRef idx="0">
-            <a:schemeClr val="accent1"/>
-          </a:fillRef>
-          <a:effectRef idx="0">
-            <a:schemeClr val="accent1"/>
-          </a:effectRef>
-          <a:fontRef idx="minor">
-            <a:schemeClr val="tx1"/>
-          </a:fontRef>
-        </p:style>
-      </p:cxnSp>
-      <p:cxnSp>
-        <p:nvCxnSpPr>
-          <p:cNvPr id="22" name="Düz Bağlayıcı 21"/>
-          <p:cNvCxnSpPr/>
-          <p:nvPr/>
-        </p:nvCxnSpPr>
-        <p:spPr>
-          <a:xfrm>
-            <a:off x="1879813" y="2697320"/>
-            <a:ext cx="2721846" cy="0"/>
-          </a:xfrm>
-          <a:prstGeom prst="line">
-            <a:avLst/>
-          </a:prstGeom>
-          <a:ln w="12700">
-            <a:solidFill>
-              <a:schemeClr val="tx1"/>
-            </a:solidFill>
-          </a:ln>
-        </p:spPr>
-        <p:style>
-          <a:lnRef idx="1">
-            <a:schemeClr val="accent1"/>
-          </a:lnRef>
-          <a:fillRef idx="0">
-            <a:schemeClr val="accent1"/>
-          </a:fillRef>
-          <a:effectRef idx="0">
-            <a:schemeClr val="accent1"/>
-          </a:effectRef>
-          <a:fontRef idx="minor">
-            <a:schemeClr val="tx1"/>
-          </a:fontRef>
-        </p:style>
-      </p:cxnSp>
-      <p:cxnSp>
-        <p:nvCxnSpPr>
-          <p:cNvPr id="23" name="Düz Ok Bağlayıcısı 22"/>
-          <p:cNvCxnSpPr/>
-          <p:nvPr/>
-        </p:nvCxnSpPr>
-        <p:spPr>
-          <a:xfrm flipV="1">
-            <a:off x="2769618" y="2690997"/>
-            <a:ext cx="0" cy="522514"/>
-          </a:xfrm>
-          <a:prstGeom prst="straightConnector1">
-            <a:avLst/>
-          </a:prstGeom>
-          <a:ln w="12700">
-            <a:solidFill>
-              <a:schemeClr val="tx1"/>
-            </a:solidFill>
-            <a:headEnd type="triangle" w="med" len="med"/>
-            <a:tailEnd type="none" w="med" len="med"/>
-          </a:ln>
-        </p:spPr>
-        <p:style>
-          <a:lnRef idx="1">
-            <a:schemeClr val="accent1"/>
-          </a:lnRef>
-          <a:fillRef idx="0">
-            <a:schemeClr val="accent1"/>
-          </a:fillRef>
-          <a:effectRef idx="0">
-            <a:schemeClr val="accent1"/>
-          </a:effectRef>
-          <a:fontRef idx="minor">
-            <a:schemeClr val="tx1"/>
-          </a:fontRef>
-        </p:style>
-      </p:cxnSp>
-      <p:cxnSp>
-        <p:nvCxnSpPr>
-          <p:cNvPr id="25" name="Düz Ok Bağlayıcısı 24"/>
-          <p:cNvCxnSpPr/>
-          <p:nvPr/>
-        </p:nvCxnSpPr>
-        <p:spPr>
-          <a:xfrm flipV="1">
-            <a:off x="3666327" y="2690997"/>
-            <a:ext cx="0" cy="522514"/>
-          </a:xfrm>
-          <a:prstGeom prst="straightConnector1">
-            <a:avLst/>
-          </a:prstGeom>
-          <a:ln w="12700">
-            <a:solidFill>
-              <a:schemeClr val="tx1"/>
-            </a:solidFill>
-            <a:headEnd type="triangle" w="med" len="med"/>
-            <a:tailEnd type="none" w="med" len="med"/>
-          </a:ln>
-        </p:spPr>
-        <p:style>
-          <a:lnRef idx="1">
-            <a:schemeClr val="accent1"/>
-          </a:lnRef>
-          <a:fillRef idx="0">
-            <a:schemeClr val="accent1"/>
-          </a:fillRef>
-          <a:effectRef idx="0">
-            <a:schemeClr val="accent1"/>
-          </a:effectRef>
-          <a:fontRef idx="minor">
-            <a:schemeClr val="tx1"/>
-          </a:fontRef>
-        </p:style>
-      </p:cxnSp>
-      <p:cxnSp>
-        <p:nvCxnSpPr>
-          <p:cNvPr id="26" name="Düz Ok Bağlayıcısı 25"/>
-          <p:cNvCxnSpPr/>
-          <p:nvPr/>
-        </p:nvCxnSpPr>
-        <p:spPr>
-          <a:xfrm flipV="1">
-            <a:off x="4601659" y="2690997"/>
-            <a:ext cx="0" cy="522514"/>
-          </a:xfrm>
-          <a:prstGeom prst="straightConnector1">
-            <a:avLst/>
-          </a:prstGeom>
-          <a:ln w="12700">
-            <a:solidFill>
-              <a:schemeClr val="tx1"/>
-            </a:solidFill>
-            <a:headEnd type="triangle" w="med" len="med"/>
-            <a:tailEnd type="none" w="med" len="med"/>
-          </a:ln>
-        </p:spPr>
-        <p:style>
-          <a:lnRef idx="1">
-            <a:schemeClr val="accent1"/>
-          </a:lnRef>
-          <a:fillRef idx="0">
-            <a:schemeClr val="accent1"/>
-          </a:fillRef>
-          <a:effectRef idx="0">
-            <a:schemeClr val="accent1"/>
-          </a:effectRef>
-          <a:fontRef idx="minor">
-            <a:schemeClr val="tx1"/>
-          </a:fontRef>
-        </p:style>
-      </p:cxnSp>
-      <p:cxnSp>
-        <p:nvCxnSpPr>
-          <p:cNvPr id="27" name="Düz Ok Bağlayıcısı 26"/>
-          <p:cNvCxnSpPr/>
-          <p:nvPr/>
-        </p:nvCxnSpPr>
-        <p:spPr>
-          <a:xfrm flipV="1">
-            <a:off x="1879813" y="2690997"/>
-            <a:ext cx="0" cy="522514"/>
-          </a:xfrm>
-          <a:prstGeom prst="straightConnector1">
-            <a:avLst/>
-          </a:prstGeom>
-          <a:ln w="12700">
-            <a:solidFill>
-              <a:schemeClr val="tx1"/>
-            </a:solidFill>
-            <a:headEnd type="triangle" w="med" len="med"/>
-            <a:tailEnd type="none" w="med" len="med"/>
-          </a:ln>
-        </p:spPr>
-        <p:style>
-          <a:lnRef idx="1">
-            <a:schemeClr val="accent1"/>
-          </a:lnRef>
-          <a:fillRef idx="0">
-            <a:schemeClr val="accent1"/>
-          </a:fillRef>
-          <a:effectRef idx="0">
-            <a:schemeClr val="accent1"/>
-          </a:effectRef>
-          <a:fontRef idx="minor">
-            <a:schemeClr val="tx1"/>
-          </a:fontRef>
-        </p:style>
-      </p:cxnSp>
-      <p:cxnSp>
-        <p:nvCxnSpPr>
-          <p:cNvPr id="30" name="Düz Bağlayıcı 29"/>
-          <p:cNvCxnSpPr/>
-          <p:nvPr/>
-        </p:nvCxnSpPr>
-        <p:spPr>
-          <a:xfrm>
-            <a:off x="1596784" y="3744371"/>
-            <a:ext cx="566058" cy="0"/>
-          </a:xfrm>
-          <a:prstGeom prst="line">
-            <a:avLst/>
-          </a:prstGeom>
-          <a:ln w="12700">
-            <a:solidFill>
-              <a:schemeClr val="tx1"/>
-            </a:solidFill>
-          </a:ln>
-        </p:spPr>
-        <p:style>
-          <a:lnRef idx="1">
-            <a:schemeClr val="accent1"/>
-          </a:lnRef>
-          <a:fillRef idx="0">
-            <a:schemeClr val="accent1"/>
-          </a:fillRef>
-          <a:effectRef idx="0">
-            <a:schemeClr val="accent1"/>
-          </a:effectRef>
-          <a:fontRef idx="minor">
-            <a:schemeClr val="tx1"/>
-          </a:fontRef>
-        </p:style>
-      </p:cxnSp>
-      <p:cxnSp>
-        <p:nvCxnSpPr>
-          <p:cNvPr id="31" name="Düz Bağlayıcı 30"/>
-          <p:cNvCxnSpPr/>
-          <p:nvPr/>
-        </p:nvCxnSpPr>
-        <p:spPr>
-          <a:xfrm>
-            <a:off x="2486589" y="3744371"/>
-            <a:ext cx="566058" cy="0"/>
-          </a:xfrm>
-          <a:prstGeom prst="line">
-            <a:avLst/>
-          </a:prstGeom>
-          <a:ln w="12700">
-            <a:solidFill>
-              <a:schemeClr val="tx1"/>
-            </a:solidFill>
-          </a:ln>
-        </p:spPr>
-        <p:style>
-          <a:lnRef idx="1">
-            <a:schemeClr val="accent1"/>
-          </a:lnRef>
-          <a:fillRef idx="0">
-            <a:schemeClr val="accent1"/>
-          </a:fillRef>
-          <a:effectRef idx="0">
-            <a:schemeClr val="accent1"/>
-          </a:effectRef>
-          <a:fontRef idx="minor">
-            <a:schemeClr val="tx1"/>
-          </a:fontRef>
-        </p:style>
-      </p:cxnSp>
-      <p:cxnSp>
-        <p:nvCxnSpPr>
-          <p:cNvPr id="32" name="Düz Bağlayıcı 31"/>
-          <p:cNvCxnSpPr/>
-          <p:nvPr/>
-        </p:nvCxnSpPr>
-        <p:spPr>
-          <a:xfrm>
-            <a:off x="3388018" y="3741923"/>
-            <a:ext cx="566058" cy="0"/>
-          </a:xfrm>
-          <a:prstGeom prst="line">
-            <a:avLst/>
-          </a:prstGeom>
-          <a:ln w="12700">
-            <a:solidFill>
-              <a:schemeClr val="tx1"/>
-            </a:solidFill>
-          </a:ln>
-        </p:spPr>
-        <p:style>
-          <a:lnRef idx="1">
-            <a:schemeClr val="accent1"/>
-          </a:lnRef>
-          <a:fillRef idx="0">
-            <a:schemeClr val="accent1"/>
-          </a:fillRef>
-          <a:effectRef idx="0">
-            <a:schemeClr val="accent1"/>
-          </a:effectRef>
-          <a:fontRef idx="minor">
-            <a:schemeClr val="tx1"/>
-          </a:fontRef>
-        </p:style>
-      </p:cxnSp>
-      <p:cxnSp>
-        <p:nvCxnSpPr>
-          <p:cNvPr id="33" name="Düz Bağlayıcı 32"/>
-          <p:cNvCxnSpPr/>
-          <p:nvPr/>
-        </p:nvCxnSpPr>
-        <p:spPr>
-          <a:xfrm>
-            <a:off x="4318630" y="3741923"/>
-            <a:ext cx="566058" cy="0"/>
-          </a:xfrm>
-          <a:prstGeom prst="line">
-            <a:avLst/>
-          </a:prstGeom>
-          <a:ln w="12700">
-            <a:solidFill>
-              <a:schemeClr val="tx1"/>
-            </a:solidFill>
-          </a:ln>
-        </p:spPr>
-        <p:style>
-          <a:lnRef idx="1">
-            <a:schemeClr val="accent1"/>
-          </a:lnRef>
-          <a:fillRef idx="0">
-            <a:schemeClr val="accent1"/>
-          </a:fillRef>
-          <a:effectRef idx="0">
-            <a:schemeClr val="accent1"/>
-          </a:effectRef>
-          <a:fontRef idx="minor">
-            <a:schemeClr val="tx1"/>
-          </a:fontRef>
-        </p:style>
-      </p:cxnSp>
-      <p:cxnSp>
-        <p:nvCxnSpPr>
-          <p:cNvPr id="34" name="Düz Ok Bağlayıcısı 33"/>
-          <p:cNvCxnSpPr/>
-          <p:nvPr/>
-        </p:nvCxnSpPr>
-        <p:spPr>
-          <a:xfrm flipV="1">
-            <a:off x="2775118" y="3741923"/>
-            <a:ext cx="0" cy="522514"/>
-          </a:xfrm>
-          <a:prstGeom prst="straightConnector1">
-            <a:avLst/>
-          </a:prstGeom>
-          <a:ln w="12700">
-            <a:solidFill>
-              <a:schemeClr val="tx1"/>
-            </a:solidFill>
-            <a:headEnd type="triangle" w="med" len="med"/>
-            <a:tailEnd type="none" w="med" len="med"/>
-          </a:ln>
-        </p:spPr>
-        <p:style>
-          <a:lnRef idx="1">
-            <a:schemeClr val="accent1"/>
-          </a:lnRef>
-          <a:fillRef idx="0">
-            <a:schemeClr val="accent1"/>
-          </a:fillRef>
-          <a:effectRef idx="0">
-            <a:schemeClr val="accent1"/>
-          </a:effectRef>
-          <a:fontRef idx="minor">
-            <a:schemeClr val="tx1"/>
-          </a:fontRef>
-        </p:style>
-      </p:cxnSp>
-      <p:cxnSp>
-        <p:nvCxnSpPr>
-          <p:cNvPr id="35" name="Düz Ok Bağlayıcısı 34"/>
-          <p:cNvCxnSpPr/>
-          <p:nvPr/>
-        </p:nvCxnSpPr>
-        <p:spPr>
-          <a:xfrm flipV="1">
-            <a:off x="3671827" y="3741923"/>
-            <a:ext cx="0" cy="522514"/>
-          </a:xfrm>
-          <a:prstGeom prst="straightConnector1">
-            <a:avLst/>
-          </a:prstGeom>
-          <a:ln w="12700">
-            <a:solidFill>
-              <a:schemeClr val="tx1"/>
-            </a:solidFill>
-            <a:headEnd type="triangle" w="med" len="med"/>
-            <a:tailEnd type="none" w="med" len="med"/>
-          </a:ln>
-        </p:spPr>
-        <p:style>
-          <a:lnRef idx="1">
-            <a:schemeClr val="accent1"/>
-          </a:lnRef>
-          <a:fillRef idx="0">
-            <a:schemeClr val="accent1"/>
-          </a:fillRef>
-          <a:effectRef idx="0">
-            <a:schemeClr val="accent1"/>
-          </a:effectRef>
-          <a:fontRef idx="minor">
-            <a:schemeClr val="tx1"/>
-          </a:fontRef>
-        </p:style>
-      </p:cxnSp>
-      <p:cxnSp>
-        <p:nvCxnSpPr>
-          <p:cNvPr id="36" name="Düz Ok Bağlayıcısı 35"/>
-          <p:cNvCxnSpPr/>
-          <p:nvPr/>
-        </p:nvCxnSpPr>
-        <p:spPr>
-          <a:xfrm flipV="1">
-            <a:off x="4607159" y="3741923"/>
-            <a:ext cx="0" cy="522514"/>
-          </a:xfrm>
-          <a:prstGeom prst="straightConnector1">
-            <a:avLst/>
-          </a:prstGeom>
-          <a:ln w="12700">
-            <a:solidFill>
-              <a:schemeClr val="tx1"/>
-            </a:solidFill>
-            <a:headEnd type="triangle" w="med" len="med"/>
-            <a:tailEnd type="none" w="med" len="med"/>
-          </a:ln>
-        </p:spPr>
-        <p:style>
-          <a:lnRef idx="1">
-            <a:schemeClr val="accent1"/>
-          </a:lnRef>
-          <a:fillRef idx="0">
-            <a:schemeClr val="accent1"/>
-          </a:fillRef>
-          <a:effectRef idx="0">
-            <a:schemeClr val="accent1"/>
-          </a:effectRef>
-          <a:fontRef idx="minor">
-            <a:schemeClr val="tx1"/>
-          </a:fontRef>
-        </p:style>
-      </p:cxnSp>
-      <p:cxnSp>
-        <p:nvCxnSpPr>
-          <p:cNvPr id="37" name="Düz Ok Bağlayıcısı 36"/>
-          <p:cNvCxnSpPr/>
-          <p:nvPr/>
-        </p:nvCxnSpPr>
-        <p:spPr>
-          <a:xfrm flipV="1">
-            <a:off x="1885313" y="3741923"/>
-            <a:ext cx="0" cy="522514"/>
-          </a:xfrm>
-          <a:prstGeom prst="straightConnector1">
-            <a:avLst/>
-          </a:prstGeom>
-          <a:ln w="12700">
-            <a:solidFill>
-              <a:schemeClr val="tx1"/>
-            </a:solidFill>
-            <a:headEnd type="triangle" w="med" len="med"/>
-            <a:tailEnd type="none" w="med" len="med"/>
-          </a:ln>
-        </p:spPr>
-        <p:style>
-          <a:lnRef idx="1">
-            <a:schemeClr val="accent1"/>
-          </a:lnRef>
-          <a:fillRef idx="0">
-            <a:schemeClr val="accent1"/>
-          </a:fillRef>
-          <a:effectRef idx="0">
-            <a:schemeClr val="accent1"/>
-          </a:effectRef>
-          <a:fontRef idx="minor">
-            <a:schemeClr val="tx1"/>
-          </a:fontRef>
-        </p:style>
-      </p:cxnSp>
-      <p:cxnSp>
-        <p:nvCxnSpPr>
-          <p:cNvPr id="38" name="Düz Bağlayıcı 37"/>
-          <p:cNvCxnSpPr/>
-          <p:nvPr/>
-        </p:nvCxnSpPr>
-        <p:spPr>
-          <a:xfrm>
-            <a:off x="1879813" y="4271748"/>
-            <a:ext cx="2721846" cy="0"/>
-          </a:xfrm>
-          <a:prstGeom prst="line">
-            <a:avLst/>
-          </a:prstGeom>
-          <a:ln w="12700">
-            <a:solidFill>
-              <a:schemeClr val="tx1"/>
-            </a:solidFill>
-          </a:ln>
-        </p:spPr>
-        <p:style>
-          <a:lnRef idx="1">
-            <a:schemeClr val="accent1"/>
-          </a:lnRef>
-          <a:fillRef idx="0">
-            <a:schemeClr val="accent1"/>
-          </a:fillRef>
-          <a:effectRef idx="0">
-            <a:schemeClr val="accent1"/>
-          </a:effectRef>
-          <a:fontRef idx="minor">
-            <a:schemeClr val="tx1"/>
-          </a:fontRef>
-        </p:style>
-      </p:cxnSp>
-      <p:sp>
-        <p:nvSpPr>
-          <p:cNvPr id="39" name="TextBox 38"/>
+      <p:sp>
+        <p:nvSpPr>
+          <p:cNvPr id="2" name="TextBox 1"/>
           <p:cNvSpPr txBox="1"/>
           <p:nvPr/>
         </p:nvSpPr>
         <p:spPr>
           <a:xfrm>
-            <a:off x="2747374" y="1918855"/>
-            <a:ext cx="986724" cy="261610"/>
+            <a:off x="2798704" y="2794585"/>
+            <a:ext cx="626110" cy="307777"/>
           </a:xfrm>
           <a:prstGeom prst="rect">
             <a:avLst/>
@@ -9936,29 +9250,57 @@
           <a:lstStyle/>
           <a:p>
             <a:r>
-              <a:rPr lang="en-GB" sz="1050" dirty="0" smtClean="0">
+              <a:rPr lang="en-GB" sz="1400" dirty="0">
+                <a:latin typeface="Times New Roman" panose="02020603050405020304" pitchFamily="18" charset="0"/>
+                <a:cs typeface="Times New Roman" panose="02020603050405020304" pitchFamily="18" charset="0"/>
+              </a:rPr>
+              <a:t>Fork</a:t>
+            </a:r>
+          </a:p>
+        </p:txBody>
+      </p:sp>
+      <p:sp>
+        <p:nvSpPr>
+          <p:cNvPr id="17" name="TextBox 16"/>
+          <p:cNvSpPr txBox="1"/>
+          <p:nvPr/>
+        </p:nvSpPr>
+        <p:spPr>
+          <a:xfrm>
+            <a:off x="2618397" y="1957729"/>
+            <a:ext cx="986724" cy="261610"/>
+          </a:xfrm>
+          <a:prstGeom prst="rect">
+            <a:avLst/>
+          </a:prstGeom>
+          <a:noFill/>
+        </p:spPr>
+        <p:txBody>
+          <a:bodyPr wrap="square" rtlCol="0">
+            <a:spAutoFit/>
+          </a:bodyPr>
+          <a:lstStyle/>
+          <a:p>
+            <a:r>
+              <a:rPr lang="en-GB" sz="1050" dirty="0">
                 <a:latin typeface="Times New Roman" panose="02020603050405020304" pitchFamily="18" charset="0"/>
                 <a:cs typeface="Times New Roman" panose="02020603050405020304" pitchFamily="18" charset="0"/>
               </a:rPr>
               <a:t>Initial Thread</a:t>
             </a:r>
-            <a:endParaRPr lang="en-GB" sz="1050" dirty="0">
-              <a:latin typeface="Times New Roman" panose="02020603050405020304" pitchFamily="18" charset="0"/>
-              <a:cs typeface="Times New Roman" panose="02020603050405020304" pitchFamily="18" charset="0"/>
-            </a:endParaRPr>
-          </a:p>
-        </p:txBody>
-      </p:sp>
-      <p:sp>
-        <p:nvSpPr>
-          <p:cNvPr id="40" name="TextBox 39"/>
+          </a:p>
+        </p:txBody>
+      </p:sp>
+      <p:sp>
+        <p:nvSpPr>
+          <p:cNvPr id="18" name="TextBox 17"/>
           <p:cNvSpPr txBox="1"/>
           <p:nvPr/>
         </p:nvSpPr>
         <p:spPr>
           <a:xfrm>
-            <a:off x="542797" y="3616362"/>
-            <a:ext cx="1234446" cy="246221"/>
+            <a:off x="4623870" y="3312191"/>
+            <a:ext cx="1318500" cy="261610"/>
           </a:xfrm>
           <a:prstGeom prst="rect">
             <a:avLst/>
@@ -9972,24 +9314,67 @@
           <a:lstStyle/>
           <a:p>
             <a:r>
-              <a:rPr lang="en-GB" sz="1000" dirty="0" smtClean="0">
+              <a:rPr lang="en-GB" sz="1050" dirty="0">
                 <a:latin typeface="Times New Roman" panose="02020603050405020304" pitchFamily="18" charset="0"/>
                 <a:cs typeface="Times New Roman" panose="02020603050405020304" pitchFamily="18" charset="0"/>
               </a:rPr>
-              <a:t>Synchronization</a:t>
+              <a:t>Team of Threads</a:t>
             </a:r>
           </a:p>
         </p:txBody>
       </p:sp>
       <p:sp>
         <p:nvSpPr>
-          <p:cNvPr id="42" name="TextBox 41"/>
+          <p:cNvPr id="3" name="Right Brace 2"/>
+          <p:cNvSpPr/>
+          <p:nvPr/>
+        </p:nvSpPr>
+        <p:spPr>
+          <a:xfrm>
+            <a:off x="4512338" y="3181739"/>
+            <a:ext cx="119602" cy="522514"/>
+          </a:xfrm>
+          <a:prstGeom prst="rightBrace">
+            <a:avLst/>
+          </a:prstGeom>
+          <a:ln>
+            <a:solidFill>
+              <a:schemeClr val="tx1"/>
+            </a:solidFill>
+          </a:ln>
+        </p:spPr>
+        <p:style>
+          <a:lnRef idx="1">
+            <a:schemeClr val="accent1"/>
+          </a:lnRef>
+          <a:fillRef idx="0">
+            <a:schemeClr val="accent1"/>
+          </a:fillRef>
+          <a:effectRef idx="0">
+            <a:schemeClr val="accent1"/>
+          </a:effectRef>
+          <a:fontRef idx="minor">
+            <a:schemeClr val="tx1"/>
+          </a:fontRef>
+        </p:style>
+        <p:txBody>
+          <a:bodyPr rtlCol="0" anchor="ctr"/>
+          <a:lstStyle/>
+          <a:p>
+            <a:pPr algn="ctr"/>
+            <a:endParaRPr lang="en-GB"/>
+          </a:p>
+        </p:txBody>
+      </p:sp>
+      <p:sp>
+        <p:nvSpPr>
+          <p:cNvPr id="19" name="TextBox 18"/>
           <p:cNvSpPr txBox="1"/>
           <p:nvPr/>
         </p:nvSpPr>
         <p:spPr>
           <a:xfrm>
-            <a:off x="2725974" y="4784502"/>
+            <a:off x="2618397" y="4666653"/>
             <a:ext cx="986724" cy="261610"/>
           </a:xfrm>
           <a:prstGeom prst="rect">
@@ -10004,29 +9389,25 @@
           <a:lstStyle/>
           <a:p>
             <a:r>
-              <a:rPr lang="en-GB" sz="1050" dirty="0" smtClean="0">
+              <a:rPr lang="en-GB" sz="1050" dirty="0">
                 <a:latin typeface="Times New Roman" panose="02020603050405020304" pitchFamily="18" charset="0"/>
                 <a:cs typeface="Times New Roman" panose="02020603050405020304" pitchFamily="18" charset="0"/>
               </a:rPr>
               <a:t>Initial Thread</a:t>
             </a:r>
-            <a:endParaRPr lang="en-GB" sz="1050" dirty="0">
-              <a:latin typeface="Times New Roman" panose="02020603050405020304" pitchFamily="18" charset="0"/>
-              <a:cs typeface="Times New Roman" panose="02020603050405020304" pitchFamily="18" charset="0"/>
-            </a:endParaRPr>
-          </a:p>
-        </p:txBody>
-      </p:sp>
-      <p:sp>
-        <p:nvSpPr>
-          <p:cNvPr id="43" name="TextBox 42"/>
+          </a:p>
+        </p:txBody>
+      </p:sp>
+      <p:sp>
+        <p:nvSpPr>
+          <p:cNvPr id="20" name="TextBox 19"/>
           <p:cNvSpPr txBox="1"/>
           <p:nvPr/>
         </p:nvSpPr>
         <p:spPr>
           <a:xfrm>
-            <a:off x="850987" y="4133976"/>
-            <a:ext cx="1234446" cy="246221"/>
+            <a:off x="2845836" y="3758845"/>
+            <a:ext cx="626110" cy="307777"/>
           </a:xfrm>
           <a:prstGeom prst="rect">
             <a:avLst/>
@@ -10040,169 +9421,19 @@
           <a:lstStyle/>
           <a:p>
             <a:r>
-              <a:rPr lang="en-GB" sz="1000" dirty="0" smtClean="0">
+              <a:rPr lang="en-GB" sz="1400" dirty="0">
                 <a:latin typeface="Times New Roman" panose="02020603050405020304" pitchFamily="18" charset="0"/>
                 <a:cs typeface="Times New Roman" panose="02020603050405020304" pitchFamily="18" charset="0"/>
               </a:rPr>
-              <a:t>Synchronization</a:t>
+              <a:t>Join</a:t>
             </a:r>
-          </a:p>
-        </p:txBody>
-      </p:sp>
-      <p:sp>
-        <p:nvSpPr>
-          <p:cNvPr id="44" name="TextBox 43"/>
-          <p:cNvSpPr txBox="1"/>
-          <p:nvPr/>
-        </p:nvSpPr>
-        <p:spPr>
-          <a:xfrm>
-            <a:off x="4850110" y="2804608"/>
-            <a:ext cx="1318500" cy="261610"/>
-          </a:xfrm>
-          <a:prstGeom prst="rect">
-            <a:avLst/>
-          </a:prstGeom>
-          <a:noFill/>
-        </p:spPr>
-        <p:txBody>
-          <a:bodyPr wrap="square" rtlCol="0">
-            <a:spAutoFit/>
-          </a:bodyPr>
-          <a:lstStyle/>
-          <a:p>
-            <a:r>
-              <a:rPr lang="en-GB" sz="1050" dirty="0" smtClean="0">
-                <a:latin typeface="Times New Roman" panose="02020603050405020304" pitchFamily="18" charset="0"/>
-                <a:cs typeface="Times New Roman" panose="02020603050405020304" pitchFamily="18" charset="0"/>
-              </a:rPr>
-              <a:t>Team of Threads</a:t>
-            </a:r>
-          </a:p>
-        </p:txBody>
-      </p:sp>
-      <p:sp>
-        <p:nvSpPr>
-          <p:cNvPr id="45" name="Right Brace 44"/>
-          <p:cNvSpPr/>
-          <p:nvPr/>
-        </p:nvSpPr>
-        <p:spPr>
-          <a:xfrm>
-            <a:off x="4774130" y="2685526"/>
-            <a:ext cx="56606" cy="499775"/>
-          </a:xfrm>
-          <a:prstGeom prst="rightBrace">
-            <a:avLst/>
-          </a:prstGeom>
-          <a:ln>
-            <a:solidFill>
-              <a:schemeClr val="tx1"/>
-            </a:solidFill>
-          </a:ln>
-        </p:spPr>
-        <p:style>
-          <a:lnRef idx="1">
-            <a:schemeClr val="accent1"/>
-          </a:lnRef>
-          <a:fillRef idx="0">
-            <a:schemeClr val="accent1"/>
-          </a:fillRef>
-          <a:effectRef idx="0">
-            <a:schemeClr val="accent1"/>
-          </a:effectRef>
-          <a:fontRef idx="minor">
-            <a:schemeClr val="tx1"/>
-          </a:fontRef>
-        </p:style>
-        <p:txBody>
-          <a:bodyPr rtlCol="0" anchor="ctr"/>
-          <a:lstStyle/>
-          <a:p>
-            <a:pPr algn="ctr"/>
-            <a:endParaRPr lang="en-GB"/>
-          </a:p>
-        </p:txBody>
-      </p:sp>
-      <p:sp>
-        <p:nvSpPr>
-          <p:cNvPr id="46" name="TextBox 45"/>
-          <p:cNvSpPr txBox="1"/>
-          <p:nvPr/>
-        </p:nvSpPr>
-        <p:spPr>
-          <a:xfrm>
-            <a:off x="5043815" y="3354752"/>
-            <a:ext cx="1318500" cy="261610"/>
-          </a:xfrm>
-          <a:prstGeom prst="rect">
-            <a:avLst/>
-          </a:prstGeom>
-          <a:noFill/>
-        </p:spPr>
-        <p:txBody>
-          <a:bodyPr wrap="square" rtlCol="0">
-            <a:spAutoFit/>
-          </a:bodyPr>
-          <a:lstStyle/>
-          <a:p>
-            <a:r>
-              <a:rPr lang="en-GB" sz="1050" dirty="0" smtClean="0">
-                <a:latin typeface="Times New Roman" panose="02020603050405020304" pitchFamily="18" charset="0"/>
-                <a:cs typeface="Times New Roman" panose="02020603050405020304" pitchFamily="18" charset="0"/>
-              </a:rPr>
-              <a:t>Team of Threads</a:t>
-            </a:r>
-          </a:p>
-        </p:txBody>
-      </p:sp>
-      <p:sp>
-        <p:nvSpPr>
-          <p:cNvPr id="47" name="Right Brace 46"/>
-          <p:cNvSpPr/>
-          <p:nvPr/>
-        </p:nvSpPr>
-        <p:spPr>
-          <a:xfrm>
-            <a:off x="4965430" y="3249763"/>
-            <a:ext cx="95964" cy="461806"/>
-          </a:xfrm>
-          <a:prstGeom prst="rightBrace">
-            <a:avLst/>
-          </a:prstGeom>
-          <a:ln>
-            <a:solidFill>
-              <a:schemeClr val="tx1"/>
-            </a:solidFill>
-          </a:ln>
-        </p:spPr>
-        <p:style>
-          <a:lnRef idx="1">
-            <a:schemeClr val="accent1"/>
-          </a:lnRef>
-          <a:fillRef idx="0">
-            <a:schemeClr val="accent1"/>
-          </a:fillRef>
-          <a:effectRef idx="0">
-            <a:schemeClr val="accent1"/>
-          </a:effectRef>
-          <a:fontRef idx="minor">
-            <a:schemeClr val="tx1"/>
-          </a:fontRef>
-        </p:style>
-        <p:txBody>
-          <a:bodyPr rtlCol="0" anchor="ctr"/>
-          <a:lstStyle/>
-          <a:p>
-            <a:pPr algn="ctr"/>
-            <a:endParaRPr lang="en-GB"/>
           </a:p>
         </p:txBody>
       </p:sp>
     </p:spTree>
     <p:extLst>
       <p:ext uri="{BB962C8B-B14F-4D97-AF65-F5344CB8AC3E}">
-        <p14:creationId xmlns:p14="http://schemas.microsoft.com/office/powerpoint/2010/main" val="2214381154"/>
+        <p14:creationId xmlns:p14="http://schemas.microsoft.com/office/powerpoint/2010/main" val="352991453"/>
       </p:ext>
     </p:extLst>
   </p:cSld>
@@ -10229,1014 +9460,6 @@
           <a:chExt cx="0" cy="0"/>
         </a:xfrm>
       </p:grpSpPr>
-      <p:sp>
-        <p:nvSpPr>
-          <p:cNvPr id="198" name="Dikdörtgen 197"/>
-          <p:cNvSpPr/>
-          <p:nvPr/>
-        </p:nvSpPr>
-        <p:spPr>
-          <a:xfrm>
-            <a:off x="6796836" y="2062598"/>
-            <a:ext cx="311972" cy="311972"/>
-          </a:xfrm>
-          <a:prstGeom prst="rect">
-            <a:avLst/>
-          </a:prstGeom>
-          <a:noFill/>
-          <a:ln>
-            <a:solidFill>
-              <a:schemeClr val="bg1">
-                <a:lumMod val="75000"/>
-              </a:schemeClr>
-            </a:solidFill>
-          </a:ln>
-        </p:spPr>
-        <p:style>
-          <a:lnRef idx="2">
-            <a:schemeClr val="accent1">
-              <a:shade val="50000"/>
-            </a:schemeClr>
-          </a:lnRef>
-          <a:fillRef idx="1">
-            <a:schemeClr val="accent1"/>
-          </a:fillRef>
-          <a:effectRef idx="0">
-            <a:schemeClr val="accent1"/>
-          </a:effectRef>
-          <a:fontRef idx="minor">
-            <a:schemeClr val="lt1"/>
-          </a:fontRef>
-        </p:style>
-        <p:txBody>
-          <a:bodyPr rtlCol="0" anchor="ctr"/>
-          <a:lstStyle/>
-          <a:p>
-            <a:pPr algn="ctr"/>
-            <a:endParaRPr lang="tr-TR"/>
-          </a:p>
-        </p:txBody>
-      </p:sp>
-      <p:sp>
-        <p:nvSpPr>
-          <p:cNvPr id="200" name="Dikdörtgen 199"/>
-          <p:cNvSpPr/>
-          <p:nvPr/>
-        </p:nvSpPr>
-        <p:spPr>
-          <a:xfrm>
-            <a:off x="6796836" y="2686542"/>
-            <a:ext cx="311972" cy="311972"/>
-          </a:xfrm>
-          <a:prstGeom prst="rect">
-            <a:avLst/>
-          </a:prstGeom>
-          <a:noFill/>
-          <a:ln>
-            <a:solidFill>
-              <a:schemeClr val="bg1">
-                <a:lumMod val="75000"/>
-              </a:schemeClr>
-            </a:solidFill>
-          </a:ln>
-        </p:spPr>
-        <p:style>
-          <a:lnRef idx="2">
-            <a:schemeClr val="accent1">
-              <a:shade val="50000"/>
-            </a:schemeClr>
-          </a:lnRef>
-          <a:fillRef idx="1">
-            <a:schemeClr val="accent1"/>
-          </a:fillRef>
-          <a:effectRef idx="0">
-            <a:schemeClr val="accent1"/>
-          </a:effectRef>
-          <a:fontRef idx="minor">
-            <a:schemeClr val="lt1"/>
-          </a:fontRef>
-        </p:style>
-        <p:txBody>
-          <a:bodyPr rtlCol="0" anchor="ctr"/>
-          <a:lstStyle/>
-          <a:p>
-            <a:pPr algn="ctr"/>
-            <a:endParaRPr lang="tr-TR"/>
-          </a:p>
-        </p:txBody>
-      </p:sp>
-      <p:sp>
-        <p:nvSpPr>
-          <p:cNvPr id="196" name="Dikdörtgen 195"/>
-          <p:cNvSpPr/>
-          <p:nvPr/>
-        </p:nvSpPr>
-        <p:spPr>
-          <a:xfrm>
-            <a:off x="6796836" y="1438654"/>
-            <a:ext cx="311972" cy="311972"/>
-          </a:xfrm>
-          <a:prstGeom prst="rect">
-            <a:avLst/>
-          </a:prstGeom>
-          <a:noFill/>
-          <a:ln>
-            <a:solidFill>
-              <a:schemeClr val="bg1">
-                <a:lumMod val="75000"/>
-              </a:schemeClr>
-            </a:solidFill>
-          </a:ln>
-        </p:spPr>
-        <p:style>
-          <a:lnRef idx="2">
-            <a:schemeClr val="accent1">
-              <a:shade val="50000"/>
-            </a:schemeClr>
-          </a:lnRef>
-          <a:fillRef idx="1">
-            <a:schemeClr val="accent1"/>
-          </a:fillRef>
-          <a:effectRef idx="0">
-            <a:schemeClr val="accent1"/>
-          </a:effectRef>
-          <a:fontRef idx="minor">
-            <a:schemeClr val="lt1"/>
-          </a:fontRef>
-        </p:style>
-        <p:txBody>
-          <a:bodyPr rtlCol="0" anchor="ctr"/>
-          <a:lstStyle/>
-          <a:p>
-            <a:pPr algn="ctr"/>
-            <a:endParaRPr lang="tr-TR"/>
-          </a:p>
-        </p:txBody>
-      </p:sp>
-      <p:sp>
-        <p:nvSpPr>
-          <p:cNvPr id="194" name="Dikdörtgen 193"/>
-          <p:cNvSpPr/>
-          <p:nvPr/>
-        </p:nvSpPr>
-        <p:spPr>
-          <a:xfrm>
-            <a:off x="6796836" y="814710"/>
-            <a:ext cx="311972" cy="311972"/>
-          </a:xfrm>
-          <a:prstGeom prst="rect">
-            <a:avLst/>
-          </a:prstGeom>
-          <a:noFill/>
-          <a:ln>
-            <a:solidFill>
-              <a:schemeClr val="bg1">
-                <a:lumMod val="75000"/>
-              </a:schemeClr>
-            </a:solidFill>
-          </a:ln>
-        </p:spPr>
-        <p:style>
-          <a:lnRef idx="2">
-            <a:schemeClr val="accent1">
-              <a:shade val="50000"/>
-            </a:schemeClr>
-          </a:lnRef>
-          <a:fillRef idx="1">
-            <a:schemeClr val="accent1"/>
-          </a:fillRef>
-          <a:effectRef idx="0">
-            <a:schemeClr val="accent1"/>
-          </a:effectRef>
-          <a:fontRef idx="minor">
-            <a:schemeClr val="lt1"/>
-          </a:fontRef>
-        </p:style>
-        <p:txBody>
-          <a:bodyPr rtlCol="0" anchor="ctr"/>
-          <a:lstStyle/>
-          <a:p>
-            <a:pPr algn="ctr"/>
-            <a:endParaRPr lang="tr-TR"/>
-          </a:p>
-        </p:txBody>
-      </p:sp>
-      <p:sp>
-        <p:nvSpPr>
-          <p:cNvPr id="27" name="Dikdörtgen 26"/>
-          <p:cNvSpPr/>
-          <p:nvPr/>
-        </p:nvSpPr>
-        <p:spPr>
-          <a:xfrm>
-            <a:off x="3447909" y="507496"/>
-            <a:ext cx="311972" cy="311972"/>
-          </a:xfrm>
-          <a:prstGeom prst="rect">
-            <a:avLst/>
-          </a:prstGeom>
-          <a:noFill/>
-          <a:ln>
-            <a:solidFill>
-              <a:schemeClr val="bg1">
-                <a:lumMod val="65000"/>
-              </a:schemeClr>
-            </a:solidFill>
-          </a:ln>
-        </p:spPr>
-        <p:style>
-          <a:lnRef idx="2">
-            <a:schemeClr val="accent1">
-              <a:shade val="50000"/>
-            </a:schemeClr>
-          </a:lnRef>
-          <a:fillRef idx="1">
-            <a:schemeClr val="accent1"/>
-          </a:fillRef>
-          <a:effectRef idx="0">
-            <a:schemeClr val="accent1"/>
-          </a:effectRef>
-          <a:fontRef idx="minor">
-            <a:schemeClr val="lt1"/>
-          </a:fontRef>
-        </p:style>
-        <p:txBody>
-          <a:bodyPr rtlCol="0" anchor="ctr"/>
-          <a:lstStyle/>
-          <a:p>
-            <a:pPr algn="ctr"/>
-            <a:endParaRPr lang="tr-TR"/>
-          </a:p>
-        </p:txBody>
-      </p:sp>
-      <p:sp>
-        <p:nvSpPr>
-          <p:cNvPr id="28" name="Dikdörtgen 27"/>
-          <p:cNvSpPr/>
-          <p:nvPr/>
-        </p:nvSpPr>
-        <p:spPr>
-          <a:xfrm>
-            <a:off x="3447909" y="819468"/>
-            <a:ext cx="311972" cy="311972"/>
-          </a:xfrm>
-          <a:prstGeom prst="rect">
-            <a:avLst/>
-          </a:prstGeom>
-          <a:noFill/>
-          <a:ln>
-            <a:solidFill>
-              <a:schemeClr val="bg1">
-                <a:lumMod val="65000"/>
-              </a:schemeClr>
-            </a:solidFill>
-          </a:ln>
-        </p:spPr>
-        <p:style>
-          <a:lnRef idx="2">
-            <a:schemeClr val="accent1">
-              <a:shade val="50000"/>
-            </a:schemeClr>
-          </a:lnRef>
-          <a:fillRef idx="1">
-            <a:schemeClr val="accent1"/>
-          </a:fillRef>
-          <a:effectRef idx="0">
-            <a:schemeClr val="accent1"/>
-          </a:effectRef>
-          <a:fontRef idx="minor">
-            <a:schemeClr val="lt1"/>
-          </a:fontRef>
-        </p:style>
-        <p:txBody>
-          <a:bodyPr rtlCol="0" anchor="ctr"/>
-          <a:lstStyle/>
-          <a:p>
-            <a:pPr algn="ctr"/>
-            <a:endParaRPr lang="tr-TR"/>
-          </a:p>
-        </p:txBody>
-      </p:sp>
-      <p:sp>
-        <p:nvSpPr>
-          <p:cNvPr id="29" name="Dikdörtgen 28"/>
-          <p:cNvSpPr/>
-          <p:nvPr/>
-        </p:nvSpPr>
-        <p:spPr>
-          <a:xfrm>
-            <a:off x="3447909" y="1131440"/>
-            <a:ext cx="311972" cy="311972"/>
-          </a:xfrm>
-          <a:prstGeom prst="rect">
-            <a:avLst/>
-          </a:prstGeom>
-          <a:noFill/>
-          <a:ln>
-            <a:solidFill>
-              <a:schemeClr val="bg1">
-                <a:lumMod val="65000"/>
-              </a:schemeClr>
-            </a:solidFill>
-          </a:ln>
-        </p:spPr>
-        <p:style>
-          <a:lnRef idx="2">
-            <a:schemeClr val="accent1">
-              <a:shade val="50000"/>
-            </a:schemeClr>
-          </a:lnRef>
-          <a:fillRef idx="1">
-            <a:schemeClr val="accent1"/>
-          </a:fillRef>
-          <a:effectRef idx="0">
-            <a:schemeClr val="accent1"/>
-          </a:effectRef>
-          <a:fontRef idx="minor">
-            <a:schemeClr val="lt1"/>
-          </a:fontRef>
-        </p:style>
-        <p:txBody>
-          <a:bodyPr rtlCol="0" anchor="ctr"/>
-          <a:lstStyle/>
-          <a:p>
-            <a:pPr algn="ctr"/>
-            <a:endParaRPr lang="tr-TR"/>
-          </a:p>
-        </p:txBody>
-      </p:sp>
-      <p:sp>
-        <p:nvSpPr>
-          <p:cNvPr id="30" name="Dikdörtgen 29"/>
-          <p:cNvSpPr/>
-          <p:nvPr/>
-        </p:nvSpPr>
-        <p:spPr>
-          <a:xfrm>
-            <a:off x="3447909" y="1443412"/>
-            <a:ext cx="311972" cy="311972"/>
-          </a:xfrm>
-          <a:prstGeom prst="rect">
-            <a:avLst/>
-          </a:prstGeom>
-          <a:noFill/>
-          <a:ln>
-            <a:solidFill>
-              <a:schemeClr val="bg1">
-                <a:lumMod val="65000"/>
-              </a:schemeClr>
-            </a:solidFill>
-          </a:ln>
-        </p:spPr>
-        <p:style>
-          <a:lnRef idx="2">
-            <a:schemeClr val="accent1">
-              <a:shade val="50000"/>
-            </a:schemeClr>
-          </a:lnRef>
-          <a:fillRef idx="1">
-            <a:schemeClr val="accent1"/>
-          </a:fillRef>
-          <a:effectRef idx="0">
-            <a:schemeClr val="accent1"/>
-          </a:effectRef>
-          <a:fontRef idx="minor">
-            <a:schemeClr val="lt1"/>
-          </a:fontRef>
-        </p:style>
-        <p:txBody>
-          <a:bodyPr rtlCol="0" anchor="ctr"/>
-          <a:lstStyle/>
-          <a:p>
-            <a:pPr algn="ctr"/>
-            <a:endParaRPr lang="tr-TR"/>
-          </a:p>
-        </p:txBody>
-      </p:sp>
-      <p:sp>
-        <p:nvSpPr>
-          <p:cNvPr id="31" name="Dikdörtgen 30"/>
-          <p:cNvSpPr/>
-          <p:nvPr/>
-        </p:nvSpPr>
-        <p:spPr>
-          <a:xfrm>
-            <a:off x="3447909" y="1755384"/>
-            <a:ext cx="311972" cy="311972"/>
-          </a:xfrm>
-          <a:prstGeom prst="rect">
-            <a:avLst/>
-          </a:prstGeom>
-          <a:noFill/>
-          <a:ln>
-            <a:solidFill>
-              <a:schemeClr val="bg1">
-                <a:lumMod val="65000"/>
-              </a:schemeClr>
-            </a:solidFill>
-          </a:ln>
-        </p:spPr>
-        <p:style>
-          <a:lnRef idx="2">
-            <a:schemeClr val="accent1">
-              <a:shade val="50000"/>
-            </a:schemeClr>
-          </a:lnRef>
-          <a:fillRef idx="1">
-            <a:schemeClr val="accent1"/>
-          </a:fillRef>
-          <a:effectRef idx="0">
-            <a:schemeClr val="accent1"/>
-          </a:effectRef>
-          <a:fontRef idx="minor">
-            <a:schemeClr val="lt1"/>
-          </a:fontRef>
-        </p:style>
-        <p:txBody>
-          <a:bodyPr rtlCol="0" anchor="ctr"/>
-          <a:lstStyle/>
-          <a:p>
-            <a:pPr algn="ctr"/>
-            <a:endParaRPr lang="tr-TR"/>
-          </a:p>
-        </p:txBody>
-      </p:sp>
-      <p:sp>
-        <p:nvSpPr>
-          <p:cNvPr id="32" name="Dikdörtgen 31"/>
-          <p:cNvSpPr/>
-          <p:nvPr/>
-        </p:nvSpPr>
-        <p:spPr>
-          <a:xfrm>
-            <a:off x="3447909" y="2067356"/>
-            <a:ext cx="311972" cy="311972"/>
-          </a:xfrm>
-          <a:prstGeom prst="rect">
-            <a:avLst/>
-          </a:prstGeom>
-          <a:noFill/>
-          <a:ln>
-            <a:solidFill>
-              <a:schemeClr val="bg1">
-                <a:lumMod val="65000"/>
-              </a:schemeClr>
-            </a:solidFill>
-          </a:ln>
-        </p:spPr>
-        <p:style>
-          <a:lnRef idx="2">
-            <a:schemeClr val="accent1">
-              <a:shade val="50000"/>
-            </a:schemeClr>
-          </a:lnRef>
-          <a:fillRef idx="1">
-            <a:schemeClr val="accent1"/>
-          </a:fillRef>
-          <a:effectRef idx="0">
-            <a:schemeClr val="accent1"/>
-          </a:effectRef>
-          <a:fontRef idx="minor">
-            <a:schemeClr val="lt1"/>
-          </a:fontRef>
-        </p:style>
-        <p:txBody>
-          <a:bodyPr rtlCol="0" anchor="ctr"/>
-          <a:lstStyle/>
-          <a:p>
-            <a:pPr algn="ctr"/>
-            <a:endParaRPr lang="tr-TR"/>
-          </a:p>
-        </p:txBody>
-      </p:sp>
-      <p:sp>
-        <p:nvSpPr>
-          <p:cNvPr id="33" name="Dikdörtgen 32"/>
-          <p:cNvSpPr/>
-          <p:nvPr/>
-        </p:nvSpPr>
-        <p:spPr>
-          <a:xfrm>
-            <a:off x="3447909" y="2379328"/>
-            <a:ext cx="311972" cy="311972"/>
-          </a:xfrm>
-          <a:prstGeom prst="rect">
-            <a:avLst/>
-          </a:prstGeom>
-          <a:noFill/>
-          <a:ln>
-            <a:solidFill>
-              <a:schemeClr val="bg1">
-                <a:lumMod val="65000"/>
-              </a:schemeClr>
-            </a:solidFill>
-          </a:ln>
-        </p:spPr>
-        <p:style>
-          <a:lnRef idx="2">
-            <a:schemeClr val="accent1">
-              <a:shade val="50000"/>
-            </a:schemeClr>
-          </a:lnRef>
-          <a:fillRef idx="1">
-            <a:schemeClr val="accent1"/>
-          </a:fillRef>
-          <a:effectRef idx="0">
-            <a:schemeClr val="accent1"/>
-          </a:effectRef>
-          <a:fontRef idx="minor">
-            <a:schemeClr val="lt1"/>
-          </a:fontRef>
-        </p:style>
-        <p:txBody>
-          <a:bodyPr rtlCol="0" anchor="ctr"/>
-          <a:lstStyle/>
-          <a:p>
-            <a:pPr algn="ctr"/>
-            <a:endParaRPr lang="tr-TR"/>
-          </a:p>
-        </p:txBody>
-      </p:sp>
-      <p:sp>
-        <p:nvSpPr>
-          <p:cNvPr id="19" name="Dikdörtgen 18"/>
-          <p:cNvSpPr/>
-          <p:nvPr/>
-        </p:nvSpPr>
-        <p:spPr>
-          <a:xfrm>
-            <a:off x="2607019" y="507496"/>
-            <a:ext cx="311972" cy="311972"/>
-          </a:xfrm>
-          <a:prstGeom prst="rect">
-            <a:avLst/>
-          </a:prstGeom>
-          <a:noFill/>
-          <a:ln>
-            <a:solidFill>
-              <a:schemeClr val="bg1">
-                <a:lumMod val="65000"/>
-              </a:schemeClr>
-            </a:solidFill>
-          </a:ln>
-        </p:spPr>
-        <p:style>
-          <a:lnRef idx="2">
-            <a:schemeClr val="accent1">
-              <a:shade val="50000"/>
-            </a:schemeClr>
-          </a:lnRef>
-          <a:fillRef idx="1">
-            <a:schemeClr val="accent1"/>
-          </a:fillRef>
-          <a:effectRef idx="0">
-            <a:schemeClr val="accent1"/>
-          </a:effectRef>
-          <a:fontRef idx="minor">
-            <a:schemeClr val="lt1"/>
-          </a:fontRef>
-        </p:style>
-        <p:txBody>
-          <a:bodyPr rtlCol="0" anchor="ctr"/>
-          <a:lstStyle/>
-          <a:p>
-            <a:pPr algn="ctr"/>
-            <a:endParaRPr lang="tr-TR"/>
-          </a:p>
-        </p:txBody>
-      </p:sp>
-      <p:sp>
-        <p:nvSpPr>
-          <p:cNvPr id="20" name="Dikdörtgen 19"/>
-          <p:cNvSpPr/>
-          <p:nvPr/>
-        </p:nvSpPr>
-        <p:spPr>
-          <a:xfrm>
-            <a:off x="2607019" y="819468"/>
-            <a:ext cx="311972" cy="311972"/>
-          </a:xfrm>
-          <a:prstGeom prst="rect">
-            <a:avLst/>
-          </a:prstGeom>
-          <a:noFill/>
-          <a:ln>
-            <a:solidFill>
-              <a:schemeClr val="bg1">
-                <a:lumMod val="65000"/>
-              </a:schemeClr>
-            </a:solidFill>
-          </a:ln>
-        </p:spPr>
-        <p:style>
-          <a:lnRef idx="2">
-            <a:schemeClr val="accent1">
-              <a:shade val="50000"/>
-            </a:schemeClr>
-          </a:lnRef>
-          <a:fillRef idx="1">
-            <a:schemeClr val="accent1"/>
-          </a:fillRef>
-          <a:effectRef idx="0">
-            <a:schemeClr val="accent1"/>
-          </a:effectRef>
-          <a:fontRef idx="minor">
-            <a:schemeClr val="lt1"/>
-          </a:fontRef>
-        </p:style>
-        <p:txBody>
-          <a:bodyPr rtlCol="0" anchor="ctr"/>
-          <a:lstStyle/>
-          <a:p>
-            <a:pPr algn="ctr"/>
-            <a:endParaRPr lang="tr-TR"/>
-          </a:p>
-        </p:txBody>
-      </p:sp>
-      <p:sp>
-        <p:nvSpPr>
-          <p:cNvPr id="21" name="Dikdörtgen 20"/>
-          <p:cNvSpPr/>
-          <p:nvPr/>
-        </p:nvSpPr>
-        <p:spPr>
-          <a:xfrm>
-            <a:off x="2607019" y="1131440"/>
-            <a:ext cx="311972" cy="311972"/>
-          </a:xfrm>
-          <a:prstGeom prst="rect">
-            <a:avLst/>
-          </a:prstGeom>
-          <a:noFill/>
-          <a:ln>
-            <a:solidFill>
-              <a:schemeClr val="bg1">
-                <a:lumMod val="65000"/>
-              </a:schemeClr>
-            </a:solidFill>
-          </a:ln>
-        </p:spPr>
-        <p:style>
-          <a:lnRef idx="2">
-            <a:schemeClr val="accent1">
-              <a:shade val="50000"/>
-            </a:schemeClr>
-          </a:lnRef>
-          <a:fillRef idx="1">
-            <a:schemeClr val="accent1"/>
-          </a:fillRef>
-          <a:effectRef idx="0">
-            <a:schemeClr val="accent1"/>
-          </a:effectRef>
-          <a:fontRef idx="minor">
-            <a:schemeClr val="lt1"/>
-          </a:fontRef>
-        </p:style>
-        <p:txBody>
-          <a:bodyPr rtlCol="0" anchor="ctr"/>
-          <a:lstStyle/>
-          <a:p>
-            <a:pPr algn="ctr"/>
-            <a:endParaRPr lang="tr-TR"/>
-          </a:p>
-        </p:txBody>
-      </p:sp>
-      <p:sp>
-        <p:nvSpPr>
-          <p:cNvPr id="23" name="Dikdörtgen 22"/>
-          <p:cNvSpPr/>
-          <p:nvPr/>
-        </p:nvSpPr>
-        <p:spPr>
-          <a:xfrm>
-            <a:off x="2607019" y="1755384"/>
-            <a:ext cx="311972" cy="311972"/>
-          </a:xfrm>
-          <a:prstGeom prst="rect">
-            <a:avLst/>
-          </a:prstGeom>
-          <a:noFill/>
-          <a:ln>
-            <a:solidFill>
-              <a:schemeClr val="bg1">
-                <a:lumMod val="65000"/>
-              </a:schemeClr>
-            </a:solidFill>
-          </a:ln>
-        </p:spPr>
-        <p:style>
-          <a:lnRef idx="2">
-            <a:schemeClr val="accent1">
-              <a:shade val="50000"/>
-            </a:schemeClr>
-          </a:lnRef>
-          <a:fillRef idx="1">
-            <a:schemeClr val="accent1"/>
-          </a:fillRef>
-          <a:effectRef idx="0">
-            <a:schemeClr val="accent1"/>
-          </a:effectRef>
-          <a:fontRef idx="minor">
-            <a:schemeClr val="lt1"/>
-          </a:fontRef>
-        </p:style>
-        <p:txBody>
-          <a:bodyPr rtlCol="0" anchor="ctr"/>
-          <a:lstStyle/>
-          <a:p>
-            <a:pPr algn="ctr"/>
-            <a:endParaRPr lang="tr-TR"/>
-          </a:p>
-        </p:txBody>
-      </p:sp>
-      <p:sp>
-        <p:nvSpPr>
-          <p:cNvPr id="24" name="Dikdörtgen 23"/>
-          <p:cNvSpPr/>
-          <p:nvPr/>
-        </p:nvSpPr>
-        <p:spPr>
-          <a:xfrm>
-            <a:off x="2607019" y="2067356"/>
-            <a:ext cx="311972" cy="311972"/>
-          </a:xfrm>
-          <a:prstGeom prst="rect">
-            <a:avLst/>
-          </a:prstGeom>
-          <a:noFill/>
-          <a:ln>
-            <a:solidFill>
-              <a:schemeClr val="bg1">
-                <a:lumMod val="65000"/>
-              </a:schemeClr>
-            </a:solidFill>
-          </a:ln>
-        </p:spPr>
-        <p:style>
-          <a:lnRef idx="2">
-            <a:schemeClr val="accent1">
-              <a:shade val="50000"/>
-            </a:schemeClr>
-          </a:lnRef>
-          <a:fillRef idx="1">
-            <a:schemeClr val="accent1"/>
-          </a:fillRef>
-          <a:effectRef idx="0">
-            <a:schemeClr val="accent1"/>
-          </a:effectRef>
-          <a:fontRef idx="minor">
-            <a:schemeClr val="lt1"/>
-          </a:fontRef>
-        </p:style>
-        <p:txBody>
-          <a:bodyPr rtlCol="0" anchor="ctr"/>
-          <a:lstStyle/>
-          <a:p>
-            <a:pPr algn="ctr"/>
-            <a:endParaRPr lang="tr-TR"/>
-          </a:p>
-        </p:txBody>
-      </p:sp>
-      <p:sp>
-        <p:nvSpPr>
-          <p:cNvPr id="25" name="Dikdörtgen 24"/>
-          <p:cNvSpPr/>
-          <p:nvPr/>
-        </p:nvSpPr>
-        <p:spPr>
-          <a:xfrm>
-            <a:off x="2607019" y="2379328"/>
-            <a:ext cx="311972" cy="311972"/>
-          </a:xfrm>
-          <a:prstGeom prst="rect">
-            <a:avLst/>
-          </a:prstGeom>
-          <a:noFill/>
-          <a:ln>
-            <a:solidFill>
-              <a:schemeClr val="bg1">
-                <a:lumMod val="65000"/>
-              </a:schemeClr>
-            </a:solidFill>
-          </a:ln>
-        </p:spPr>
-        <p:style>
-          <a:lnRef idx="2">
-            <a:schemeClr val="accent1">
-              <a:shade val="50000"/>
-            </a:schemeClr>
-          </a:lnRef>
-          <a:fillRef idx="1">
-            <a:schemeClr val="accent1"/>
-          </a:fillRef>
-          <a:effectRef idx="0">
-            <a:schemeClr val="accent1"/>
-          </a:effectRef>
-          <a:fontRef idx="minor">
-            <a:schemeClr val="lt1"/>
-          </a:fontRef>
-        </p:style>
-        <p:txBody>
-          <a:bodyPr rtlCol="0" anchor="ctr"/>
-          <a:lstStyle/>
-          <a:p>
-            <a:pPr algn="ctr"/>
-            <a:endParaRPr lang="tr-TR"/>
-          </a:p>
-        </p:txBody>
-      </p:sp>
-      <p:sp>
-        <p:nvSpPr>
-          <p:cNvPr id="11" name="Dikdörtgen 10"/>
-          <p:cNvSpPr/>
-          <p:nvPr/>
-        </p:nvSpPr>
-        <p:spPr>
-          <a:xfrm>
-            <a:off x="1766129" y="507496"/>
-            <a:ext cx="311972" cy="311972"/>
-          </a:xfrm>
-          <a:prstGeom prst="rect">
-            <a:avLst/>
-          </a:prstGeom>
-          <a:noFill/>
-          <a:ln>
-            <a:solidFill>
-              <a:schemeClr val="bg1">
-                <a:lumMod val="65000"/>
-              </a:schemeClr>
-            </a:solidFill>
-          </a:ln>
-        </p:spPr>
-        <p:style>
-          <a:lnRef idx="2">
-            <a:schemeClr val="accent1">
-              <a:shade val="50000"/>
-            </a:schemeClr>
-          </a:lnRef>
-          <a:fillRef idx="1">
-            <a:schemeClr val="accent1"/>
-          </a:fillRef>
-          <a:effectRef idx="0">
-            <a:schemeClr val="accent1"/>
-          </a:effectRef>
-          <a:fontRef idx="minor">
-            <a:schemeClr val="lt1"/>
-          </a:fontRef>
-        </p:style>
-        <p:txBody>
-          <a:bodyPr rtlCol="0" anchor="ctr"/>
-          <a:lstStyle/>
-          <a:p>
-            <a:pPr algn="ctr"/>
-            <a:endParaRPr lang="tr-TR"/>
-          </a:p>
-        </p:txBody>
-      </p:sp>
-      <p:sp>
-        <p:nvSpPr>
-          <p:cNvPr id="13" name="Dikdörtgen 12"/>
-          <p:cNvSpPr/>
-          <p:nvPr/>
-        </p:nvSpPr>
-        <p:spPr>
-          <a:xfrm>
-            <a:off x="1766129" y="1131440"/>
-            <a:ext cx="311972" cy="311972"/>
-          </a:xfrm>
-          <a:prstGeom prst="rect">
-            <a:avLst/>
-          </a:prstGeom>
-          <a:noFill/>
-          <a:ln>
-            <a:solidFill>
-              <a:schemeClr val="bg1">
-                <a:lumMod val="65000"/>
-              </a:schemeClr>
-            </a:solidFill>
-          </a:ln>
-        </p:spPr>
-        <p:style>
-          <a:lnRef idx="2">
-            <a:schemeClr val="accent1">
-              <a:shade val="50000"/>
-            </a:schemeClr>
-          </a:lnRef>
-          <a:fillRef idx="1">
-            <a:schemeClr val="accent1"/>
-          </a:fillRef>
-          <a:effectRef idx="0">
-            <a:schemeClr val="accent1"/>
-          </a:effectRef>
-          <a:fontRef idx="minor">
-            <a:schemeClr val="lt1"/>
-          </a:fontRef>
-        </p:style>
-        <p:txBody>
-          <a:bodyPr rtlCol="0" anchor="ctr"/>
-          <a:lstStyle/>
-          <a:p>
-            <a:pPr algn="ctr"/>
-            <a:endParaRPr lang="tr-TR"/>
-          </a:p>
-        </p:txBody>
-      </p:sp>
-      <p:sp>
-        <p:nvSpPr>
-          <p:cNvPr id="15" name="Dikdörtgen 14"/>
-          <p:cNvSpPr/>
-          <p:nvPr/>
-        </p:nvSpPr>
-        <p:spPr>
-          <a:xfrm>
-            <a:off x="1766129" y="1755384"/>
-            <a:ext cx="311972" cy="311972"/>
-          </a:xfrm>
-          <a:prstGeom prst="rect">
-            <a:avLst/>
-          </a:prstGeom>
-          <a:noFill/>
-          <a:ln>
-            <a:solidFill>
-              <a:schemeClr val="bg1">
-                <a:lumMod val="65000"/>
-              </a:schemeClr>
-            </a:solidFill>
-          </a:ln>
-        </p:spPr>
-        <p:style>
-          <a:lnRef idx="2">
-            <a:schemeClr val="accent1">
-              <a:shade val="50000"/>
-            </a:schemeClr>
-          </a:lnRef>
-          <a:fillRef idx="1">
-            <a:schemeClr val="accent1"/>
-          </a:fillRef>
-          <a:effectRef idx="0">
-            <a:schemeClr val="accent1"/>
-          </a:effectRef>
-          <a:fontRef idx="minor">
-            <a:schemeClr val="lt1"/>
-          </a:fontRef>
-        </p:style>
-        <p:txBody>
-          <a:bodyPr rtlCol="0" anchor="ctr"/>
-          <a:lstStyle/>
-          <a:p>
-            <a:pPr algn="ctr"/>
-            <a:endParaRPr lang="tr-TR"/>
-          </a:p>
-        </p:txBody>
-      </p:sp>
-      <p:sp>
-        <p:nvSpPr>
-          <p:cNvPr id="17" name="Dikdörtgen 16"/>
-          <p:cNvSpPr/>
-          <p:nvPr/>
-        </p:nvSpPr>
-        <p:spPr>
-          <a:xfrm>
-            <a:off x="1766129" y="2379328"/>
-            <a:ext cx="311972" cy="311972"/>
-          </a:xfrm>
-          <a:prstGeom prst="rect">
-            <a:avLst/>
-          </a:prstGeom>
-          <a:noFill/>
-          <a:ln>
-            <a:solidFill>
-              <a:schemeClr val="bg1">
-                <a:lumMod val="65000"/>
-              </a:schemeClr>
-            </a:solidFill>
-          </a:ln>
-        </p:spPr>
-        <p:style>
-          <a:lnRef idx="2">
-            <a:schemeClr val="accent1">
-              <a:shade val="50000"/>
-            </a:schemeClr>
-          </a:lnRef>
-          <a:fillRef idx="1">
-            <a:schemeClr val="accent1"/>
-          </a:fillRef>
-          <a:effectRef idx="0">
-            <a:schemeClr val="accent1"/>
-          </a:effectRef>
-          <a:fontRef idx="minor">
-            <a:schemeClr val="lt1"/>
-          </a:fontRef>
-        </p:style>
-        <p:txBody>
-          <a:bodyPr rtlCol="0" anchor="ctr"/>
-          <a:lstStyle/>
-          <a:p>
-            <a:pPr algn="ctr"/>
-            <a:endParaRPr lang="tr-TR"/>
-          </a:p>
-        </p:txBody>
-      </p:sp>
       <p:pic>
         <p:nvPicPr>
           <p:cNvPr id="2" name="Resim 1"/>
@@ -11259,6 +9482,2368 @@
         </p:blipFill>
         <p:spPr>
           <a:xfrm>
+            <a:off x="6507240" y="2375766"/>
+            <a:ext cx="4333875" cy="2209800"/>
+          </a:xfrm>
+          <a:prstGeom prst="rect">
+            <a:avLst/>
+          </a:prstGeom>
+        </p:spPr>
+      </p:pic>
+      <p:cxnSp>
+        <p:nvCxnSpPr>
+          <p:cNvPr id="5" name="Düz Ok Bağlayıcısı 4"/>
+          <p:cNvCxnSpPr/>
+          <p:nvPr/>
+        </p:nvCxnSpPr>
+        <p:spPr>
+          <a:xfrm flipV="1">
+            <a:off x="3219336" y="2165998"/>
+            <a:ext cx="0" cy="522514"/>
+          </a:xfrm>
+          <a:prstGeom prst="straightConnector1">
+            <a:avLst/>
+          </a:prstGeom>
+          <a:ln w="12700">
+            <a:solidFill>
+              <a:schemeClr val="tx1"/>
+            </a:solidFill>
+            <a:headEnd type="triangle" w="med" len="med"/>
+            <a:tailEnd type="none" w="med" len="med"/>
+          </a:ln>
+        </p:spPr>
+        <p:style>
+          <a:lnRef idx="1">
+            <a:schemeClr val="accent1"/>
+          </a:lnRef>
+          <a:fillRef idx="0">
+            <a:schemeClr val="accent1"/>
+          </a:fillRef>
+          <a:effectRef idx="0">
+            <a:schemeClr val="accent1"/>
+          </a:effectRef>
+          <a:fontRef idx="minor">
+            <a:schemeClr val="tx1"/>
+          </a:fontRef>
+        </p:style>
+      </p:cxnSp>
+      <p:cxnSp>
+        <p:nvCxnSpPr>
+          <p:cNvPr id="6" name="Düz Ok Bağlayıcısı 5"/>
+          <p:cNvCxnSpPr/>
+          <p:nvPr/>
+        </p:nvCxnSpPr>
+        <p:spPr>
+          <a:xfrm flipV="1">
+            <a:off x="2162842" y="3221857"/>
+            <a:ext cx="0" cy="522514"/>
+          </a:xfrm>
+          <a:prstGeom prst="straightConnector1">
+            <a:avLst/>
+          </a:prstGeom>
+          <a:ln w="12700">
+            <a:solidFill>
+              <a:schemeClr val="tx1"/>
+            </a:solidFill>
+            <a:headEnd type="triangle" w="med" len="med"/>
+            <a:tailEnd type="none" w="med" len="med"/>
+          </a:ln>
+        </p:spPr>
+        <p:style>
+          <a:lnRef idx="1">
+            <a:schemeClr val="accent1"/>
+          </a:lnRef>
+          <a:fillRef idx="0">
+            <a:schemeClr val="accent1"/>
+          </a:fillRef>
+          <a:effectRef idx="0">
+            <a:schemeClr val="accent1"/>
+          </a:effectRef>
+          <a:fontRef idx="minor">
+            <a:schemeClr val="tx1"/>
+          </a:fontRef>
+        </p:style>
+      </p:cxnSp>
+      <p:cxnSp>
+        <p:nvCxnSpPr>
+          <p:cNvPr id="7" name="Düz Ok Bağlayıcısı 6"/>
+          <p:cNvCxnSpPr/>
+          <p:nvPr/>
+        </p:nvCxnSpPr>
+        <p:spPr>
+          <a:xfrm flipV="1">
+            <a:off x="1596784" y="3221857"/>
+            <a:ext cx="0" cy="522514"/>
+          </a:xfrm>
+          <a:prstGeom prst="straightConnector1">
+            <a:avLst/>
+          </a:prstGeom>
+          <a:ln w="12700">
+            <a:solidFill>
+              <a:schemeClr val="tx1"/>
+            </a:solidFill>
+            <a:headEnd type="triangle" w="med" len="med"/>
+            <a:tailEnd type="none" w="med" len="med"/>
+          </a:ln>
+        </p:spPr>
+        <p:style>
+          <a:lnRef idx="1">
+            <a:schemeClr val="accent1"/>
+          </a:lnRef>
+          <a:fillRef idx="0">
+            <a:schemeClr val="accent1"/>
+          </a:fillRef>
+          <a:effectRef idx="0">
+            <a:schemeClr val="accent1"/>
+          </a:effectRef>
+          <a:fontRef idx="minor">
+            <a:schemeClr val="tx1"/>
+          </a:fontRef>
+        </p:style>
+      </p:cxnSp>
+      <p:cxnSp>
+        <p:nvCxnSpPr>
+          <p:cNvPr id="10" name="Düz Ok Bağlayıcısı 9"/>
+          <p:cNvCxnSpPr/>
+          <p:nvPr/>
+        </p:nvCxnSpPr>
+        <p:spPr>
+          <a:xfrm flipV="1">
+            <a:off x="3221044" y="4271748"/>
+            <a:ext cx="0" cy="522514"/>
+          </a:xfrm>
+          <a:prstGeom prst="straightConnector1">
+            <a:avLst/>
+          </a:prstGeom>
+          <a:ln w="12700">
+            <a:solidFill>
+              <a:schemeClr val="tx1"/>
+            </a:solidFill>
+            <a:headEnd type="triangle" w="med" len="med"/>
+            <a:tailEnd type="none" w="med" len="med"/>
+          </a:ln>
+        </p:spPr>
+        <p:style>
+          <a:lnRef idx="1">
+            <a:schemeClr val="accent1"/>
+          </a:lnRef>
+          <a:fillRef idx="0">
+            <a:schemeClr val="accent1"/>
+          </a:fillRef>
+          <a:effectRef idx="0">
+            <a:schemeClr val="accent1"/>
+          </a:effectRef>
+          <a:fontRef idx="minor">
+            <a:schemeClr val="tx1"/>
+          </a:fontRef>
+        </p:style>
+      </p:cxnSp>
+      <p:cxnSp>
+        <p:nvCxnSpPr>
+          <p:cNvPr id="12" name="Düz Bağlayıcı 11"/>
+          <p:cNvCxnSpPr/>
+          <p:nvPr/>
+        </p:nvCxnSpPr>
+        <p:spPr>
+          <a:xfrm>
+            <a:off x="1596784" y="3221857"/>
+            <a:ext cx="566058" cy="0"/>
+          </a:xfrm>
+          <a:prstGeom prst="line">
+            <a:avLst/>
+          </a:prstGeom>
+          <a:ln w="12700">
+            <a:solidFill>
+              <a:schemeClr val="tx1"/>
+            </a:solidFill>
+          </a:ln>
+        </p:spPr>
+        <p:style>
+          <a:lnRef idx="1">
+            <a:schemeClr val="accent1"/>
+          </a:lnRef>
+          <a:fillRef idx="0">
+            <a:schemeClr val="accent1"/>
+          </a:fillRef>
+          <a:effectRef idx="0">
+            <a:schemeClr val="accent1"/>
+          </a:effectRef>
+          <a:fontRef idx="minor">
+            <a:schemeClr val="tx1"/>
+          </a:fontRef>
+        </p:style>
+      </p:cxnSp>
+      <p:cxnSp>
+        <p:nvCxnSpPr>
+          <p:cNvPr id="13" name="Düz Ok Bağlayıcısı 12"/>
+          <p:cNvCxnSpPr/>
+          <p:nvPr/>
+        </p:nvCxnSpPr>
+        <p:spPr>
+          <a:xfrm flipV="1">
+            <a:off x="3052647" y="3221857"/>
+            <a:ext cx="0" cy="522514"/>
+          </a:xfrm>
+          <a:prstGeom prst="straightConnector1">
+            <a:avLst/>
+          </a:prstGeom>
+          <a:ln w="12700">
+            <a:solidFill>
+              <a:schemeClr val="tx1"/>
+            </a:solidFill>
+            <a:headEnd type="triangle" w="med" len="med"/>
+            <a:tailEnd type="none" w="med" len="med"/>
+          </a:ln>
+        </p:spPr>
+        <p:style>
+          <a:lnRef idx="1">
+            <a:schemeClr val="accent1"/>
+          </a:lnRef>
+          <a:fillRef idx="0">
+            <a:schemeClr val="accent1"/>
+          </a:fillRef>
+          <a:effectRef idx="0">
+            <a:schemeClr val="accent1"/>
+          </a:effectRef>
+          <a:fontRef idx="minor">
+            <a:schemeClr val="tx1"/>
+          </a:fontRef>
+        </p:style>
+      </p:cxnSp>
+      <p:cxnSp>
+        <p:nvCxnSpPr>
+          <p:cNvPr id="14" name="Düz Ok Bağlayıcısı 13"/>
+          <p:cNvCxnSpPr/>
+          <p:nvPr/>
+        </p:nvCxnSpPr>
+        <p:spPr>
+          <a:xfrm flipV="1">
+            <a:off x="2486589" y="3221857"/>
+            <a:ext cx="0" cy="522514"/>
+          </a:xfrm>
+          <a:prstGeom prst="straightConnector1">
+            <a:avLst/>
+          </a:prstGeom>
+          <a:ln w="12700">
+            <a:solidFill>
+              <a:schemeClr val="tx1"/>
+            </a:solidFill>
+            <a:headEnd type="triangle" w="med" len="med"/>
+            <a:tailEnd type="none" w="med" len="med"/>
+          </a:ln>
+        </p:spPr>
+        <p:style>
+          <a:lnRef idx="1">
+            <a:schemeClr val="accent1"/>
+          </a:lnRef>
+          <a:fillRef idx="0">
+            <a:schemeClr val="accent1"/>
+          </a:fillRef>
+          <a:effectRef idx="0">
+            <a:schemeClr val="accent1"/>
+          </a:effectRef>
+          <a:fontRef idx="minor">
+            <a:schemeClr val="tx1"/>
+          </a:fontRef>
+        </p:style>
+      </p:cxnSp>
+      <p:cxnSp>
+        <p:nvCxnSpPr>
+          <p:cNvPr id="15" name="Düz Bağlayıcı 14"/>
+          <p:cNvCxnSpPr/>
+          <p:nvPr/>
+        </p:nvCxnSpPr>
+        <p:spPr>
+          <a:xfrm>
+            <a:off x="2486589" y="3221857"/>
+            <a:ext cx="566058" cy="0"/>
+          </a:xfrm>
+          <a:prstGeom prst="line">
+            <a:avLst/>
+          </a:prstGeom>
+          <a:ln w="12700">
+            <a:solidFill>
+              <a:schemeClr val="tx1"/>
+            </a:solidFill>
+          </a:ln>
+        </p:spPr>
+        <p:style>
+          <a:lnRef idx="1">
+            <a:schemeClr val="accent1"/>
+          </a:lnRef>
+          <a:fillRef idx="0">
+            <a:schemeClr val="accent1"/>
+          </a:fillRef>
+          <a:effectRef idx="0">
+            <a:schemeClr val="accent1"/>
+          </a:effectRef>
+          <a:fontRef idx="minor">
+            <a:schemeClr val="tx1"/>
+          </a:fontRef>
+        </p:style>
+      </p:cxnSp>
+      <p:cxnSp>
+        <p:nvCxnSpPr>
+          <p:cNvPr id="16" name="Düz Ok Bağlayıcısı 15"/>
+          <p:cNvCxnSpPr/>
+          <p:nvPr/>
+        </p:nvCxnSpPr>
+        <p:spPr>
+          <a:xfrm flipV="1">
+            <a:off x="3954076" y="3219409"/>
+            <a:ext cx="0" cy="522514"/>
+          </a:xfrm>
+          <a:prstGeom prst="straightConnector1">
+            <a:avLst/>
+          </a:prstGeom>
+          <a:ln w="12700">
+            <a:solidFill>
+              <a:schemeClr val="tx1"/>
+            </a:solidFill>
+            <a:headEnd type="triangle" w="med" len="med"/>
+            <a:tailEnd type="none" w="med" len="med"/>
+          </a:ln>
+        </p:spPr>
+        <p:style>
+          <a:lnRef idx="1">
+            <a:schemeClr val="accent1"/>
+          </a:lnRef>
+          <a:fillRef idx="0">
+            <a:schemeClr val="accent1"/>
+          </a:fillRef>
+          <a:effectRef idx="0">
+            <a:schemeClr val="accent1"/>
+          </a:effectRef>
+          <a:fontRef idx="minor">
+            <a:schemeClr val="tx1"/>
+          </a:fontRef>
+        </p:style>
+      </p:cxnSp>
+      <p:cxnSp>
+        <p:nvCxnSpPr>
+          <p:cNvPr id="17" name="Düz Ok Bağlayıcısı 16"/>
+          <p:cNvCxnSpPr/>
+          <p:nvPr/>
+        </p:nvCxnSpPr>
+        <p:spPr>
+          <a:xfrm flipV="1">
+            <a:off x="3388018" y="3219409"/>
+            <a:ext cx="0" cy="522514"/>
+          </a:xfrm>
+          <a:prstGeom prst="straightConnector1">
+            <a:avLst/>
+          </a:prstGeom>
+          <a:ln w="12700">
+            <a:solidFill>
+              <a:schemeClr val="tx1"/>
+            </a:solidFill>
+            <a:headEnd type="triangle" w="med" len="med"/>
+            <a:tailEnd type="none" w="med" len="med"/>
+          </a:ln>
+        </p:spPr>
+        <p:style>
+          <a:lnRef idx="1">
+            <a:schemeClr val="accent1"/>
+          </a:lnRef>
+          <a:fillRef idx="0">
+            <a:schemeClr val="accent1"/>
+          </a:fillRef>
+          <a:effectRef idx="0">
+            <a:schemeClr val="accent1"/>
+          </a:effectRef>
+          <a:fontRef idx="minor">
+            <a:schemeClr val="tx1"/>
+          </a:fontRef>
+        </p:style>
+      </p:cxnSp>
+      <p:cxnSp>
+        <p:nvCxnSpPr>
+          <p:cNvPr id="18" name="Düz Bağlayıcı 17"/>
+          <p:cNvCxnSpPr/>
+          <p:nvPr/>
+        </p:nvCxnSpPr>
+        <p:spPr>
+          <a:xfrm>
+            <a:off x="3388018" y="3219409"/>
+            <a:ext cx="566058" cy="0"/>
+          </a:xfrm>
+          <a:prstGeom prst="line">
+            <a:avLst/>
+          </a:prstGeom>
+          <a:ln w="12700">
+            <a:solidFill>
+              <a:schemeClr val="tx1"/>
+            </a:solidFill>
+          </a:ln>
+        </p:spPr>
+        <p:style>
+          <a:lnRef idx="1">
+            <a:schemeClr val="accent1"/>
+          </a:lnRef>
+          <a:fillRef idx="0">
+            <a:schemeClr val="accent1"/>
+          </a:fillRef>
+          <a:effectRef idx="0">
+            <a:schemeClr val="accent1"/>
+          </a:effectRef>
+          <a:fontRef idx="minor">
+            <a:schemeClr val="tx1"/>
+          </a:fontRef>
+        </p:style>
+      </p:cxnSp>
+      <p:cxnSp>
+        <p:nvCxnSpPr>
+          <p:cNvPr id="19" name="Düz Ok Bağlayıcısı 18"/>
+          <p:cNvCxnSpPr/>
+          <p:nvPr/>
+        </p:nvCxnSpPr>
+        <p:spPr>
+          <a:xfrm flipV="1">
+            <a:off x="4884688" y="3219409"/>
+            <a:ext cx="0" cy="522514"/>
+          </a:xfrm>
+          <a:prstGeom prst="straightConnector1">
+            <a:avLst/>
+          </a:prstGeom>
+          <a:ln w="12700">
+            <a:solidFill>
+              <a:schemeClr val="tx1"/>
+            </a:solidFill>
+            <a:headEnd type="triangle" w="med" len="med"/>
+            <a:tailEnd type="none" w="med" len="med"/>
+          </a:ln>
+        </p:spPr>
+        <p:style>
+          <a:lnRef idx="1">
+            <a:schemeClr val="accent1"/>
+          </a:lnRef>
+          <a:fillRef idx="0">
+            <a:schemeClr val="accent1"/>
+          </a:fillRef>
+          <a:effectRef idx="0">
+            <a:schemeClr val="accent1"/>
+          </a:effectRef>
+          <a:fontRef idx="minor">
+            <a:schemeClr val="tx1"/>
+          </a:fontRef>
+        </p:style>
+      </p:cxnSp>
+      <p:cxnSp>
+        <p:nvCxnSpPr>
+          <p:cNvPr id="20" name="Düz Ok Bağlayıcısı 19"/>
+          <p:cNvCxnSpPr/>
+          <p:nvPr/>
+        </p:nvCxnSpPr>
+        <p:spPr>
+          <a:xfrm flipV="1">
+            <a:off x="4318630" y="3219409"/>
+            <a:ext cx="0" cy="522514"/>
+          </a:xfrm>
+          <a:prstGeom prst="straightConnector1">
+            <a:avLst/>
+          </a:prstGeom>
+          <a:ln w="12700">
+            <a:solidFill>
+              <a:schemeClr val="tx1"/>
+            </a:solidFill>
+            <a:headEnd type="triangle" w="med" len="med"/>
+            <a:tailEnd type="none" w="med" len="med"/>
+          </a:ln>
+        </p:spPr>
+        <p:style>
+          <a:lnRef idx="1">
+            <a:schemeClr val="accent1"/>
+          </a:lnRef>
+          <a:fillRef idx="0">
+            <a:schemeClr val="accent1"/>
+          </a:fillRef>
+          <a:effectRef idx="0">
+            <a:schemeClr val="accent1"/>
+          </a:effectRef>
+          <a:fontRef idx="minor">
+            <a:schemeClr val="tx1"/>
+          </a:fontRef>
+        </p:style>
+      </p:cxnSp>
+      <p:cxnSp>
+        <p:nvCxnSpPr>
+          <p:cNvPr id="21" name="Düz Bağlayıcı 20"/>
+          <p:cNvCxnSpPr/>
+          <p:nvPr/>
+        </p:nvCxnSpPr>
+        <p:spPr>
+          <a:xfrm>
+            <a:off x="4318630" y="3219409"/>
+            <a:ext cx="566058" cy="0"/>
+          </a:xfrm>
+          <a:prstGeom prst="line">
+            <a:avLst/>
+          </a:prstGeom>
+          <a:ln w="12700">
+            <a:solidFill>
+              <a:schemeClr val="tx1"/>
+            </a:solidFill>
+          </a:ln>
+        </p:spPr>
+        <p:style>
+          <a:lnRef idx="1">
+            <a:schemeClr val="accent1"/>
+          </a:lnRef>
+          <a:fillRef idx="0">
+            <a:schemeClr val="accent1"/>
+          </a:fillRef>
+          <a:effectRef idx="0">
+            <a:schemeClr val="accent1"/>
+          </a:effectRef>
+          <a:fontRef idx="minor">
+            <a:schemeClr val="tx1"/>
+          </a:fontRef>
+        </p:style>
+      </p:cxnSp>
+      <p:cxnSp>
+        <p:nvCxnSpPr>
+          <p:cNvPr id="22" name="Düz Bağlayıcı 21"/>
+          <p:cNvCxnSpPr/>
+          <p:nvPr/>
+        </p:nvCxnSpPr>
+        <p:spPr>
+          <a:xfrm>
+            <a:off x="1879813" y="2697320"/>
+            <a:ext cx="2721846" cy="0"/>
+          </a:xfrm>
+          <a:prstGeom prst="line">
+            <a:avLst/>
+          </a:prstGeom>
+          <a:ln w="12700">
+            <a:solidFill>
+              <a:schemeClr val="tx1"/>
+            </a:solidFill>
+          </a:ln>
+        </p:spPr>
+        <p:style>
+          <a:lnRef idx="1">
+            <a:schemeClr val="accent1"/>
+          </a:lnRef>
+          <a:fillRef idx="0">
+            <a:schemeClr val="accent1"/>
+          </a:fillRef>
+          <a:effectRef idx="0">
+            <a:schemeClr val="accent1"/>
+          </a:effectRef>
+          <a:fontRef idx="minor">
+            <a:schemeClr val="tx1"/>
+          </a:fontRef>
+        </p:style>
+      </p:cxnSp>
+      <p:cxnSp>
+        <p:nvCxnSpPr>
+          <p:cNvPr id="23" name="Düz Ok Bağlayıcısı 22"/>
+          <p:cNvCxnSpPr/>
+          <p:nvPr/>
+        </p:nvCxnSpPr>
+        <p:spPr>
+          <a:xfrm flipV="1">
+            <a:off x="2769618" y="2690997"/>
+            <a:ext cx="0" cy="522514"/>
+          </a:xfrm>
+          <a:prstGeom prst="straightConnector1">
+            <a:avLst/>
+          </a:prstGeom>
+          <a:ln w="12700">
+            <a:solidFill>
+              <a:schemeClr val="tx1"/>
+            </a:solidFill>
+            <a:headEnd type="triangle" w="med" len="med"/>
+            <a:tailEnd type="none" w="med" len="med"/>
+          </a:ln>
+        </p:spPr>
+        <p:style>
+          <a:lnRef idx="1">
+            <a:schemeClr val="accent1"/>
+          </a:lnRef>
+          <a:fillRef idx="0">
+            <a:schemeClr val="accent1"/>
+          </a:fillRef>
+          <a:effectRef idx="0">
+            <a:schemeClr val="accent1"/>
+          </a:effectRef>
+          <a:fontRef idx="minor">
+            <a:schemeClr val="tx1"/>
+          </a:fontRef>
+        </p:style>
+      </p:cxnSp>
+      <p:cxnSp>
+        <p:nvCxnSpPr>
+          <p:cNvPr id="25" name="Düz Ok Bağlayıcısı 24"/>
+          <p:cNvCxnSpPr/>
+          <p:nvPr/>
+        </p:nvCxnSpPr>
+        <p:spPr>
+          <a:xfrm flipV="1">
+            <a:off x="3666327" y="2690997"/>
+            <a:ext cx="0" cy="522514"/>
+          </a:xfrm>
+          <a:prstGeom prst="straightConnector1">
+            <a:avLst/>
+          </a:prstGeom>
+          <a:ln w="12700">
+            <a:solidFill>
+              <a:schemeClr val="tx1"/>
+            </a:solidFill>
+            <a:headEnd type="triangle" w="med" len="med"/>
+            <a:tailEnd type="none" w="med" len="med"/>
+          </a:ln>
+        </p:spPr>
+        <p:style>
+          <a:lnRef idx="1">
+            <a:schemeClr val="accent1"/>
+          </a:lnRef>
+          <a:fillRef idx="0">
+            <a:schemeClr val="accent1"/>
+          </a:fillRef>
+          <a:effectRef idx="0">
+            <a:schemeClr val="accent1"/>
+          </a:effectRef>
+          <a:fontRef idx="minor">
+            <a:schemeClr val="tx1"/>
+          </a:fontRef>
+        </p:style>
+      </p:cxnSp>
+      <p:cxnSp>
+        <p:nvCxnSpPr>
+          <p:cNvPr id="26" name="Düz Ok Bağlayıcısı 25"/>
+          <p:cNvCxnSpPr/>
+          <p:nvPr/>
+        </p:nvCxnSpPr>
+        <p:spPr>
+          <a:xfrm flipV="1">
+            <a:off x="4601659" y="2690997"/>
+            <a:ext cx="0" cy="522514"/>
+          </a:xfrm>
+          <a:prstGeom prst="straightConnector1">
+            <a:avLst/>
+          </a:prstGeom>
+          <a:ln w="12700">
+            <a:solidFill>
+              <a:schemeClr val="tx1"/>
+            </a:solidFill>
+            <a:headEnd type="triangle" w="med" len="med"/>
+            <a:tailEnd type="none" w="med" len="med"/>
+          </a:ln>
+        </p:spPr>
+        <p:style>
+          <a:lnRef idx="1">
+            <a:schemeClr val="accent1"/>
+          </a:lnRef>
+          <a:fillRef idx="0">
+            <a:schemeClr val="accent1"/>
+          </a:fillRef>
+          <a:effectRef idx="0">
+            <a:schemeClr val="accent1"/>
+          </a:effectRef>
+          <a:fontRef idx="minor">
+            <a:schemeClr val="tx1"/>
+          </a:fontRef>
+        </p:style>
+      </p:cxnSp>
+      <p:cxnSp>
+        <p:nvCxnSpPr>
+          <p:cNvPr id="27" name="Düz Ok Bağlayıcısı 26"/>
+          <p:cNvCxnSpPr/>
+          <p:nvPr/>
+        </p:nvCxnSpPr>
+        <p:spPr>
+          <a:xfrm flipV="1">
+            <a:off x="1879813" y="2690997"/>
+            <a:ext cx="0" cy="522514"/>
+          </a:xfrm>
+          <a:prstGeom prst="straightConnector1">
+            <a:avLst/>
+          </a:prstGeom>
+          <a:ln w="12700">
+            <a:solidFill>
+              <a:schemeClr val="tx1"/>
+            </a:solidFill>
+            <a:headEnd type="triangle" w="med" len="med"/>
+            <a:tailEnd type="none" w="med" len="med"/>
+          </a:ln>
+        </p:spPr>
+        <p:style>
+          <a:lnRef idx="1">
+            <a:schemeClr val="accent1"/>
+          </a:lnRef>
+          <a:fillRef idx="0">
+            <a:schemeClr val="accent1"/>
+          </a:fillRef>
+          <a:effectRef idx="0">
+            <a:schemeClr val="accent1"/>
+          </a:effectRef>
+          <a:fontRef idx="minor">
+            <a:schemeClr val="tx1"/>
+          </a:fontRef>
+        </p:style>
+      </p:cxnSp>
+      <p:cxnSp>
+        <p:nvCxnSpPr>
+          <p:cNvPr id="30" name="Düz Bağlayıcı 29"/>
+          <p:cNvCxnSpPr/>
+          <p:nvPr/>
+        </p:nvCxnSpPr>
+        <p:spPr>
+          <a:xfrm>
+            <a:off x="1596784" y="3744371"/>
+            <a:ext cx="566058" cy="0"/>
+          </a:xfrm>
+          <a:prstGeom prst="line">
+            <a:avLst/>
+          </a:prstGeom>
+          <a:ln w="12700">
+            <a:solidFill>
+              <a:schemeClr val="tx1"/>
+            </a:solidFill>
+          </a:ln>
+        </p:spPr>
+        <p:style>
+          <a:lnRef idx="1">
+            <a:schemeClr val="accent1"/>
+          </a:lnRef>
+          <a:fillRef idx="0">
+            <a:schemeClr val="accent1"/>
+          </a:fillRef>
+          <a:effectRef idx="0">
+            <a:schemeClr val="accent1"/>
+          </a:effectRef>
+          <a:fontRef idx="minor">
+            <a:schemeClr val="tx1"/>
+          </a:fontRef>
+        </p:style>
+      </p:cxnSp>
+      <p:cxnSp>
+        <p:nvCxnSpPr>
+          <p:cNvPr id="31" name="Düz Bağlayıcı 30"/>
+          <p:cNvCxnSpPr/>
+          <p:nvPr/>
+        </p:nvCxnSpPr>
+        <p:spPr>
+          <a:xfrm>
+            <a:off x="2486589" y="3744371"/>
+            <a:ext cx="566058" cy="0"/>
+          </a:xfrm>
+          <a:prstGeom prst="line">
+            <a:avLst/>
+          </a:prstGeom>
+          <a:ln w="12700">
+            <a:solidFill>
+              <a:schemeClr val="tx1"/>
+            </a:solidFill>
+          </a:ln>
+        </p:spPr>
+        <p:style>
+          <a:lnRef idx="1">
+            <a:schemeClr val="accent1"/>
+          </a:lnRef>
+          <a:fillRef idx="0">
+            <a:schemeClr val="accent1"/>
+          </a:fillRef>
+          <a:effectRef idx="0">
+            <a:schemeClr val="accent1"/>
+          </a:effectRef>
+          <a:fontRef idx="minor">
+            <a:schemeClr val="tx1"/>
+          </a:fontRef>
+        </p:style>
+      </p:cxnSp>
+      <p:cxnSp>
+        <p:nvCxnSpPr>
+          <p:cNvPr id="32" name="Düz Bağlayıcı 31"/>
+          <p:cNvCxnSpPr/>
+          <p:nvPr/>
+        </p:nvCxnSpPr>
+        <p:spPr>
+          <a:xfrm>
+            <a:off x="3388018" y="3741923"/>
+            <a:ext cx="566058" cy="0"/>
+          </a:xfrm>
+          <a:prstGeom prst="line">
+            <a:avLst/>
+          </a:prstGeom>
+          <a:ln w="12700">
+            <a:solidFill>
+              <a:schemeClr val="tx1"/>
+            </a:solidFill>
+          </a:ln>
+        </p:spPr>
+        <p:style>
+          <a:lnRef idx="1">
+            <a:schemeClr val="accent1"/>
+          </a:lnRef>
+          <a:fillRef idx="0">
+            <a:schemeClr val="accent1"/>
+          </a:fillRef>
+          <a:effectRef idx="0">
+            <a:schemeClr val="accent1"/>
+          </a:effectRef>
+          <a:fontRef idx="minor">
+            <a:schemeClr val="tx1"/>
+          </a:fontRef>
+        </p:style>
+      </p:cxnSp>
+      <p:cxnSp>
+        <p:nvCxnSpPr>
+          <p:cNvPr id="33" name="Düz Bağlayıcı 32"/>
+          <p:cNvCxnSpPr/>
+          <p:nvPr/>
+        </p:nvCxnSpPr>
+        <p:spPr>
+          <a:xfrm>
+            <a:off x="4318630" y="3741923"/>
+            <a:ext cx="566058" cy="0"/>
+          </a:xfrm>
+          <a:prstGeom prst="line">
+            <a:avLst/>
+          </a:prstGeom>
+          <a:ln w="12700">
+            <a:solidFill>
+              <a:schemeClr val="tx1"/>
+            </a:solidFill>
+          </a:ln>
+        </p:spPr>
+        <p:style>
+          <a:lnRef idx="1">
+            <a:schemeClr val="accent1"/>
+          </a:lnRef>
+          <a:fillRef idx="0">
+            <a:schemeClr val="accent1"/>
+          </a:fillRef>
+          <a:effectRef idx="0">
+            <a:schemeClr val="accent1"/>
+          </a:effectRef>
+          <a:fontRef idx="minor">
+            <a:schemeClr val="tx1"/>
+          </a:fontRef>
+        </p:style>
+      </p:cxnSp>
+      <p:cxnSp>
+        <p:nvCxnSpPr>
+          <p:cNvPr id="34" name="Düz Ok Bağlayıcısı 33"/>
+          <p:cNvCxnSpPr/>
+          <p:nvPr/>
+        </p:nvCxnSpPr>
+        <p:spPr>
+          <a:xfrm flipV="1">
+            <a:off x="2775118" y="3741923"/>
+            <a:ext cx="0" cy="522514"/>
+          </a:xfrm>
+          <a:prstGeom prst="straightConnector1">
+            <a:avLst/>
+          </a:prstGeom>
+          <a:ln w="12700">
+            <a:solidFill>
+              <a:schemeClr val="tx1"/>
+            </a:solidFill>
+            <a:headEnd type="triangle" w="med" len="med"/>
+            <a:tailEnd type="none" w="med" len="med"/>
+          </a:ln>
+        </p:spPr>
+        <p:style>
+          <a:lnRef idx="1">
+            <a:schemeClr val="accent1"/>
+          </a:lnRef>
+          <a:fillRef idx="0">
+            <a:schemeClr val="accent1"/>
+          </a:fillRef>
+          <a:effectRef idx="0">
+            <a:schemeClr val="accent1"/>
+          </a:effectRef>
+          <a:fontRef idx="minor">
+            <a:schemeClr val="tx1"/>
+          </a:fontRef>
+        </p:style>
+      </p:cxnSp>
+      <p:cxnSp>
+        <p:nvCxnSpPr>
+          <p:cNvPr id="35" name="Düz Ok Bağlayıcısı 34"/>
+          <p:cNvCxnSpPr/>
+          <p:nvPr/>
+        </p:nvCxnSpPr>
+        <p:spPr>
+          <a:xfrm flipV="1">
+            <a:off x="3671827" y="3741923"/>
+            <a:ext cx="0" cy="522514"/>
+          </a:xfrm>
+          <a:prstGeom prst="straightConnector1">
+            <a:avLst/>
+          </a:prstGeom>
+          <a:ln w="12700">
+            <a:solidFill>
+              <a:schemeClr val="tx1"/>
+            </a:solidFill>
+            <a:headEnd type="triangle" w="med" len="med"/>
+            <a:tailEnd type="none" w="med" len="med"/>
+          </a:ln>
+        </p:spPr>
+        <p:style>
+          <a:lnRef idx="1">
+            <a:schemeClr val="accent1"/>
+          </a:lnRef>
+          <a:fillRef idx="0">
+            <a:schemeClr val="accent1"/>
+          </a:fillRef>
+          <a:effectRef idx="0">
+            <a:schemeClr val="accent1"/>
+          </a:effectRef>
+          <a:fontRef idx="minor">
+            <a:schemeClr val="tx1"/>
+          </a:fontRef>
+        </p:style>
+      </p:cxnSp>
+      <p:cxnSp>
+        <p:nvCxnSpPr>
+          <p:cNvPr id="36" name="Düz Ok Bağlayıcısı 35"/>
+          <p:cNvCxnSpPr/>
+          <p:nvPr/>
+        </p:nvCxnSpPr>
+        <p:spPr>
+          <a:xfrm flipV="1">
+            <a:off x="4607159" y="3741923"/>
+            <a:ext cx="0" cy="522514"/>
+          </a:xfrm>
+          <a:prstGeom prst="straightConnector1">
+            <a:avLst/>
+          </a:prstGeom>
+          <a:ln w="12700">
+            <a:solidFill>
+              <a:schemeClr val="tx1"/>
+            </a:solidFill>
+            <a:headEnd type="triangle" w="med" len="med"/>
+            <a:tailEnd type="none" w="med" len="med"/>
+          </a:ln>
+        </p:spPr>
+        <p:style>
+          <a:lnRef idx="1">
+            <a:schemeClr val="accent1"/>
+          </a:lnRef>
+          <a:fillRef idx="0">
+            <a:schemeClr val="accent1"/>
+          </a:fillRef>
+          <a:effectRef idx="0">
+            <a:schemeClr val="accent1"/>
+          </a:effectRef>
+          <a:fontRef idx="minor">
+            <a:schemeClr val="tx1"/>
+          </a:fontRef>
+        </p:style>
+      </p:cxnSp>
+      <p:cxnSp>
+        <p:nvCxnSpPr>
+          <p:cNvPr id="37" name="Düz Ok Bağlayıcısı 36"/>
+          <p:cNvCxnSpPr/>
+          <p:nvPr/>
+        </p:nvCxnSpPr>
+        <p:spPr>
+          <a:xfrm flipV="1">
+            <a:off x="1885313" y="3741923"/>
+            <a:ext cx="0" cy="522514"/>
+          </a:xfrm>
+          <a:prstGeom prst="straightConnector1">
+            <a:avLst/>
+          </a:prstGeom>
+          <a:ln w="12700">
+            <a:solidFill>
+              <a:schemeClr val="tx1"/>
+            </a:solidFill>
+            <a:headEnd type="triangle" w="med" len="med"/>
+            <a:tailEnd type="none" w="med" len="med"/>
+          </a:ln>
+        </p:spPr>
+        <p:style>
+          <a:lnRef idx="1">
+            <a:schemeClr val="accent1"/>
+          </a:lnRef>
+          <a:fillRef idx="0">
+            <a:schemeClr val="accent1"/>
+          </a:fillRef>
+          <a:effectRef idx="0">
+            <a:schemeClr val="accent1"/>
+          </a:effectRef>
+          <a:fontRef idx="minor">
+            <a:schemeClr val="tx1"/>
+          </a:fontRef>
+        </p:style>
+      </p:cxnSp>
+      <p:cxnSp>
+        <p:nvCxnSpPr>
+          <p:cNvPr id="38" name="Düz Bağlayıcı 37"/>
+          <p:cNvCxnSpPr/>
+          <p:nvPr/>
+        </p:nvCxnSpPr>
+        <p:spPr>
+          <a:xfrm>
+            <a:off x="1879813" y="4271748"/>
+            <a:ext cx="2721846" cy="0"/>
+          </a:xfrm>
+          <a:prstGeom prst="line">
+            <a:avLst/>
+          </a:prstGeom>
+          <a:ln w="12700">
+            <a:solidFill>
+              <a:schemeClr val="tx1"/>
+            </a:solidFill>
+          </a:ln>
+        </p:spPr>
+        <p:style>
+          <a:lnRef idx="1">
+            <a:schemeClr val="accent1"/>
+          </a:lnRef>
+          <a:fillRef idx="0">
+            <a:schemeClr val="accent1"/>
+          </a:fillRef>
+          <a:effectRef idx="0">
+            <a:schemeClr val="accent1"/>
+          </a:effectRef>
+          <a:fontRef idx="minor">
+            <a:schemeClr val="tx1"/>
+          </a:fontRef>
+        </p:style>
+      </p:cxnSp>
+      <p:sp>
+        <p:nvSpPr>
+          <p:cNvPr id="39" name="TextBox 38"/>
+          <p:cNvSpPr txBox="1"/>
+          <p:nvPr/>
+        </p:nvSpPr>
+        <p:spPr>
+          <a:xfrm>
+            <a:off x="2747374" y="1918855"/>
+            <a:ext cx="986724" cy="261610"/>
+          </a:xfrm>
+          <a:prstGeom prst="rect">
+            <a:avLst/>
+          </a:prstGeom>
+          <a:noFill/>
+        </p:spPr>
+        <p:txBody>
+          <a:bodyPr wrap="square" rtlCol="0">
+            <a:spAutoFit/>
+          </a:bodyPr>
+          <a:lstStyle/>
+          <a:p>
+            <a:r>
+              <a:rPr lang="en-GB" sz="1050" dirty="0">
+                <a:latin typeface="Times New Roman" panose="02020603050405020304" pitchFamily="18" charset="0"/>
+                <a:cs typeface="Times New Roman" panose="02020603050405020304" pitchFamily="18" charset="0"/>
+              </a:rPr>
+              <a:t>Initial Thread</a:t>
+            </a:r>
+          </a:p>
+        </p:txBody>
+      </p:sp>
+      <p:sp>
+        <p:nvSpPr>
+          <p:cNvPr id="40" name="TextBox 39"/>
+          <p:cNvSpPr txBox="1"/>
+          <p:nvPr/>
+        </p:nvSpPr>
+        <p:spPr>
+          <a:xfrm>
+            <a:off x="542797" y="3616362"/>
+            <a:ext cx="1234446" cy="246221"/>
+          </a:xfrm>
+          <a:prstGeom prst="rect">
+            <a:avLst/>
+          </a:prstGeom>
+          <a:noFill/>
+        </p:spPr>
+        <p:txBody>
+          <a:bodyPr wrap="square" rtlCol="0">
+            <a:spAutoFit/>
+          </a:bodyPr>
+          <a:lstStyle/>
+          <a:p>
+            <a:r>
+              <a:rPr lang="en-GB" sz="1000" dirty="0">
+                <a:latin typeface="Times New Roman" panose="02020603050405020304" pitchFamily="18" charset="0"/>
+                <a:cs typeface="Times New Roman" panose="02020603050405020304" pitchFamily="18" charset="0"/>
+              </a:rPr>
+              <a:t>Synchronization</a:t>
+            </a:r>
+          </a:p>
+        </p:txBody>
+      </p:sp>
+      <p:sp>
+        <p:nvSpPr>
+          <p:cNvPr id="42" name="TextBox 41"/>
+          <p:cNvSpPr txBox="1"/>
+          <p:nvPr/>
+        </p:nvSpPr>
+        <p:spPr>
+          <a:xfrm>
+            <a:off x="2725974" y="4784502"/>
+            <a:ext cx="986724" cy="261610"/>
+          </a:xfrm>
+          <a:prstGeom prst="rect">
+            <a:avLst/>
+          </a:prstGeom>
+          <a:noFill/>
+        </p:spPr>
+        <p:txBody>
+          <a:bodyPr wrap="square" rtlCol="0">
+            <a:spAutoFit/>
+          </a:bodyPr>
+          <a:lstStyle/>
+          <a:p>
+            <a:r>
+              <a:rPr lang="en-GB" sz="1050" dirty="0">
+                <a:latin typeface="Times New Roman" panose="02020603050405020304" pitchFamily="18" charset="0"/>
+                <a:cs typeface="Times New Roman" panose="02020603050405020304" pitchFamily="18" charset="0"/>
+              </a:rPr>
+              <a:t>Initial Thread</a:t>
+            </a:r>
+          </a:p>
+        </p:txBody>
+      </p:sp>
+      <p:sp>
+        <p:nvSpPr>
+          <p:cNvPr id="43" name="TextBox 42"/>
+          <p:cNvSpPr txBox="1"/>
+          <p:nvPr/>
+        </p:nvSpPr>
+        <p:spPr>
+          <a:xfrm>
+            <a:off x="850987" y="4133976"/>
+            <a:ext cx="1234446" cy="246221"/>
+          </a:xfrm>
+          <a:prstGeom prst="rect">
+            <a:avLst/>
+          </a:prstGeom>
+          <a:noFill/>
+        </p:spPr>
+        <p:txBody>
+          <a:bodyPr wrap="square" rtlCol="0">
+            <a:spAutoFit/>
+          </a:bodyPr>
+          <a:lstStyle/>
+          <a:p>
+            <a:r>
+              <a:rPr lang="en-GB" sz="1000" dirty="0">
+                <a:latin typeface="Times New Roman" panose="02020603050405020304" pitchFamily="18" charset="0"/>
+                <a:cs typeface="Times New Roman" panose="02020603050405020304" pitchFamily="18" charset="0"/>
+              </a:rPr>
+              <a:t>Synchronization</a:t>
+            </a:r>
+          </a:p>
+        </p:txBody>
+      </p:sp>
+      <p:sp>
+        <p:nvSpPr>
+          <p:cNvPr id="44" name="TextBox 43"/>
+          <p:cNvSpPr txBox="1"/>
+          <p:nvPr/>
+        </p:nvSpPr>
+        <p:spPr>
+          <a:xfrm>
+            <a:off x="4850110" y="2804608"/>
+            <a:ext cx="1318500" cy="261610"/>
+          </a:xfrm>
+          <a:prstGeom prst="rect">
+            <a:avLst/>
+          </a:prstGeom>
+          <a:noFill/>
+        </p:spPr>
+        <p:txBody>
+          <a:bodyPr wrap="square" rtlCol="0">
+            <a:spAutoFit/>
+          </a:bodyPr>
+          <a:lstStyle/>
+          <a:p>
+            <a:r>
+              <a:rPr lang="en-GB" sz="1050" dirty="0">
+                <a:latin typeface="Times New Roman" panose="02020603050405020304" pitchFamily="18" charset="0"/>
+                <a:cs typeface="Times New Roman" panose="02020603050405020304" pitchFamily="18" charset="0"/>
+              </a:rPr>
+              <a:t>Team of Threads</a:t>
+            </a:r>
+          </a:p>
+        </p:txBody>
+      </p:sp>
+      <p:sp>
+        <p:nvSpPr>
+          <p:cNvPr id="45" name="Right Brace 44"/>
+          <p:cNvSpPr/>
+          <p:nvPr/>
+        </p:nvSpPr>
+        <p:spPr>
+          <a:xfrm>
+            <a:off x="4774130" y="2685526"/>
+            <a:ext cx="56606" cy="499775"/>
+          </a:xfrm>
+          <a:prstGeom prst="rightBrace">
+            <a:avLst/>
+          </a:prstGeom>
+          <a:ln>
+            <a:solidFill>
+              <a:schemeClr val="tx1"/>
+            </a:solidFill>
+          </a:ln>
+        </p:spPr>
+        <p:style>
+          <a:lnRef idx="1">
+            <a:schemeClr val="accent1"/>
+          </a:lnRef>
+          <a:fillRef idx="0">
+            <a:schemeClr val="accent1"/>
+          </a:fillRef>
+          <a:effectRef idx="0">
+            <a:schemeClr val="accent1"/>
+          </a:effectRef>
+          <a:fontRef idx="minor">
+            <a:schemeClr val="tx1"/>
+          </a:fontRef>
+        </p:style>
+        <p:txBody>
+          <a:bodyPr rtlCol="0" anchor="ctr"/>
+          <a:lstStyle/>
+          <a:p>
+            <a:pPr algn="ctr"/>
+            <a:endParaRPr lang="en-GB"/>
+          </a:p>
+        </p:txBody>
+      </p:sp>
+      <p:sp>
+        <p:nvSpPr>
+          <p:cNvPr id="46" name="TextBox 45"/>
+          <p:cNvSpPr txBox="1"/>
+          <p:nvPr/>
+        </p:nvSpPr>
+        <p:spPr>
+          <a:xfrm>
+            <a:off x="5043815" y="3354752"/>
+            <a:ext cx="1318500" cy="261610"/>
+          </a:xfrm>
+          <a:prstGeom prst="rect">
+            <a:avLst/>
+          </a:prstGeom>
+          <a:noFill/>
+        </p:spPr>
+        <p:txBody>
+          <a:bodyPr wrap="square" rtlCol="0">
+            <a:spAutoFit/>
+          </a:bodyPr>
+          <a:lstStyle/>
+          <a:p>
+            <a:r>
+              <a:rPr lang="en-GB" sz="1050" dirty="0">
+                <a:latin typeface="Times New Roman" panose="02020603050405020304" pitchFamily="18" charset="0"/>
+                <a:cs typeface="Times New Roman" panose="02020603050405020304" pitchFamily="18" charset="0"/>
+              </a:rPr>
+              <a:t>Team of Threads</a:t>
+            </a:r>
+          </a:p>
+        </p:txBody>
+      </p:sp>
+      <p:sp>
+        <p:nvSpPr>
+          <p:cNvPr id="47" name="Right Brace 46"/>
+          <p:cNvSpPr/>
+          <p:nvPr/>
+        </p:nvSpPr>
+        <p:spPr>
+          <a:xfrm>
+            <a:off x="4965430" y="3249763"/>
+            <a:ext cx="95964" cy="461806"/>
+          </a:xfrm>
+          <a:prstGeom prst="rightBrace">
+            <a:avLst/>
+          </a:prstGeom>
+          <a:ln>
+            <a:solidFill>
+              <a:schemeClr val="tx1"/>
+            </a:solidFill>
+          </a:ln>
+        </p:spPr>
+        <p:style>
+          <a:lnRef idx="1">
+            <a:schemeClr val="accent1"/>
+          </a:lnRef>
+          <a:fillRef idx="0">
+            <a:schemeClr val="accent1"/>
+          </a:fillRef>
+          <a:effectRef idx="0">
+            <a:schemeClr val="accent1"/>
+          </a:effectRef>
+          <a:fontRef idx="minor">
+            <a:schemeClr val="tx1"/>
+          </a:fontRef>
+        </p:style>
+        <p:txBody>
+          <a:bodyPr rtlCol="0" anchor="ctr"/>
+          <a:lstStyle/>
+          <a:p>
+            <a:pPr algn="ctr"/>
+            <a:endParaRPr lang="en-GB"/>
+          </a:p>
+        </p:txBody>
+      </p:sp>
+    </p:spTree>
+    <p:extLst>
+      <p:ext uri="{BB962C8B-B14F-4D97-AF65-F5344CB8AC3E}">
+        <p14:creationId xmlns:p14="http://schemas.microsoft.com/office/powerpoint/2010/main" val="2214381154"/>
+      </p:ext>
+    </p:extLst>
+  </p:cSld>
+  <p:clrMapOvr>
+    <a:masterClrMapping/>
+  </p:clrMapOvr>
+</p:sld>
+</file>
+
+<file path=ppt/slides/slide12.xml><?xml version="1.0" encoding="utf-8"?>
+<p:sld xmlns:a="http://schemas.openxmlformats.org/drawingml/2006/main" xmlns:r="http://schemas.openxmlformats.org/officeDocument/2006/relationships" xmlns:p="http://schemas.openxmlformats.org/presentationml/2006/main">
+  <p:cSld>
+    <p:spTree>
+      <p:nvGrpSpPr>
+        <p:cNvPr id="1" name=""/>
+        <p:cNvGrpSpPr/>
+        <p:nvPr/>
+      </p:nvGrpSpPr>
+      <p:grpSpPr>
+        <a:xfrm>
+          <a:off x="0" y="0"/>
+          <a:ext cx="0" cy="0"/>
+          <a:chOff x="0" y="0"/>
+          <a:chExt cx="0" cy="0"/>
+        </a:xfrm>
+      </p:grpSpPr>
+      <p:sp>
+        <p:nvSpPr>
+          <p:cNvPr id="198" name="Dikdörtgen 197"/>
+          <p:cNvSpPr/>
+          <p:nvPr/>
+        </p:nvSpPr>
+        <p:spPr>
+          <a:xfrm>
+            <a:off x="6796836" y="2062598"/>
+            <a:ext cx="311972" cy="311972"/>
+          </a:xfrm>
+          <a:prstGeom prst="rect">
+            <a:avLst/>
+          </a:prstGeom>
+          <a:noFill/>
+          <a:ln>
+            <a:solidFill>
+              <a:schemeClr val="bg1">
+                <a:lumMod val="75000"/>
+              </a:schemeClr>
+            </a:solidFill>
+          </a:ln>
+        </p:spPr>
+        <p:style>
+          <a:lnRef idx="2">
+            <a:schemeClr val="accent1">
+              <a:shade val="50000"/>
+            </a:schemeClr>
+          </a:lnRef>
+          <a:fillRef idx="1">
+            <a:schemeClr val="accent1"/>
+          </a:fillRef>
+          <a:effectRef idx="0">
+            <a:schemeClr val="accent1"/>
+          </a:effectRef>
+          <a:fontRef idx="minor">
+            <a:schemeClr val="lt1"/>
+          </a:fontRef>
+        </p:style>
+        <p:txBody>
+          <a:bodyPr rtlCol="0" anchor="ctr"/>
+          <a:lstStyle/>
+          <a:p>
+            <a:pPr algn="ctr"/>
+            <a:endParaRPr lang="tr-TR"/>
+          </a:p>
+        </p:txBody>
+      </p:sp>
+      <p:sp>
+        <p:nvSpPr>
+          <p:cNvPr id="200" name="Dikdörtgen 199"/>
+          <p:cNvSpPr/>
+          <p:nvPr/>
+        </p:nvSpPr>
+        <p:spPr>
+          <a:xfrm>
+            <a:off x="6796836" y="2686542"/>
+            <a:ext cx="311972" cy="311972"/>
+          </a:xfrm>
+          <a:prstGeom prst="rect">
+            <a:avLst/>
+          </a:prstGeom>
+          <a:noFill/>
+          <a:ln>
+            <a:solidFill>
+              <a:schemeClr val="bg1">
+                <a:lumMod val="75000"/>
+              </a:schemeClr>
+            </a:solidFill>
+          </a:ln>
+        </p:spPr>
+        <p:style>
+          <a:lnRef idx="2">
+            <a:schemeClr val="accent1">
+              <a:shade val="50000"/>
+            </a:schemeClr>
+          </a:lnRef>
+          <a:fillRef idx="1">
+            <a:schemeClr val="accent1"/>
+          </a:fillRef>
+          <a:effectRef idx="0">
+            <a:schemeClr val="accent1"/>
+          </a:effectRef>
+          <a:fontRef idx="minor">
+            <a:schemeClr val="lt1"/>
+          </a:fontRef>
+        </p:style>
+        <p:txBody>
+          <a:bodyPr rtlCol="0" anchor="ctr"/>
+          <a:lstStyle/>
+          <a:p>
+            <a:pPr algn="ctr"/>
+            <a:endParaRPr lang="tr-TR"/>
+          </a:p>
+        </p:txBody>
+      </p:sp>
+      <p:sp>
+        <p:nvSpPr>
+          <p:cNvPr id="196" name="Dikdörtgen 195"/>
+          <p:cNvSpPr/>
+          <p:nvPr/>
+        </p:nvSpPr>
+        <p:spPr>
+          <a:xfrm>
+            <a:off x="6796836" y="1438654"/>
+            <a:ext cx="311972" cy="311972"/>
+          </a:xfrm>
+          <a:prstGeom prst="rect">
+            <a:avLst/>
+          </a:prstGeom>
+          <a:noFill/>
+          <a:ln>
+            <a:solidFill>
+              <a:schemeClr val="bg1">
+                <a:lumMod val="75000"/>
+              </a:schemeClr>
+            </a:solidFill>
+          </a:ln>
+        </p:spPr>
+        <p:style>
+          <a:lnRef idx="2">
+            <a:schemeClr val="accent1">
+              <a:shade val="50000"/>
+            </a:schemeClr>
+          </a:lnRef>
+          <a:fillRef idx="1">
+            <a:schemeClr val="accent1"/>
+          </a:fillRef>
+          <a:effectRef idx="0">
+            <a:schemeClr val="accent1"/>
+          </a:effectRef>
+          <a:fontRef idx="minor">
+            <a:schemeClr val="lt1"/>
+          </a:fontRef>
+        </p:style>
+        <p:txBody>
+          <a:bodyPr rtlCol="0" anchor="ctr"/>
+          <a:lstStyle/>
+          <a:p>
+            <a:pPr algn="ctr"/>
+            <a:endParaRPr lang="tr-TR"/>
+          </a:p>
+        </p:txBody>
+      </p:sp>
+      <p:sp>
+        <p:nvSpPr>
+          <p:cNvPr id="194" name="Dikdörtgen 193"/>
+          <p:cNvSpPr/>
+          <p:nvPr/>
+        </p:nvSpPr>
+        <p:spPr>
+          <a:xfrm>
+            <a:off x="6796836" y="814710"/>
+            <a:ext cx="311972" cy="311972"/>
+          </a:xfrm>
+          <a:prstGeom prst="rect">
+            <a:avLst/>
+          </a:prstGeom>
+          <a:noFill/>
+          <a:ln>
+            <a:solidFill>
+              <a:schemeClr val="bg1">
+                <a:lumMod val="75000"/>
+              </a:schemeClr>
+            </a:solidFill>
+          </a:ln>
+        </p:spPr>
+        <p:style>
+          <a:lnRef idx="2">
+            <a:schemeClr val="accent1">
+              <a:shade val="50000"/>
+            </a:schemeClr>
+          </a:lnRef>
+          <a:fillRef idx="1">
+            <a:schemeClr val="accent1"/>
+          </a:fillRef>
+          <a:effectRef idx="0">
+            <a:schemeClr val="accent1"/>
+          </a:effectRef>
+          <a:fontRef idx="minor">
+            <a:schemeClr val="lt1"/>
+          </a:fontRef>
+        </p:style>
+        <p:txBody>
+          <a:bodyPr rtlCol="0" anchor="ctr"/>
+          <a:lstStyle/>
+          <a:p>
+            <a:pPr algn="ctr"/>
+            <a:endParaRPr lang="tr-TR"/>
+          </a:p>
+        </p:txBody>
+      </p:sp>
+      <p:sp>
+        <p:nvSpPr>
+          <p:cNvPr id="27" name="Dikdörtgen 26"/>
+          <p:cNvSpPr/>
+          <p:nvPr/>
+        </p:nvSpPr>
+        <p:spPr>
+          <a:xfrm>
+            <a:off x="3447909" y="507496"/>
+            <a:ext cx="311972" cy="311972"/>
+          </a:xfrm>
+          <a:prstGeom prst="rect">
+            <a:avLst/>
+          </a:prstGeom>
+          <a:noFill/>
+          <a:ln>
+            <a:solidFill>
+              <a:schemeClr val="bg1">
+                <a:lumMod val="65000"/>
+              </a:schemeClr>
+            </a:solidFill>
+          </a:ln>
+        </p:spPr>
+        <p:style>
+          <a:lnRef idx="2">
+            <a:schemeClr val="accent1">
+              <a:shade val="50000"/>
+            </a:schemeClr>
+          </a:lnRef>
+          <a:fillRef idx="1">
+            <a:schemeClr val="accent1"/>
+          </a:fillRef>
+          <a:effectRef idx="0">
+            <a:schemeClr val="accent1"/>
+          </a:effectRef>
+          <a:fontRef idx="minor">
+            <a:schemeClr val="lt1"/>
+          </a:fontRef>
+        </p:style>
+        <p:txBody>
+          <a:bodyPr rtlCol="0" anchor="ctr"/>
+          <a:lstStyle/>
+          <a:p>
+            <a:pPr algn="ctr"/>
+            <a:endParaRPr lang="tr-TR"/>
+          </a:p>
+        </p:txBody>
+      </p:sp>
+      <p:sp>
+        <p:nvSpPr>
+          <p:cNvPr id="28" name="Dikdörtgen 27"/>
+          <p:cNvSpPr/>
+          <p:nvPr/>
+        </p:nvSpPr>
+        <p:spPr>
+          <a:xfrm>
+            <a:off x="3447909" y="819468"/>
+            <a:ext cx="311972" cy="311972"/>
+          </a:xfrm>
+          <a:prstGeom prst="rect">
+            <a:avLst/>
+          </a:prstGeom>
+          <a:noFill/>
+          <a:ln>
+            <a:solidFill>
+              <a:schemeClr val="bg1">
+                <a:lumMod val="65000"/>
+              </a:schemeClr>
+            </a:solidFill>
+          </a:ln>
+        </p:spPr>
+        <p:style>
+          <a:lnRef idx="2">
+            <a:schemeClr val="accent1">
+              <a:shade val="50000"/>
+            </a:schemeClr>
+          </a:lnRef>
+          <a:fillRef idx="1">
+            <a:schemeClr val="accent1"/>
+          </a:fillRef>
+          <a:effectRef idx="0">
+            <a:schemeClr val="accent1"/>
+          </a:effectRef>
+          <a:fontRef idx="minor">
+            <a:schemeClr val="lt1"/>
+          </a:fontRef>
+        </p:style>
+        <p:txBody>
+          <a:bodyPr rtlCol="0" anchor="ctr"/>
+          <a:lstStyle/>
+          <a:p>
+            <a:pPr algn="ctr"/>
+            <a:endParaRPr lang="tr-TR"/>
+          </a:p>
+        </p:txBody>
+      </p:sp>
+      <p:sp>
+        <p:nvSpPr>
+          <p:cNvPr id="29" name="Dikdörtgen 28"/>
+          <p:cNvSpPr/>
+          <p:nvPr/>
+        </p:nvSpPr>
+        <p:spPr>
+          <a:xfrm>
+            <a:off x="3447909" y="1131440"/>
+            <a:ext cx="311972" cy="311972"/>
+          </a:xfrm>
+          <a:prstGeom prst="rect">
+            <a:avLst/>
+          </a:prstGeom>
+          <a:noFill/>
+          <a:ln>
+            <a:solidFill>
+              <a:schemeClr val="bg1">
+                <a:lumMod val="65000"/>
+              </a:schemeClr>
+            </a:solidFill>
+          </a:ln>
+        </p:spPr>
+        <p:style>
+          <a:lnRef idx="2">
+            <a:schemeClr val="accent1">
+              <a:shade val="50000"/>
+            </a:schemeClr>
+          </a:lnRef>
+          <a:fillRef idx="1">
+            <a:schemeClr val="accent1"/>
+          </a:fillRef>
+          <a:effectRef idx="0">
+            <a:schemeClr val="accent1"/>
+          </a:effectRef>
+          <a:fontRef idx="minor">
+            <a:schemeClr val="lt1"/>
+          </a:fontRef>
+        </p:style>
+        <p:txBody>
+          <a:bodyPr rtlCol="0" anchor="ctr"/>
+          <a:lstStyle/>
+          <a:p>
+            <a:pPr algn="ctr"/>
+            <a:endParaRPr lang="tr-TR"/>
+          </a:p>
+        </p:txBody>
+      </p:sp>
+      <p:sp>
+        <p:nvSpPr>
+          <p:cNvPr id="30" name="Dikdörtgen 29"/>
+          <p:cNvSpPr/>
+          <p:nvPr/>
+        </p:nvSpPr>
+        <p:spPr>
+          <a:xfrm>
+            <a:off x="3447909" y="1443412"/>
+            <a:ext cx="311972" cy="311972"/>
+          </a:xfrm>
+          <a:prstGeom prst="rect">
+            <a:avLst/>
+          </a:prstGeom>
+          <a:noFill/>
+          <a:ln>
+            <a:solidFill>
+              <a:schemeClr val="bg1">
+                <a:lumMod val="65000"/>
+              </a:schemeClr>
+            </a:solidFill>
+          </a:ln>
+        </p:spPr>
+        <p:style>
+          <a:lnRef idx="2">
+            <a:schemeClr val="accent1">
+              <a:shade val="50000"/>
+            </a:schemeClr>
+          </a:lnRef>
+          <a:fillRef idx="1">
+            <a:schemeClr val="accent1"/>
+          </a:fillRef>
+          <a:effectRef idx="0">
+            <a:schemeClr val="accent1"/>
+          </a:effectRef>
+          <a:fontRef idx="minor">
+            <a:schemeClr val="lt1"/>
+          </a:fontRef>
+        </p:style>
+        <p:txBody>
+          <a:bodyPr rtlCol="0" anchor="ctr"/>
+          <a:lstStyle/>
+          <a:p>
+            <a:pPr algn="ctr"/>
+            <a:endParaRPr lang="tr-TR"/>
+          </a:p>
+        </p:txBody>
+      </p:sp>
+      <p:sp>
+        <p:nvSpPr>
+          <p:cNvPr id="31" name="Dikdörtgen 30"/>
+          <p:cNvSpPr/>
+          <p:nvPr/>
+        </p:nvSpPr>
+        <p:spPr>
+          <a:xfrm>
+            <a:off x="3447909" y="1755384"/>
+            <a:ext cx="311972" cy="311972"/>
+          </a:xfrm>
+          <a:prstGeom prst="rect">
+            <a:avLst/>
+          </a:prstGeom>
+          <a:noFill/>
+          <a:ln>
+            <a:solidFill>
+              <a:schemeClr val="bg1">
+                <a:lumMod val="65000"/>
+              </a:schemeClr>
+            </a:solidFill>
+          </a:ln>
+        </p:spPr>
+        <p:style>
+          <a:lnRef idx="2">
+            <a:schemeClr val="accent1">
+              <a:shade val="50000"/>
+            </a:schemeClr>
+          </a:lnRef>
+          <a:fillRef idx="1">
+            <a:schemeClr val="accent1"/>
+          </a:fillRef>
+          <a:effectRef idx="0">
+            <a:schemeClr val="accent1"/>
+          </a:effectRef>
+          <a:fontRef idx="minor">
+            <a:schemeClr val="lt1"/>
+          </a:fontRef>
+        </p:style>
+        <p:txBody>
+          <a:bodyPr rtlCol="0" anchor="ctr"/>
+          <a:lstStyle/>
+          <a:p>
+            <a:pPr algn="ctr"/>
+            <a:endParaRPr lang="tr-TR"/>
+          </a:p>
+        </p:txBody>
+      </p:sp>
+      <p:sp>
+        <p:nvSpPr>
+          <p:cNvPr id="32" name="Dikdörtgen 31"/>
+          <p:cNvSpPr/>
+          <p:nvPr/>
+        </p:nvSpPr>
+        <p:spPr>
+          <a:xfrm>
+            <a:off x="3447909" y="2067356"/>
+            <a:ext cx="311972" cy="311972"/>
+          </a:xfrm>
+          <a:prstGeom prst="rect">
+            <a:avLst/>
+          </a:prstGeom>
+          <a:noFill/>
+          <a:ln>
+            <a:solidFill>
+              <a:schemeClr val="bg1">
+                <a:lumMod val="65000"/>
+              </a:schemeClr>
+            </a:solidFill>
+          </a:ln>
+        </p:spPr>
+        <p:style>
+          <a:lnRef idx="2">
+            <a:schemeClr val="accent1">
+              <a:shade val="50000"/>
+            </a:schemeClr>
+          </a:lnRef>
+          <a:fillRef idx="1">
+            <a:schemeClr val="accent1"/>
+          </a:fillRef>
+          <a:effectRef idx="0">
+            <a:schemeClr val="accent1"/>
+          </a:effectRef>
+          <a:fontRef idx="minor">
+            <a:schemeClr val="lt1"/>
+          </a:fontRef>
+        </p:style>
+        <p:txBody>
+          <a:bodyPr rtlCol="0" anchor="ctr"/>
+          <a:lstStyle/>
+          <a:p>
+            <a:pPr algn="ctr"/>
+            <a:endParaRPr lang="tr-TR"/>
+          </a:p>
+        </p:txBody>
+      </p:sp>
+      <p:sp>
+        <p:nvSpPr>
+          <p:cNvPr id="33" name="Dikdörtgen 32"/>
+          <p:cNvSpPr/>
+          <p:nvPr/>
+        </p:nvSpPr>
+        <p:spPr>
+          <a:xfrm>
+            <a:off x="3447909" y="2379328"/>
+            <a:ext cx="311972" cy="311972"/>
+          </a:xfrm>
+          <a:prstGeom prst="rect">
+            <a:avLst/>
+          </a:prstGeom>
+          <a:noFill/>
+          <a:ln>
+            <a:solidFill>
+              <a:schemeClr val="bg1">
+                <a:lumMod val="65000"/>
+              </a:schemeClr>
+            </a:solidFill>
+          </a:ln>
+        </p:spPr>
+        <p:style>
+          <a:lnRef idx="2">
+            <a:schemeClr val="accent1">
+              <a:shade val="50000"/>
+            </a:schemeClr>
+          </a:lnRef>
+          <a:fillRef idx="1">
+            <a:schemeClr val="accent1"/>
+          </a:fillRef>
+          <a:effectRef idx="0">
+            <a:schemeClr val="accent1"/>
+          </a:effectRef>
+          <a:fontRef idx="minor">
+            <a:schemeClr val="lt1"/>
+          </a:fontRef>
+        </p:style>
+        <p:txBody>
+          <a:bodyPr rtlCol="0" anchor="ctr"/>
+          <a:lstStyle/>
+          <a:p>
+            <a:pPr algn="ctr"/>
+            <a:endParaRPr lang="tr-TR"/>
+          </a:p>
+        </p:txBody>
+      </p:sp>
+      <p:sp>
+        <p:nvSpPr>
+          <p:cNvPr id="19" name="Dikdörtgen 18"/>
+          <p:cNvSpPr/>
+          <p:nvPr/>
+        </p:nvSpPr>
+        <p:spPr>
+          <a:xfrm>
+            <a:off x="2607019" y="507496"/>
+            <a:ext cx="311972" cy="311972"/>
+          </a:xfrm>
+          <a:prstGeom prst="rect">
+            <a:avLst/>
+          </a:prstGeom>
+          <a:noFill/>
+          <a:ln>
+            <a:solidFill>
+              <a:schemeClr val="bg1">
+                <a:lumMod val="65000"/>
+              </a:schemeClr>
+            </a:solidFill>
+          </a:ln>
+        </p:spPr>
+        <p:style>
+          <a:lnRef idx="2">
+            <a:schemeClr val="accent1">
+              <a:shade val="50000"/>
+            </a:schemeClr>
+          </a:lnRef>
+          <a:fillRef idx="1">
+            <a:schemeClr val="accent1"/>
+          </a:fillRef>
+          <a:effectRef idx="0">
+            <a:schemeClr val="accent1"/>
+          </a:effectRef>
+          <a:fontRef idx="minor">
+            <a:schemeClr val="lt1"/>
+          </a:fontRef>
+        </p:style>
+        <p:txBody>
+          <a:bodyPr rtlCol="0" anchor="ctr"/>
+          <a:lstStyle/>
+          <a:p>
+            <a:pPr algn="ctr"/>
+            <a:endParaRPr lang="tr-TR"/>
+          </a:p>
+        </p:txBody>
+      </p:sp>
+      <p:sp>
+        <p:nvSpPr>
+          <p:cNvPr id="20" name="Dikdörtgen 19"/>
+          <p:cNvSpPr/>
+          <p:nvPr/>
+        </p:nvSpPr>
+        <p:spPr>
+          <a:xfrm>
+            <a:off x="2607019" y="819468"/>
+            <a:ext cx="311972" cy="311972"/>
+          </a:xfrm>
+          <a:prstGeom prst="rect">
+            <a:avLst/>
+          </a:prstGeom>
+          <a:noFill/>
+          <a:ln>
+            <a:solidFill>
+              <a:schemeClr val="bg1">
+                <a:lumMod val="65000"/>
+              </a:schemeClr>
+            </a:solidFill>
+          </a:ln>
+        </p:spPr>
+        <p:style>
+          <a:lnRef idx="2">
+            <a:schemeClr val="accent1">
+              <a:shade val="50000"/>
+            </a:schemeClr>
+          </a:lnRef>
+          <a:fillRef idx="1">
+            <a:schemeClr val="accent1"/>
+          </a:fillRef>
+          <a:effectRef idx="0">
+            <a:schemeClr val="accent1"/>
+          </a:effectRef>
+          <a:fontRef idx="minor">
+            <a:schemeClr val="lt1"/>
+          </a:fontRef>
+        </p:style>
+        <p:txBody>
+          <a:bodyPr rtlCol="0" anchor="ctr"/>
+          <a:lstStyle/>
+          <a:p>
+            <a:pPr algn="ctr"/>
+            <a:endParaRPr lang="tr-TR"/>
+          </a:p>
+        </p:txBody>
+      </p:sp>
+      <p:sp>
+        <p:nvSpPr>
+          <p:cNvPr id="21" name="Dikdörtgen 20"/>
+          <p:cNvSpPr/>
+          <p:nvPr/>
+        </p:nvSpPr>
+        <p:spPr>
+          <a:xfrm>
+            <a:off x="2607019" y="1131440"/>
+            <a:ext cx="311972" cy="311972"/>
+          </a:xfrm>
+          <a:prstGeom prst="rect">
+            <a:avLst/>
+          </a:prstGeom>
+          <a:noFill/>
+          <a:ln>
+            <a:solidFill>
+              <a:schemeClr val="bg1">
+                <a:lumMod val="65000"/>
+              </a:schemeClr>
+            </a:solidFill>
+          </a:ln>
+        </p:spPr>
+        <p:style>
+          <a:lnRef idx="2">
+            <a:schemeClr val="accent1">
+              <a:shade val="50000"/>
+            </a:schemeClr>
+          </a:lnRef>
+          <a:fillRef idx="1">
+            <a:schemeClr val="accent1"/>
+          </a:fillRef>
+          <a:effectRef idx="0">
+            <a:schemeClr val="accent1"/>
+          </a:effectRef>
+          <a:fontRef idx="minor">
+            <a:schemeClr val="lt1"/>
+          </a:fontRef>
+        </p:style>
+        <p:txBody>
+          <a:bodyPr rtlCol="0" anchor="ctr"/>
+          <a:lstStyle/>
+          <a:p>
+            <a:pPr algn="ctr"/>
+            <a:endParaRPr lang="tr-TR"/>
+          </a:p>
+        </p:txBody>
+      </p:sp>
+      <p:sp>
+        <p:nvSpPr>
+          <p:cNvPr id="23" name="Dikdörtgen 22"/>
+          <p:cNvSpPr/>
+          <p:nvPr/>
+        </p:nvSpPr>
+        <p:spPr>
+          <a:xfrm>
+            <a:off x="2607019" y="1755384"/>
+            <a:ext cx="311972" cy="311972"/>
+          </a:xfrm>
+          <a:prstGeom prst="rect">
+            <a:avLst/>
+          </a:prstGeom>
+          <a:noFill/>
+          <a:ln>
+            <a:solidFill>
+              <a:schemeClr val="bg1">
+                <a:lumMod val="65000"/>
+              </a:schemeClr>
+            </a:solidFill>
+          </a:ln>
+        </p:spPr>
+        <p:style>
+          <a:lnRef idx="2">
+            <a:schemeClr val="accent1">
+              <a:shade val="50000"/>
+            </a:schemeClr>
+          </a:lnRef>
+          <a:fillRef idx="1">
+            <a:schemeClr val="accent1"/>
+          </a:fillRef>
+          <a:effectRef idx="0">
+            <a:schemeClr val="accent1"/>
+          </a:effectRef>
+          <a:fontRef idx="minor">
+            <a:schemeClr val="lt1"/>
+          </a:fontRef>
+        </p:style>
+        <p:txBody>
+          <a:bodyPr rtlCol="0" anchor="ctr"/>
+          <a:lstStyle/>
+          <a:p>
+            <a:pPr algn="ctr"/>
+            <a:endParaRPr lang="tr-TR"/>
+          </a:p>
+        </p:txBody>
+      </p:sp>
+      <p:sp>
+        <p:nvSpPr>
+          <p:cNvPr id="24" name="Dikdörtgen 23"/>
+          <p:cNvSpPr/>
+          <p:nvPr/>
+        </p:nvSpPr>
+        <p:spPr>
+          <a:xfrm>
+            <a:off x="2607019" y="2067356"/>
+            <a:ext cx="311972" cy="311972"/>
+          </a:xfrm>
+          <a:prstGeom prst="rect">
+            <a:avLst/>
+          </a:prstGeom>
+          <a:noFill/>
+          <a:ln>
+            <a:solidFill>
+              <a:schemeClr val="bg1">
+                <a:lumMod val="65000"/>
+              </a:schemeClr>
+            </a:solidFill>
+          </a:ln>
+        </p:spPr>
+        <p:style>
+          <a:lnRef idx="2">
+            <a:schemeClr val="accent1">
+              <a:shade val="50000"/>
+            </a:schemeClr>
+          </a:lnRef>
+          <a:fillRef idx="1">
+            <a:schemeClr val="accent1"/>
+          </a:fillRef>
+          <a:effectRef idx="0">
+            <a:schemeClr val="accent1"/>
+          </a:effectRef>
+          <a:fontRef idx="minor">
+            <a:schemeClr val="lt1"/>
+          </a:fontRef>
+        </p:style>
+        <p:txBody>
+          <a:bodyPr rtlCol="0" anchor="ctr"/>
+          <a:lstStyle/>
+          <a:p>
+            <a:pPr algn="ctr"/>
+            <a:endParaRPr lang="tr-TR"/>
+          </a:p>
+        </p:txBody>
+      </p:sp>
+      <p:sp>
+        <p:nvSpPr>
+          <p:cNvPr id="25" name="Dikdörtgen 24"/>
+          <p:cNvSpPr/>
+          <p:nvPr/>
+        </p:nvSpPr>
+        <p:spPr>
+          <a:xfrm>
+            <a:off x="2607019" y="2379328"/>
+            <a:ext cx="311972" cy="311972"/>
+          </a:xfrm>
+          <a:prstGeom prst="rect">
+            <a:avLst/>
+          </a:prstGeom>
+          <a:noFill/>
+          <a:ln>
+            <a:solidFill>
+              <a:schemeClr val="bg1">
+                <a:lumMod val="65000"/>
+              </a:schemeClr>
+            </a:solidFill>
+          </a:ln>
+        </p:spPr>
+        <p:style>
+          <a:lnRef idx="2">
+            <a:schemeClr val="accent1">
+              <a:shade val="50000"/>
+            </a:schemeClr>
+          </a:lnRef>
+          <a:fillRef idx="1">
+            <a:schemeClr val="accent1"/>
+          </a:fillRef>
+          <a:effectRef idx="0">
+            <a:schemeClr val="accent1"/>
+          </a:effectRef>
+          <a:fontRef idx="minor">
+            <a:schemeClr val="lt1"/>
+          </a:fontRef>
+        </p:style>
+        <p:txBody>
+          <a:bodyPr rtlCol="0" anchor="ctr"/>
+          <a:lstStyle/>
+          <a:p>
+            <a:pPr algn="ctr"/>
+            <a:endParaRPr lang="tr-TR"/>
+          </a:p>
+        </p:txBody>
+      </p:sp>
+      <p:sp>
+        <p:nvSpPr>
+          <p:cNvPr id="11" name="Dikdörtgen 10"/>
+          <p:cNvSpPr/>
+          <p:nvPr/>
+        </p:nvSpPr>
+        <p:spPr>
+          <a:xfrm>
+            <a:off x="1766129" y="507496"/>
+            <a:ext cx="311972" cy="311972"/>
+          </a:xfrm>
+          <a:prstGeom prst="rect">
+            <a:avLst/>
+          </a:prstGeom>
+          <a:noFill/>
+          <a:ln>
+            <a:solidFill>
+              <a:schemeClr val="bg1">
+                <a:lumMod val="65000"/>
+              </a:schemeClr>
+            </a:solidFill>
+          </a:ln>
+        </p:spPr>
+        <p:style>
+          <a:lnRef idx="2">
+            <a:schemeClr val="accent1">
+              <a:shade val="50000"/>
+            </a:schemeClr>
+          </a:lnRef>
+          <a:fillRef idx="1">
+            <a:schemeClr val="accent1"/>
+          </a:fillRef>
+          <a:effectRef idx="0">
+            <a:schemeClr val="accent1"/>
+          </a:effectRef>
+          <a:fontRef idx="minor">
+            <a:schemeClr val="lt1"/>
+          </a:fontRef>
+        </p:style>
+        <p:txBody>
+          <a:bodyPr rtlCol="0" anchor="ctr"/>
+          <a:lstStyle/>
+          <a:p>
+            <a:pPr algn="ctr"/>
+            <a:endParaRPr lang="tr-TR"/>
+          </a:p>
+        </p:txBody>
+      </p:sp>
+      <p:sp>
+        <p:nvSpPr>
+          <p:cNvPr id="13" name="Dikdörtgen 12"/>
+          <p:cNvSpPr/>
+          <p:nvPr/>
+        </p:nvSpPr>
+        <p:spPr>
+          <a:xfrm>
+            <a:off x="1766129" y="1131440"/>
+            <a:ext cx="311972" cy="311972"/>
+          </a:xfrm>
+          <a:prstGeom prst="rect">
+            <a:avLst/>
+          </a:prstGeom>
+          <a:noFill/>
+          <a:ln>
+            <a:solidFill>
+              <a:schemeClr val="bg1">
+                <a:lumMod val="65000"/>
+              </a:schemeClr>
+            </a:solidFill>
+          </a:ln>
+        </p:spPr>
+        <p:style>
+          <a:lnRef idx="2">
+            <a:schemeClr val="accent1">
+              <a:shade val="50000"/>
+            </a:schemeClr>
+          </a:lnRef>
+          <a:fillRef idx="1">
+            <a:schemeClr val="accent1"/>
+          </a:fillRef>
+          <a:effectRef idx="0">
+            <a:schemeClr val="accent1"/>
+          </a:effectRef>
+          <a:fontRef idx="minor">
+            <a:schemeClr val="lt1"/>
+          </a:fontRef>
+        </p:style>
+        <p:txBody>
+          <a:bodyPr rtlCol="0" anchor="ctr"/>
+          <a:lstStyle/>
+          <a:p>
+            <a:pPr algn="ctr"/>
+            <a:endParaRPr lang="tr-TR"/>
+          </a:p>
+        </p:txBody>
+      </p:sp>
+      <p:sp>
+        <p:nvSpPr>
+          <p:cNvPr id="15" name="Dikdörtgen 14"/>
+          <p:cNvSpPr/>
+          <p:nvPr/>
+        </p:nvSpPr>
+        <p:spPr>
+          <a:xfrm>
+            <a:off x="1766129" y="1755384"/>
+            <a:ext cx="311972" cy="311972"/>
+          </a:xfrm>
+          <a:prstGeom prst="rect">
+            <a:avLst/>
+          </a:prstGeom>
+          <a:noFill/>
+          <a:ln>
+            <a:solidFill>
+              <a:schemeClr val="bg1">
+                <a:lumMod val="65000"/>
+              </a:schemeClr>
+            </a:solidFill>
+          </a:ln>
+        </p:spPr>
+        <p:style>
+          <a:lnRef idx="2">
+            <a:schemeClr val="accent1">
+              <a:shade val="50000"/>
+            </a:schemeClr>
+          </a:lnRef>
+          <a:fillRef idx="1">
+            <a:schemeClr val="accent1"/>
+          </a:fillRef>
+          <a:effectRef idx="0">
+            <a:schemeClr val="accent1"/>
+          </a:effectRef>
+          <a:fontRef idx="minor">
+            <a:schemeClr val="lt1"/>
+          </a:fontRef>
+        </p:style>
+        <p:txBody>
+          <a:bodyPr rtlCol="0" anchor="ctr"/>
+          <a:lstStyle/>
+          <a:p>
+            <a:pPr algn="ctr"/>
+            <a:endParaRPr lang="tr-TR"/>
+          </a:p>
+        </p:txBody>
+      </p:sp>
+      <p:sp>
+        <p:nvSpPr>
+          <p:cNvPr id="17" name="Dikdörtgen 16"/>
+          <p:cNvSpPr/>
+          <p:nvPr/>
+        </p:nvSpPr>
+        <p:spPr>
+          <a:xfrm>
+            <a:off x="1766129" y="2379328"/>
+            <a:ext cx="311972" cy="311972"/>
+          </a:xfrm>
+          <a:prstGeom prst="rect">
+            <a:avLst/>
+          </a:prstGeom>
+          <a:noFill/>
+          <a:ln>
+            <a:solidFill>
+              <a:schemeClr val="bg1">
+                <a:lumMod val="65000"/>
+              </a:schemeClr>
+            </a:solidFill>
+          </a:ln>
+        </p:spPr>
+        <p:style>
+          <a:lnRef idx="2">
+            <a:schemeClr val="accent1">
+              <a:shade val="50000"/>
+            </a:schemeClr>
+          </a:lnRef>
+          <a:fillRef idx="1">
+            <a:schemeClr val="accent1"/>
+          </a:fillRef>
+          <a:effectRef idx="0">
+            <a:schemeClr val="accent1"/>
+          </a:effectRef>
+          <a:fontRef idx="minor">
+            <a:schemeClr val="lt1"/>
+          </a:fontRef>
+        </p:style>
+        <p:txBody>
+          <a:bodyPr rtlCol="0" anchor="ctr"/>
+          <a:lstStyle/>
+          <a:p>
+            <a:pPr algn="ctr"/>
+            <a:endParaRPr lang="tr-TR"/>
+          </a:p>
+        </p:txBody>
+      </p:sp>
+      <p:pic>
+        <p:nvPicPr>
+          <p:cNvPr id="2" name="Resim 1"/>
+          <p:cNvPicPr>
+            <a:picLocks noChangeAspect="1"/>
+          </p:cNvPicPr>
+          <p:nvPr/>
+        </p:nvPicPr>
+        <p:blipFill>
+          <a:blip r:embed="rId2">
+            <a:extLst>
+              <a:ext uri="{28A0092B-C50C-407E-A947-70E740481C1C}">
+                <a14:useLocalDpi xmlns:a14="http://schemas.microsoft.com/office/drawing/2010/main" val="0"/>
+              </a:ext>
+            </a:extLst>
+          </a:blip>
+          <a:stretch>
+            <a:fillRect/>
+          </a:stretch>
+        </p:blipFill>
+        <p:spPr>
+          <a:xfrm>
             <a:off x="6535711" y="3949303"/>
             <a:ext cx="5422190" cy="2908697"/>
           </a:xfrm>
@@ -11980,10 +12565,9 @@
           <a:lstStyle/>
           <a:p>
             <a:r>
-              <a:rPr lang="tr-TR" sz="1100" dirty="0" smtClean="0"/>
+              <a:rPr lang="tr-TR" sz="1100" dirty="0"/>
               <a:t>0</a:t>
             </a:r>
-            <a:endParaRPr lang="tr-TR" sz="1100" dirty="0"/>
           </a:p>
         </p:txBody>
       </p:sp>
@@ -12010,10 +12594,9 @@
           <a:lstStyle/>
           <a:p>
             <a:r>
-              <a:rPr lang="tr-TR" sz="1100" dirty="0" smtClean="0"/>
+              <a:rPr lang="tr-TR" sz="1100" dirty="0"/>
               <a:t>1</a:t>
             </a:r>
-            <a:endParaRPr lang="tr-TR" sz="1100" dirty="0"/>
           </a:p>
         </p:txBody>
       </p:sp>
@@ -12040,10 +12623,9 @@
           <a:lstStyle/>
           <a:p>
             <a:r>
-              <a:rPr lang="tr-TR" sz="1100" dirty="0" smtClean="0"/>
+              <a:rPr lang="tr-TR" sz="1100" dirty="0"/>
               <a:t>2</a:t>
             </a:r>
-            <a:endParaRPr lang="tr-TR" sz="1100" dirty="0"/>
           </a:p>
         </p:txBody>
       </p:sp>
@@ -12070,10 +12652,9 @@
           <a:lstStyle/>
           <a:p>
             <a:r>
-              <a:rPr lang="tr-TR" sz="1100" dirty="0" smtClean="0"/>
+              <a:rPr lang="tr-TR" sz="1100" dirty="0"/>
               <a:t>3</a:t>
             </a:r>
-            <a:endParaRPr lang="tr-TR" sz="1100" dirty="0"/>
           </a:p>
         </p:txBody>
       </p:sp>
@@ -12100,10 +12681,9 @@
           <a:lstStyle/>
           <a:p>
             <a:r>
-              <a:rPr lang="tr-TR" sz="1100" dirty="0" smtClean="0"/>
+              <a:rPr lang="tr-TR" sz="1100" dirty="0"/>
               <a:t>4</a:t>
             </a:r>
-            <a:endParaRPr lang="tr-TR" sz="1100" dirty="0"/>
           </a:p>
         </p:txBody>
       </p:sp>
@@ -12130,10 +12710,9 @@
           <a:lstStyle/>
           <a:p>
             <a:r>
-              <a:rPr lang="tr-TR" sz="1100" dirty="0" smtClean="0"/>
+              <a:rPr lang="tr-TR" sz="1100" dirty="0"/>
               <a:t>5</a:t>
             </a:r>
-            <a:endParaRPr lang="tr-TR" sz="1100" dirty="0"/>
           </a:p>
         </p:txBody>
       </p:sp>
@@ -12160,10 +12739,9 @@
           <a:lstStyle/>
           <a:p>
             <a:r>
-              <a:rPr lang="tr-TR" sz="1100" dirty="0" smtClean="0"/>
+              <a:rPr lang="tr-TR" sz="1100" dirty="0"/>
               <a:t>6</a:t>
             </a:r>
-            <a:endParaRPr lang="tr-TR" sz="1100" dirty="0"/>
           </a:p>
         </p:txBody>
       </p:sp>
@@ -12190,10 +12768,9 @@
           <a:lstStyle/>
           <a:p>
             <a:r>
-              <a:rPr lang="tr-TR" sz="1100" dirty="0" smtClean="0"/>
+              <a:rPr lang="tr-TR" sz="1100" dirty="0"/>
               <a:t>7</a:t>
             </a:r>
-            <a:endParaRPr lang="tr-TR" sz="1100" dirty="0"/>
           </a:p>
         </p:txBody>
       </p:sp>
@@ -12223,7 +12800,7 @@
           <a:lstStyle/>
           <a:p>
             <a:r>
-              <a:rPr lang="tr-TR" sz="1100" dirty="0" smtClean="0">
+              <a:rPr lang="tr-TR" sz="1100" dirty="0">
                 <a:solidFill>
                   <a:schemeClr val="bg1">
                     <a:lumMod val="65000"/>
@@ -12232,13 +12809,6 @@
               </a:rPr>
               <a:t>0</a:t>
             </a:r>
-            <a:endParaRPr lang="tr-TR" sz="1100" dirty="0">
-              <a:solidFill>
-                <a:schemeClr val="bg1">
-                  <a:lumMod val="65000"/>
-                </a:schemeClr>
-              </a:solidFill>
-            </a:endParaRPr>
           </a:p>
         </p:txBody>
       </p:sp>
@@ -12265,10 +12835,9 @@
           <a:lstStyle/>
           <a:p>
             <a:r>
-              <a:rPr lang="tr-TR" sz="1100" dirty="0" smtClean="0"/>
+              <a:rPr lang="tr-TR" sz="1100" dirty="0"/>
               <a:t>1</a:t>
             </a:r>
-            <a:endParaRPr lang="tr-TR" sz="1100" dirty="0"/>
           </a:p>
         </p:txBody>
       </p:sp>
@@ -12298,7 +12867,7 @@
           <a:lstStyle/>
           <a:p>
             <a:r>
-              <a:rPr lang="tr-TR" sz="1100" dirty="0" smtClean="0">
+              <a:rPr lang="tr-TR" sz="1100" dirty="0">
                 <a:solidFill>
                   <a:schemeClr val="bg1">
                     <a:lumMod val="65000"/>
@@ -12307,13 +12876,6 @@
               </a:rPr>
               <a:t>2</a:t>
             </a:r>
-            <a:endParaRPr lang="tr-TR" sz="1100" dirty="0">
-              <a:solidFill>
-                <a:schemeClr val="bg1">
-                  <a:lumMod val="65000"/>
-                </a:schemeClr>
-              </a:solidFill>
-            </a:endParaRPr>
           </a:p>
         </p:txBody>
       </p:sp>
@@ -12340,10 +12902,9 @@
           <a:lstStyle/>
           <a:p>
             <a:r>
-              <a:rPr lang="tr-TR" sz="1100" dirty="0" smtClean="0"/>
+              <a:rPr lang="tr-TR" sz="1100" dirty="0"/>
               <a:t>3</a:t>
             </a:r>
-            <a:endParaRPr lang="tr-TR" sz="1100" dirty="0"/>
           </a:p>
         </p:txBody>
       </p:sp>
@@ -12373,7 +12934,7 @@
           <a:lstStyle/>
           <a:p>
             <a:r>
-              <a:rPr lang="tr-TR" sz="1100" dirty="0" smtClean="0">
+              <a:rPr lang="tr-TR" sz="1100" dirty="0">
                 <a:solidFill>
                   <a:schemeClr val="bg1">
                     <a:lumMod val="65000"/>
@@ -12382,13 +12943,6 @@
               </a:rPr>
               <a:t>4</a:t>
             </a:r>
-            <a:endParaRPr lang="tr-TR" sz="1100" dirty="0">
-              <a:solidFill>
-                <a:schemeClr val="bg1">
-                  <a:lumMod val="65000"/>
-                </a:schemeClr>
-              </a:solidFill>
-            </a:endParaRPr>
           </a:p>
         </p:txBody>
       </p:sp>
@@ -12415,10 +12969,9 @@
           <a:lstStyle/>
           <a:p>
             <a:r>
-              <a:rPr lang="tr-TR" sz="1100" dirty="0" smtClean="0"/>
+              <a:rPr lang="tr-TR" sz="1100" dirty="0"/>
               <a:t>5</a:t>
             </a:r>
-            <a:endParaRPr lang="tr-TR" sz="1100" dirty="0"/>
           </a:p>
         </p:txBody>
       </p:sp>
@@ -12448,7 +13001,7 @@
           <a:lstStyle/>
           <a:p>
             <a:r>
-              <a:rPr lang="tr-TR" sz="1100" dirty="0" smtClean="0">
+              <a:rPr lang="tr-TR" sz="1100" dirty="0">
                 <a:solidFill>
                   <a:schemeClr val="bg1">
                     <a:lumMod val="65000"/>
@@ -12457,13 +13010,6 @@
               </a:rPr>
               <a:t>6</a:t>
             </a:r>
-            <a:endParaRPr lang="tr-TR" sz="1100" dirty="0">
-              <a:solidFill>
-                <a:schemeClr val="bg1">
-                  <a:lumMod val="65000"/>
-                </a:schemeClr>
-              </a:solidFill>
-            </a:endParaRPr>
           </a:p>
         </p:txBody>
       </p:sp>
@@ -12490,10 +13036,9 @@
           <a:lstStyle/>
           <a:p>
             <a:r>
-              <a:rPr lang="tr-TR" sz="1100" dirty="0" smtClean="0"/>
+              <a:rPr lang="tr-TR" sz="1100" dirty="0"/>
               <a:t>7</a:t>
             </a:r>
-            <a:endParaRPr lang="tr-TR" sz="1100" dirty="0"/>
           </a:p>
         </p:txBody>
       </p:sp>
@@ -12523,7 +13068,7 @@
           <a:lstStyle/>
           <a:p>
             <a:r>
-              <a:rPr lang="tr-TR" sz="1100" dirty="0" smtClean="0">
+              <a:rPr lang="tr-TR" sz="1100" dirty="0">
                 <a:solidFill>
                   <a:schemeClr val="bg1">
                     <a:lumMod val="65000"/>
@@ -12532,13 +13077,6 @@
               </a:rPr>
               <a:t>0</a:t>
             </a:r>
-            <a:endParaRPr lang="tr-TR" sz="1100" dirty="0">
-              <a:solidFill>
-                <a:schemeClr val="bg1">
-                  <a:lumMod val="65000"/>
-                </a:schemeClr>
-              </a:solidFill>
-            </a:endParaRPr>
           </a:p>
         </p:txBody>
       </p:sp>
@@ -12568,7 +13106,7 @@
           <a:lstStyle/>
           <a:p>
             <a:r>
-              <a:rPr lang="tr-TR" sz="1100" dirty="0" smtClean="0">
+              <a:rPr lang="tr-TR" sz="1100" dirty="0">
                 <a:solidFill>
                   <a:schemeClr val="bg1">
                     <a:lumMod val="65000"/>
@@ -12577,13 +13115,6 @@
               </a:rPr>
               <a:t>1</a:t>
             </a:r>
-            <a:endParaRPr lang="tr-TR" sz="1100" dirty="0">
-              <a:solidFill>
-                <a:schemeClr val="bg1">
-                  <a:lumMod val="65000"/>
-                </a:schemeClr>
-              </a:solidFill>
-            </a:endParaRPr>
           </a:p>
         </p:txBody>
       </p:sp>
@@ -12613,7 +13144,7 @@
           <a:lstStyle/>
           <a:p>
             <a:r>
-              <a:rPr lang="tr-TR" sz="1100" dirty="0" smtClean="0">
+              <a:rPr lang="tr-TR" sz="1100" dirty="0">
                 <a:solidFill>
                   <a:schemeClr val="bg1">
                     <a:lumMod val="65000"/>
@@ -12622,13 +13153,6 @@
               </a:rPr>
               <a:t>2</a:t>
             </a:r>
-            <a:endParaRPr lang="tr-TR" sz="1100" dirty="0">
-              <a:solidFill>
-                <a:schemeClr val="bg1">
-                  <a:lumMod val="65000"/>
-                </a:schemeClr>
-              </a:solidFill>
-            </a:endParaRPr>
           </a:p>
         </p:txBody>
       </p:sp>
@@ -12655,10 +13179,9 @@
           <a:lstStyle/>
           <a:p>
             <a:r>
-              <a:rPr lang="tr-TR" sz="1100" dirty="0" smtClean="0"/>
+              <a:rPr lang="tr-TR" sz="1100" dirty="0"/>
               <a:t>3</a:t>
             </a:r>
-            <a:endParaRPr lang="tr-TR" sz="1100" dirty="0"/>
           </a:p>
         </p:txBody>
       </p:sp>
@@ -12688,7 +13211,7 @@
           <a:lstStyle/>
           <a:p>
             <a:r>
-              <a:rPr lang="tr-TR" sz="1100" dirty="0" smtClean="0">
+              <a:rPr lang="tr-TR" sz="1100" dirty="0">
                 <a:solidFill>
                   <a:schemeClr val="bg1">
                     <a:lumMod val="65000"/>
@@ -12697,13 +13220,6 @@
               </a:rPr>
               <a:t>4</a:t>
             </a:r>
-            <a:endParaRPr lang="tr-TR" sz="1100" dirty="0">
-              <a:solidFill>
-                <a:schemeClr val="bg1">
-                  <a:lumMod val="65000"/>
-                </a:schemeClr>
-              </a:solidFill>
-            </a:endParaRPr>
           </a:p>
         </p:txBody>
       </p:sp>
@@ -12733,7 +13249,7 @@
           <a:lstStyle/>
           <a:p>
             <a:r>
-              <a:rPr lang="tr-TR" sz="1100" dirty="0" smtClean="0">
+              <a:rPr lang="tr-TR" sz="1100" dirty="0">
                 <a:solidFill>
                   <a:schemeClr val="bg1">
                     <a:lumMod val="65000"/>
@@ -12742,13 +13258,6 @@
               </a:rPr>
               <a:t>5</a:t>
             </a:r>
-            <a:endParaRPr lang="tr-TR" sz="1100" dirty="0">
-              <a:solidFill>
-                <a:schemeClr val="bg1">
-                  <a:lumMod val="65000"/>
-                </a:schemeClr>
-              </a:solidFill>
-            </a:endParaRPr>
           </a:p>
         </p:txBody>
       </p:sp>
@@ -12778,7 +13287,7 @@
           <a:lstStyle/>
           <a:p>
             <a:r>
-              <a:rPr lang="tr-TR" sz="1100" dirty="0" smtClean="0">
+              <a:rPr lang="tr-TR" sz="1100" dirty="0">
                 <a:solidFill>
                   <a:schemeClr val="bg1">
                     <a:lumMod val="65000"/>
@@ -12787,13 +13296,6 @@
               </a:rPr>
               <a:t>6</a:t>
             </a:r>
-            <a:endParaRPr lang="tr-TR" sz="1100" dirty="0">
-              <a:solidFill>
-                <a:schemeClr val="bg1">
-                  <a:lumMod val="65000"/>
-                </a:schemeClr>
-              </a:solidFill>
-            </a:endParaRPr>
           </a:p>
         </p:txBody>
       </p:sp>
@@ -12820,10 +13322,9 @@
           <a:lstStyle/>
           <a:p>
             <a:r>
-              <a:rPr lang="tr-TR" sz="1100" dirty="0" smtClean="0"/>
+              <a:rPr lang="tr-TR" sz="1100" dirty="0"/>
               <a:t>7</a:t>
             </a:r>
-            <a:endParaRPr lang="tr-TR" sz="1100" dirty="0"/>
           </a:p>
         </p:txBody>
       </p:sp>
@@ -12853,7 +13354,7 @@
           <a:lstStyle/>
           <a:p>
             <a:r>
-              <a:rPr lang="tr-TR" sz="1100" dirty="0" smtClean="0">
+              <a:rPr lang="tr-TR" sz="1100" dirty="0">
                 <a:solidFill>
                   <a:schemeClr val="bg1">
                     <a:lumMod val="65000"/>
@@ -12862,13 +13363,6 @@
               </a:rPr>
               <a:t>0</a:t>
             </a:r>
-            <a:endParaRPr lang="tr-TR" sz="1100" dirty="0">
-              <a:solidFill>
-                <a:schemeClr val="bg1">
-                  <a:lumMod val="65000"/>
-                </a:schemeClr>
-              </a:solidFill>
-            </a:endParaRPr>
           </a:p>
         </p:txBody>
       </p:sp>
@@ -12898,7 +13392,7 @@
           <a:lstStyle/>
           <a:p>
             <a:r>
-              <a:rPr lang="tr-TR" sz="1100" dirty="0" smtClean="0">
+              <a:rPr lang="tr-TR" sz="1100" dirty="0">
                 <a:solidFill>
                   <a:schemeClr val="bg1">
                     <a:lumMod val="65000"/>
@@ -12907,13 +13401,6 @@
               </a:rPr>
               <a:t>1</a:t>
             </a:r>
-            <a:endParaRPr lang="tr-TR" sz="1100" dirty="0">
-              <a:solidFill>
-                <a:schemeClr val="bg1">
-                  <a:lumMod val="65000"/>
-                </a:schemeClr>
-              </a:solidFill>
-            </a:endParaRPr>
           </a:p>
         </p:txBody>
       </p:sp>
@@ -12943,7 +13430,7 @@
           <a:lstStyle/>
           <a:p>
             <a:r>
-              <a:rPr lang="tr-TR" sz="1100" dirty="0" smtClean="0">
+              <a:rPr lang="tr-TR" sz="1100" dirty="0">
                 <a:solidFill>
                   <a:schemeClr val="bg1">
                     <a:lumMod val="65000"/>
@@ -12952,13 +13439,6 @@
               </a:rPr>
               <a:t>2</a:t>
             </a:r>
-            <a:endParaRPr lang="tr-TR" sz="1100" dirty="0">
-              <a:solidFill>
-                <a:schemeClr val="bg1">
-                  <a:lumMod val="65000"/>
-                </a:schemeClr>
-              </a:solidFill>
-            </a:endParaRPr>
           </a:p>
         </p:txBody>
       </p:sp>
@@ -12988,7 +13468,7 @@
           <a:lstStyle/>
           <a:p>
             <a:r>
-              <a:rPr lang="tr-TR" sz="1100" dirty="0" smtClean="0">
+              <a:rPr lang="tr-TR" sz="1100" dirty="0">
                 <a:solidFill>
                   <a:schemeClr val="bg1">
                     <a:lumMod val="65000"/>
@@ -12997,13 +13477,6 @@
               </a:rPr>
               <a:t>3</a:t>
             </a:r>
-            <a:endParaRPr lang="tr-TR" sz="1100" dirty="0">
-              <a:solidFill>
-                <a:schemeClr val="bg1">
-                  <a:lumMod val="65000"/>
-                </a:schemeClr>
-              </a:solidFill>
-            </a:endParaRPr>
           </a:p>
         </p:txBody>
       </p:sp>
@@ -13033,7 +13506,7 @@
           <a:lstStyle/>
           <a:p>
             <a:r>
-              <a:rPr lang="tr-TR" sz="1100" dirty="0" smtClean="0">
+              <a:rPr lang="tr-TR" sz="1100" dirty="0">
                 <a:solidFill>
                   <a:schemeClr val="bg1">
                     <a:lumMod val="65000"/>
@@ -13042,13 +13515,6 @@
               </a:rPr>
               <a:t>4</a:t>
             </a:r>
-            <a:endParaRPr lang="tr-TR" sz="1100" dirty="0">
-              <a:solidFill>
-                <a:schemeClr val="bg1">
-                  <a:lumMod val="65000"/>
-                </a:schemeClr>
-              </a:solidFill>
-            </a:endParaRPr>
           </a:p>
         </p:txBody>
       </p:sp>
@@ -13078,7 +13544,7 @@
           <a:lstStyle/>
           <a:p>
             <a:r>
-              <a:rPr lang="tr-TR" sz="1100" dirty="0" smtClean="0">
+              <a:rPr lang="tr-TR" sz="1100" dirty="0">
                 <a:solidFill>
                   <a:schemeClr val="bg1">
                     <a:lumMod val="65000"/>
@@ -13087,13 +13553,6 @@
               </a:rPr>
               <a:t>5</a:t>
             </a:r>
-            <a:endParaRPr lang="tr-TR" sz="1100" dirty="0">
-              <a:solidFill>
-                <a:schemeClr val="bg1">
-                  <a:lumMod val="65000"/>
-                </a:schemeClr>
-              </a:solidFill>
-            </a:endParaRPr>
           </a:p>
         </p:txBody>
       </p:sp>
@@ -13123,7 +13582,7 @@
           <a:lstStyle/>
           <a:p>
             <a:r>
-              <a:rPr lang="tr-TR" sz="1100" dirty="0" smtClean="0">
+              <a:rPr lang="tr-TR" sz="1100" dirty="0">
                 <a:solidFill>
                   <a:schemeClr val="bg1">
                     <a:lumMod val="65000"/>
@@ -13132,13 +13591,6 @@
               </a:rPr>
               <a:t>6</a:t>
             </a:r>
-            <a:endParaRPr lang="tr-TR" sz="1100" dirty="0">
-              <a:solidFill>
-                <a:schemeClr val="bg1">
-                  <a:lumMod val="65000"/>
-                </a:schemeClr>
-              </a:solidFill>
-            </a:endParaRPr>
           </a:p>
         </p:txBody>
       </p:sp>
@@ -13165,10 +13617,9 @@
           <a:lstStyle/>
           <a:p>
             <a:r>
-              <a:rPr lang="tr-TR" sz="1100" dirty="0" smtClean="0"/>
+              <a:rPr lang="tr-TR" sz="1100" dirty="0"/>
               <a:t>7</a:t>
             </a:r>
-            <a:endParaRPr lang="tr-TR" sz="1100" dirty="0"/>
           </a:p>
         </p:txBody>
       </p:sp>
@@ -14797,8 +15248,8 @@
           </a:fontRef>
         </p:style>
       </p:cxnSp>
-      <mc:AlternateContent xmlns:mc="http://schemas.openxmlformats.org/markup-compatibility/2006">
-        <mc:Choice xmlns:a14="http://schemas.microsoft.com/office/drawing/2010/main" Requires="a14">
+      <mc:AlternateContent xmlns:mc="http://schemas.openxmlformats.org/markup-compatibility/2006" xmlns:a14="http://schemas.microsoft.com/office/drawing/2010/main">
+        <mc:Choice Requires="a14">
           <p:sp>
             <p:nvSpPr>
               <p:cNvPr id="35" name="TextBox 34"/>
@@ -14821,6 +15272,7 @@
               </a:bodyPr>
               <a:lstStyle/>
               <a:p>
+                <a:pPr/>
                 <a14:m>
                   <m:oMathPara xmlns:m="http://schemas.openxmlformats.org/officeDocument/2006/math">
                     <m:oMathParaPr>
@@ -14860,7 +15312,7 @@
             </p:txBody>
           </p:sp>
         </mc:Choice>
-        <mc:Fallback>
+        <mc:Fallback xmlns="">
           <p:sp>
             <p:nvSpPr>
               <p:cNvPr id="35" name="TextBox 34"/>
@@ -14899,8 +15351,8 @@
           </p:sp>
         </mc:Fallback>
       </mc:AlternateContent>
-      <mc:AlternateContent xmlns:mc="http://schemas.openxmlformats.org/markup-compatibility/2006">
-        <mc:Choice xmlns:a14="http://schemas.microsoft.com/office/drawing/2010/main" Requires="a14">
+      <mc:AlternateContent xmlns:mc="http://schemas.openxmlformats.org/markup-compatibility/2006" xmlns:a14="http://schemas.microsoft.com/office/drawing/2010/main">
+        <mc:Choice Requires="a14">
           <p:sp>
             <p:nvSpPr>
               <p:cNvPr id="128" name="TextBox 127"/>
@@ -14923,6 +15375,7 @@
               </a:bodyPr>
               <a:lstStyle/>
               <a:p>
+                <a:pPr/>
                 <a14:m>
                   <m:oMathPara xmlns:m="http://schemas.openxmlformats.org/officeDocument/2006/math">
                     <m:oMathParaPr>
@@ -14962,7 +15415,7 @@
             </p:txBody>
           </p:sp>
         </mc:Choice>
-        <mc:Fallback>
+        <mc:Fallback xmlns="">
           <p:sp>
             <p:nvSpPr>
               <p:cNvPr id="128" name="TextBox 127"/>
@@ -15001,8 +15454,8 @@
           </p:sp>
         </mc:Fallback>
       </mc:AlternateContent>
-      <mc:AlternateContent xmlns:mc="http://schemas.openxmlformats.org/markup-compatibility/2006">
-        <mc:Choice xmlns:a14="http://schemas.microsoft.com/office/drawing/2010/main" Requires="a14">
+      <mc:AlternateContent xmlns:mc="http://schemas.openxmlformats.org/markup-compatibility/2006" xmlns:a14="http://schemas.microsoft.com/office/drawing/2010/main">
+        <mc:Choice Requires="a14">
           <p:sp>
             <p:nvSpPr>
               <p:cNvPr id="129" name="TextBox 128"/>
@@ -15025,6 +15478,7 @@
               </a:bodyPr>
               <a:lstStyle/>
               <a:p>
+                <a:pPr/>
                 <a14:m>
                   <m:oMathPara xmlns:m="http://schemas.openxmlformats.org/officeDocument/2006/math">
                     <m:oMathParaPr>
@@ -15064,7 +15518,7 @@
             </p:txBody>
           </p:sp>
         </mc:Choice>
-        <mc:Fallback>
+        <mc:Fallback xmlns="">
           <p:sp>
             <p:nvSpPr>
               <p:cNvPr id="129" name="TextBox 128"/>
@@ -15103,8 +15557,8 @@
           </p:sp>
         </mc:Fallback>
       </mc:AlternateContent>
-      <mc:AlternateContent xmlns:mc="http://schemas.openxmlformats.org/markup-compatibility/2006">
-        <mc:Choice xmlns:a14="http://schemas.microsoft.com/office/drawing/2010/main" Requires="a14">
+      <mc:AlternateContent xmlns:mc="http://schemas.openxmlformats.org/markup-compatibility/2006" xmlns:a14="http://schemas.microsoft.com/office/drawing/2010/main">
+        <mc:Choice Requires="a14">
           <p:sp>
             <p:nvSpPr>
               <p:cNvPr id="130" name="TextBox 129"/>
@@ -15127,6 +15581,7 @@
               </a:bodyPr>
               <a:lstStyle/>
               <a:p>
+                <a:pPr/>
                 <a14:m>
                   <m:oMathPara xmlns:m="http://schemas.openxmlformats.org/officeDocument/2006/math">
                     <m:oMathParaPr>
@@ -15166,7 +15621,7 @@
             </p:txBody>
           </p:sp>
         </mc:Choice>
-        <mc:Fallback>
+        <mc:Fallback xmlns="">
           <p:sp>
             <p:nvSpPr>
               <p:cNvPr id="130" name="TextBox 129"/>
@@ -15205,8 +15660,8 @@
           </p:sp>
         </mc:Fallback>
       </mc:AlternateContent>
-      <mc:AlternateContent xmlns:mc="http://schemas.openxmlformats.org/markup-compatibility/2006">
-        <mc:Choice xmlns:a14="http://schemas.microsoft.com/office/drawing/2010/main" Requires="a14">
+      <mc:AlternateContent xmlns:mc="http://schemas.openxmlformats.org/markup-compatibility/2006" xmlns:a14="http://schemas.microsoft.com/office/drawing/2010/main">
+        <mc:Choice Requires="a14">
           <p:sp>
             <p:nvSpPr>
               <p:cNvPr id="131" name="TextBox 130"/>
@@ -15229,6 +15684,7 @@
               </a:bodyPr>
               <a:lstStyle/>
               <a:p>
+                <a:pPr/>
                 <a14:m>
                   <m:oMathPara xmlns:m="http://schemas.openxmlformats.org/officeDocument/2006/math">
                     <m:oMathParaPr>
@@ -15268,7 +15724,7 @@
             </p:txBody>
           </p:sp>
         </mc:Choice>
-        <mc:Fallback>
+        <mc:Fallback xmlns="">
           <p:sp>
             <p:nvSpPr>
               <p:cNvPr id="131" name="TextBox 130"/>
@@ -15307,8 +15763,8 @@
           </p:sp>
         </mc:Fallback>
       </mc:AlternateContent>
-      <mc:AlternateContent xmlns:mc="http://schemas.openxmlformats.org/markup-compatibility/2006">
-        <mc:Choice xmlns:a14="http://schemas.microsoft.com/office/drawing/2010/main" Requires="a14">
+      <mc:AlternateContent xmlns:mc="http://schemas.openxmlformats.org/markup-compatibility/2006" xmlns:a14="http://schemas.microsoft.com/office/drawing/2010/main">
+        <mc:Choice Requires="a14">
           <p:sp>
             <p:nvSpPr>
               <p:cNvPr id="132" name="TextBox 131"/>
@@ -15331,6 +15787,7 @@
               </a:bodyPr>
               <a:lstStyle/>
               <a:p>
+                <a:pPr/>
                 <a14:m>
                   <m:oMathPara xmlns:m="http://schemas.openxmlformats.org/officeDocument/2006/math">
                     <m:oMathParaPr>
@@ -15370,7 +15827,7 @@
             </p:txBody>
           </p:sp>
         </mc:Choice>
-        <mc:Fallback>
+        <mc:Fallback xmlns="">
           <p:sp>
             <p:nvSpPr>
               <p:cNvPr id="132" name="TextBox 131"/>
@@ -15409,8 +15866,8 @@
           </p:sp>
         </mc:Fallback>
       </mc:AlternateContent>
-      <mc:AlternateContent xmlns:mc="http://schemas.openxmlformats.org/markup-compatibility/2006">
-        <mc:Choice xmlns:a14="http://schemas.microsoft.com/office/drawing/2010/main" Requires="a14">
+      <mc:AlternateContent xmlns:mc="http://schemas.openxmlformats.org/markup-compatibility/2006" xmlns:a14="http://schemas.microsoft.com/office/drawing/2010/main">
+        <mc:Choice Requires="a14">
           <p:sp>
             <p:nvSpPr>
               <p:cNvPr id="133" name="TextBox 132"/>
@@ -15433,6 +15890,7 @@
               </a:bodyPr>
               <a:lstStyle/>
               <a:p>
+                <a:pPr/>
                 <a14:m>
                   <m:oMathPara xmlns:m="http://schemas.openxmlformats.org/officeDocument/2006/math">
                     <m:oMathParaPr>
@@ -15472,7 +15930,7 @@
             </p:txBody>
           </p:sp>
         </mc:Choice>
-        <mc:Fallback>
+        <mc:Fallback xmlns="">
           <p:sp>
             <p:nvSpPr>
               <p:cNvPr id="133" name="TextBox 132"/>
@@ -15511,8 +15969,8 @@
           </p:sp>
         </mc:Fallback>
       </mc:AlternateContent>
-      <mc:AlternateContent xmlns:mc="http://schemas.openxmlformats.org/markup-compatibility/2006">
-        <mc:Choice xmlns:a14="http://schemas.microsoft.com/office/drawing/2010/main" Requires="a14">
+      <mc:AlternateContent xmlns:mc="http://schemas.openxmlformats.org/markup-compatibility/2006" xmlns:a14="http://schemas.microsoft.com/office/drawing/2010/main">
+        <mc:Choice Requires="a14">
           <p:sp>
             <p:nvSpPr>
               <p:cNvPr id="135" name="TextBox 134"/>
@@ -15535,6 +15993,7 @@
               </a:bodyPr>
               <a:lstStyle/>
               <a:p>
+                <a:pPr/>
                 <a14:m>
                   <m:oMathPara xmlns:m="http://schemas.openxmlformats.org/officeDocument/2006/math">
                     <m:oMathParaPr>
@@ -15574,7 +16033,7 @@
             </p:txBody>
           </p:sp>
         </mc:Choice>
-        <mc:Fallback>
+        <mc:Fallback xmlns="">
           <p:sp>
             <p:nvSpPr>
               <p:cNvPr id="135" name="TextBox 134"/>
@@ -15613,8 +16072,8 @@
           </p:sp>
         </mc:Fallback>
       </mc:AlternateContent>
-      <mc:AlternateContent xmlns:mc="http://schemas.openxmlformats.org/markup-compatibility/2006">
-        <mc:Choice xmlns:a14="http://schemas.microsoft.com/office/drawing/2010/main" Requires="a14">
+      <mc:AlternateContent xmlns:mc="http://schemas.openxmlformats.org/markup-compatibility/2006" xmlns:a14="http://schemas.microsoft.com/office/drawing/2010/main">
+        <mc:Choice Requires="a14">
           <p:sp>
             <p:nvSpPr>
               <p:cNvPr id="136" name="TextBox 135"/>
@@ -15637,6 +16096,7 @@
               </a:bodyPr>
               <a:lstStyle/>
               <a:p>
+                <a:pPr/>
                 <a14:m>
                   <m:oMathPara xmlns:m="http://schemas.openxmlformats.org/officeDocument/2006/math">
                     <m:oMathParaPr>
@@ -15676,7 +16136,7 @@
             </p:txBody>
           </p:sp>
         </mc:Choice>
-        <mc:Fallback>
+        <mc:Fallback xmlns="">
           <p:sp>
             <p:nvSpPr>
               <p:cNvPr id="136" name="TextBox 135"/>
@@ -15715,8 +16175,8 @@
           </p:sp>
         </mc:Fallback>
       </mc:AlternateContent>
-      <mc:AlternateContent xmlns:mc="http://schemas.openxmlformats.org/markup-compatibility/2006">
-        <mc:Choice xmlns:a14="http://schemas.microsoft.com/office/drawing/2010/main" Requires="a14">
+      <mc:AlternateContent xmlns:mc="http://schemas.openxmlformats.org/markup-compatibility/2006" xmlns:a14="http://schemas.microsoft.com/office/drawing/2010/main">
+        <mc:Choice Requires="a14">
           <p:sp>
             <p:nvSpPr>
               <p:cNvPr id="137" name="TextBox 136"/>
@@ -15739,6 +16199,7 @@
               </a:bodyPr>
               <a:lstStyle/>
               <a:p>
+                <a:pPr/>
                 <a14:m>
                   <m:oMathPara xmlns:m="http://schemas.openxmlformats.org/officeDocument/2006/math">
                     <m:oMathParaPr>
@@ -15778,7 +16239,7 @@
             </p:txBody>
           </p:sp>
         </mc:Choice>
-        <mc:Fallback>
+        <mc:Fallback xmlns="">
           <p:sp>
             <p:nvSpPr>
               <p:cNvPr id="137" name="TextBox 136"/>
@@ -15817,8 +16278,8 @@
           </p:sp>
         </mc:Fallback>
       </mc:AlternateContent>
-      <mc:AlternateContent xmlns:mc="http://schemas.openxmlformats.org/markup-compatibility/2006">
-        <mc:Choice xmlns:a14="http://schemas.microsoft.com/office/drawing/2010/main" Requires="a14">
+      <mc:AlternateContent xmlns:mc="http://schemas.openxmlformats.org/markup-compatibility/2006" xmlns:a14="http://schemas.microsoft.com/office/drawing/2010/main">
+        <mc:Choice Requires="a14">
           <p:sp>
             <p:nvSpPr>
               <p:cNvPr id="138" name="TextBox 137"/>
@@ -15841,6 +16302,7 @@
               </a:bodyPr>
               <a:lstStyle/>
               <a:p>
+                <a:pPr/>
                 <a14:m>
                   <m:oMathPara xmlns:m="http://schemas.openxmlformats.org/officeDocument/2006/math">
                     <m:oMathParaPr>
@@ -15880,7 +16342,7 @@
             </p:txBody>
           </p:sp>
         </mc:Choice>
-        <mc:Fallback>
+        <mc:Fallback xmlns="">
           <p:sp>
             <p:nvSpPr>
               <p:cNvPr id="138" name="TextBox 137"/>
@@ -15919,8 +16381,8 @@
           </p:sp>
         </mc:Fallback>
       </mc:AlternateContent>
-      <mc:AlternateContent xmlns:mc="http://schemas.openxmlformats.org/markup-compatibility/2006">
-        <mc:Choice xmlns:a14="http://schemas.microsoft.com/office/drawing/2010/main" Requires="a14">
+      <mc:AlternateContent xmlns:mc="http://schemas.openxmlformats.org/markup-compatibility/2006" xmlns:a14="http://schemas.microsoft.com/office/drawing/2010/main">
+        <mc:Choice Requires="a14">
           <p:sp>
             <p:nvSpPr>
               <p:cNvPr id="139" name="TextBox 138"/>
@@ -15943,6 +16405,7 @@
               </a:bodyPr>
               <a:lstStyle/>
               <a:p>
+                <a:pPr/>
                 <a14:m>
                   <m:oMathPara xmlns:m="http://schemas.openxmlformats.org/officeDocument/2006/math">
                     <m:oMathParaPr>
@@ -15982,7 +16445,7 @@
             </p:txBody>
           </p:sp>
         </mc:Choice>
-        <mc:Fallback>
+        <mc:Fallback xmlns="">
           <p:sp>
             <p:nvSpPr>
               <p:cNvPr id="139" name="TextBox 138"/>
@@ -16021,8 +16484,8 @@
           </p:sp>
         </mc:Fallback>
       </mc:AlternateContent>
-      <mc:AlternateContent xmlns:mc="http://schemas.openxmlformats.org/markup-compatibility/2006">
-        <mc:Choice xmlns:a14="http://schemas.microsoft.com/office/drawing/2010/main" Requires="a14">
+      <mc:AlternateContent xmlns:mc="http://schemas.openxmlformats.org/markup-compatibility/2006" xmlns:a14="http://schemas.microsoft.com/office/drawing/2010/main">
+        <mc:Choice Requires="a14">
           <p:sp>
             <p:nvSpPr>
               <p:cNvPr id="140" name="TextBox 139"/>
@@ -16045,6 +16508,7 @@
               </a:bodyPr>
               <a:lstStyle/>
               <a:p>
+                <a:pPr/>
                 <a14:m>
                   <m:oMathPara xmlns:m="http://schemas.openxmlformats.org/officeDocument/2006/math">
                     <m:oMathParaPr>
@@ -16084,7 +16548,7 @@
             </p:txBody>
           </p:sp>
         </mc:Choice>
-        <mc:Fallback>
+        <mc:Fallback xmlns="">
           <p:sp>
             <p:nvSpPr>
               <p:cNvPr id="140" name="TextBox 139"/>
@@ -16123,8 +16587,8 @@
           </p:sp>
         </mc:Fallback>
       </mc:AlternateContent>
-      <mc:AlternateContent xmlns:mc="http://schemas.openxmlformats.org/markup-compatibility/2006">
-        <mc:Choice xmlns:a14="http://schemas.microsoft.com/office/drawing/2010/main" Requires="a14">
+      <mc:AlternateContent xmlns:mc="http://schemas.openxmlformats.org/markup-compatibility/2006" xmlns:a14="http://schemas.microsoft.com/office/drawing/2010/main">
+        <mc:Choice Requires="a14">
           <p:sp>
             <p:nvSpPr>
               <p:cNvPr id="141" name="TextBox 140"/>
@@ -16147,6 +16611,7 @@
               </a:bodyPr>
               <a:lstStyle/>
               <a:p>
+                <a:pPr/>
                 <a14:m>
                   <m:oMathPara xmlns:m="http://schemas.openxmlformats.org/officeDocument/2006/math">
                     <m:oMathParaPr>
@@ -16186,7 +16651,7 @@
             </p:txBody>
           </p:sp>
         </mc:Choice>
-        <mc:Fallback>
+        <mc:Fallback xmlns="">
           <p:sp>
             <p:nvSpPr>
               <p:cNvPr id="141" name="TextBox 140"/>
@@ -16225,8 +16690,8 @@
           </p:sp>
         </mc:Fallback>
       </mc:AlternateContent>
-      <mc:AlternateContent xmlns:mc="http://schemas.openxmlformats.org/markup-compatibility/2006">
-        <mc:Choice xmlns:a14="http://schemas.microsoft.com/office/drawing/2010/main" Requires="a14">
+      <mc:AlternateContent xmlns:mc="http://schemas.openxmlformats.org/markup-compatibility/2006" xmlns:a14="http://schemas.microsoft.com/office/drawing/2010/main">
+        <mc:Choice Requires="a14">
           <p:sp>
             <p:nvSpPr>
               <p:cNvPr id="142" name="TextBox 141"/>
@@ -16249,6 +16714,7 @@
               </a:bodyPr>
               <a:lstStyle/>
               <a:p>
+                <a:pPr/>
                 <a14:m>
                   <m:oMathPara xmlns:m="http://schemas.openxmlformats.org/officeDocument/2006/math">
                     <m:oMathParaPr>
@@ -16288,7 +16754,7 @@
             </p:txBody>
           </p:sp>
         </mc:Choice>
-        <mc:Fallback>
+        <mc:Fallback xmlns="">
           <p:sp>
             <p:nvSpPr>
               <p:cNvPr id="142" name="TextBox 141"/>
@@ -16483,16 +16949,12 @@
           <a:lstStyle/>
           <a:p>
             <a:r>
-              <a:rPr lang="en-GB" sz="1200" dirty="0" smtClean="0">
+              <a:rPr lang="en-GB" sz="1200" dirty="0">
                 <a:latin typeface="Times New Roman" panose="02020603050405020304" pitchFamily="18" charset="0"/>
                 <a:cs typeface="Times New Roman" panose="02020603050405020304" pitchFamily="18" charset="0"/>
               </a:rPr>
               <a:t>Forward Reduction</a:t>
             </a:r>
-            <a:endParaRPr lang="en-GB" sz="1200" dirty="0">
-              <a:latin typeface="Times New Roman" panose="02020603050405020304" pitchFamily="18" charset="0"/>
-              <a:cs typeface="Times New Roman" panose="02020603050405020304" pitchFamily="18" charset="0"/>
-            </a:endParaRPr>
           </a:p>
         </p:txBody>
       </p:sp>
@@ -16562,16 +17024,12 @@
           <a:lstStyle/>
           <a:p>
             <a:r>
-              <a:rPr lang="en-GB" sz="1200" dirty="0" smtClean="0">
+              <a:rPr lang="en-GB" sz="1200" dirty="0">
                 <a:latin typeface="Times New Roman" panose="02020603050405020304" pitchFamily="18" charset="0"/>
                 <a:cs typeface="Times New Roman" panose="02020603050405020304" pitchFamily="18" charset="0"/>
               </a:rPr>
               <a:t>Backward Substitution</a:t>
             </a:r>
-            <a:endParaRPr lang="en-GB" sz="1200" dirty="0">
-              <a:latin typeface="Times New Roman" panose="02020603050405020304" pitchFamily="18" charset="0"/>
-              <a:cs typeface="Times New Roman" panose="02020603050405020304" pitchFamily="18" charset="0"/>
-            </a:endParaRPr>
           </a:p>
         </p:txBody>
       </p:sp>
@@ -16598,16 +17056,12 @@
           <a:lstStyle/>
           <a:p>
             <a:r>
-              <a:rPr lang="en-GB" sz="1200" dirty="0" smtClean="0">
+              <a:rPr lang="en-GB" sz="1200" dirty="0">
                 <a:latin typeface="Times New Roman" panose="02020603050405020304" pitchFamily="18" charset="0"/>
                 <a:cs typeface="Times New Roman" panose="02020603050405020304" pitchFamily="18" charset="0"/>
               </a:rPr>
               <a:t>Steps</a:t>
             </a:r>
-            <a:endParaRPr lang="en-GB" sz="1200" dirty="0">
-              <a:latin typeface="Times New Roman" panose="02020603050405020304" pitchFamily="18" charset="0"/>
-              <a:cs typeface="Times New Roman" panose="02020603050405020304" pitchFamily="18" charset="0"/>
-            </a:endParaRPr>
           </a:p>
         </p:txBody>
       </p:sp>
@@ -16724,7 +17178,7 @@
           <a:lstStyle/>
           <a:p>
             <a:r>
-              <a:rPr lang="en-GB" sz="1100" dirty="0" smtClean="0"/>
+              <a:rPr lang="en-GB" sz="1100" dirty="0"/>
               <a:t>4</a:t>
             </a:r>
             <a:endParaRPr lang="tr-TR" sz="1100" dirty="0"/>
@@ -16745,6 +17199,66 @@
 </file>
 
 <file path=ppt/slides/slide2.xml><?xml version="1.0" encoding="utf-8"?>
+<p:sld xmlns:a="http://schemas.openxmlformats.org/drawingml/2006/main" xmlns:r="http://schemas.openxmlformats.org/officeDocument/2006/relationships" xmlns:p="http://schemas.openxmlformats.org/presentationml/2006/main">
+  <p:cSld>
+    <p:spTree>
+      <p:nvGrpSpPr>
+        <p:cNvPr id="1" name=""/>
+        <p:cNvGrpSpPr/>
+        <p:nvPr/>
+      </p:nvGrpSpPr>
+      <p:grpSpPr>
+        <a:xfrm>
+          <a:off x="0" y="0"/>
+          <a:ext cx="0" cy="0"/>
+          <a:chOff x="0" y="0"/>
+          <a:chExt cx="0" cy="0"/>
+        </a:xfrm>
+      </p:grpSpPr>
+      <p:pic>
+        <p:nvPicPr>
+          <p:cNvPr id="5" name="Picture 4">
+            <a:extLst>
+              <a:ext uri="{FF2B5EF4-FFF2-40B4-BE49-F238E27FC236}">
+                <a16:creationId xmlns:a16="http://schemas.microsoft.com/office/drawing/2014/main" id="{F874F3E2-CAC1-4543-B146-F265E31A6CDE}"/>
+              </a:ext>
+            </a:extLst>
+          </p:cNvPr>
+          <p:cNvPicPr>
+            <a:picLocks noChangeAspect="1"/>
+          </p:cNvPicPr>
+          <p:nvPr/>
+        </p:nvPicPr>
+        <p:blipFill>
+          <a:blip r:embed="rId2"/>
+          <a:stretch>
+            <a:fillRect/>
+          </a:stretch>
+        </p:blipFill>
+        <p:spPr>
+          <a:xfrm>
+            <a:off x="3485024" y="1972453"/>
+            <a:ext cx="5221951" cy="2913094"/>
+          </a:xfrm>
+          <a:prstGeom prst="rect">
+            <a:avLst/>
+          </a:prstGeom>
+        </p:spPr>
+      </p:pic>
+    </p:spTree>
+    <p:extLst>
+      <p:ext uri="{BB962C8B-B14F-4D97-AF65-F5344CB8AC3E}">
+        <p14:creationId xmlns:p14="http://schemas.microsoft.com/office/powerpoint/2010/main" val="2379737965"/>
+      </p:ext>
+    </p:extLst>
+  </p:cSld>
+  <p:clrMapOvr>
+    <a:masterClrMapping/>
+  </p:clrMapOvr>
+</p:sld>
+</file>
+
+<file path=ppt/slides/slide3.xml><?xml version="1.0" encoding="utf-8"?>
 <p:sld xmlns:a="http://schemas.openxmlformats.org/drawingml/2006/main" xmlns:r="http://schemas.openxmlformats.org/officeDocument/2006/relationships" xmlns:p="http://schemas.openxmlformats.org/presentationml/2006/main">
   <p:cSld>
     <p:spTree>
@@ -22661,7 +23175,7 @@
 </p:sld>
 </file>
 
-<file path=ppt/slides/slide3.xml><?xml version="1.0" encoding="utf-8"?>
+<file path=ppt/slides/slide4.xml><?xml version="1.0" encoding="utf-8"?>
 <p:sld xmlns:a="http://schemas.openxmlformats.org/drawingml/2006/main" xmlns:r="http://schemas.openxmlformats.org/officeDocument/2006/relationships" xmlns:p="http://schemas.openxmlformats.org/presentationml/2006/main">
   <p:cSld>
     <p:spTree>
@@ -28729,7 +29243,7 @@
 </p:sld>
 </file>
 
-<file path=ppt/slides/slide4.xml><?xml version="1.0" encoding="utf-8"?>
+<file path=ppt/slides/slide5.xml><?xml version="1.0" encoding="utf-8"?>
 <p:sld xmlns:a="http://schemas.openxmlformats.org/drawingml/2006/main" xmlns:r="http://schemas.openxmlformats.org/officeDocument/2006/relationships" xmlns:p="http://schemas.openxmlformats.org/presentationml/2006/main">
   <p:cSld>
     <p:spTree>
@@ -34493,7 +35007,7 @@
 </p:sld>
 </file>
 
-<file path=ppt/slides/slide5.xml><?xml version="1.0" encoding="utf-8"?>
+<file path=ppt/slides/slide6.xml><?xml version="1.0" encoding="utf-8"?>
 <p:sld xmlns:a="http://schemas.openxmlformats.org/drawingml/2006/main" xmlns:r="http://schemas.openxmlformats.org/officeDocument/2006/relationships" xmlns:p="http://schemas.openxmlformats.org/presentationml/2006/main">
   <p:cSld>
     <p:spTree>
@@ -40257,7 +40771,7 @@
 </p:sld>
 </file>
 
-<file path=ppt/slides/slide6.xml><?xml version="1.0" encoding="utf-8"?>
+<file path=ppt/slides/slide7.xml><?xml version="1.0" encoding="utf-8"?>
 <p:sld xmlns:a="http://schemas.openxmlformats.org/drawingml/2006/main" xmlns:r="http://schemas.openxmlformats.org/officeDocument/2006/relationships" xmlns:p="http://schemas.openxmlformats.org/presentationml/2006/main">
   <p:cSld>
     <p:spTree>
@@ -46021,7 +46535,7 @@
 </p:sld>
 </file>
 
-<file path=ppt/slides/slide7.xml><?xml version="1.0" encoding="utf-8"?>
+<file path=ppt/slides/slide8.xml><?xml version="1.0" encoding="utf-8"?>
 <p:sld xmlns:a="http://schemas.openxmlformats.org/drawingml/2006/main" xmlns:r="http://schemas.openxmlformats.org/officeDocument/2006/relationships" xmlns:p="http://schemas.openxmlformats.org/presentationml/2006/main">
   <p:cSld>
     <p:spTree>
@@ -47657,1123 +48171,6 @@
 </p:sld>
 </file>
 
-<file path=ppt/slides/slide8.xml><?xml version="1.0" encoding="utf-8"?>
-<p:sld xmlns:a="http://schemas.openxmlformats.org/drawingml/2006/main" xmlns:r="http://schemas.openxmlformats.org/officeDocument/2006/relationships" xmlns:p="http://schemas.openxmlformats.org/presentationml/2006/main">
-  <p:cSld>
-    <p:spTree>
-      <p:nvGrpSpPr>
-        <p:cNvPr id="1" name=""/>
-        <p:cNvGrpSpPr/>
-        <p:nvPr/>
-      </p:nvGrpSpPr>
-      <p:grpSpPr>
-        <a:xfrm>
-          <a:off x="0" y="0"/>
-          <a:ext cx="0" cy="0"/>
-          <a:chOff x="0" y="0"/>
-          <a:chExt cx="0" cy="0"/>
-        </a:xfrm>
-      </p:grpSpPr>
-      <p:sp>
-        <p:nvSpPr>
-          <p:cNvPr id="2" name="Rectangle 1">
-            <a:extLst>
-              <a:ext uri="{FF2B5EF4-FFF2-40B4-BE49-F238E27FC236}">
-                <a16:creationId xmlns:a16="http://schemas.microsoft.com/office/drawing/2014/main" id="{3C918148-EDEE-4521-99BF-5C43F16E7FDC}"/>
-              </a:ext>
-            </a:extLst>
-          </p:cNvPr>
-          <p:cNvSpPr/>
-          <p:nvPr/>
-        </p:nvSpPr>
-        <p:spPr>
-          <a:xfrm>
-            <a:off x="1236372" y="888641"/>
-            <a:ext cx="360000" cy="360000"/>
-          </a:xfrm>
-          <a:prstGeom prst="rect">
-            <a:avLst/>
-          </a:prstGeom>
-          <a:solidFill>
-            <a:schemeClr val="bg1"/>
-          </a:solidFill>
-          <a:ln>
-            <a:solidFill>
-              <a:schemeClr val="tx1"/>
-            </a:solidFill>
-          </a:ln>
-        </p:spPr>
-        <p:style>
-          <a:lnRef idx="2">
-            <a:schemeClr val="accent1">
-              <a:shade val="50000"/>
-            </a:schemeClr>
-          </a:lnRef>
-          <a:fillRef idx="1">
-            <a:schemeClr val="accent1"/>
-          </a:fillRef>
-          <a:effectRef idx="0">
-            <a:schemeClr val="accent1"/>
-          </a:effectRef>
-          <a:fontRef idx="minor">
-            <a:schemeClr val="lt1"/>
-          </a:fontRef>
-        </p:style>
-        <p:txBody>
-          <a:bodyPr rtlCol="0" anchor="ctr"/>
-          <a:lstStyle/>
-          <a:p>
-            <a:pPr algn="ctr"/>
-            <a:endParaRPr lang="tr-TR"/>
-          </a:p>
-        </p:txBody>
-      </p:sp>
-      <p:sp>
-        <p:nvSpPr>
-          <p:cNvPr id="3" name="Rectangle 2">
-            <a:extLst>
-              <a:ext uri="{FF2B5EF4-FFF2-40B4-BE49-F238E27FC236}">
-                <a16:creationId xmlns:a16="http://schemas.microsoft.com/office/drawing/2014/main" id="{6814C28D-0EBE-47A0-BE44-00D263C62A49}"/>
-              </a:ext>
-            </a:extLst>
-          </p:cNvPr>
-          <p:cNvSpPr/>
-          <p:nvPr/>
-        </p:nvSpPr>
-        <p:spPr>
-          <a:xfrm>
-            <a:off x="1233152" y="1968641"/>
-            <a:ext cx="360000" cy="360000"/>
-          </a:xfrm>
-          <a:prstGeom prst="rect">
-            <a:avLst/>
-          </a:prstGeom>
-          <a:solidFill>
-            <a:schemeClr val="bg1"/>
-          </a:solidFill>
-          <a:ln>
-            <a:solidFill>
-              <a:schemeClr val="tx1"/>
-            </a:solidFill>
-          </a:ln>
-        </p:spPr>
-        <p:style>
-          <a:lnRef idx="2">
-            <a:schemeClr val="accent1">
-              <a:shade val="50000"/>
-            </a:schemeClr>
-          </a:lnRef>
-          <a:fillRef idx="1">
-            <a:schemeClr val="accent1"/>
-          </a:fillRef>
-          <a:effectRef idx="0">
-            <a:schemeClr val="accent1"/>
-          </a:effectRef>
-          <a:fontRef idx="minor">
-            <a:schemeClr val="lt1"/>
-          </a:fontRef>
-        </p:style>
-        <p:txBody>
-          <a:bodyPr rtlCol="0" anchor="ctr"/>
-          <a:lstStyle/>
-          <a:p>
-            <a:pPr algn="ctr"/>
-            <a:endParaRPr lang="tr-TR"/>
-          </a:p>
-        </p:txBody>
-      </p:sp>
-      <p:sp>
-        <p:nvSpPr>
-          <p:cNvPr id="4" name="Rectangle 3">
-            <a:extLst>
-              <a:ext uri="{FF2B5EF4-FFF2-40B4-BE49-F238E27FC236}">
-                <a16:creationId xmlns:a16="http://schemas.microsoft.com/office/drawing/2014/main" id="{FABF8454-780A-4F75-8651-BB5E26FC5CFF}"/>
-              </a:ext>
-            </a:extLst>
-          </p:cNvPr>
-          <p:cNvSpPr/>
-          <p:nvPr/>
-        </p:nvSpPr>
-        <p:spPr>
-          <a:xfrm>
-            <a:off x="1229932" y="2688641"/>
-            <a:ext cx="360000" cy="360000"/>
-          </a:xfrm>
-          <a:prstGeom prst="rect">
-            <a:avLst/>
-          </a:prstGeom>
-          <a:solidFill>
-            <a:schemeClr val="bg1"/>
-          </a:solidFill>
-          <a:ln>
-            <a:solidFill>
-              <a:schemeClr val="tx1"/>
-            </a:solidFill>
-          </a:ln>
-        </p:spPr>
-        <p:style>
-          <a:lnRef idx="2">
-            <a:schemeClr val="accent1">
-              <a:shade val="50000"/>
-            </a:schemeClr>
-          </a:lnRef>
-          <a:fillRef idx="1">
-            <a:schemeClr val="accent1"/>
-          </a:fillRef>
-          <a:effectRef idx="0">
-            <a:schemeClr val="accent1"/>
-          </a:effectRef>
-          <a:fontRef idx="minor">
-            <a:schemeClr val="lt1"/>
-          </a:fontRef>
-        </p:style>
-        <p:txBody>
-          <a:bodyPr rtlCol="0" anchor="ctr"/>
-          <a:lstStyle/>
-          <a:p>
-            <a:pPr algn="ctr"/>
-            <a:endParaRPr lang="tr-TR"/>
-          </a:p>
-        </p:txBody>
-      </p:sp>
-      <p:sp>
-        <p:nvSpPr>
-          <p:cNvPr id="5" name="Rectangle 4">
-            <a:extLst>
-              <a:ext uri="{FF2B5EF4-FFF2-40B4-BE49-F238E27FC236}">
-                <a16:creationId xmlns:a16="http://schemas.microsoft.com/office/drawing/2014/main" id="{89C72BF5-1C19-498A-AF82-DBD367131806}"/>
-              </a:ext>
-            </a:extLst>
-          </p:cNvPr>
-          <p:cNvSpPr/>
-          <p:nvPr/>
-        </p:nvSpPr>
-        <p:spPr>
-          <a:xfrm>
-            <a:off x="1236372" y="2328641"/>
-            <a:ext cx="360000" cy="360000"/>
-          </a:xfrm>
-          <a:prstGeom prst="rect">
-            <a:avLst/>
-          </a:prstGeom>
-          <a:solidFill>
-            <a:schemeClr val="bg1"/>
-          </a:solidFill>
-          <a:ln>
-            <a:solidFill>
-              <a:schemeClr val="tx1"/>
-            </a:solidFill>
-          </a:ln>
-        </p:spPr>
-        <p:style>
-          <a:lnRef idx="2">
-            <a:schemeClr val="accent1">
-              <a:shade val="50000"/>
-            </a:schemeClr>
-          </a:lnRef>
-          <a:fillRef idx="1">
-            <a:schemeClr val="accent1"/>
-          </a:fillRef>
-          <a:effectRef idx="0">
-            <a:schemeClr val="accent1"/>
-          </a:effectRef>
-          <a:fontRef idx="minor">
-            <a:schemeClr val="lt1"/>
-          </a:fontRef>
-        </p:style>
-        <p:txBody>
-          <a:bodyPr rtlCol="0" anchor="ctr"/>
-          <a:lstStyle/>
-          <a:p>
-            <a:pPr algn="ctr"/>
-            <a:endParaRPr lang="tr-TR"/>
-          </a:p>
-        </p:txBody>
-      </p:sp>
-      <p:sp>
-        <p:nvSpPr>
-          <p:cNvPr id="6" name="Rectangle 5">
-            <a:extLst>
-              <a:ext uri="{FF2B5EF4-FFF2-40B4-BE49-F238E27FC236}">
-                <a16:creationId xmlns:a16="http://schemas.microsoft.com/office/drawing/2014/main" id="{95B78764-E555-4413-98AD-D6B9623C78C8}"/>
-              </a:ext>
-            </a:extLst>
-          </p:cNvPr>
-          <p:cNvSpPr/>
-          <p:nvPr/>
-        </p:nvSpPr>
-        <p:spPr>
-          <a:xfrm>
-            <a:off x="1233152" y="1248641"/>
-            <a:ext cx="360000" cy="360000"/>
-          </a:xfrm>
-          <a:prstGeom prst="rect">
-            <a:avLst/>
-          </a:prstGeom>
-          <a:solidFill>
-            <a:schemeClr val="bg1"/>
-          </a:solidFill>
-          <a:ln>
-            <a:solidFill>
-              <a:schemeClr val="tx1"/>
-            </a:solidFill>
-          </a:ln>
-        </p:spPr>
-        <p:style>
-          <a:lnRef idx="2">
-            <a:schemeClr val="accent1">
-              <a:shade val="50000"/>
-            </a:schemeClr>
-          </a:lnRef>
-          <a:fillRef idx="1">
-            <a:schemeClr val="accent1"/>
-          </a:fillRef>
-          <a:effectRef idx="0">
-            <a:schemeClr val="accent1"/>
-          </a:effectRef>
-          <a:fontRef idx="minor">
-            <a:schemeClr val="lt1"/>
-          </a:fontRef>
-        </p:style>
-        <p:txBody>
-          <a:bodyPr rtlCol="0" anchor="ctr"/>
-          <a:lstStyle/>
-          <a:p>
-            <a:pPr algn="ctr"/>
-            <a:endParaRPr lang="tr-TR"/>
-          </a:p>
-        </p:txBody>
-      </p:sp>
-      <p:sp>
-        <p:nvSpPr>
-          <p:cNvPr id="7" name="Rectangle 6">
-            <a:extLst>
-              <a:ext uri="{FF2B5EF4-FFF2-40B4-BE49-F238E27FC236}">
-                <a16:creationId xmlns:a16="http://schemas.microsoft.com/office/drawing/2014/main" id="{F9AC9B84-59D7-4AFC-A8F2-32A3F66B9175}"/>
-              </a:ext>
-            </a:extLst>
-          </p:cNvPr>
-          <p:cNvSpPr/>
-          <p:nvPr/>
-        </p:nvSpPr>
-        <p:spPr>
-          <a:xfrm>
-            <a:off x="1236372" y="3048641"/>
-            <a:ext cx="360000" cy="360000"/>
-          </a:xfrm>
-          <a:prstGeom prst="rect">
-            <a:avLst/>
-          </a:prstGeom>
-          <a:solidFill>
-            <a:schemeClr val="bg1"/>
-          </a:solidFill>
-          <a:ln>
-            <a:solidFill>
-              <a:schemeClr val="tx1"/>
-            </a:solidFill>
-          </a:ln>
-        </p:spPr>
-        <p:style>
-          <a:lnRef idx="2">
-            <a:schemeClr val="accent1">
-              <a:shade val="50000"/>
-            </a:schemeClr>
-          </a:lnRef>
-          <a:fillRef idx="1">
-            <a:schemeClr val="accent1"/>
-          </a:fillRef>
-          <a:effectRef idx="0">
-            <a:schemeClr val="accent1"/>
-          </a:effectRef>
-          <a:fontRef idx="minor">
-            <a:schemeClr val="lt1"/>
-          </a:fontRef>
-        </p:style>
-        <p:txBody>
-          <a:bodyPr rtlCol="0" anchor="ctr"/>
-          <a:lstStyle/>
-          <a:p>
-            <a:pPr algn="ctr"/>
-            <a:endParaRPr lang="tr-TR"/>
-          </a:p>
-        </p:txBody>
-      </p:sp>
-      <p:sp>
-        <p:nvSpPr>
-          <p:cNvPr id="8" name="Rectangle 7">
-            <a:extLst>
-              <a:ext uri="{FF2B5EF4-FFF2-40B4-BE49-F238E27FC236}">
-                <a16:creationId xmlns:a16="http://schemas.microsoft.com/office/drawing/2014/main" id="{80DD24FD-C7AC-425E-9C03-F47E9B20FB46}"/>
-              </a:ext>
-            </a:extLst>
-          </p:cNvPr>
-          <p:cNvSpPr/>
-          <p:nvPr/>
-        </p:nvSpPr>
-        <p:spPr>
-          <a:xfrm>
-            <a:off x="1229932" y="3408641"/>
-            <a:ext cx="360000" cy="360000"/>
-          </a:xfrm>
-          <a:prstGeom prst="rect">
-            <a:avLst/>
-          </a:prstGeom>
-          <a:solidFill>
-            <a:schemeClr val="bg1"/>
-          </a:solidFill>
-          <a:ln>
-            <a:solidFill>
-              <a:schemeClr val="tx1"/>
-            </a:solidFill>
-          </a:ln>
-        </p:spPr>
-        <p:style>
-          <a:lnRef idx="2">
-            <a:schemeClr val="accent1">
-              <a:shade val="50000"/>
-            </a:schemeClr>
-          </a:lnRef>
-          <a:fillRef idx="1">
-            <a:schemeClr val="accent1"/>
-          </a:fillRef>
-          <a:effectRef idx="0">
-            <a:schemeClr val="accent1"/>
-          </a:effectRef>
-          <a:fontRef idx="minor">
-            <a:schemeClr val="lt1"/>
-          </a:fontRef>
-        </p:style>
-        <p:txBody>
-          <a:bodyPr rtlCol="0" anchor="ctr"/>
-          <a:lstStyle/>
-          <a:p>
-            <a:pPr algn="ctr"/>
-            <a:endParaRPr lang="tr-TR"/>
-          </a:p>
-        </p:txBody>
-      </p:sp>
-      <p:sp>
-        <p:nvSpPr>
-          <p:cNvPr id="9" name="Rectangle 8">
-            <a:extLst>
-              <a:ext uri="{FF2B5EF4-FFF2-40B4-BE49-F238E27FC236}">
-                <a16:creationId xmlns:a16="http://schemas.microsoft.com/office/drawing/2014/main" id="{BED8BDE1-CFB1-4D3C-ACC6-F8B4A041E02C}"/>
-              </a:ext>
-            </a:extLst>
-          </p:cNvPr>
-          <p:cNvSpPr/>
-          <p:nvPr/>
-        </p:nvSpPr>
-        <p:spPr>
-          <a:xfrm>
-            <a:off x="1229932" y="1608641"/>
-            <a:ext cx="360000" cy="360000"/>
-          </a:xfrm>
-          <a:prstGeom prst="rect">
-            <a:avLst/>
-          </a:prstGeom>
-          <a:solidFill>
-            <a:schemeClr val="bg1"/>
-          </a:solidFill>
-          <a:ln>
-            <a:solidFill>
-              <a:schemeClr val="tx1"/>
-            </a:solidFill>
-          </a:ln>
-        </p:spPr>
-        <p:style>
-          <a:lnRef idx="2">
-            <a:schemeClr val="accent1">
-              <a:shade val="50000"/>
-            </a:schemeClr>
-          </a:lnRef>
-          <a:fillRef idx="1">
-            <a:schemeClr val="accent1"/>
-          </a:fillRef>
-          <a:effectRef idx="0">
-            <a:schemeClr val="accent1"/>
-          </a:effectRef>
-          <a:fontRef idx="minor">
-            <a:schemeClr val="lt1"/>
-          </a:fontRef>
-        </p:style>
-        <p:txBody>
-          <a:bodyPr rtlCol="0" anchor="ctr"/>
-          <a:lstStyle/>
-          <a:p>
-            <a:pPr algn="ctr"/>
-            <a:endParaRPr lang="tr-TR"/>
-          </a:p>
-        </p:txBody>
-      </p:sp>
-      <p:sp>
-        <p:nvSpPr>
-          <p:cNvPr id="14" name="TextBox 13">
-            <a:extLst>
-              <a:ext uri="{FF2B5EF4-FFF2-40B4-BE49-F238E27FC236}">
-                <a16:creationId xmlns:a16="http://schemas.microsoft.com/office/drawing/2014/main" id="{A24512DB-CA51-49E8-9B58-9E7B458D4EB5}"/>
-              </a:ext>
-            </a:extLst>
-          </p:cNvPr>
-          <p:cNvSpPr txBox="1"/>
-          <p:nvPr/>
-        </p:nvSpPr>
-        <p:spPr>
-          <a:xfrm>
-            <a:off x="1330103" y="914753"/>
-            <a:ext cx="159657" cy="307777"/>
-          </a:xfrm>
-          <a:prstGeom prst="rect">
-            <a:avLst/>
-          </a:prstGeom>
-          <a:noFill/>
-        </p:spPr>
-        <p:txBody>
-          <a:bodyPr wrap="square" rtlCol="0">
-            <a:spAutoFit/>
-          </a:bodyPr>
-          <a:lstStyle/>
-          <a:p>
-            <a:r>
-              <a:rPr lang="tr-TR" sz="1400" dirty="0">
-                <a:latin typeface="Times New Roman" panose="02020603050405020304" pitchFamily="18" charset="0"/>
-                <a:cs typeface="Times New Roman" panose="02020603050405020304" pitchFamily="18" charset="0"/>
-              </a:rPr>
-              <a:t>1</a:t>
-            </a:r>
-          </a:p>
-        </p:txBody>
-      </p:sp>
-      <p:sp>
-        <p:nvSpPr>
-          <p:cNvPr id="15" name="TextBox 14">
-            <a:extLst>
-              <a:ext uri="{FF2B5EF4-FFF2-40B4-BE49-F238E27FC236}">
-                <a16:creationId xmlns:a16="http://schemas.microsoft.com/office/drawing/2014/main" id="{D003FA65-6ACA-4B5C-88A0-016428055DE6}"/>
-              </a:ext>
-            </a:extLst>
-          </p:cNvPr>
-          <p:cNvSpPr txBox="1"/>
-          <p:nvPr/>
-        </p:nvSpPr>
-        <p:spPr>
-          <a:xfrm>
-            <a:off x="1328520" y="1271286"/>
-            <a:ext cx="159657" cy="307777"/>
-          </a:xfrm>
-          <a:prstGeom prst="rect">
-            <a:avLst/>
-          </a:prstGeom>
-          <a:noFill/>
-        </p:spPr>
-        <p:txBody>
-          <a:bodyPr wrap="square" rtlCol="0">
-            <a:spAutoFit/>
-          </a:bodyPr>
-          <a:lstStyle/>
-          <a:p>
-            <a:r>
-              <a:rPr lang="tr-TR" sz="1400" dirty="0">
-                <a:latin typeface="Times New Roman" panose="02020603050405020304" pitchFamily="18" charset="0"/>
-                <a:cs typeface="Times New Roman" panose="02020603050405020304" pitchFamily="18" charset="0"/>
-              </a:rPr>
-              <a:t>2</a:t>
-            </a:r>
-          </a:p>
-        </p:txBody>
-      </p:sp>
-      <p:sp>
-        <p:nvSpPr>
-          <p:cNvPr id="16" name="TextBox 15">
-            <a:extLst>
-              <a:ext uri="{FF2B5EF4-FFF2-40B4-BE49-F238E27FC236}">
-                <a16:creationId xmlns:a16="http://schemas.microsoft.com/office/drawing/2014/main" id="{CAF564AA-7B28-4157-94B3-CE2C6A386882}"/>
-              </a:ext>
-            </a:extLst>
-          </p:cNvPr>
-          <p:cNvSpPr txBox="1"/>
-          <p:nvPr/>
-        </p:nvSpPr>
-        <p:spPr>
-          <a:xfrm>
-            <a:off x="1328521" y="1659788"/>
-            <a:ext cx="159657" cy="307777"/>
-          </a:xfrm>
-          <a:prstGeom prst="rect">
-            <a:avLst/>
-          </a:prstGeom>
-          <a:noFill/>
-        </p:spPr>
-        <p:txBody>
-          <a:bodyPr wrap="square" rtlCol="0">
-            <a:spAutoFit/>
-          </a:bodyPr>
-          <a:lstStyle/>
-          <a:p>
-            <a:r>
-              <a:rPr lang="tr-TR" sz="1400" dirty="0">
-                <a:latin typeface="Times New Roman" panose="02020603050405020304" pitchFamily="18" charset="0"/>
-                <a:cs typeface="Times New Roman" panose="02020603050405020304" pitchFamily="18" charset="0"/>
-              </a:rPr>
-              <a:t>3</a:t>
-            </a:r>
-          </a:p>
-        </p:txBody>
-      </p:sp>
-      <p:sp>
-        <p:nvSpPr>
-          <p:cNvPr id="17" name="TextBox 16">
-            <a:extLst>
-              <a:ext uri="{FF2B5EF4-FFF2-40B4-BE49-F238E27FC236}">
-                <a16:creationId xmlns:a16="http://schemas.microsoft.com/office/drawing/2014/main" id="{98E0A993-4E50-4382-A238-4B0E7F261F9C}"/>
-              </a:ext>
-            </a:extLst>
-          </p:cNvPr>
-          <p:cNvSpPr txBox="1"/>
-          <p:nvPr/>
-        </p:nvSpPr>
-        <p:spPr>
-          <a:xfrm>
-            <a:off x="1319934" y="2015215"/>
-            <a:ext cx="159657" cy="307777"/>
-          </a:xfrm>
-          <a:prstGeom prst="rect">
-            <a:avLst/>
-          </a:prstGeom>
-          <a:noFill/>
-        </p:spPr>
-        <p:txBody>
-          <a:bodyPr wrap="square" rtlCol="0">
-            <a:spAutoFit/>
-          </a:bodyPr>
-          <a:lstStyle/>
-          <a:p>
-            <a:r>
-              <a:rPr lang="tr-TR" sz="1400" dirty="0">
-                <a:latin typeface="Times New Roman" panose="02020603050405020304" pitchFamily="18" charset="0"/>
-                <a:cs typeface="Times New Roman" panose="02020603050405020304" pitchFamily="18" charset="0"/>
-              </a:rPr>
-              <a:t>4</a:t>
-            </a:r>
-          </a:p>
-        </p:txBody>
-      </p:sp>
-      <p:sp>
-        <p:nvSpPr>
-          <p:cNvPr id="18" name="TextBox 17">
-            <a:extLst>
-              <a:ext uri="{FF2B5EF4-FFF2-40B4-BE49-F238E27FC236}">
-                <a16:creationId xmlns:a16="http://schemas.microsoft.com/office/drawing/2014/main" id="{C0FD4F12-AE84-4CA7-8ED4-85917FE14F93}"/>
-              </a:ext>
-            </a:extLst>
-          </p:cNvPr>
-          <p:cNvSpPr txBox="1"/>
-          <p:nvPr/>
-        </p:nvSpPr>
-        <p:spPr>
-          <a:xfrm>
-            <a:off x="1328520" y="2378039"/>
-            <a:ext cx="159657" cy="307777"/>
-          </a:xfrm>
-          <a:prstGeom prst="rect">
-            <a:avLst/>
-          </a:prstGeom>
-          <a:noFill/>
-        </p:spPr>
-        <p:txBody>
-          <a:bodyPr wrap="square" rtlCol="0">
-            <a:spAutoFit/>
-          </a:bodyPr>
-          <a:lstStyle/>
-          <a:p>
-            <a:r>
-              <a:rPr lang="tr-TR" sz="1400" dirty="0">
-                <a:latin typeface="Times New Roman" panose="02020603050405020304" pitchFamily="18" charset="0"/>
-                <a:cs typeface="Times New Roman" panose="02020603050405020304" pitchFamily="18" charset="0"/>
-              </a:rPr>
-              <a:t>5</a:t>
-            </a:r>
-          </a:p>
-        </p:txBody>
-      </p:sp>
-      <p:sp>
-        <p:nvSpPr>
-          <p:cNvPr id="19" name="TextBox 18">
-            <a:extLst>
-              <a:ext uri="{FF2B5EF4-FFF2-40B4-BE49-F238E27FC236}">
-                <a16:creationId xmlns:a16="http://schemas.microsoft.com/office/drawing/2014/main" id="{3D39A974-70CB-4FB4-BDF3-8AECB6611D16}"/>
-              </a:ext>
-            </a:extLst>
-          </p:cNvPr>
-          <p:cNvSpPr txBox="1"/>
-          <p:nvPr/>
-        </p:nvSpPr>
-        <p:spPr>
-          <a:xfrm>
-            <a:off x="1315698" y="2735214"/>
-            <a:ext cx="159657" cy="307777"/>
-          </a:xfrm>
-          <a:prstGeom prst="rect">
-            <a:avLst/>
-          </a:prstGeom>
-          <a:noFill/>
-        </p:spPr>
-        <p:txBody>
-          <a:bodyPr wrap="square" rtlCol="0">
-            <a:spAutoFit/>
-          </a:bodyPr>
-          <a:lstStyle/>
-          <a:p>
-            <a:r>
-              <a:rPr lang="tr-TR" sz="1400" dirty="0">
-                <a:latin typeface="Times New Roman" panose="02020603050405020304" pitchFamily="18" charset="0"/>
-                <a:cs typeface="Times New Roman" panose="02020603050405020304" pitchFamily="18" charset="0"/>
-              </a:rPr>
-              <a:t>6</a:t>
-            </a:r>
-          </a:p>
-        </p:txBody>
-      </p:sp>
-      <p:sp>
-        <p:nvSpPr>
-          <p:cNvPr id="20" name="TextBox 19">
-            <a:extLst>
-              <a:ext uri="{FF2B5EF4-FFF2-40B4-BE49-F238E27FC236}">
-                <a16:creationId xmlns:a16="http://schemas.microsoft.com/office/drawing/2014/main" id="{E02C97BD-29AC-4612-A1C3-167EFB24C211}"/>
-              </a:ext>
-            </a:extLst>
-          </p:cNvPr>
-          <p:cNvSpPr txBox="1"/>
-          <p:nvPr/>
-        </p:nvSpPr>
-        <p:spPr>
-          <a:xfrm>
-            <a:off x="1328519" y="3106514"/>
-            <a:ext cx="159657" cy="307777"/>
-          </a:xfrm>
-          <a:prstGeom prst="rect">
-            <a:avLst/>
-          </a:prstGeom>
-          <a:noFill/>
-        </p:spPr>
-        <p:txBody>
-          <a:bodyPr wrap="square" rtlCol="0">
-            <a:spAutoFit/>
-          </a:bodyPr>
-          <a:lstStyle/>
-          <a:p>
-            <a:r>
-              <a:rPr lang="tr-TR" sz="1400" dirty="0">
-                <a:latin typeface="Times New Roman" panose="02020603050405020304" pitchFamily="18" charset="0"/>
-                <a:cs typeface="Times New Roman" panose="02020603050405020304" pitchFamily="18" charset="0"/>
-              </a:rPr>
-              <a:t>7</a:t>
-            </a:r>
-          </a:p>
-        </p:txBody>
-      </p:sp>
-      <p:sp>
-        <p:nvSpPr>
-          <p:cNvPr id="21" name="TextBox 20">
-            <a:extLst>
-              <a:ext uri="{FF2B5EF4-FFF2-40B4-BE49-F238E27FC236}">
-                <a16:creationId xmlns:a16="http://schemas.microsoft.com/office/drawing/2014/main" id="{8EEAC1F7-306D-49B6-A939-FCCD5E956ABF}"/>
-              </a:ext>
-            </a:extLst>
-          </p:cNvPr>
-          <p:cNvSpPr txBox="1"/>
-          <p:nvPr/>
-        </p:nvSpPr>
-        <p:spPr>
-          <a:xfrm>
-            <a:off x="1328519" y="3450053"/>
-            <a:ext cx="159657" cy="307777"/>
-          </a:xfrm>
-          <a:prstGeom prst="rect">
-            <a:avLst/>
-          </a:prstGeom>
-          <a:noFill/>
-        </p:spPr>
-        <p:txBody>
-          <a:bodyPr wrap="square" rtlCol="0">
-            <a:spAutoFit/>
-          </a:bodyPr>
-          <a:lstStyle/>
-          <a:p>
-            <a:r>
-              <a:rPr lang="tr-TR" sz="1400" dirty="0">
-                <a:latin typeface="Times New Roman" panose="02020603050405020304" pitchFamily="18" charset="0"/>
-                <a:cs typeface="Times New Roman" panose="02020603050405020304" pitchFamily="18" charset="0"/>
-              </a:rPr>
-              <a:t>8</a:t>
-            </a:r>
-          </a:p>
-        </p:txBody>
-      </p:sp>
-      <p:cxnSp>
-        <p:nvCxnSpPr>
-          <p:cNvPr id="25" name="Straight Arrow Connector 24">
-            <a:extLst>
-              <a:ext uri="{FF2B5EF4-FFF2-40B4-BE49-F238E27FC236}">
-                <a16:creationId xmlns:a16="http://schemas.microsoft.com/office/drawing/2014/main" id="{EC20E840-F78E-4582-B0D1-353D2138BDBA}"/>
-              </a:ext>
-            </a:extLst>
-          </p:cNvPr>
-          <p:cNvCxnSpPr>
-            <a:cxnSpLocks/>
-            <a:stCxn id="2" idx="3"/>
-          </p:cNvCxnSpPr>
-          <p:nvPr/>
-        </p:nvCxnSpPr>
-        <p:spPr>
-          <a:xfrm>
-            <a:off x="1596372" y="1068641"/>
-            <a:ext cx="616445" cy="242797"/>
-          </a:xfrm>
-          <a:prstGeom prst="straightConnector1">
-            <a:avLst/>
-          </a:prstGeom>
-          <a:ln>
-            <a:solidFill>
-              <a:schemeClr val="tx1"/>
-            </a:solidFill>
-            <a:tailEnd type="triangle"/>
-          </a:ln>
-        </p:spPr>
-        <p:style>
-          <a:lnRef idx="1">
-            <a:schemeClr val="accent1"/>
-          </a:lnRef>
-          <a:fillRef idx="0">
-            <a:schemeClr val="accent1"/>
-          </a:fillRef>
-          <a:effectRef idx="0">
-            <a:schemeClr val="accent1"/>
-          </a:effectRef>
-          <a:fontRef idx="minor">
-            <a:schemeClr val="tx1"/>
-          </a:fontRef>
-        </p:style>
-      </p:cxnSp>
-      <p:cxnSp>
-        <p:nvCxnSpPr>
-          <p:cNvPr id="37" name="Straight Arrow Connector 36">
-            <a:extLst>
-              <a:ext uri="{FF2B5EF4-FFF2-40B4-BE49-F238E27FC236}">
-                <a16:creationId xmlns:a16="http://schemas.microsoft.com/office/drawing/2014/main" id="{D6E4A1C7-6E46-4A95-8D13-9B82436891E6}"/>
-              </a:ext>
-            </a:extLst>
-          </p:cNvPr>
-          <p:cNvCxnSpPr>
-            <a:cxnSpLocks/>
-            <a:stCxn id="6" idx="3"/>
-          </p:cNvCxnSpPr>
-          <p:nvPr/>
-        </p:nvCxnSpPr>
-        <p:spPr>
-          <a:xfrm flipV="1">
-            <a:off x="1593152" y="1425174"/>
-            <a:ext cx="632546" cy="3467"/>
-          </a:xfrm>
-          <a:prstGeom prst="straightConnector1">
-            <a:avLst/>
-          </a:prstGeom>
-          <a:ln>
-            <a:solidFill>
-              <a:schemeClr val="tx1"/>
-            </a:solidFill>
-            <a:tailEnd type="triangle"/>
-          </a:ln>
-        </p:spPr>
-        <p:style>
-          <a:lnRef idx="1">
-            <a:schemeClr val="accent1"/>
-          </a:lnRef>
-          <a:fillRef idx="0">
-            <a:schemeClr val="accent1"/>
-          </a:fillRef>
-          <a:effectRef idx="0">
-            <a:schemeClr val="accent1"/>
-          </a:effectRef>
-          <a:fontRef idx="minor">
-            <a:schemeClr val="tx1"/>
-          </a:fontRef>
-        </p:style>
-      </p:cxnSp>
-      <p:cxnSp>
-        <p:nvCxnSpPr>
-          <p:cNvPr id="39" name="Straight Arrow Connector 38">
-            <a:extLst>
-              <a:ext uri="{FF2B5EF4-FFF2-40B4-BE49-F238E27FC236}">
-                <a16:creationId xmlns:a16="http://schemas.microsoft.com/office/drawing/2014/main" id="{9FBB3549-3261-409E-A6FF-CAF5DDD2BB76}"/>
-              </a:ext>
-            </a:extLst>
-          </p:cNvPr>
-          <p:cNvCxnSpPr>
-            <a:cxnSpLocks/>
-            <a:stCxn id="9" idx="3"/>
-          </p:cNvCxnSpPr>
-          <p:nvPr/>
-        </p:nvCxnSpPr>
-        <p:spPr>
-          <a:xfrm flipV="1">
-            <a:off x="1589932" y="1550768"/>
-            <a:ext cx="622885" cy="237873"/>
-          </a:xfrm>
-          <a:prstGeom prst="straightConnector1">
-            <a:avLst/>
-          </a:prstGeom>
-          <a:ln>
-            <a:solidFill>
-              <a:schemeClr val="tx1"/>
-            </a:solidFill>
-            <a:tailEnd type="triangle"/>
-          </a:ln>
-        </p:spPr>
-        <p:style>
-          <a:lnRef idx="1">
-            <a:schemeClr val="accent1"/>
-          </a:lnRef>
-          <a:fillRef idx="0">
-            <a:schemeClr val="accent1"/>
-          </a:fillRef>
-          <a:effectRef idx="0">
-            <a:schemeClr val="accent1"/>
-          </a:effectRef>
-          <a:fontRef idx="minor">
-            <a:schemeClr val="tx1"/>
-          </a:fontRef>
-        </p:style>
-      </p:cxnSp>
-      <p:cxnSp>
-        <p:nvCxnSpPr>
-          <p:cNvPr id="42" name="Straight Arrow Connector 41">
-            <a:extLst>
-              <a:ext uri="{FF2B5EF4-FFF2-40B4-BE49-F238E27FC236}">
-                <a16:creationId xmlns:a16="http://schemas.microsoft.com/office/drawing/2014/main" id="{EC82E923-4C91-4409-A5EC-193666717BC0}"/>
-              </a:ext>
-            </a:extLst>
-          </p:cNvPr>
-          <p:cNvCxnSpPr>
-            <a:cxnSpLocks/>
-          </p:cNvCxnSpPr>
-          <p:nvPr/>
-        </p:nvCxnSpPr>
-        <p:spPr>
-          <a:xfrm>
-            <a:off x="1602813" y="2152025"/>
-            <a:ext cx="616445" cy="242797"/>
-          </a:xfrm>
-          <a:prstGeom prst="straightConnector1">
-            <a:avLst/>
-          </a:prstGeom>
-          <a:ln>
-            <a:solidFill>
-              <a:schemeClr val="tx1"/>
-            </a:solidFill>
-            <a:tailEnd type="triangle"/>
-          </a:ln>
-        </p:spPr>
-        <p:style>
-          <a:lnRef idx="1">
-            <a:schemeClr val="accent1"/>
-          </a:lnRef>
-          <a:fillRef idx="0">
-            <a:schemeClr val="accent1"/>
-          </a:fillRef>
-          <a:effectRef idx="0">
-            <a:schemeClr val="accent1"/>
-          </a:effectRef>
-          <a:fontRef idx="minor">
-            <a:schemeClr val="tx1"/>
-          </a:fontRef>
-        </p:style>
-      </p:cxnSp>
-      <p:cxnSp>
-        <p:nvCxnSpPr>
-          <p:cNvPr id="43" name="Straight Arrow Connector 42">
-            <a:extLst>
-              <a:ext uri="{FF2B5EF4-FFF2-40B4-BE49-F238E27FC236}">
-                <a16:creationId xmlns:a16="http://schemas.microsoft.com/office/drawing/2014/main" id="{DA6D3461-47CA-4365-BFB3-5FF412C462C0}"/>
-              </a:ext>
-            </a:extLst>
-          </p:cNvPr>
-          <p:cNvCxnSpPr/>
-          <p:nvPr/>
-        </p:nvCxnSpPr>
-        <p:spPr>
-          <a:xfrm flipV="1">
-            <a:off x="1599593" y="2508558"/>
-            <a:ext cx="632546" cy="3467"/>
-          </a:xfrm>
-          <a:prstGeom prst="straightConnector1">
-            <a:avLst/>
-          </a:prstGeom>
-          <a:ln>
-            <a:solidFill>
-              <a:schemeClr val="tx1"/>
-            </a:solidFill>
-            <a:tailEnd type="triangle"/>
-          </a:ln>
-        </p:spPr>
-        <p:style>
-          <a:lnRef idx="1">
-            <a:schemeClr val="accent1"/>
-          </a:lnRef>
-          <a:fillRef idx="0">
-            <a:schemeClr val="accent1"/>
-          </a:fillRef>
-          <a:effectRef idx="0">
-            <a:schemeClr val="accent1"/>
-          </a:effectRef>
-          <a:fontRef idx="minor">
-            <a:schemeClr val="tx1"/>
-          </a:fontRef>
-        </p:style>
-      </p:cxnSp>
-      <p:cxnSp>
-        <p:nvCxnSpPr>
-          <p:cNvPr id="44" name="Straight Arrow Connector 43">
-            <a:extLst>
-              <a:ext uri="{FF2B5EF4-FFF2-40B4-BE49-F238E27FC236}">
-                <a16:creationId xmlns:a16="http://schemas.microsoft.com/office/drawing/2014/main" id="{FA931DDB-25D0-4152-836D-6CAFBD137D41}"/>
-              </a:ext>
-            </a:extLst>
-          </p:cNvPr>
-          <p:cNvCxnSpPr>
-            <a:cxnSpLocks/>
-          </p:cNvCxnSpPr>
-          <p:nvPr/>
-        </p:nvCxnSpPr>
-        <p:spPr>
-          <a:xfrm flipV="1">
-            <a:off x="1596373" y="2634152"/>
-            <a:ext cx="622885" cy="237873"/>
-          </a:xfrm>
-          <a:prstGeom prst="straightConnector1">
-            <a:avLst/>
-          </a:prstGeom>
-          <a:ln>
-            <a:solidFill>
-              <a:schemeClr val="tx1"/>
-            </a:solidFill>
-            <a:tailEnd type="triangle"/>
-          </a:ln>
-        </p:spPr>
-        <p:style>
-          <a:lnRef idx="1">
-            <a:schemeClr val="accent1"/>
-          </a:lnRef>
-          <a:fillRef idx="0">
-            <a:schemeClr val="accent1"/>
-          </a:fillRef>
-          <a:effectRef idx="0">
-            <a:schemeClr val="accent1"/>
-          </a:effectRef>
-          <a:fontRef idx="minor">
-            <a:schemeClr val="tx1"/>
-          </a:fontRef>
-        </p:style>
-      </p:cxnSp>
-      <p:cxnSp>
-        <p:nvCxnSpPr>
-          <p:cNvPr id="45" name="Straight Arrow Connector 44">
-            <a:extLst>
-              <a:ext uri="{FF2B5EF4-FFF2-40B4-BE49-F238E27FC236}">
-                <a16:creationId xmlns:a16="http://schemas.microsoft.com/office/drawing/2014/main" id="{C84530C4-05E4-4D7A-8E8D-D2CF2A017B52}"/>
-              </a:ext>
-            </a:extLst>
-          </p:cNvPr>
-          <p:cNvCxnSpPr>
-            <a:cxnSpLocks/>
-          </p:cNvCxnSpPr>
-          <p:nvPr/>
-        </p:nvCxnSpPr>
-        <p:spPr>
-          <a:xfrm>
-            <a:off x="1596372" y="3233406"/>
-            <a:ext cx="616445" cy="242797"/>
-          </a:xfrm>
-          <a:prstGeom prst="straightConnector1">
-            <a:avLst/>
-          </a:prstGeom>
-          <a:ln>
-            <a:solidFill>
-              <a:schemeClr val="tx1"/>
-            </a:solidFill>
-            <a:tailEnd type="triangle"/>
-          </a:ln>
-        </p:spPr>
-        <p:style>
-          <a:lnRef idx="1">
-            <a:schemeClr val="accent1"/>
-          </a:lnRef>
-          <a:fillRef idx="0">
-            <a:schemeClr val="accent1"/>
-          </a:fillRef>
-          <a:effectRef idx="0">
-            <a:schemeClr val="accent1"/>
-          </a:effectRef>
-          <a:fontRef idx="minor">
-            <a:schemeClr val="tx1"/>
-          </a:fontRef>
-        </p:style>
-      </p:cxnSp>
-      <p:cxnSp>
-        <p:nvCxnSpPr>
-          <p:cNvPr id="46" name="Straight Arrow Connector 45">
-            <a:extLst>
-              <a:ext uri="{FF2B5EF4-FFF2-40B4-BE49-F238E27FC236}">
-                <a16:creationId xmlns:a16="http://schemas.microsoft.com/office/drawing/2014/main" id="{15F6F04B-3893-4D38-98A8-5D95A639CDC1}"/>
-              </a:ext>
-            </a:extLst>
-          </p:cNvPr>
-          <p:cNvCxnSpPr/>
-          <p:nvPr/>
-        </p:nvCxnSpPr>
-        <p:spPr>
-          <a:xfrm flipV="1">
-            <a:off x="1593152" y="3589939"/>
-            <a:ext cx="632546" cy="3467"/>
-          </a:xfrm>
-          <a:prstGeom prst="straightConnector1">
-            <a:avLst/>
-          </a:prstGeom>
-          <a:ln>
-            <a:solidFill>
-              <a:schemeClr val="tx1"/>
-            </a:solidFill>
-            <a:tailEnd type="triangle"/>
-          </a:ln>
-        </p:spPr>
-        <p:style>
-          <a:lnRef idx="1">
-            <a:schemeClr val="accent1"/>
-          </a:lnRef>
-          <a:fillRef idx="0">
-            <a:schemeClr val="accent1"/>
-          </a:fillRef>
-          <a:effectRef idx="0">
-            <a:schemeClr val="accent1"/>
-          </a:effectRef>
-          <a:fontRef idx="minor">
-            <a:schemeClr val="tx1"/>
-          </a:fontRef>
-        </p:style>
-      </p:cxnSp>
-    </p:spTree>
-    <p:extLst>
-      <p:ext uri="{BB962C8B-B14F-4D97-AF65-F5344CB8AC3E}">
-        <p14:creationId xmlns:p14="http://schemas.microsoft.com/office/powerpoint/2010/main" val="3365322022"/>
-      </p:ext>
-    </p:extLst>
-  </p:cSld>
-  <p:clrMapOvr>
-    <a:masterClrMapping/>
-  </p:clrMapOvr>
-</p:sld>
-</file>
-
 <file path=ppt/slides/slide9.xml><?xml version="1.0" encoding="utf-8"?>
 <p:sld xmlns:a="http://schemas.openxmlformats.org/drawingml/2006/main" xmlns:r="http://schemas.openxmlformats.org/officeDocument/2006/relationships" xmlns:p="http://schemas.openxmlformats.org/presentationml/2006/main">
   <p:cSld>
@@ -48791,46 +48188,76 @@
           <a:chExt cx="0" cy="0"/>
         </a:xfrm>
       </p:grpSpPr>
-      <p:pic>
-        <p:nvPicPr>
-          <p:cNvPr id="4" name="Resim 3"/>
-          <p:cNvPicPr>
-            <a:picLocks noChangeAspect="1"/>
-          </p:cNvPicPr>
-          <p:nvPr/>
-        </p:nvPicPr>
-        <p:blipFill>
-          <a:blip r:embed="rId2">
+      <p:sp>
+        <p:nvSpPr>
+          <p:cNvPr id="2" name="Rectangle 1">
             <a:extLst>
-              <a:ext uri="{28A0092B-C50C-407E-A947-70E740481C1C}">
-                <a14:useLocalDpi xmlns:a14="http://schemas.microsoft.com/office/drawing/2010/main" val="0"/>
+              <a:ext uri="{FF2B5EF4-FFF2-40B4-BE49-F238E27FC236}">
+                <a16:creationId xmlns:a16="http://schemas.microsoft.com/office/drawing/2014/main" id="{3C918148-EDEE-4521-99BF-5C43F16E7FDC}"/>
               </a:ext>
             </a:extLst>
-          </a:blip>
-          <a:stretch>
-            <a:fillRect/>
-          </a:stretch>
-        </p:blipFill>
-        <p:spPr>
-          <a:xfrm>
-            <a:off x="7454479" y="2378722"/>
-            <a:ext cx="2657475" cy="2314575"/>
+          </p:cNvPr>
+          <p:cNvSpPr/>
+          <p:nvPr/>
+        </p:nvSpPr>
+        <p:spPr>
+          <a:xfrm>
+            <a:off x="1236372" y="888641"/>
+            <a:ext cx="360000" cy="360000"/>
           </a:xfrm>
           <a:prstGeom prst="rect">
             <a:avLst/>
           </a:prstGeom>
-        </p:spPr>
-      </p:pic>
-      <p:sp>
-        <p:nvSpPr>
-          <p:cNvPr id="5" name="Dikdörtgen 4"/>
-          <p:cNvSpPr/>
-          <p:nvPr/>
-        </p:nvSpPr>
-        <p:spPr>
-          <a:xfrm>
-            <a:off x="1810139" y="2715209"/>
-            <a:ext cx="2603240" cy="466530"/>
+          <a:solidFill>
+            <a:schemeClr val="bg1"/>
+          </a:solidFill>
+          <a:ln>
+            <a:solidFill>
+              <a:schemeClr val="tx1"/>
+            </a:solidFill>
+          </a:ln>
+        </p:spPr>
+        <p:style>
+          <a:lnRef idx="2">
+            <a:schemeClr val="accent1">
+              <a:shade val="50000"/>
+            </a:schemeClr>
+          </a:lnRef>
+          <a:fillRef idx="1">
+            <a:schemeClr val="accent1"/>
+          </a:fillRef>
+          <a:effectRef idx="0">
+            <a:schemeClr val="accent1"/>
+          </a:effectRef>
+          <a:fontRef idx="minor">
+            <a:schemeClr val="lt1"/>
+          </a:fontRef>
+        </p:style>
+        <p:txBody>
+          <a:bodyPr rtlCol="0" anchor="ctr"/>
+          <a:lstStyle/>
+          <a:p>
+            <a:pPr algn="ctr"/>
+            <a:endParaRPr lang="tr-TR"/>
+          </a:p>
+        </p:txBody>
+      </p:sp>
+      <p:sp>
+        <p:nvSpPr>
+          <p:cNvPr id="3" name="Rectangle 2">
+            <a:extLst>
+              <a:ext uri="{FF2B5EF4-FFF2-40B4-BE49-F238E27FC236}">
+                <a16:creationId xmlns:a16="http://schemas.microsoft.com/office/drawing/2014/main" id="{6814C28D-0EBE-47A0-BE44-00D263C62A49}"/>
+              </a:ext>
+            </a:extLst>
+          </p:cNvPr>
+          <p:cNvSpPr/>
+          <p:nvPr/>
+        </p:nvSpPr>
+        <p:spPr>
+          <a:xfrm>
+            <a:off x="1233152" y="1968641"/>
+            <a:ext cx="360000" cy="360000"/>
           </a:xfrm>
           <a:prstGeom prst="rect">
             <a:avLst/>
@@ -48838,47 +48265,53 @@
           <a:solidFill>
             <a:schemeClr val="bg1"/>
           </a:solidFill>
-          <a:ln w="12700">
-            <a:solidFill>
-              <a:schemeClr val="tx1"/>
-            </a:solidFill>
-          </a:ln>
-        </p:spPr>
-        <p:style>
-          <a:lnRef idx="2">
-            <a:schemeClr val="accent1">
-              <a:shade val="50000"/>
-            </a:schemeClr>
-          </a:lnRef>
-          <a:fillRef idx="1">
-            <a:schemeClr val="accent1"/>
-          </a:fillRef>
-          <a:effectRef idx="0">
-            <a:schemeClr val="accent1"/>
-          </a:effectRef>
-          <a:fontRef idx="minor">
-            <a:schemeClr val="lt1"/>
-          </a:fontRef>
-        </p:style>
-        <p:txBody>
-          <a:bodyPr rtlCol="0" anchor="ctr"/>
-          <a:lstStyle/>
-          <a:p>
-            <a:pPr algn="ctr"/>
-            <a:endParaRPr lang="tr-TR"/>
-          </a:p>
-        </p:txBody>
-      </p:sp>
-      <p:sp>
-        <p:nvSpPr>
-          <p:cNvPr id="6" name="Dikdörtgen 5"/>
-          <p:cNvSpPr/>
-          <p:nvPr/>
-        </p:nvSpPr>
-        <p:spPr>
-          <a:xfrm>
-            <a:off x="1810139" y="3704253"/>
-            <a:ext cx="2603240" cy="466530"/>
+          <a:ln>
+            <a:solidFill>
+              <a:schemeClr val="tx1"/>
+            </a:solidFill>
+          </a:ln>
+        </p:spPr>
+        <p:style>
+          <a:lnRef idx="2">
+            <a:schemeClr val="accent1">
+              <a:shade val="50000"/>
+            </a:schemeClr>
+          </a:lnRef>
+          <a:fillRef idx="1">
+            <a:schemeClr val="accent1"/>
+          </a:fillRef>
+          <a:effectRef idx="0">
+            <a:schemeClr val="accent1"/>
+          </a:effectRef>
+          <a:fontRef idx="minor">
+            <a:schemeClr val="lt1"/>
+          </a:fontRef>
+        </p:style>
+        <p:txBody>
+          <a:bodyPr rtlCol="0" anchor="ctr"/>
+          <a:lstStyle/>
+          <a:p>
+            <a:pPr algn="ctr"/>
+            <a:endParaRPr lang="tr-TR"/>
+          </a:p>
+        </p:txBody>
+      </p:sp>
+      <p:sp>
+        <p:nvSpPr>
+          <p:cNvPr id="4" name="Rectangle 3">
+            <a:extLst>
+              <a:ext uri="{FF2B5EF4-FFF2-40B4-BE49-F238E27FC236}">
+                <a16:creationId xmlns:a16="http://schemas.microsoft.com/office/drawing/2014/main" id="{FABF8454-780A-4F75-8651-BB5E26FC5CFF}"/>
+              </a:ext>
+            </a:extLst>
+          </p:cNvPr>
+          <p:cNvSpPr/>
+          <p:nvPr/>
+        </p:nvSpPr>
+        <p:spPr>
+          <a:xfrm>
+            <a:off x="1229932" y="2688641"/>
+            <a:ext cx="360000" cy="360000"/>
           </a:xfrm>
           <a:prstGeom prst="rect">
             <a:avLst/>
@@ -48886,59 +48319,639 @@
           <a:solidFill>
             <a:schemeClr val="bg1"/>
           </a:solidFill>
-          <a:ln w="12700">
-            <a:solidFill>
-              <a:schemeClr val="tx1"/>
-            </a:solidFill>
-          </a:ln>
-        </p:spPr>
-        <p:style>
-          <a:lnRef idx="2">
-            <a:schemeClr val="accent1">
-              <a:shade val="50000"/>
-            </a:schemeClr>
-          </a:lnRef>
-          <a:fillRef idx="1">
-            <a:schemeClr val="accent1"/>
-          </a:fillRef>
-          <a:effectRef idx="0">
-            <a:schemeClr val="accent1"/>
-          </a:effectRef>
-          <a:fontRef idx="minor">
-            <a:schemeClr val="lt1"/>
-          </a:fontRef>
-        </p:style>
-        <p:txBody>
-          <a:bodyPr rtlCol="0" anchor="ctr"/>
-          <a:lstStyle/>
-          <a:p>
-            <a:pPr algn="ctr"/>
-            <a:endParaRPr lang="tr-TR"/>
+          <a:ln>
+            <a:solidFill>
+              <a:schemeClr val="tx1"/>
+            </a:solidFill>
+          </a:ln>
+        </p:spPr>
+        <p:style>
+          <a:lnRef idx="2">
+            <a:schemeClr val="accent1">
+              <a:shade val="50000"/>
+            </a:schemeClr>
+          </a:lnRef>
+          <a:fillRef idx="1">
+            <a:schemeClr val="accent1"/>
+          </a:fillRef>
+          <a:effectRef idx="0">
+            <a:schemeClr val="accent1"/>
+          </a:effectRef>
+          <a:fontRef idx="minor">
+            <a:schemeClr val="lt1"/>
+          </a:fontRef>
+        </p:style>
+        <p:txBody>
+          <a:bodyPr rtlCol="0" anchor="ctr"/>
+          <a:lstStyle/>
+          <a:p>
+            <a:pPr algn="ctr"/>
+            <a:endParaRPr lang="tr-TR"/>
+          </a:p>
+        </p:txBody>
+      </p:sp>
+      <p:sp>
+        <p:nvSpPr>
+          <p:cNvPr id="5" name="Rectangle 4">
+            <a:extLst>
+              <a:ext uri="{FF2B5EF4-FFF2-40B4-BE49-F238E27FC236}">
+                <a16:creationId xmlns:a16="http://schemas.microsoft.com/office/drawing/2014/main" id="{89C72BF5-1C19-498A-AF82-DBD367131806}"/>
+              </a:ext>
+            </a:extLst>
+          </p:cNvPr>
+          <p:cNvSpPr/>
+          <p:nvPr/>
+        </p:nvSpPr>
+        <p:spPr>
+          <a:xfrm>
+            <a:off x="1236372" y="2328641"/>
+            <a:ext cx="360000" cy="360000"/>
+          </a:xfrm>
+          <a:prstGeom prst="rect">
+            <a:avLst/>
+          </a:prstGeom>
+          <a:solidFill>
+            <a:schemeClr val="bg1"/>
+          </a:solidFill>
+          <a:ln>
+            <a:solidFill>
+              <a:schemeClr val="tx1"/>
+            </a:solidFill>
+          </a:ln>
+        </p:spPr>
+        <p:style>
+          <a:lnRef idx="2">
+            <a:schemeClr val="accent1">
+              <a:shade val="50000"/>
+            </a:schemeClr>
+          </a:lnRef>
+          <a:fillRef idx="1">
+            <a:schemeClr val="accent1"/>
+          </a:fillRef>
+          <a:effectRef idx="0">
+            <a:schemeClr val="accent1"/>
+          </a:effectRef>
+          <a:fontRef idx="minor">
+            <a:schemeClr val="lt1"/>
+          </a:fontRef>
+        </p:style>
+        <p:txBody>
+          <a:bodyPr rtlCol="0" anchor="ctr"/>
+          <a:lstStyle/>
+          <a:p>
+            <a:pPr algn="ctr"/>
+            <a:endParaRPr lang="tr-TR"/>
+          </a:p>
+        </p:txBody>
+      </p:sp>
+      <p:sp>
+        <p:nvSpPr>
+          <p:cNvPr id="6" name="Rectangle 5">
+            <a:extLst>
+              <a:ext uri="{FF2B5EF4-FFF2-40B4-BE49-F238E27FC236}">
+                <a16:creationId xmlns:a16="http://schemas.microsoft.com/office/drawing/2014/main" id="{95B78764-E555-4413-98AD-D6B9623C78C8}"/>
+              </a:ext>
+            </a:extLst>
+          </p:cNvPr>
+          <p:cNvSpPr/>
+          <p:nvPr/>
+        </p:nvSpPr>
+        <p:spPr>
+          <a:xfrm>
+            <a:off x="1233152" y="1248641"/>
+            <a:ext cx="360000" cy="360000"/>
+          </a:xfrm>
+          <a:prstGeom prst="rect">
+            <a:avLst/>
+          </a:prstGeom>
+          <a:solidFill>
+            <a:schemeClr val="bg1"/>
+          </a:solidFill>
+          <a:ln>
+            <a:solidFill>
+              <a:schemeClr val="tx1"/>
+            </a:solidFill>
+          </a:ln>
+        </p:spPr>
+        <p:style>
+          <a:lnRef idx="2">
+            <a:schemeClr val="accent1">
+              <a:shade val="50000"/>
+            </a:schemeClr>
+          </a:lnRef>
+          <a:fillRef idx="1">
+            <a:schemeClr val="accent1"/>
+          </a:fillRef>
+          <a:effectRef idx="0">
+            <a:schemeClr val="accent1"/>
+          </a:effectRef>
+          <a:fontRef idx="minor">
+            <a:schemeClr val="lt1"/>
+          </a:fontRef>
+        </p:style>
+        <p:txBody>
+          <a:bodyPr rtlCol="0" anchor="ctr"/>
+          <a:lstStyle/>
+          <a:p>
+            <a:pPr algn="ctr"/>
+            <a:endParaRPr lang="tr-TR"/>
+          </a:p>
+        </p:txBody>
+      </p:sp>
+      <p:sp>
+        <p:nvSpPr>
+          <p:cNvPr id="7" name="Rectangle 6">
+            <a:extLst>
+              <a:ext uri="{FF2B5EF4-FFF2-40B4-BE49-F238E27FC236}">
+                <a16:creationId xmlns:a16="http://schemas.microsoft.com/office/drawing/2014/main" id="{F9AC9B84-59D7-4AFC-A8F2-32A3F66B9175}"/>
+              </a:ext>
+            </a:extLst>
+          </p:cNvPr>
+          <p:cNvSpPr/>
+          <p:nvPr/>
+        </p:nvSpPr>
+        <p:spPr>
+          <a:xfrm>
+            <a:off x="1236372" y="3048641"/>
+            <a:ext cx="360000" cy="360000"/>
+          </a:xfrm>
+          <a:prstGeom prst="rect">
+            <a:avLst/>
+          </a:prstGeom>
+          <a:solidFill>
+            <a:schemeClr val="bg1"/>
+          </a:solidFill>
+          <a:ln>
+            <a:solidFill>
+              <a:schemeClr val="tx1"/>
+            </a:solidFill>
+          </a:ln>
+        </p:spPr>
+        <p:style>
+          <a:lnRef idx="2">
+            <a:schemeClr val="accent1">
+              <a:shade val="50000"/>
+            </a:schemeClr>
+          </a:lnRef>
+          <a:fillRef idx="1">
+            <a:schemeClr val="accent1"/>
+          </a:fillRef>
+          <a:effectRef idx="0">
+            <a:schemeClr val="accent1"/>
+          </a:effectRef>
+          <a:fontRef idx="minor">
+            <a:schemeClr val="lt1"/>
+          </a:fontRef>
+        </p:style>
+        <p:txBody>
+          <a:bodyPr rtlCol="0" anchor="ctr"/>
+          <a:lstStyle/>
+          <a:p>
+            <a:pPr algn="ctr"/>
+            <a:endParaRPr lang="tr-TR"/>
+          </a:p>
+        </p:txBody>
+      </p:sp>
+      <p:sp>
+        <p:nvSpPr>
+          <p:cNvPr id="8" name="Rectangle 7">
+            <a:extLst>
+              <a:ext uri="{FF2B5EF4-FFF2-40B4-BE49-F238E27FC236}">
+                <a16:creationId xmlns:a16="http://schemas.microsoft.com/office/drawing/2014/main" id="{80DD24FD-C7AC-425E-9C03-F47E9B20FB46}"/>
+              </a:ext>
+            </a:extLst>
+          </p:cNvPr>
+          <p:cNvSpPr/>
+          <p:nvPr/>
+        </p:nvSpPr>
+        <p:spPr>
+          <a:xfrm>
+            <a:off x="1229932" y="3408641"/>
+            <a:ext cx="360000" cy="360000"/>
+          </a:xfrm>
+          <a:prstGeom prst="rect">
+            <a:avLst/>
+          </a:prstGeom>
+          <a:solidFill>
+            <a:schemeClr val="bg1"/>
+          </a:solidFill>
+          <a:ln>
+            <a:solidFill>
+              <a:schemeClr val="tx1"/>
+            </a:solidFill>
+          </a:ln>
+        </p:spPr>
+        <p:style>
+          <a:lnRef idx="2">
+            <a:schemeClr val="accent1">
+              <a:shade val="50000"/>
+            </a:schemeClr>
+          </a:lnRef>
+          <a:fillRef idx="1">
+            <a:schemeClr val="accent1"/>
+          </a:fillRef>
+          <a:effectRef idx="0">
+            <a:schemeClr val="accent1"/>
+          </a:effectRef>
+          <a:fontRef idx="minor">
+            <a:schemeClr val="lt1"/>
+          </a:fontRef>
+        </p:style>
+        <p:txBody>
+          <a:bodyPr rtlCol="0" anchor="ctr"/>
+          <a:lstStyle/>
+          <a:p>
+            <a:pPr algn="ctr"/>
+            <a:endParaRPr lang="tr-TR"/>
+          </a:p>
+        </p:txBody>
+      </p:sp>
+      <p:sp>
+        <p:nvSpPr>
+          <p:cNvPr id="9" name="Rectangle 8">
+            <a:extLst>
+              <a:ext uri="{FF2B5EF4-FFF2-40B4-BE49-F238E27FC236}">
+                <a16:creationId xmlns:a16="http://schemas.microsoft.com/office/drawing/2014/main" id="{BED8BDE1-CFB1-4D3C-ACC6-F8B4A041E02C}"/>
+              </a:ext>
+            </a:extLst>
+          </p:cNvPr>
+          <p:cNvSpPr/>
+          <p:nvPr/>
+        </p:nvSpPr>
+        <p:spPr>
+          <a:xfrm>
+            <a:off x="1229932" y="1608641"/>
+            <a:ext cx="360000" cy="360000"/>
+          </a:xfrm>
+          <a:prstGeom prst="rect">
+            <a:avLst/>
+          </a:prstGeom>
+          <a:solidFill>
+            <a:schemeClr val="bg1"/>
+          </a:solidFill>
+          <a:ln>
+            <a:solidFill>
+              <a:schemeClr val="tx1"/>
+            </a:solidFill>
+          </a:ln>
+        </p:spPr>
+        <p:style>
+          <a:lnRef idx="2">
+            <a:schemeClr val="accent1">
+              <a:shade val="50000"/>
+            </a:schemeClr>
+          </a:lnRef>
+          <a:fillRef idx="1">
+            <a:schemeClr val="accent1"/>
+          </a:fillRef>
+          <a:effectRef idx="0">
+            <a:schemeClr val="accent1"/>
+          </a:effectRef>
+          <a:fontRef idx="minor">
+            <a:schemeClr val="lt1"/>
+          </a:fontRef>
+        </p:style>
+        <p:txBody>
+          <a:bodyPr rtlCol="0" anchor="ctr"/>
+          <a:lstStyle/>
+          <a:p>
+            <a:pPr algn="ctr"/>
+            <a:endParaRPr lang="tr-TR"/>
+          </a:p>
+        </p:txBody>
+      </p:sp>
+      <p:sp>
+        <p:nvSpPr>
+          <p:cNvPr id="14" name="TextBox 13">
+            <a:extLst>
+              <a:ext uri="{FF2B5EF4-FFF2-40B4-BE49-F238E27FC236}">
+                <a16:creationId xmlns:a16="http://schemas.microsoft.com/office/drawing/2014/main" id="{A24512DB-CA51-49E8-9B58-9E7B458D4EB5}"/>
+              </a:ext>
+            </a:extLst>
+          </p:cNvPr>
+          <p:cNvSpPr txBox="1"/>
+          <p:nvPr/>
+        </p:nvSpPr>
+        <p:spPr>
+          <a:xfrm>
+            <a:off x="1330103" y="914753"/>
+            <a:ext cx="159657" cy="307777"/>
+          </a:xfrm>
+          <a:prstGeom prst="rect">
+            <a:avLst/>
+          </a:prstGeom>
+          <a:noFill/>
+        </p:spPr>
+        <p:txBody>
+          <a:bodyPr wrap="square" rtlCol="0">
+            <a:spAutoFit/>
+          </a:bodyPr>
+          <a:lstStyle/>
+          <a:p>
+            <a:r>
+              <a:rPr lang="tr-TR" sz="1400" dirty="0">
+                <a:latin typeface="Times New Roman" panose="02020603050405020304" pitchFamily="18" charset="0"/>
+                <a:cs typeface="Times New Roman" panose="02020603050405020304" pitchFamily="18" charset="0"/>
+              </a:rPr>
+              <a:t>1</a:t>
+            </a:r>
+          </a:p>
+        </p:txBody>
+      </p:sp>
+      <p:sp>
+        <p:nvSpPr>
+          <p:cNvPr id="15" name="TextBox 14">
+            <a:extLst>
+              <a:ext uri="{FF2B5EF4-FFF2-40B4-BE49-F238E27FC236}">
+                <a16:creationId xmlns:a16="http://schemas.microsoft.com/office/drawing/2014/main" id="{D003FA65-6ACA-4B5C-88A0-016428055DE6}"/>
+              </a:ext>
+            </a:extLst>
+          </p:cNvPr>
+          <p:cNvSpPr txBox="1"/>
+          <p:nvPr/>
+        </p:nvSpPr>
+        <p:spPr>
+          <a:xfrm>
+            <a:off x="1328520" y="1271286"/>
+            <a:ext cx="159657" cy="307777"/>
+          </a:xfrm>
+          <a:prstGeom prst="rect">
+            <a:avLst/>
+          </a:prstGeom>
+          <a:noFill/>
+        </p:spPr>
+        <p:txBody>
+          <a:bodyPr wrap="square" rtlCol="0">
+            <a:spAutoFit/>
+          </a:bodyPr>
+          <a:lstStyle/>
+          <a:p>
+            <a:r>
+              <a:rPr lang="tr-TR" sz="1400" dirty="0">
+                <a:latin typeface="Times New Roman" panose="02020603050405020304" pitchFamily="18" charset="0"/>
+                <a:cs typeface="Times New Roman" panose="02020603050405020304" pitchFamily="18" charset="0"/>
+              </a:rPr>
+              <a:t>2</a:t>
+            </a:r>
+          </a:p>
+        </p:txBody>
+      </p:sp>
+      <p:sp>
+        <p:nvSpPr>
+          <p:cNvPr id="16" name="TextBox 15">
+            <a:extLst>
+              <a:ext uri="{FF2B5EF4-FFF2-40B4-BE49-F238E27FC236}">
+                <a16:creationId xmlns:a16="http://schemas.microsoft.com/office/drawing/2014/main" id="{CAF564AA-7B28-4157-94B3-CE2C6A386882}"/>
+              </a:ext>
+            </a:extLst>
+          </p:cNvPr>
+          <p:cNvSpPr txBox="1"/>
+          <p:nvPr/>
+        </p:nvSpPr>
+        <p:spPr>
+          <a:xfrm>
+            <a:off x="1328521" y="1659788"/>
+            <a:ext cx="159657" cy="307777"/>
+          </a:xfrm>
+          <a:prstGeom prst="rect">
+            <a:avLst/>
+          </a:prstGeom>
+          <a:noFill/>
+        </p:spPr>
+        <p:txBody>
+          <a:bodyPr wrap="square" rtlCol="0">
+            <a:spAutoFit/>
+          </a:bodyPr>
+          <a:lstStyle/>
+          <a:p>
+            <a:r>
+              <a:rPr lang="tr-TR" sz="1400" dirty="0">
+                <a:latin typeface="Times New Roman" panose="02020603050405020304" pitchFamily="18" charset="0"/>
+                <a:cs typeface="Times New Roman" panose="02020603050405020304" pitchFamily="18" charset="0"/>
+              </a:rPr>
+              <a:t>3</a:t>
+            </a:r>
+          </a:p>
+        </p:txBody>
+      </p:sp>
+      <p:sp>
+        <p:nvSpPr>
+          <p:cNvPr id="17" name="TextBox 16">
+            <a:extLst>
+              <a:ext uri="{FF2B5EF4-FFF2-40B4-BE49-F238E27FC236}">
+                <a16:creationId xmlns:a16="http://schemas.microsoft.com/office/drawing/2014/main" id="{98E0A993-4E50-4382-A238-4B0E7F261F9C}"/>
+              </a:ext>
+            </a:extLst>
+          </p:cNvPr>
+          <p:cNvSpPr txBox="1"/>
+          <p:nvPr/>
+        </p:nvSpPr>
+        <p:spPr>
+          <a:xfrm>
+            <a:off x="1319934" y="2015215"/>
+            <a:ext cx="159657" cy="307777"/>
+          </a:xfrm>
+          <a:prstGeom prst="rect">
+            <a:avLst/>
+          </a:prstGeom>
+          <a:noFill/>
+        </p:spPr>
+        <p:txBody>
+          <a:bodyPr wrap="square" rtlCol="0">
+            <a:spAutoFit/>
+          </a:bodyPr>
+          <a:lstStyle/>
+          <a:p>
+            <a:r>
+              <a:rPr lang="tr-TR" sz="1400" dirty="0">
+                <a:latin typeface="Times New Roman" panose="02020603050405020304" pitchFamily="18" charset="0"/>
+                <a:cs typeface="Times New Roman" panose="02020603050405020304" pitchFamily="18" charset="0"/>
+              </a:rPr>
+              <a:t>4</a:t>
+            </a:r>
+          </a:p>
+        </p:txBody>
+      </p:sp>
+      <p:sp>
+        <p:nvSpPr>
+          <p:cNvPr id="18" name="TextBox 17">
+            <a:extLst>
+              <a:ext uri="{FF2B5EF4-FFF2-40B4-BE49-F238E27FC236}">
+                <a16:creationId xmlns:a16="http://schemas.microsoft.com/office/drawing/2014/main" id="{C0FD4F12-AE84-4CA7-8ED4-85917FE14F93}"/>
+              </a:ext>
+            </a:extLst>
+          </p:cNvPr>
+          <p:cNvSpPr txBox="1"/>
+          <p:nvPr/>
+        </p:nvSpPr>
+        <p:spPr>
+          <a:xfrm>
+            <a:off x="1328520" y="2378039"/>
+            <a:ext cx="159657" cy="307777"/>
+          </a:xfrm>
+          <a:prstGeom prst="rect">
+            <a:avLst/>
+          </a:prstGeom>
+          <a:noFill/>
+        </p:spPr>
+        <p:txBody>
+          <a:bodyPr wrap="square" rtlCol="0">
+            <a:spAutoFit/>
+          </a:bodyPr>
+          <a:lstStyle/>
+          <a:p>
+            <a:r>
+              <a:rPr lang="tr-TR" sz="1400" dirty="0">
+                <a:latin typeface="Times New Roman" panose="02020603050405020304" pitchFamily="18" charset="0"/>
+                <a:cs typeface="Times New Roman" panose="02020603050405020304" pitchFamily="18" charset="0"/>
+              </a:rPr>
+              <a:t>5</a:t>
+            </a:r>
+          </a:p>
+        </p:txBody>
+      </p:sp>
+      <p:sp>
+        <p:nvSpPr>
+          <p:cNvPr id="19" name="TextBox 18">
+            <a:extLst>
+              <a:ext uri="{FF2B5EF4-FFF2-40B4-BE49-F238E27FC236}">
+                <a16:creationId xmlns:a16="http://schemas.microsoft.com/office/drawing/2014/main" id="{3D39A974-70CB-4FB4-BDF3-8AECB6611D16}"/>
+              </a:ext>
+            </a:extLst>
+          </p:cNvPr>
+          <p:cNvSpPr txBox="1"/>
+          <p:nvPr/>
+        </p:nvSpPr>
+        <p:spPr>
+          <a:xfrm>
+            <a:off x="1315698" y="2735214"/>
+            <a:ext cx="159657" cy="307777"/>
+          </a:xfrm>
+          <a:prstGeom prst="rect">
+            <a:avLst/>
+          </a:prstGeom>
+          <a:noFill/>
+        </p:spPr>
+        <p:txBody>
+          <a:bodyPr wrap="square" rtlCol="0">
+            <a:spAutoFit/>
+          </a:bodyPr>
+          <a:lstStyle/>
+          <a:p>
+            <a:r>
+              <a:rPr lang="tr-TR" sz="1400" dirty="0">
+                <a:latin typeface="Times New Roman" panose="02020603050405020304" pitchFamily="18" charset="0"/>
+                <a:cs typeface="Times New Roman" panose="02020603050405020304" pitchFamily="18" charset="0"/>
+              </a:rPr>
+              <a:t>6</a:t>
+            </a:r>
+          </a:p>
+        </p:txBody>
+      </p:sp>
+      <p:sp>
+        <p:nvSpPr>
+          <p:cNvPr id="20" name="TextBox 19">
+            <a:extLst>
+              <a:ext uri="{FF2B5EF4-FFF2-40B4-BE49-F238E27FC236}">
+                <a16:creationId xmlns:a16="http://schemas.microsoft.com/office/drawing/2014/main" id="{E02C97BD-29AC-4612-A1C3-167EFB24C211}"/>
+              </a:ext>
+            </a:extLst>
+          </p:cNvPr>
+          <p:cNvSpPr txBox="1"/>
+          <p:nvPr/>
+        </p:nvSpPr>
+        <p:spPr>
+          <a:xfrm>
+            <a:off x="1328519" y="3106514"/>
+            <a:ext cx="159657" cy="307777"/>
+          </a:xfrm>
+          <a:prstGeom prst="rect">
+            <a:avLst/>
+          </a:prstGeom>
+          <a:noFill/>
+        </p:spPr>
+        <p:txBody>
+          <a:bodyPr wrap="square" rtlCol="0">
+            <a:spAutoFit/>
+          </a:bodyPr>
+          <a:lstStyle/>
+          <a:p>
+            <a:r>
+              <a:rPr lang="tr-TR" sz="1400" dirty="0">
+                <a:latin typeface="Times New Roman" panose="02020603050405020304" pitchFamily="18" charset="0"/>
+                <a:cs typeface="Times New Roman" panose="02020603050405020304" pitchFamily="18" charset="0"/>
+              </a:rPr>
+              <a:t>7</a:t>
+            </a:r>
+          </a:p>
+        </p:txBody>
+      </p:sp>
+      <p:sp>
+        <p:nvSpPr>
+          <p:cNvPr id="21" name="TextBox 20">
+            <a:extLst>
+              <a:ext uri="{FF2B5EF4-FFF2-40B4-BE49-F238E27FC236}">
+                <a16:creationId xmlns:a16="http://schemas.microsoft.com/office/drawing/2014/main" id="{8EEAC1F7-306D-49B6-A939-FCCD5E956ABF}"/>
+              </a:ext>
+            </a:extLst>
+          </p:cNvPr>
+          <p:cNvSpPr txBox="1"/>
+          <p:nvPr/>
+        </p:nvSpPr>
+        <p:spPr>
+          <a:xfrm>
+            <a:off x="1328519" y="3450053"/>
+            <a:ext cx="159657" cy="307777"/>
+          </a:xfrm>
+          <a:prstGeom prst="rect">
+            <a:avLst/>
+          </a:prstGeom>
+          <a:noFill/>
+        </p:spPr>
+        <p:txBody>
+          <a:bodyPr wrap="square" rtlCol="0">
+            <a:spAutoFit/>
+          </a:bodyPr>
+          <a:lstStyle/>
+          <a:p>
+            <a:r>
+              <a:rPr lang="tr-TR" sz="1400" dirty="0">
+                <a:latin typeface="Times New Roman" panose="02020603050405020304" pitchFamily="18" charset="0"/>
+                <a:cs typeface="Times New Roman" panose="02020603050405020304" pitchFamily="18" charset="0"/>
+              </a:rPr>
+              <a:t>8</a:t>
+            </a:r>
           </a:p>
         </p:txBody>
       </p:sp>
       <p:cxnSp>
         <p:nvCxnSpPr>
-          <p:cNvPr id="8" name="Düz Ok Bağlayıcısı 7"/>
+          <p:cNvPr id="25" name="Straight Arrow Connector 24">
+            <a:extLst>
+              <a:ext uri="{FF2B5EF4-FFF2-40B4-BE49-F238E27FC236}">
+                <a16:creationId xmlns:a16="http://schemas.microsoft.com/office/drawing/2014/main" id="{EC20E840-F78E-4582-B0D1-353D2138BDBA}"/>
+              </a:ext>
+            </a:extLst>
+          </p:cNvPr>
           <p:cNvCxnSpPr>
-            <a:stCxn id="5" idx="0"/>
+            <a:cxnSpLocks/>
+            <a:stCxn id="2" idx="3"/>
           </p:cNvCxnSpPr>
           <p:nvPr/>
         </p:nvCxnSpPr>
         <p:spPr>
-          <a:xfrm flipV="1">
-            <a:off x="3111759" y="2192695"/>
-            <a:ext cx="0" cy="522514"/>
+          <a:xfrm>
+            <a:off x="1596372" y="1068641"/>
+            <a:ext cx="616445" cy="242797"/>
           </a:xfrm>
           <a:prstGeom prst="straightConnector1">
             <a:avLst/>
           </a:prstGeom>
-          <a:ln w="12700">
-            <a:solidFill>
-              <a:schemeClr val="tx1"/>
-            </a:solidFill>
-            <a:headEnd type="triangle" w="med" len="med"/>
-            <a:tailEnd type="none" w="med" len="med"/>
+          <a:ln>
+            <a:solidFill>
+              <a:schemeClr val="tx1"/>
+            </a:solidFill>
+            <a:tailEnd type="triangle"/>
           </a:ln>
         </p:spPr>
         <p:style>
@@ -48958,27 +48971,32 @@
       </p:cxnSp>
       <p:cxnSp>
         <p:nvCxnSpPr>
-          <p:cNvPr id="10" name="Düz Ok Bağlayıcısı 9"/>
-          <p:cNvCxnSpPr/>
+          <p:cNvPr id="37" name="Straight Arrow Connector 36">
+            <a:extLst>
+              <a:ext uri="{FF2B5EF4-FFF2-40B4-BE49-F238E27FC236}">
+                <a16:creationId xmlns:a16="http://schemas.microsoft.com/office/drawing/2014/main" id="{D6E4A1C7-6E46-4A95-8D13-9B82436891E6}"/>
+              </a:ext>
+            </a:extLst>
+          </p:cNvPr>
+          <p:cNvCxnSpPr>
+            <a:cxnSpLocks/>
+            <a:stCxn id="6" idx="3"/>
+          </p:cNvCxnSpPr>
           <p:nvPr/>
         </p:nvCxnSpPr>
         <p:spPr>
           <a:xfrm flipV="1">
-            <a:off x="2845836" y="3181739"/>
-            <a:ext cx="0" cy="522514"/>
+            <a:off x="1593152" y="1425174"/>
+            <a:ext cx="632546" cy="3467"/>
           </a:xfrm>
           <a:prstGeom prst="straightConnector1">
             <a:avLst/>
           </a:prstGeom>
-          <a:ln w="12700">
-            <a:solidFill>
-              <a:schemeClr val="tx1">
-                <a:lumMod val="50000"/>
-                <a:lumOff val="50000"/>
-              </a:schemeClr>
-            </a:solidFill>
-            <a:headEnd type="triangle" w="med" len="med"/>
-            <a:tailEnd type="none" w="med" len="med"/>
+          <a:ln>
+            <a:solidFill>
+              <a:schemeClr val="tx1"/>
+            </a:solidFill>
+            <a:tailEnd type="triangle"/>
           </a:ln>
         </p:spPr>
         <p:style>
@@ -48998,24 +49016,32 @@
       </p:cxnSp>
       <p:cxnSp>
         <p:nvCxnSpPr>
-          <p:cNvPr id="11" name="Düz Ok Bağlayıcısı 10"/>
-          <p:cNvCxnSpPr/>
+          <p:cNvPr id="39" name="Straight Arrow Connector 38">
+            <a:extLst>
+              <a:ext uri="{FF2B5EF4-FFF2-40B4-BE49-F238E27FC236}">
+                <a16:creationId xmlns:a16="http://schemas.microsoft.com/office/drawing/2014/main" id="{9FBB3549-3261-409E-A6FF-CAF5DDD2BB76}"/>
+              </a:ext>
+            </a:extLst>
+          </p:cNvPr>
+          <p:cNvCxnSpPr>
+            <a:cxnSpLocks/>
+            <a:stCxn id="9" idx="3"/>
+          </p:cNvCxnSpPr>
           <p:nvPr/>
         </p:nvCxnSpPr>
         <p:spPr>
           <a:xfrm flipV="1">
-            <a:off x="2279778" y="3181739"/>
-            <a:ext cx="0" cy="522514"/>
+            <a:off x="1589932" y="1550768"/>
+            <a:ext cx="622885" cy="237873"/>
           </a:xfrm>
           <a:prstGeom prst="straightConnector1">
             <a:avLst/>
           </a:prstGeom>
-          <a:ln w="12700">
-            <a:solidFill>
-              <a:schemeClr val="tx1"/>
-            </a:solidFill>
-            <a:headEnd type="triangle" w="med" len="med"/>
-            <a:tailEnd type="none" w="med" len="med"/>
+          <a:ln>
+            <a:solidFill>
+              <a:schemeClr val="tx1"/>
+            </a:solidFill>
+            <a:tailEnd type="triangle"/>
           </a:ln>
         </p:spPr>
         <p:style>
@@ -49035,27 +49061,31 @@
       </p:cxnSp>
       <p:cxnSp>
         <p:nvCxnSpPr>
-          <p:cNvPr id="12" name="Düz Ok Bağlayıcısı 11"/>
-          <p:cNvCxnSpPr/>
+          <p:cNvPr id="42" name="Straight Arrow Connector 41">
+            <a:extLst>
+              <a:ext uri="{FF2B5EF4-FFF2-40B4-BE49-F238E27FC236}">
+                <a16:creationId xmlns:a16="http://schemas.microsoft.com/office/drawing/2014/main" id="{EC82E923-4C91-4409-A5EC-193666717BC0}"/>
+              </a:ext>
+            </a:extLst>
+          </p:cNvPr>
+          <p:cNvCxnSpPr>
+            <a:cxnSpLocks/>
+          </p:cNvCxnSpPr>
           <p:nvPr/>
         </p:nvCxnSpPr>
         <p:spPr>
-          <a:xfrm flipV="1">
-            <a:off x="3402562" y="3181739"/>
-            <a:ext cx="0" cy="522514"/>
+          <a:xfrm>
+            <a:off x="1602813" y="2152025"/>
+            <a:ext cx="616445" cy="242797"/>
           </a:xfrm>
           <a:prstGeom prst="straightConnector1">
             <a:avLst/>
           </a:prstGeom>
-          <a:ln w="12700">
-            <a:solidFill>
-              <a:schemeClr val="tx1">
-                <a:lumMod val="50000"/>
-                <a:lumOff val="50000"/>
-              </a:schemeClr>
-            </a:solidFill>
-            <a:headEnd type="triangle" w="med" len="med"/>
-            <a:tailEnd type="none" w="med" len="med"/>
+          <a:ln>
+            <a:solidFill>
+              <a:schemeClr val="tx1"/>
+            </a:solidFill>
+            <a:tailEnd type="triangle"/>
           </a:ln>
         </p:spPr>
         <p:style>
@@ -49075,27 +49105,29 @@
       </p:cxnSp>
       <p:cxnSp>
         <p:nvCxnSpPr>
-          <p:cNvPr id="13" name="Düz Ok Bağlayıcısı 12"/>
+          <p:cNvPr id="43" name="Straight Arrow Connector 42">
+            <a:extLst>
+              <a:ext uri="{FF2B5EF4-FFF2-40B4-BE49-F238E27FC236}">
+                <a16:creationId xmlns:a16="http://schemas.microsoft.com/office/drawing/2014/main" id="{DA6D3461-47CA-4365-BFB3-5FF412C462C0}"/>
+              </a:ext>
+            </a:extLst>
+          </p:cNvPr>
           <p:cNvCxnSpPr/>
           <p:nvPr/>
         </p:nvCxnSpPr>
         <p:spPr>
           <a:xfrm flipV="1">
-            <a:off x="3937517" y="3181739"/>
-            <a:ext cx="0" cy="522514"/>
+            <a:off x="1599593" y="2508558"/>
+            <a:ext cx="632546" cy="3467"/>
           </a:xfrm>
           <a:prstGeom prst="straightConnector1">
             <a:avLst/>
           </a:prstGeom>
-          <a:ln w="12700">
-            <a:solidFill>
-              <a:schemeClr val="tx1">
-                <a:lumMod val="50000"/>
-                <a:lumOff val="50000"/>
-              </a:schemeClr>
-            </a:solidFill>
-            <a:headEnd type="triangle" w="med" len="med"/>
-            <a:tailEnd type="none" w="med" len="med"/>
+          <a:ln>
+            <a:solidFill>
+              <a:schemeClr val="tx1"/>
+            </a:solidFill>
+            <a:tailEnd type="triangle"/>
           </a:ln>
         </p:spPr>
         <p:style>
@@ -49115,24 +49147,117 @@
       </p:cxnSp>
       <p:cxnSp>
         <p:nvCxnSpPr>
-          <p:cNvPr id="14" name="Düz Ok Bağlayıcısı 13"/>
+          <p:cNvPr id="44" name="Straight Arrow Connector 43">
+            <a:extLst>
+              <a:ext uri="{FF2B5EF4-FFF2-40B4-BE49-F238E27FC236}">
+                <a16:creationId xmlns:a16="http://schemas.microsoft.com/office/drawing/2014/main" id="{FA931DDB-25D0-4152-836D-6CAFBD137D41}"/>
+              </a:ext>
+            </a:extLst>
+          </p:cNvPr>
+          <p:cNvCxnSpPr>
+            <a:cxnSpLocks/>
+          </p:cNvCxnSpPr>
+          <p:nvPr/>
+        </p:nvCxnSpPr>
+        <p:spPr>
+          <a:xfrm flipV="1">
+            <a:off x="1596373" y="2634152"/>
+            <a:ext cx="622885" cy="237873"/>
+          </a:xfrm>
+          <a:prstGeom prst="straightConnector1">
+            <a:avLst/>
+          </a:prstGeom>
+          <a:ln>
+            <a:solidFill>
+              <a:schemeClr val="tx1"/>
+            </a:solidFill>
+            <a:tailEnd type="triangle"/>
+          </a:ln>
+        </p:spPr>
+        <p:style>
+          <a:lnRef idx="1">
+            <a:schemeClr val="accent1"/>
+          </a:lnRef>
+          <a:fillRef idx="0">
+            <a:schemeClr val="accent1"/>
+          </a:fillRef>
+          <a:effectRef idx="0">
+            <a:schemeClr val="accent1"/>
+          </a:effectRef>
+          <a:fontRef idx="minor">
+            <a:schemeClr val="tx1"/>
+          </a:fontRef>
+        </p:style>
+      </p:cxnSp>
+      <p:cxnSp>
+        <p:nvCxnSpPr>
+          <p:cNvPr id="45" name="Straight Arrow Connector 44">
+            <a:extLst>
+              <a:ext uri="{FF2B5EF4-FFF2-40B4-BE49-F238E27FC236}">
+                <a16:creationId xmlns:a16="http://schemas.microsoft.com/office/drawing/2014/main" id="{C84530C4-05E4-4D7A-8E8D-D2CF2A017B52}"/>
+              </a:ext>
+            </a:extLst>
+          </p:cNvPr>
+          <p:cNvCxnSpPr>
+            <a:cxnSpLocks/>
+          </p:cNvCxnSpPr>
+          <p:nvPr/>
+        </p:nvCxnSpPr>
+        <p:spPr>
+          <a:xfrm>
+            <a:off x="1596372" y="3233406"/>
+            <a:ext cx="616445" cy="242797"/>
+          </a:xfrm>
+          <a:prstGeom prst="straightConnector1">
+            <a:avLst/>
+          </a:prstGeom>
+          <a:ln>
+            <a:solidFill>
+              <a:schemeClr val="tx1"/>
+            </a:solidFill>
+            <a:tailEnd type="triangle"/>
+          </a:ln>
+        </p:spPr>
+        <p:style>
+          <a:lnRef idx="1">
+            <a:schemeClr val="accent1"/>
+          </a:lnRef>
+          <a:fillRef idx="0">
+            <a:schemeClr val="accent1"/>
+          </a:fillRef>
+          <a:effectRef idx="0">
+            <a:schemeClr val="accent1"/>
+          </a:effectRef>
+          <a:fontRef idx="minor">
+            <a:schemeClr val="tx1"/>
+          </a:fontRef>
+        </p:style>
+      </p:cxnSp>
+      <p:cxnSp>
+        <p:nvCxnSpPr>
+          <p:cNvPr id="46" name="Straight Arrow Connector 45">
+            <a:extLst>
+              <a:ext uri="{FF2B5EF4-FFF2-40B4-BE49-F238E27FC236}">
+                <a16:creationId xmlns:a16="http://schemas.microsoft.com/office/drawing/2014/main" id="{15F6F04B-3893-4D38-98A8-5D95A639CDC1}"/>
+              </a:ext>
+            </a:extLst>
+          </p:cNvPr>
           <p:cNvCxnSpPr/>
           <p:nvPr/>
         </p:nvCxnSpPr>
         <p:spPr>
           <a:xfrm flipV="1">
-            <a:off x="3091543" y="4170783"/>
-            <a:ext cx="0" cy="522514"/>
+            <a:off x="1593152" y="3589939"/>
+            <a:ext cx="632546" cy="3467"/>
           </a:xfrm>
           <a:prstGeom prst="straightConnector1">
             <a:avLst/>
           </a:prstGeom>
-          <a:ln w="12700">
-            <a:solidFill>
-              <a:schemeClr val="tx1"/>
-            </a:solidFill>
-            <a:headEnd type="triangle" w="med" len="med"/>
-            <a:tailEnd type="none" w="med" len="med"/>
+          <a:ln>
+            <a:solidFill>
+              <a:schemeClr val="tx1"/>
+            </a:solidFill>
+            <a:tailEnd type="triangle"/>
           </a:ln>
         </p:spPr>
         <p:style>
@@ -49150,229 +49275,10 @@
           </a:fontRef>
         </p:style>
       </p:cxnSp>
-      <p:sp>
-        <p:nvSpPr>
-          <p:cNvPr id="2" name="TextBox 1"/>
-          <p:cNvSpPr txBox="1"/>
-          <p:nvPr/>
-        </p:nvSpPr>
-        <p:spPr>
-          <a:xfrm>
-            <a:off x="2798704" y="2794585"/>
-            <a:ext cx="626110" cy="307777"/>
-          </a:xfrm>
-          <a:prstGeom prst="rect">
-            <a:avLst/>
-          </a:prstGeom>
-          <a:noFill/>
-        </p:spPr>
-        <p:txBody>
-          <a:bodyPr wrap="square" rtlCol="0">
-            <a:spAutoFit/>
-          </a:bodyPr>
-          <a:lstStyle/>
-          <a:p>
-            <a:r>
-              <a:rPr lang="en-GB" sz="1400" dirty="0" smtClean="0">
-                <a:latin typeface="Times New Roman" panose="02020603050405020304" pitchFamily="18" charset="0"/>
-                <a:cs typeface="Times New Roman" panose="02020603050405020304" pitchFamily="18" charset="0"/>
-              </a:rPr>
-              <a:t>Fork</a:t>
-            </a:r>
-            <a:endParaRPr lang="en-GB" sz="1400" dirty="0">
-              <a:latin typeface="Times New Roman" panose="02020603050405020304" pitchFamily="18" charset="0"/>
-              <a:cs typeface="Times New Roman" panose="02020603050405020304" pitchFamily="18" charset="0"/>
-            </a:endParaRPr>
-          </a:p>
-        </p:txBody>
-      </p:sp>
-      <p:sp>
-        <p:nvSpPr>
-          <p:cNvPr id="17" name="TextBox 16"/>
-          <p:cNvSpPr txBox="1"/>
-          <p:nvPr/>
-        </p:nvSpPr>
-        <p:spPr>
-          <a:xfrm>
-            <a:off x="2618397" y="1957729"/>
-            <a:ext cx="986724" cy="261610"/>
-          </a:xfrm>
-          <a:prstGeom prst="rect">
-            <a:avLst/>
-          </a:prstGeom>
-          <a:noFill/>
-        </p:spPr>
-        <p:txBody>
-          <a:bodyPr wrap="square" rtlCol="0">
-            <a:spAutoFit/>
-          </a:bodyPr>
-          <a:lstStyle/>
-          <a:p>
-            <a:r>
-              <a:rPr lang="en-GB" sz="1050" dirty="0" smtClean="0">
-                <a:latin typeface="Times New Roman" panose="02020603050405020304" pitchFamily="18" charset="0"/>
-                <a:cs typeface="Times New Roman" panose="02020603050405020304" pitchFamily="18" charset="0"/>
-              </a:rPr>
-              <a:t>Initial Thread</a:t>
-            </a:r>
-            <a:endParaRPr lang="en-GB" sz="1050" dirty="0">
-              <a:latin typeface="Times New Roman" panose="02020603050405020304" pitchFamily="18" charset="0"/>
-              <a:cs typeface="Times New Roman" panose="02020603050405020304" pitchFamily="18" charset="0"/>
-            </a:endParaRPr>
-          </a:p>
-        </p:txBody>
-      </p:sp>
-      <p:sp>
-        <p:nvSpPr>
-          <p:cNvPr id="18" name="TextBox 17"/>
-          <p:cNvSpPr txBox="1"/>
-          <p:nvPr/>
-        </p:nvSpPr>
-        <p:spPr>
-          <a:xfrm>
-            <a:off x="4623870" y="3312191"/>
-            <a:ext cx="1318500" cy="261610"/>
-          </a:xfrm>
-          <a:prstGeom prst="rect">
-            <a:avLst/>
-          </a:prstGeom>
-          <a:noFill/>
-        </p:spPr>
-        <p:txBody>
-          <a:bodyPr wrap="square" rtlCol="0">
-            <a:spAutoFit/>
-          </a:bodyPr>
-          <a:lstStyle/>
-          <a:p>
-            <a:r>
-              <a:rPr lang="en-GB" sz="1050" dirty="0" smtClean="0">
-                <a:latin typeface="Times New Roman" panose="02020603050405020304" pitchFamily="18" charset="0"/>
-                <a:cs typeface="Times New Roman" panose="02020603050405020304" pitchFamily="18" charset="0"/>
-              </a:rPr>
-              <a:t>Team of Threads</a:t>
-            </a:r>
-          </a:p>
-        </p:txBody>
-      </p:sp>
-      <p:sp>
-        <p:nvSpPr>
-          <p:cNvPr id="3" name="Right Brace 2"/>
-          <p:cNvSpPr/>
-          <p:nvPr/>
-        </p:nvSpPr>
-        <p:spPr>
-          <a:xfrm>
-            <a:off x="4512338" y="3181739"/>
-            <a:ext cx="119602" cy="522514"/>
-          </a:xfrm>
-          <a:prstGeom prst="rightBrace">
-            <a:avLst/>
-          </a:prstGeom>
-          <a:ln>
-            <a:solidFill>
-              <a:schemeClr val="tx1"/>
-            </a:solidFill>
-          </a:ln>
-        </p:spPr>
-        <p:style>
-          <a:lnRef idx="1">
-            <a:schemeClr val="accent1"/>
-          </a:lnRef>
-          <a:fillRef idx="0">
-            <a:schemeClr val="accent1"/>
-          </a:fillRef>
-          <a:effectRef idx="0">
-            <a:schemeClr val="accent1"/>
-          </a:effectRef>
-          <a:fontRef idx="minor">
-            <a:schemeClr val="tx1"/>
-          </a:fontRef>
-        </p:style>
-        <p:txBody>
-          <a:bodyPr rtlCol="0" anchor="ctr"/>
-          <a:lstStyle/>
-          <a:p>
-            <a:pPr algn="ctr"/>
-            <a:endParaRPr lang="en-GB"/>
-          </a:p>
-        </p:txBody>
-      </p:sp>
-      <p:sp>
-        <p:nvSpPr>
-          <p:cNvPr id="19" name="TextBox 18"/>
-          <p:cNvSpPr txBox="1"/>
-          <p:nvPr/>
-        </p:nvSpPr>
-        <p:spPr>
-          <a:xfrm>
-            <a:off x="2618397" y="4666653"/>
-            <a:ext cx="986724" cy="261610"/>
-          </a:xfrm>
-          <a:prstGeom prst="rect">
-            <a:avLst/>
-          </a:prstGeom>
-          <a:noFill/>
-        </p:spPr>
-        <p:txBody>
-          <a:bodyPr wrap="square" rtlCol="0">
-            <a:spAutoFit/>
-          </a:bodyPr>
-          <a:lstStyle/>
-          <a:p>
-            <a:r>
-              <a:rPr lang="en-GB" sz="1050" dirty="0" smtClean="0">
-                <a:latin typeface="Times New Roman" panose="02020603050405020304" pitchFamily="18" charset="0"/>
-                <a:cs typeface="Times New Roman" panose="02020603050405020304" pitchFamily="18" charset="0"/>
-              </a:rPr>
-              <a:t>Initial Thread</a:t>
-            </a:r>
-            <a:endParaRPr lang="en-GB" sz="1050" dirty="0">
-              <a:latin typeface="Times New Roman" panose="02020603050405020304" pitchFamily="18" charset="0"/>
-              <a:cs typeface="Times New Roman" panose="02020603050405020304" pitchFamily="18" charset="0"/>
-            </a:endParaRPr>
-          </a:p>
-        </p:txBody>
-      </p:sp>
-      <p:sp>
-        <p:nvSpPr>
-          <p:cNvPr id="20" name="TextBox 19"/>
-          <p:cNvSpPr txBox="1"/>
-          <p:nvPr/>
-        </p:nvSpPr>
-        <p:spPr>
-          <a:xfrm>
-            <a:off x="2845836" y="3758845"/>
-            <a:ext cx="626110" cy="307777"/>
-          </a:xfrm>
-          <a:prstGeom prst="rect">
-            <a:avLst/>
-          </a:prstGeom>
-          <a:noFill/>
-        </p:spPr>
-        <p:txBody>
-          <a:bodyPr wrap="square" rtlCol="0">
-            <a:spAutoFit/>
-          </a:bodyPr>
-          <a:lstStyle/>
-          <a:p>
-            <a:r>
-              <a:rPr lang="en-GB" sz="1400" dirty="0" smtClean="0">
-                <a:latin typeface="Times New Roman" panose="02020603050405020304" pitchFamily="18" charset="0"/>
-                <a:cs typeface="Times New Roman" panose="02020603050405020304" pitchFamily="18" charset="0"/>
-              </a:rPr>
-              <a:t>Join</a:t>
-            </a:r>
-            <a:endParaRPr lang="en-GB" sz="1400" dirty="0">
-              <a:latin typeface="Times New Roman" panose="02020603050405020304" pitchFamily="18" charset="0"/>
-              <a:cs typeface="Times New Roman" panose="02020603050405020304" pitchFamily="18" charset="0"/>
-            </a:endParaRPr>
-          </a:p>
-        </p:txBody>
-      </p:sp>
     </p:spTree>
     <p:extLst>
       <p:ext uri="{BB962C8B-B14F-4D97-AF65-F5344CB8AC3E}">
-        <p14:creationId xmlns:p14="http://schemas.microsoft.com/office/powerpoint/2010/main" val="352991453"/>
+        <p14:creationId xmlns:p14="http://schemas.microsoft.com/office/powerpoint/2010/main" val="3365322022"/>
       </p:ext>
     </p:extLst>
   </p:cSld>
